--- a/presentation/Presentation.pptx
+++ b/presentation/Presentation.pptx
@@ -7,7 +7,7 @@
     <p:sldMasterId id="2147483667" r:id="rId3"/>
   </p:sldMasterIdLst>
   <p:notesMasterIdLst>
-    <p:notesMasterId r:id="rId21"/>
+    <p:notesMasterId r:id="rId26"/>
   </p:notesMasterIdLst>
   <p:sldIdLst>
     <p:sldId id="256" r:id="rId4"/>
@@ -20,13 +20,18 @@
     <p:sldId id="261" r:id="rId11"/>
     <p:sldId id="262" r:id="rId12"/>
     <p:sldId id="263" r:id="rId13"/>
-    <p:sldId id="264" r:id="rId14"/>
-    <p:sldId id="265" r:id="rId15"/>
-    <p:sldId id="266" r:id="rId16"/>
-    <p:sldId id="267" r:id="rId17"/>
-    <p:sldId id="268" r:id="rId18"/>
-    <p:sldId id="269" r:id="rId19"/>
-    <p:sldId id="270" r:id="rId20"/>
+    <p:sldId id="273" r:id="rId14"/>
+    <p:sldId id="276" r:id="rId15"/>
+    <p:sldId id="264" r:id="rId16"/>
+    <p:sldId id="278" r:id="rId17"/>
+    <p:sldId id="277" r:id="rId18"/>
+    <p:sldId id="265" r:id="rId19"/>
+    <p:sldId id="275" r:id="rId20"/>
+    <p:sldId id="266" r:id="rId21"/>
+    <p:sldId id="267" r:id="rId22"/>
+    <p:sldId id="268" r:id="rId23"/>
+    <p:sldId id="269" r:id="rId24"/>
+    <p:sldId id="270" r:id="rId25"/>
   </p:sldIdLst>
   <p:sldSz cx="9144000" cy="6858000" type="screen4x3"/>
   <p:notesSz cx="6858000" cy="9144000"/>
@@ -155,6 +160,11 @@
       </a:defRPr>
     </a:lvl9pPr>
   </p:defaultTextStyle>
+  <p:extLst>
+    <p:ext uri="{EFAFB233-063F-42B5-8137-9DF3F51BA10A}">
+      <p15:sldGuideLst xmlns:p15="http://schemas.microsoft.com/office/powerpoint/2012/main"/>
+    </p:ext>
+  </p:extLst>
 </p:presentation>
 </file>
 
@@ -1002,6 +1012,1263 @@
     <p:extLst>
       <p:ext uri="{BB962C8B-B14F-4D97-AF65-F5344CB8AC3E}">
         <p14:creationId xmlns:p14="http://schemas.microsoft.com/office/powerpoint/2010/main" val="3708552034"/>
+      </p:ext>
+    </p:extLst>
+  </p:cSld>
+  <p:clrMapOvr>
+    <a:masterClrMapping/>
+  </p:clrMapOvr>
+</p:notes>
+</file>
+
+<file path=ppt/notesSlides/notesSlide4.xml><?xml version="1.0" encoding="utf-8"?>
+<p:notes xmlns:a="http://schemas.openxmlformats.org/drawingml/2006/main" xmlns:r="http://schemas.openxmlformats.org/officeDocument/2006/relationships" xmlns:p="http://schemas.openxmlformats.org/presentationml/2006/main">
+  <p:cSld>
+    <p:spTree>
+      <p:nvGrpSpPr>
+        <p:cNvPr id="1" name=""/>
+        <p:cNvGrpSpPr/>
+        <p:nvPr/>
+      </p:nvGrpSpPr>
+      <p:grpSpPr>
+        <a:xfrm>
+          <a:off x="0" y="0"/>
+          <a:ext cx="0" cy="0"/>
+          <a:chOff x="0" y="0"/>
+          <a:chExt cx="0" cy="0"/>
+        </a:xfrm>
+      </p:grpSpPr>
+      <p:sp>
+        <p:nvSpPr>
+          <p:cNvPr id="2" name="Folienbildplatzhalter 1"/>
+          <p:cNvSpPr>
+            <a:spLocks noGrp="1" noRot="1" noChangeAspect="1"/>
+          </p:cNvSpPr>
+          <p:nvPr>
+            <p:ph type="sldImg"/>
+          </p:nvPr>
+        </p:nvSpPr>
+        <p:spPr/>
+      </p:sp>
+      <p:sp>
+        <p:nvSpPr>
+          <p:cNvPr id="3" name="Notizenplatzhalter 2"/>
+          <p:cNvSpPr>
+            <a:spLocks noGrp="1"/>
+          </p:cNvSpPr>
+          <p:nvPr>
+            <p:ph type="body" idx="1"/>
+          </p:nvPr>
+        </p:nvSpPr>
+        <p:spPr/>
+        <p:txBody>
+          <a:bodyPr/>
+          <a:lstStyle/>
+          <a:p>
+            <a:r>
+              <a:rPr lang="de-AT" dirty="0" smtClean="0"/>
+              <a:t>Relevant = </a:t>
+            </a:r>
+            <a:r>
+              <a:rPr lang="de-AT" dirty="0" err="1" smtClean="0"/>
+              <a:t>depends</a:t>
+            </a:r>
+            <a:r>
+              <a:rPr lang="de-AT" dirty="0" smtClean="0"/>
+              <a:t> on </a:t>
+            </a:r>
+            <a:r>
+              <a:rPr lang="de-AT" dirty="0" err="1" smtClean="0"/>
+              <a:t>application</a:t>
+            </a:r>
+            <a:r>
+              <a:rPr lang="de-AT" dirty="0" smtClean="0"/>
+              <a:t>, but in </a:t>
+            </a:r>
+            <a:r>
+              <a:rPr lang="de-AT" dirty="0" err="1" smtClean="0"/>
+              <a:t>genereal</a:t>
+            </a:r>
+            <a:r>
+              <a:rPr lang="de-AT" dirty="0" smtClean="0"/>
+              <a:t>:</a:t>
+            </a:r>
+            <a:br>
+              <a:rPr lang="de-AT" dirty="0" smtClean="0"/>
+            </a:br>
+            <a:r>
+              <a:rPr lang="de-AT" dirty="0" err="1" smtClean="0"/>
+              <a:t>Discriminating</a:t>
+            </a:r>
+            <a:r>
+              <a:rPr lang="de-AT" baseline="0" dirty="0" smtClean="0"/>
+              <a:t> </a:t>
+            </a:r>
+            <a:r>
+              <a:rPr lang="de-AT" baseline="0" dirty="0" err="1" smtClean="0"/>
+              <a:t>feature</a:t>
+            </a:r>
+            <a:r>
+              <a:rPr lang="de-AT" baseline="0" dirty="0" smtClean="0"/>
+              <a:t> = </a:t>
+            </a:r>
+            <a:r>
+              <a:rPr lang="de-AT" baseline="0" dirty="0" err="1" smtClean="0"/>
+              <a:t>when</a:t>
+            </a:r>
+            <a:r>
+              <a:rPr lang="de-AT" baseline="0" dirty="0" smtClean="0"/>
+              <a:t> </a:t>
+            </a:r>
+            <a:r>
+              <a:rPr lang="de-AT" baseline="0" dirty="0" err="1" smtClean="0"/>
+              <a:t>looking</a:t>
+            </a:r>
+            <a:r>
+              <a:rPr lang="de-AT" baseline="0" dirty="0" smtClean="0"/>
+              <a:t> at </a:t>
+            </a:r>
+            <a:r>
+              <a:rPr lang="de-AT" baseline="0" dirty="0" err="1" smtClean="0"/>
+              <a:t>the</a:t>
+            </a:r>
+            <a:r>
+              <a:rPr lang="de-AT" baseline="0" dirty="0" smtClean="0"/>
+              <a:t> </a:t>
+            </a:r>
+            <a:r>
+              <a:rPr lang="de-AT" baseline="0" dirty="0" err="1" smtClean="0"/>
+              <a:t>feature</a:t>
+            </a:r>
+            <a:r>
+              <a:rPr lang="de-AT" baseline="0" dirty="0" smtClean="0"/>
+              <a:t>, </a:t>
+            </a:r>
+            <a:r>
+              <a:rPr lang="de-AT" baseline="0" dirty="0" err="1" smtClean="0"/>
+              <a:t>clear</a:t>
+            </a:r>
+            <a:r>
+              <a:rPr lang="de-AT" baseline="0" dirty="0" smtClean="0"/>
+              <a:t> </a:t>
+            </a:r>
+            <a:r>
+              <a:rPr lang="de-AT" baseline="0" dirty="0" err="1" smtClean="0"/>
+              <a:t>classification</a:t>
+            </a:r>
+            <a:r>
+              <a:rPr lang="de-AT" baseline="0" dirty="0" smtClean="0"/>
+              <a:t> </a:t>
+            </a:r>
+            <a:r>
+              <a:rPr lang="de-AT" baseline="0" dirty="0" err="1" smtClean="0"/>
+              <a:t>can</a:t>
+            </a:r>
+            <a:r>
+              <a:rPr lang="de-AT" baseline="0" dirty="0" smtClean="0"/>
+              <a:t> </a:t>
+            </a:r>
+            <a:r>
+              <a:rPr lang="de-AT" baseline="0" dirty="0" err="1" smtClean="0"/>
+              <a:t>be</a:t>
+            </a:r>
+            <a:r>
+              <a:rPr lang="de-AT" baseline="0" dirty="0" smtClean="0"/>
+              <a:t> </a:t>
+            </a:r>
+            <a:r>
+              <a:rPr lang="de-AT" baseline="0" dirty="0" err="1" smtClean="0"/>
+              <a:t>done</a:t>
+            </a:r>
+            <a:r>
+              <a:rPr lang="de-AT" baseline="0" dirty="0" smtClean="0"/>
+              <a:t> </a:t>
+            </a:r>
+          </a:p>
+          <a:p>
+            <a:r>
+              <a:rPr lang="de-AT" baseline="0" dirty="0" err="1" smtClean="0"/>
+              <a:t>No</a:t>
+            </a:r>
+            <a:r>
+              <a:rPr lang="de-AT" baseline="0" dirty="0" smtClean="0"/>
+              <a:t> </a:t>
+            </a:r>
+            <a:r>
+              <a:rPr lang="de-AT" baseline="0" dirty="0" err="1" smtClean="0"/>
+              <a:t>redundancy</a:t>
+            </a:r>
+            <a:r>
+              <a:rPr lang="de-AT" baseline="0" dirty="0" smtClean="0"/>
+              <a:t> = </a:t>
+            </a:r>
+            <a:r>
+              <a:rPr lang="de-AT" baseline="0" dirty="0" err="1" smtClean="0"/>
+              <a:t>two</a:t>
+            </a:r>
+            <a:r>
+              <a:rPr lang="de-AT" baseline="0" dirty="0" smtClean="0"/>
+              <a:t> </a:t>
+            </a:r>
+            <a:r>
+              <a:rPr lang="de-AT" baseline="0" dirty="0" err="1" smtClean="0"/>
+              <a:t>features</a:t>
+            </a:r>
+            <a:r>
+              <a:rPr lang="de-AT" baseline="0" dirty="0" smtClean="0"/>
+              <a:t> </a:t>
+            </a:r>
+            <a:r>
+              <a:rPr lang="de-AT" baseline="0" dirty="0" err="1" smtClean="0"/>
+              <a:t>should</a:t>
+            </a:r>
+            <a:r>
+              <a:rPr lang="de-AT" baseline="0" dirty="0" smtClean="0"/>
+              <a:t> not </a:t>
+            </a:r>
+            <a:r>
+              <a:rPr lang="de-AT" baseline="0" dirty="0" err="1" smtClean="0"/>
+              <a:t>lead</a:t>
+            </a:r>
+            <a:r>
+              <a:rPr lang="de-AT" baseline="0" dirty="0" smtClean="0"/>
+              <a:t> </a:t>
+            </a:r>
+            <a:r>
+              <a:rPr lang="de-AT" baseline="0" dirty="0" err="1" smtClean="0"/>
+              <a:t>to</a:t>
+            </a:r>
+            <a:r>
+              <a:rPr lang="de-AT" baseline="0" dirty="0" smtClean="0"/>
+              <a:t> same </a:t>
+            </a:r>
+            <a:r>
+              <a:rPr lang="de-AT" baseline="0" dirty="0" err="1" smtClean="0"/>
+              <a:t>information</a:t>
+            </a:r>
+            <a:endParaRPr lang="de-AT" baseline="0" dirty="0" smtClean="0"/>
+          </a:p>
+          <a:p>
+            <a:endParaRPr lang="de-AT" dirty="0"/>
+          </a:p>
+        </p:txBody>
+      </p:sp>
+      <p:sp>
+        <p:nvSpPr>
+          <p:cNvPr id="4" name="Foliennummernplatzhalter 3"/>
+          <p:cNvSpPr>
+            <a:spLocks noGrp="1"/>
+          </p:cNvSpPr>
+          <p:nvPr>
+            <p:ph type="sldNum" sz="quarter" idx="10"/>
+          </p:nvPr>
+        </p:nvSpPr>
+        <p:spPr/>
+        <p:txBody>
+          <a:bodyPr/>
+          <a:lstStyle/>
+          <a:p>
+            <a:fld id="{07914D93-ABC8-448C-8296-85FD12164B61}" type="slidenum">
+              <a:rPr lang="de-DE" altLang="de-DE" smtClean="0"/>
+              <a:pPr/>
+              <a:t>6</a:t>
+            </a:fld>
+            <a:endParaRPr lang="de-DE" altLang="de-DE"/>
+          </a:p>
+        </p:txBody>
+      </p:sp>
+    </p:spTree>
+    <p:extLst>
+      <p:ext uri="{BB962C8B-B14F-4D97-AF65-F5344CB8AC3E}">
+        <p14:creationId xmlns:p14="http://schemas.microsoft.com/office/powerpoint/2010/main" val="1781391592"/>
+      </p:ext>
+    </p:extLst>
+  </p:cSld>
+  <p:clrMapOvr>
+    <a:masterClrMapping/>
+  </p:clrMapOvr>
+</p:notes>
+</file>
+
+<file path=ppt/notesSlides/notesSlide5.xml><?xml version="1.0" encoding="utf-8"?>
+<p:notes xmlns:a="http://schemas.openxmlformats.org/drawingml/2006/main" xmlns:r="http://schemas.openxmlformats.org/officeDocument/2006/relationships" xmlns:p="http://schemas.openxmlformats.org/presentationml/2006/main">
+  <p:cSld>
+    <p:spTree>
+      <p:nvGrpSpPr>
+        <p:cNvPr id="1" name=""/>
+        <p:cNvGrpSpPr/>
+        <p:nvPr/>
+      </p:nvGrpSpPr>
+      <p:grpSpPr>
+        <a:xfrm>
+          <a:off x="0" y="0"/>
+          <a:ext cx="0" cy="0"/>
+          <a:chOff x="0" y="0"/>
+          <a:chExt cx="0" cy="0"/>
+        </a:xfrm>
+      </p:grpSpPr>
+      <p:sp>
+        <p:nvSpPr>
+          <p:cNvPr id="2" name="Folienbildplatzhalter 1"/>
+          <p:cNvSpPr>
+            <a:spLocks noGrp="1" noRot="1" noChangeAspect="1"/>
+          </p:cNvSpPr>
+          <p:nvPr>
+            <p:ph type="sldImg"/>
+          </p:nvPr>
+        </p:nvSpPr>
+        <p:spPr/>
+      </p:sp>
+      <p:sp>
+        <p:nvSpPr>
+          <p:cNvPr id="3" name="Notizenplatzhalter 2"/>
+          <p:cNvSpPr>
+            <a:spLocks noGrp="1"/>
+          </p:cNvSpPr>
+          <p:nvPr>
+            <p:ph type="body" idx="1"/>
+          </p:nvPr>
+        </p:nvSpPr>
+        <p:spPr/>
+        <p:txBody>
+          <a:bodyPr/>
+          <a:lstStyle/>
+          <a:p>
+            <a:endParaRPr lang="de-AT" dirty="0"/>
+          </a:p>
+        </p:txBody>
+      </p:sp>
+      <p:sp>
+        <p:nvSpPr>
+          <p:cNvPr id="4" name="Foliennummernplatzhalter 3"/>
+          <p:cNvSpPr>
+            <a:spLocks noGrp="1"/>
+          </p:cNvSpPr>
+          <p:nvPr>
+            <p:ph type="sldNum" sz="quarter" idx="10"/>
+          </p:nvPr>
+        </p:nvSpPr>
+        <p:spPr/>
+        <p:txBody>
+          <a:bodyPr/>
+          <a:lstStyle/>
+          <a:p>
+            <a:fld id="{07914D93-ABC8-448C-8296-85FD12164B61}" type="slidenum">
+              <a:rPr lang="de-DE" altLang="de-DE" smtClean="0"/>
+              <a:pPr/>
+              <a:t>10</a:t>
+            </a:fld>
+            <a:endParaRPr lang="de-DE" altLang="de-DE"/>
+          </a:p>
+        </p:txBody>
+      </p:sp>
+    </p:spTree>
+    <p:extLst>
+      <p:ext uri="{BB962C8B-B14F-4D97-AF65-F5344CB8AC3E}">
+        <p14:creationId xmlns:p14="http://schemas.microsoft.com/office/powerpoint/2010/main" val="1935011210"/>
+      </p:ext>
+    </p:extLst>
+  </p:cSld>
+  <p:clrMapOvr>
+    <a:masterClrMapping/>
+  </p:clrMapOvr>
+</p:notes>
+</file>
+
+<file path=ppt/notesSlides/notesSlide6.xml><?xml version="1.0" encoding="utf-8"?>
+<p:notes xmlns:a="http://schemas.openxmlformats.org/drawingml/2006/main" xmlns:r="http://schemas.openxmlformats.org/officeDocument/2006/relationships" xmlns:p="http://schemas.openxmlformats.org/presentationml/2006/main">
+  <p:cSld>
+    <p:spTree>
+      <p:nvGrpSpPr>
+        <p:cNvPr id="1" name=""/>
+        <p:cNvGrpSpPr/>
+        <p:nvPr/>
+      </p:nvGrpSpPr>
+      <p:grpSpPr>
+        <a:xfrm>
+          <a:off x="0" y="0"/>
+          <a:ext cx="0" cy="0"/>
+          <a:chOff x="0" y="0"/>
+          <a:chExt cx="0" cy="0"/>
+        </a:xfrm>
+      </p:grpSpPr>
+      <p:sp>
+        <p:nvSpPr>
+          <p:cNvPr id="2" name="Folienbildplatzhalter 1"/>
+          <p:cNvSpPr>
+            <a:spLocks noGrp="1" noRot="1" noChangeAspect="1"/>
+          </p:cNvSpPr>
+          <p:nvPr>
+            <p:ph type="sldImg"/>
+          </p:nvPr>
+        </p:nvSpPr>
+        <p:spPr/>
+      </p:sp>
+      <p:sp>
+        <p:nvSpPr>
+          <p:cNvPr id="3" name="Notizenplatzhalter 2"/>
+          <p:cNvSpPr>
+            <a:spLocks noGrp="1"/>
+          </p:cNvSpPr>
+          <p:nvPr>
+            <p:ph type="body" idx="1"/>
+          </p:nvPr>
+        </p:nvSpPr>
+        <p:spPr/>
+        <p:txBody>
+          <a:bodyPr/>
+          <a:lstStyle/>
+          <a:p>
+            <a:r>
+              <a:rPr lang="de-AT" dirty="0" smtClean="0"/>
+              <a:t>Fit </a:t>
+            </a:r>
+            <a:r>
+              <a:rPr lang="de-AT" dirty="0" err="1" smtClean="0"/>
+              <a:t>classifier</a:t>
+            </a:r>
+            <a:r>
+              <a:rPr lang="de-AT" dirty="0" smtClean="0"/>
+              <a:t> </a:t>
+            </a:r>
+            <a:r>
+              <a:rPr lang="de-AT" dirty="0" err="1" smtClean="0"/>
+              <a:t>best</a:t>
+            </a:r>
+            <a:r>
+              <a:rPr lang="de-AT" dirty="0" smtClean="0"/>
+              <a:t> = </a:t>
+            </a:r>
+            <a:r>
+              <a:rPr lang="de-AT" dirty="0" err="1" smtClean="0"/>
+              <a:t>consider</a:t>
+            </a:r>
+            <a:r>
+              <a:rPr lang="de-AT" dirty="0" smtClean="0"/>
+              <a:t> </a:t>
+            </a:r>
+            <a:r>
+              <a:rPr lang="de-AT" dirty="0" err="1" smtClean="0"/>
+              <a:t>biases</a:t>
+            </a:r>
+            <a:r>
+              <a:rPr lang="de-AT" dirty="0" smtClean="0"/>
+              <a:t> </a:t>
+            </a:r>
+            <a:r>
+              <a:rPr lang="de-AT" dirty="0" err="1" smtClean="0"/>
+              <a:t>and</a:t>
+            </a:r>
+            <a:r>
+              <a:rPr lang="de-AT" dirty="0" smtClean="0"/>
+              <a:t> </a:t>
+            </a:r>
+            <a:r>
+              <a:rPr lang="de-AT" dirty="0" err="1" smtClean="0"/>
+              <a:t>heuristics</a:t>
+            </a:r>
+            <a:r>
+              <a:rPr lang="de-AT" dirty="0" smtClean="0"/>
+              <a:t> </a:t>
+            </a:r>
+            <a:r>
+              <a:rPr lang="de-AT" dirty="0" err="1" smtClean="0"/>
+              <a:t>of</a:t>
+            </a:r>
+            <a:r>
+              <a:rPr lang="de-AT" baseline="0" dirty="0" smtClean="0"/>
+              <a:t> a </a:t>
+            </a:r>
+            <a:r>
+              <a:rPr lang="de-AT" baseline="0" dirty="0" err="1" smtClean="0"/>
+              <a:t>classifier</a:t>
+            </a:r>
+            <a:r>
+              <a:rPr lang="de-AT" baseline="0" dirty="0" smtClean="0"/>
+              <a:t> </a:t>
+            </a:r>
+            <a:r>
+              <a:rPr lang="de-AT" baseline="0" dirty="0" err="1" smtClean="0"/>
+              <a:t>optimally</a:t>
+            </a:r>
+            <a:endParaRPr lang="de-AT" dirty="0"/>
+          </a:p>
+        </p:txBody>
+      </p:sp>
+      <p:sp>
+        <p:nvSpPr>
+          <p:cNvPr id="4" name="Foliennummernplatzhalter 3"/>
+          <p:cNvSpPr>
+            <a:spLocks noGrp="1"/>
+          </p:cNvSpPr>
+          <p:nvPr>
+            <p:ph type="sldNum" sz="quarter" idx="10"/>
+          </p:nvPr>
+        </p:nvSpPr>
+        <p:spPr/>
+        <p:txBody>
+          <a:bodyPr/>
+          <a:lstStyle/>
+          <a:p>
+            <a:fld id="{07914D93-ABC8-448C-8296-85FD12164B61}" type="slidenum">
+              <a:rPr lang="de-DE" altLang="de-DE" smtClean="0"/>
+              <a:pPr/>
+              <a:t>13</a:t>
+            </a:fld>
+            <a:endParaRPr lang="de-DE" altLang="de-DE"/>
+          </a:p>
+        </p:txBody>
+      </p:sp>
+    </p:spTree>
+    <p:extLst>
+      <p:ext uri="{BB962C8B-B14F-4D97-AF65-F5344CB8AC3E}">
+        <p14:creationId xmlns:p14="http://schemas.microsoft.com/office/powerpoint/2010/main" val="2492573933"/>
+      </p:ext>
+    </p:extLst>
+  </p:cSld>
+  <p:clrMapOvr>
+    <a:masterClrMapping/>
+  </p:clrMapOvr>
+</p:notes>
+</file>
+
+<file path=ppt/notesSlides/notesSlide7.xml><?xml version="1.0" encoding="utf-8"?>
+<p:notes xmlns:a="http://schemas.openxmlformats.org/drawingml/2006/main" xmlns:r="http://schemas.openxmlformats.org/officeDocument/2006/relationships" xmlns:p="http://schemas.openxmlformats.org/presentationml/2006/main">
+  <p:cSld>
+    <p:spTree>
+      <p:nvGrpSpPr>
+        <p:cNvPr id="1" name=""/>
+        <p:cNvGrpSpPr/>
+        <p:nvPr/>
+      </p:nvGrpSpPr>
+      <p:grpSpPr>
+        <a:xfrm>
+          <a:off x="0" y="0"/>
+          <a:ext cx="0" cy="0"/>
+          <a:chOff x="0" y="0"/>
+          <a:chExt cx="0" cy="0"/>
+        </a:xfrm>
+      </p:grpSpPr>
+      <p:sp>
+        <p:nvSpPr>
+          <p:cNvPr id="2" name="Folienbildplatzhalter 1"/>
+          <p:cNvSpPr>
+            <a:spLocks noGrp="1" noRot="1" noChangeAspect="1"/>
+          </p:cNvSpPr>
+          <p:nvPr>
+            <p:ph type="sldImg"/>
+          </p:nvPr>
+        </p:nvSpPr>
+        <p:spPr/>
+      </p:sp>
+      <p:sp>
+        <p:nvSpPr>
+          <p:cNvPr id="3" name="Notizenplatzhalter 2"/>
+          <p:cNvSpPr>
+            <a:spLocks noGrp="1"/>
+          </p:cNvSpPr>
+          <p:nvPr>
+            <p:ph type="body" idx="1"/>
+          </p:nvPr>
+        </p:nvSpPr>
+        <p:spPr/>
+        <p:txBody>
+          <a:bodyPr/>
+          <a:lstStyle/>
+          <a:p>
+            <a:r>
+              <a:rPr lang="de-AT" dirty="0" smtClean="0"/>
+              <a:t>Search: different </a:t>
+            </a:r>
+            <a:r>
+              <a:rPr lang="de-AT" dirty="0" err="1" smtClean="0"/>
+              <a:t>algorithms</a:t>
+            </a:r>
+            <a:r>
+              <a:rPr lang="de-AT" dirty="0" smtClean="0"/>
+              <a:t> </a:t>
+            </a:r>
+            <a:r>
+              <a:rPr lang="de-AT" dirty="0" err="1" smtClean="0"/>
+              <a:t>possible</a:t>
+            </a:r>
+            <a:endParaRPr lang="de-AT" dirty="0" smtClean="0"/>
+          </a:p>
+          <a:p>
+            <a:r>
+              <a:rPr lang="de-AT" dirty="0" smtClean="0"/>
+              <a:t>Evaluation/</a:t>
+            </a:r>
+            <a:r>
+              <a:rPr lang="de-AT" dirty="0" err="1" smtClean="0"/>
+              <a:t>Estimation</a:t>
+            </a:r>
+            <a:r>
+              <a:rPr lang="de-AT" dirty="0" smtClean="0"/>
+              <a:t>: Test</a:t>
+            </a:r>
+            <a:r>
+              <a:rPr lang="de-AT" baseline="0" dirty="0" smtClean="0"/>
+              <a:t> </a:t>
+            </a:r>
+            <a:r>
+              <a:rPr lang="de-AT" baseline="0" dirty="0" err="1" smtClean="0"/>
+              <a:t>set</a:t>
+            </a:r>
+            <a:r>
+              <a:rPr lang="de-AT" baseline="0" dirty="0" smtClean="0"/>
+              <a:t>, </a:t>
+            </a:r>
+            <a:r>
+              <a:rPr lang="de-AT" baseline="0" dirty="0" err="1" smtClean="0"/>
+              <a:t>cross</a:t>
+            </a:r>
+            <a:r>
+              <a:rPr lang="de-AT" baseline="0" dirty="0" smtClean="0"/>
+              <a:t> </a:t>
+            </a:r>
+            <a:r>
+              <a:rPr lang="de-AT" baseline="0" dirty="0" err="1" smtClean="0"/>
+              <a:t>validation</a:t>
+            </a:r>
+            <a:r>
+              <a:rPr lang="de-AT" baseline="0" dirty="0" smtClean="0"/>
+              <a:t> – </a:t>
+            </a:r>
+            <a:r>
+              <a:rPr lang="de-AT" baseline="0" dirty="0" err="1" smtClean="0"/>
+              <a:t>uses</a:t>
+            </a:r>
+            <a:r>
+              <a:rPr lang="de-AT" baseline="0" dirty="0" smtClean="0"/>
+              <a:t> </a:t>
+            </a:r>
+            <a:r>
+              <a:rPr lang="de-AT" baseline="0" dirty="0" err="1" smtClean="0"/>
+              <a:t>the</a:t>
+            </a:r>
+            <a:r>
+              <a:rPr lang="de-AT" baseline="0" dirty="0" smtClean="0"/>
+              <a:t> </a:t>
+            </a:r>
+            <a:r>
+              <a:rPr lang="de-AT" baseline="0" dirty="0" err="1" smtClean="0"/>
+              <a:t>classifier</a:t>
+            </a:r>
+            <a:endParaRPr lang="de-AT" baseline="0" dirty="0" smtClean="0"/>
+          </a:p>
+          <a:p>
+            <a:pPr marL="0" indent="0">
+              <a:buFont typeface="+mj-lt"/>
+              <a:buNone/>
+            </a:pPr>
+            <a:endParaRPr lang="de-AT" baseline="0" dirty="0" smtClean="0"/>
+          </a:p>
+          <a:p>
+            <a:pPr marL="0" indent="0">
+              <a:buFont typeface="+mj-lt"/>
+              <a:buNone/>
+            </a:pPr>
+            <a:r>
+              <a:rPr lang="de-AT" baseline="0" dirty="0" err="1" smtClean="0"/>
+              <a:t>Finally</a:t>
+            </a:r>
+            <a:r>
+              <a:rPr lang="de-AT" baseline="0" dirty="0" smtClean="0"/>
+              <a:t>: </a:t>
+            </a:r>
+            <a:r>
+              <a:rPr lang="de-AT" dirty="0" err="1" smtClean="0"/>
+              <a:t>Use</a:t>
+            </a:r>
+            <a:r>
+              <a:rPr lang="de-AT" dirty="0" smtClean="0"/>
+              <a:t> </a:t>
+            </a:r>
+            <a:r>
+              <a:rPr lang="de-AT" dirty="0" err="1" smtClean="0"/>
+              <a:t>subset</a:t>
+            </a:r>
+            <a:r>
+              <a:rPr lang="de-AT" dirty="0" smtClean="0"/>
+              <a:t> </a:t>
+            </a:r>
+            <a:r>
+              <a:rPr lang="de-AT" dirty="0" err="1" smtClean="0"/>
+              <a:t>with</a:t>
+            </a:r>
+            <a:r>
+              <a:rPr lang="de-AT" dirty="0" smtClean="0"/>
+              <a:t> </a:t>
+            </a:r>
+            <a:r>
+              <a:rPr lang="de-AT" dirty="0" err="1" smtClean="0"/>
+              <a:t>best</a:t>
+            </a:r>
+            <a:r>
+              <a:rPr lang="de-AT" dirty="0" smtClean="0"/>
+              <a:t> </a:t>
+            </a:r>
+            <a:r>
+              <a:rPr lang="de-AT" dirty="0" err="1" smtClean="0"/>
+              <a:t>performance</a:t>
+            </a:r>
+            <a:r>
+              <a:rPr lang="de-AT" baseline="0" dirty="0" smtClean="0"/>
+              <a:t> </a:t>
+            </a:r>
+            <a:r>
+              <a:rPr lang="de-AT" baseline="0" dirty="0" err="1" smtClean="0"/>
+              <a:t>to</a:t>
+            </a:r>
+            <a:r>
+              <a:rPr lang="de-AT" baseline="0" dirty="0" smtClean="0"/>
+              <a:t> </a:t>
+            </a:r>
+            <a:r>
+              <a:rPr lang="de-AT" baseline="0" dirty="0" err="1" smtClean="0"/>
+              <a:t>train</a:t>
+            </a:r>
+            <a:r>
+              <a:rPr lang="de-AT" baseline="0" dirty="0" smtClean="0"/>
+              <a:t> </a:t>
+            </a:r>
+            <a:r>
+              <a:rPr lang="de-AT" baseline="0" dirty="0" err="1" smtClean="0"/>
+              <a:t>classifier</a:t>
+            </a:r>
+            <a:r>
+              <a:rPr lang="de-AT" baseline="0" dirty="0" smtClean="0"/>
+              <a:t>,  </a:t>
+            </a:r>
+            <a:r>
+              <a:rPr lang="de-AT" baseline="0" dirty="0" err="1" smtClean="0"/>
+              <a:t>and</a:t>
+            </a:r>
+            <a:r>
+              <a:rPr lang="de-AT" baseline="0" dirty="0" smtClean="0"/>
+              <a:t>   </a:t>
+            </a:r>
+            <a:r>
+              <a:rPr lang="de-AT" baseline="0" dirty="0" err="1" smtClean="0"/>
+              <a:t>use</a:t>
+            </a:r>
+            <a:r>
+              <a:rPr lang="de-AT" baseline="0" dirty="0" smtClean="0"/>
+              <a:t> </a:t>
+            </a:r>
+            <a:r>
+              <a:rPr lang="de-AT" baseline="0" dirty="0" err="1" smtClean="0"/>
+              <a:t>it</a:t>
+            </a:r>
+            <a:r>
+              <a:rPr lang="de-AT" baseline="0" dirty="0" smtClean="0"/>
+              <a:t>  </a:t>
+            </a:r>
+            <a:r>
+              <a:rPr lang="de-AT" baseline="0" dirty="0" err="1" smtClean="0"/>
+              <a:t>for</a:t>
+            </a:r>
+            <a:r>
+              <a:rPr lang="de-AT" baseline="0" dirty="0" smtClean="0"/>
+              <a:t> </a:t>
+            </a:r>
+            <a:r>
+              <a:rPr lang="de-AT" baseline="0" dirty="0" err="1" smtClean="0"/>
+              <a:t>actual</a:t>
+            </a:r>
+            <a:r>
+              <a:rPr lang="de-AT" baseline="0" dirty="0" smtClean="0"/>
+              <a:t> </a:t>
+            </a:r>
+            <a:r>
+              <a:rPr lang="de-AT" dirty="0" err="1" smtClean="0"/>
+              <a:t>classification</a:t>
+            </a:r>
+            <a:r>
+              <a:rPr lang="de-AT" dirty="0" smtClean="0"/>
+              <a:t> </a:t>
+            </a:r>
+            <a:r>
+              <a:rPr lang="de-AT" dirty="0" err="1" smtClean="0"/>
+              <a:t>task</a:t>
+            </a:r>
+            <a:r>
+              <a:rPr lang="de-AT" dirty="0" smtClean="0"/>
+              <a:t> (</a:t>
+            </a:r>
+            <a:r>
+              <a:rPr lang="de-AT" dirty="0" err="1" smtClean="0"/>
+              <a:t>normally</a:t>
+            </a:r>
+            <a:r>
+              <a:rPr lang="de-AT" dirty="0" smtClean="0"/>
+              <a:t> after </a:t>
+            </a:r>
+            <a:r>
+              <a:rPr lang="de-AT" dirty="0" err="1" smtClean="0"/>
+              <a:t>testing</a:t>
+            </a:r>
+            <a:r>
+              <a:rPr lang="de-AT" baseline="0" dirty="0" smtClean="0"/>
+              <a:t> </a:t>
+            </a:r>
+            <a:r>
+              <a:rPr lang="de-AT" baseline="0" dirty="0" err="1" smtClean="0"/>
+              <a:t>with</a:t>
+            </a:r>
+            <a:r>
+              <a:rPr lang="de-AT" baseline="0" dirty="0" smtClean="0"/>
+              <a:t> </a:t>
+            </a:r>
+            <a:r>
+              <a:rPr lang="de-AT" baseline="0" dirty="0" err="1" smtClean="0"/>
+              <a:t>testset</a:t>
+            </a:r>
+            <a:r>
+              <a:rPr lang="de-AT" baseline="0" dirty="0" smtClean="0"/>
+              <a:t> </a:t>
+            </a:r>
+            <a:r>
+              <a:rPr lang="de-AT" baseline="0" dirty="0" err="1" smtClean="0"/>
+              <a:t>independent</a:t>
+            </a:r>
+            <a:r>
+              <a:rPr lang="de-AT" baseline="0" dirty="0" smtClean="0"/>
+              <a:t> </a:t>
+            </a:r>
+            <a:r>
+              <a:rPr lang="de-AT" baseline="0" dirty="0" err="1" smtClean="0"/>
+              <a:t>from</a:t>
+            </a:r>
+            <a:r>
+              <a:rPr lang="de-AT" baseline="0" dirty="0" smtClean="0"/>
+              <a:t> </a:t>
+            </a:r>
+            <a:r>
+              <a:rPr lang="de-AT" baseline="0" dirty="0" err="1" smtClean="0"/>
+              <a:t>training</a:t>
+            </a:r>
+            <a:r>
+              <a:rPr lang="de-AT" baseline="0" dirty="0" smtClean="0"/>
+              <a:t> </a:t>
+            </a:r>
+            <a:r>
+              <a:rPr lang="de-AT" baseline="0" dirty="0" err="1" smtClean="0"/>
+              <a:t>set</a:t>
+            </a:r>
+            <a:r>
+              <a:rPr lang="de-AT" baseline="0" dirty="0" smtClean="0"/>
+              <a:t>)</a:t>
+            </a:r>
+            <a:endParaRPr lang="de-AT" dirty="0" smtClean="0"/>
+          </a:p>
+          <a:p>
+            <a:endParaRPr lang="de-AT" dirty="0"/>
+          </a:p>
+        </p:txBody>
+      </p:sp>
+      <p:sp>
+        <p:nvSpPr>
+          <p:cNvPr id="4" name="Foliennummernplatzhalter 3"/>
+          <p:cNvSpPr>
+            <a:spLocks noGrp="1"/>
+          </p:cNvSpPr>
+          <p:nvPr>
+            <p:ph type="sldNum" sz="quarter" idx="10"/>
+          </p:nvPr>
+        </p:nvSpPr>
+        <p:spPr/>
+        <p:txBody>
+          <a:bodyPr/>
+          <a:lstStyle/>
+          <a:p>
+            <a:fld id="{07914D93-ABC8-448C-8296-85FD12164B61}" type="slidenum">
+              <a:rPr lang="de-DE" altLang="de-DE" smtClean="0"/>
+              <a:pPr/>
+              <a:t>14</a:t>
+            </a:fld>
+            <a:endParaRPr lang="de-DE" altLang="de-DE"/>
+          </a:p>
+        </p:txBody>
+      </p:sp>
+    </p:spTree>
+    <p:extLst>
+      <p:ext uri="{BB962C8B-B14F-4D97-AF65-F5344CB8AC3E}">
+        <p14:creationId xmlns:p14="http://schemas.microsoft.com/office/powerpoint/2010/main" val="2073029618"/>
+      </p:ext>
+    </p:extLst>
+  </p:cSld>
+  <p:clrMapOvr>
+    <a:masterClrMapping/>
+  </p:clrMapOvr>
+</p:notes>
+</file>
+
+<file path=ppt/notesSlides/notesSlide8.xml><?xml version="1.0" encoding="utf-8"?>
+<p:notes xmlns:a="http://schemas.openxmlformats.org/drawingml/2006/main" xmlns:r="http://schemas.openxmlformats.org/officeDocument/2006/relationships" xmlns:p="http://schemas.openxmlformats.org/presentationml/2006/main">
+  <p:cSld>
+    <p:spTree>
+      <p:nvGrpSpPr>
+        <p:cNvPr id="1" name=""/>
+        <p:cNvGrpSpPr/>
+        <p:nvPr/>
+      </p:nvGrpSpPr>
+      <p:grpSpPr>
+        <a:xfrm>
+          <a:off x="0" y="0"/>
+          <a:ext cx="0" cy="0"/>
+          <a:chOff x="0" y="0"/>
+          <a:chExt cx="0" cy="0"/>
+        </a:xfrm>
+      </p:grpSpPr>
+      <p:sp>
+        <p:nvSpPr>
+          <p:cNvPr id="2" name="Folienbildplatzhalter 1"/>
+          <p:cNvSpPr>
+            <a:spLocks noGrp="1" noRot="1" noChangeAspect="1"/>
+          </p:cNvSpPr>
+          <p:nvPr>
+            <p:ph type="sldImg"/>
+          </p:nvPr>
+        </p:nvSpPr>
+        <p:spPr/>
+      </p:sp>
+      <p:sp>
+        <p:nvSpPr>
+          <p:cNvPr id="3" name="Notizenplatzhalter 2"/>
+          <p:cNvSpPr>
+            <a:spLocks noGrp="1"/>
+          </p:cNvSpPr>
+          <p:nvPr>
+            <p:ph type="body" idx="1"/>
+          </p:nvPr>
+        </p:nvSpPr>
+        <p:spPr/>
+        <p:txBody>
+          <a:bodyPr/>
+          <a:lstStyle/>
+          <a:p>
+            <a:r>
+              <a:rPr lang="de-AT" dirty="0" smtClean="0"/>
+              <a:t>Search: different </a:t>
+            </a:r>
+            <a:r>
+              <a:rPr lang="de-AT" dirty="0" err="1" smtClean="0"/>
+              <a:t>algorithms</a:t>
+            </a:r>
+            <a:r>
+              <a:rPr lang="de-AT" dirty="0" smtClean="0"/>
+              <a:t> </a:t>
+            </a:r>
+            <a:r>
+              <a:rPr lang="de-AT" dirty="0" err="1" smtClean="0"/>
+              <a:t>possible</a:t>
+            </a:r>
+            <a:endParaRPr lang="de-AT" dirty="0" smtClean="0"/>
+          </a:p>
+          <a:p>
+            <a:r>
+              <a:rPr lang="de-AT" dirty="0" smtClean="0"/>
+              <a:t>Evaluation/</a:t>
+            </a:r>
+            <a:r>
+              <a:rPr lang="de-AT" dirty="0" err="1" smtClean="0"/>
+              <a:t>Estimation</a:t>
+            </a:r>
+            <a:r>
+              <a:rPr lang="de-AT" dirty="0" smtClean="0"/>
+              <a:t>: Test</a:t>
+            </a:r>
+            <a:r>
+              <a:rPr lang="de-AT" baseline="0" dirty="0" smtClean="0"/>
+              <a:t> </a:t>
+            </a:r>
+            <a:r>
+              <a:rPr lang="de-AT" baseline="0" dirty="0" err="1" smtClean="0"/>
+              <a:t>set</a:t>
+            </a:r>
+            <a:r>
+              <a:rPr lang="de-AT" baseline="0" dirty="0" smtClean="0"/>
+              <a:t>, </a:t>
+            </a:r>
+            <a:r>
+              <a:rPr lang="de-AT" baseline="0" dirty="0" err="1" smtClean="0"/>
+              <a:t>cross</a:t>
+            </a:r>
+            <a:r>
+              <a:rPr lang="de-AT" baseline="0" dirty="0" smtClean="0"/>
+              <a:t> </a:t>
+            </a:r>
+            <a:r>
+              <a:rPr lang="de-AT" baseline="0" dirty="0" err="1" smtClean="0"/>
+              <a:t>validation</a:t>
+            </a:r>
+            <a:r>
+              <a:rPr lang="de-AT" baseline="0" dirty="0" smtClean="0"/>
+              <a:t> – </a:t>
+            </a:r>
+            <a:r>
+              <a:rPr lang="de-AT" baseline="0" dirty="0" err="1" smtClean="0"/>
+              <a:t>uses</a:t>
+            </a:r>
+            <a:r>
+              <a:rPr lang="de-AT" baseline="0" dirty="0" smtClean="0"/>
+              <a:t> </a:t>
+            </a:r>
+            <a:r>
+              <a:rPr lang="de-AT" baseline="0" dirty="0" err="1" smtClean="0"/>
+              <a:t>the</a:t>
+            </a:r>
+            <a:r>
+              <a:rPr lang="de-AT" baseline="0" dirty="0" smtClean="0"/>
+              <a:t> </a:t>
+            </a:r>
+            <a:r>
+              <a:rPr lang="de-AT" baseline="0" dirty="0" err="1" smtClean="0"/>
+              <a:t>classifier</a:t>
+            </a:r>
+            <a:endParaRPr lang="de-AT" baseline="0" dirty="0" smtClean="0"/>
+          </a:p>
+          <a:p>
+            <a:pPr marL="0" indent="0">
+              <a:buFont typeface="+mj-lt"/>
+              <a:buNone/>
+            </a:pPr>
+            <a:endParaRPr lang="de-AT" baseline="0" dirty="0" smtClean="0"/>
+          </a:p>
+          <a:p>
+            <a:pPr marL="0" indent="0">
+              <a:buFont typeface="+mj-lt"/>
+              <a:buNone/>
+            </a:pPr>
+            <a:r>
+              <a:rPr lang="de-AT" baseline="0" dirty="0" err="1" smtClean="0"/>
+              <a:t>Finally</a:t>
+            </a:r>
+            <a:r>
+              <a:rPr lang="de-AT" baseline="0" dirty="0" smtClean="0"/>
+              <a:t>: </a:t>
+            </a:r>
+            <a:r>
+              <a:rPr lang="de-AT" dirty="0" err="1" smtClean="0"/>
+              <a:t>Use</a:t>
+            </a:r>
+            <a:r>
+              <a:rPr lang="de-AT" dirty="0" smtClean="0"/>
+              <a:t> </a:t>
+            </a:r>
+            <a:r>
+              <a:rPr lang="de-AT" dirty="0" err="1" smtClean="0"/>
+              <a:t>subset</a:t>
+            </a:r>
+            <a:r>
+              <a:rPr lang="de-AT" dirty="0" smtClean="0"/>
+              <a:t> </a:t>
+            </a:r>
+            <a:r>
+              <a:rPr lang="de-AT" dirty="0" err="1" smtClean="0"/>
+              <a:t>with</a:t>
+            </a:r>
+            <a:r>
+              <a:rPr lang="de-AT" dirty="0" smtClean="0"/>
+              <a:t> </a:t>
+            </a:r>
+            <a:r>
+              <a:rPr lang="de-AT" dirty="0" err="1" smtClean="0"/>
+              <a:t>best</a:t>
+            </a:r>
+            <a:r>
+              <a:rPr lang="de-AT" dirty="0" smtClean="0"/>
+              <a:t> </a:t>
+            </a:r>
+            <a:r>
+              <a:rPr lang="de-AT" dirty="0" err="1" smtClean="0"/>
+              <a:t>performance</a:t>
+            </a:r>
+            <a:r>
+              <a:rPr lang="de-AT" baseline="0" dirty="0" smtClean="0"/>
+              <a:t> </a:t>
+            </a:r>
+            <a:r>
+              <a:rPr lang="de-AT" baseline="0" dirty="0" err="1" smtClean="0"/>
+              <a:t>to</a:t>
+            </a:r>
+            <a:r>
+              <a:rPr lang="de-AT" baseline="0" dirty="0" smtClean="0"/>
+              <a:t> </a:t>
+            </a:r>
+            <a:r>
+              <a:rPr lang="de-AT" baseline="0" dirty="0" err="1" smtClean="0"/>
+              <a:t>train</a:t>
+            </a:r>
+            <a:r>
+              <a:rPr lang="de-AT" baseline="0" dirty="0" smtClean="0"/>
+              <a:t> </a:t>
+            </a:r>
+            <a:r>
+              <a:rPr lang="de-AT" baseline="0" dirty="0" err="1" smtClean="0"/>
+              <a:t>classifier</a:t>
+            </a:r>
+            <a:r>
+              <a:rPr lang="de-AT" baseline="0" dirty="0" smtClean="0"/>
+              <a:t>,  </a:t>
+            </a:r>
+            <a:r>
+              <a:rPr lang="de-AT" baseline="0" dirty="0" err="1" smtClean="0"/>
+              <a:t>and</a:t>
+            </a:r>
+            <a:r>
+              <a:rPr lang="de-AT" baseline="0" dirty="0" smtClean="0"/>
+              <a:t>   </a:t>
+            </a:r>
+            <a:r>
+              <a:rPr lang="de-AT" baseline="0" dirty="0" err="1" smtClean="0"/>
+              <a:t>use</a:t>
+            </a:r>
+            <a:r>
+              <a:rPr lang="de-AT" baseline="0" dirty="0" smtClean="0"/>
+              <a:t> </a:t>
+            </a:r>
+            <a:r>
+              <a:rPr lang="de-AT" baseline="0" dirty="0" err="1" smtClean="0"/>
+              <a:t>it</a:t>
+            </a:r>
+            <a:r>
+              <a:rPr lang="de-AT" baseline="0" dirty="0" smtClean="0"/>
+              <a:t>  </a:t>
+            </a:r>
+            <a:r>
+              <a:rPr lang="de-AT" baseline="0" dirty="0" err="1" smtClean="0"/>
+              <a:t>for</a:t>
+            </a:r>
+            <a:r>
+              <a:rPr lang="de-AT" baseline="0" dirty="0" smtClean="0"/>
+              <a:t> </a:t>
+            </a:r>
+            <a:r>
+              <a:rPr lang="de-AT" baseline="0" dirty="0" err="1" smtClean="0"/>
+              <a:t>actual</a:t>
+            </a:r>
+            <a:r>
+              <a:rPr lang="de-AT" baseline="0" dirty="0" smtClean="0"/>
+              <a:t> </a:t>
+            </a:r>
+            <a:r>
+              <a:rPr lang="de-AT" dirty="0" err="1" smtClean="0"/>
+              <a:t>classification</a:t>
+            </a:r>
+            <a:r>
+              <a:rPr lang="de-AT" dirty="0" smtClean="0"/>
+              <a:t> </a:t>
+            </a:r>
+            <a:r>
+              <a:rPr lang="de-AT" dirty="0" err="1" smtClean="0"/>
+              <a:t>task</a:t>
+            </a:r>
+            <a:r>
+              <a:rPr lang="de-AT" dirty="0" smtClean="0"/>
+              <a:t> (</a:t>
+            </a:r>
+            <a:r>
+              <a:rPr lang="de-AT" dirty="0" err="1" smtClean="0"/>
+              <a:t>normally</a:t>
+            </a:r>
+            <a:r>
+              <a:rPr lang="de-AT" dirty="0" smtClean="0"/>
+              <a:t> after </a:t>
+            </a:r>
+            <a:r>
+              <a:rPr lang="de-AT" dirty="0" err="1" smtClean="0"/>
+              <a:t>testing</a:t>
+            </a:r>
+            <a:r>
+              <a:rPr lang="de-AT" baseline="0" dirty="0" smtClean="0"/>
+              <a:t> </a:t>
+            </a:r>
+            <a:r>
+              <a:rPr lang="de-AT" baseline="0" dirty="0" err="1" smtClean="0"/>
+              <a:t>with</a:t>
+            </a:r>
+            <a:r>
+              <a:rPr lang="de-AT" baseline="0" dirty="0" smtClean="0"/>
+              <a:t> </a:t>
+            </a:r>
+            <a:r>
+              <a:rPr lang="de-AT" baseline="0" dirty="0" err="1" smtClean="0"/>
+              <a:t>testset</a:t>
+            </a:r>
+            <a:r>
+              <a:rPr lang="de-AT" baseline="0" dirty="0" smtClean="0"/>
+              <a:t> </a:t>
+            </a:r>
+            <a:r>
+              <a:rPr lang="de-AT" baseline="0" dirty="0" err="1" smtClean="0"/>
+              <a:t>independent</a:t>
+            </a:r>
+            <a:r>
+              <a:rPr lang="de-AT" baseline="0" dirty="0" smtClean="0"/>
+              <a:t> </a:t>
+            </a:r>
+            <a:r>
+              <a:rPr lang="de-AT" baseline="0" dirty="0" err="1" smtClean="0"/>
+              <a:t>from</a:t>
+            </a:r>
+            <a:r>
+              <a:rPr lang="de-AT" baseline="0" dirty="0" smtClean="0"/>
+              <a:t> </a:t>
+            </a:r>
+            <a:r>
+              <a:rPr lang="de-AT" baseline="0" dirty="0" err="1" smtClean="0"/>
+              <a:t>training</a:t>
+            </a:r>
+            <a:r>
+              <a:rPr lang="de-AT" baseline="0" dirty="0" smtClean="0"/>
+              <a:t> </a:t>
+            </a:r>
+            <a:r>
+              <a:rPr lang="de-AT" baseline="0" dirty="0" err="1" smtClean="0"/>
+              <a:t>set</a:t>
+            </a:r>
+            <a:r>
+              <a:rPr lang="de-AT" baseline="0" dirty="0" smtClean="0"/>
+              <a:t>)</a:t>
+            </a:r>
+            <a:endParaRPr lang="de-AT" dirty="0" smtClean="0"/>
+          </a:p>
+          <a:p>
+            <a:endParaRPr lang="de-AT" dirty="0"/>
+          </a:p>
+        </p:txBody>
+      </p:sp>
+      <p:sp>
+        <p:nvSpPr>
+          <p:cNvPr id="4" name="Foliennummernplatzhalter 3"/>
+          <p:cNvSpPr>
+            <a:spLocks noGrp="1"/>
+          </p:cNvSpPr>
+          <p:nvPr>
+            <p:ph type="sldNum" sz="quarter" idx="10"/>
+          </p:nvPr>
+        </p:nvSpPr>
+        <p:spPr/>
+        <p:txBody>
+          <a:bodyPr/>
+          <a:lstStyle/>
+          <a:p>
+            <a:fld id="{07914D93-ABC8-448C-8296-85FD12164B61}" type="slidenum">
+              <a:rPr lang="de-DE" altLang="de-DE" smtClean="0"/>
+              <a:pPr/>
+              <a:t>15</a:t>
+            </a:fld>
+            <a:endParaRPr lang="de-DE" altLang="de-DE"/>
+          </a:p>
+        </p:txBody>
+      </p:sp>
+    </p:spTree>
+    <p:extLst>
+      <p:ext uri="{BB962C8B-B14F-4D97-AF65-F5344CB8AC3E}">
+        <p14:creationId xmlns:p14="http://schemas.microsoft.com/office/powerpoint/2010/main" val="2393854123"/>
       </p:ext>
     </p:extLst>
   </p:cSld>
@@ -5338,7 +6605,6 @@
               <a:rPr lang="de-DE" altLang="de-DE" dirty="0" smtClean="0"/>
               <a:t> &amp; Florian Schober</a:t>
             </a:r>
-            <a:endParaRPr lang="de-DE" altLang="de-DE" dirty="0" smtClean="0"/>
           </a:p>
         </p:txBody>
       </p:sp>
@@ -5627,7 +6893,7 @@
           <p:nvPr/>
         </p:nvPicPr>
         <p:blipFill>
-          <a:blip r:embed="rId2">
+          <a:blip r:embed="rId3">
             <a:extLst>
               <a:ext uri="{28A0092B-C50C-407E-A947-70E740481C1C}">
                 <a14:useLocalDpi xmlns:a14="http://schemas.microsoft.com/office/drawing/2010/main" val="0"/>
@@ -5698,7 +6964,7 @@
       </p:grpSpPr>
       <p:sp>
         <p:nvSpPr>
-          <p:cNvPr id="5" name="Titel 4"/>
+          <p:cNvPr id="8" name="Titel 7"/>
           <p:cNvSpPr>
             <a:spLocks noGrp="1"/>
           </p:cNvSpPr>
@@ -5713,7 +6979,7 @@
           <a:p>
             <a:r>
               <a:rPr lang="de-AT" dirty="0" smtClean="0"/>
-              <a:t>Wrapper </a:t>
+              <a:t>Filter </a:t>
             </a:r>
             <a:r>
               <a:rPr lang="de-AT" dirty="0" err="1" smtClean="0"/>
@@ -5725,7 +6991,7 @@
       </p:sp>
       <p:sp>
         <p:nvSpPr>
-          <p:cNvPr id="6" name="Inhaltsplatzhalter 5"/>
+          <p:cNvPr id="9" name="Inhaltsplatzhalter 8"/>
           <p:cNvSpPr>
             <a:spLocks noGrp="1"/>
           </p:cNvSpPr>
@@ -5738,13 +7004,32 @@
           <a:bodyPr/>
           <a:lstStyle/>
           <a:p>
-            <a:pPr>
-              <a:buFont typeface="Arial" panose="020B0604020202020204" pitchFamily="34" charset="0"/>
-              <a:buChar char="•"/>
+            <a:pPr marL="457200" indent="-457200">
+              <a:buFont typeface="+mj-lt"/>
+              <a:buAutoNum type="arabicPeriod"/>
             </a:pPr>
             <a:r>
-              <a:rPr lang="de-AT" dirty="0" err="1" smtClean="0"/>
-              <a:t>Consider</a:t>
+              <a:rPr lang="de-AT" dirty="0" smtClean="0"/>
+              <a:t>Rank </a:t>
+            </a:r>
+            <a:r>
+              <a:rPr lang="de-AT" dirty="0" err="1" smtClean="0"/>
+              <a:t>features</a:t>
+            </a:r>
+            <a:endParaRPr lang="de-AT" dirty="0"/>
+          </a:p>
+          <a:p>
+            <a:pPr marL="457200" indent="-457200">
+              <a:buFont typeface="+mj-lt"/>
+              <a:buAutoNum type="arabicPeriod"/>
+            </a:pPr>
+            <a:r>
+              <a:rPr lang="de-AT" dirty="0" smtClean="0"/>
+              <a:t>Chose </a:t>
+            </a:r>
+            <a:r>
+              <a:rPr lang="de-AT" dirty="0" err="1" smtClean="0"/>
+              <a:t>features</a:t>
             </a:r>
             <a:r>
               <a:rPr lang="de-AT" dirty="0" smtClean="0"/>
@@ -5752,6 +7037,41 @@
             </a:r>
             <a:r>
               <a:rPr lang="de-AT" dirty="0" err="1" smtClean="0"/>
+              <a:t>with</a:t>
+            </a:r>
+            <a:r>
+              <a:rPr lang="de-AT" dirty="0" smtClean="0"/>
+              <a:t> </a:t>
+            </a:r>
+            <a:r>
+              <a:rPr lang="de-AT" dirty="0" err="1" smtClean="0"/>
+              <a:t>highest</a:t>
+            </a:r>
+            <a:r>
+              <a:rPr lang="de-AT" dirty="0" smtClean="0"/>
+              <a:t> </a:t>
+            </a:r>
+            <a:r>
+              <a:rPr lang="de-AT" dirty="0" err="1" smtClean="0"/>
+              <a:t>rankings</a:t>
+            </a:r>
+            <a:r>
+              <a:rPr lang="de-AT" dirty="0" smtClean="0"/>
+              <a:t>,</a:t>
+            </a:r>
+            <a:br>
+              <a:rPr lang="de-AT" dirty="0" smtClean="0"/>
+            </a:br>
+            <a:r>
+              <a:rPr lang="de-AT" dirty="0" err="1" smtClean="0"/>
+              <a:t>induce</a:t>
+            </a:r>
+            <a:r>
+              <a:rPr lang="de-AT" dirty="0" smtClean="0"/>
+              <a:t> </a:t>
+            </a:r>
+            <a:r>
+              <a:rPr lang="de-AT" dirty="0" err="1" smtClean="0"/>
               <a:t>classification</a:t>
             </a:r>
             <a:r>
@@ -5760,46 +7080,7 @@
             </a:r>
             <a:r>
               <a:rPr lang="de-AT" dirty="0" err="1" smtClean="0"/>
-              <a:t>algortihm</a:t>
-            </a:r>
-            <a:endParaRPr lang="de-AT" dirty="0" smtClean="0"/>
-          </a:p>
-          <a:p>
-            <a:pPr>
-              <a:buFont typeface="Arial" panose="020B0604020202020204" pitchFamily="34" charset="0"/>
-              <a:buChar char="•"/>
-            </a:pPr>
-            <a:r>
-              <a:rPr lang="de-AT" dirty="0" smtClean="0"/>
-              <a:t>Select </a:t>
-            </a:r>
-            <a:r>
-              <a:rPr lang="de-AT" dirty="0" err="1" smtClean="0"/>
-              <a:t>features</a:t>
-            </a:r>
-            <a:r>
-              <a:rPr lang="de-AT" dirty="0" smtClean="0"/>
-              <a:t> </a:t>
-            </a:r>
-            <a:r>
-              <a:rPr lang="de-AT" dirty="0" err="1" smtClean="0"/>
-              <a:t>that</a:t>
-            </a:r>
-            <a:r>
-              <a:rPr lang="de-AT" dirty="0" smtClean="0"/>
-              <a:t> fit </a:t>
-            </a:r>
-            <a:r>
-              <a:rPr lang="de-AT" dirty="0" err="1" smtClean="0"/>
-              <a:t>classifier</a:t>
-            </a:r>
-            <a:r>
-              <a:rPr lang="de-AT" dirty="0" smtClean="0"/>
-              <a:t> </a:t>
-            </a:r>
-            <a:r>
-              <a:rPr lang="de-AT" dirty="0" err="1" smtClean="0"/>
-              <a:t>best</a:t>
+              <a:t>models</a:t>
             </a:r>
             <a:endParaRPr lang="de-AT" dirty="0" smtClean="0"/>
           </a:p>
@@ -5811,21 +7092,496 @@
             <a:endParaRPr lang="de-AT" dirty="0"/>
           </a:p>
           <a:p>
+            <a:pPr marL="0" indent="0"/>
+            <a:endParaRPr lang="de-AT" dirty="0"/>
+          </a:p>
+        </p:txBody>
+      </p:sp>
+      <p:sp>
+        <p:nvSpPr>
+          <p:cNvPr id="5" name="Datumsplatzhalter 4"/>
+          <p:cNvSpPr>
+            <a:spLocks noGrp="1"/>
+          </p:cNvSpPr>
+          <p:nvPr>
+            <p:ph type="dt" sz="half" idx="10"/>
+          </p:nvPr>
+        </p:nvSpPr>
+        <p:spPr/>
+        <p:txBody>
+          <a:bodyPr/>
+          <a:lstStyle/>
+          <a:p>
+            <a:pPr>
+              <a:defRPr/>
+            </a:pPr>
+            <a:fld id="{F730624D-5A85-4FAC-A8C2-B755D15BE30C}" type="datetime1">
+              <a:rPr lang="de-AT" smtClean="0"/>
+              <a:t>25.01.2016</a:t>
+            </a:fld>
+            <a:endParaRPr lang="de-DE" dirty="0"/>
+          </a:p>
+        </p:txBody>
+      </p:sp>
+      <p:sp>
+        <p:nvSpPr>
+          <p:cNvPr id="6" name="Fußzeilenplatzhalter 5"/>
+          <p:cNvSpPr>
+            <a:spLocks noGrp="1"/>
+          </p:cNvSpPr>
+          <p:nvPr>
+            <p:ph type="ftr" sz="quarter" idx="11"/>
+          </p:nvPr>
+        </p:nvSpPr>
+        <p:spPr/>
+        <p:txBody>
+          <a:bodyPr/>
+          <a:lstStyle/>
+          <a:p>
+            <a:pPr>
+              <a:defRPr/>
+            </a:pPr>
+            <a:r>
+              <a:rPr lang="de-DE" smtClean="0"/>
+              <a:t>Silvana Podaras &amp; Florian Schober</a:t>
+            </a:r>
+            <a:endParaRPr lang="de-DE"/>
+          </a:p>
+        </p:txBody>
+      </p:sp>
+      <p:sp>
+        <p:nvSpPr>
+          <p:cNvPr id="7" name="Foliennummernplatzhalter 6"/>
+          <p:cNvSpPr>
+            <a:spLocks noGrp="1"/>
+          </p:cNvSpPr>
+          <p:nvPr>
+            <p:ph type="sldNum" sz="quarter" idx="12"/>
+          </p:nvPr>
+        </p:nvSpPr>
+        <p:spPr/>
+        <p:txBody>
+          <a:bodyPr/>
+          <a:lstStyle/>
+          <a:p>
+            <a:fld id="{E7C81DBF-6C1A-4CEB-BBA0-5651AFB5C718}" type="slidenum">
+              <a:rPr lang="de-DE" altLang="de-DE" smtClean="0"/>
+              <a:pPr/>
+              <a:t>11</a:t>
+            </a:fld>
+            <a:endParaRPr lang="de-DE" altLang="de-DE"/>
+          </a:p>
+        </p:txBody>
+      </p:sp>
+    </p:spTree>
+    <p:extLst>
+      <p:ext uri="{BB962C8B-B14F-4D97-AF65-F5344CB8AC3E}">
+        <p14:creationId xmlns:p14="http://schemas.microsoft.com/office/powerpoint/2010/main" val="1402256125"/>
+      </p:ext>
+    </p:extLst>
+  </p:cSld>
+  <p:clrMapOvr>
+    <a:masterClrMapping/>
+  </p:clrMapOvr>
+</p:sld>
+</file>
+
+<file path=ppt/slides/slide12.xml><?xml version="1.0" encoding="utf-8"?>
+<p:sld xmlns:a="http://schemas.openxmlformats.org/drawingml/2006/main" xmlns:r="http://schemas.openxmlformats.org/officeDocument/2006/relationships" xmlns:p="http://schemas.openxmlformats.org/presentationml/2006/main">
+  <p:cSld>
+    <p:spTree>
+      <p:nvGrpSpPr>
+        <p:cNvPr id="1" name=""/>
+        <p:cNvGrpSpPr/>
+        <p:nvPr/>
+      </p:nvGrpSpPr>
+      <p:grpSpPr>
+        <a:xfrm>
+          <a:off x="0" y="0"/>
+          <a:ext cx="0" cy="0"/>
+          <a:chOff x="0" y="0"/>
+          <a:chExt cx="0" cy="0"/>
+        </a:xfrm>
+      </p:grpSpPr>
+      <p:sp>
+        <p:nvSpPr>
+          <p:cNvPr id="8" name="Titel 7"/>
+          <p:cNvSpPr>
+            <a:spLocks noGrp="1"/>
+          </p:cNvSpPr>
+          <p:nvPr>
+            <p:ph type="title"/>
+          </p:nvPr>
+        </p:nvSpPr>
+        <p:spPr/>
+        <p:txBody>
+          <a:bodyPr/>
+          <a:lstStyle/>
+          <a:p>
+            <a:r>
+              <a:rPr lang="de-AT" dirty="0" err="1" smtClean="0"/>
+              <a:t>Example</a:t>
+            </a:r>
+            <a:r>
+              <a:rPr lang="de-AT" dirty="0" smtClean="0"/>
+              <a:t>: RELIEF</a:t>
+            </a:r>
+            <a:endParaRPr lang="de-AT" dirty="0"/>
+          </a:p>
+        </p:txBody>
+      </p:sp>
+      <p:sp>
+        <p:nvSpPr>
+          <p:cNvPr id="9" name="Inhaltsplatzhalter 8"/>
+          <p:cNvSpPr>
+            <a:spLocks noGrp="1"/>
+          </p:cNvSpPr>
+          <p:nvPr>
+            <p:ph idx="1"/>
+          </p:nvPr>
+        </p:nvSpPr>
+        <p:spPr/>
+        <p:txBody>
+          <a:bodyPr/>
+          <a:lstStyle/>
+          <a:p>
+            <a:pPr marL="457200" indent="-457200">
+              <a:buFont typeface="+mj-lt"/>
+              <a:buAutoNum type="arabicPeriod"/>
+            </a:pPr>
+            <a:r>
+              <a:rPr lang="de-AT" dirty="0" smtClean="0"/>
+              <a:t>Binary </a:t>
+            </a:r>
+            <a:r>
+              <a:rPr lang="de-AT" dirty="0" err="1" smtClean="0"/>
+              <a:t>classification</a:t>
+            </a:r>
+            <a:endParaRPr lang="de-AT" dirty="0" smtClean="0"/>
+          </a:p>
+          <a:p>
+            <a:pPr marL="457200" indent="-457200">
+              <a:buFont typeface="+mj-lt"/>
+              <a:buAutoNum type="arabicPeriod"/>
+            </a:pPr>
+            <a:r>
+              <a:rPr lang="de-AT" dirty="0" err="1" smtClean="0"/>
+              <a:t>Represent</a:t>
+            </a:r>
+            <a:r>
+              <a:rPr lang="de-AT" dirty="0" smtClean="0"/>
+              <a:t> </a:t>
+            </a:r>
+            <a:r>
+              <a:rPr lang="de-AT" dirty="0" err="1" smtClean="0"/>
+              <a:t>features</a:t>
+            </a:r>
+            <a:r>
+              <a:rPr lang="de-AT" dirty="0" smtClean="0"/>
+              <a:t> </a:t>
+            </a:r>
+            <a:r>
+              <a:rPr lang="de-AT" dirty="0" err="1" smtClean="0"/>
+              <a:t>by</a:t>
+            </a:r>
+            <a:r>
+              <a:rPr lang="de-AT" dirty="0" smtClean="0"/>
+              <a:t> </a:t>
+            </a:r>
+            <a:r>
+              <a:rPr lang="de-AT" dirty="0" err="1" smtClean="0"/>
+              <a:t>weights</a:t>
+            </a:r>
+            <a:r>
+              <a:rPr lang="de-AT" dirty="0" smtClean="0"/>
+              <a:t> in a </a:t>
+            </a:r>
+            <a:r>
+              <a:rPr lang="de-AT" dirty="0" err="1" smtClean="0"/>
+              <a:t>vector</a:t>
+            </a:r>
+            <a:r>
+              <a:rPr lang="de-AT" dirty="0" smtClean="0"/>
+              <a:t> </a:t>
+            </a:r>
+          </a:p>
+          <a:p>
+            <a:pPr marL="457200" indent="-457200">
+              <a:buFont typeface="+mj-lt"/>
+              <a:buAutoNum type="arabicPeriod"/>
+            </a:pPr>
+            <a:r>
+              <a:rPr lang="de-AT" dirty="0" smtClean="0"/>
+              <a:t>Pick </a:t>
+            </a:r>
+            <a:r>
+              <a:rPr lang="de-AT" dirty="0" err="1" smtClean="0"/>
+              <a:t>one</a:t>
+            </a:r>
+            <a:r>
+              <a:rPr lang="de-AT" dirty="0" smtClean="0"/>
+              <a:t> </a:t>
+            </a:r>
+            <a:r>
+              <a:rPr lang="de-AT" dirty="0" err="1" smtClean="0"/>
+              <a:t>random</a:t>
+            </a:r>
+            <a:r>
+              <a:rPr lang="de-AT" dirty="0" smtClean="0"/>
+              <a:t>, </a:t>
+            </a:r>
+            <a:r>
+              <a:rPr lang="de-AT" dirty="0" err="1" smtClean="0"/>
+              <a:t>calculate</a:t>
+            </a:r>
+            <a:r>
+              <a:rPr lang="de-AT" dirty="0" smtClean="0"/>
+              <a:t> </a:t>
+            </a:r>
+            <a:r>
+              <a:rPr lang="de-AT" dirty="0" err="1" smtClean="0"/>
+              <a:t>near-hot</a:t>
+            </a:r>
+            <a:r>
+              <a:rPr lang="de-AT" dirty="0" smtClean="0"/>
+              <a:t> </a:t>
+            </a:r>
+            <a:r>
+              <a:rPr lang="de-AT" dirty="0" err="1" smtClean="0"/>
+              <a:t>and</a:t>
+            </a:r>
+            <a:r>
+              <a:rPr lang="de-AT" dirty="0" smtClean="0"/>
+              <a:t> </a:t>
+            </a:r>
+            <a:r>
+              <a:rPr lang="de-AT" dirty="0" err="1" smtClean="0"/>
+              <a:t>near</a:t>
+            </a:r>
+            <a:r>
+              <a:rPr lang="de-AT" dirty="0" smtClean="0"/>
+              <a:t> miss</a:t>
+            </a:r>
+          </a:p>
+          <a:p>
+            <a:pPr marL="457200" indent="-457200">
+              <a:buFont typeface="+mj-lt"/>
+              <a:buAutoNum type="arabicPeriod"/>
+            </a:pPr>
+            <a:r>
+              <a:rPr lang="de-AT" dirty="0" smtClean="0"/>
+              <a:t>Update </a:t>
+            </a:r>
+            <a:r>
+              <a:rPr lang="de-AT" dirty="0" err="1" smtClean="0"/>
+              <a:t>weights</a:t>
+            </a:r>
+            <a:endParaRPr lang="de-AT" dirty="0" smtClean="0"/>
+          </a:p>
+          <a:p>
+            <a:pPr marL="457200" indent="-457200">
+              <a:buFont typeface="+mj-lt"/>
+              <a:buAutoNum type="arabicPeriod"/>
+            </a:pPr>
+            <a:r>
+              <a:rPr lang="de-AT" dirty="0" err="1" smtClean="0"/>
+              <a:t>Choose</a:t>
+            </a:r>
+            <a:r>
+              <a:rPr lang="de-AT" dirty="0" smtClean="0"/>
+              <a:t> </a:t>
+            </a:r>
+            <a:r>
+              <a:rPr lang="de-AT" dirty="0" err="1" smtClean="0"/>
+              <a:t>features</a:t>
+            </a:r>
+            <a:r>
+              <a:rPr lang="de-AT" dirty="0" smtClean="0"/>
+              <a:t> </a:t>
+            </a:r>
+            <a:r>
+              <a:rPr lang="de-AT" dirty="0" err="1" smtClean="0"/>
+              <a:t>with</a:t>
+            </a:r>
+            <a:r>
+              <a:rPr lang="de-AT" dirty="0" smtClean="0"/>
+              <a:t> </a:t>
+            </a:r>
+            <a:r>
+              <a:rPr lang="de-AT" dirty="0" err="1" smtClean="0"/>
+              <a:t>highest</a:t>
+            </a:r>
+            <a:r>
+              <a:rPr lang="de-AT" dirty="0" smtClean="0"/>
+              <a:t> </a:t>
+            </a:r>
+            <a:r>
+              <a:rPr lang="de-AT" dirty="0" err="1" smtClean="0"/>
+              <a:t>weights</a:t>
+            </a:r>
+            <a:endParaRPr lang="de-AT" dirty="0"/>
+          </a:p>
+          <a:p>
+            <a:pPr marL="0" indent="0"/>
+            <a:endParaRPr lang="de-AT" dirty="0"/>
+          </a:p>
+        </p:txBody>
+      </p:sp>
+      <p:sp>
+        <p:nvSpPr>
+          <p:cNvPr id="5" name="Datumsplatzhalter 4"/>
+          <p:cNvSpPr>
+            <a:spLocks noGrp="1"/>
+          </p:cNvSpPr>
+          <p:nvPr>
+            <p:ph type="dt" sz="half" idx="10"/>
+          </p:nvPr>
+        </p:nvSpPr>
+        <p:spPr/>
+        <p:txBody>
+          <a:bodyPr/>
+          <a:lstStyle/>
+          <a:p>
+            <a:pPr>
+              <a:defRPr/>
+            </a:pPr>
+            <a:fld id="{F730624D-5A85-4FAC-A8C2-B755D15BE30C}" type="datetime1">
+              <a:rPr lang="de-AT" smtClean="0"/>
+              <a:t>25.01.2016</a:t>
+            </a:fld>
+            <a:endParaRPr lang="de-DE" dirty="0"/>
+          </a:p>
+        </p:txBody>
+      </p:sp>
+      <p:sp>
+        <p:nvSpPr>
+          <p:cNvPr id="6" name="Fußzeilenplatzhalter 5"/>
+          <p:cNvSpPr>
+            <a:spLocks noGrp="1"/>
+          </p:cNvSpPr>
+          <p:nvPr>
+            <p:ph type="ftr" sz="quarter" idx="11"/>
+          </p:nvPr>
+        </p:nvSpPr>
+        <p:spPr/>
+        <p:txBody>
+          <a:bodyPr/>
+          <a:lstStyle/>
+          <a:p>
+            <a:pPr>
+              <a:defRPr/>
+            </a:pPr>
+            <a:r>
+              <a:rPr lang="de-DE" smtClean="0"/>
+              <a:t>Silvana Podaras &amp; Florian Schober</a:t>
+            </a:r>
+            <a:endParaRPr lang="de-DE"/>
+          </a:p>
+        </p:txBody>
+      </p:sp>
+      <p:sp>
+        <p:nvSpPr>
+          <p:cNvPr id="7" name="Foliennummernplatzhalter 6"/>
+          <p:cNvSpPr>
+            <a:spLocks noGrp="1"/>
+          </p:cNvSpPr>
+          <p:nvPr>
+            <p:ph type="sldNum" sz="quarter" idx="12"/>
+          </p:nvPr>
+        </p:nvSpPr>
+        <p:spPr/>
+        <p:txBody>
+          <a:bodyPr/>
+          <a:lstStyle/>
+          <a:p>
+            <a:fld id="{E7C81DBF-6C1A-4CEB-BBA0-5651AFB5C718}" type="slidenum">
+              <a:rPr lang="de-DE" altLang="de-DE" smtClean="0"/>
+              <a:pPr/>
+              <a:t>12</a:t>
+            </a:fld>
+            <a:endParaRPr lang="de-DE" altLang="de-DE"/>
+          </a:p>
+        </p:txBody>
+      </p:sp>
+    </p:spTree>
+    <p:extLst>
+      <p:ext uri="{BB962C8B-B14F-4D97-AF65-F5344CB8AC3E}">
+        <p14:creationId xmlns:p14="http://schemas.microsoft.com/office/powerpoint/2010/main" val="2642371924"/>
+      </p:ext>
+    </p:extLst>
+  </p:cSld>
+  <p:clrMapOvr>
+    <a:masterClrMapping/>
+  </p:clrMapOvr>
+</p:sld>
+</file>
+
+<file path=ppt/slides/slide13.xml><?xml version="1.0" encoding="utf-8"?>
+<p:sld xmlns:a="http://schemas.openxmlformats.org/drawingml/2006/main" xmlns:r="http://schemas.openxmlformats.org/officeDocument/2006/relationships" xmlns:p="http://schemas.openxmlformats.org/presentationml/2006/main">
+  <p:cSld>
+    <p:spTree>
+      <p:nvGrpSpPr>
+        <p:cNvPr id="1" name=""/>
+        <p:cNvGrpSpPr/>
+        <p:nvPr/>
+      </p:nvGrpSpPr>
+      <p:grpSpPr>
+        <a:xfrm>
+          <a:off x="0" y="0"/>
+          <a:ext cx="0" cy="0"/>
+          <a:chOff x="0" y="0"/>
+          <a:chExt cx="0" cy="0"/>
+        </a:xfrm>
+      </p:grpSpPr>
+      <p:sp>
+        <p:nvSpPr>
+          <p:cNvPr id="5" name="Titel 4"/>
+          <p:cNvSpPr>
+            <a:spLocks noGrp="1"/>
+          </p:cNvSpPr>
+          <p:nvPr>
+            <p:ph type="title"/>
+          </p:nvPr>
+        </p:nvSpPr>
+        <p:spPr/>
+        <p:txBody>
+          <a:bodyPr/>
+          <a:lstStyle/>
+          <a:p>
+            <a:r>
+              <a:rPr lang="de-AT" dirty="0" smtClean="0"/>
+              <a:t>Wrapper </a:t>
+            </a:r>
+            <a:r>
+              <a:rPr lang="de-AT" dirty="0" err="1" smtClean="0"/>
+              <a:t>methods</a:t>
+            </a:r>
+            <a:endParaRPr lang="de-AT" dirty="0"/>
+          </a:p>
+        </p:txBody>
+      </p:sp>
+      <p:sp>
+        <p:nvSpPr>
+          <p:cNvPr id="6" name="Inhaltsplatzhalter 5"/>
+          <p:cNvSpPr>
+            <a:spLocks noGrp="1"/>
+          </p:cNvSpPr>
+          <p:nvPr>
+            <p:ph idx="1"/>
+          </p:nvPr>
+        </p:nvSpPr>
+        <p:spPr/>
+        <p:txBody>
+          <a:bodyPr/>
+          <a:lstStyle/>
+          <a:p>
             <a:pPr>
               <a:buFont typeface="Arial" panose="020B0604020202020204" pitchFamily="34" charset="0"/>
               <a:buChar char="•"/>
             </a:pPr>
             <a:r>
               <a:rPr lang="de-AT" dirty="0" err="1" smtClean="0"/>
-              <a:t>Iteartively</a:t>
-            </a:r>
-            <a:r>
-              <a:rPr lang="de-AT" dirty="0" smtClean="0"/>
-              <a:t> Search </a:t>
-            </a:r>
-            <a:r>
-              <a:rPr lang="de-AT" dirty="0" err="1" smtClean="0"/>
-              <a:t>and</a:t>
+              <a:t>Consider</a:t>
             </a:r>
             <a:r>
               <a:rPr lang="de-AT" dirty="0" smtClean="0"/>
@@ -5833,7 +7589,15 @@
             </a:r>
             <a:r>
               <a:rPr lang="de-AT" dirty="0" err="1" smtClean="0"/>
-              <a:t>Evaluate</a:t>
+              <a:t>classification</a:t>
+            </a:r>
+            <a:r>
+              <a:rPr lang="de-AT" dirty="0" smtClean="0"/>
+              <a:t> </a:t>
+            </a:r>
+            <a:r>
+              <a:rPr lang="de-AT" dirty="0" err="1" smtClean="0"/>
+              <a:t>algortihm</a:t>
             </a:r>
             <a:endParaRPr lang="de-AT" dirty="0" smtClean="0"/>
           </a:p>
@@ -5843,13 +7607,123 @@
               <a:buChar char="•"/>
             </a:pPr>
             <a:r>
-              <a:rPr lang="de-AT" dirty="0" err="1" smtClean="0"/>
+              <a:rPr lang="de-AT" dirty="0" smtClean="0"/>
+              <a:t>Select </a:t>
+            </a:r>
+            <a:r>
+              <a:rPr lang="de-AT" dirty="0" err="1" smtClean="0"/>
+              <a:t>features</a:t>
+            </a:r>
+            <a:r>
+              <a:rPr lang="de-AT" dirty="0" smtClean="0"/>
+              <a:t> </a:t>
+            </a:r>
+            <a:r>
+              <a:rPr lang="de-AT" dirty="0" err="1" smtClean="0"/>
+              <a:t>that</a:t>
+            </a:r>
+            <a:r>
+              <a:rPr lang="de-AT" dirty="0" smtClean="0"/>
+              <a:t> fit </a:t>
+            </a:r>
+            <a:r>
+              <a:rPr lang="de-AT" dirty="0" err="1" smtClean="0"/>
+              <a:t>classifier</a:t>
+            </a:r>
+            <a:r>
+              <a:rPr lang="de-AT" dirty="0" smtClean="0"/>
+              <a:t> </a:t>
+            </a:r>
+            <a:r>
+              <a:rPr lang="de-AT" dirty="0" err="1" smtClean="0"/>
+              <a:t>best</a:t>
+            </a:r>
+            <a:endParaRPr lang="de-AT" dirty="0" smtClean="0"/>
+          </a:p>
+          <a:p>
+            <a:pPr>
+              <a:buFont typeface="Arial" panose="020B0604020202020204" pitchFamily="34" charset="0"/>
+              <a:buChar char="•"/>
+            </a:pPr>
+            <a:endParaRPr lang="de-AT" dirty="0" smtClean="0"/>
+          </a:p>
+          <a:p>
+            <a:pPr>
+              <a:buFont typeface="Arial" panose="020B0604020202020204" pitchFamily="34" charset="0"/>
+              <a:buChar char="•"/>
+            </a:pPr>
+            <a:r>
+              <a:rPr lang="de-AT" dirty="0" err="1"/>
               <a:t>Computationally</a:t>
             </a:r>
             <a:r>
-              <a:rPr lang="de-AT" dirty="0" smtClean="0"/>
-              <a:t> expensive!</a:t>
-            </a:r>
+              <a:rPr lang="de-AT" dirty="0"/>
+              <a:t> expensive</a:t>
+            </a:r>
+            <a:r>
+              <a:rPr lang="de-AT" dirty="0" smtClean="0"/>
+              <a:t>!</a:t>
+            </a:r>
+          </a:p>
+          <a:p>
+            <a:pPr>
+              <a:buFont typeface="Arial" panose="020B0604020202020204" pitchFamily="34" charset="0"/>
+              <a:buChar char="•"/>
+            </a:pPr>
+            <a:r>
+              <a:rPr lang="de-AT" dirty="0" smtClean="0"/>
+              <a:t>Not </a:t>
+            </a:r>
+            <a:r>
+              <a:rPr lang="de-AT" dirty="0" smtClean="0"/>
+              <a:t>flexible (</a:t>
+            </a:r>
+            <a:r>
+              <a:rPr lang="de-AT" dirty="0" err="1" smtClean="0"/>
+              <a:t>cannot</a:t>
+            </a:r>
+            <a:r>
+              <a:rPr lang="de-AT" dirty="0" smtClean="0"/>
+              <a:t> </a:t>
+            </a:r>
+            <a:r>
+              <a:rPr lang="de-AT" dirty="0" err="1" smtClean="0"/>
+              <a:t>change</a:t>
+            </a:r>
+            <a:r>
+              <a:rPr lang="de-AT" dirty="0" smtClean="0"/>
+              <a:t> </a:t>
+            </a:r>
+            <a:r>
+              <a:rPr lang="de-AT" dirty="0" err="1" smtClean="0"/>
+              <a:t>classifier</a:t>
+            </a:r>
+            <a:r>
+              <a:rPr lang="de-AT" dirty="0" smtClean="0"/>
+              <a:t> </a:t>
+            </a:r>
+            <a:r>
+              <a:rPr lang="de-AT" dirty="0" err="1" smtClean="0"/>
+              <a:t>afterwards</a:t>
+            </a:r>
+            <a:r>
+              <a:rPr lang="de-AT" dirty="0" smtClean="0"/>
+              <a:t>)</a:t>
+            </a:r>
+            <a:endParaRPr lang="de-AT" dirty="0"/>
+          </a:p>
+          <a:p>
+            <a:pPr>
+              <a:buFont typeface="Arial" panose="020B0604020202020204" pitchFamily="34" charset="0"/>
+              <a:buChar char="•"/>
+            </a:pPr>
+            <a:endParaRPr lang="de-AT" dirty="0" smtClean="0"/>
+          </a:p>
+          <a:p>
+            <a:pPr>
+              <a:buFont typeface="Arial" panose="020B0604020202020204" pitchFamily="34" charset="0"/>
+              <a:buChar char="•"/>
+            </a:pPr>
             <a:endParaRPr lang="de-AT" dirty="0"/>
           </a:p>
         </p:txBody>
@@ -5924,7 +7798,7 @@
             <a:fld id="{CA3F91B5-C267-4146-949F-EABEA95DB02A}" type="slidenum">
               <a:rPr lang="de-AT" altLang="de-DE" smtClean="0"/>
               <a:pPr/>
-              <a:t>11</a:t>
+              <a:t>13</a:t>
             </a:fld>
             <a:endParaRPr lang="de-AT" altLang="de-DE"/>
           </a:p>
@@ -6000,7 +7874,7 @@
 </p:sld>
 </file>
 
-<file path=ppt/slides/slide12.xml><?xml version="1.0" encoding="utf-8"?>
+<file path=ppt/slides/slide14.xml><?xml version="1.0" encoding="utf-8"?>
 <p:sld xmlns:a="http://schemas.openxmlformats.org/drawingml/2006/main" xmlns:r="http://schemas.openxmlformats.org/officeDocument/2006/relationships" xmlns:p="http://schemas.openxmlformats.org/presentationml/2006/main">
   <p:cSld>
     <p:spTree>
@@ -6034,7 +7908,7 @@
           <a:p>
             <a:r>
               <a:rPr lang="de-AT" dirty="0" smtClean="0"/>
-              <a:t>Embedded  </a:t>
+              <a:t>Wrapper </a:t>
             </a:r>
             <a:r>
               <a:rPr lang="de-AT" dirty="0" err="1" smtClean="0"/>
@@ -6058,20 +7932,105 @@
         <p:txBody>
           <a:bodyPr/>
           <a:lstStyle/>
+          <a:p>
+            <a:pPr marL="457200" indent="-457200">
+              <a:buFont typeface="+mj-lt"/>
+              <a:buAutoNum type="arabicPeriod"/>
+            </a:pPr>
+            <a:r>
+              <a:rPr lang="de-AT" dirty="0" smtClean="0"/>
+              <a:t>Search </a:t>
+            </a:r>
+            <a:r>
+              <a:rPr lang="de-AT" dirty="0" err="1" smtClean="0"/>
+              <a:t>for</a:t>
+            </a:r>
+            <a:r>
+              <a:rPr lang="de-AT" dirty="0" smtClean="0"/>
+              <a:t> potential </a:t>
+            </a:r>
+            <a:r>
+              <a:rPr lang="de-AT" dirty="0" err="1" smtClean="0"/>
+              <a:t>subset</a:t>
+            </a:r>
+            <a:endParaRPr lang="de-AT" dirty="0"/>
+          </a:p>
+          <a:p>
+            <a:pPr marL="457200" indent="-457200">
+              <a:buFont typeface="+mj-lt"/>
+              <a:buAutoNum type="arabicPeriod"/>
+            </a:pPr>
+            <a:r>
+              <a:rPr lang="de-AT" dirty="0" err="1" smtClean="0"/>
+              <a:t>Estimate</a:t>
+            </a:r>
+            <a:r>
+              <a:rPr lang="de-AT" dirty="0" smtClean="0"/>
+              <a:t> </a:t>
+            </a:r>
+            <a:r>
+              <a:rPr lang="de-AT" dirty="0" err="1" smtClean="0"/>
+              <a:t>performance</a:t>
+            </a:r>
+            <a:r>
+              <a:rPr lang="de-AT" dirty="0" smtClean="0"/>
+              <a:t> on </a:t>
+            </a:r>
+            <a:r>
+              <a:rPr lang="de-AT" dirty="0" err="1" smtClean="0"/>
+              <a:t>classifier</a:t>
+            </a:r>
+            <a:endParaRPr lang="de-AT" dirty="0"/>
+          </a:p>
+          <a:p>
+            <a:pPr marL="457200" indent="-457200">
+              <a:buFont typeface="+mj-lt"/>
+              <a:buAutoNum type="arabicPeriod"/>
+            </a:pPr>
+            <a:r>
+              <a:rPr lang="de-AT" dirty="0" err="1" smtClean="0"/>
+              <a:t>Iterate</a:t>
+            </a:r>
+            <a:r>
+              <a:rPr lang="de-AT" dirty="0" smtClean="0"/>
+              <a:t> </a:t>
+            </a:r>
+            <a:r>
+              <a:rPr lang="de-AT" dirty="0" err="1" smtClean="0"/>
+              <a:t>until</a:t>
+            </a:r>
+            <a:r>
+              <a:rPr lang="de-AT" dirty="0" smtClean="0"/>
+              <a:t> </a:t>
+            </a:r>
+            <a:r>
+              <a:rPr lang="de-AT" dirty="0" err="1" smtClean="0"/>
+              <a:t>desired</a:t>
+            </a:r>
+            <a:r>
+              <a:rPr lang="de-AT" dirty="0" smtClean="0"/>
+              <a:t> </a:t>
+            </a:r>
+            <a:r>
+              <a:rPr lang="de-AT" dirty="0" err="1" smtClean="0"/>
+              <a:t>quality</a:t>
+            </a:r>
+            <a:r>
+              <a:rPr lang="de-AT" dirty="0" smtClean="0"/>
+              <a:t> </a:t>
+            </a:r>
+            <a:r>
+              <a:rPr lang="de-AT" dirty="0" err="1" smtClean="0"/>
+              <a:t>achieved</a:t>
+            </a:r>
+            <a:endParaRPr lang="de-AT" dirty="0" smtClean="0"/>
+          </a:p>
           <a:p>
             <a:pPr>
               <a:buFont typeface="Arial" panose="020B0604020202020204" pitchFamily="34" charset="0"/>
               <a:buChar char="•"/>
             </a:pPr>
-            <a:r>
-              <a:rPr lang="de-AT" dirty="0" smtClean="0"/>
-              <a:t>Hybrid </a:t>
-            </a:r>
-            <a:r>
-              <a:rPr lang="de-AT" dirty="0" err="1" smtClean="0"/>
-              <a:t>method</a:t>
-            </a:r>
-            <a:endParaRPr lang="de-AT" dirty="0" smtClean="0"/>
+            <a:endParaRPr lang="de-AT" dirty="0"/>
           </a:p>
           <a:p>
             <a:pPr>
@@ -6080,7 +8039,366 @@
             </a:pPr>
             <a:r>
               <a:rPr lang="de-AT" dirty="0" err="1" smtClean="0"/>
-              <a:t>Computationally</a:t>
+              <a:t>F.example</a:t>
+            </a:r>
+            <a:r>
+              <a:rPr lang="de-AT" dirty="0" smtClean="0"/>
+              <a:t>: </a:t>
+            </a:r>
+            <a:r>
+              <a:rPr lang="de-AT" dirty="0" err="1" smtClean="0"/>
+              <a:t>Branch</a:t>
+            </a:r>
+            <a:r>
+              <a:rPr lang="de-AT" dirty="0" smtClean="0"/>
+              <a:t> </a:t>
+            </a:r>
+            <a:r>
+              <a:rPr lang="de-AT" dirty="0" err="1" smtClean="0"/>
+              <a:t>and</a:t>
+            </a:r>
+            <a:r>
+              <a:rPr lang="de-AT" dirty="0" smtClean="0"/>
+              <a:t> </a:t>
+            </a:r>
+            <a:r>
+              <a:rPr lang="de-AT" dirty="0" err="1" smtClean="0"/>
+              <a:t>bound</a:t>
+            </a:r>
+            <a:r>
+              <a:rPr lang="de-AT" dirty="0" smtClean="0"/>
+              <a:t>, </a:t>
+            </a:r>
+            <a:r>
+              <a:rPr lang="de-AT" dirty="0" err="1" smtClean="0"/>
+              <a:t>genetic</a:t>
+            </a:r>
+            <a:r>
+              <a:rPr lang="de-AT" dirty="0" smtClean="0"/>
+              <a:t> </a:t>
+            </a:r>
+            <a:r>
+              <a:rPr lang="de-AT" dirty="0" err="1" smtClean="0"/>
+              <a:t>algorithms</a:t>
+            </a:r>
+            <a:endParaRPr lang="de-AT" dirty="0" smtClean="0"/>
+          </a:p>
+          <a:p>
+            <a:pPr marL="0" indent="0"/>
+            <a:endParaRPr lang="de-AT" dirty="0"/>
+          </a:p>
+          <a:p>
+            <a:pPr marL="0" indent="0"/>
+            <a:endParaRPr lang="de-AT" dirty="0"/>
+          </a:p>
+        </p:txBody>
+      </p:sp>
+      <p:sp>
+        <p:nvSpPr>
+          <p:cNvPr id="2" name="Datumsplatzhalter 1"/>
+          <p:cNvSpPr>
+            <a:spLocks noGrp="1"/>
+          </p:cNvSpPr>
+          <p:nvPr>
+            <p:ph type="dt" sz="half" idx="10"/>
+          </p:nvPr>
+        </p:nvSpPr>
+        <p:spPr/>
+        <p:txBody>
+          <a:bodyPr/>
+          <a:lstStyle/>
+          <a:p>
+            <a:pPr>
+              <a:defRPr/>
+            </a:pPr>
+            <a:fld id="{A99E4E83-FA2E-46A0-B301-8CE1B5AC943C}" type="datetime1">
+              <a:rPr lang="de-AT" smtClean="0"/>
+              <a:t>25.01.2016</a:t>
+            </a:fld>
+            <a:endParaRPr lang="de-AT" dirty="0"/>
+          </a:p>
+        </p:txBody>
+      </p:sp>
+      <p:sp>
+        <p:nvSpPr>
+          <p:cNvPr id="3" name="Fußzeilenplatzhalter 2"/>
+          <p:cNvSpPr>
+            <a:spLocks noGrp="1"/>
+          </p:cNvSpPr>
+          <p:nvPr>
+            <p:ph type="ftr" sz="quarter" idx="11"/>
+          </p:nvPr>
+        </p:nvSpPr>
+        <p:spPr/>
+        <p:txBody>
+          <a:bodyPr/>
+          <a:lstStyle/>
+          <a:p>
+            <a:pPr>
+              <a:defRPr/>
+            </a:pPr>
+            <a:r>
+              <a:rPr lang="de-AT" smtClean="0"/>
+              <a:t>Silvana Podaras &amp; Florian Schober</a:t>
+            </a:r>
+            <a:endParaRPr lang="de-AT"/>
+          </a:p>
+        </p:txBody>
+      </p:sp>
+      <p:sp>
+        <p:nvSpPr>
+          <p:cNvPr id="4" name="Foliennummernplatzhalter 3"/>
+          <p:cNvSpPr>
+            <a:spLocks noGrp="1"/>
+          </p:cNvSpPr>
+          <p:nvPr>
+            <p:ph type="sldNum" sz="quarter" idx="12"/>
+          </p:nvPr>
+        </p:nvSpPr>
+        <p:spPr/>
+        <p:txBody>
+          <a:bodyPr/>
+          <a:lstStyle/>
+          <a:p>
+            <a:fld id="{CA3F91B5-C267-4146-949F-EABEA95DB02A}" type="slidenum">
+              <a:rPr lang="de-AT" altLang="de-DE" smtClean="0"/>
+              <a:pPr/>
+              <a:t>14</a:t>
+            </a:fld>
+            <a:endParaRPr lang="de-AT" altLang="de-DE"/>
+          </a:p>
+        </p:txBody>
+      </p:sp>
+      <p:sp>
+        <p:nvSpPr>
+          <p:cNvPr id="7" name="Nach rechts gekrümmter Pfeil 6"/>
+          <p:cNvSpPr/>
+          <p:nvPr/>
+        </p:nvSpPr>
+        <p:spPr>
+          <a:xfrm>
+            <a:off x="7308304" y="1285860"/>
+            <a:ext cx="703789" cy="938385"/>
+          </a:xfrm>
+          <a:prstGeom prst="curvedRightArrow">
+            <a:avLst/>
+          </a:prstGeom>
+          <a:solidFill>
+            <a:schemeClr val="tx1"/>
+          </a:solidFill>
+          <a:ln>
+            <a:noFill/>
+          </a:ln>
+        </p:spPr>
+        <p:style>
+          <a:lnRef idx="2">
+            <a:schemeClr val="accent1">
+              <a:shade val="50000"/>
+            </a:schemeClr>
+          </a:lnRef>
+          <a:fillRef idx="1">
+            <a:schemeClr val="accent1"/>
+          </a:fillRef>
+          <a:effectRef idx="0">
+            <a:schemeClr val="accent1"/>
+          </a:effectRef>
+          <a:fontRef idx="minor">
+            <a:schemeClr val="lt1"/>
+          </a:fontRef>
+        </p:style>
+        <p:txBody>
+          <a:bodyPr rtlCol="0" anchor="ctr"/>
+          <a:lstStyle/>
+          <a:p>
+            <a:pPr algn="ctr"/>
+            <a:endParaRPr lang="de-AT">
+              <a:solidFill>
+                <a:schemeClr val="tx1"/>
+              </a:solidFill>
+            </a:endParaRPr>
+          </a:p>
+        </p:txBody>
+      </p:sp>
+    </p:spTree>
+    <p:extLst>
+      <p:ext uri="{BB962C8B-B14F-4D97-AF65-F5344CB8AC3E}">
+        <p14:creationId xmlns:p14="http://schemas.microsoft.com/office/powerpoint/2010/main" val="1570422897"/>
+      </p:ext>
+    </p:extLst>
+  </p:cSld>
+  <p:clrMapOvr>
+    <a:masterClrMapping/>
+  </p:clrMapOvr>
+  <p:timing>
+    <p:tnLst>
+      <p:par>
+        <p:cTn id="1" dur="indefinite" restart="never" nodeType="tmRoot"/>
+      </p:par>
+    </p:tnLst>
+  </p:timing>
+</p:sld>
+</file>
+
+<file path=ppt/slides/slide15.xml><?xml version="1.0" encoding="utf-8"?>
+<p:sld xmlns:a="http://schemas.openxmlformats.org/drawingml/2006/main" xmlns:r="http://schemas.openxmlformats.org/officeDocument/2006/relationships" xmlns:p="http://schemas.openxmlformats.org/presentationml/2006/main">
+  <p:cSld>
+    <p:spTree>
+      <p:nvGrpSpPr>
+        <p:cNvPr id="1" name=""/>
+        <p:cNvGrpSpPr/>
+        <p:nvPr/>
+      </p:nvGrpSpPr>
+      <p:grpSpPr>
+        <a:xfrm>
+          <a:off x="0" y="0"/>
+          <a:ext cx="0" cy="0"/>
+          <a:chOff x="0" y="0"/>
+          <a:chExt cx="0" cy="0"/>
+        </a:xfrm>
+      </p:grpSpPr>
+      <p:sp>
+        <p:nvSpPr>
+          <p:cNvPr id="5" name="Titel 4"/>
+          <p:cNvSpPr>
+            <a:spLocks noGrp="1"/>
+          </p:cNvSpPr>
+          <p:nvPr>
+            <p:ph type="title"/>
+          </p:nvPr>
+        </p:nvSpPr>
+        <p:spPr/>
+        <p:txBody>
+          <a:bodyPr/>
+          <a:lstStyle/>
+          <a:p>
+            <a:r>
+              <a:rPr lang="de-AT" dirty="0" err="1" smtClean="0"/>
+              <a:t>Example</a:t>
+            </a:r>
+            <a:r>
+              <a:rPr lang="de-AT" dirty="0" smtClean="0"/>
+              <a:t>: </a:t>
+            </a:r>
+            <a:r>
+              <a:rPr lang="de-AT" dirty="0" err="1" smtClean="0"/>
+              <a:t>Genetic</a:t>
+            </a:r>
+            <a:r>
+              <a:rPr lang="de-AT" dirty="0" smtClean="0"/>
+              <a:t> </a:t>
+            </a:r>
+            <a:r>
+              <a:rPr lang="de-AT" dirty="0" err="1" smtClean="0"/>
+              <a:t>algorithms</a:t>
+            </a:r>
+            <a:endParaRPr lang="de-AT" dirty="0"/>
+          </a:p>
+        </p:txBody>
+      </p:sp>
+      <p:sp>
+        <p:nvSpPr>
+          <p:cNvPr id="6" name="Inhaltsplatzhalter 5"/>
+          <p:cNvSpPr>
+            <a:spLocks noGrp="1"/>
+          </p:cNvSpPr>
+          <p:nvPr>
+            <p:ph idx="1"/>
+          </p:nvPr>
+        </p:nvSpPr>
+        <p:spPr/>
+        <p:txBody>
+          <a:bodyPr/>
+          <a:lstStyle/>
+          <a:p>
+            <a:pPr marL="457200" indent="-457200">
+              <a:buFont typeface="+mj-lt"/>
+              <a:buAutoNum type="arabicPeriod"/>
+            </a:pPr>
+            <a:r>
+              <a:rPr lang="de-AT" dirty="0" smtClean="0"/>
+              <a:t>Search </a:t>
+            </a:r>
+            <a:r>
+              <a:rPr lang="de-AT" dirty="0" err="1" smtClean="0"/>
+              <a:t>for</a:t>
+            </a:r>
+            <a:r>
+              <a:rPr lang="de-AT" dirty="0" smtClean="0"/>
+              <a:t> potential </a:t>
+            </a:r>
+            <a:r>
+              <a:rPr lang="de-AT" dirty="0" err="1" smtClean="0"/>
+              <a:t>subset</a:t>
+            </a:r>
+            <a:endParaRPr lang="de-AT" dirty="0"/>
+          </a:p>
+          <a:p>
+            <a:pPr marL="457200" indent="-457200">
+              <a:buFont typeface="+mj-lt"/>
+              <a:buAutoNum type="arabicPeriod"/>
+            </a:pPr>
+            <a:r>
+              <a:rPr lang="de-AT" dirty="0" err="1" smtClean="0"/>
+              <a:t>Estimate</a:t>
+            </a:r>
+            <a:r>
+              <a:rPr lang="de-AT" dirty="0" smtClean="0"/>
+              <a:t> </a:t>
+            </a:r>
+            <a:r>
+              <a:rPr lang="de-AT" dirty="0" err="1" smtClean="0"/>
+              <a:t>performance</a:t>
+            </a:r>
+            <a:r>
+              <a:rPr lang="de-AT" dirty="0" smtClean="0"/>
+              <a:t> on </a:t>
+            </a:r>
+            <a:r>
+              <a:rPr lang="de-AT" dirty="0" err="1" smtClean="0"/>
+              <a:t>classifier</a:t>
+            </a:r>
+            <a:endParaRPr lang="de-AT" dirty="0"/>
+          </a:p>
+          <a:p>
+            <a:pPr marL="457200" indent="-457200">
+              <a:buFont typeface="+mj-lt"/>
+              <a:buAutoNum type="arabicPeriod"/>
+            </a:pPr>
+            <a:r>
+              <a:rPr lang="de-AT" dirty="0" err="1" smtClean="0"/>
+              <a:t>Iterate</a:t>
+            </a:r>
+            <a:r>
+              <a:rPr lang="de-AT" dirty="0" smtClean="0"/>
+              <a:t> </a:t>
+            </a:r>
+            <a:r>
+              <a:rPr lang="de-AT" dirty="0" err="1" smtClean="0"/>
+              <a:t>until</a:t>
+            </a:r>
+            <a:r>
+              <a:rPr lang="de-AT" dirty="0" smtClean="0"/>
+              <a:t> </a:t>
+            </a:r>
+            <a:r>
+              <a:rPr lang="de-AT" dirty="0" err="1" smtClean="0"/>
+              <a:t>desired</a:t>
+            </a:r>
+            <a:r>
+              <a:rPr lang="de-AT" dirty="0" smtClean="0"/>
+              <a:t> </a:t>
+            </a:r>
+            <a:r>
+              <a:rPr lang="de-AT" dirty="0" err="1" smtClean="0"/>
+              <a:t>quality</a:t>
+            </a:r>
+            <a:r>
+              <a:rPr lang="de-AT" dirty="0" smtClean="0"/>
+              <a:t> </a:t>
+            </a:r>
+            <a:r>
+              <a:rPr lang="de-AT" dirty="0" err="1" smtClean="0"/>
+              <a:t>achieved</a:t>
             </a:r>
             <a:endParaRPr lang="de-AT" dirty="0" smtClean="0"/>
           </a:p>
@@ -6089,6 +8407,312 @@
               <a:buFont typeface="Arial" panose="020B0604020202020204" pitchFamily="34" charset="0"/>
               <a:buChar char="•"/>
             </a:pPr>
+            <a:endParaRPr lang="de-AT" dirty="0"/>
+          </a:p>
+          <a:p>
+            <a:pPr>
+              <a:buFont typeface="Arial" panose="020B0604020202020204" pitchFamily="34" charset="0"/>
+              <a:buChar char="•"/>
+            </a:pPr>
+            <a:r>
+              <a:rPr lang="de-AT" dirty="0" err="1" smtClean="0"/>
+              <a:t>F.example</a:t>
+            </a:r>
+            <a:r>
+              <a:rPr lang="de-AT" dirty="0" smtClean="0"/>
+              <a:t>: </a:t>
+            </a:r>
+            <a:r>
+              <a:rPr lang="de-AT" dirty="0" err="1" smtClean="0"/>
+              <a:t>Branch</a:t>
+            </a:r>
+            <a:r>
+              <a:rPr lang="de-AT" dirty="0" smtClean="0"/>
+              <a:t> </a:t>
+            </a:r>
+            <a:r>
+              <a:rPr lang="de-AT" dirty="0" err="1" smtClean="0"/>
+              <a:t>and</a:t>
+            </a:r>
+            <a:r>
+              <a:rPr lang="de-AT" dirty="0" smtClean="0"/>
+              <a:t> </a:t>
+            </a:r>
+            <a:r>
+              <a:rPr lang="de-AT" dirty="0" err="1" smtClean="0"/>
+              <a:t>bound</a:t>
+            </a:r>
+            <a:r>
+              <a:rPr lang="de-AT" dirty="0" smtClean="0"/>
+              <a:t>, </a:t>
+            </a:r>
+            <a:r>
+              <a:rPr lang="de-AT" dirty="0" err="1" smtClean="0"/>
+              <a:t>genetic</a:t>
+            </a:r>
+            <a:r>
+              <a:rPr lang="de-AT" dirty="0" smtClean="0"/>
+              <a:t> </a:t>
+            </a:r>
+            <a:r>
+              <a:rPr lang="de-AT" dirty="0" err="1" smtClean="0"/>
+              <a:t>algorithms</a:t>
+            </a:r>
+            <a:endParaRPr lang="de-AT" dirty="0" smtClean="0"/>
+          </a:p>
+          <a:p>
+            <a:pPr marL="0" indent="0"/>
+            <a:endParaRPr lang="de-AT" dirty="0"/>
+          </a:p>
+          <a:p>
+            <a:pPr marL="0" indent="0"/>
+            <a:endParaRPr lang="de-AT" dirty="0"/>
+          </a:p>
+        </p:txBody>
+      </p:sp>
+      <p:sp>
+        <p:nvSpPr>
+          <p:cNvPr id="2" name="Datumsplatzhalter 1"/>
+          <p:cNvSpPr>
+            <a:spLocks noGrp="1"/>
+          </p:cNvSpPr>
+          <p:nvPr>
+            <p:ph type="dt" sz="half" idx="10"/>
+          </p:nvPr>
+        </p:nvSpPr>
+        <p:spPr/>
+        <p:txBody>
+          <a:bodyPr/>
+          <a:lstStyle/>
+          <a:p>
+            <a:pPr>
+              <a:defRPr/>
+            </a:pPr>
+            <a:fld id="{A99E4E83-FA2E-46A0-B301-8CE1B5AC943C}" type="datetime1">
+              <a:rPr lang="de-AT" smtClean="0"/>
+              <a:t>25.01.2016</a:t>
+            </a:fld>
+            <a:endParaRPr lang="de-AT" dirty="0"/>
+          </a:p>
+        </p:txBody>
+      </p:sp>
+      <p:sp>
+        <p:nvSpPr>
+          <p:cNvPr id="3" name="Fußzeilenplatzhalter 2"/>
+          <p:cNvSpPr>
+            <a:spLocks noGrp="1"/>
+          </p:cNvSpPr>
+          <p:nvPr>
+            <p:ph type="ftr" sz="quarter" idx="11"/>
+          </p:nvPr>
+        </p:nvSpPr>
+        <p:spPr/>
+        <p:txBody>
+          <a:bodyPr/>
+          <a:lstStyle/>
+          <a:p>
+            <a:pPr>
+              <a:defRPr/>
+            </a:pPr>
+            <a:r>
+              <a:rPr lang="de-AT" smtClean="0"/>
+              <a:t>Silvana Podaras &amp; Florian Schober</a:t>
+            </a:r>
+            <a:endParaRPr lang="de-AT"/>
+          </a:p>
+        </p:txBody>
+      </p:sp>
+      <p:sp>
+        <p:nvSpPr>
+          <p:cNvPr id="4" name="Foliennummernplatzhalter 3"/>
+          <p:cNvSpPr>
+            <a:spLocks noGrp="1"/>
+          </p:cNvSpPr>
+          <p:nvPr>
+            <p:ph type="sldNum" sz="quarter" idx="12"/>
+          </p:nvPr>
+        </p:nvSpPr>
+        <p:spPr/>
+        <p:txBody>
+          <a:bodyPr/>
+          <a:lstStyle/>
+          <a:p>
+            <a:fld id="{CA3F91B5-C267-4146-949F-EABEA95DB02A}" type="slidenum">
+              <a:rPr lang="de-AT" altLang="de-DE" smtClean="0"/>
+              <a:pPr/>
+              <a:t>15</a:t>
+            </a:fld>
+            <a:endParaRPr lang="de-AT" altLang="de-DE"/>
+          </a:p>
+        </p:txBody>
+      </p:sp>
+      <p:sp>
+        <p:nvSpPr>
+          <p:cNvPr id="7" name="Nach rechts gekrümmter Pfeil 6"/>
+          <p:cNvSpPr/>
+          <p:nvPr/>
+        </p:nvSpPr>
+        <p:spPr>
+          <a:xfrm>
+            <a:off x="7308304" y="1285860"/>
+            <a:ext cx="703789" cy="938385"/>
+          </a:xfrm>
+          <a:prstGeom prst="curvedRightArrow">
+            <a:avLst/>
+          </a:prstGeom>
+          <a:solidFill>
+            <a:schemeClr val="tx1"/>
+          </a:solidFill>
+          <a:ln>
+            <a:noFill/>
+          </a:ln>
+        </p:spPr>
+        <p:style>
+          <a:lnRef idx="2">
+            <a:schemeClr val="accent1">
+              <a:shade val="50000"/>
+            </a:schemeClr>
+          </a:lnRef>
+          <a:fillRef idx="1">
+            <a:schemeClr val="accent1"/>
+          </a:fillRef>
+          <a:effectRef idx="0">
+            <a:schemeClr val="accent1"/>
+          </a:effectRef>
+          <a:fontRef idx="minor">
+            <a:schemeClr val="lt1"/>
+          </a:fontRef>
+        </p:style>
+        <p:txBody>
+          <a:bodyPr rtlCol="0" anchor="ctr"/>
+          <a:lstStyle/>
+          <a:p>
+            <a:pPr algn="ctr"/>
+            <a:endParaRPr lang="de-AT">
+              <a:solidFill>
+                <a:schemeClr val="tx1"/>
+              </a:solidFill>
+            </a:endParaRPr>
+          </a:p>
+        </p:txBody>
+      </p:sp>
+    </p:spTree>
+    <p:extLst>
+      <p:ext uri="{BB962C8B-B14F-4D97-AF65-F5344CB8AC3E}">
+        <p14:creationId xmlns:p14="http://schemas.microsoft.com/office/powerpoint/2010/main" val="3514552970"/>
+      </p:ext>
+    </p:extLst>
+  </p:cSld>
+  <p:clrMapOvr>
+    <a:masterClrMapping/>
+  </p:clrMapOvr>
+  <p:timing>
+    <p:tnLst>
+      <p:par>
+        <p:cTn id="1" dur="indefinite" restart="never" nodeType="tmRoot"/>
+      </p:par>
+    </p:tnLst>
+  </p:timing>
+</p:sld>
+</file>
+
+<file path=ppt/slides/slide16.xml><?xml version="1.0" encoding="utf-8"?>
+<p:sld xmlns:a="http://schemas.openxmlformats.org/drawingml/2006/main" xmlns:r="http://schemas.openxmlformats.org/officeDocument/2006/relationships" xmlns:p="http://schemas.openxmlformats.org/presentationml/2006/main">
+  <p:cSld>
+    <p:spTree>
+      <p:nvGrpSpPr>
+        <p:cNvPr id="1" name=""/>
+        <p:cNvGrpSpPr/>
+        <p:nvPr/>
+      </p:nvGrpSpPr>
+      <p:grpSpPr>
+        <a:xfrm>
+          <a:off x="0" y="0"/>
+          <a:ext cx="0" cy="0"/>
+          <a:chOff x="0" y="0"/>
+          <a:chExt cx="0" cy="0"/>
+        </a:xfrm>
+      </p:grpSpPr>
+      <p:sp>
+        <p:nvSpPr>
+          <p:cNvPr id="5" name="Titel 4"/>
+          <p:cNvSpPr>
+            <a:spLocks noGrp="1"/>
+          </p:cNvSpPr>
+          <p:nvPr>
+            <p:ph type="title"/>
+          </p:nvPr>
+        </p:nvSpPr>
+        <p:spPr/>
+        <p:txBody>
+          <a:bodyPr/>
+          <a:lstStyle/>
+          <a:p>
+            <a:r>
+              <a:rPr lang="de-AT" dirty="0" smtClean="0"/>
+              <a:t>Embedded  </a:t>
+            </a:r>
+            <a:r>
+              <a:rPr lang="de-AT" dirty="0" err="1" smtClean="0"/>
+              <a:t>methods</a:t>
+            </a:r>
+            <a:endParaRPr lang="de-AT" dirty="0"/>
+          </a:p>
+        </p:txBody>
+      </p:sp>
+      <p:sp>
+        <p:nvSpPr>
+          <p:cNvPr id="6" name="Inhaltsplatzhalter 5"/>
+          <p:cNvSpPr>
+            <a:spLocks noGrp="1"/>
+          </p:cNvSpPr>
+          <p:nvPr>
+            <p:ph idx="1"/>
+          </p:nvPr>
+        </p:nvSpPr>
+        <p:spPr/>
+        <p:txBody>
+          <a:bodyPr/>
+          <a:lstStyle/>
+          <a:p>
+            <a:pPr>
+              <a:buFont typeface="Arial" panose="020B0604020202020204" pitchFamily="34" charset="0"/>
+              <a:buChar char="•"/>
+            </a:pPr>
+            <a:r>
+              <a:rPr lang="de-AT" dirty="0" smtClean="0"/>
+              <a:t>Hybrid </a:t>
+            </a:r>
+            <a:r>
+              <a:rPr lang="de-AT" dirty="0" err="1" smtClean="0"/>
+              <a:t>method</a:t>
+            </a:r>
+            <a:endParaRPr lang="de-AT" dirty="0" smtClean="0"/>
+          </a:p>
+          <a:p>
+            <a:pPr>
+              <a:buFont typeface="Arial" panose="020B0604020202020204" pitchFamily="34" charset="0"/>
+              <a:buChar char="•"/>
+            </a:pPr>
+            <a:r>
+              <a:rPr lang="de-AT" dirty="0" err="1" smtClean="0"/>
+              <a:t>Computationally</a:t>
+            </a:r>
+            <a:r>
+              <a:rPr lang="de-AT" dirty="0" smtClean="0"/>
+              <a:t> </a:t>
+            </a:r>
+            <a:r>
+              <a:rPr lang="de-AT" dirty="0" err="1" smtClean="0"/>
+              <a:t>efficient</a:t>
+            </a:r>
+            <a:endParaRPr lang="de-AT" dirty="0" smtClean="0"/>
+          </a:p>
+          <a:p>
+            <a:pPr>
+              <a:buFont typeface="Arial" panose="020B0604020202020204" pitchFamily="34" charset="0"/>
+              <a:buChar char="•"/>
+            </a:pPr>
             <a:r>
               <a:rPr lang="de-AT" dirty="0" smtClean="0"/>
               <a:t>Higher </a:t>
@@ -6112,6 +8736,37 @@
             <a:r>
               <a:rPr lang="de-AT" dirty="0" err="1" smtClean="0"/>
               <a:t>classification</a:t>
+            </a:r>
+            <a:endParaRPr lang="de-AT" dirty="0" smtClean="0"/>
+          </a:p>
+          <a:p>
+            <a:pPr>
+              <a:buFont typeface="Arial" panose="020B0604020202020204" pitchFamily="34" charset="0"/>
+              <a:buChar char="•"/>
+            </a:pPr>
+            <a:endParaRPr lang="de-AT" dirty="0"/>
+          </a:p>
+          <a:p>
+            <a:pPr marL="0" indent="0"/>
+            <a:r>
+              <a:rPr lang="de-AT" dirty="0" err="1" smtClean="0"/>
+              <a:t>F.ex</a:t>
+            </a:r>
+            <a:r>
+              <a:rPr lang="de-AT" dirty="0" smtClean="0"/>
+              <a:t>. SVM, </a:t>
+            </a:r>
+            <a:r>
+              <a:rPr lang="de-AT" dirty="0" err="1" smtClean="0"/>
+              <a:t>Logistic</a:t>
+            </a:r>
+            <a:r>
+              <a:rPr lang="de-AT" dirty="0" smtClean="0"/>
+              <a:t> </a:t>
+            </a:r>
+            <a:r>
+              <a:rPr lang="de-AT" dirty="0" err="1" smtClean="0"/>
+              <a:t>regression</a:t>
             </a:r>
             <a:endParaRPr lang="de-AT" dirty="0"/>
           </a:p>
@@ -6187,7 +8842,7 @@
             <a:fld id="{CA3F91B5-C267-4146-949F-EABEA95DB02A}" type="slidenum">
               <a:rPr lang="de-AT" altLang="de-DE" smtClean="0"/>
               <a:pPr/>
-              <a:t>12</a:t>
+              <a:t>16</a:t>
             </a:fld>
             <a:endParaRPr lang="de-AT" altLang="de-DE"/>
           </a:p>
@@ -6304,7 +8959,7 @@
 </p:sld>
 </file>
 
-<file path=ppt/slides/slide13.xml><?xml version="1.0" encoding="utf-8"?>
+<file path=ppt/slides/slide17.xml><?xml version="1.0" encoding="utf-8"?>
 <p:sld xmlns:a="http://schemas.openxmlformats.org/drawingml/2006/main" xmlns:r="http://schemas.openxmlformats.org/officeDocument/2006/relationships" xmlns:p="http://schemas.openxmlformats.org/presentationml/2006/main">
   <p:cSld>
     <p:spTree>
@@ -6338,6 +8993,312 @@
           <a:p>
             <a:r>
               <a:rPr lang="de-AT" dirty="0" smtClean="0"/>
+              <a:t>Embedded  </a:t>
+            </a:r>
+            <a:r>
+              <a:rPr lang="de-AT" dirty="0" err="1" smtClean="0"/>
+              <a:t>methods</a:t>
+            </a:r>
+            <a:endParaRPr lang="de-AT" dirty="0"/>
+          </a:p>
+        </p:txBody>
+      </p:sp>
+      <p:sp>
+        <p:nvSpPr>
+          <p:cNvPr id="6" name="Inhaltsplatzhalter 5"/>
+          <p:cNvSpPr>
+            <a:spLocks noGrp="1"/>
+          </p:cNvSpPr>
+          <p:nvPr>
+            <p:ph idx="1"/>
+          </p:nvPr>
+        </p:nvSpPr>
+        <p:spPr/>
+        <p:txBody>
+          <a:bodyPr/>
+          <a:lstStyle/>
+          <a:p>
+            <a:pPr>
+              <a:buFont typeface="Arial" panose="020B0604020202020204" pitchFamily="34" charset="0"/>
+              <a:buChar char="•"/>
+            </a:pPr>
+            <a:r>
+              <a:rPr lang="en-US" dirty="0" smtClean="0"/>
+              <a:t>PAPER: “In </a:t>
+            </a:r>
+            <a:r>
+              <a:rPr lang="en-US" dirty="0"/>
+              <a:t>regularization methods, classifier induction and feature selection are </a:t>
+            </a:r>
+            <a:r>
+              <a:rPr lang="en-US" dirty="0" smtClean="0"/>
+              <a:t>achieved </a:t>
+            </a:r>
+            <a:r>
+              <a:rPr lang="de-AT" dirty="0" err="1" smtClean="0"/>
+              <a:t>simultaneously</a:t>
+            </a:r>
+            <a:r>
+              <a:rPr lang="de-AT" dirty="0" smtClean="0"/>
+              <a:t> </a:t>
+            </a:r>
+            <a:r>
+              <a:rPr lang="de-AT" dirty="0" err="1"/>
+              <a:t>by</a:t>
+            </a:r>
+            <a:r>
+              <a:rPr lang="de-AT" dirty="0"/>
+              <a:t> </a:t>
+            </a:r>
+            <a:r>
+              <a:rPr lang="de-AT" dirty="0" err="1" smtClean="0"/>
+              <a:t>estimating</a:t>
+            </a:r>
+            <a:r>
+              <a:rPr lang="de-AT" dirty="0" smtClean="0"/>
+              <a:t> </a:t>
+            </a:r>
+            <a:r>
+              <a:rPr lang="en-US" dirty="0" smtClean="0"/>
+              <a:t>w </a:t>
+            </a:r>
+            <a:r>
+              <a:rPr lang="en-US" dirty="0"/>
+              <a:t>with properly tuned </a:t>
+            </a:r>
+            <a:r>
+              <a:rPr lang="en-US"/>
+              <a:t>penalties</a:t>
+            </a:r>
+            <a:r>
+              <a:rPr lang="en-US" smtClean="0"/>
+              <a:t>.”</a:t>
+            </a:r>
+            <a:endParaRPr lang="de-AT" dirty="0"/>
+          </a:p>
+        </p:txBody>
+      </p:sp>
+      <p:sp>
+        <p:nvSpPr>
+          <p:cNvPr id="2" name="Datumsplatzhalter 1"/>
+          <p:cNvSpPr>
+            <a:spLocks noGrp="1"/>
+          </p:cNvSpPr>
+          <p:nvPr>
+            <p:ph type="dt" sz="half" idx="10"/>
+          </p:nvPr>
+        </p:nvSpPr>
+        <p:spPr/>
+        <p:txBody>
+          <a:bodyPr/>
+          <a:lstStyle/>
+          <a:p>
+            <a:pPr>
+              <a:defRPr/>
+            </a:pPr>
+            <a:fld id="{214F5F98-C06E-4B49-A19C-86E8EF8C3A8B}" type="datetime1">
+              <a:rPr lang="de-AT" smtClean="0"/>
+              <a:t>25.01.2016</a:t>
+            </a:fld>
+            <a:endParaRPr lang="de-AT" dirty="0"/>
+          </a:p>
+        </p:txBody>
+      </p:sp>
+      <p:sp>
+        <p:nvSpPr>
+          <p:cNvPr id="3" name="Fußzeilenplatzhalter 2"/>
+          <p:cNvSpPr>
+            <a:spLocks noGrp="1"/>
+          </p:cNvSpPr>
+          <p:nvPr>
+            <p:ph type="ftr" sz="quarter" idx="11"/>
+          </p:nvPr>
+        </p:nvSpPr>
+        <p:spPr/>
+        <p:txBody>
+          <a:bodyPr/>
+          <a:lstStyle/>
+          <a:p>
+            <a:pPr>
+              <a:defRPr/>
+            </a:pPr>
+            <a:r>
+              <a:rPr lang="de-AT" smtClean="0"/>
+              <a:t>Silvana Podaras &amp; Florian Schober</a:t>
+            </a:r>
+            <a:endParaRPr lang="de-AT"/>
+          </a:p>
+        </p:txBody>
+      </p:sp>
+      <p:sp>
+        <p:nvSpPr>
+          <p:cNvPr id="4" name="Foliennummernplatzhalter 3"/>
+          <p:cNvSpPr>
+            <a:spLocks noGrp="1"/>
+          </p:cNvSpPr>
+          <p:nvPr>
+            <p:ph type="sldNum" sz="quarter" idx="12"/>
+          </p:nvPr>
+        </p:nvSpPr>
+        <p:spPr/>
+        <p:txBody>
+          <a:bodyPr/>
+          <a:lstStyle/>
+          <a:p>
+            <a:fld id="{CA3F91B5-C267-4146-949F-EABEA95DB02A}" type="slidenum">
+              <a:rPr lang="de-AT" altLang="de-DE" smtClean="0"/>
+              <a:pPr/>
+              <a:t>17</a:t>
+            </a:fld>
+            <a:endParaRPr lang="de-AT" altLang="de-DE"/>
+          </a:p>
+        </p:txBody>
+      </p:sp>
+      <p:pic>
+        <p:nvPicPr>
+          <p:cNvPr id="7" name="Picture 2" descr="https://encrypted-tbn1.gstatic.com/images?q=tbn:ANd9GcSHeZd9qwTw6uYFPJLtfTdhQ1pxTKLiDaGL0fIY7E0Fs5uVBNUNuA"/>
+          <p:cNvPicPr>
+            <a:picLocks noChangeAspect="1" noChangeArrowheads="1"/>
+          </p:cNvPicPr>
+          <p:nvPr/>
+        </p:nvPicPr>
+        <p:blipFill>
+          <a:blip r:embed="rId2">
+            <a:extLst>
+              <a:ext uri="{28A0092B-C50C-407E-A947-70E740481C1C}">
+                <a14:useLocalDpi xmlns:a14="http://schemas.microsoft.com/office/drawing/2010/main" val="0"/>
+              </a:ext>
+            </a:extLst>
+          </a:blip>
+          <a:srcRect/>
+          <a:stretch>
+            <a:fillRect/>
+          </a:stretch>
+        </p:blipFill>
+        <p:spPr bwMode="auto">
+          <a:xfrm>
+            <a:off x="7524328" y="1120242"/>
+            <a:ext cx="661356" cy="1232116"/>
+          </a:xfrm>
+          <a:prstGeom prst="rect">
+            <a:avLst/>
+          </a:prstGeom>
+          <a:noFill/>
+          <a:extLst>
+            <a:ext uri="{909E8E84-426E-40DD-AFC4-6F175D3DCCD1}">
+              <a14:hiddenFill xmlns:a14="http://schemas.microsoft.com/office/drawing/2010/main">
+                <a:solidFill>
+                  <a:srgbClr val="FFFFFF"/>
+                </a:solidFill>
+              </a14:hiddenFill>
+            </a:ext>
+          </a:extLst>
+        </p:spPr>
+      </p:pic>
+      <p:sp>
+        <p:nvSpPr>
+          <p:cNvPr id="8" name="Nach rechts gekrümmter Pfeil 7"/>
+          <p:cNvSpPr/>
+          <p:nvPr/>
+        </p:nvSpPr>
+        <p:spPr>
+          <a:xfrm>
+            <a:off x="6720011" y="1455889"/>
+            <a:ext cx="616412" cy="821882"/>
+          </a:xfrm>
+          <a:prstGeom prst="curvedRightArrow">
+            <a:avLst/>
+          </a:prstGeom>
+          <a:solidFill>
+            <a:schemeClr val="tx1"/>
+          </a:solidFill>
+          <a:ln>
+            <a:noFill/>
+          </a:ln>
+        </p:spPr>
+        <p:style>
+          <a:lnRef idx="2">
+            <a:schemeClr val="accent1">
+              <a:shade val="50000"/>
+            </a:schemeClr>
+          </a:lnRef>
+          <a:fillRef idx="1">
+            <a:schemeClr val="accent1"/>
+          </a:fillRef>
+          <a:effectRef idx="0">
+            <a:schemeClr val="accent1"/>
+          </a:effectRef>
+          <a:fontRef idx="minor">
+            <a:schemeClr val="lt1"/>
+          </a:fontRef>
+        </p:style>
+        <p:txBody>
+          <a:bodyPr rtlCol="0" anchor="ctr"/>
+          <a:lstStyle/>
+          <a:p>
+            <a:pPr algn="ctr"/>
+            <a:endParaRPr lang="de-AT">
+              <a:solidFill>
+                <a:schemeClr val="tx1"/>
+              </a:solidFill>
+            </a:endParaRPr>
+          </a:p>
+        </p:txBody>
+      </p:sp>
+    </p:spTree>
+    <p:extLst>
+      <p:ext uri="{BB962C8B-B14F-4D97-AF65-F5344CB8AC3E}">
+        <p14:creationId xmlns:p14="http://schemas.microsoft.com/office/powerpoint/2010/main" val="1960767466"/>
+      </p:ext>
+    </p:extLst>
+  </p:cSld>
+  <p:clrMapOvr>
+    <a:masterClrMapping/>
+  </p:clrMapOvr>
+  <p:timing>
+    <p:tnLst>
+      <p:par>
+        <p:cTn id="1" dur="indefinite" restart="never" nodeType="tmRoot"/>
+      </p:par>
+    </p:tnLst>
+  </p:timing>
+</p:sld>
+</file>
+
+<file path=ppt/slides/slide18.xml><?xml version="1.0" encoding="utf-8"?>
+<p:sld xmlns:a="http://schemas.openxmlformats.org/drawingml/2006/main" xmlns:r="http://schemas.openxmlformats.org/officeDocument/2006/relationships" xmlns:p="http://schemas.openxmlformats.org/presentationml/2006/main">
+  <p:cSld>
+    <p:spTree>
+      <p:nvGrpSpPr>
+        <p:cNvPr id="1" name=""/>
+        <p:cNvGrpSpPr/>
+        <p:nvPr/>
+      </p:nvGrpSpPr>
+      <p:grpSpPr>
+        <a:xfrm>
+          <a:off x="0" y="0"/>
+          <a:ext cx="0" cy="0"/>
+          <a:chOff x="0" y="0"/>
+          <a:chExt cx="0" cy="0"/>
+        </a:xfrm>
+      </p:grpSpPr>
+      <p:sp>
+        <p:nvSpPr>
+          <p:cNvPr id="5" name="Titel 4"/>
+          <p:cNvSpPr>
+            <a:spLocks noGrp="1"/>
+          </p:cNvSpPr>
+          <p:nvPr>
+            <p:ph type="title"/>
+          </p:nvPr>
+        </p:nvSpPr>
+        <p:spPr/>
+        <p:txBody>
+          <a:bodyPr/>
+          <a:lstStyle/>
+          <a:p>
+            <a:r>
+              <a:rPr lang="de-AT" dirty="0" smtClean="0"/>
               <a:t>Structured </a:t>
             </a:r>
             <a:r>
@@ -6558,7 +9519,7 @@
             <a:fld id="{CA3F91B5-C267-4146-949F-EABEA95DB02A}" type="slidenum">
               <a:rPr lang="de-AT" altLang="de-DE" smtClean="0"/>
               <a:pPr/>
-              <a:t>13</a:t>
+              <a:t>18</a:t>
             </a:fld>
             <a:endParaRPr lang="de-AT" altLang="de-DE"/>
           </a:p>
@@ -6584,7 +9545,7 @@
 </p:sld>
 </file>
 
-<file path=ppt/slides/slide14.xml><?xml version="1.0" encoding="utf-8"?>
+<file path=ppt/slides/slide19.xml><?xml version="1.0" encoding="utf-8"?>
 <p:sld xmlns:a="http://schemas.openxmlformats.org/drawingml/2006/main" xmlns:r="http://schemas.openxmlformats.org/officeDocument/2006/relationships" xmlns:p="http://schemas.openxmlformats.org/presentationml/2006/main">
   <p:cSld>
     <p:spTree>
@@ -6798,7 +9759,7 @@
             <a:fld id="{CA3F91B5-C267-4146-949F-EABEA95DB02A}" type="slidenum">
               <a:rPr lang="de-AT" altLang="de-DE" smtClean="0"/>
               <a:pPr/>
-              <a:t>14</a:t>
+              <a:t>19</a:t>
             </a:fld>
             <a:endParaRPr lang="de-AT" altLang="de-DE"/>
           </a:p>
@@ -6808,511 +9769,6 @@
     <p:extLst>
       <p:ext uri="{BB962C8B-B14F-4D97-AF65-F5344CB8AC3E}">
         <p14:creationId xmlns:p14="http://schemas.microsoft.com/office/powerpoint/2010/main" val="4076193232"/>
-      </p:ext>
-    </p:extLst>
-  </p:cSld>
-  <p:clrMapOvr>
-    <a:masterClrMapping/>
-  </p:clrMapOvr>
-  <p:timing>
-    <p:tnLst>
-      <p:par>
-        <p:cTn id="1" dur="indefinite" restart="never" nodeType="tmRoot"/>
-      </p:par>
-    </p:tnLst>
-  </p:timing>
-</p:sld>
-</file>
-
-<file path=ppt/slides/slide15.xml><?xml version="1.0" encoding="utf-8"?>
-<p:sld xmlns:a="http://schemas.openxmlformats.org/drawingml/2006/main" xmlns:r="http://schemas.openxmlformats.org/officeDocument/2006/relationships" xmlns:p="http://schemas.openxmlformats.org/presentationml/2006/main">
-  <p:cSld>
-    <p:spTree>
-      <p:nvGrpSpPr>
-        <p:cNvPr id="1" name=""/>
-        <p:cNvGrpSpPr/>
-        <p:nvPr/>
-      </p:nvGrpSpPr>
-      <p:grpSpPr>
-        <a:xfrm>
-          <a:off x="0" y="0"/>
-          <a:ext cx="0" cy="0"/>
-          <a:chOff x="0" y="0"/>
-          <a:chExt cx="0" cy="0"/>
-        </a:xfrm>
-      </p:grpSpPr>
-      <p:sp>
-        <p:nvSpPr>
-          <p:cNvPr id="5" name="Titel 4"/>
-          <p:cNvSpPr>
-            <a:spLocks noGrp="1"/>
-          </p:cNvSpPr>
-          <p:nvPr>
-            <p:ph type="title"/>
-          </p:nvPr>
-        </p:nvSpPr>
-        <p:spPr/>
-        <p:txBody>
-          <a:bodyPr/>
-          <a:lstStyle/>
-          <a:p>
-            <a:r>
-              <a:rPr lang="de-AT" dirty="0" err="1" smtClean="0"/>
-              <a:t>Applications</a:t>
-            </a:r>
-            <a:endParaRPr lang="de-AT" dirty="0"/>
-          </a:p>
-        </p:txBody>
-      </p:sp>
-      <p:sp>
-        <p:nvSpPr>
-          <p:cNvPr id="6" name="Inhaltsplatzhalter 5"/>
-          <p:cNvSpPr>
-            <a:spLocks noGrp="1"/>
-          </p:cNvSpPr>
-          <p:nvPr>
-            <p:ph idx="1"/>
-          </p:nvPr>
-        </p:nvSpPr>
-        <p:spPr/>
-        <p:txBody>
-          <a:bodyPr/>
-          <a:lstStyle/>
-          <a:p>
-            <a:pPr>
-              <a:buFont typeface="Arial" panose="020B0604020202020204" pitchFamily="34" charset="0"/>
-              <a:buChar char="•"/>
-            </a:pPr>
-            <a:r>
-              <a:rPr lang="de-AT" dirty="0" err="1"/>
-              <a:t>Classification</a:t>
-            </a:r>
-            <a:r>
-              <a:rPr lang="de-AT" dirty="0"/>
-              <a:t>/ </a:t>
-            </a:r>
-            <a:r>
-              <a:rPr lang="de-AT" dirty="0" err="1"/>
-              <a:t>pattern</a:t>
-            </a:r>
-            <a:r>
-              <a:rPr lang="de-AT" dirty="0"/>
-              <a:t> </a:t>
-            </a:r>
-            <a:r>
-              <a:rPr lang="de-AT" dirty="0" err="1"/>
-              <a:t>recognition</a:t>
-            </a:r>
-            <a:endParaRPr lang="de-AT" dirty="0"/>
-          </a:p>
-          <a:p>
-            <a:pPr>
-              <a:buFont typeface="Arial" panose="020B0604020202020204" pitchFamily="34" charset="0"/>
-              <a:buChar char="•"/>
-            </a:pPr>
-            <a:r>
-              <a:rPr lang="de-AT" dirty="0"/>
-              <a:t>Data </a:t>
-            </a:r>
-            <a:r>
-              <a:rPr lang="de-AT" dirty="0" err="1"/>
-              <a:t>representation</a:t>
-            </a:r>
-            <a:endParaRPr lang="de-AT" dirty="0"/>
-          </a:p>
-          <a:p>
-            <a:pPr>
-              <a:buFont typeface="Arial" panose="020B0604020202020204" pitchFamily="34" charset="0"/>
-              <a:buChar char="•"/>
-            </a:pPr>
-            <a:r>
-              <a:rPr lang="de-AT" dirty="0" err="1"/>
-              <a:t>Prediction</a:t>
-            </a:r>
-            <a:endParaRPr lang="de-AT" dirty="0"/>
-          </a:p>
-        </p:txBody>
-      </p:sp>
-      <p:sp>
-        <p:nvSpPr>
-          <p:cNvPr id="2" name="Datumsplatzhalter 1"/>
-          <p:cNvSpPr>
-            <a:spLocks noGrp="1"/>
-          </p:cNvSpPr>
-          <p:nvPr>
-            <p:ph type="dt" sz="half" idx="10"/>
-          </p:nvPr>
-        </p:nvSpPr>
-        <p:spPr/>
-        <p:txBody>
-          <a:bodyPr/>
-          <a:lstStyle/>
-          <a:p>
-            <a:pPr>
-              <a:defRPr/>
-            </a:pPr>
-            <a:fld id="{908BDE4A-9991-4FD0-90A7-2A1AC2958297}" type="datetime1">
-              <a:rPr lang="de-AT" smtClean="0"/>
-              <a:t>25.01.2016</a:t>
-            </a:fld>
-            <a:endParaRPr lang="de-AT" dirty="0"/>
-          </a:p>
-        </p:txBody>
-      </p:sp>
-      <p:sp>
-        <p:nvSpPr>
-          <p:cNvPr id="3" name="Fußzeilenplatzhalter 2"/>
-          <p:cNvSpPr>
-            <a:spLocks noGrp="1"/>
-          </p:cNvSpPr>
-          <p:nvPr>
-            <p:ph type="ftr" sz="quarter" idx="11"/>
-          </p:nvPr>
-        </p:nvSpPr>
-        <p:spPr/>
-        <p:txBody>
-          <a:bodyPr/>
-          <a:lstStyle/>
-          <a:p>
-            <a:pPr>
-              <a:defRPr/>
-            </a:pPr>
-            <a:r>
-              <a:rPr lang="de-AT" smtClean="0"/>
-              <a:t>Silvana Podaras &amp; Florian Schober</a:t>
-            </a:r>
-            <a:endParaRPr lang="de-AT"/>
-          </a:p>
-        </p:txBody>
-      </p:sp>
-      <p:sp>
-        <p:nvSpPr>
-          <p:cNvPr id="4" name="Foliennummernplatzhalter 3"/>
-          <p:cNvSpPr>
-            <a:spLocks noGrp="1"/>
-          </p:cNvSpPr>
-          <p:nvPr>
-            <p:ph type="sldNum" sz="quarter" idx="12"/>
-          </p:nvPr>
-        </p:nvSpPr>
-        <p:spPr/>
-        <p:txBody>
-          <a:bodyPr/>
-          <a:lstStyle/>
-          <a:p>
-            <a:fld id="{CA3F91B5-C267-4146-949F-EABEA95DB02A}" type="slidenum">
-              <a:rPr lang="de-AT" altLang="de-DE" smtClean="0"/>
-              <a:pPr/>
-              <a:t>15</a:t>
-            </a:fld>
-            <a:endParaRPr lang="de-AT" altLang="de-DE"/>
-          </a:p>
-        </p:txBody>
-      </p:sp>
-    </p:spTree>
-    <p:extLst>
-      <p:ext uri="{BB962C8B-B14F-4D97-AF65-F5344CB8AC3E}">
-        <p14:creationId xmlns:p14="http://schemas.microsoft.com/office/powerpoint/2010/main" val="4227374127"/>
-      </p:ext>
-    </p:extLst>
-  </p:cSld>
-  <p:clrMapOvr>
-    <a:masterClrMapping/>
-  </p:clrMapOvr>
-  <p:timing>
-    <p:tnLst>
-      <p:par>
-        <p:cTn id="1" dur="indefinite" restart="never" nodeType="tmRoot"/>
-      </p:par>
-    </p:tnLst>
-  </p:timing>
-</p:sld>
-</file>
-
-<file path=ppt/slides/slide16.xml><?xml version="1.0" encoding="utf-8"?>
-<p:sld xmlns:a="http://schemas.openxmlformats.org/drawingml/2006/main" xmlns:r="http://schemas.openxmlformats.org/officeDocument/2006/relationships" xmlns:p="http://schemas.openxmlformats.org/presentationml/2006/main">
-  <p:cSld>
-    <p:spTree>
-      <p:nvGrpSpPr>
-        <p:cNvPr id="1" name=""/>
-        <p:cNvGrpSpPr/>
-        <p:nvPr/>
-      </p:nvGrpSpPr>
-      <p:grpSpPr>
-        <a:xfrm>
-          <a:off x="0" y="0"/>
-          <a:ext cx="0" cy="0"/>
-          <a:chOff x="0" y="0"/>
-          <a:chExt cx="0" cy="0"/>
-        </a:xfrm>
-      </p:grpSpPr>
-      <p:sp>
-        <p:nvSpPr>
-          <p:cNvPr id="5" name="Titel 4"/>
-          <p:cNvSpPr>
-            <a:spLocks noGrp="1"/>
-          </p:cNvSpPr>
-          <p:nvPr>
-            <p:ph type="title"/>
-          </p:nvPr>
-        </p:nvSpPr>
-        <p:spPr>
-          <a:xfrm>
-            <a:off x="2771800" y="2924944"/>
-            <a:ext cx="2520280" cy="1143008"/>
-          </a:xfrm>
-        </p:spPr>
-        <p:txBody>
-          <a:bodyPr anchor="ctr"/>
-          <a:lstStyle/>
-          <a:p>
-            <a:r>
-              <a:rPr lang="de-AT" dirty="0" err="1" smtClean="0"/>
-              <a:t>Questions</a:t>
-            </a:r>
-            <a:r>
-              <a:rPr lang="de-AT" dirty="0" smtClean="0"/>
-              <a:t>?</a:t>
-            </a:r>
-            <a:endParaRPr lang="de-AT" dirty="0"/>
-          </a:p>
-        </p:txBody>
-      </p:sp>
-      <p:sp>
-        <p:nvSpPr>
-          <p:cNvPr id="2" name="Datumsplatzhalter 1"/>
-          <p:cNvSpPr>
-            <a:spLocks noGrp="1"/>
-          </p:cNvSpPr>
-          <p:nvPr>
-            <p:ph type="dt" sz="half" idx="10"/>
-          </p:nvPr>
-        </p:nvSpPr>
-        <p:spPr/>
-        <p:txBody>
-          <a:bodyPr/>
-          <a:lstStyle/>
-          <a:p>
-            <a:pPr>
-              <a:defRPr/>
-            </a:pPr>
-            <a:fld id="{D5D3703B-7C89-496B-8219-C11379F90AE7}" type="datetime1">
-              <a:rPr lang="de-AT" smtClean="0"/>
-              <a:t>25.01.2016</a:t>
-            </a:fld>
-            <a:endParaRPr lang="de-AT" dirty="0"/>
-          </a:p>
-        </p:txBody>
-      </p:sp>
-      <p:sp>
-        <p:nvSpPr>
-          <p:cNvPr id="3" name="Fußzeilenplatzhalter 2"/>
-          <p:cNvSpPr>
-            <a:spLocks noGrp="1"/>
-          </p:cNvSpPr>
-          <p:nvPr>
-            <p:ph type="ftr" sz="quarter" idx="11"/>
-          </p:nvPr>
-        </p:nvSpPr>
-        <p:spPr/>
-        <p:txBody>
-          <a:bodyPr/>
-          <a:lstStyle/>
-          <a:p>
-            <a:pPr>
-              <a:defRPr/>
-            </a:pPr>
-            <a:r>
-              <a:rPr lang="de-AT" smtClean="0"/>
-              <a:t>Silvana Podaras &amp; Florian Schober</a:t>
-            </a:r>
-            <a:endParaRPr lang="de-AT"/>
-          </a:p>
-        </p:txBody>
-      </p:sp>
-      <p:sp>
-        <p:nvSpPr>
-          <p:cNvPr id="4" name="Foliennummernplatzhalter 3"/>
-          <p:cNvSpPr>
-            <a:spLocks noGrp="1"/>
-          </p:cNvSpPr>
-          <p:nvPr>
-            <p:ph type="sldNum" sz="quarter" idx="12"/>
-          </p:nvPr>
-        </p:nvSpPr>
-        <p:spPr/>
-        <p:txBody>
-          <a:bodyPr/>
-          <a:lstStyle/>
-          <a:p>
-            <a:fld id="{CA3F91B5-C267-4146-949F-EABEA95DB02A}" type="slidenum">
-              <a:rPr lang="de-AT" altLang="de-DE" smtClean="0"/>
-              <a:pPr/>
-              <a:t>16</a:t>
-            </a:fld>
-            <a:endParaRPr lang="de-AT" altLang="de-DE"/>
-          </a:p>
-        </p:txBody>
-      </p:sp>
-    </p:spTree>
-    <p:extLst>
-      <p:ext uri="{BB962C8B-B14F-4D97-AF65-F5344CB8AC3E}">
-        <p14:creationId xmlns:p14="http://schemas.microsoft.com/office/powerpoint/2010/main" val="539449402"/>
-      </p:ext>
-    </p:extLst>
-  </p:cSld>
-  <p:clrMapOvr>
-    <a:masterClrMapping/>
-  </p:clrMapOvr>
-  <p:timing>
-    <p:tnLst>
-      <p:par>
-        <p:cTn id="1" dur="indefinite" restart="never" nodeType="tmRoot"/>
-      </p:par>
-    </p:tnLst>
-  </p:timing>
-</p:sld>
-</file>
-
-<file path=ppt/slides/slide17.xml><?xml version="1.0" encoding="utf-8"?>
-<p:sld xmlns:a="http://schemas.openxmlformats.org/drawingml/2006/main" xmlns:r="http://schemas.openxmlformats.org/officeDocument/2006/relationships" xmlns:p="http://schemas.openxmlformats.org/presentationml/2006/main">
-  <p:cSld>
-    <p:spTree>
-      <p:nvGrpSpPr>
-        <p:cNvPr id="1" name=""/>
-        <p:cNvGrpSpPr/>
-        <p:nvPr/>
-      </p:nvGrpSpPr>
-      <p:grpSpPr>
-        <a:xfrm>
-          <a:off x="0" y="0"/>
-          <a:ext cx="0" cy="0"/>
-          <a:chOff x="0" y="0"/>
-          <a:chExt cx="0" cy="0"/>
-        </a:xfrm>
-      </p:grpSpPr>
-      <p:sp>
-        <p:nvSpPr>
-          <p:cNvPr id="5" name="Titel 4"/>
-          <p:cNvSpPr>
-            <a:spLocks noGrp="1"/>
-          </p:cNvSpPr>
-          <p:nvPr>
-            <p:ph type="title"/>
-          </p:nvPr>
-        </p:nvSpPr>
-        <p:spPr/>
-        <p:txBody>
-          <a:bodyPr/>
-          <a:lstStyle/>
-          <a:p>
-            <a:r>
-              <a:rPr lang="de-AT" dirty="0" err="1" smtClean="0"/>
-              <a:t>Literature</a:t>
-            </a:r>
-            <a:endParaRPr lang="de-AT" dirty="0"/>
-          </a:p>
-        </p:txBody>
-      </p:sp>
-      <p:sp>
-        <p:nvSpPr>
-          <p:cNvPr id="6" name="Inhaltsplatzhalter 5"/>
-          <p:cNvSpPr>
-            <a:spLocks noGrp="1"/>
-          </p:cNvSpPr>
-          <p:nvPr>
-            <p:ph idx="1"/>
-          </p:nvPr>
-        </p:nvSpPr>
-        <p:spPr/>
-        <p:txBody>
-          <a:bodyPr/>
-          <a:lstStyle/>
-          <a:p>
-            <a:endParaRPr lang="de-AT" dirty="0"/>
-          </a:p>
-        </p:txBody>
-      </p:sp>
-      <p:sp>
-        <p:nvSpPr>
-          <p:cNvPr id="2" name="Datumsplatzhalter 1"/>
-          <p:cNvSpPr>
-            <a:spLocks noGrp="1"/>
-          </p:cNvSpPr>
-          <p:nvPr>
-            <p:ph type="dt" sz="half" idx="10"/>
-          </p:nvPr>
-        </p:nvSpPr>
-        <p:spPr/>
-        <p:txBody>
-          <a:bodyPr/>
-          <a:lstStyle/>
-          <a:p>
-            <a:pPr>
-              <a:defRPr/>
-            </a:pPr>
-            <a:fld id="{F9ECDA19-35E9-44D8-ABD2-5D6049D7FF67}" type="datetime1">
-              <a:rPr lang="de-AT" smtClean="0"/>
-              <a:t>25.01.2016</a:t>
-            </a:fld>
-            <a:endParaRPr lang="de-AT" dirty="0"/>
-          </a:p>
-        </p:txBody>
-      </p:sp>
-      <p:sp>
-        <p:nvSpPr>
-          <p:cNvPr id="3" name="Fußzeilenplatzhalter 2"/>
-          <p:cNvSpPr>
-            <a:spLocks noGrp="1"/>
-          </p:cNvSpPr>
-          <p:nvPr>
-            <p:ph type="ftr" sz="quarter" idx="11"/>
-          </p:nvPr>
-        </p:nvSpPr>
-        <p:spPr/>
-        <p:txBody>
-          <a:bodyPr/>
-          <a:lstStyle/>
-          <a:p>
-            <a:pPr>
-              <a:defRPr/>
-            </a:pPr>
-            <a:r>
-              <a:rPr lang="de-AT" smtClean="0"/>
-              <a:t>Silvana Podaras &amp; Florian Schober</a:t>
-            </a:r>
-            <a:endParaRPr lang="de-AT"/>
-          </a:p>
-        </p:txBody>
-      </p:sp>
-      <p:sp>
-        <p:nvSpPr>
-          <p:cNvPr id="4" name="Foliennummernplatzhalter 3"/>
-          <p:cNvSpPr>
-            <a:spLocks noGrp="1"/>
-          </p:cNvSpPr>
-          <p:nvPr>
-            <p:ph type="sldNum" sz="quarter" idx="12"/>
-          </p:nvPr>
-        </p:nvSpPr>
-        <p:spPr/>
-        <p:txBody>
-          <a:bodyPr/>
-          <a:lstStyle/>
-          <a:p>
-            <a:fld id="{CA3F91B5-C267-4146-949F-EABEA95DB02A}" type="slidenum">
-              <a:rPr lang="de-AT" altLang="de-DE" smtClean="0"/>
-              <a:pPr/>
-              <a:t>17</a:t>
-            </a:fld>
-            <a:endParaRPr lang="de-AT" altLang="de-DE"/>
-          </a:p>
-        </p:txBody>
-      </p:sp>
-    </p:spTree>
-    <p:extLst>
-      <p:ext uri="{BB962C8B-B14F-4D97-AF65-F5344CB8AC3E}">
-        <p14:creationId xmlns:p14="http://schemas.microsoft.com/office/powerpoint/2010/main" val="3209622137"/>
       </p:ext>
     </p:extLst>
   </p:cSld>
@@ -7706,6 +10162,511 @@
 </p:sld>
 </file>
 
+<file path=ppt/slides/slide20.xml><?xml version="1.0" encoding="utf-8"?>
+<p:sld xmlns:a="http://schemas.openxmlformats.org/drawingml/2006/main" xmlns:r="http://schemas.openxmlformats.org/officeDocument/2006/relationships" xmlns:p="http://schemas.openxmlformats.org/presentationml/2006/main">
+  <p:cSld>
+    <p:spTree>
+      <p:nvGrpSpPr>
+        <p:cNvPr id="1" name=""/>
+        <p:cNvGrpSpPr/>
+        <p:nvPr/>
+      </p:nvGrpSpPr>
+      <p:grpSpPr>
+        <a:xfrm>
+          <a:off x="0" y="0"/>
+          <a:ext cx="0" cy="0"/>
+          <a:chOff x="0" y="0"/>
+          <a:chExt cx="0" cy="0"/>
+        </a:xfrm>
+      </p:grpSpPr>
+      <p:sp>
+        <p:nvSpPr>
+          <p:cNvPr id="5" name="Titel 4"/>
+          <p:cNvSpPr>
+            <a:spLocks noGrp="1"/>
+          </p:cNvSpPr>
+          <p:nvPr>
+            <p:ph type="title"/>
+          </p:nvPr>
+        </p:nvSpPr>
+        <p:spPr/>
+        <p:txBody>
+          <a:bodyPr/>
+          <a:lstStyle/>
+          <a:p>
+            <a:r>
+              <a:rPr lang="de-AT" dirty="0" err="1" smtClean="0"/>
+              <a:t>Applications</a:t>
+            </a:r>
+            <a:endParaRPr lang="de-AT" dirty="0"/>
+          </a:p>
+        </p:txBody>
+      </p:sp>
+      <p:sp>
+        <p:nvSpPr>
+          <p:cNvPr id="6" name="Inhaltsplatzhalter 5"/>
+          <p:cNvSpPr>
+            <a:spLocks noGrp="1"/>
+          </p:cNvSpPr>
+          <p:nvPr>
+            <p:ph idx="1"/>
+          </p:nvPr>
+        </p:nvSpPr>
+        <p:spPr/>
+        <p:txBody>
+          <a:bodyPr/>
+          <a:lstStyle/>
+          <a:p>
+            <a:pPr>
+              <a:buFont typeface="Arial" panose="020B0604020202020204" pitchFamily="34" charset="0"/>
+              <a:buChar char="•"/>
+            </a:pPr>
+            <a:r>
+              <a:rPr lang="de-AT" dirty="0" err="1"/>
+              <a:t>Classification</a:t>
+            </a:r>
+            <a:r>
+              <a:rPr lang="de-AT" dirty="0"/>
+              <a:t>/ </a:t>
+            </a:r>
+            <a:r>
+              <a:rPr lang="de-AT" dirty="0" err="1"/>
+              <a:t>pattern</a:t>
+            </a:r>
+            <a:r>
+              <a:rPr lang="de-AT" dirty="0"/>
+              <a:t> </a:t>
+            </a:r>
+            <a:r>
+              <a:rPr lang="de-AT" dirty="0" err="1"/>
+              <a:t>recognition</a:t>
+            </a:r>
+            <a:endParaRPr lang="de-AT" dirty="0"/>
+          </a:p>
+          <a:p>
+            <a:pPr>
+              <a:buFont typeface="Arial" panose="020B0604020202020204" pitchFamily="34" charset="0"/>
+              <a:buChar char="•"/>
+            </a:pPr>
+            <a:r>
+              <a:rPr lang="de-AT" dirty="0"/>
+              <a:t>Data </a:t>
+            </a:r>
+            <a:r>
+              <a:rPr lang="de-AT" dirty="0" err="1"/>
+              <a:t>representation</a:t>
+            </a:r>
+            <a:endParaRPr lang="de-AT" dirty="0"/>
+          </a:p>
+          <a:p>
+            <a:pPr>
+              <a:buFont typeface="Arial" panose="020B0604020202020204" pitchFamily="34" charset="0"/>
+              <a:buChar char="•"/>
+            </a:pPr>
+            <a:r>
+              <a:rPr lang="de-AT" dirty="0" err="1"/>
+              <a:t>Prediction</a:t>
+            </a:r>
+            <a:endParaRPr lang="de-AT" dirty="0"/>
+          </a:p>
+        </p:txBody>
+      </p:sp>
+      <p:sp>
+        <p:nvSpPr>
+          <p:cNvPr id="2" name="Datumsplatzhalter 1"/>
+          <p:cNvSpPr>
+            <a:spLocks noGrp="1"/>
+          </p:cNvSpPr>
+          <p:nvPr>
+            <p:ph type="dt" sz="half" idx="10"/>
+          </p:nvPr>
+        </p:nvSpPr>
+        <p:spPr/>
+        <p:txBody>
+          <a:bodyPr/>
+          <a:lstStyle/>
+          <a:p>
+            <a:pPr>
+              <a:defRPr/>
+            </a:pPr>
+            <a:fld id="{908BDE4A-9991-4FD0-90A7-2A1AC2958297}" type="datetime1">
+              <a:rPr lang="de-AT" smtClean="0"/>
+              <a:t>25.01.2016</a:t>
+            </a:fld>
+            <a:endParaRPr lang="de-AT" dirty="0"/>
+          </a:p>
+        </p:txBody>
+      </p:sp>
+      <p:sp>
+        <p:nvSpPr>
+          <p:cNvPr id="3" name="Fußzeilenplatzhalter 2"/>
+          <p:cNvSpPr>
+            <a:spLocks noGrp="1"/>
+          </p:cNvSpPr>
+          <p:nvPr>
+            <p:ph type="ftr" sz="quarter" idx="11"/>
+          </p:nvPr>
+        </p:nvSpPr>
+        <p:spPr/>
+        <p:txBody>
+          <a:bodyPr/>
+          <a:lstStyle/>
+          <a:p>
+            <a:pPr>
+              <a:defRPr/>
+            </a:pPr>
+            <a:r>
+              <a:rPr lang="de-AT" smtClean="0"/>
+              <a:t>Silvana Podaras &amp; Florian Schober</a:t>
+            </a:r>
+            <a:endParaRPr lang="de-AT"/>
+          </a:p>
+        </p:txBody>
+      </p:sp>
+      <p:sp>
+        <p:nvSpPr>
+          <p:cNvPr id="4" name="Foliennummernplatzhalter 3"/>
+          <p:cNvSpPr>
+            <a:spLocks noGrp="1"/>
+          </p:cNvSpPr>
+          <p:nvPr>
+            <p:ph type="sldNum" sz="quarter" idx="12"/>
+          </p:nvPr>
+        </p:nvSpPr>
+        <p:spPr/>
+        <p:txBody>
+          <a:bodyPr/>
+          <a:lstStyle/>
+          <a:p>
+            <a:fld id="{CA3F91B5-C267-4146-949F-EABEA95DB02A}" type="slidenum">
+              <a:rPr lang="de-AT" altLang="de-DE" smtClean="0"/>
+              <a:pPr/>
+              <a:t>20</a:t>
+            </a:fld>
+            <a:endParaRPr lang="de-AT" altLang="de-DE"/>
+          </a:p>
+        </p:txBody>
+      </p:sp>
+    </p:spTree>
+    <p:extLst>
+      <p:ext uri="{BB962C8B-B14F-4D97-AF65-F5344CB8AC3E}">
+        <p14:creationId xmlns:p14="http://schemas.microsoft.com/office/powerpoint/2010/main" val="4227374127"/>
+      </p:ext>
+    </p:extLst>
+  </p:cSld>
+  <p:clrMapOvr>
+    <a:masterClrMapping/>
+  </p:clrMapOvr>
+  <p:timing>
+    <p:tnLst>
+      <p:par>
+        <p:cTn id="1" dur="indefinite" restart="never" nodeType="tmRoot"/>
+      </p:par>
+    </p:tnLst>
+  </p:timing>
+</p:sld>
+</file>
+
+<file path=ppt/slides/slide21.xml><?xml version="1.0" encoding="utf-8"?>
+<p:sld xmlns:a="http://schemas.openxmlformats.org/drawingml/2006/main" xmlns:r="http://schemas.openxmlformats.org/officeDocument/2006/relationships" xmlns:p="http://schemas.openxmlformats.org/presentationml/2006/main">
+  <p:cSld>
+    <p:spTree>
+      <p:nvGrpSpPr>
+        <p:cNvPr id="1" name=""/>
+        <p:cNvGrpSpPr/>
+        <p:nvPr/>
+      </p:nvGrpSpPr>
+      <p:grpSpPr>
+        <a:xfrm>
+          <a:off x="0" y="0"/>
+          <a:ext cx="0" cy="0"/>
+          <a:chOff x="0" y="0"/>
+          <a:chExt cx="0" cy="0"/>
+        </a:xfrm>
+      </p:grpSpPr>
+      <p:sp>
+        <p:nvSpPr>
+          <p:cNvPr id="5" name="Titel 4"/>
+          <p:cNvSpPr>
+            <a:spLocks noGrp="1"/>
+          </p:cNvSpPr>
+          <p:nvPr>
+            <p:ph type="title"/>
+          </p:nvPr>
+        </p:nvSpPr>
+        <p:spPr>
+          <a:xfrm>
+            <a:off x="2771800" y="2924944"/>
+            <a:ext cx="2520280" cy="1143008"/>
+          </a:xfrm>
+        </p:spPr>
+        <p:txBody>
+          <a:bodyPr anchor="ctr"/>
+          <a:lstStyle/>
+          <a:p>
+            <a:r>
+              <a:rPr lang="de-AT" dirty="0" err="1" smtClean="0"/>
+              <a:t>Questions</a:t>
+            </a:r>
+            <a:r>
+              <a:rPr lang="de-AT" dirty="0" smtClean="0"/>
+              <a:t>?</a:t>
+            </a:r>
+            <a:endParaRPr lang="de-AT" dirty="0"/>
+          </a:p>
+        </p:txBody>
+      </p:sp>
+      <p:sp>
+        <p:nvSpPr>
+          <p:cNvPr id="2" name="Datumsplatzhalter 1"/>
+          <p:cNvSpPr>
+            <a:spLocks noGrp="1"/>
+          </p:cNvSpPr>
+          <p:nvPr>
+            <p:ph type="dt" sz="half" idx="10"/>
+          </p:nvPr>
+        </p:nvSpPr>
+        <p:spPr/>
+        <p:txBody>
+          <a:bodyPr/>
+          <a:lstStyle/>
+          <a:p>
+            <a:pPr>
+              <a:defRPr/>
+            </a:pPr>
+            <a:fld id="{D5D3703B-7C89-496B-8219-C11379F90AE7}" type="datetime1">
+              <a:rPr lang="de-AT" smtClean="0"/>
+              <a:t>25.01.2016</a:t>
+            </a:fld>
+            <a:endParaRPr lang="de-AT" dirty="0"/>
+          </a:p>
+        </p:txBody>
+      </p:sp>
+      <p:sp>
+        <p:nvSpPr>
+          <p:cNvPr id="3" name="Fußzeilenplatzhalter 2"/>
+          <p:cNvSpPr>
+            <a:spLocks noGrp="1"/>
+          </p:cNvSpPr>
+          <p:nvPr>
+            <p:ph type="ftr" sz="quarter" idx="11"/>
+          </p:nvPr>
+        </p:nvSpPr>
+        <p:spPr/>
+        <p:txBody>
+          <a:bodyPr/>
+          <a:lstStyle/>
+          <a:p>
+            <a:pPr>
+              <a:defRPr/>
+            </a:pPr>
+            <a:r>
+              <a:rPr lang="de-AT" smtClean="0"/>
+              <a:t>Silvana Podaras &amp; Florian Schober</a:t>
+            </a:r>
+            <a:endParaRPr lang="de-AT"/>
+          </a:p>
+        </p:txBody>
+      </p:sp>
+      <p:sp>
+        <p:nvSpPr>
+          <p:cNvPr id="4" name="Foliennummernplatzhalter 3"/>
+          <p:cNvSpPr>
+            <a:spLocks noGrp="1"/>
+          </p:cNvSpPr>
+          <p:nvPr>
+            <p:ph type="sldNum" sz="quarter" idx="12"/>
+          </p:nvPr>
+        </p:nvSpPr>
+        <p:spPr/>
+        <p:txBody>
+          <a:bodyPr/>
+          <a:lstStyle/>
+          <a:p>
+            <a:fld id="{CA3F91B5-C267-4146-949F-EABEA95DB02A}" type="slidenum">
+              <a:rPr lang="de-AT" altLang="de-DE" smtClean="0"/>
+              <a:pPr/>
+              <a:t>21</a:t>
+            </a:fld>
+            <a:endParaRPr lang="de-AT" altLang="de-DE"/>
+          </a:p>
+        </p:txBody>
+      </p:sp>
+    </p:spTree>
+    <p:extLst>
+      <p:ext uri="{BB962C8B-B14F-4D97-AF65-F5344CB8AC3E}">
+        <p14:creationId xmlns:p14="http://schemas.microsoft.com/office/powerpoint/2010/main" val="539449402"/>
+      </p:ext>
+    </p:extLst>
+  </p:cSld>
+  <p:clrMapOvr>
+    <a:masterClrMapping/>
+  </p:clrMapOvr>
+  <p:timing>
+    <p:tnLst>
+      <p:par>
+        <p:cTn id="1" dur="indefinite" restart="never" nodeType="tmRoot"/>
+      </p:par>
+    </p:tnLst>
+  </p:timing>
+</p:sld>
+</file>
+
+<file path=ppt/slides/slide22.xml><?xml version="1.0" encoding="utf-8"?>
+<p:sld xmlns:a="http://schemas.openxmlformats.org/drawingml/2006/main" xmlns:r="http://schemas.openxmlformats.org/officeDocument/2006/relationships" xmlns:p="http://schemas.openxmlformats.org/presentationml/2006/main">
+  <p:cSld>
+    <p:spTree>
+      <p:nvGrpSpPr>
+        <p:cNvPr id="1" name=""/>
+        <p:cNvGrpSpPr/>
+        <p:nvPr/>
+      </p:nvGrpSpPr>
+      <p:grpSpPr>
+        <a:xfrm>
+          <a:off x="0" y="0"/>
+          <a:ext cx="0" cy="0"/>
+          <a:chOff x="0" y="0"/>
+          <a:chExt cx="0" cy="0"/>
+        </a:xfrm>
+      </p:grpSpPr>
+      <p:sp>
+        <p:nvSpPr>
+          <p:cNvPr id="5" name="Titel 4"/>
+          <p:cNvSpPr>
+            <a:spLocks noGrp="1"/>
+          </p:cNvSpPr>
+          <p:nvPr>
+            <p:ph type="title"/>
+          </p:nvPr>
+        </p:nvSpPr>
+        <p:spPr/>
+        <p:txBody>
+          <a:bodyPr/>
+          <a:lstStyle/>
+          <a:p>
+            <a:r>
+              <a:rPr lang="de-AT" dirty="0" err="1" smtClean="0"/>
+              <a:t>Literature</a:t>
+            </a:r>
+            <a:endParaRPr lang="de-AT" dirty="0"/>
+          </a:p>
+        </p:txBody>
+      </p:sp>
+      <p:sp>
+        <p:nvSpPr>
+          <p:cNvPr id="6" name="Inhaltsplatzhalter 5"/>
+          <p:cNvSpPr>
+            <a:spLocks noGrp="1"/>
+          </p:cNvSpPr>
+          <p:nvPr>
+            <p:ph idx="1"/>
+          </p:nvPr>
+        </p:nvSpPr>
+        <p:spPr/>
+        <p:txBody>
+          <a:bodyPr/>
+          <a:lstStyle/>
+          <a:p>
+            <a:endParaRPr lang="de-AT" dirty="0"/>
+          </a:p>
+        </p:txBody>
+      </p:sp>
+      <p:sp>
+        <p:nvSpPr>
+          <p:cNvPr id="2" name="Datumsplatzhalter 1"/>
+          <p:cNvSpPr>
+            <a:spLocks noGrp="1"/>
+          </p:cNvSpPr>
+          <p:nvPr>
+            <p:ph type="dt" sz="half" idx="10"/>
+          </p:nvPr>
+        </p:nvSpPr>
+        <p:spPr/>
+        <p:txBody>
+          <a:bodyPr/>
+          <a:lstStyle/>
+          <a:p>
+            <a:pPr>
+              <a:defRPr/>
+            </a:pPr>
+            <a:fld id="{F9ECDA19-35E9-44D8-ABD2-5D6049D7FF67}" type="datetime1">
+              <a:rPr lang="de-AT" smtClean="0"/>
+              <a:t>25.01.2016</a:t>
+            </a:fld>
+            <a:endParaRPr lang="de-AT" dirty="0"/>
+          </a:p>
+        </p:txBody>
+      </p:sp>
+      <p:sp>
+        <p:nvSpPr>
+          <p:cNvPr id="3" name="Fußzeilenplatzhalter 2"/>
+          <p:cNvSpPr>
+            <a:spLocks noGrp="1"/>
+          </p:cNvSpPr>
+          <p:nvPr>
+            <p:ph type="ftr" sz="quarter" idx="11"/>
+          </p:nvPr>
+        </p:nvSpPr>
+        <p:spPr/>
+        <p:txBody>
+          <a:bodyPr/>
+          <a:lstStyle/>
+          <a:p>
+            <a:pPr>
+              <a:defRPr/>
+            </a:pPr>
+            <a:r>
+              <a:rPr lang="de-AT" smtClean="0"/>
+              <a:t>Silvana Podaras &amp; Florian Schober</a:t>
+            </a:r>
+            <a:endParaRPr lang="de-AT"/>
+          </a:p>
+        </p:txBody>
+      </p:sp>
+      <p:sp>
+        <p:nvSpPr>
+          <p:cNvPr id="4" name="Foliennummernplatzhalter 3"/>
+          <p:cNvSpPr>
+            <a:spLocks noGrp="1"/>
+          </p:cNvSpPr>
+          <p:nvPr>
+            <p:ph type="sldNum" sz="quarter" idx="12"/>
+          </p:nvPr>
+        </p:nvSpPr>
+        <p:spPr/>
+        <p:txBody>
+          <a:bodyPr/>
+          <a:lstStyle/>
+          <a:p>
+            <a:fld id="{CA3F91B5-C267-4146-949F-EABEA95DB02A}" type="slidenum">
+              <a:rPr lang="de-AT" altLang="de-DE" smtClean="0"/>
+              <a:pPr/>
+              <a:t>22</a:t>
+            </a:fld>
+            <a:endParaRPr lang="de-AT" altLang="de-DE"/>
+          </a:p>
+        </p:txBody>
+      </p:sp>
+    </p:spTree>
+    <p:extLst>
+      <p:ext uri="{BB962C8B-B14F-4D97-AF65-F5344CB8AC3E}">
+        <p14:creationId xmlns:p14="http://schemas.microsoft.com/office/powerpoint/2010/main" val="3209622137"/>
+      </p:ext>
+    </p:extLst>
+  </p:cSld>
+  <p:clrMapOvr>
+    <a:masterClrMapping/>
+  </p:clrMapOvr>
+  <p:timing>
+    <p:tnLst>
+      <p:par>
+        <p:cTn id="1" dur="indefinite" restart="never" nodeType="tmRoot"/>
+      </p:par>
+    </p:tnLst>
+  </p:timing>
+</p:sld>
+</file>
+
 <file path=ppt/slides/slide3.xml><?xml version="1.0" encoding="utf-8"?>
 <p:sld xmlns:a="http://schemas.openxmlformats.org/drawingml/2006/main" xmlns:r="http://schemas.openxmlformats.org/officeDocument/2006/relationships" xmlns:p="http://schemas.openxmlformats.org/presentationml/2006/main">
   <p:cSld>
@@ -8426,9 +11387,12 @@
               <a:t>Discriminating </a:t>
             </a:r>
             <a:r>
-              <a:rPr lang="en-US" dirty="0"/>
+              <a:rPr lang="en-US" dirty="0" smtClean="0"/>
               <a:t>features</a:t>
             </a:r>
+          </a:p>
+          <a:p>
+            <a:pPr marL="0" indent="0"/>
             <a:endParaRPr lang="de-AT" dirty="0"/>
           </a:p>
         </p:txBody>
@@ -8827,8 +11791,13 @@
             </a:r>
             <a:r>
               <a:rPr lang="en-US" dirty="0"/>
-              <a:t>relation to each other</a:t>
-            </a:r>
+              <a:t>relation to each </a:t>
+            </a:r>
+            <a:r>
+              <a:rPr lang="en-US" dirty="0" smtClean="0"/>
+              <a:t>other</a:t>
+            </a:r>
+            <a:endParaRPr lang="en-US" dirty="0"/>
           </a:p>
           <a:p>
             <a:pPr>

--- a/presentation/Presentation.pptx
+++ b/presentation/Presentation.pptx
@@ -7,7 +7,7 @@
     <p:sldMasterId id="2147483667" r:id="rId3"/>
   </p:sldMasterIdLst>
   <p:notesMasterIdLst>
-    <p:notesMasterId r:id="rId26"/>
+    <p:notesMasterId r:id="rId29"/>
   </p:notesMasterIdLst>
   <p:sldIdLst>
     <p:sldId id="256" r:id="rId4"/>
@@ -21,17 +21,20 @@
     <p:sldId id="262" r:id="rId12"/>
     <p:sldId id="263" r:id="rId13"/>
     <p:sldId id="273" r:id="rId14"/>
-    <p:sldId id="276" r:id="rId15"/>
+    <p:sldId id="280" r:id="rId15"/>
     <p:sldId id="264" r:id="rId16"/>
     <p:sldId id="278" r:id="rId17"/>
-    <p:sldId id="277" r:id="rId18"/>
-    <p:sldId id="265" r:id="rId19"/>
-    <p:sldId id="275" r:id="rId20"/>
-    <p:sldId id="266" r:id="rId21"/>
-    <p:sldId id="267" r:id="rId22"/>
-    <p:sldId id="268" r:id="rId23"/>
-    <p:sldId id="269" r:id="rId24"/>
-    <p:sldId id="270" r:id="rId25"/>
+    <p:sldId id="281" r:id="rId18"/>
+    <p:sldId id="284" r:id="rId19"/>
+    <p:sldId id="282" r:id="rId20"/>
+    <p:sldId id="283" r:id="rId21"/>
+    <p:sldId id="265" r:id="rId22"/>
+    <p:sldId id="275" r:id="rId23"/>
+    <p:sldId id="266" r:id="rId24"/>
+    <p:sldId id="267" r:id="rId25"/>
+    <p:sldId id="268" r:id="rId26"/>
+    <p:sldId id="269" r:id="rId27"/>
+    <p:sldId id="270" r:id="rId28"/>
   </p:sldIdLst>
   <p:sldSz cx="9144000" cy="6858000" type="screen4x3"/>
   <p:notesSz cx="6858000" cy="9144000"/>
@@ -851,6 +854,1384 @@
 </p:notes>
 </file>
 
+<file path=ppt/notesSlides/notesSlide10.xml><?xml version="1.0" encoding="utf-8"?>
+<p:notes xmlns:a="http://schemas.openxmlformats.org/drawingml/2006/main" xmlns:r="http://schemas.openxmlformats.org/officeDocument/2006/relationships" xmlns:p="http://schemas.openxmlformats.org/presentationml/2006/main">
+  <p:cSld>
+    <p:spTree>
+      <p:nvGrpSpPr>
+        <p:cNvPr id="1" name=""/>
+        <p:cNvGrpSpPr/>
+        <p:nvPr/>
+      </p:nvGrpSpPr>
+      <p:grpSpPr>
+        <a:xfrm>
+          <a:off x="0" y="0"/>
+          <a:ext cx="0" cy="0"/>
+          <a:chOff x="0" y="0"/>
+          <a:chExt cx="0" cy="0"/>
+        </a:xfrm>
+      </p:grpSpPr>
+      <p:sp>
+        <p:nvSpPr>
+          <p:cNvPr id="2" name="Folienbildplatzhalter 1"/>
+          <p:cNvSpPr>
+            <a:spLocks noGrp="1" noRot="1" noChangeAspect="1"/>
+          </p:cNvSpPr>
+          <p:nvPr>
+            <p:ph type="sldImg"/>
+          </p:nvPr>
+        </p:nvSpPr>
+        <p:spPr/>
+      </p:sp>
+      <p:sp>
+        <p:nvSpPr>
+          <p:cNvPr id="3" name="Notizenplatzhalter 2"/>
+          <p:cNvSpPr>
+            <a:spLocks noGrp="1"/>
+          </p:cNvSpPr>
+          <p:nvPr>
+            <p:ph type="body" idx="1"/>
+          </p:nvPr>
+        </p:nvSpPr>
+        <p:spPr/>
+        <p:txBody>
+          <a:bodyPr/>
+          <a:lstStyle/>
+          <a:p>
+            <a:r>
+              <a:rPr lang="de-AT" dirty="0" smtClean="0"/>
+              <a:t>Evaluation/</a:t>
+            </a:r>
+            <a:r>
+              <a:rPr lang="de-AT" dirty="0" err="1" smtClean="0"/>
+              <a:t>Estimation</a:t>
+            </a:r>
+            <a:r>
+              <a:rPr lang="de-AT" dirty="0" smtClean="0"/>
+              <a:t>: </a:t>
+            </a:r>
+            <a:endParaRPr lang="de-AT" dirty="0" smtClean="0"/>
+          </a:p>
+          <a:p>
+            <a:r>
+              <a:rPr lang="de-AT" dirty="0" smtClean="0"/>
+              <a:t>´</a:t>
+            </a:r>
+          </a:p>
+          <a:p>
+            <a:r>
+              <a:rPr lang="de-AT" dirty="0" smtClean="0"/>
+              <a:t>Train </a:t>
+            </a:r>
+            <a:r>
+              <a:rPr lang="de-AT" dirty="0" err="1" smtClean="0"/>
+              <a:t>classsifier</a:t>
+            </a:r>
+            <a:r>
+              <a:rPr lang="de-AT" baseline="0" dirty="0" smtClean="0"/>
+              <a:t>  </a:t>
+            </a:r>
+            <a:r>
+              <a:rPr lang="de-AT" baseline="0" dirty="0" err="1" smtClean="0"/>
+              <a:t>with</a:t>
+            </a:r>
+            <a:r>
+              <a:rPr lang="de-AT" baseline="0" dirty="0" smtClean="0"/>
+              <a:t>  </a:t>
+            </a:r>
+            <a:r>
+              <a:rPr lang="de-AT" baseline="0" dirty="0" err="1" smtClean="0"/>
+              <a:t>the</a:t>
+            </a:r>
+            <a:r>
+              <a:rPr lang="de-AT" baseline="0" dirty="0" smtClean="0"/>
+              <a:t>  </a:t>
+            </a:r>
+            <a:r>
+              <a:rPr lang="de-AT" baseline="0" dirty="0" err="1" smtClean="0"/>
+              <a:t>subset</a:t>
+            </a:r>
+            <a:r>
+              <a:rPr lang="de-AT" baseline="0" dirty="0" smtClean="0"/>
+              <a:t>, </a:t>
+            </a:r>
+            <a:r>
+              <a:rPr lang="de-AT" baseline="0" dirty="0" err="1" smtClean="0"/>
+              <a:t>evaluate</a:t>
+            </a:r>
+            <a:r>
+              <a:rPr lang="de-AT" baseline="0" dirty="0" smtClean="0"/>
+              <a:t> </a:t>
+            </a:r>
+            <a:r>
+              <a:rPr lang="de-AT" baseline="0" dirty="0" err="1" smtClean="0"/>
+              <a:t>e.g</a:t>
+            </a:r>
+            <a:r>
+              <a:rPr lang="de-AT" baseline="0" dirty="0" smtClean="0"/>
+              <a:t> </a:t>
+            </a:r>
+            <a:r>
+              <a:rPr lang="de-AT" baseline="0" dirty="0" err="1" smtClean="0"/>
+              <a:t>with</a:t>
+            </a:r>
+            <a:r>
+              <a:rPr lang="de-AT" baseline="0" dirty="0" smtClean="0"/>
+              <a:t>, </a:t>
+            </a:r>
+            <a:r>
+              <a:rPr lang="de-AT" baseline="0" dirty="0" err="1" smtClean="0"/>
+              <a:t>cross</a:t>
+            </a:r>
+            <a:r>
+              <a:rPr lang="de-AT" baseline="0" dirty="0" smtClean="0"/>
+              <a:t> </a:t>
+            </a:r>
+            <a:r>
+              <a:rPr lang="de-AT" baseline="0" dirty="0" err="1" smtClean="0"/>
+              <a:t>validation</a:t>
+            </a:r>
+            <a:r>
+              <a:rPr lang="de-AT" baseline="0" dirty="0" smtClean="0"/>
+              <a:t> – </a:t>
+            </a:r>
+            <a:r>
+              <a:rPr lang="de-AT" baseline="0" dirty="0" err="1" smtClean="0"/>
+              <a:t>uses</a:t>
+            </a:r>
+            <a:r>
+              <a:rPr lang="de-AT" baseline="0" dirty="0" smtClean="0"/>
+              <a:t> </a:t>
+            </a:r>
+            <a:r>
+              <a:rPr lang="de-AT" baseline="0" dirty="0" err="1" smtClean="0"/>
+              <a:t>the</a:t>
+            </a:r>
+            <a:r>
+              <a:rPr lang="de-AT" baseline="0" dirty="0" smtClean="0"/>
+              <a:t> </a:t>
+            </a:r>
+            <a:r>
+              <a:rPr lang="de-AT" baseline="0" dirty="0" err="1" smtClean="0"/>
+              <a:t>classifier</a:t>
+            </a:r>
+            <a:r>
+              <a:rPr lang="de-AT" baseline="0" dirty="0" smtClean="0"/>
+              <a:t>!</a:t>
+            </a:r>
+          </a:p>
+          <a:p>
+            <a:endParaRPr lang="de-AT" baseline="0" dirty="0" smtClean="0"/>
+          </a:p>
+          <a:p>
+            <a:endParaRPr lang="de-AT" baseline="0" dirty="0" smtClean="0"/>
+          </a:p>
+          <a:p>
+            <a:pPr marL="0" indent="0">
+              <a:buFont typeface="+mj-lt"/>
+              <a:buNone/>
+            </a:pPr>
+            <a:endParaRPr lang="de-AT" baseline="0" dirty="0" smtClean="0"/>
+          </a:p>
+          <a:p>
+            <a:endParaRPr lang="de-AT" dirty="0"/>
+          </a:p>
+        </p:txBody>
+      </p:sp>
+      <p:sp>
+        <p:nvSpPr>
+          <p:cNvPr id="4" name="Foliennummernplatzhalter 3"/>
+          <p:cNvSpPr>
+            <a:spLocks noGrp="1"/>
+          </p:cNvSpPr>
+          <p:nvPr>
+            <p:ph type="sldNum" sz="quarter" idx="10"/>
+          </p:nvPr>
+        </p:nvSpPr>
+        <p:spPr/>
+        <p:txBody>
+          <a:bodyPr/>
+          <a:lstStyle/>
+          <a:p>
+            <a:fld id="{07914D93-ABC8-448C-8296-85FD12164B61}" type="slidenum">
+              <a:rPr lang="de-DE" altLang="de-DE" smtClean="0"/>
+              <a:pPr/>
+              <a:t>15</a:t>
+            </a:fld>
+            <a:endParaRPr lang="de-DE" altLang="de-DE"/>
+          </a:p>
+        </p:txBody>
+      </p:sp>
+    </p:spTree>
+    <p:extLst>
+      <p:ext uri="{BB962C8B-B14F-4D97-AF65-F5344CB8AC3E}">
+        <p14:creationId xmlns:p14="http://schemas.microsoft.com/office/powerpoint/2010/main" val="3749207882"/>
+      </p:ext>
+    </p:extLst>
+  </p:cSld>
+  <p:clrMapOvr>
+    <a:masterClrMapping/>
+  </p:clrMapOvr>
+</p:notes>
+</file>
+
+<file path=ppt/notesSlides/notesSlide11.xml><?xml version="1.0" encoding="utf-8"?>
+<p:notes xmlns:a="http://schemas.openxmlformats.org/drawingml/2006/main" xmlns:r="http://schemas.openxmlformats.org/officeDocument/2006/relationships" xmlns:p="http://schemas.openxmlformats.org/presentationml/2006/main">
+  <p:cSld>
+    <p:spTree>
+      <p:nvGrpSpPr>
+        <p:cNvPr id="1" name=""/>
+        <p:cNvGrpSpPr/>
+        <p:nvPr/>
+      </p:nvGrpSpPr>
+      <p:grpSpPr>
+        <a:xfrm>
+          <a:off x="0" y="0"/>
+          <a:ext cx="0" cy="0"/>
+          <a:chOff x="0" y="0"/>
+          <a:chExt cx="0" cy="0"/>
+        </a:xfrm>
+      </p:grpSpPr>
+      <p:sp>
+        <p:nvSpPr>
+          <p:cNvPr id="2" name="Folienbildplatzhalter 1"/>
+          <p:cNvSpPr>
+            <a:spLocks noGrp="1" noRot="1" noChangeAspect="1"/>
+          </p:cNvSpPr>
+          <p:nvPr>
+            <p:ph type="sldImg"/>
+          </p:nvPr>
+        </p:nvSpPr>
+        <p:spPr/>
+      </p:sp>
+      <p:sp>
+        <p:nvSpPr>
+          <p:cNvPr id="3" name="Notizenplatzhalter 2"/>
+          <p:cNvSpPr>
+            <a:spLocks noGrp="1"/>
+          </p:cNvSpPr>
+          <p:nvPr>
+            <p:ph type="body" idx="1"/>
+          </p:nvPr>
+        </p:nvSpPr>
+        <p:spPr/>
+        <p:txBody>
+          <a:bodyPr/>
+          <a:lstStyle/>
+          <a:p>
+            <a:r>
+              <a:rPr lang="de-AT" dirty="0" err="1" smtClean="0"/>
+              <a:t>Iterate</a:t>
+            </a:r>
+            <a:r>
+              <a:rPr lang="de-AT" dirty="0" smtClean="0"/>
+              <a:t>,</a:t>
+            </a:r>
+            <a:r>
+              <a:rPr lang="de-AT" baseline="0" dirty="0" smtClean="0"/>
+              <a:t> </a:t>
+            </a:r>
+            <a:r>
+              <a:rPr lang="de-AT" baseline="0" dirty="0" err="1" smtClean="0"/>
+              <a:t>expand</a:t>
+            </a:r>
+            <a:r>
+              <a:rPr lang="de-AT" baseline="0" dirty="0" smtClean="0"/>
+              <a:t> </a:t>
+            </a:r>
+            <a:r>
+              <a:rPr lang="de-AT" baseline="0" dirty="0" err="1" smtClean="0"/>
+              <a:t>old</a:t>
+            </a:r>
+            <a:r>
+              <a:rPr lang="de-AT" baseline="0" dirty="0" smtClean="0"/>
+              <a:t> </a:t>
+            </a:r>
+            <a:r>
+              <a:rPr lang="de-AT" baseline="0" dirty="0" err="1" smtClean="0"/>
+              <a:t>subset</a:t>
+            </a:r>
+            <a:r>
+              <a:rPr lang="de-AT" baseline="0" dirty="0" smtClean="0"/>
+              <a:t> </a:t>
+            </a:r>
+            <a:r>
+              <a:rPr lang="de-AT" baseline="0" dirty="0" err="1" smtClean="0"/>
+              <a:t>and</a:t>
+            </a:r>
+            <a:r>
+              <a:rPr lang="de-AT" baseline="0" dirty="0" smtClean="0"/>
+              <a:t>  </a:t>
+            </a:r>
+            <a:r>
+              <a:rPr lang="de-AT" baseline="0" dirty="0" err="1" smtClean="0"/>
+              <a:t>add</a:t>
+            </a:r>
+            <a:r>
+              <a:rPr lang="de-AT" baseline="0" dirty="0" smtClean="0"/>
+              <a:t>  </a:t>
+            </a:r>
+            <a:r>
+              <a:rPr lang="de-AT" baseline="0" dirty="0" err="1" smtClean="0"/>
+              <a:t>features</a:t>
+            </a:r>
+            <a:r>
+              <a:rPr lang="de-AT" baseline="0" dirty="0" smtClean="0"/>
+              <a:t>, (</a:t>
+            </a:r>
+            <a:r>
+              <a:rPr lang="de-AT" baseline="0" dirty="0" err="1" smtClean="0"/>
+              <a:t>or</a:t>
+            </a:r>
+            <a:r>
+              <a:rPr lang="de-AT" baseline="0" dirty="0" smtClean="0"/>
+              <a:t> </a:t>
+            </a:r>
+            <a:r>
+              <a:rPr lang="de-AT" baseline="0" dirty="0" err="1" smtClean="0"/>
+              <a:t>decimate</a:t>
+            </a:r>
+            <a:r>
+              <a:rPr lang="de-AT" baseline="0" dirty="0" smtClean="0"/>
+              <a:t> </a:t>
+            </a:r>
+            <a:r>
+              <a:rPr lang="de-AT" baseline="0" dirty="0" err="1" smtClean="0"/>
+              <a:t>and</a:t>
+            </a:r>
+            <a:r>
+              <a:rPr lang="de-AT" baseline="0" dirty="0" smtClean="0"/>
+              <a:t> </a:t>
+            </a:r>
+            <a:r>
+              <a:rPr lang="de-AT" baseline="0" dirty="0" err="1" smtClean="0"/>
+              <a:t>remove</a:t>
+            </a:r>
+            <a:r>
+              <a:rPr lang="de-AT" baseline="0" dirty="0" smtClean="0"/>
+              <a:t>) , </a:t>
+            </a:r>
+            <a:r>
+              <a:rPr lang="de-AT" baseline="0" dirty="0" err="1" smtClean="0"/>
+              <a:t>and</a:t>
+            </a:r>
+            <a:r>
+              <a:rPr lang="de-AT" baseline="0" dirty="0" smtClean="0"/>
+              <a:t> </a:t>
+            </a:r>
+            <a:r>
+              <a:rPr lang="de-AT" baseline="0" dirty="0" err="1" smtClean="0"/>
+              <a:t>repeat</a:t>
+            </a:r>
+            <a:r>
+              <a:rPr lang="de-AT" baseline="0" dirty="0" smtClean="0"/>
+              <a:t> </a:t>
+            </a:r>
+          </a:p>
+          <a:p>
+            <a:endParaRPr lang="de-AT" baseline="0" dirty="0" smtClean="0"/>
+          </a:p>
+          <a:p>
+            <a:endParaRPr lang="de-AT" baseline="0" dirty="0" smtClean="0"/>
+          </a:p>
+          <a:p>
+            <a:pPr marL="0" indent="0">
+              <a:buFont typeface="+mj-lt"/>
+              <a:buNone/>
+            </a:pPr>
+            <a:endParaRPr lang="de-AT" baseline="0" dirty="0" smtClean="0"/>
+          </a:p>
+          <a:p>
+            <a:endParaRPr lang="de-AT" dirty="0"/>
+          </a:p>
+        </p:txBody>
+      </p:sp>
+      <p:sp>
+        <p:nvSpPr>
+          <p:cNvPr id="4" name="Foliennummernplatzhalter 3"/>
+          <p:cNvSpPr>
+            <a:spLocks noGrp="1"/>
+          </p:cNvSpPr>
+          <p:nvPr>
+            <p:ph type="sldNum" sz="quarter" idx="10"/>
+          </p:nvPr>
+        </p:nvSpPr>
+        <p:spPr/>
+        <p:txBody>
+          <a:bodyPr/>
+          <a:lstStyle/>
+          <a:p>
+            <a:fld id="{07914D93-ABC8-448C-8296-85FD12164B61}" type="slidenum">
+              <a:rPr lang="de-DE" altLang="de-DE" smtClean="0"/>
+              <a:pPr/>
+              <a:t>16</a:t>
+            </a:fld>
+            <a:endParaRPr lang="de-DE" altLang="de-DE"/>
+          </a:p>
+        </p:txBody>
+      </p:sp>
+    </p:spTree>
+    <p:extLst>
+      <p:ext uri="{BB962C8B-B14F-4D97-AF65-F5344CB8AC3E}">
+        <p14:creationId xmlns:p14="http://schemas.microsoft.com/office/powerpoint/2010/main" val="3378138209"/>
+      </p:ext>
+    </p:extLst>
+  </p:cSld>
+  <p:clrMapOvr>
+    <a:masterClrMapping/>
+  </p:clrMapOvr>
+</p:notes>
+</file>
+
+<file path=ppt/notesSlides/notesSlide12.xml><?xml version="1.0" encoding="utf-8"?>
+<p:notes xmlns:a="http://schemas.openxmlformats.org/drawingml/2006/main" xmlns:r="http://schemas.openxmlformats.org/officeDocument/2006/relationships" xmlns:p="http://schemas.openxmlformats.org/presentationml/2006/main">
+  <p:cSld>
+    <p:spTree>
+      <p:nvGrpSpPr>
+        <p:cNvPr id="1" name=""/>
+        <p:cNvGrpSpPr/>
+        <p:nvPr/>
+      </p:nvGrpSpPr>
+      <p:grpSpPr>
+        <a:xfrm>
+          <a:off x="0" y="0"/>
+          <a:ext cx="0" cy="0"/>
+          <a:chOff x="0" y="0"/>
+          <a:chExt cx="0" cy="0"/>
+        </a:xfrm>
+      </p:grpSpPr>
+      <p:sp>
+        <p:nvSpPr>
+          <p:cNvPr id="2" name="Folienbildplatzhalter 1"/>
+          <p:cNvSpPr>
+            <a:spLocks noGrp="1" noRot="1" noChangeAspect="1"/>
+          </p:cNvSpPr>
+          <p:nvPr>
+            <p:ph type="sldImg"/>
+          </p:nvPr>
+        </p:nvSpPr>
+        <p:spPr/>
+      </p:sp>
+      <p:sp>
+        <p:nvSpPr>
+          <p:cNvPr id="3" name="Notizenplatzhalter 2"/>
+          <p:cNvSpPr>
+            <a:spLocks noGrp="1"/>
+          </p:cNvSpPr>
+          <p:nvPr>
+            <p:ph type="body" idx="1"/>
+          </p:nvPr>
+        </p:nvSpPr>
+        <p:spPr/>
+        <p:txBody>
+          <a:bodyPr/>
+          <a:lstStyle/>
+          <a:p>
+            <a:pPr marL="0" indent="0">
+              <a:buFont typeface="+mj-lt"/>
+              <a:buNone/>
+            </a:pPr>
+            <a:r>
+              <a:rPr lang="de-AT" baseline="0" dirty="0" err="1" smtClean="0"/>
+              <a:t>Finally</a:t>
+            </a:r>
+            <a:r>
+              <a:rPr lang="de-AT" baseline="0" dirty="0" smtClean="0"/>
+              <a:t>: </a:t>
+            </a:r>
+            <a:endParaRPr lang="de-AT" baseline="0" dirty="0" smtClean="0"/>
+          </a:p>
+          <a:p>
+            <a:pPr marL="0" indent="0">
+              <a:buFont typeface="+mj-lt"/>
+              <a:buNone/>
+            </a:pPr>
+            <a:endParaRPr lang="de-AT" baseline="0" dirty="0" smtClean="0"/>
+          </a:p>
+          <a:p>
+            <a:pPr marL="0" indent="0">
+              <a:buFont typeface="+mj-lt"/>
+              <a:buNone/>
+            </a:pPr>
+            <a:r>
+              <a:rPr lang="de-AT" dirty="0" err="1" smtClean="0"/>
+              <a:t>Use</a:t>
+            </a:r>
+            <a:r>
+              <a:rPr lang="de-AT" dirty="0" smtClean="0"/>
+              <a:t> </a:t>
+            </a:r>
+            <a:r>
+              <a:rPr lang="de-AT" dirty="0" err="1" smtClean="0"/>
+              <a:t>subset</a:t>
+            </a:r>
+            <a:r>
+              <a:rPr lang="de-AT" dirty="0" smtClean="0"/>
+              <a:t> </a:t>
+            </a:r>
+            <a:r>
+              <a:rPr lang="de-AT" dirty="0" err="1" smtClean="0"/>
+              <a:t>with</a:t>
+            </a:r>
+            <a:r>
+              <a:rPr lang="de-AT" dirty="0" smtClean="0"/>
+              <a:t> </a:t>
+            </a:r>
+            <a:r>
+              <a:rPr lang="de-AT" dirty="0" err="1" smtClean="0"/>
+              <a:t>best</a:t>
+            </a:r>
+            <a:r>
+              <a:rPr lang="de-AT" dirty="0" smtClean="0"/>
+              <a:t> </a:t>
+            </a:r>
+            <a:r>
+              <a:rPr lang="de-AT" dirty="0" err="1" smtClean="0"/>
+              <a:t>performance</a:t>
+            </a:r>
+            <a:r>
+              <a:rPr lang="de-AT" baseline="0" dirty="0" smtClean="0"/>
+              <a:t> </a:t>
+            </a:r>
+            <a:r>
+              <a:rPr lang="de-AT" baseline="0" dirty="0" err="1" smtClean="0"/>
+              <a:t>to</a:t>
+            </a:r>
+            <a:r>
+              <a:rPr lang="de-AT" baseline="0" dirty="0" smtClean="0"/>
+              <a:t> </a:t>
+            </a:r>
+            <a:r>
+              <a:rPr lang="de-AT" baseline="0" dirty="0" err="1" smtClean="0"/>
+              <a:t>train</a:t>
+            </a:r>
+            <a:r>
+              <a:rPr lang="de-AT" baseline="0" dirty="0" smtClean="0"/>
+              <a:t> </a:t>
+            </a:r>
+            <a:r>
+              <a:rPr lang="de-AT" baseline="0" dirty="0" err="1" smtClean="0"/>
+              <a:t>classifier</a:t>
+            </a:r>
+            <a:r>
+              <a:rPr lang="de-AT" baseline="0" dirty="0" smtClean="0"/>
+              <a:t>,  </a:t>
+            </a:r>
+            <a:r>
+              <a:rPr lang="de-AT" baseline="0" dirty="0" err="1" smtClean="0"/>
+              <a:t>and</a:t>
+            </a:r>
+            <a:r>
+              <a:rPr lang="de-AT" baseline="0" dirty="0" smtClean="0"/>
+              <a:t>   </a:t>
+            </a:r>
+            <a:r>
+              <a:rPr lang="de-AT" baseline="0" dirty="0" err="1" smtClean="0"/>
+              <a:t>use</a:t>
+            </a:r>
+            <a:r>
+              <a:rPr lang="de-AT" baseline="0" dirty="0" smtClean="0"/>
+              <a:t> </a:t>
+            </a:r>
+            <a:r>
+              <a:rPr lang="de-AT" baseline="0" dirty="0" err="1" smtClean="0"/>
+              <a:t>it</a:t>
+            </a:r>
+            <a:r>
+              <a:rPr lang="de-AT" baseline="0" dirty="0" smtClean="0"/>
+              <a:t>  </a:t>
+            </a:r>
+            <a:r>
+              <a:rPr lang="de-AT" baseline="0" dirty="0" err="1" smtClean="0"/>
+              <a:t>for</a:t>
+            </a:r>
+            <a:r>
+              <a:rPr lang="de-AT" baseline="0" dirty="0" smtClean="0"/>
+              <a:t> </a:t>
+            </a:r>
+            <a:r>
+              <a:rPr lang="de-AT" baseline="0" dirty="0" err="1" smtClean="0"/>
+              <a:t>actual</a:t>
+            </a:r>
+            <a:r>
+              <a:rPr lang="de-AT" baseline="0" dirty="0" smtClean="0"/>
+              <a:t> </a:t>
+            </a:r>
+            <a:r>
+              <a:rPr lang="de-AT" dirty="0" err="1" smtClean="0"/>
+              <a:t>classification</a:t>
+            </a:r>
+            <a:r>
+              <a:rPr lang="de-AT" dirty="0" smtClean="0"/>
+              <a:t> </a:t>
+            </a:r>
+            <a:r>
+              <a:rPr lang="de-AT" dirty="0" err="1" smtClean="0"/>
+              <a:t>task</a:t>
+            </a:r>
+            <a:r>
+              <a:rPr lang="de-AT" dirty="0" smtClean="0"/>
+              <a:t> (</a:t>
+            </a:r>
+            <a:r>
+              <a:rPr lang="de-AT" dirty="0" err="1" smtClean="0"/>
+              <a:t>normally</a:t>
+            </a:r>
+            <a:r>
+              <a:rPr lang="de-AT" dirty="0" smtClean="0"/>
+              <a:t> after </a:t>
+            </a:r>
+            <a:r>
+              <a:rPr lang="de-AT" dirty="0" err="1" smtClean="0"/>
+              <a:t>testing</a:t>
+            </a:r>
+            <a:r>
+              <a:rPr lang="de-AT" baseline="0" dirty="0" smtClean="0"/>
+              <a:t> </a:t>
+            </a:r>
+            <a:r>
+              <a:rPr lang="de-AT" baseline="0" dirty="0" err="1" smtClean="0"/>
+              <a:t>with</a:t>
+            </a:r>
+            <a:r>
+              <a:rPr lang="de-AT" baseline="0" dirty="0" smtClean="0"/>
+              <a:t> </a:t>
+            </a:r>
+            <a:r>
+              <a:rPr lang="de-AT" baseline="0" dirty="0" err="1" smtClean="0"/>
+              <a:t>testset</a:t>
+            </a:r>
+            <a:r>
+              <a:rPr lang="de-AT" baseline="0" dirty="0" smtClean="0"/>
+              <a:t> </a:t>
+            </a:r>
+            <a:r>
+              <a:rPr lang="de-AT" baseline="0" dirty="0" err="1" smtClean="0"/>
+              <a:t>independent</a:t>
+            </a:r>
+            <a:r>
+              <a:rPr lang="de-AT" baseline="0" dirty="0" smtClean="0"/>
+              <a:t> </a:t>
+            </a:r>
+            <a:r>
+              <a:rPr lang="de-AT" baseline="0" dirty="0" err="1" smtClean="0"/>
+              <a:t>from</a:t>
+            </a:r>
+            <a:r>
+              <a:rPr lang="de-AT" baseline="0" dirty="0" smtClean="0"/>
+              <a:t> </a:t>
+            </a:r>
+            <a:r>
+              <a:rPr lang="de-AT" baseline="0" dirty="0" err="1" smtClean="0"/>
+              <a:t>training</a:t>
+            </a:r>
+            <a:r>
+              <a:rPr lang="de-AT" baseline="0" dirty="0" smtClean="0"/>
+              <a:t> </a:t>
+            </a:r>
+            <a:r>
+              <a:rPr lang="de-AT" baseline="0" dirty="0" err="1" smtClean="0"/>
+              <a:t>set</a:t>
+            </a:r>
+            <a:r>
+              <a:rPr lang="de-AT" baseline="0" dirty="0" smtClean="0"/>
+              <a:t>)</a:t>
+            </a:r>
+            <a:endParaRPr lang="de-AT" dirty="0" smtClean="0"/>
+          </a:p>
+          <a:p>
+            <a:endParaRPr lang="de-AT" dirty="0"/>
+          </a:p>
+        </p:txBody>
+      </p:sp>
+      <p:sp>
+        <p:nvSpPr>
+          <p:cNvPr id="4" name="Foliennummernplatzhalter 3"/>
+          <p:cNvSpPr>
+            <a:spLocks noGrp="1"/>
+          </p:cNvSpPr>
+          <p:nvPr>
+            <p:ph type="sldNum" sz="quarter" idx="10"/>
+          </p:nvPr>
+        </p:nvSpPr>
+        <p:spPr/>
+        <p:txBody>
+          <a:bodyPr/>
+          <a:lstStyle/>
+          <a:p>
+            <a:fld id="{07914D93-ABC8-448C-8296-85FD12164B61}" type="slidenum">
+              <a:rPr lang="de-DE" altLang="de-DE" smtClean="0"/>
+              <a:pPr/>
+              <a:t>17</a:t>
+            </a:fld>
+            <a:endParaRPr lang="de-DE" altLang="de-DE"/>
+          </a:p>
+        </p:txBody>
+      </p:sp>
+    </p:spTree>
+    <p:extLst>
+      <p:ext uri="{BB962C8B-B14F-4D97-AF65-F5344CB8AC3E}">
+        <p14:creationId xmlns:p14="http://schemas.microsoft.com/office/powerpoint/2010/main" val="4160441395"/>
+      </p:ext>
+    </p:extLst>
+  </p:cSld>
+  <p:clrMapOvr>
+    <a:masterClrMapping/>
+  </p:clrMapOvr>
+</p:notes>
+</file>
+
+<file path=ppt/notesSlides/notesSlide13.xml><?xml version="1.0" encoding="utf-8"?>
+<p:notes xmlns:a="http://schemas.openxmlformats.org/drawingml/2006/main" xmlns:r="http://schemas.openxmlformats.org/officeDocument/2006/relationships" xmlns:p="http://schemas.openxmlformats.org/presentationml/2006/main">
+  <p:cSld>
+    <p:spTree>
+      <p:nvGrpSpPr>
+        <p:cNvPr id="1" name=""/>
+        <p:cNvGrpSpPr/>
+        <p:nvPr/>
+      </p:nvGrpSpPr>
+      <p:grpSpPr>
+        <a:xfrm>
+          <a:off x="0" y="0"/>
+          <a:ext cx="0" cy="0"/>
+          <a:chOff x="0" y="0"/>
+          <a:chExt cx="0" cy="0"/>
+        </a:xfrm>
+      </p:grpSpPr>
+      <p:sp>
+        <p:nvSpPr>
+          <p:cNvPr id="2" name="Folienbildplatzhalter 1"/>
+          <p:cNvSpPr>
+            <a:spLocks noGrp="1" noRot="1" noChangeAspect="1"/>
+          </p:cNvSpPr>
+          <p:nvPr>
+            <p:ph type="sldImg"/>
+          </p:nvPr>
+        </p:nvSpPr>
+        <p:spPr/>
+      </p:sp>
+      <p:sp>
+        <p:nvSpPr>
+          <p:cNvPr id="3" name="Notizenplatzhalter 2"/>
+          <p:cNvSpPr>
+            <a:spLocks noGrp="1"/>
+          </p:cNvSpPr>
+          <p:nvPr>
+            <p:ph type="body" idx="1"/>
+          </p:nvPr>
+        </p:nvSpPr>
+        <p:spPr/>
+        <p:txBody>
+          <a:bodyPr/>
+          <a:lstStyle/>
+          <a:p>
+            <a:r>
+              <a:rPr lang="de-AT" dirty="0" smtClean="0"/>
+              <a:t>Search: different </a:t>
+            </a:r>
+            <a:r>
+              <a:rPr lang="de-AT" dirty="0" err="1" smtClean="0"/>
+              <a:t>algorithms</a:t>
+            </a:r>
+            <a:r>
+              <a:rPr lang="de-AT" dirty="0" smtClean="0"/>
+              <a:t> </a:t>
+            </a:r>
+            <a:r>
+              <a:rPr lang="de-AT" dirty="0" err="1" smtClean="0"/>
+              <a:t>possible</a:t>
+            </a:r>
+            <a:endParaRPr lang="de-AT" dirty="0" smtClean="0"/>
+          </a:p>
+          <a:p>
+            <a:r>
+              <a:rPr lang="de-AT" dirty="0" smtClean="0"/>
+              <a:t>Evaluation/</a:t>
+            </a:r>
+            <a:r>
+              <a:rPr lang="de-AT" dirty="0" err="1" smtClean="0"/>
+              <a:t>Estimation</a:t>
+            </a:r>
+            <a:r>
+              <a:rPr lang="de-AT" dirty="0" smtClean="0"/>
+              <a:t>: Test</a:t>
+            </a:r>
+            <a:r>
+              <a:rPr lang="de-AT" baseline="0" dirty="0" smtClean="0"/>
+              <a:t> </a:t>
+            </a:r>
+            <a:r>
+              <a:rPr lang="de-AT" baseline="0" dirty="0" err="1" smtClean="0"/>
+              <a:t>set</a:t>
+            </a:r>
+            <a:r>
+              <a:rPr lang="de-AT" baseline="0" dirty="0" smtClean="0"/>
+              <a:t>, </a:t>
+            </a:r>
+            <a:r>
+              <a:rPr lang="de-AT" baseline="0" dirty="0" err="1" smtClean="0"/>
+              <a:t>cross</a:t>
+            </a:r>
+            <a:r>
+              <a:rPr lang="de-AT" baseline="0" dirty="0" smtClean="0"/>
+              <a:t> </a:t>
+            </a:r>
+            <a:r>
+              <a:rPr lang="de-AT" baseline="0" dirty="0" err="1" smtClean="0"/>
+              <a:t>validation</a:t>
+            </a:r>
+            <a:r>
+              <a:rPr lang="de-AT" baseline="0" dirty="0" smtClean="0"/>
+              <a:t> – </a:t>
+            </a:r>
+            <a:r>
+              <a:rPr lang="de-AT" baseline="0" dirty="0" err="1" smtClean="0"/>
+              <a:t>uses</a:t>
+            </a:r>
+            <a:r>
+              <a:rPr lang="de-AT" baseline="0" dirty="0" smtClean="0"/>
+              <a:t> </a:t>
+            </a:r>
+            <a:r>
+              <a:rPr lang="de-AT" baseline="0" dirty="0" err="1" smtClean="0"/>
+              <a:t>the</a:t>
+            </a:r>
+            <a:r>
+              <a:rPr lang="de-AT" baseline="0" dirty="0" smtClean="0"/>
+              <a:t> </a:t>
+            </a:r>
+            <a:r>
+              <a:rPr lang="de-AT" baseline="0" dirty="0" err="1" smtClean="0"/>
+              <a:t>classifier</a:t>
+            </a:r>
+            <a:endParaRPr lang="de-AT" baseline="0" dirty="0" smtClean="0"/>
+          </a:p>
+          <a:p>
+            <a:pPr marL="0" indent="0">
+              <a:buFont typeface="+mj-lt"/>
+              <a:buNone/>
+            </a:pPr>
+            <a:endParaRPr lang="de-AT" baseline="0" dirty="0" smtClean="0"/>
+          </a:p>
+          <a:p>
+            <a:pPr marL="0" indent="0">
+              <a:buFont typeface="+mj-lt"/>
+              <a:buNone/>
+            </a:pPr>
+            <a:r>
+              <a:rPr lang="de-AT" baseline="0" dirty="0" err="1" smtClean="0"/>
+              <a:t>Finally</a:t>
+            </a:r>
+            <a:r>
+              <a:rPr lang="de-AT" baseline="0" dirty="0" smtClean="0"/>
+              <a:t>: </a:t>
+            </a:r>
+            <a:r>
+              <a:rPr lang="de-AT" dirty="0" err="1" smtClean="0"/>
+              <a:t>Use</a:t>
+            </a:r>
+            <a:r>
+              <a:rPr lang="de-AT" dirty="0" smtClean="0"/>
+              <a:t> </a:t>
+            </a:r>
+            <a:r>
+              <a:rPr lang="de-AT" dirty="0" err="1" smtClean="0"/>
+              <a:t>subset</a:t>
+            </a:r>
+            <a:r>
+              <a:rPr lang="de-AT" dirty="0" smtClean="0"/>
+              <a:t> </a:t>
+            </a:r>
+            <a:r>
+              <a:rPr lang="de-AT" dirty="0" err="1" smtClean="0"/>
+              <a:t>with</a:t>
+            </a:r>
+            <a:r>
+              <a:rPr lang="de-AT" dirty="0" smtClean="0"/>
+              <a:t> </a:t>
+            </a:r>
+            <a:r>
+              <a:rPr lang="de-AT" dirty="0" err="1" smtClean="0"/>
+              <a:t>best</a:t>
+            </a:r>
+            <a:r>
+              <a:rPr lang="de-AT" dirty="0" smtClean="0"/>
+              <a:t> </a:t>
+            </a:r>
+            <a:r>
+              <a:rPr lang="de-AT" dirty="0" err="1" smtClean="0"/>
+              <a:t>performance</a:t>
+            </a:r>
+            <a:r>
+              <a:rPr lang="de-AT" baseline="0" dirty="0" smtClean="0"/>
+              <a:t> </a:t>
+            </a:r>
+            <a:r>
+              <a:rPr lang="de-AT" baseline="0" dirty="0" err="1" smtClean="0"/>
+              <a:t>to</a:t>
+            </a:r>
+            <a:r>
+              <a:rPr lang="de-AT" baseline="0" dirty="0" smtClean="0"/>
+              <a:t> </a:t>
+            </a:r>
+            <a:r>
+              <a:rPr lang="de-AT" baseline="0" dirty="0" err="1" smtClean="0"/>
+              <a:t>train</a:t>
+            </a:r>
+            <a:r>
+              <a:rPr lang="de-AT" baseline="0" dirty="0" smtClean="0"/>
+              <a:t> </a:t>
+            </a:r>
+            <a:r>
+              <a:rPr lang="de-AT" baseline="0" dirty="0" err="1" smtClean="0"/>
+              <a:t>classifier</a:t>
+            </a:r>
+            <a:r>
+              <a:rPr lang="de-AT" baseline="0" dirty="0" smtClean="0"/>
+              <a:t>,  </a:t>
+            </a:r>
+            <a:r>
+              <a:rPr lang="de-AT" baseline="0" dirty="0" err="1" smtClean="0"/>
+              <a:t>and</a:t>
+            </a:r>
+            <a:r>
+              <a:rPr lang="de-AT" baseline="0" dirty="0" smtClean="0"/>
+              <a:t>   </a:t>
+            </a:r>
+            <a:r>
+              <a:rPr lang="de-AT" baseline="0" dirty="0" err="1" smtClean="0"/>
+              <a:t>use</a:t>
+            </a:r>
+            <a:r>
+              <a:rPr lang="de-AT" baseline="0" dirty="0" smtClean="0"/>
+              <a:t> </a:t>
+            </a:r>
+            <a:r>
+              <a:rPr lang="de-AT" baseline="0" dirty="0" err="1" smtClean="0"/>
+              <a:t>it</a:t>
+            </a:r>
+            <a:r>
+              <a:rPr lang="de-AT" baseline="0" dirty="0" smtClean="0"/>
+              <a:t>  </a:t>
+            </a:r>
+            <a:r>
+              <a:rPr lang="de-AT" baseline="0" dirty="0" err="1" smtClean="0"/>
+              <a:t>for</a:t>
+            </a:r>
+            <a:r>
+              <a:rPr lang="de-AT" baseline="0" dirty="0" smtClean="0"/>
+              <a:t> </a:t>
+            </a:r>
+            <a:r>
+              <a:rPr lang="de-AT" baseline="0" dirty="0" err="1" smtClean="0"/>
+              <a:t>actual</a:t>
+            </a:r>
+            <a:r>
+              <a:rPr lang="de-AT" baseline="0" dirty="0" smtClean="0"/>
+              <a:t> </a:t>
+            </a:r>
+            <a:r>
+              <a:rPr lang="de-AT" dirty="0" err="1" smtClean="0"/>
+              <a:t>classification</a:t>
+            </a:r>
+            <a:r>
+              <a:rPr lang="de-AT" dirty="0" smtClean="0"/>
+              <a:t> </a:t>
+            </a:r>
+            <a:r>
+              <a:rPr lang="de-AT" dirty="0" err="1" smtClean="0"/>
+              <a:t>task</a:t>
+            </a:r>
+            <a:r>
+              <a:rPr lang="de-AT" dirty="0" smtClean="0"/>
+              <a:t> (</a:t>
+            </a:r>
+            <a:r>
+              <a:rPr lang="de-AT" dirty="0" err="1" smtClean="0"/>
+              <a:t>normally</a:t>
+            </a:r>
+            <a:r>
+              <a:rPr lang="de-AT" dirty="0" smtClean="0"/>
+              <a:t> after </a:t>
+            </a:r>
+            <a:r>
+              <a:rPr lang="de-AT" dirty="0" err="1" smtClean="0"/>
+              <a:t>testing</a:t>
+            </a:r>
+            <a:r>
+              <a:rPr lang="de-AT" baseline="0" dirty="0" smtClean="0"/>
+              <a:t> </a:t>
+            </a:r>
+            <a:r>
+              <a:rPr lang="de-AT" baseline="0" dirty="0" err="1" smtClean="0"/>
+              <a:t>with</a:t>
+            </a:r>
+            <a:r>
+              <a:rPr lang="de-AT" baseline="0" dirty="0" smtClean="0"/>
+              <a:t> </a:t>
+            </a:r>
+            <a:r>
+              <a:rPr lang="de-AT" baseline="0" dirty="0" err="1" smtClean="0"/>
+              <a:t>testset</a:t>
+            </a:r>
+            <a:r>
+              <a:rPr lang="de-AT" baseline="0" dirty="0" smtClean="0"/>
+              <a:t> </a:t>
+            </a:r>
+            <a:r>
+              <a:rPr lang="de-AT" baseline="0" dirty="0" err="1" smtClean="0"/>
+              <a:t>independent</a:t>
+            </a:r>
+            <a:r>
+              <a:rPr lang="de-AT" baseline="0" dirty="0" smtClean="0"/>
+              <a:t> </a:t>
+            </a:r>
+            <a:r>
+              <a:rPr lang="de-AT" baseline="0" dirty="0" err="1" smtClean="0"/>
+              <a:t>from</a:t>
+            </a:r>
+            <a:r>
+              <a:rPr lang="de-AT" baseline="0" dirty="0" smtClean="0"/>
+              <a:t> </a:t>
+            </a:r>
+            <a:r>
+              <a:rPr lang="de-AT" baseline="0" dirty="0" err="1" smtClean="0"/>
+              <a:t>training</a:t>
+            </a:r>
+            <a:r>
+              <a:rPr lang="de-AT" baseline="0" dirty="0" smtClean="0"/>
+              <a:t> </a:t>
+            </a:r>
+            <a:r>
+              <a:rPr lang="de-AT" baseline="0" dirty="0" err="1" smtClean="0"/>
+              <a:t>set</a:t>
+            </a:r>
+            <a:r>
+              <a:rPr lang="de-AT" baseline="0" dirty="0" smtClean="0"/>
+              <a:t>)</a:t>
+            </a:r>
+            <a:endParaRPr lang="de-AT" dirty="0" smtClean="0"/>
+          </a:p>
+          <a:p>
+            <a:endParaRPr lang="de-AT" dirty="0"/>
+          </a:p>
+        </p:txBody>
+      </p:sp>
+      <p:sp>
+        <p:nvSpPr>
+          <p:cNvPr id="4" name="Foliennummernplatzhalter 3"/>
+          <p:cNvSpPr>
+            <a:spLocks noGrp="1"/>
+          </p:cNvSpPr>
+          <p:nvPr>
+            <p:ph type="sldNum" sz="quarter" idx="10"/>
+          </p:nvPr>
+        </p:nvSpPr>
+        <p:spPr/>
+        <p:txBody>
+          <a:bodyPr/>
+          <a:lstStyle/>
+          <a:p>
+            <a:fld id="{07914D93-ABC8-448C-8296-85FD12164B61}" type="slidenum">
+              <a:rPr lang="de-DE" altLang="de-DE" smtClean="0"/>
+              <a:pPr/>
+              <a:t>18</a:t>
+            </a:fld>
+            <a:endParaRPr lang="de-DE" altLang="de-DE"/>
+          </a:p>
+        </p:txBody>
+      </p:sp>
+    </p:spTree>
+    <p:extLst>
+      <p:ext uri="{BB962C8B-B14F-4D97-AF65-F5344CB8AC3E}">
+        <p14:creationId xmlns:p14="http://schemas.microsoft.com/office/powerpoint/2010/main" val="2048593954"/>
+      </p:ext>
+    </p:extLst>
+  </p:cSld>
+  <p:clrMapOvr>
+    <a:masterClrMapping/>
+  </p:clrMapOvr>
+</p:notes>
+</file>
+
+<file path=ppt/notesSlides/notesSlide14.xml><?xml version="1.0" encoding="utf-8"?>
+<p:notes xmlns:a="http://schemas.openxmlformats.org/drawingml/2006/main" xmlns:r="http://schemas.openxmlformats.org/officeDocument/2006/relationships" xmlns:p="http://schemas.openxmlformats.org/presentationml/2006/main">
+  <p:cSld>
+    <p:spTree>
+      <p:nvGrpSpPr>
+        <p:cNvPr id="1" name=""/>
+        <p:cNvGrpSpPr/>
+        <p:nvPr/>
+      </p:nvGrpSpPr>
+      <p:grpSpPr>
+        <a:xfrm>
+          <a:off x="0" y="0"/>
+          <a:ext cx="0" cy="0"/>
+          <a:chOff x="0" y="0"/>
+          <a:chExt cx="0" cy="0"/>
+        </a:xfrm>
+      </p:grpSpPr>
+      <p:sp>
+        <p:nvSpPr>
+          <p:cNvPr id="2" name="Folienbildplatzhalter 1"/>
+          <p:cNvSpPr>
+            <a:spLocks noGrp="1" noRot="1" noChangeAspect="1"/>
+          </p:cNvSpPr>
+          <p:nvPr>
+            <p:ph type="sldImg"/>
+          </p:nvPr>
+        </p:nvSpPr>
+        <p:spPr/>
+      </p:sp>
+      <p:sp>
+        <p:nvSpPr>
+          <p:cNvPr id="3" name="Notizenplatzhalter 2"/>
+          <p:cNvSpPr>
+            <a:spLocks noGrp="1"/>
+          </p:cNvSpPr>
+          <p:nvPr>
+            <p:ph type="body" idx="1"/>
+          </p:nvPr>
+        </p:nvSpPr>
+        <p:spPr/>
+        <p:txBody>
+          <a:bodyPr/>
+          <a:lstStyle/>
+          <a:p>
+            <a:r>
+              <a:rPr lang="de-AT" dirty="0" err="1" smtClean="0"/>
+              <a:t>They</a:t>
+            </a:r>
+            <a:r>
+              <a:rPr lang="de-AT" dirty="0" smtClean="0"/>
+              <a:t> </a:t>
+            </a:r>
+            <a:r>
+              <a:rPr lang="de-AT" dirty="0" err="1" smtClean="0"/>
+              <a:t>try</a:t>
+            </a:r>
+            <a:r>
+              <a:rPr lang="de-AT" dirty="0" smtClean="0"/>
+              <a:t> </a:t>
+            </a:r>
+            <a:r>
+              <a:rPr lang="de-AT" dirty="0" err="1" smtClean="0"/>
+              <a:t>to</a:t>
+            </a:r>
+            <a:r>
+              <a:rPr lang="de-AT" baseline="0" dirty="0" smtClean="0"/>
+              <a:t> </a:t>
+            </a:r>
+            <a:r>
+              <a:rPr lang="de-AT" baseline="0" dirty="0" err="1" smtClean="0"/>
+              <a:t>unite</a:t>
+            </a:r>
+            <a:r>
+              <a:rPr lang="de-AT" baseline="0" dirty="0" smtClean="0"/>
+              <a:t> </a:t>
+            </a:r>
+            <a:r>
+              <a:rPr lang="de-AT" baseline="0" dirty="0" err="1" smtClean="0"/>
+              <a:t>the</a:t>
+            </a:r>
+            <a:r>
+              <a:rPr lang="de-AT" baseline="0" dirty="0" smtClean="0"/>
+              <a:t> </a:t>
+            </a:r>
+            <a:r>
+              <a:rPr lang="de-AT" baseline="0" dirty="0" err="1" smtClean="0"/>
+              <a:t>benefits</a:t>
+            </a:r>
+            <a:r>
+              <a:rPr lang="de-AT" baseline="0" dirty="0" smtClean="0"/>
+              <a:t> </a:t>
+            </a:r>
+            <a:r>
+              <a:rPr lang="de-AT" baseline="0" dirty="0" err="1" smtClean="0"/>
+              <a:t>of</a:t>
+            </a:r>
+            <a:r>
+              <a:rPr lang="de-AT" baseline="0" dirty="0" smtClean="0"/>
+              <a:t> </a:t>
+            </a:r>
+            <a:r>
+              <a:rPr lang="de-AT" baseline="0" dirty="0" err="1" smtClean="0"/>
+              <a:t>the</a:t>
+            </a:r>
+            <a:r>
+              <a:rPr lang="de-AT" baseline="0" dirty="0" smtClean="0"/>
+              <a:t> </a:t>
+            </a:r>
+            <a:r>
+              <a:rPr lang="de-AT" baseline="0" dirty="0" err="1" smtClean="0"/>
+              <a:t>other</a:t>
+            </a:r>
+            <a:r>
+              <a:rPr lang="de-AT" baseline="0" dirty="0" smtClean="0"/>
+              <a:t> </a:t>
+            </a:r>
+            <a:r>
+              <a:rPr lang="de-AT" baseline="0" dirty="0" err="1" smtClean="0"/>
+              <a:t>two</a:t>
+            </a:r>
+            <a:endParaRPr lang="de-AT" dirty="0"/>
+          </a:p>
+        </p:txBody>
+      </p:sp>
+      <p:sp>
+        <p:nvSpPr>
+          <p:cNvPr id="4" name="Foliennummernplatzhalter 3"/>
+          <p:cNvSpPr>
+            <a:spLocks noGrp="1"/>
+          </p:cNvSpPr>
+          <p:nvPr>
+            <p:ph type="sldNum" sz="quarter" idx="10"/>
+          </p:nvPr>
+        </p:nvSpPr>
+        <p:spPr/>
+        <p:txBody>
+          <a:bodyPr/>
+          <a:lstStyle/>
+          <a:p>
+            <a:fld id="{07914D93-ABC8-448C-8296-85FD12164B61}" type="slidenum">
+              <a:rPr lang="de-DE" altLang="de-DE" smtClean="0"/>
+              <a:pPr/>
+              <a:t>19</a:t>
+            </a:fld>
+            <a:endParaRPr lang="de-DE" altLang="de-DE"/>
+          </a:p>
+        </p:txBody>
+      </p:sp>
+    </p:spTree>
+    <p:extLst>
+      <p:ext uri="{BB962C8B-B14F-4D97-AF65-F5344CB8AC3E}">
+        <p14:creationId xmlns:p14="http://schemas.microsoft.com/office/powerpoint/2010/main" val="1505492805"/>
+      </p:ext>
+    </p:extLst>
+  </p:cSld>
+  <p:clrMapOvr>
+    <a:masterClrMapping/>
+  </p:clrMapOvr>
+</p:notes>
+</file>
+
+<file path=ppt/notesSlides/notesSlide15.xml><?xml version="1.0" encoding="utf-8"?>
+<p:notes xmlns:a="http://schemas.openxmlformats.org/drawingml/2006/main" xmlns:r="http://schemas.openxmlformats.org/officeDocument/2006/relationships" xmlns:p="http://schemas.openxmlformats.org/presentationml/2006/main">
+  <p:cSld>
+    <p:spTree>
+      <p:nvGrpSpPr>
+        <p:cNvPr id="1" name=""/>
+        <p:cNvGrpSpPr/>
+        <p:nvPr/>
+      </p:nvGrpSpPr>
+      <p:grpSpPr>
+        <a:xfrm>
+          <a:off x="0" y="0"/>
+          <a:ext cx="0" cy="0"/>
+          <a:chOff x="0" y="0"/>
+          <a:chExt cx="0" cy="0"/>
+        </a:xfrm>
+      </p:grpSpPr>
+      <p:sp>
+        <p:nvSpPr>
+          <p:cNvPr id="2" name="Folienbildplatzhalter 1"/>
+          <p:cNvSpPr>
+            <a:spLocks noGrp="1" noRot="1" noChangeAspect="1"/>
+          </p:cNvSpPr>
+          <p:nvPr>
+            <p:ph type="sldImg"/>
+          </p:nvPr>
+        </p:nvSpPr>
+        <p:spPr/>
+      </p:sp>
+      <p:sp>
+        <p:nvSpPr>
+          <p:cNvPr id="3" name="Notizenplatzhalter 2"/>
+          <p:cNvSpPr>
+            <a:spLocks noGrp="1"/>
+          </p:cNvSpPr>
+          <p:nvPr>
+            <p:ph type="body" idx="1"/>
+          </p:nvPr>
+        </p:nvSpPr>
+        <p:spPr/>
+        <p:txBody>
+          <a:bodyPr/>
+          <a:lstStyle/>
+          <a:p>
+            <a:r>
+              <a:rPr lang="de-AT" dirty="0" smtClean="0"/>
+              <a:t>NO </a:t>
+            </a:r>
+            <a:r>
+              <a:rPr lang="de-AT" dirty="0" err="1" smtClean="0"/>
+              <a:t>characterisation</a:t>
+            </a:r>
+            <a:r>
+              <a:rPr lang="de-AT" dirty="0" smtClean="0"/>
+              <a:t> apart </a:t>
+            </a:r>
+            <a:r>
+              <a:rPr lang="de-AT" dirty="0" err="1" smtClean="0"/>
+              <a:t>from</a:t>
+            </a:r>
+            <a:r>
+              <a:rPr lang="de-AT" baseline="0" dirty="0" smtClean="0"/>
+              <a:t> </a:t>
+            </a:r>
+            <a:r>
+              <a:rPr lang="de-AT" dirty="0" err="1" smtClean="0"/>
+              <a:t>that</a:t>
+            </a:r>
+            <a:r>
+              <a:rPr lang="de-AT" dirty="0" smtClean="0"/>
+              <a:t> </a:t>
+            </a:r>
+            <a:r>
+              <a:rPr lang="de-AT" dirty="0" err="1" smtClean="0"/>
+              <a:t>possible</a:t>
+            </a:r>
+            <a:endParaRPr lang="de-AT" dirty="0"/>
+          </a:p>
+        </p:txBody>
+      </p:sp>
+      <p:sp>
+        <p:nvSpPr>
+          <p:cNvPr id="4" name="Foliennummernplatzhalter 3"/>
+          <p:cNvSpPr>
+            <a:spLocks noGrp="1"/>
+          </p:cNvSpPr>
+          <p:nvPr>
+            <p:ph type="sldNum" sz="quarter" idx="10"/>
+          </p:nvPr>
+        </p:nvSpPr>
+        <p:spPr/>
+        <p:txBody>
+          <a:bodyPr/>
+          <a:lstStyle/>
+          <a:p>
+            <a:fld id="{07914D93-ABC8-448C-8296-85FD12164B61}" type="slidenum">
+              <a:rPr lang="de-DE" altLang="de-DE" smtClean="0"/>
+              <a:pPr/>
+              <a:t>20</a:t>
+            </a:fld>
+            <a:endParaRPr lang="de-DE" altLang="de-DE"/>
+          </a:p>
+        </p:txBody>
+      </p:sp>
+    </p:spTree>
+    <p:extLst>
+      <p:ext uri="{BB962C8B-B14F-4D97-AF65-F5344CB8AC3E}">
+        <p14:creationId xmlns:p14="http://schemas.microsoft.com/office/powerpoint/2010/main" val="3575385805"/>
+      </p:ext>
+    </p:extLst>
+  </p:cSld>
+  <p:clrMapOvr>
+    <a:masterClrMapping/>
+  </p:clrMapOvr>
+</p:notes>
+</file>
+
 <file path=ppt/notesSlides/notesSlide2.xml><?xml version="1.0" encoding="utf-8"?>
 <p:notes xmlns:a="http://schemas.openxmlformats.org/drawingml/2006/main" xmlns:r="http://schemas.openxmlformats.org/officeDocument/2006/relationships" xmlns:p="http://schemas.openxmlformats.org/presentationml/2006/main">
   <p:cSld>
@@ -1334,6 +2715,159 @@
           <a:bodyPr/>
           <a:lstStyle/>
           <a:p>
+            <a:r>
+              <a:rPr lang="de-AT" dirty="0" smtClean="0"/>
+              <a:t>„Filter  out least </a:t>
+            </a:r>
+            <a:r>
+              <a:rPr lang="de-AT" dirty="0" err="1" smtClean="0"/>
+              <a:t>interesting</a:t>
+            </a:r>
+            <a:r>
+              <a:rPr lang="de-AT" dirty="0" smtClean="0"/>
+              <a:t> variables“  </a:t>
+            </a:r>
+          </a:p>
+          <a:p>
+            <a:endParaRPr lang="de-AT" dirty="0" smtClean="0"/>
+          </a:p>
+          <a:p>
+            <a:r>
+              <a:rPr lang="de-AT" dirty="0" err="1" smtClean="0"/>
+              <a:t>No</a:t>
+            </a:r>
+            <a:r>
+              <a:rPr lang="de-AT" dirty="0" smtClean="0"/>
+              <a:t> optimal </a:t>
+            </a:r>
+            <a:r>
+              <a:rPr lang="de-AT" dirty="0" err="1" smtClean="0"/>
+              <a:t>performance</a:t>
+            </a:r>
+            <a:r>
+              <a:rPr lang="de-AT" dirty="0" smtClean="0"/>
+              <a:t> </a:t>
+            </a:r>
+            <a:r>
+              <a:rPr lang="de-AT" dirty="0" err="1" smtClean="0"/>
+              <a:t>when</a:t>
+            </a:r>
+            <a:r>
+              <a:rPr lang="de-AT" dirty="0" smtClean="0"/>
+              <a:t> </a:t>
+            </a:r>
+            <a:r>
+              <a:rPr lang="de-AT" dirty="0" err="1" smtClean="0"/>
+              <a:t>doing</a:t>
+            </a:r>
+            <a:r>
+              <a:rPr lang="de-AT" dirty="0" smtClean="0"/>
+              <a:t> </a:t>
+            </a:r>
+            <a:r>
+              <a:rPr lang="de-AT" dirty="0" err="1" smtClean="0"/>
+              <a:t>the</a:t>
+            </a:r>
+            <a:r>
+              <a:rPr lang="de-AT" dirty="0" smtClean="0"/>
+              <a:t> </a:t>
+            </a:r>
+            <a:r>
+              <a:rPr lang="de-AT" dirty="0" err="1" smtClean="0"/>
+              <a:t>classification</a:t>
+            </a:r>
+            <a:r>
+              <a:rPr lang="de-AT" dirty="0" smtClean="0"/>
+              <a:t>, </a:t>
+            </a:r>
+            <a:r>
+              <a:rPr lang="de-AT" dirty="0" err="1" smtClean="0"/>
+              <a:t>eventually</a:t>
+            </a:r>
+            <a:r>
+              <a:rPr lang="de-AT" dirty="0" smtClean="0"/>
+              <a:t> </a:t>
+            </a:r>
+            <a:r>
+              <a:rPr lang="de-AT" dirty="0" err="1" smtClean="0"/>
+              <a:t>bias</a:t>
+            </a:r>
+            <a:r>
+              <a:rPr lang="de-AT" dirty="0" smtClean="0"/>
+              <a:t>/</a:t>
+            </a:r>
+            <a:r>
+              <a:rPr lang="de-AT" dirty="0" err="1" smtClean="0"/>
+              <a:t>properties</a:t>
+            </a:r>
+            <a:r>
+              <a:rPr lang="de-AT" dirty="0" smtClean="0"/>
+              <a:t> </a:t>
+            </a:r>
+            <a:r>
+              <a:rPr lang="de-AT" dirty="0" err="1" smtClean="0"/>
+              <a:t>of</a:t>
+            </a:r>
+            <a:r>
+              <a:rPr lang="de-AT" dirty="0" smtClean="0"/>
+              <a:t> </a:t>
+            </a:r>
+            <a:r>
+              <a:rPr lang="de-AT" dirty="0" err="1" smtClean="0"/>
+              <a:t>the</a:t>
+            </a:r>
+            <a:r>
+              <a:rPr lang="de-AT" dirty="0" smtClean="0"/>
+              <a:t> </a:t>
+            </a:r>
+            <a:r>
+              <a:rPr lang="de-AT" dirty="0" err="1" smtClean="0"/>
+              <a:t>classfier</a:t>
+            </a:r>
+            <a:r>
+              <a:rPr lang="de-AT" dirty="0" smtClean="0"/>
+              <a:t> </a:t>
+            </a:r>
+            <a:r>
+              <a:rPr lang="de-AT" dirty="0" err="1" smtClean="0"/>
+              <a:t>influence</a:t>
+            </a:r>
+            <a:r>
+              <a:rPr lang="de-AT" dirty="0" smtClean="0"/>
+              <a:t> </a:t>
+            </a:r>
+            <a:r>
+              <a:rPr lang="de-AT" dirty="0" err="1" smtClean="0"/>
+              <a:t>the</a:t>
+            </a:r>
+            <a:r>
+              <a:rPr lang="de-AT" dirty="0" smtClean="0"/>
+              <a:t> </a:t>
+            </a:r>
+            <a:r>
+              <a:rPr lang="de-AT" dirty="0" err="1" smtClean="0"/>
+              <a:t>result</a:t>
+            </a:r>
+            <a:r>
+              <a:rPr lang="de-AT" dirty="0" smtClean="0"/>
+              <a:t> in a </a:t>
+            </a:r>
+            <a:r>
+              <a:rPr lang="de-AT" dirty="0" err="1" smtClean="0"/>
+              <a:t>neg</a:t>
+            </a:r>
+            <a:r>
+              <a:rPr lang="de-AT" dirty="0" smtClean="0"/>
+              <a:t> </a:t>
+            </a:r>
+            <a:r>
+              <a:rPr lang="de-AT" dirty="0" err="1" smtClean="0"/>
+              <a:t>way</a:t>
+            </a:r>
+            <a:r>
+              <a:rPr lang="de-AT" dirty="0" smtClean="0"/>
+              <a:t> </a:t>
+            </a:r>
             <a:endParaRPr lang="de-AT" dirty="0"/>
           </a:p>
         </p:txBody>
@@ -1419,77 +2953,188 @@
           <a:bodyPr/>
           <a:lstStyle/>
           <a:p>
-            <a:r>
-              <a:rPr lang="de-AT" dirty="0" smtClean="0"/>
-              <a:t>Fit </a:t>
-            </a:r>
-            <a:r>
-              <a:rPr lang="de-AT" dirty="0" err="1" smtClean="0"/>
-              <a:t>classifier</a:t>
-            </a:r>
-            <a:r>
-              <a:rPr lang="de-AT" dirty="0" smtClean="0"/>
-              <a:t> </a:t>
-            </a:r>
-            <a:r>
-              <a:rPr lang="de-AT" dirty="0" err="1" smtClean="0"/>
-              <a:t>best</a:t>
-            </a:r>
-            <a:r>
-              <a:rPr lang="de-AT" dirty="0" smtClean="0"/>
-              <a:t> = </a:t>
-            </a:r>
-            <a:r>
-              <a:rPr lang="de-AT" dirty="0" err="1" smtClean="0"/>
-              <a:t>consider</a:t>
-            </a:r>
-            <a:r>
-              <a:rPr lang="de-AT" dirty="0" smtClean="0"/>
-              <a:t> </a:t>
-            </a:r>
-            <a:r>
-              <a:rPr lang="de-AT" dirty="0" err="1" smtClean="0"/>
-              <a:t>biases</a:t>
-            </a:r>
-            <a:r>
-              <a:rPr lang="de-AT" dirty="0" smtClean="0"/>
-              <a:t> </a:t>
-            </a:r>
-            <a:r>
-              <a:rPr lang="de-AT" dirty="0" err="1" smtClean="0"/>
-              <a:t>and</a:t>
-            </a:r>
-            <a:r>
-              <a:rPr lang="de-AT" dirty="0" smtClean="0"/>
-              <a:t> </a:t>
-            </a:r>
-            <a:r>
-              <a:rPr lang="de-AT" dirty="0" err="1" smtClean="0"/>
-              <a:t>heuristics</a:t>
-            </a:r>
-            <a:r>
-              <a:rPr lang="de-AT" dirty="0" smtClean="0"/>
-              <a:t> </a:t>
-            </a:r>
-            <a:r>
-              <a:rPr lang="de-AT" dirty="0" err="1" smtClean="0"/>
-              <a:t>of</a:t>
+            <a:pPr marL="857250" lvl="1" indent="-457200"/>
+            <a:r>
+              <a:rPr lang="de-AT" dirty="0" err="1" smtClean="0"/>
+              <a:t>Univariate</a:t>
+            </a:r>
+            <a:r>
+              <a:rPr lang="de-AT" dirty="0" smtClean="0"/>
+              <a:t>  </a:t>
             </a:r>
             <a:r>
               <a:rPr lang="de-AT" baseline="0" dirty="0" smtClean="0"/>
-              <a:t> a </a:t>
+              <a:t>  =  </a:t>
+            </a:r>
+            <a:r>
+              <a:rPr lang="de-AT" dirty="0" err="1" smtClean="0"/>
+              <a:t>each</a:t>
+            </a:r>
+            <a:r>
+              <a:rPr lang="de-AT" dirty="0" smtClean="0"/>
+              <a:t> </a:t>
+            </a:r>
+            <a:r>
+              <a:rPr lang="de-AT" dirty="0" err="1" smtClean="0"/>
+              <a:t>feature</a:t>
+            </a:r>
+            <a:r>
+              <a:rPr lang="de-AT" dirty="0" smtClean="0"/>
+              <a:t> </a:t>
+            </a:r>
+            <a:r>
+              <a:rPr lang="de-AT" dirty="0" err="1" smtClean="0"/>
+              <a:t>independent</a:t>
+            </a:r>
+            <a:r>
+              <a:rPr lang="de-AT" baseline="0" dirty="0" smtClean="0"/>
+              <a:t>  </a:t>
             </a:r>
             <a:r>
               <a:rPr lang="de-AT" baseline="0" dirty="0" err="1" smtClean="0"/>
-              <a:t>classifier</a:t>
+              <a:t>eg</a:t>
             </a:r>
             <a:r>
               <a:rPr lang="de-AT" baseline="0" dirty="0" smtClean="0"/>
-              <a:t> </a:t>
+              <a:t>.  </a:t>
             </a:r>
             <a:r>
               <a:rPr lang="de-AT" baseline="0" dirty="0" err="1" smtClean="0"/>
-              <a:t>optimally</a:t>
+              <a:t>Eucledean</a:t>
+            </a:r>
+            <a:r>
+              <a:rPr lang="de-AT" baseline="0" dirty="0" smtClean="0"/>
+              <a:t>  </a:t>
+            </a:r>
+            <a:r>
+              <a:rPr lang="de-AT" baseline="0" dirty="0" err="1" smtClean="0"/>
+              <a:t>disstance</a:t>
+            </a:r>
+            <a:endParaRPr lang="de-AT" dirty="0" smtClean="0"/>
+          </a:p>
+          <a:p>
+            <a:pPr marL="857250" lvl="1" indent="-457200"/>
+            <a:r>
+              <a:rPr lang="de-AT" dirty="0" smtClean="0"/>
+              <a:t>Multivariate  =</a:t>
+            </a:r>
+            <a:r>
+              <a:rPr lang="de-AT" baseline="0" dirty="0" smtClean="0"/>
+              <a:t>  </a:t>
+            </a:r>
+            <a:r>
+              <a:rPr lang="de-AT" dirty="0" err="1" smtClean="0"/>
+              <a:t>correlation</a:t>
+            </a:r>
+            <a:r>
+              <a:rPr lang="de-AT" dirty="0" smtClean="0"/>
+              <a:t> </a:t>
+            </a:r>
+            <a:r>
+              <a:rPr lang="de-AT" dirty="0" err="1" smtClean="0"/>
+              <a:t>between</a:t>
+            </a:r>
+            <a:r>
+              <a:rPr lang="de-AT" dirty="0" smtClean="0"/>
+              <a:t> </a:t>
+            </a:r>
+            <a:r>
+              <a:rPr lang="de-AT" dirty="0" err="1" smtClean="0"/>
+              <a:t>features</a:t>
+            </a:r>
+            <a:r>
+              <a:rPr lang="de-AT" dirty="0" smtClean="0"/>
+              <a:t>,</a:t>
+            </a:r>
+            <a:r>
+              <a:rPr lang="de-AT" baseline="0" dirty="0" smtClean="0"/>
+              <a:t> </a:t>
+            </a:r>
+            <a:r>
+              <a:rPr lang="de-AT" baseline="0" dirty="0" err="1" smtClean="0"/>
+              <a:t>can</a:t>
+            </a:r>
+            <a:r>
+              <a:rPr lang="de-AT" baseline="0" dirty="0" smtClean="0"/>
+              <a:t>  </a:t>
+            </a:r>
+            <a:r>
+              <a:rPr lang="de-AT" baseline="0" dirty="0" err="1" smtClean="0"/>
+              <a:t>remove</a:t>
+            </a:r>
+            <a:r>
+              <a:rPr lang="de-AT" baseline="0" dirty="0" smtClean="0"/>
+              <a:t>  redundant </a:t>
+            </a:r>
+            <a:r>
+              <a:rPr lang="de-AT" baseline="0" dirty="0" err="1" smtClean="0"/>
+              <a:t>features</a:t>
+            </a:r>
+            <a:r>
+              <a:rPr lang="de-AT" baseline="0" dirty="0" smtClean="0"/>
+              <a:t>  (</a:t>
+            </a:r>
+            <a:r>
+              <a:rPr lang="de-AT" baseline="0" dirty="0" err="1" smtClean="0"/>
+              <a:t>univariate</a:t>
+            </a:r>
+            <a:r>
+              <a:rPr lang="de-AT" baseline="0" dirty="0" smtClean="0"/>
+              <a:t> </a:t>
+            </a:r>
+            <a:r>
+              <a:rPr lang="de-AT" baseline="0" dirty="0" smtClean="0">
+                <a:sym typeface="Wingdings" panose="05000000000000000000" pitchFamily="2" charset="2"/>
+              </a:rPr>
+              <a:t>  </a:t>
+            </a:r>
+            <a:r>
+              <a:rPr lang="de-AT" baseline="0" dirty="0" err="1" smtClean="0"/>
+              <a:t>filter</a:t>
+            </a:r>
+            <a:r>
+              <a:rPr lang="de-AT" baseline="0" dirty="0" smtClean="0"/>
+              <a:t> </a:t>
+            </a:r>
+            <a:r>
+              <a:rPr lang="de-AT" baseline="0" dirty="0" err="1" smtClean="0"/>
+              <a:t>methods</a:t>
+            </a:r>
+            <a:r>
+              <a:rPr lang="de-AT" baseline="0" dirty="0" smtClean="0"/>
+              <a:t>  </a:t>
+            </a:r>
+            <a:r>
+              <a:rPr lang="de-AT" baseline="0" dirty="0" err="1" smtClean="0"/>
+              <a:t>tend</a:t>
+            </a:r>
+            <a:r>
+              <a:rPr lang="de-AT" baseline="0" dirty="0" smtClean="0"/>
+              <a:t>  </a:t>
+            </a:r>
+            <a:r>
+              <a:rPr lang="de-AT" baseline="0" dirty="0" err="1" smtClean="0"/>
+              <a:t>to</a:t>
+            </a:r>
+            <a:r>
+              <a:rPr lang="de-AT" baseline="0" dirty="0" smtClean="0"/>
+              <a:t> </a:t>
+            </a:r>
+            <a:r>
+              <a:rPr lang="de-AT" baseline="0" dirty="0" err="1" smtClean="0"/>
+              <a:t>have</a:t>
+            </a:r>
+            <a:r>
+              <a:rPr lang="de-AT" baseline="0" dirty="0" smtClean="0"/>
+              <a:t> redundant </a:t>
+            </a:r>
+            <a:r>
+              <a:rPr lang="de-AT" baseline="0" dirty="0" err="1" smtClean="0"/>
+              <a:t>features</a:t>
+            </a:r>
+            <a:r>
+              <a:rPr lang="de-AT" baseline="0" dirty="0" smtClean="0"/>
+              <a:t>)</a:t>
             </a:r>
             <a:endParaRPr lang="de-AT" dirty="0"/>
           </a:p>
@@ -1513,7 +3158,7 @@
             <a:fld id="{07914D93-ABC8-448C-8296-85FD12164B61}" type="slidenum">
               <a:rPr lang="de-DE" altLang="de-DE" smtClean="0"/>
               <a:pPr/>
-              <a:t>13</a:t>
+              <a:t>11</a:t>
             </a:fld>
             <a:endParaRPr lang="de-DE" altLang="de-DE"/>
           </a:p>
@@ -1522,7 +3167,7 @@
     </p:spTree>
     <p:extLst>
       <p:ext uri="{BB962C8B-B14F-4D97-AF65-F5344CB8AC3E}">
-        <p14:creationId xmlns:p14="http://schemas.microsoft.com/office/powerpoint/2010/main" val="2492573933"/>
+        <p14:creationId xmlns:p14="http://schemas.microsoft.com/office/powerpoint/2010/main" val="235510060"/>
       </p:ext>
     </p:extLst>
   </p:cSld>
@@ -1577,71 +3222,88 @@
           <a:lstStyle/>
           <a:p>
             <a:r>
-              <a:rPr lang="de-AT" dirty="0" smtClean="0"/>
-              <a:t>Search: different </a:t>
-            </a:r>
-            <a:r>
-              <a:rPr lang="de-AT" dirty="0" err="1" smtClean="0"/>
-              <a:t>algorithms</a:t>
-            </a:r>
-            <a:r>
-              <a:rPr lang="de-AT" dirty="0" smtClean="0"/>
-              <a:t> </a:t>
-            </a:r>
-            <a:r>
-              <a:rPr lang="de-AT" dirty="0" err="1" smtClean="0"/>
-              <a:t>possible</a:t>
-            </a:r>
-            <a:endParaRPr lang="de-AT" dirty="0" smtClean="0"/>
-          </a:p>
-          <a:p>
-            <a:r>
-              <a:rPr lang="de-AT" dirty="0" smtClean="0"/>
-              <a:t>Evaluation/</a:t>
-            </a:r>
-            <a:r>
-              <a:rPr lang="de-AT" dirty="0" err="1" smtClean="0"/>
-              <a:t>Estimation</a:t>
-            </a:r>
-            <a:r>
-              <a:rPr lang="de-AT" dirty="0" smtClean="0"/>
-              <a:t>: Test</a:t>
+              <a:rPr lang="de-AT" dirty="0" err="1" smtClean="0"/>
+              <a:t>Relevance</a:t>
+            </a:r>
+            <a:r>
+              <a:rPr lang="de-AT" dirty="0" smtClean="0"/>
+              <a:t>:  </a:t>
+            </a:r>
+            <a:r>
+              <a:rPr lang="de-AT" dirty="0" err="1" smtClean="0"/>
+              <a:t>Eucledian</a:t>
+            </a:r>
+            <a:r>
+              <a:rPr lang="de-AT" dirty="0" smtClean="0"/>
+              <a:t> </a:t>
+            </a:r>
+            <a:r>
+              <a:rPr lang="de-AT" dirty="0" err="1" smtClean="0"/>
+              <a:t>distance</a:t>
+            </a:r>
+            <a:r>
+              <a:rPr lang="de-AT" dirty="0" smtClean="0"/>
+              <a:t>  </a:t>
+            </a:r>
+            <a:r>
+              <a:rPr lang="de-AT" dirty="0" err="1" smtClean="0"/>
+              <a:t>between</a:t>
+            </a:r>
+            <a:r>
+              <a:rPr lang="de-AT" dirty="0" smtClean="0"/>
+              <a:t> </a:t>
+            </a:r>
+            <a:r>
+              <a:rPr lang="de-AT" dirty="0" err="1" smtClean="0"/>
+              <a:t>near</a:t>
+            </a:r>
+            <a:r>
+              <a:rPr lang="de-AT" dirty="0" smtClean="0"/>
+              <a:t> </a:t>
+            </a:r>
+            <a:r>
+              <a:rPr lang="de-AT" dirty="0" err="1" smtClean="0"/>
+              <a:t>hit</a:t>
+            </a:r>
+            <a:r>
+              <a:rPr lang="de-AT" dirty="0" smtClean="0"/>
+              <a:t> </a:t>
+            </a:r>
+            <a:r>
+              <a:rPr lang="de-AT" dirty="0" err="1" smtClean="0"/>
+              <a:t>and</a:t>
+            </a:r>
+            <a:r>
+              <a:rPr lang="de-AT" dirty="0" smtClean="0"/>
+              <a:t> </a:t>
+            </a:r>
+            <a:r>
+              <a:rPr lang="de-AT" dirty="0" err="1" smtClean="0"/>
+              <a:t>near</a:t>
+            </a:r>
+            <a:r>
+              <a:rPr lang="de-AT" dirty="0" smtClean="0"/>
+              <a:t> miss</a:t>
             </a:r>
             <a:r>
               <a:rPr lang="de-AT" baseline="0" dirty="0" smtClean="0"/>
-              <a:t> </a:t>
+              <a:t>  (</a:t>
             </a:r>
             <a:r>
               <a:rPr lang="de-AT" baseline="0" dirty="0" err="1" smtClean="0"/>
-              <a:t>set</a:t>
+              <a:t>closesst</a:t>
             </a:r>
             <a:r>
               <a:rPr lang="de-AT" baseline="0" dirty="0" smtClean="0"/>
-              <a:t>, </a:t>
+              <a:t> </a:t>
             </a:r>
             <a:r>
               <a:rPr lang="de-AT" baseline="0" dirty="0" err="1" smtClean="0"/>
-              <a:t>cross</a:t>
+              <a:t>instances</a:t>
             </a:r>
             <a:r>
               <a:rPr lang="de-AT" baseline="0" dirty="0" smtClean="0"/>
-              <a:t> </a:t>
-            </a:r>
-            <a:r>
-              <a:rPr lang="de-AT" baseline="0" dirty="0" err="1" smtClean="0"/>
-              <a:t>validation</a:t>
-            </a:r>
-            <a:r>
-              <a:rPr lang="de-AT" baseline="0" dirty="0" smtClean="0"/>
-              <a:t> – </a:t>
-            </a:r>
-            <a:r>
-              <a:rPr lang="de-AT" baseline="0" dirty="0" err="1" smtClean="0"/>
-              <a:t>uses</a:t>
-            </a:r>
-            <a:r>
-              <a:rPr lang="de-AT" baseline="0" dirty="0" smtClean="0"/>
-              <a:t> </a:t>
+              <a:t> in  </a:t>
             </a:r>
             <a:r>
               <a:rPr lang="de-AT" baseline="0" dirty="0" err="1" smtClean="0"/>
@@ -1653,81 +3315,39 @@
             </a:r>
             <a:r>
               <a:rPr lang="de-AT" baseline="0" dirty="0" err="1" smtClean="0"/>
-              <a:t>classifier</a:t>
-            </a:r>
-            <a:endParaRPr lang="de-AT" baseline="0" dirty="0" smtClean="0"/>
-          </a:p>
-          <a:p>
-            <a:pPr marL="0" indent="0">
-              <a:buFont typeface="+mj-lt"/>
-              <a:buNone/>
-            </a:pPr>
-            <a:endParaRPr lang="de-AT" baseline="0" dirty="0" smtClean="0"/>
-          </a:p>
-          <a:p>
-            <a:pPr marL="0" indent="0">
-              <a:buFont typeface="+mj-lt"/>
-              <a:buNone/>
-            </a:pPr>
+              <a:t>neighborhood</a:t>
+            </a:r>
+            <a:r>
+              <a:rPr lang="de-AT" baseline="0" dirty="0" smtClean="0"/>
+              <a:t> </a:t>
+            </a:r>
             <a:r>
               <a:rPr lang="de-AT" baseline="0" dirty="0" err="1" smtClean="0"/>
-              <a:t>Finally</a:t>
+              <a:t>of</a:t>
             </a:r>
             <a:r>
               <a:rPr lang="de-AT" baseline="0" dirty="0" smtClean="0"/>
-              <a:t>: </a:t>
-            </a:r>
-            <a:r>
-              <a:rPr lang="de-AT" dirty="0" err="1" smtClean="0"/>
-              <a:t>Use</a:t>
-            </a:r>
-            <a:r>
-              <a:rPr lang="de-AT" dirty="0" smtClean="0"/>
-              <a:t> </a:t>
-            </a:r>
-            <a:r>
-              <a:rPr lang="de-AT" dirty="0" err="1" smtClean="0"/>
-              <a:t>subset</a:t>
-            </a:r>
-            <a:r>
-              <a:rPr lang="de-AT" dirty="0" smtClean="0"/>
-              <a:t> </a:t>
-            </a:r>
-            <a:r>
-              <a:rPr lang="de-AT" dirty="0" err="1" smtClean="0"/>
-              <a:t>with</a:t>
-            </a:r>
-            <a:r>
-              <a:rPr lang="de-AT" dirty="0" smtClean="0"/>
-              <a:t> </a:t>
-            </a:r>
-            <a:r>
-              <a:rPr lang="de-AT" dirty="0" err="1" smtClean="0"/>
-              <a:t>best</a:t>
-            </a:r>
-            <a:r>
-              <a:rPr lang="de-AT" dirty="0" smtClean="0"/>
-              <a:t> </a:t>
-            </a:r>
-            <a:r>
-              <a:rPr lang="de-AT" dirty="0" err="1" smtClean="0"/>
-              <a:t>performance</a:t>
+              <a:t>  X </a:t>
+            </a:r>
+            <a:r>
+              <a:rPr lang="de-AT" baseline="0" dirty="0" err="1" smtClean="0"/>
+              <a:t>from</a:t>
             </a:r>
             <a:r>
               <a:rPr lang="de-AT" baseline="0" dirty="0" smtClean="0"/>
-              <a:t> </a:t>
+              <a:t>  </a:t>
             </a:r>
             <a:r>
               <a:rPr lang="de-AT" baseline="0" dirty="0" err="1" smtClean="0"/>
-              <a:t>to</a:t>
+              <a:t>the</a:t>
             </a:r>
             <a:r>
               <a:rPr lang="de-AT" baseline="0" dirty="0" smtClean="0"/>
-              <a:t> </a:t>
+              <a:t> same </a:t>
             </a:r>
             <a:r>
               <a:rPr lang="de-AT" baseline="0" dirty="0" err="1" smtClean="0"/>
-              <a:t>train</a:t>
+              <a:t>and</a:t>
             </a:r>
             <a:r>
               <a:rPr lang="de-AT" baseline="0" dirty="0" smtClean="0"/>
@@ -1735,7 +3355,95 @@
             </a:r>
             <a:r>
               <a:rPr lang="de-AT" baseline="0" dirty="0" err="1" smtClean="0"/>
-              <a:t>classifier</a:t>
+              <a:t>the</a:t>
+            </a:r>
+            <a:r>
+              <a:rPr lang="de-AT" baseline="0" dirty="0" smtClean="0"/>
+              <a:t> </a:t>
+            </a:r>
+            <a:r>
+              <a:rPr lang="de-AT" baseline="0" dirty="0" err="1" smtClean="0"/>
+              <a:t>other</a:t>
+            </a:r>
+            <a:r>
+              <a:rPr lang="de-AT" baseline="0" dirty="0" smtClean="0"/>
+              <a:t> </a:t>
+            </a:r>
+            <a:r>
+              <a:rPr lang="de-AT" baseline="0" dirty="0" err="1" smtClean="0"/>
+              <a:t>class</a:t>
+            </a:r>
+            <a:r>
+              <a:rPr lang="de-AT" baseline="0" dirty="0" smtClean="0"/>
+              <a:t>) – </a:t>
+            </a:r>
+            <a:r>
+              <a:rPr lang="de-AT" baseline="0" dirty="0" err="1" smtClean="0"/>
+              <a:t>if</a:t>
+            </a:r>
+            <a:r>
+              <a:rPr lang="de-AT" baseline="0" dirty="0" smtClean="0"/>
+              <a:t> </a:t>
+            </a:r>
+            <a:r>
+              <a:rPr lang="de-AT" baseline="0" dirty="0" err="1" smtClean="0"/>
+              <a:t>value</a:t>
+            </a:r>
+            <a:r>
+              <a:rPr lang="de-AT" baseline="0" dirty="0" smtClean="0"/>
+              <a:t> </a:t>
+            </a:r>
+            <a:r>
+              <a:rPr lang="de-AT" baseline="0" dirty="0" err="1" smtClean="0"/>
+              <a:t>for</a:t>
+            </a:r>
+            <a:r>
+              <a:rPr lang="de-AT" baseline="0" dirty="0" smtClean="0"/>
+              <a:t> same </a:t>
+            </a:r>
+            <a:r>
+              <a:rPr lang="de-AT" baseline="0" dirty="0" err="1" smtClean="0"/>
+              <a:t>class</a:t>
+            </a:r>
+            <a:r>
+              <a:rPr lang="de-AT" baseline="0" dirty="0" smtClean="0"/>
+              <a:t> </a:t>
+            </a:r>
+            <a:r>
+              <a:rPr lang="de-AT" baseline="0" dirty="0" err="1" smtClean="0"/>
+              <a:t>is</a:t>
+            </a:r>
+            <a:r>
+              <a:rPr lang="de-AT" baseline="0" dirty="0" smtClean="0"/>
+              <a:t> high, </a:t>
+            </a:r>
+            <a:r>
+              <a:rPr lang="de-AT" baseline="0" dirty="0" err="1" smtClean="0"/>
+              <a:t>the</a:t>
+            </a:r>
+            <a:r>
+              <a:rPr lang="de-AT" baseline="0" dirty="0" smtClean="0"/>
+              <a:t>  </a:t>
+            </a:r>
+            <a:r>
+              <a:rPr lang="de-AT" baseline="0" dirty="0" err="1" smtClean="0"/>
+              <a:t>weight</a:t>
+            </a:r>
+            <a:r>
+              <a:rPr lang="de-AT" baseline="0" dirty="0" smtClean="0"/>
+              <a:t> </a:t>
+            </a:r>
+            <a:r>
+              <a:rPr lang="de-AT" baseline="0" dirty="0" err="1" smtClean="0"/>
+              <a:t>gets</a:t>
+            </a:r>
+            <a:r>
+              <a:rPr lang="de-AT" baseline="0" dirty="0" smtClean="0"/>
+              <a:t> a positive  </a:t>
+            </a:r>
+            <a:r>
+              <a:rPr lang="de-AT" baseline="0" dirty="0" err="1" smtClean="0"/>
+              <a:t>value</a:t>
             </a:r>
             <a:r>
               <a:rPr lang="de-AT" baseline="0" dirty="0" smtClean="0"/>
@@ -1743,23 +3451,38 @@
             </a:r>
             <a:r>
               <a:rPr lang="de-AT" baseline="0" dirty="0" err="1" smtClean="0"/>
-              <a:t>and</a:t>
+              <a:t>else</a:t>
             </a:r>
             <a:r>
               <a:rPr lang="de-AT" baseline="0" dirty="0" smtClean="0"/>
-              <a:t>   </a:t>
+              <a:t> a negative </a:t>
             </a:r>
             <a:r>
               <a:rPr lang="de-AT" baseline="0" dirty="0" err="1" smtClean="0"/>
-              <a:t>use</a:t>
+              <a:t>value</a:t>
             </a:r>
             <a:r>
               <a:rPr lang="de-AT" baseline="0" dirty="0" smtClean="0"/>
-              <a:t> </a:t>
+              <a:t>.</a:t>
+            </a:r>
+            <a:br>
+              <a:rPr lang="de-AT" baseline="0" dirty="0" smtClean="0"/>
+            </a:br>
+            <a:r>
+              <a:rPr lang="de-AT" baseline="0" dirty="0" smtClean="0"/>
+              <a:t>Update  </a:t>
             </a:r>
             <a:r>
               <a:rPr lang="de-AT" baseline="0" dirty="0" err="1" smtClean="0"/>
-              <a:t>it</a:t>
+              <a:t>weights</a:t>
+            </a:r>
+            <a:r>
+              <a:rPr lang="de-AT" baseline="0" dirty="0" smtClean="0"/>
+              <a:t>:  </a:t>
+            </a:r>
+            <a:r>
+              <a:rPr lang="de-AT" baseline="0" dirty="0" err="1" smtClean="0"/>
+              <a:t>bigger</a:t>
             </a:r>
             <a:r>
               <a:rPr lang="de-AT" baseline="0" dirty="0" smtClean="0"/>
@@ -1767,7 +3490,7 @@
             </a:r>
             <a:r>
               <a:rPr lang="de-AT" baseline="0" dirty="0" err="1" smtClean="0"/>
-              <a:t>for</a:t>
+              <a:t>weights</a:t>
             </a:r>
             <a:r>
               <a:rPr lang="de-AT" baseline="0" dirty="0" smtClean="0"/>
@@ -1775,39 +3498,25 @@
             </a:r>
             <a:r>
               <a:rPr lang="de-AT" baseline="0" dirty="0" err="1" smtClean="0"/>
-              <a:t>actual</a:t>
+              <a:t>if</a:t>
             </a:r>
             <a:r>
               <a:rPr lang="de-AT" baseline="0" dirty="0" smtClean="0"/>
-              <a:t> </a:t>
-            </a:r>
-            <a:r>
-              <a:rPr lang="de-AT" dirty="0" err="1" smtClean="0"/>
-              <a:t>classification</a:t>
-            </a:r>
-            <a:r>
-              <a:rPr lang="de-AT" dirty="0" smtClean="0"/>
-              <a:t> </a:t>
-            </a:r>
-            <a:r>
-              <a:rPr lang="de-AT" dirty="0" err="1" smtClean="0"/>
-              <a:t>task</a:t>
-            </a:r>
-            <a:r>
-              <a:rPr lang="de-AT" dirty="0" smtClean="0"/>
-              <a:t> (</a:t>
-            </a:r>
-            <a:r>
-              <a:rPr lang="de-AT" dirty="0" err="1" smtClean="0"/>
-              <a:t>normally</a:t>
-            </a:r>
-            <a:r>
-              <a:rPr lang="de-AT" dirty="0" smtClean="0"/>
-              <a:t> after </a:t>
-            </a:r>
-            <a:r>
-              <a:rPr lang="de-AT" dirty="0" err="1" smtClean="0"/>
-              <a:t>testing</a:t>
+              <a:t>  relevant </a:t>
+            </a:r>
+            <a:r>
+              <a:rPr lang="de-AT" baseline="0" dirty="0" err="1" smtClean="0"/>
+              <a:t>feature</a:t>
+            </a:r>
+            <a:endParaRPr lang="de-AT" baseline="0" dirty="0" smtClean="0"/>
+          </a:p>
+          <a:p>
+            <a:endParaRPr lang="de-AT" baseline="0" dirty="0" smtClean="0"/>
+          </a:p>
+          <a:p>
+            <a:r>
+              <a:rPr lang="de-AT" baseline="0" dirty="0" err="1" smtClean="0"/>
+              <a:t>We</a:t>
             </a:r>
             <a:r>
               <a:rPr lang="de-AT" baseline="0" dirty="0" smtClean="0"/>
@@ -1815,55 +3524,48 @@
             </a:r>
             <a:r>
               <a:rPr lang="de-AT" baseline="0" dirty="0" err="1" smtClean="0"/>
-              <a:t>with</a:t>
+              <a:t>see</a:t>
             </a:r>
             <a:r>
               <a:rPr lang="de-AT" baseline="0" dirty="0" smtClean="0"/>
               <a:t> </a:t>
             </a:r>
             <a:r>
-              <a:rPr lang="de-AT" baseline="0" dirty="0" err="1" smtClean="0"/>
-              <a:t>testset</a:t>
-            </a:r>
-            <a:r>
-              <a:rPr lang="de-AT" baseline="0" dirty="0" smtClean="0"/>
-              <a:t> </a:t>
-            </a:r>
-            <a:r>
-              <a:rPr lang="de-AT" baseline="0" dirty="0" err="1" smtClean="0"/>
-              <a:t>independent</a:t>
-            </a:r>
-            <a:r>
-              <a:rPr lang="de-AT" baseline="0" dirty="0" smtClean="0"/>
-              <a:t> </a:t>
-            </a:r>
-            <a:r>
-              <a:rPr lang="de-AT" baseline="0" dirty="0" err="1" smtClean="0"/>
-              <a:t>from</a:t>
-            </a:r>
-            <a:r>
-              <a:rPr lang="de-AT" baseline="0" dirty="0" smtClean="0"/>
-              <a:t> </a:t>
-            </a:r>
-            <a:r>
-              <a:rPr lang="de-AT" baseline="0" dirty="0" err="1" smtClean="0"/>
-              <a:t>training</a:t>
-            </a:r>
-            <a:r>
-              <a:rPr lang="de-AT" baseline="0" dirty="0" smtClean="0"/>
-              <a:t> </a:t>
-            </a:r>
-            <a:r>
-              <a:rPr lang="de-AT" baseline="0" dirty="0" err="1" smtClean="0"/>
-              <a:t>set</a:t>
-            </a:r>
-            <a:r>
-              <a:rPr lang="de-AT" baseline="0" dirty="0" smtClean="0"/>
-              <a:t>)</a:t>
-            </a:r>
-            <a:endParaRPr lang="de-AT" dirty="0" smtClean="0"/>
-          </a:p>
-          <a:p>
+              <a:rPr lang="de-AT" baseline="0" dirty="0" smtClean="0">
+                <a:sym typeface="Wingdings" panose="05000000000000000000" pitchFamily="2" charset="2"/>
+              </a:rPr>
+              <a:t>  </a:t>
+            </a:r>
+            <a:r>
+              <a:rPr lang="de-AT" baseline="0" dirty="0" err="1" smtClean="0">
+                <a:sym typeface="Wingdings" panose="05000000000000000000" pitchFamily="2" charset="2"/>
+              </a:rPr>
+              <a:t>no</a:t>
+            </a:r>
+            <a:r>
+              <a:rPr lang="de-AT" baseline="0" dirty="0" smtClean="0">
+                <a:sym typeface="Wingdings" panose="05000000000000000000" pitchFamily="2" charset="2"/>
+              </a:rPr>
+              <a:t> </a:t>
+            </a:r>
+            <a:r>
+              <a:rPr lang="de-AT" baseline="0" dirty="0" err="1" smtClean="0">
+                <a:sym typeface="Wingdings" panose="05000000000000000000" pitchFamily="2" charset="2"/>
+              </a:rPr>
+              <a:t>classifier</a:t>
+            </a:r>
+            <a:r>
+              <a:rPr lang="de-AT" baseline="0" dirty="0" smtClean="0">
+                <a:sym typeface="Wingdings" panose="05000000000000000000" pitchFamily="2" charset="2"/>
+              </a:rPr>
+              <a:t> </a:t>
+            </a:r>
+            <a:r>
+              <a:rPr lang="de-AT" baseline="0" dirty="0" err="1" smtClean="0">
+                <a:sym typeface="Wingdings" panose="05000000000000000000" pitchFamily="2" charset="2"/>
+              </a:rPr>
+              <a:t>used</a:t>
+            </a:r>
             <a:endParaRPr lang="de-AT" dirty="0"/>
           </a:p>
         </p:txBody>
@@ -1886,7 +3588,7 @@
             <a:fld id="{07914D93-ABC8-448C-8296-85FD12164B61}" type="slidenum">
               <a:rPr lang="de-DE" altLang="de-DE" smtClean="0"/>
               <a:pPr/>
-              <a:t>14</a:t>
+              <a:t>12</a:t>
             </a:fld>
             <a:endParaRPr lang="de-DE" altLang="de-DE"/>
           </a:p>
@@ -1895,7 +3597,7 @@
     </p:spTree>
     <p:extLst>
       <p:ext uri="{BB962C8B-B14F-4D97-AF65-F5344CB8AC3E}">
-        <p14:creationId xmlns:p14="http://schemas.microsoft.com/office/powerpoint/2010/main" val="2073029618"/>
+        <p14:creationId xmlns:p14="http://schemas.microsoft.com/office/powerpoint/2010/main" val="1744673521"/>
       </p:ext>
     </p:extLst>
   </p:cSld>
@@ -1951,292 +3653,76 @@
           <a:p>
             <a:r>
               <a:rPr lang="de-AT" dirty="0" smtClean="0"/>
-              <a:t>Search: different </a:t>
-            </a:r>
-            <a:r>
-              <a:rPr lang="de-AT" dirty="0" err="1" smtClean="0"/>
-              <a:t>algorithms</a:t>
-            </a:r>
-            <a:r>
-              <a:rPr lang="de-AT" dirty="0" smtClean="0"/>
-              <a:t> </a:t>
-            </a:r>
-            <a:r>
-              <a:rPr lang="de-AT" dirty="0" err="1" smtClean="0"/>
-              <a:t>possible</a:t>
-            </a:r>
-            <a:endParaRPr lang="de-AT" dirty="0" smtClean="0"/>
-          </a:p>
-          <a:p>
-            <a:r>
-              <a:rPr lang="de-AT" dirty="0" smtClean="0"/>
-              <a:t>Evaluation/</a:t>
-            </a:r>
-            <a:r>
-              <a:rPr lang="de-AT" dirty="0" err="1" smtClean="0"/>
-              <a:t>Estimation</a:t>
-            </a:r>
-            <a:r>
-              <a:rPr lang="de-AT" dirty="0" smtClean="0"/>
-              <a:t>: Test</a:t>
+              <a:t>Fit </a:t>
+            </a:r>
+            <a:r>
+              <a:rPr lang="de-AT" dirty="0" err="1" smtClean="0"/>
+              <a:t>classifier</a:t>
+            </a:r>
+            <a:r>
+              <a:rPr lang="de-AT" dirty="0" smtClean="0"/>
+              <a:t> </a:t>
+            </a:r>
+            <a:r>
+              <a:rPr lang="de-AT" dirty="0" err="1" smtClean="0"/>
+              <a:t>best</a:t>
+            </a:r>
+            <a:r>
+              <a:rPr lang="de-AT" dirty="0" smtClean="0"/>
+              <a:t> = </a:t>
+            </a:r>
+            <a:r>
+              <a:rPr lang="de-AT" dirty="0" err="1" smtClean="0"/>
+              <a:t>consider</a:t>
+            </a:r>
+            <a:r>
+              <a:rPr lang="de-AT" dirty="0" smtClean="0"/>
+              <a:t> </a:t>
+            </a:r>
+            <a:r>
+              <a:rPr lang="de-AT" dirty="0" err="1" smtClean="0"/>
+              <a:t>biases</a:t>
+            </a:r>
+            <a:r>
+              <a:rPr lang="de-AT" dirty="0" smtClean="0"/>
+              <a:t> </a:t>
+            </a:r>
+            <a:r>
+              <a:rPr lang="de-AT" dirty="0" err="1" smtClean="0"/>
+              <a:t>and</a:t>
+            </a:r>
+            <a:r>
+              <a:rPr lang="de-AT" dirty="0" smtClean="0"/>
+              <a:t> </a:t>
+            </a:r>
+            <a:r>
+              <a:rPr lang="de-AT" dirty="0" err="1" smtClean="0"/>
+              <a:t>heuristics</a:t>
+            </a:r>
+            <a:r>
+              <a:rPr lang="de-AT" dirty="0" smtClean="0"/>
+              <a:t> </a:t>
+            </a:r>
+            <a:r>
+              <a:rPr lang="de-AT" dirty="0" err="1" smtClean="0"/>
+              <a:t>of</a:t>
             </a:r>
             <a:r>
               <a:rPr lang="de-AT" baseline="0" dirty="0" smtClean="0"/>
-              <a:t> </a:t>
-            </a:r>
-            <a:r>
-              <a:rPr lang="de-AT" baseline="0" dirty="0" err="1" smtClean="0"/>
-              <a:t>set</a:t>
-            </a:r>
-            <a:r>
-              <a:rPr lang="de-AT" baseline="0" dirty="0" smtClean="0"/>
-              <a:t>, </a:t>
-            </a:r>
-            <a:r>
-              <a:rPr lang="de-AT" baseline="0" dirty="0" err="1" smtClean="0"/>
-              <a:t>cross</a:t>
-            </a:r>
-            <a:r>
-              <a:rPr lang="de-AT" baseline="0" dirty="0" smtClean="0"/>
-              <a:t> </a:t>
-            </a:r>
-            <a:r>
-              <a:rPr lang="de-AT" baseline="0" dirty="0" err="1" smtClean="0"/>
-              <a:t>validation</a:t>
-            </a:r>
-            <a:r>
-              <a:rPr lang="de-AT" baseline="0" dirty="0" smtClean="0"/>
-              <a:t> – </a:t>
-            </a:r>
-            <a:r>
-              <a:rPr lang="de-AT" baseline="0" dirty="0" err="1" smtClean="0"/>
-              <a:t>uses</a:t>
-            </a:r>
-            <a:r>
-              <a:rPr lang="de-AT" baseline="0" dirty="0" smtClean="0"/>
-              <a:t> </a:t>
-            </a:r>
-            <a:r>
-              <a:rPr lang="de-AT" baseline="0" dirty="0" err="1" smtClean="0"/>
-              <a:t>the</a:t>
-            </a:r>
-            <a:r>
-              <a:rPr lang="de-AT" baseline="0" dirty="0" smtClean="0"/>
-              <a:t> </a:t>
+              <a:t> a </a:t>
             </a:r>
             <a:r>
               <a:rPr lang="de-AT" baseline="0" dirty="0" err="1" smtClean="0"/>
               <a:t>classifier</a:t>
             </a:r>
-            <a:endParaRPr lang="de-AT" baseline="0" dirty="0" smtClean="0"/>
-          </a:p>
-          <a:p>
-            <a:pPr marL="0" indent="0">
-              <a:buFont typeface="+mj-lt"/>
-              <a:buNone/>
-            </a:pPr>
-            <a:endParaRPr lang="de-AT" baseline="0" dirty="0" smtClean="0"/>
-          </a:p>
-          <a:p>
-            <a:pPr marL="0" indent="0">
-              <a:buFont typeface="+mj-lt"/>
-              <a:buNone/>
-            </a:pPr>
+            <a:r>
+              <a:rPr lang="de-AT" baseline="0" dirty="0" smtClean="0"/>
+              <a:t> </a:t>
+            </a:r>
             <a:r>
               <a:rPr lang="de-AT" baseline="0" dirty="0" err="1" smtClean="0"/>
-              <a:t>Finally</a:t>
-            </a:r>
-            <a:r>
-              <a:rPr lang="de-AT" baseline="0" dirty="0" smtClean="0"/>
-              <a:t>: </a:t>
-            </a:r>
-            <a:r>
-              <a:rPr lang="de-AT" dirty="0" err="1" smtClean="0"/>
-              <a:t>Use</a:t>
-            </a:r>
-            <a:r>
-              <a:rPr lang="de-AT" dirty="0" smtClean="0"/>
-              <a:t> </a:t>
-            </a:r>
-            <a:r>
-              <a:rPr lang="de-AT" dirty="0" err="1" smtClean="0"/>
-              <a:t>subset</a:t>
-            </a:r>
-            <a:r>
-              <a:rPr lang="de-AT" dirty="0" smtClean="0"/>
-              <a:t> </a:t>
-            </a:r>
-            <a:r>
-              <a:rPr lang="de-AT" dirty="0" err="1" smtClean="0"/>
-              <a:t>with</a:t>
-            </a:r>
-            <a:r>
-              <a:rPr lang="de-AT" dirty="0" smtClean="0"/>
-              <a:t> </a:t>
-            </a:r>
-            <a:r>
-              <a:rPr lang="de-AT" dirty="0" err="1" smtClean="0"/>
-              <a:t>best</a:t>
-            </a:r>
-            <a:r>
-              <a:rPr lang="de-AT" dirty="0" smtClean="0"/>
-              <a:t> </a:t>
-            </a:r>
-            <a:r>
-              <a:rPr lang="de-AT" dirty="0" err="1" smtClean="0"/>
-              <a:t>performance</a:t>
-            </a:r>
-            <a:r>
-              <a:rPr lang="de-AT" baseline="0" dirty="0" smtClean="0"/>
-              <a:t> </a:t>
-            </a:r>
-            <a:r>
-              <a:rPr lang="de-AT" baseline="0" dirty="0" err="1" smtClean="0"/>
-              <a:t>to</a:t>
-            </a:r>
-            <a:r>
-              <a:rPr lang="de-AT" baseline="0" dirty="0" smtClean="0"/>
-              <a:t> </a:t>
-            </a:r>
-            <a:r>
-              <a:rPr lang="de-AT" baseline="0" dirty="0" err="1" smtClean="0"/>
-              <a:t>train</a:t>
-            </a:r>
-            <a:r>
-              <a:rPr lang="de-AT" baseline="0" dirty="0" smtClean="0"/>
-              <a:t> </a:t>
-            </a:r>
-            <a:r>
-              <a:rPr lang="de-AT" baseline="0" dirty="0" err="1" smtClean="0"/>
-              <a:t>classifier</a:t>
-            </a:r>
-            <a:r>
-              <a:rPr lang="de-AT" baseline="0" dirty="0" smtClean="0"/>
-              <a:t>,  </a:t>
-            </a:r>
-            <a:r>
-              <a:rPr lang="de-AT" baseline="0" dirty="0" err="1" smtClean="0"/>
-              <a:t>and</a:t>
-            </a:r>
-            <a:r>
-              <a:rPr lang="de-AT" baseline="0" dirty="0" smtClean="0"/>
-              <a:t>   </a:t>
-            </a:r>
-            <a:r>
-              <a:rPr lang="de-AT" baseline="0" dirty="0" err="1" smtClean="0"/>
-              <a:t>use</a:t>
-            </a:r>
-            <a:r>
-              <a:rPr lang="de-AT" baseline="0" dirty="0" smtClean="0"/>
-              <a:t> </a:t>
-            </a:r>
-            <a:r>
-              <a:rPr lang="de-AT" baseline="0" dirty="0" err="1" smtClean="0"/>
-              <a:t>it</a:t>
-            </a:r>
-            <a:r>
-              <a:rPr lang="de-AT" baseline="0" dirty="0" smtClean="0"/>
-              <a:t>  </a:t>
-            </a:r>
-            <a:r>
-              <a:rPr lang="de-AT" baseline="0" dirty="0" err="1" smtClean="0"/>
-              <a:t>for</a:t>
-            </a:r>
-            <a:r>
-              <a:rPr lang="de-AT" baseline="0" dirty="0" smtClean="0"/>
-              <a:t> </a:t>
-            </a:r>
-            <a:r>
-              <a:rPr lang="de-AT" baseline="0" dirty="0" err="1" smtClean="0"/>
-              <a:t>actual</a:t>
-            </a:r>
-            <a:r>
-              <a:rPr lang="de-AT" baseline="0" dirty="0" smtClean="0"/>
-              <a:t> </a:t>
-            </a:r>
-            <a:r>
-              <a:rPr lang="de-AT" dirty="0" err="1" smtClean="0"/>
-              <a:t>classification</a:t>
-            </a:r>
-            <a:r>
-              <a:rPr lang="de-AT" dirty="0" smtClean="0"/>
-              <a:t> </a:t>
-            </a:r>
-            <a:r>
-              <a:rPr lang="de-AT" dirty="0" err="1" smtClean="0"/>
-              <a:t>task</a:t>
-            </a:r>
-            <a:r>
-              <a:rPr lang="de-AT" dirty="0" smtClean="0"/>
-              <a:t> (</a:t>
-            </a:r>
-            <a:r>
-              <a:rPr lang="de-AT" dirty="0" err="1" smtClean="0"/>
-              <a:t>normally</a:t>
-            </a:r>
-            <a:r>
-              <a:rPr lang="de-AT" dirty="0" smtClean="0"/>
-              <a:t> after </a:t>
-            </a:r>
-            <a:r>
-              <a:rPr lang="de-AT" dirty="0" err="1" smtClean="0"/>
-              <a:t>testing</a:t>
-            </a:r>
-            <a:r>
-              <a:rPr lang="de-AT" baseline="0" dirty="0" smtClean="0"/>
-              <a:t> </a:t>
-            </a:r>
-            <a:r>
-              <a:rPr lang="de-AT" baseline="0" dirty="0" err="1" smtClean="0"/>
-              <a:t>with</a:t>
-            </a:r>
-            <a:r>
-              <a:rPr lang="de-AT" baseline="0" dirty="0" smtClean="0"/>
-              <a:t> </a:t>
-            </a:r>
-            <a:r>
-              <a:rPr lang="de-AT" baseline="0" dirty="0" err="1" smtClean="0"/>
-              <a:t>testset</a:t>
-            </a:r>
-            <a:r>
-              <a:rPr lang="de-AT" baseline="0" dirty="0" smtClean="0"/>
-              <a:t> </a:t>
-            </a:r>
-            <a:r>
-              <a:rPr lang="de-AT" baseline="0" dirty="0" err="1" smtClean="0"/>
-              <a:t>independent</a:t>
-            </a:r>
-            <a:r>
-              <a:rPr lang="de-AT" baseline="0" dirty="0" smtClean="0"/>
-              <a:t> </a:t>
-            </a:r>
-            <a:r>
-              <a:rPr lang="de-AT" baseline="0" dirty="0" err="1" smtClean="0"/>
-              <a:t>from</a:t>
-            </a:r>
-            <a:r>
-              <a:rPr lang="de-AT" baseline="0" dirty="0" smtClean="0"/>
-              <a:t> </a:t>
-            </a:r>
-            <a:r>
-              <a:rPr lang="de-AT" baseline="0" dirty="0" err="1" smtClean="0"/>
-              <a:t>training</a:t>
-            </a:r>
-            <a:r>
-              <a:rPr lang="de-AT" baseline="0" dirty="0" smtClean="0"/>
-              <a:t> </a:t>
-            </a:r>
-            <a:r>
-              <a:rPr lang="de-AT" baseline="0" dirty="0" err="1" smtClean="0"/>
-              <a:t>set</a:t>
-            </a:r>
-            <a:r>
-              <a:rPr lang="de-AT" baseline="0" dirty="0" smtClean="0"/>
-              <a:t>)</a:t>
-            </a:r>
-            <a:endParaRPr lang="de-AT" dirty="0" smtClean="0"/>
-          </a:p>
-          <a:p>
+              <a:t>optimally</a:t>
+            </a:r>
             <a:endParaRPr lang="de-AT" dirty="0"/>
           </a:p>
         </p:txBody>
@@ -2259,7 +3745,7 @@
             <a:fld id="{07914D93-ABC8-448C-8296-85FD12164B61}" type="slidenum">
               <a:rPr lang="de-DE" altLang="de-DE" smtClean="0"/>
               <a:pPr/>
-              <a:t>15</a:t>
+              <a:t>13</a:t>
             </a:fld>
             <a:endParaRPr lang="de-DE" altLang="de-DE"/>
           </a:p>
@@ -2268,7 +3754,528 @@
     </p:spTree>
     <p:extLst>
       <p:ext uri="{BB962C8B-B14F-4D97-AF65-F5344CB8AC3E}">
-        <p14:creationId xmlns:p14="http://schemas.microsoft.com/office/powerpoint/2010/main" val="2393854123"/>
+        <p14:creationId xmlns:p14="http://schemas.microsoft.com/office/powerpoint/2010/main" val="2492573933"/>
+      </p:ext>
+    </p:extLst>
+  </p:cSld>
+  <p:clrMapOvr>
+    <a:masterClrMapping/>
+  </p:clrMapOvr>
+</p:notes>
+</file>
+
+<file path=ppt/notesSlides/notesSlide9.xml><?xml version="1.0" encoding="utf-8"?>
+<p:notes xmlns:a="http://schemas.openxmlformats.org/drawingml/2006/main" xmlns:r="http://schemas.openxmlformats.org/officeDocument/2006/relationships" xmlns:p="http://schemas.openxmlformats.org/presentationml/2006/main">
+  <p:cSld>
+    <p:spTree>
+      <p:nvGrpSpPr>
+        <p:cNvPr id="1" name=""/>
+        <p:cNvGrpSpPr/>
+        <p:nvPr/>
+      </p:nvGrpSpPr>
+      <p:grpSpPr>
+        <a:xfrm>
+          <a:off x="0" y="0"/>
+          <a:ext cx="0" cy="0"/>
+          <a:chOff x="0" y="0"/>
+          <a:chExt cx="0" cy="0"/>
+        </a:xfrm>
+      </p:grpSpPr>
+      <p:sp>
+        <p:nvSpPr>
+          <p:cNvPr id="2" name="Folienbildplatzhalter 1"/>
+          <p:cNvSpPr>
+            <a:spLocks noGrp="1" noRot="1" noChangeAspect="1"/>
+          </p:cNvSpPr>
+          <p:nvPr>
+            <p:ph type="sldImg"/>
+          </p:nvPr>
+        </p:nvSpPr>
+        <p:spPr/>
+      </p:sp>
+      <p:sp>
+        <p:nvSpPr>
+          <p:cNvPr id="3" name="Notizenplatzhalter 2"/>
+          <p:cNvSpPr>
+            <a:spLocks noGrp="1"/>
+          </p:cNvSpPr>
+          <p:nvPr>
+            <p:ph type="body" idx="1"/>
+          </p:nvPr>
+        </p:nvSpPr>
+        <p:spPr/>
+        <p:txBody>
+          <a:bodyPr/>
+          <a:lstStyle/>
+          <a:p>
+            <a:r>
+              <a:rPr lang="de-AT" dirty="0" smtClean="0"/>
+              <a:t>Search </a:t>
+            </a:r>
+            <a:r>
+              <a:rPr lang="de-AT" dirty="0" err="1" smtClean="0"/>
+              <a:t>for</a:t>
+            </a:r>
+            <a:r>
+              <a:rPr lang="de-AT" baseline="0" dirty="0" smtClean="0"/>
+              <a:t> a </a:t>
+            </a:r>
+            <a:r>
+              <a:rPr lang="de-AT" baseline="0" dirty="0" err="1" smtClean="0"/>
+              <a:t>subset</a:t>
+            </a:r>
+            <a:r>
+              <a:rPr lang="de-AT" baseline="0" dirty="0" smtClean="0"/>
+              <a:t> </a:t>
+            </a:r>
+            <a:r>
+              <a:rPr lang="de-AT" dirty="0" smtClean="0"/>
+              <a:t>: </a:t>
+            </a:r>
+            <a:r>
+              <a:rPr lang="de-AT" dirty="0" smtClean="0"/>
+              <a:t>different </a:t>
+            </a:r>
+            <a:r>
+              <a:rPr lang="de-AT" dirty="0" err="1" smtClean="0"/>
+              <a:t>algorithms</a:t>
+            </a:r>
+            <a:r>
+              <a:rPr lang="de-AT" dirty="0" smtClean="0"/>
+              <a:t> </a:t>
+            </a:r>
+            <a:r>
+              <a:rPr lang="de-AT" dirty="0" err="1" smtClean="0"/>
+              <a:t>possible</a:t>
+            </a:r>
+            <a:r>
+              <a:rPr lang="de-AT" dirty="0" smtClean="0"/>
+              <a:t>: </a:t>
+            </a:r>
+          </a:p>
+          <a:p>
+            <a:r>
+              <a:rPr lang="en-US" sz="1200" b="0" i="0" u="none" strike="noStrike" kern="1200" baseline="0" dirty="0" smtClean="0">
+                <a:solidFill>
+                  <a:schemeClr val="tx1"/>
+                </a:solidFill>
+                <a:latin typeface="+mn-lt"/>
+                <a:ea typeface="+mn-ea"/>
+                <a:cs typeface="+mn-cs"/>
+              </a:rPr>
+              <a:t>hill-climbing, best-first, branch-and-bound, and genetic </a:t>
+            </a:r>
+            <a:r>
+              <a:rPr lang="de-AT" sz="1200" b="0" i="0" u="none" strike="noStrike" kern="1200" baseline="0" dirty="0" err="1" smtClean="0">
+                <a:solidFill>
+                  <a:schemeClr val="tx1"/>
+                </a:solidFill>
+                <a:latin typeface="+mn-lt"/>
+                <a:ea typeface="+mn-ea"/>
+                <a:cs typeface="+mn-cs"/>
+              </a:rPr>
+              <a:t>algorithms</a:t>
+            </a:r>
+            <a:r>
+              <a:rPr lang="de-AT" sz="1200" b="0" i="0" u="none" strike="noStrike" kern="1200" baseline="0" dirty="0" smtClean="0">
+                <a:solidFill>
+                  <a:schemeClr val="tx1"/>
+                </a:solidFill>
+                <a:latin typeface="+mn-lt"/>
+                <a:ea typeface="+mn-ea"/>
+                <a:cs typeface="+mn-cs"/>
+              </a:rPr>
+              <a:t>.</a:t>
+            </a:r>
+          </a:p>
+          <a:p>
+            <a:r>
+              <a:rPr lang="de-AT" sz="1200" b="0" i="0" u="none" strike="noStrike" kern="1200" baseline="0" dirty="0" err="1" smtClean="0">
+                <a:solidFill>
+                  <a:schemeClr val="tx1"/>
+                </a:solidFill>
+                <a:latin typeface="+mn-lt"/>
+                <a:ea typeface="+mn-ea"/>
+                <a:cs typeface="+mn-cs"/>
+              </a:rPr>
+              <a:t>Either</a:t>
+            </a:r>
+            <a:r>
+              <a:rPr lang="de-AT" sz="1200" b="0" i="0" u="none" strike="noStrike" kern="1200" baseline="0" dirty="0" smtClean="0">
+                <a:solidFill>
+                  <a:schemeClr val="tx1"/>
+                </a:solidFill>
+                <a:latin typeface="+mn-lt"/>
+                <a:ea typeface="+mn-ea"/>
+                <a:cs typeface="+mn-cs"/>
+              </a:rPr>
+              <a:t>  </a:t>
+            </a:r>
+            <a:r>
+              <a:rPr lang="de-AT" sz="1200" b="0" i="0" u="none" strike="noStrike" kern="1200" baseline="0" dirty="0" err="1" smtClean="0">
+                <a:solidFill>
+                  <a:schemeClr val="tx1"/>
+                </a:solidFill>
+                <a:latin typeface="+mn-lt"/>
+                <a:ea typeface="+mn-ea"/>
+                <a:cs typeface="+mn-cs"/>
+              </a:rPr>
+              <a:t>start</a:t>
+            </a:r>
+            <a:r>
+              <a:rPr lang="de-AT" sz="1200" b="0" i="0" u="none" strike="noStrike" kern="1200" baseline="0" dirty="0" smtClean="0">
+                <a:solidFill>
+                  <a:schemeClr val="tx1"/>
+                </a:solidFill>
+                <a:latin typeface="+mn-lt"/>
+                <a:ea typeface="+mn-ea"/>
+                <a:cs typeface="+mn-cs"/>
+              </a:rPr>
+              <a:t>  </a:t>
+            </a:r>
+            <a:r>
+              <a:rPr lang="de-AT" sz="1200" b="0" i="0" u="none" strike="noStrike" kern="1200" baseline="0" dirty="0" err="1" smtClean="0">
+                <a:solidFill>
+                  <a:schemeClr val="tx1"/>
+                </a:solidFill>
+                <a:latin typeface="+mn-lt"/>
+                <a:ea typeface="+mn-ea"/>
+                <a:cs typeface="+mn-cs"/>
+              </a:rPr>
+              <a:t>from</a:t>
+            </a:r>
+            <a:r>
+              <a:rPr lang="de-AT" sz="1200" b="0" i="0" u="none" strike="noStrike" kern="1200" baseline="0" dirty="0" smtClean="0">
+                <a:solidFill>
+                  <a:schemeClr val="tx1"/>
+                </a:solidFill>
+                <a:latin typeface="+mn-lt"/>
+                <a:ea typeface="+mn-ea"/>
+                <a:cs typeface="+mn-cs"/>
+              </a:rPr>
+              <a:t>  </a:t>
+            </a:r>
+            <a:r>
+              <a:rPr lang="de-AT" sz="1200" b="0" i="0" u="none" strike="noStrike" kern="1200" baseline="0" dirty="0" err="1" smtClean="0">
+                <a:solidFill>
+                  <a:schemeClr val="tx1"/>
+                </a:solidFill>
+                <a:latin typeface="+mn-lt"/>
+                <a:ea typeface="+mn-ea"/>
+                <a:cs typeface="+mn-cs"/>
+              </a:rPr>
+              <a:t>full</a:t>
+            </a:r>
+            <a:r>
+              <a:rPr lang="de-AT" sz="1200" b="0" i="0" u="none" strike="noStrike" kern="1200" baseline="0" dirty="0" smtClean="0">
+                <a:solidFill>
+                  <a:schemeClr val="tx1"/>
+                </a:solidFill>
+                <a:latin typeface="+mn-lt"/>
+                <a:ea typeface="+mn-ea"/>
+                <a:cs typeface="+mn-cs"/>
+              </a:rPr>
+              <a:t> </a:t>
+            </a:r>
+            <a:r>
+              <a:rPr lang="de-AT" sz="1200" b="0" i="0" u="none" strike="noStrike" kern="1200" baseline="0" dirty="0" err="1" smtClean="0">
+                <a:solidFill>
+                  <a:schemeClr val="tx1"/>
+                </a:solidFill>
+                <a:latin typeface="+mn-lt"/>
+                <a:ea typeface="+mn-ea"/>
+                <a:cs typeface="+mn-cs"/>
+              </a:rPr>
+              <a:t>set</a:t>
+            </a:r>
+            <a:r>
+              <a:rPr lang="de-AT" sz="1200" b="0" i="0" u="none" strike="noStrike" kern="1200" baseline="0" dirty="0" smtClean="0">
+                <a:solidFill>
+                  <a:schemeClr val="tx1"/>
+                </a:solidFill>
+                <a:latin typeface="+mn-lt"/>
+                <a:ea typeface="+mn-ea"/>
+                <a:cs typeface="+mn-cs"/>
+              </a:rPr>
+              <a:t> </a:t>
+            </a:r>
+            <a:r>
+              <a:rPr lang="de-AT" sz="1200" b="0" i="0" u="none" strike="noStrike" kern="1200" baseline="0" dirty="0" err="1" smtClean="0">
+                <a:solidFill>
+                  <a:schemeClr val="tx1"/>
+                </a:solidFill>
+                <a:latin typeface="+mn-lt"/>
+                <a:ea typeface="+mn-ea"/>
+                <a:cs typeface="+mn-cs"/>
+              </a:rPr>
+              <a:t>and</a:t>
+            </a:r>
+            <a:r>
+              <a:rPr lang="de-AT" sz="1200" b="0" i="0" u="none" strike="noStrike" kern="1200" baseline="0" dirty="0" smtClean="0">
+                <a:solidFill>
+                  <a:schemeClr val="tx1"/>
+                </a:solidFill>
+                <a:latin typeface="+mn-lt"/>
+                <a:ea typeface="+mn-ea"/>
+                <a:cs typeface="+mn-cs"/>
+              </a:rPr>
+              <a:t> </a:t>
+            </a:r>
+            <a:r>
+              <a:rPr lang="de-AT" sz="1200" b="0" i="0" u="none" strike="noStrike" kern="1200" baseline="0" dirty="0" err="1" smtClean="0">
+                <a:solidFill>
+                  <a:schemeClr val="tx1"/>
+                </a:solidFill>
+                <a:latin typeface="+mn-lt"/>
+                <a:ea typeface="+mn-ea"/>
+                <a:cs typeface="+mn-cs"/>
+              </a:rPr>
+              <a:t>reduce</a:t>
+            </a:r>
+            <a:r>
+              <a:rPr lang="de-AT" sz="1200" b="0" i="0" u="none" strike="noStrike" kern="1200" baseline="0" dirty="0" smtClean="0">
+                <a:solidFill>
+                  <a:schemeClr val="tx1"/>
+                </a:solidFill>
+                <a:latin typeface="+mn-lt"/>
+                <a:ea typeface="+mn-ea"/>
+                <a:cs typeface="+mn-cs"/>
+              </a:rPr>
+              <a:t> </a:t>
+            </a:r>
+            <a:r>
+              <a:rPr lang="de-AT" sz="1200" b="0" i="0" u="none" strike="noStrike" kern="1200" baseline="0" dirty="0" err="1" smtClean="0">
+                <a:solidFill>
+                  <a:schemeClr val="tx1"/>
+                </a:solidFill>
+                <a:latin typeface="+mn-lt"/>
+                <a:ea typeface="+mn-ea"/>
+                <a:cs typeface="+mn-cs"/>
+              </a:rPr>
+              <a:t>features</a:t>
+            </a:r>
+            <a:r>
+              <a:rPr lang="de-AT" sz="1200" b="0" i="0" u="none" strike="noStrike" kern="1200" baseline="0" dirty="0" smtClean="0">
+                <a:solidFill>
+                  <a:schemeClr val="tx1"/>
+                </a:solidFill>
+                <a:latin typeface="+mn-lt"/>
+                <a:ea typeface="+mn-ea"/>
+                <a:cs typeface="+mn-cs"/>
+              </a:rPr>
+              <a:t>,  </a:t>
+            </a:r>
+            <a:r>
+              <a:rPr lang="de-AT" sz="1200" b="0" i="0" u="none" strike="noStrike" kern="1200" baseline="0" dirty="0" err="1" smtClean="0">
+                <a:solidFill>
+                  <a:schemeClr val="tx1"/>
+                </a:solidFill>
+                <a:latin typeface="+mn-lt"/>
+                <a:ea typeface="+mn-ea"/>
+                <a:cs typeface="+mn-cs"/>
+              </a:rPr>
+              <a:t>or</a:t>
+            </a:r>
+            <a:r>
+              <a:rPr lang="de-AT" sz="1200" b="0" i="0" u="none" strike="noStrike" kern="1200" baseline="0" dirty="0" smtClean="0">
+                <a:solidFill>
+                  <a:schemeClr val="tx1"/>
+                </a:solidFill>
+                <a:latin typeface="+mn-lt"/>
+                <a:ea typeface="+mn-ea"/>
+                <a:cs typeface="+mn-cs"/>
+              </a:rPr>
+              <a:t>  </a:t>
+            </a:r>
+            <a:r>
+              <a:rPr lang="de-AT" sz="1200" b="0" i="0" u="none" strike="noStrike" kern="1200" baseline="0" dirty="0" err="1" smtClean="0">
+                <a:solidFill>
+                  <a:schemeClr val="tx1"/>
+                </a:solidFill>
+                <a:latin typeface="+mn-lt"/>
+                <a:ea typeface="+mn-ea"/>
+                <a:cs typeface="+mn-cs"/>
+              </a:rPr>
+              <a:t>start</a:t>
+            </a:r>
+            <a:r>
+              <a:rPr lang="de-AT" sz="1200" b="0" i="0" u="none" strike="noStrike" kern="1200" baseline="0" dirty="0" smtClean="0">
+                <a:solidFill>
+                  <a:schemeClr val="tx1"/>
+                </a:solidFill>
+                <a:latin typeface="+mn-lt"/>
+                <a:ea typeface="+mn-ea"/>
+                <a:cs typeface="+mn-cs"/>
+              </a:rPr>
+              <a:t> </a:t>
+            </a:r>
+            <a:r>
+              <a:rPr lang="de-AT" sz="1200" b="0" i="0" u="none" strike="noStrike" kern="1200" baseline="0" dirty="0" err="1" smtClean="0">
+                <a:solidFill>
+                  <a:schemeClr val="tx1"/>
+                </a:solidFill>
+                <a:latin typeface="+mn-lt"/>
+                <a:ea typeface="+mn-ea"/>
+                <a:cs typeface="+mn-cs"/>
+              </a:rPr>
+              <a:t>from</a:t>
+            </a:r>
+            <a:r>
+              <a:rPr lang="de-AT" sz="1200" b="0" i="0" u="none" strike="noStrike" kern="1200" baseline="0" dirty="0" smtClean="0">
+                <a:solidFill>
+                  <a:schemeClr val="tx1"/>
+                </a:solidFill>
+                <a:latin typeface="+mn-lt"/>
+                <a:ea typeface="+mn-ea"/>
+                <a:cs typeface="+mn-cs"/>
+              </a:rPr>
+              <a:t>  </a:t>
+            </a:r>
+            <a:r>
+              <a:rPr lang="de-AT" sz="1200" b="0" i="0" u="none" strike="noStrike" kern="1200" baseline="0" dirty="0" err="1" smtClean="0">
+                <a:solidFill>
+                  <a:schemeClr val="tx1"/>
+                </a:solidFill>
+                <a:latin typeface="+mn-lt"/>
+                <a:ea typeface="+mn-ea"/>
+                <a:cs typeface="+mn-cs"/>
+              </a:rPr>
+              <a:t>empty</a:t>
+            </a:r>
+            <a:r>
+              <a:rPr lang="de-AT" sz="1200" b="0" i="0" u="none" strike="noStrike" kern="1200" baseline="0" dirty="0" smtClean="0">
+                <a:solidFill>
+                  <a:schemeClr val="tx1"/>
+                </a:solidFill>
+                <a:latin typeface="+mn-lt"/>
+                <a:ea typeface="+mn-ea"/>
+                <a:cs typeface="+mn-cs"/>
+              </a:rPr>
+              <a:t> </a:t>
+            </a:r>
+            <a:r>
+              <a:rPr lang="de-AT" sz="1200" b="0" i="0" u="none" strike="noStrike" kern="1200" baseline="0" dirty="0" err="1" smtClean="0">
+                <a:solidFill>
+                  <a:schemeClr val="tx1"/>
+                </a:solidFill>
+                <a:latin typeface="+mn-lt"/>
+                <a:ea typeface="+mn-ea"/>
+                <a:cs typeface="+mn-cs"/>
+              </a:rPr>
+              <a:t>set</a:t>
+            </a:r>
+            <a:r>
+              <a:rPr lang="de-AT" sz="1200" b="0" i="0" u="none" strike="noStrike" kern="1200" baseline="0" dirty="0" smtClean="0">
+                <a:solidFill>
+                  <a:schemeClr val="tx1"/>
+                </a:solidFill>
+                <a:latin typeface="+mn-lt"/>
+                <a:ea typeface="+mn-ea"/>
+                <a:cs typeface="+mn-cs"/>
+              </a:rPr>
+              <a:t> </a:t>
+            </a:r>
+            <a:r>
+              <a:rPr lang="de-AT" sz="1200" b="0" i="0" u="none" strike="noStrike" kern="1200" baseline="0" dirty="0" err="1" smtClean="0">
+                <a:solidFill>
+                  <a:schemeClr val="tx1"/>
+                </a:solidFill>
+                <a:latin typeface="+mn-lt"/>
+                <a:ea typeface="+mn-ea"/>
+                <a:cs typeface="+mn-cs"/>
+              </a:rPr>
+              <a:t>and</a:t>
+            </a:r>
+            <a:r>
+              <a:rPr lang="de-AT" sz="1200" b="0" i="0" u="none" strike="noStrike" kern="1200" baseline="0" dirty="0" smtClean="0">
+                <a:solidFill>
+                  <a:schemeClr val="tx1"/>
+                </a:solidFill>
+                <a:latin typeface="+mn-lt"/>
+                <a:ea typeface="+mn-ea"/>
+                <a:cs typeface="+mn-cs"/>
+              </a:rPr>
+              <a:t> </a:t>
+            </a:r>
+            <a:r>
+              <a:rPr lang="de-AT" sz="1200" b="0" i="0" u="none" strike="noStrike" kern="1200" baseline="0" dirty="0" err="1" smtClean="0">
+                <a:solidFill>
+                  <a:schemeClr val="tx1"/>
+                </a:solidFill>
+                <a:latin typeface="+mn-lt"/>
+                <a:ea typeface="+mn-ea"/>
+                <a:cs typeface="+mn-cs"/>
+              </a:rPr>
+              <a:t>add</a:t>
+            </a:r>
+            <a:r>
+              <a:rPr lang="de-AT" sz="1200" b="0" i="0" u="none" strike="noStrike" kern="1200" baseline="0" dirty="0" smtClean="0">
+                <a:solidFill>
+                  <a:schemeClr val="tx1"/>
+                </a:solidFill>
+                <a:latin typeface="+mn-lt"/>
+                <a:ea typeface="+mn-ea"/>
+                <a:cs typeface="+mn-cs"/>
+              </a:rPr>
+              <a:t> </a:t>
+            </a:r>
+            <a:r>
+              <a:rPr lang="de-AT" sz="1200" b="0" i="0" u="none" strike="noStrike" kern="1200" baseline="0" dirty="0" err="1" smtClean="0">
+                <a:solidFill>
+                  <a:schemeClr val="tx1"/>
+                </a:solidFill>
+                <a:latin typeface="+mn-lt"/>
+                <a:ea typeface="+mn-ea"/>
+                <a:cs typeface="+mn-cs"/>
+              </a:rPr>
+              <a:t>features</a:t>
+            </a:r>
+            <a:r>
+              <a:rPr lang="de-AT" sz="1200" b="0" i="0" u="none" strike="noStrike" kern="1200" baseline="0" dirty="0" smtClean="0">
+                <a:solidFill>
+                  <a:schemeClr val="tx1"/>
+                </a:solidFill>
+                <a:latin typeface="+mn-lt"/>
+                <a:ea typeface="+mn-ea"/>
+                <a:cs typeface="+mn-cs"/>
+              </a:rPr>
+              <a:t>.</a:t>
+            </a:r>
+            <a:endParaRPr lang="de-AT" dirty="0" smtClean="0"/>
+          </a:p>
+          <a:p>
+            <a:endParaRPr lang="de-AT" dirty="0"/>
+          </a:p>
+        </p:txBody>
+      </p:sp>
+      <p:sp>
+        <p:nvSpPr>
+          <p:cNvPr id="4" name="Foliennummernplatzhalter 3"/>
+          <p:cNvSpPr>
+            <a:spLocks noGrp="1"/>
+          </p:cNvSpPr>
+          <p:nvPr>
+            <p:ph type="sldNum" sz="quarter" idx="10"/>
+          </p:nvPr>
+        </p:nvSpPr>
+        <p:spPr/>
+        <p:txBody>
+          <a:bodyPr/>
+          <a:lstStyle/>
+          <a:p>
+            <a:fld id="{07914D93-ABC8-448C-8296-85FD12164B61}" type="slidenum">
+              <a:rPr lang="de-DE" altLang="de-DE" smtClean="0"/>
+              <a:pPr/>
+              <a:t>14</a:t>
+            </a:fld>
+            <a:endParaRPr lang="de-DE" altLang="de-DE"/>
+          </a:p>
+        </p:txBody>
+      </p:sp>
+    </p:spTree>
+    <p:extLst>
+      <p:ext uri="{BB962C8B-B14F-4D97-AF65-F5344CB8AC3E}">
+        <p14:creationId xmlns:p14="http://schemas.microsoft.com/office/powerpoint/2010/main" val="2073029618"/>
       </p:ext>
     </p:extLst>
   </p:cSld>
@@ -7016,6 +9023,59 @@
               <a:rPr lang="de-AT" dirty="0" err="1" smtClean="0"/>
               <a:t>features</a:t>
             </a:r>
+            <a:r>
+              <a:rPr lang="de-AT" dirty="0" smtClean="0"/>
+              <a:t> </a:t>
+            </a:r>
+            <a:r>
+              <a:rPr lang="de-AT" dirty="0" err="1" smtClean="0"/>
+              <a:t>with</a:t>
+            </a:r>
+            <a:r>
+              <a:rPr lang="de-AT" dirty="0" smtClean="0"/>
+              <a:t> </a:t>
+            </a:r>
+            <a:r>
+              <a:rPr lang="de-AT" dirty="0" err="1" smtClean="0"/>
+              <a:t>certain</a:t>
+            </a:r>
+            <a:r>
+              <a:rPr lang="de-AT" dirty="0" smtClean="0"/>
+              <a:t> </a:t>
+            </a:r>
+            <a:r>
+              <a:rPr lang="de-AT" dirty="0" err="1" smtClean="0"/>
+              <a:t>metric</a:t>
+            </a:r>
+            <a:endParaRPr lang="de-AT" dirty="0" smtClean="0"/>
+          </a:p>
+          <a:p>
+            <a:pPr marL="857250" lvl="1" indent="-457200"/>
+            <a:r>
+              <a:rPr lang="de-AT" dirty="0" err="1" smtClean="0"/>
+              <a:t>Univariate</a:t>
+            </a:r>
+            <a:r>
+              <a:rPr lang="de-AT" dirty="0" smtClean="0"/>
+              <a:t>  </a:t>
+            </a:r>
+          </a:p>
+          <a:p>
+            <a:pPr marL="857250" lvl="1" indent="-457200"/>
+            <a:r>
+              <a:rPr lang="de-AT" dirty="0" smtClean="0"/>
+              <a:t>Multivariate  </a:t>
+            </a:r>
+            <a:br>
+              <a:rPr lang="de-AT" dirty="0" smtClean="0"/>
+            </a:br>
+            <a:r>
+              <a:rPr lang="de-AT" dirty="0" smtClean="0"/>
+              <a:t/>
+            </a:r>
+            <a:br>
+              <a:rPr lang="de-AT" dirty="0" smtClean="0"/>
+            </a:br>
             <a:endParaRPr lang="de-AT" dirty="0"/>
           </a:p>
           <a:p>
@@ -7064,7 +9124,15 @@
             </a:br>
             <a:r>
               <a:rPr lang="de-AT" dirty="0" err="1" smtClean="0"/>
-              <a:t>induce</a:t>
+              <a:t>use</a:t>
+            </a:r>
+            <a:r>
+              <a:rPr lang="de-AT" dirty="0" smtClean="0"/>
+              <a:t> </a:t>
+            </a:r>
+            <a:r>
+              <a:rPr lang="de-AT" dirty="0" err="1" smtClean="0"/>
+              <a:t>for</a:t>
             </a:r>
             <a:r>
               <a:rPr lang="de-AT" dirty="0" smtClean="0"/>
@@ -7080,7 +9148,7 @@
             </a:r>
             <a:r>
               <a:rPr lang="de-AT" dirty="0" err="1" smtClean="0"/>
-              <a:t>models</a:t>
+              <a:t>task</a:t>
             </a:r>
             <a:endParaRPr lang="de-AT" dirty="0" smtClean="0"/>
           </a:p>
@@ -7245,19 +9313,85 @@
           <a:bodyPr/>
           <a:lstStyle/>
           <a:p>
+            <a:pPr marL="0" indent="0"/>
+            <a:r>
+              <a:rPr lang="de-AT" dirty="0" err="1" smtClean="0"/>
+              <a:t>Algorithm</a:t>
+            </a:r>
+            <a:r>
+              <a:rPr lang="de-AT" dirty="0" smtClean="0"/>
+              <a:t> </a:t>
+            </a:r>
+            <a:r>
+              <a:rPr lang="de-AT" dirty="0" err="1" smtClean="0"/>
+              <a:t>f</a:t>
+            </a:r>
+            <a:r>
+              <a:rPr lang="de-AT" dirty="0" err="1" smtClean="0"/>
+              <a:t>or</a:t>
+            </a:r>
+            <a:r>
+              <a:rPr lang="de-AT" dirty="0" smtClean="0"/>
+              <a:t> Binary </a:t>
+            </a:r>
+            <a:r>
+              <a:rPr lang="de-AT" dirty="0" err="1" smtClean="0"/>
+              <a:t>classification</a:t>
+            </a:r>
+            <a:r>
+              <a:rPr lang="de-AT" dirty="0" smtClean="0"/>
+              <a:t/>
+            </a:r>
+            <a:br>
+              <a:rPr lang="de-AT" dirty="0" smtClean="0"/>
+            </a:br>
+            <a:endParaRPr lang="de-AT" dirty="0" smtClean="0"/>
+          </a:p>
+          <a:p>
             <a:pPr marL="457200" indent="-457200">
               <a:buFont typeface="+mj-lt"/>
               <a:buAutoNum type="arabicPeriod"/>
             </a:pPr>
             <a:r>
-              <a:rPr lang="de-AT" dirty="0" smtClean="0"/>
-              <a:t>Binary </a:t>
-            </a:r>
-            <a:r>
-              <a:rPr lang="de-AT" dirty="0" err="1" smtClean="0"/>
-              <a:t>classification</a:t>
-            </a:r>
-            <a:endParaRPr lang="de-AT" dirty="0" smtClean="0"/>
+              <a:rPr lang="de-AT" dirty="0" err="1" smtClean="0"/>
+              <a:t>Represent</a:t>
+            </a:r>
+            <a:r>
+              <a:rPr lang="de-AT" dirty="0" smtClean="0"/>
+              <a:t> </a:t>
+            </a:r>
+            <a:r>
+              <a:rPr lang="de-AT" dirty="0" err="1" smtClean="0"/>
+              <a:t>features</a:t>
+            </a:r>
+            <a:r>
+              <a:rPr lang="de-AT" dirty="0" smtClean="0"/>
+              <a:t> </a:t>
+            </a:r>
+            <a:r>
+              <a:rPr lang="de-AT" dirty="0" err="1" smtClean="0"/>
+              <a:t>by</a:t>
+            </a:r>
+            <a:r>
+              <a:rPr lang="de-AT" dirty="0" smtClean="0"/>
+              <a:t> </a:t>
+            </a:r>
+            <a:r>
+              <a:rPr lang="de-AT" dirty="0" err="1" smtClean="0"/>
+              <a:t>weights</a:t>
+            </a:r>
+            <a:r>
+              <a:rPr lang="de-AT" dirty="0" smtClean="0"/>
+              <a:t> in a </a:t>
+            </a:r>
+            <a:r>
+              <a:rPr lang="de-AT" dirty="0" err="1" smtClean="0"/>
+              <a:t>vector</a:t>
+            </a:r>
+            <a:r>
+              <a:rPr lang="de-AT" dirty="0" smtClean="0"/>
+              <a:t> </a:t>
+            </a:r>
           </a:p>
           <a:p>
             <a:pPr marL="457200" indent="-457200">
@@ -7265,8 +9399,55 @@
               <a:buAutoNum type="arabicPeriod"/>
             </a:pPr>
             <a:r>
-              <a:rPr lang="de-AT" dirty="0" err="1" smtClean="0"/>
-              <a:t>Represent</a:t>
+              <a:rPr lang="de-AT" dirty="0" smtClean="0"/>
+              <a:t>Pick </a:t>
+            </a:r>
+            <a:r>
+              <a:rPr lang="de-AT" dirty="0" err="1" smtClean="0"/>
+              <a:t>one</a:t>
+            </a:r>
+            <a:r>
+              <a:rPr lang="de-AT" dirty="0" smtClean="0"/>
+              <a:t> </a:t>
+            </a:r>
+            <a:r>
+              <a:rPr lang="de-AT" dirty="0" err="1" smtClean="0"/>
+              <a:t>instance</a:t>
+            </a:r>
+            <a:r>
+              <a:rPr lang="de-AT" dirty="0" smtClean="0"/>
+              <a:t> </a:t>
+            </a:r>
+            <a:r>
+              <a:rPr lang="de-AT" dirty="0" err="1" smtClean="0"/>
+              <a:t>randomly</a:t>
+            </a:r>
+            <a:r>
+              <a:rPr lang="de-AT" dirty="0" smtClean="0"/>
+              <a:t>, </a:t>
+            </a:r>
+            <a:br>
+              <a:rPr lang="de-AT" dirty="0" smtClean="0"/>
+            </a:br>
+            <a:r>
+              <a:rPr lang="de-AT" dirty="0" err="1" smtClean="0"/>
+              <a:t>calculate</a:t>
+            </a:r>
+            <a:r>
+              <a:rPr lang="de-AT" dirty="0" smtClean="0"/>
+              <a:t> </a:t>
+            </a:r>
+            <a:r>
+              <a:rPr lang="de-AT" dirty="0" err="1" smtClean="0"/>
+              <a:t>relevance</a:t>
+            </a:r>
+            <a:r>
+              <a:rPr lang="de-AT" dirty="0" smtClean="0"/>
+              <a:t> </a:t>
+            </a:r>
+            <a:r>
+              <a:rPr lang="de-AT" dirty="0" err="1" smtClean="0"/>
+              <a:t>of</a:t>
             </a:r>
             <a:r>
               <a:rPr lang="de-AT" dirty="0" smtClean="0"/>
@@ -7276,92 +9457,7 @@
               <a:rPr lang="de-AT" dirty="0" err="1" smtClean="0"/>
               <a:t>features</a:t>
             </a:r>
-            <a:r>
-              <a:rPr lang="de-AT" dirty="0" smtClean="0"/>
-              <a:t> </a:t>
-            </a:r>
-            <a:r>
-              <a:rPr lang="de-AT" dirty="0" err="1" smtClean="0"/>
-              <a:t>by</a:t>
-            </a:r>
-            <a:r>
-              <a:rPr lang="de-AT" dirty="0" smtClean="0"/>
-              <a:t> </a:t>
-            </a:r>
-            <a:r>
-              <a:rPr lang="de-AT" dirty="0" err="1" smtClean="0"/>
-              <a:t>weights</a:t>
-            </a:r>
-            <a:r>
-              <a:rPr lang="de-AT" dirty="0" smtClean="0"/>
-              <a:t> in a </a:t>
-            </a:r>
-            <a:r>
-              <a:rPr lang="de-AT" dirty="0" err="1" smtClean="0"/>
-              <a:t>vector</a:t>
-            </a:r>
-            <a:r>
-              <a:rPr lang="de-AT" dirty="0" smtClean="0"/>
-              <a:t> </a:t>
-            </a:r>
-          </a:p>
-          <a:p>
-            <a:pPr marL="457200" indent="-457200">
-              <a:buFont typeface="+mj-lt"/>
-              <a:buAutoNum type="arabicPeriod"/>
-            </a:pPr>
-            <a:r>
-              <a:rPr lang="de-AT" dirty="0" smtClean="0"/>
-              <a:t>Pick </a:t>
-            </a:r>
-            <a:r>
-              <a:rPr lang="de-AT" dirty="0" err="1" smtClean="0"/>
-              <a:t>one</a:t>
-            </a:r>
-            <a:r>
-              <a:rPr lang="de-AT" dirty="0" smtClean="0"/>
-              <a:t> </a:t>
-            </a:r>
-            <a:r>
-              <a:rPr lang="de-AT" dirty="0" err="1" smtClean="0"/>
-              <a:t>random</a:t>
-            </a:r>
-            <a:r>
-              <a:rPr lang="de-AT" dirty="0" smtClean="0"/>
-              <a:t>, </a:t>
-            </a:r>
-            <a:r>
-              <a:rPr lang="de-AT" dirty="0" err="1" smtClean="0"/>
-              <a:t>calculate</a:t>
-            </a:r>
-            <a:r>
-              <a:rPr lang="de-AT" dirty="0" smtClean="0"/>
-              <a:t> </a:t>
-            </a:r>
-            <a:r>
-              <a:rPr lang="de-AT" dirty="0" err="1" smtClean="0"/>
-              <a:t>near-hot</a:t>
-            </a:r>
-            <a:r>
-              <a:rPr lang="de-AT" dirty="0" smtClean="0"/>
-              <a:t> </a:t>
-            </a:r>
-            <a:r>
-              <a:rPr lang="de-AT" dirty="0" err="1" smtClean="0"/>
-              <a:t>and</a:t>
-            </a:r>
-            <a:r>
-              <a:rPr lang="de-AT" dirty="0" smtClean="0"/>
-              <a:t> </a:t>
-            </a:r>
-            <a:r>
-              <a:rPr lang="de-AT" dirty="0" err="1" smtClean="0"/>
-              <a:t>near</a:t>
-            </a:r>
-            <a:r>
-              <a:rPr lang="de-AT" dirty="0" smtClean="0"/>
-              <a:t> miss</a:t>
-            </a:r>
+            <a:endParaRPr lang="de-AT" dirty="0" smtClean="0"/>
           </a:p>
           <a:p>
             <a:pPr marL="457200" indent="-457200">
@@ -7506,7 +9602,7 @@
     </p:spTree>
     <p:extLst>
       <p:ext uri="{BB962C8B-B14F-4D97-AF65-F5344CB8AC3E}">
-        <p14:creationId xmlns:p14="http://schemas.microsoft.com/office/powerpoint/2010/main" val="2642371924"/>
+        <p14:creationId xmlns:p14="http://schemas.microsoft.com/office/powerpoint/2010/main" val="3243220078"/>
       </p:ext>
     </p:extLst>
   </p:cSld>
@@ -7580,26 +9676,50 @@
               <a:buChar char="•"/>
             </a:pPr>
             <a:r>
-              <a:rPr lang="de-AT" dirty="0" err="1" smtClean="0"/>
+              <a:rPr lang="de-AT" b="1" dirty="0" err="1" smtClean="0">
+                <a:solidFill>
+                  <a:srgbClr val="FF0000"/>
+                </a:solidFill>
+              </a:rPr>
               <a:t>Consider</a:t>
             </a:r>
             <a:r>
-              <a:rPr lang="de-AT" dirty="0" smtClean="0"/>
-              <a:t> </a:t>
-            </a:r>
-            <a:r>
-              <a:rPr lang="de-AT" dirty="0" err="1" smtClean="0"/>
+              <a:rPr lang="de-AT" b="1" dirty="0" smtClean="0">
+                <a:solidFill>
+                  <a:srgbClr val="FF0000"/>
+                </a:solidFill>
+              </a:rPr>
+              <a:t> </a:t>
+            </a:r>
+            <a:r>
+              <a:rPr lang="de-AT" b="1" dirty="0" err="1" smtClean="0">
+                <a:solidFill>
+                  <a:srgbClr val="FF0000"/>
+                </a:solidFill>
+              </a:rPr>
               <a:t>classification</a:t>
             </a:r>
             <a:r>
-              <a:rPr lang="de-AT" dirty="0" smtClean="0"/>
-              <a:t> </a:t>
-            </a:r>
-            <a:r>
-              <a:rPr lang="de-AT" dirty="0" err="1" smtClean="0"/>
+              <a:rPr lang="de-AT" b="1" dirty="0" smtClean="0">
+                <a:solidFill>
+                  <a:srgbClr val="FF0000"/>
+                </a:solidFill>
+              </a:rPr>
+              <a:t> </a:t>
+            </a:r>
+            <a:r>
+              <a:rPr lang="de-AT" b="1" dirty="0" err="1" smtClean="0">
+                <a:solidFill>
+                  <a:srgbClr val="FF0000"/>
+                </a:solidFill>
+              </a:rPr>
               <a:t>algortihm</a:t>
             </a:r>
-            <a:endParaRPr lang="de-AT" dirty="0" smtClean="0"/>
+            <a:endParaRPr lang="de-AT" b="1" dirty="0" smtClean="0">
+              <a:solidFill>
+                <a:srgbClr val="FF0000"/>
+              </a:solidFill>
+            </a:endParaRPr>
           </a:p>
           <a:p>
             <a:pPr>
@@ -7672,11 +9792,7 @@
             </a:pPr>
             <a:r>
               <a:rPr lang="de-AT" dirty="0" smtClean="0"/>
-              <a:t>Not </a:t>
-            </a:r>
-            <a:r>
-              <a:rPr lang="de-AT" dirty="0" smtClean="0"/>
-              <a:t>flexible (</a:t>
+              <a:t>Not flexible (</a:t>
             </a:r>
             <a:r>
               <a:rPr lang="de-AT" dirty="0" err="1" smtClean="0"/>
@@ -7901,188 +10017,42 @@
             <p:ph type="title"/>
           </p:nvPr>
         </p:nvSpPr>
+        <p:spPr>
+          <a:xfrm>
+            <a:off x="857224" y="1285860"/>
+            <a:ext cx="7429552" cy="630972"/>
+          </a:xfrm>
+        </p:spPr>
+        <p:txBody>
+          <a:bodyPr/>
+          <a:lstStyle/>
+          <a:p>
+            <a:r>
+              <a:rPr lang="de-AT" dirty="0" smtClean="0"/>
+              <a:t>Wrapper </a:t>
+            </a:r>
+            <a:r>
+              <a:rPr lang="de-AT" dirty="0" err="1" smtClean="0"/>
+              <a:t>methods</a:t>
+            </a:r>
+            <a:endParaRPr lang="de-AT" dirty="0"/>
+          </a:p>
+        </p:txBody>
+      </p:sp>
+      <p:sp>
+        <p:nvSpPr>
+          <p:cNvPr id="6" name="Inhaltsplatzhalter 5"/>
+          <p:cNvSpPr>
+            <a:spLocks noGrp="1"/>
+          </p:cNvSpPr>
+          <p:nvPr>
+            <p:ph idx="1"/>
+          </p:nvPr>
+        </p:nvSpPr>
         <p:spPr/>
         <p:txBody>
           <a:bodyPr/>
           <a:lstStyle/>
-          <a:p>
-            <a:r>
-              <a:rPr lang="de-AT" dirty="0" smtClean="0"/>
-              <a:t>Wrapper </a:t>
-            </a:r>
-            <a:r>
-              <a:rPr lang="de-AT" dirty="0" err="1" smtClean="0"/>
-              <a:t>methods</a:t>
-            </a:r>
-            <a:endParaRPr lang="de-AT" dirty="0"/>
-          </a:p>
-        </p:txBody>
-      </p:sp>
-      <p:sp>
-        <p:nvSpPr>
-          <p:cNvPr id="6" name="Inhaltsplatzhalter 5"/>
-          <p:cNvSpPr>
-            <a:spLocks noGrp="1"/>
-          </p:cNvSpPr>
-          <p:nvPr>
-            <p:ph idx="1"/>
-          </p:nvPr>
-        </p:nvSpPr>
-        <p:spPr/>
-        <p:txBody>
-          <a:bodyPr/>
-          <a:lstStyle/>
-          <a:p>
-            <a:pPr marL="457200" indent="-457200">
-              <a:buFont typeface="+mj-lt"/>
-              <a:buAutoNum type="arabicPeriod"/>
-            </a:pPr>
-            <a:r>
-              <a:rPr lang="de-AT" dirty="0" smtClean="0"/>
-              <a:t>Search </a:t>
-            </a:r>
-            <a:r>
-              <a:rPr lang="de-AT" dirty="0" err="1" smtClean="0"/>
-              <a:t>for</a:t>
-            </a:r>
-            <a:r>
-              <a:rPr lang="de-AT" dirty="0" smtClean="0"/>
-              <a:t> potential </a:t>
-            </a:r>
-            <a:r>
-              <a:rPr lang="de-AT" dirty="0" err="1" smtClean="0"/>
-              <a:t>subset</a:t>
-            </a:r>
-            <a:endParaRPr lang="de-AT" dirty="0"/>
-          </a:p>
-          <a:p>
-            <a:pPr marL="457200" indent="-457200">
-              <a:buFont typeface="+mj-lt"/>
-              <a:buAutoNum type="arabicPeriod"/>
-            </a:pPr>
-            <a:r>
-              <a:rPr lang="de-AT" dirty="0" err="1" smtClean="0"/>
-              <a:t>Estimate</a:t>
-            </a:r>
-            <a:r>
-              <a:rPr lang="de-AT" dirty="0" smtClean="0"/>
-              <a:t> </a:t>
-            </a:r>
-            <a:r>
-              <a:rPr lang="de-AT" dirty="0" err="1" smtClean="0"/>
-              <a:t>performance</a:t>
-            </a:r>
-            <a:r>
-              <a:rPr lang="de-AT" dirty="0" smtClean="0"/>
-              <a:t> on </a:t>
-            </a:r>
-            <a:r>
-              <a:rPr lang="de-AT" dirty="0" err="1" smtClean="0"/>
-              <a:t>classifier</a:t>
-            </a:r>
-            <a:endParaRPr lang="de-AT" dirty="0"/>
-          </a:p>
-          <a:p>
-            <a:pPr marL="457200" indent="-457200">
-              <a:buFont typeface="+mj-lt"/>
-              <a:buAutoNum type="arabicPeriod"/>
-            </a:pPr>
-            <a:r>
-              <a:rPr lang="de-AT" dirty="0" err="1" smtClean="0"/>
-              <a:t>Iterate</a:t>
-            </a:r>
-            <a:r>
-              <a:rPr lang="de-AT" dirty="0" smtClean="0"/>
-              <a:t> </a:t>
-            </a:r>
-            <a:r>
-              <a:rPr lang="de-AT" dirty="0" err="1" smtClean="0"/>
-              <a:t>until</a:t>
-            </a:r>
-            <a:r>
-              <a:rPr lang="de-AT" dirty="0" smtClean="0"/>
-              <a:t> </a:t>
-            </a:r>
-            <a:r>
-              <a:rPr lang="de-AT" dirty="0" err="1" smtClean="0"/>
-              <a:t>desired</a:t>
-            </a:r>
-            <a:r>
-              <a:rPr lang="de-AT" dirty="0" smtClean="0"/>
-              <a:t> </a:t>
-            </a:r>
-            <a:r>
-              <a:rPr lang="de-AT" dirty="0" err="1" smtClean="0"/>
-              <a:t>quality</a:t>
-            </a:r>
-            <a:r>
-              <a:rPr lang="de-AT" dirty="0" smtClean="0"/>
-              <a:t> </a:t>
-            </a:r>
-            <a:r>
-              <a:rPr lang="de-AT" dirty="0" err="1" smtClean="0"/>
-              <a:t>achieved</a:t>
-            </a:r>
-            <a:endParaRPr lang="de-AT" dirty="0" smtClean="0"/>
-          </a:p>
-          <a:p>
-            <a:pPr>
-              <a:buFont typeface="Arial" panose="020B0604020202020204" pitchFamily="34" charset="0"/>
-              <a:buChar char="•"/>
-            </a:pPr>
-            <a:endParaRPr lang="de-AT" dirty="0"/>
-          </a:p>
-          <a:p>
-            <a:pPr>
-              <a:buFont typeface="Arial" panose="020B0604020202020204" pitchFamily="34" charset="0"/>
-              <a:buChar char="•"/>
-            </a:pPr>
-            <a:r>
-              <a:rPr lang="de-AT" dirty="0" err="1" smtClean="0"/>
-              <a:t>F.example</a:t>
-            </a:r>
-            <a:r>
-              <a:rPr lang="de-AT" dirty="0" smtClean="0"/>
-              <a:t>: </a:t>
-            </a:r>
-            <a:r>
-              <a:rPr lang="de-AT" dirty="0" err="1" smtClean="0"/>
-              <a:t>Branch</a:t>
-            </a:r>
-            <a:r>
-              <a:rPr lang="de-AT" dirty="0" smtClean="0"/>
-              <a:t> </a:t>
-            </a:r>
-            <a:r>
-              <a:rPr lang="de-AT" dirty="0" err="1" smtClean="0"/>
-              <a:t>and</a:t>
-            </a:r>
-            <a:r>
-              <a:rPr lang="de-AT" dirty="0" smtClean="0"/>
-              <a:t> </a:t>
-            </a:r>
-            <a:r>
-              <a:rPr lang="de-AT" dirty="0" err="1" smtClean="0"/>
-              <a:t>bound</a:t>
-            </a:r>
-            <a:r>
-              <a:rPr lang="de-AT" dirty="0" smtClean="0"/>
-              <a:t>, </a:t>
-            </a:r>
-            <a:r>
-              <a:rPr lang="de-AT" dirty="0" err="1" smtClean="0"/>
-              <a:t>genetic</a:t>
-            </a:r>
-            <a:r>
-              <a:rPr lang="de-AT" dirty="0" smtClean="0"/>
-              <a:t> </a:t>
-            </a:r>
-            <a:r>
-              <a:rPr lang="de-AT" dirty="0" err="1" smtClean="0"/>
-              <a:t>algorithms</a:t>
-            </a:r>
-            <a:endParaRPr lang="de-AT" dirty="0" smtClean="0"/>
-          </a:p>
           <a:p>
             <a:pPr marL="0" indent="0"/>
             <a:endParaRPr lang="de-AT" dirty="0"/>
@@ -8216,6 +10186,78 @@
                 <a:schemeClr val="tx1"/>
               </a:solidFill>
             </a:endParaRPr>
+          </a:p>
+        </p:txBody>
+      </p:sp>
+      <p:pic>
+        <p:nvPicPr>
+          <p:cNvPr id="8" name="Grafik 7"/>
+          <p:cNvPicPr>
+            <a:picLocks noChangeAspect="1"/>
+          </p:cNvPicPr>
+          <p:nvPr/>
+        </p:nvPicPr>
+        <p:blipFill>
+          <a:blip r:embed="rId3"/>
+          <a:stretch>
+            <a:fillRect/>
+          </a:stretch>
+        </p:blipFill>
+        <p:spPr>
+          <a:xfrm>
+            <a:off x="323528" y="1931573"/>
+            <a:ext cx="6900891" cy="4449755"/>
+          </a:xfrm>
+          <a:prstGeom prst="rect">
+            <a:avLst/>
+          </a:prstGeom>
+        </p:spPr>
+      </p:pic>
+      <p:sp>
+        <p:nvSpPr>
+          <p:cNvPr id="9" name="Rechteck 8"/>
+          <p:cNvSpPr/>
+          <p:nvPr/>
+        </p:nvSpPr>
+        <p:spPr>
+          <a:xfrm>
+            <a:off x="2195736" y="2557003"/>
+            <a:ext cx="2232248" cy="367941"/>
+          </a:xfrm>
+          <a:prstGeom prst="rect">
+            <a:avLst/>
+          </a:prstGeom>
+          <a:solidFill>
+            <a:srgbClr val="92D050">
+              <a:alpha val="45098"/>
+            </a:srgbClr>
+          </a:solidFill>
+          <a:ln>
+            <a:noFill/>
+          </a:ln>
+        </p:spPr>
+        <p:style>
+          <a:lnRef idx="2">
+            <a:schemeClr val="accent1">
+              <a:shade val="50000"/>
+            </a:schemeClr>
+          </a:lnRef>
+          <a:fillRef idx="1">
+            <a:schemeClr val="accent1"/>
+          </a:fillRef>
+          <a:effectRef idx="0">
+            <a:schemeClr val="accent1"/>
+          </a:effectRef>
+          <a:fontRef idx="minor">
+            <a:schemeClr val="lt1"/>
+          </a:fontRef>
+        </p:style>
+        <p:txBody>
+          <a:bodyPr rtlCol="0" anchor="ctr"/>
+          <a:lstStyle/>
+          <a:p>
+            <a:pPr algn="ctr"/>
+            <a:endParaRPr lang="de-AT" dirty="0"/>
           </a:p>
         </p:txBody>
       </p:sp>
@@ -8266,200 +10308,42 @@
             <p:ph type="title"/>
           </p:nvPr>
         </p:nvSpPr>
+        <p:spPr>
+          <a:xfrm>
+            <a:off x="857224" y="1285860"/>
+            <a:ext cx="7429552" cy="630972"/>
+          </a:xfrm>
+        </p:spPr>
+        <p:txBody>
+          <a:bodyPr/>
+          <a:lstStyle/>
+          <a:p>
+            <a:r>
+              <a:rPr lang="de-AT" dirty="0" smtClean="0"/>
+              <a:t>Wrapper </a:t>
+            </a:r>
+            <a:r>
+              <a:rPr lang="de-AT" dirty="0" err="1" smtClean="0"/>
+              <a:t>methods</a:t>
+            </a:r>
+            <a:endParaRPr lang="de-AT" dirty="0"/>
+          </a:p>
+        </p:txBody>
+      </p:sp>
+      <p:sp>
+        <p:nvSpPr>
+          <p:cNvPr id="6" name="Inhaltsplatzhalter 5"/>
+          <p:cNvSpPr>
+            <a:spLocks noGrp="1"/>
+          </p:cNvSpPr>
+          <p:nvPr>
+            <p:ph idx="1"/>
+          </p:nvPr>
+        </p:nvSpPr>
         <p:spPr/>
         <p:txBody>
           <a:bodyPr/>
           <a:lstStyle/>
-          <a:p>
-            <a:r>
-              <a:rPr lang="de-AT" dirty="0" err="1" smtClean="0"/>
-              <a:t>Example</a:t>
-            </a:r>
-            <a:r>
-              <a:rPr lang="de-AT" dirty="0" smtClean="0"/>
-              <a:t>: </a:t>
-            </a:r>
-            <a:r>
-              <a:rPr lang="de-AT" dirty="0" err="1" smtClean="0"/>
-              <a:t>Genetic</a:t>
-            </a:r>
-            <a:r>
-              <a:rPr lang="de-AT" dirty="0" smtClean="0"/>
-              <a:t> </a:t>
-            </a:r>
-            <a:r>
-              <a:rPr lang="de-AT" dirty="0" err="1" smtClean="0"/>
-              <a:t>algorithms</a:t>
-            </a:r>
-            <a:endParaRPr lang="de-AT" dirty="0"/>
-          </a:p>
-        </p:txBody>
-      </p:sp>
-      <p:sp>
-        <p:nvSpPr>
-          <p:cNvPr id="6" name="Inhaltsplatzhalter 5"/>
-          <p:cNvSpPr>
-            <a:spLocks noGrp="1"/>
-          </p:cNvSpPr>
-          <p:nvPr>
-            <p:ph idx="1"/>
-          </p:nvPr>
-        </p:nvSpPr>
-        <p:spPr/>
-        <p:txBody>
-          <a:bodyPr/>
-          <a:lstStyle/>
-          <a:p>
-            <a:pPr marL="457200" indent="-457200">
-              <a:buFont typeface="+mj-lt"/>
-              <a:buAutoNum type="arabicPeriod"/>
-            </a:pPr>
-            <a:r>
-              <a:rPr lang="de-AT" dirty="0" smtClean="0"/>
-              <a:t>Search </a:t>
-            </a:r>
-            <a:r>
-              <a:rPr lang="de-AT" dirty="0" err="1" smtClean="0"/>
-              <a:t>for</a:t>
-            </a:r>
-            <a:r>
-              <a:rPr lang="de-AT" dirty="0" smtClean="0"/>
-              <a:t> potential </a:t>
-            </a:r>
-            <a:r>
-              <a:rPr lang="de-AT" dirty="0" err="1" smtClean="0"/>
-              <a:t>subset</a:t>
-            </a:r>
-            <a:endParaRPr lang="de-AT" dirty="0"/>
-          </a:p>
-          <a:p>
-            <a:pPr marL="457200" indent="-457200">
-              <a:buFont typeface="+mj-lt"/>
-              <a:buAutoNum type="arabicPeriod"/>
-            </a:pPr>
-            <a:r>
-              <a:rPr lang="de-AT" dirty="0" err="1" smtClean="0"/>
-              <a:t>Estimate</a:t>
-            </a:r>
-            <a:r>
-              <a:rPr lang="de-AT" dirty="0" smtClean="0"/>
-              <a:t> </a:t>
-            </a:r>
-            <a:r>
-              <a:rPr lang="de-AT" dirty="0" err="1" smtClean="0"/>
-              <a:t>performance</a:t>
-            </a:r>
-            <a:r>
-              <a:rPr lang="de-AT" dirty="0" smtClean="0"/>
-              <a:t> on </a:t>
-            </a:r>
-            <a:r>
-              <a:rPr lang="de-AT" dirty="0" err="1" smtClean="0"/>
-              <a:t>classifier</a:t>
-            </a:r>
-            <a:endParaRPr lang="de-AT" dirty="0"/>
-          </a:p>
-          <a:p>
-            <a:pPr marL="457200" indent="-457200">
-              <a:buFont typeface="+mj-lt"/>
-              <a:buAutoNum type="arabicPeriod"/>
-            </a:pPr>
-            <a:r>
-              <a:rPr lang="de-AT" dirty="0" err="1" smtClean="0"/>
-              <a:t>Iterate</a:t>
-            </a:r>
-            <a:r>
-              <a:rPr lang="de-AT" dirty="0" smtClean="0"/>
-              <a:t> </a:t>
-            </a:r>
-            <a:r>
-              <a:rPr lang="de-AT" dirty="0" err="1" smtClean="0"/>
-              <a:t>until</a:t>
-            </a:r>
-            <a:r>
-              <a:rPr lang="de-AT" dirty="0" smtClean="0"/>
-              <a:t> </a:t>
-            </a:r>
-            <a:r>
-              <a:rPr lang="de-AT" dirty="0" err="1" smtClean="0"/>
-              <a:t>desired</a:t>
-            </a:r>
-            <a:r>
-              <a:rPr lang="de-AT" dirty="0" smtClean="0"/>
-              <a:t> </a:t>
-            </a:r>
-            <a:r>
-              <a:rPr lang="de-AT" dirty="0" err="1" smtClean="0"/>
-              <a:t>quality</a:t>
-            </a:r>
-            <a:r>
-              <a:rPr lang="de-AT" dirty="0" smtClean="0"/>
-              <a:t> </a:t>
-            </a:r>
-            <a:r>
-              <a:rPr lang="de-AT" dirty="0" err="1" smtClean="0"/>
-              <a:t>achieved</a:t>
-            </a:r>
-            <a:endParaRPr lang="de-AT" dirty="0" smtClean="0"/>
-          </a:p>
-          <a:p>
-            <a:pPr>
-              <a:buFont typeface="Arial" panose="020B0604020202020204" pitchFamily="34" charset="0"/>
-              <a:buChar char="•"/>
-            </a:pPr>
-            <a:endParaRPr lang="de-AT" dirty="0"/>
-          </a:p>
-          <a:p>
-            <a:pPr>
-              <a:buFont typeface="Arial" panose="020B0604020202020204" pitchFamily="34" charset="0"/>
-              <a:buChar char="•"/>
-            </a:pPr>
-            <a:r>
-              <a:rPr lang="de-AT" dirty="0" err="1" smtClean="0"/>
-              <a:t>F.example</a:t>
-            </a:r>
-            <a:r>
-              <a:rPr lang="de-AT" dirty="0" smtClean="0"/>
-              <a:t>: </a:t>
-            </a:r>
-            <a:r>
-              <a:rPr lang="de-AT" dirty="0" err="1" smtClean="0"/>
-              <a:t>Branch</a:t>
-            </a:r>
-            <a:r>
-              <a:rPr lang="de-AT" dirty="0" smtClean="0"/>
-              <a:t> </a:t>
-            </a:r>
-            <a:r>
-              <a:rPr lang="de-AT" dirty="0" err="1" smtClean="0"/>
-              <a:t>and</a:t>
-            </a:r>
-            <a:r>
-              <a:rPr lang="de-AT" dirty="0" smtClean="0"/>
-              <a:t> </a:t>
-            </a:r>
-            <a:r>
-              <a:rPr lang="de-AT" dirty="0" err="1" smtClean="0"/>
-              <a:t>bound</a:t>
-            </a:r>
-            <a:r>
-              <a:rPr lang="de-AT" dirty="0" smtClean="0"/>
-              <a:t>, </a:t>
-            </a:r>
-            <a:r>
-              <a:rPr lang="de-AT" dirty="0" err="1" smtClean="0"/>
-              <a:t>genetic</a:t>
-            </a:r>
-            <a:r>
-              <a:rPr lang="de-AT" dirty="0" smtClean="0"/>
-              <a:t> </a:t>
-            </a:r>
-            <a:r>
-              <a:rPr lang="de-AT" dirty="0" err="1" smtClean="0"/>
-              <a:t>algorithms</a:t>
-            </a:r>
-            <a:endParaRPr lang="de-AT" dirty="0" smtClean="0"/>
-          </a:p>
           <a:p>
             <a:pPr marL="0" indent="0"/>
             <a:endParaRPr lang="de-AT" dirty="0"/>
@@ -8596,10 +10480,82 @@
           </a:p>
         </p:txBody>
       </p:sp>
+      <p:pic>
+        <p:nvPicPr>
+          <p:cNvPr id="8" name="Grafik 7"/>
+          <p:cNvPicPr>
+            <a:picLocks noChangeAspect="1"/>
+          </p:cNvPicPr>
+          <p:nvPr/>
+        </p:nvPicPr>
+        <p:blipFill>
+          <a:blip r:embed="rId3"/>
+          <a:stretch>
+            <a:fillRect/>
+          </a:stretch>
+        </p:blipFill>
+        <p:spPr>
+          <a:xfrm>
+            <a:off x="323528" y="1931573"/>
+            <a:ext cx="6900891" cy="4449755"/>
+          </a:xfrm>
+          <a:prstGeom prst="rect">
+            <a:avLst/>
+          </a:prstGeom>
+        </p:spPr>
+      </p:pic>
+      <p:sp>
+        <p:nvSpPr>
+          <p:cNvPr id="9" name="Rechteck 8"/>
+          <p:cNvSpPr/>
+          <p:nvPr/>
+        </p:nvSpPr>
+        <p:spPr>
+          <a:xfrm>
+            <a:off x="2195736" y="3861048"/>
+            <a:ext cx="2232248" cy="1728192"/>
+          </a:xfrm>
+          <a:prstGeom prst="rect">
+            <a:avLst/>
+          </a:prstGeom>
+          <a:solidFill>
+            <a:srgbClr val="92D050">
+              <a:alpha val="45098"/>
+            </a:srgbClr>
+          </a:solidFill>
+          <a:ln>
+            <a:noFill/>
+          </a:ln>
+        </p:spPr>
+        <p:style>
+          <a:lnRef idx="2">
+            <a:schemeClr val="accent1">
+              <a:shade val="50000"/>
+            </a:schemeClr>
+          </a:lnRef>
+          <a:fillRef idx="1">
+            <a:schemeClr val="accent1"/>
+          </a:fillRef>
+          <a:effectRef idx="0">
+            <a:schemeClr val="accent1"/>
+          </a:effectRef>
+          <a:fontRef idx="minor">
+            <a:schemeClr val="lt1"/>
+          </a:fontRef>
+        </p:style>
+        <p:txBody>
+          <a:bodyPr rtlCol="0" anchor="ctr"/>
+          <a:lstStyle/>
+          <a:p>
+            <a:pPr algn="ctr"/>
+            <a:endParaRPr lang="de-AT" dirty="0"/>
+          </a:p>
+        </p:txBody>
+      </p:sp>
     </p:spTree>
     <p:extLst>
       <p:ext uri="{BB962C8B-B14F-4D97-AF65-F5344CB8AC3E}">
-        <p14:creationId xmlns:p14="http://schemas.microsoft.com/office/powerpoint/2010/main" val="3514552970"/>
+        <p14:creationId xmlns:p14="http://schemas.microsoft.com/office/powerpoint/2010/main" val="4111939164"/>
       </p:ext>
     </p:extLst>
   </p:cSld>
@@ -8643,131 +10599,48 @@
             <p:ph type="title"/>
           </p:nvPr>
         </p:nvSpPr>
+        <p:spPr>
+          <a:xfrm>
+            <a:off x="857224" y="1285860"/>
+            <a:ext cx="7429552" cy="630972"/>
+          </a:xfrm>
+        </p:spPr>
+        <p:txBody>
+          <a:bodyPr/>
+          <a:lstStyle/>
+          <a:p>
+            <a:r>
+              <a:rPr lang="de-AT" dirty="0" smtClean="0"/>
+              <a:t>Wrapper </a:t>
+            </a:r>
+            <a:r>
+              <a:rPr lang="de-AT" dirty="0" err="1" smtClean="0"/>
+              <a:t>methods</a:t>
+            </a:r>
+            <a:endParaRPr lang="de-AT" dirty="0"/>
+          </a:p>
+        </p:txBody>
+      </p:sp>
+      <p:sp>
+        <p:nvSpPr>
+          <p:cNvPr id="6" name="Inhaltsplatzhalter 5"/>
+          <p:cNvSpPr>
+            <a:spLocks noGrp="1"/>
+          </p:cNvSpPr>
+          <p:nvPr>
+            <p:ph idx="1"/>
+          </p:nvPr>
+        </p:nvSpPr>
         <p:spPr/>
         <p:txBody>
           <a:bodyPr/>
           <a:lstStyle/>
           <a:p>
-            <a:r>
-              <a:rPr lang="de-AT" dirty="0" smtClean="0"/>
-              <a:t>Embedded  </a:t>
-            </a:r>
-            <a:r>
-              <a:rPr lang="de-AT" dirty="0" err="1" smtClean="0"/>
-              <a:t>methods</a:t>
-            </a:r>
+            <a:pPr marL="0" indent="0"/>
             <a:endParaRPr lang="de-AT" dirty="0"/>
           </a:p>
-        </p:txBody>
-      </p:sp>
-      <p:sp>
-        <p:nvSpPr>
-          <p:cNvPr id="6" name="Inhaltsplatzhalter 5"/>
-          <p:cNvSpPr>
-            <a:spLocks noGrp="1"/>
-          </p:cNvSpPr>
-          <p:nvPr>
-            <p:ph idx="1"/>
-          </p:nvPr>
-        </p:nvSpPr>
-        <p:spPr/>
-        <p:txBody>
-          <a:bodyPr/>
-          <a:lstStyle/>
-          <a:p>
-            <a:pPr>
-              <a:buFont typeface="Arial" panose="020B0604020202020204" pitchFamily="34" charset="0"/>
-              <a:buChar char="•"/>
-            </a:pPr>
-            <a:r>
-              <a:rPr lang="de-AT" dirty="0" smtClean="0"/>
-              <a:t>Hybrid </a:t>
-            </a:r>
-            <a:r>
-              <a:rPr lang="de-AT" dirty="0" err="1" smtClean="0"/>
-              <a:t>method</a:t>
-            </a:r>
-            <a:endParaRPr lang="de-AT" dirty="0" smtClean="0"/>
-          </a:p>
-          <a:p>
-            <a:pPr>
-              <a:buFont typeface="Arial" panose="020B0604020202020204" pitchFamily="34" charset="0"/>
-              <a:buChar char="•"/>
-            </a:pPr>
-            <a:r>
-              <a:rPr lang="de-AT" dirty="0" err="1" smtClean="0"/>
-              <a:t>Computationally</a:t>
-            </a:r>
-            <a:r>
-              <a:rPr lang="de-AT" dirty="0" smtClean="0"/>
-              <a:t> </a:t>
-            </a:r>
-            <a:r>
-              <a:rPr lang="de-AT" dirty="0" err="1" smtClean="0"/>
-              <a:t>efficient</a:t>
-            </a:r>
-            <a:endParaRPr lang="de-AT" dirty="0" smtClean="0"/>
-          </a:p>
-          <a:p>
-            <a:pPr>
-              <a:buFont typeface="Arial" panose="020B0604020202020204" pitchFamily="34" charset="0"/>
-              <a:buChar char="•"/>
-            </a:pPr>
-            <a:r>
-              <a:rPr lang="de-AT" dirty="0" smtClean="0"/>
-              <a:t>Higher </a:t>
-            </a:r>
-            <a:r>
-              <a:rPr lang="de-AT" dirty="0" err="1" smtClean="0"/>
-              <a:t>quality</a:t>
-            </a:r>
-            <a:r>
-              <a:rPr lang="de-AT" dirty="0" smtClean="0"/>
-              <a:t> </a:t>
-            </a:r>
-            <a:r>
-              <a:rPr lang="de-AT" dirty="0" err="1" smtClean="0"/>
-              <a:t>for</a:t>
-            </a:r>
-            <a:r>
-              <a:rPr lang="de-AT" dirty="0" smtClean="0"/>
-              <a:t> </a:t>
-            </a:r>
-            <a:r>
-              <a:rPr lang="de-AT" dirty="0" err="1" smtClean="0"/>
-              <a:t>classification</a:t>
-            </a:r>
-            <a:endParaRPr lang="de-AT" dirty="0" smtClean="0"/>
-          </a:p>
-          <a:p>
-            <a:pPr>
-              <a:buFont typeface="Arial" panose="020B0604020202020204" pitchFamily="34" charset="0"/>
-              <a:buChar char="•"/>
-            </a:pPr>
-            <a:endParaRPr lang="de-AT" dirty="0"/>
-          </a:p>
           <a:p>
             <a:pPr marL="0" indent="0"/>
-            <a:r>
-              <a:rPr lang="de-AT" dirty="0" err="1" smtClean="0"/>
-              <a:t>F.ex</a:t>
-            </a:r>
-            <a:r>
-              <a:rPr lang="de-AT" dirty="0" smtClean="0"/>
-              <a:t>. SVM, </a:t>
-            </a:r>
-            <a:r>
-              <a:rPr lang="de-AT" dirty="0" err="1" smtClean="0"/>
-              <a:t>Logistic</a:t>
-            </a:r>
-            <a:r>
-              <a:rPr lang="de-AT" dirty="0" smtClean="0"/>
-              <a:t> </a:t>
-            </a:r>
-            <a:r>
-              <a:rPr lang="de-AT" dirty="0" err="1" smtClean="0"/>
-              <a:t>regression</a:t>
-            </a:r>
             <a:endParaRPr lang="de-AT" dirty="0"/>
           </a:p>
         </p:txBody>
@@ -8790,7 +10663,7 @@
             <a:pPr>
               <a:defRPr/>
             </a:pPr>
-            <a:fld id="{214F5F98-C06E-4B49-A19C-86E8EF8C3A8B}" type="datetime1">
+            <a:fld id="{A99E4E83-FA2E-46A0-B301-8CE1B5AC943C}" type="datetime1">
               <a:rPr lang="de-AT" smtClean="0"/>
               <a:t>25.01.2016</a:t>
             </a:fld>
@@ -8848,57 +10721,16 @@
           </a:p>
         </p:txBody>
       </p:sp>
-      <p:pic>
-        <p:nvPicPr>
-          <p:cNvPr id="7" name="Picture 2" descr="https://encrypted-tbn1.gstatic.com/images?q=tbn:ANd9GcSHeZd9qwTw6uYFPJLtfTdhQ1pxTKLiDaGL0fIY7E0Fs5uVBNUNuA"/>
-          <p:cNvPicPr>
-            <a:picLocks noChangeAspect="1" noChangeArrowheads="1"/>
-          </p:cNvPicPr>
-          <p:nvPr/>
-        </p:nvPicPr>
-        <p:blipFill>
-          <a:blip r:embed="rId2">
-            <a:extLst>
-              <a:ext uri="{28A0092B-C50C-407E-A947-70E740481C1C}">
-                <a14:useLocalDpi xmlns:a14="http://schemas.microsoft.com/office/drawing/2010/main" val="0"/>
-              </a:ext>
-            </a:extLst>
-          </a:blip>
-          <a:srcRect/>
-          <a:stretch>
-            <a:fillRect/>
-          </a:stretch>
-        </p:blipFill>
-        <p:spPr bwMode="auto">
-          <a:xfrm>
-            <a:off x="7524328" y="1120242"/>
-            <a:ext cx="661356" cy="1232116"/>
-          </a:xfrm>
-          <a:prstGeom prst="rect">
-            <a:avLst/>
-          </a:prstGeom>
-          <a:noFill/>
-          <a:extLst>
-            <a:ext uri="{909E8E84-426E-40DD-AFC4-6F175D3DCCD1}">
-              <a14:hiddenFill xmlns:a14="http://schemas.microsoft.com/office/drawing/2010/main">
-                <a:solidFill>
-                  <a:srgbClr val="FFFFFF"/>
-                </a:solidFill>
-              </a14:hiddenFill>
-            </a:ext>
-          </a:extLst>
-        </p:spPr>
-      </p:pic>
-      <p:sp>
-        <p:nvSpPr>
-          <p:cNvPr id="8" name="Nach rechts gekrümmter Pfeil 7"/>
+      <p:sp>
+        <p:nvSpPr>
+          <p:cNvPr id="7" name="Nach rechts gekrümmter Pfeil 6"/>
           <p:cNvSpPr/>
           <p:nvPr/>
         </p:nvSpPr>
         <p:spPr>
           <a:xfrm>
-            <a:off x="6720011" y="1455889"/>
-            <a:ext cx="616412" cy="821882"/>
+            <a:off x="7308304" y="1285860"/>
+            <a:ext cx="703789" cy="938385"/>
           </a:xfrm>
           <a:prstGeom prst="curvedRightArrow">
             <a:avLst/>
@@ -8939,10 +10771,93 @@
           </a:p>
         </p:txBody>
       </p:sp>
+      <p:pic>
+        <p:nvPicPr>
+          <p:cNvPr id="8" name="Grafik 7"/>
+          <p:cNvPicPr>
+            <a:picLocks noChangeAspect="1"/>
+          </p:cNvPicPr>
+          <p:nvPr/>
+        </p:nvPicPr>
+        <p:blipFill>
+          <a:blip r:embed="rId3"/>
+          <a:stretch>
+            <a:fillRect/>
+          </a:stretch>
+        </p:blipFill>
+        <p:spPr>
+          <a:xfrm>
+            <a:off x="323528" y="1931573"/>
+            <a:ext cx="6900891" cy="4449755"/>
+          </a:xfrm>
+          <a:prstGeom prst="rect">
+            <a:avLst/>
+          </a:prstGeom>
+        </p:spPr>
+      </p:pic>
+      <p:sp>
+        <p:nvSpPr>
+          <p:cNvPr id="11" name="180-Grad-Pfeil 10"/>
+          <p:cNvSpPr/>
+          <p:nvPr/>
+        </p:nvSpPr>
+        <p:spPr>
+          <a:xfrm rot="16200000">
+            <a:off x="-89334" y="3409815"/>
+            <a:ext cx="2717183" cy="1315392"/>
+          </a:xfrm>
+          <a:prstGeom prst="uturnArrow">
+            <a:avLst>
+              <a:gd name="adj1" fmla="val 13814"/>
+              <a:gd name="adj2" fmla="val 25000"/>
+              <a:gd name="adj3" fmla="val 23402"/>
+              <a:gd name="adj4" fmla="val 43750"/>
+              <a:gd name="adj5" fmla="val 100000"/>
+            </a:avLst>
+          </a:prstGeom>
+          <a:solidFill>
+            <a:schemeClr val="accent3">
+              <a:lumMod val="60000"/>
+              <a:lumOff val="40000"/>
+            </a:schemeClr>
+          </a:solidFill>
+          <a:ln>
+            <a:noFill/>
+          </a:ln>
+        </p:spPr>
+        <p:style>
+          <a:lnRef idx="2">
+            <a:schemeClr val="accent1">
+              <a:shade val="50000"/>
+            </a:schemeClr>
+          </a:lnRef>
+          <a:fillRef idx="1">
+            <a:schemeClr val="accent1"/>
+          </a:fillRef>
+          <a:effectRef idx="0">
+            <a:schemeClr val="accent1"/>
+          </a:effectRef>
+          <a:fontRef idx="minor">
+            <a:schemeClr val="lt1"/>
+          </a:fontRef>
+        </p:style>
+        <p:txBody>
+          <a:bodyPr rtlCol="0" anchor="ctr"/>
+          <a:lstStyle/>
+          <a:p>
+            <a:pPr algn="ctr"/>
+            <a:endParaRPr lang="de-AT">
+              <a:solidFill>
+                <a:schemeClr val="tx1"/>
+              </a:solidFill>
+            </a:endParaRPr>
+          </a:p>
+        </p:txBody>
+      </p:sp>
     </p:spTree>
     <p:extLst>
       <p:ext uri="{BB962C8B-B14F-4D97-AF65-F5344CB8AC3E}">
-        <p14:creationId xmlns:p14="http://schemas.microsoft.com/office/powerpoint/2010/main" val="3220308482"/>
+        <p14:creationId xmlns:p14="http://schemas.microsoft.com/office/powerpoint/2010/main" val="2349228483"/>
       </p:ext>
     </p:extLst>
   </p:cSld>
@@ -8986,94 +10901,48 @@
             <p:ph type="title"/>
           </p:nvPr>
         </p:nvSpPr>
+        <p:spPr>
+          <a:xfrm>
+            <a:off x="857224" y="1285860"/>
+            <a:ext cx="7429552" cy="630972"/>
+          </a:xfrm>
+        </p:spPr>
+        <p:txBody>
+          <a:bodyPr/>
+          <a:lstStyle/>
+          <a:p>
+            <a:r>
+              <a:rPr lang="de-AT" dirty="0" smtClean="0"/>
+              <a:t>Wrapper </a:t>
+            </a:r>
+            <a:r>
+              <a:rPr lang="de-AT" dirty="0" err="1" smtClean="0"/>
+              <a:t>methods</a:t>
+            </a:r>
+            <a:endParaRPr lang="de-AT" dirty="0"/>
+          </a:p>
+        </p:txBody>
+      </p:sp>
+      <p:sp>
+        <p:nvSpPr>
+          <p:cNvPr id="6" name="Inhaltsplatzhalter 5"/>
+          <p:cNvSpPr>
+            <a:spLocks noGrp="1"/>
+          </p:cNvSpPr>
+          <p:nvPr>
+            <p:ph idx="1"/>
+          </p:nvPr>
+        </p:nvSpPr>
         <p:spPr/>
         <p:txBody>
           <a:bodyPr/>
           <a:lstStyle/>
           <a:p>
-            <a:r>
-              <a:rPr lang="de-AT" dirty="0" smtClean="0"/>
-              <a:t>Embedded  </a:t>
-            </a:r>
-            <a:r>
-              <a:rPr lang="de-AT" dirty="0" err="1" smtClean="0"/>
-              <a:t>methods</a:t>
-            </a:r>
+            <a:pPr marL="0" indent="0"/>
             <a:endParaRPr lang="de-AT" dirty="0"/>
           </a:p>
-        </p:txBody>
-      </p:sp>
-      <p:sp>
-        <p:nvSpPr>
-          <p:cNvPr id="6" name="Inhaltsplatzhalter 5"/>
-          <p:cNvSpPr>
-            <a:spLocks noGrp="1"/>
-          </p:cNvSpPr>
-          <p:nvPr>
-            <p:ph idx="1"/>
-          </p:nvPr>
-        </p:nvSpPr>
-        <p:spPr/>
-        <p:txBody>
-          <a:bodyPr/>
-          <a:lstStyle/>
-          <a:p>
-            <a:pPr>
-              <a:buFont typeface="Arial" panose="020B0604020202020204" pitchFamily="34" charset="0"/>
-              <a:buChar char="•"/>
-            </a:pPr>
-            <a:r>
-              <a:rPr lang="en-US" dirty="0" smtClean="0"/>
-              <a:t>PAPER: “In </a:t>
-            </a:r>
-            <a:r>
-              <a:rPr lang="en-US" dirty="0"/>
-              <a:t>regularization methods, classifier induction and feature selection are </a:t>
-            </a:r>
-            <a:r>
-              <a:rPr lang="en-US" dirty="0" smtClean="0"/>
-              <a:t>achieved </a:t>
-            </a:r>
-            <a:r>
-              <a:rPr lang="de-AT" dirty="0" err="1" smtClean="0"/>
-              <a:t>simultaneously</a:t>
-            </a:r>
-            <a:r>
-              <a:rPr lang="de-AT" dirty="0" smtClean="0"/>
-              <a:t> </a:t>
-            </a:r>
-            <a:r>
-              <a:rPr lang="de-AT" dirty="0" err="1"/>
-              <a:t>by</a:t>
-            </a:r>
-            <a:r>
-              <a:rPr lang="de-AT" dirty="0"/>
-              <a:t> </a:t>
-            </a:r>
-            <a:r>
-              <a:rPr lang="de-AT" dirty="0" err="1" smtClean="0"/>
-              <a:t>estimating</a:t>
-            </a:r>
-            <a:r>
-              <a:rPr lang="de-AT" dirty="0" smtClean="0"/>
-              <a:t> </a:t>
-            </a:r>
-            <a:r>
-              <a:rPr lang="en-US" dirty="0" smtClean="0"/>
-              <a:t>w </a:t>
-            </a:r>
-            <a:r>
-              <a:rPr lang="en-US" dirty="0"/>
-              <a:t>with properly tuned </a:t>
-            </a:r>
-            <a:r>
-              <a:rPr lang="en-US"/>
-              <a:t>penalties</a:t>
-            </a:r>
-            <a:r>
-              <a:rPr lang="en-US" smtClean="0"/>
-              <a:t>.”</a:t>
-            </a:r>
+          <a:p>
+            <a:pPr marL="0" indent="0"/>
             <a:endParaRPr lang="de-AT" dirty="0"/>
           </a:p>
         </p:txBody>
@@ -9096,7 +10965,7 @@
             <a:pPr>
               <a:defRPr/>
             </a:pPr>
-            <a:fld id="{214F5F98-C06E-4B49-A19C-86E8EF8C3A8B}" type="datetime1">
+            <a:fld id="{A99E4E83-FA2E-46A0-B301-8CE1B5AC943C}" type="datetime1">
               <a:rPr lang="de-AT" smtClean="0"/>
               <a:t>25.01.2016</a:t>
             </a:fld>
@@ -9154,57 +11023,16 @@
           </a:p>
         </p:txBody>
       </p:sp>
-      <p:pic>
-        <p:nvPicPr>
-          <p:cNvPr id="7" name="Picture 2" descr="https://encrypted-tbn1.gstatic.com/images?q=tbn:ANd9GcSHeZd9qwTw6uYFPJLtfTdhQ1pxTKLiDaGL0fIY7E0Fs5uVBNUNuA"/>
-          <p:cNvPicPr>
-            <a:picLocks noChangeAspect="1" noChangeArrowheads="1"/>
-          </p:cNvPicPr>
-          <p:nvPr/>
-        </p:nvPicPr>
-        <p:blipFill>
-          <a:blip r:embed="rId2">
-            <a:extLst>
-              <a:ext uri="{28A0092B-C50C-407E-A947-70E740481C1C}">
-                <a14:useLocalDpi xmlns:a14="http://schemas.microsoft.com/office/drawing/2010/main" val="0"/>
-              </a:ext>
-            </a:extLst>
-          </a:blip>
-          <a:srcRect/>
-          <a:stretch>
-            <a:fillRect/>
-          </a:stretch>
-        </p:blipFill>
-        <p:spPr bwMode="auto">
-          <a:xfrm>
-            <a:off x="7524328" y="1120242"/>
-            <a:ext cx="661356" cy="1232116"/>
-          </a:xfrm>
-          <a:prstGeom prst="rect">
-            <a:avLst/>
-          </a:prstGeom>
-          <a:noFill/>
-          <a:extLst>
-            <a:ext uri="{909E8E84-426E-40DD-AFC4-6F175D3DCCD1}">
-              <a14:hiddenFill xmlns:a14="http://schemas.microsoft.com/office/drawing/2010/main">
-                <a:solidFill>
-                  <a:srgbClr val="FFFFFF"/>
-                </a:solidFill>
-              </a14:hiddenFill>
-            </a:ext>
-          </a:extLst>
-        </p:spPr>
-      </p:pic>
-      <p:sp>
-        <p:nvSpPr>
-          <p:cNvPr id="8" name="Nach rechts gekrümmter Pfeil 7"/>
+      <p:sp>
+        <p:nvSpPr>
+          <p:cNvPr id="7" name="Nach rechts gekrümmter Pfeil 6"/>
           <p:cNvSpPr/>
           <p:nvPr/>
         </p:nvSpPr>
         <p:spPr>
           <a:xfrm>
-            <a:off x="6720011" y="1455889"/>
-            <a:ext cx="616412" cy="821882"/>
+            <a:off x="7308304" y="1285860"/>
+            <a:ext cx="703789" cy="938385"/>
           </a:xfrm>
           <a:prstGeom prst="curvedRightArrow">
             <a:avLst/>
@@ -9245,10 +11073,82 @@
           </a:p>
         </p:txBody>
       </p:sp>
+      <p:pic>
+        <p:nvPicPr>
+          <p:cNvPr id="8" name="Grafik 7"/>
+          <p:cNvPicPr>
+            <a:picLocks noChangeAspect="1"/>
+          </p:cNvPicPr>
+          <p:nvPr/>
+        </p:nvPicPr>
+        <p:blipFill>
+          <a:blip r:embed="rId3"/>
+          <a:stretch>
+            <a:fillRect/>
+          </a:stretch>
+        </p:blipFill>
+        <p:spPr>
+          <a:xfrm>
+            <a:off x="323528" y="1931573"/>
+            <a:ext cx="6900891" cy="4449755"/>
+          </a:xfrm>
+          <a:prstGeom prst="rect">
+            <a:avLst/>
+          </a:prstGeom>
+        </p:spPr>
+      </p:pic>
+      <p:sp>
+        <p:nvSpPr>
+          <p:cNvPr id="9" name="Rechteck 8"/>
+          <p:cNvSpPr/>
+          <p:nvPr/>
+        </p:nvSpPr>
+        <p:spPr>
+          <a:xfrm>
+            <a:off x="4716016" y="2924944"/>
+            <a:ext cx="936104" cy="576064"/>
+          </a:xfrm>
+          <a:prstGeom prst="rect">
+            <a:avLst/>
+          </a:prstGeom>
+          <a:solidFill>
+            <a:srgbClr val="92D050">
+              <a:alpha val="45098"/>
+            </a:srgbClr>
+          </a:solidFill>
+          <a:ln>
+            <a:noFill/>
+          </a:ln>
+        </p:spPr>
+        <p:style>
+          <a:lnRef idx="2">
+            <a:schemeClr val="accent1">
+              <a:shade val="50000"/>
+            </a:schemeClr>
+          </a:lnRef>
+          <a:fillRef idx="1">
+            <a:schemeClr val="accent1"/>
+          </a:fillRef>
+          <a:effectRef idx="0">
+            <a:schemeClr val="accent1"/>
+          </a:effectRef>
+          <a:fontRef idx="minor">
+            <a:schemeClr val="lt1"/>
+          </a:fontRef>
+        </p:style>
+        <p:txBody>
+          <a:bodyPr rtlCol="0" anchor="ctr"/>
+          <a:lstStyle/>
+          <a:p>
+            <a:pPr algn="ctr"/>
+            <a:endParaRPr lang="de-AT" dirty="0"/>
+          </a:p>
+        </p:txBody>
+      </p:sp>
     </p:spTree>
     <p:extLst>
       <p:ext uri="{BB962C8B-B14F-4D97-AF65-F5344CB8AC3E}">
-        <p14:creationId xmlns:p14="http://schemas.microsoft.com/office/powerpoint/2010/main" val="1960767466"/>
+        <p14:creationId xmlns:p14="http://schemas.microsoft.com/office/powerpoint/2010/main" val="3010937111"/>
       </p:ext>
     </p:extLst>
   </p:cSld>
@@ -9292,160 +11192,49 @@
             <p:ph type="title"/>
           </p:nvPr>
         </p:nvSpPr>
+        <p:spPr>
+          <a:xfrm>
+            <a:off x="857224" y="1285860"/>
+            <a:ext cx="7429552" cy="630972"/>
+          </a:xfrm>
+        </p:spPr>
+        <p:txBody>
+          <a:bodyPr/>
+          <a:lstStyle/>
+          <a:p>
+            <a:r>
+              <a:rPr lang="de-AT" dirty="0" smtClean="0"/>
+              <a:t>Wrapper </a:t>
+            </a:r>
+            <a:r>
+              <a:rPr lang="de-AT" dirty="0" err="1" smtClean="0"/>
+              <a:t>methods</a:t>
+            </a:r>
+            <a:endParaRPr lang="de-AT" dirty="0"/>
+          </a:p>
+        </p:txBody>
+      </p:sp>
+      <p:sp>
+        <p:nvSpPr>
+          <p:cNvPr id="6" name="Inhaltsplatzhalter 5"/>
+          <p:cNvSpPr>
+            <a:spLocks noGrp="1"/>
+          </p:cNvSpPr>
+          <p:nvPr>
+            <p:ph idx="1"/>
+          </p:nvPr>
+        </p:nvSpPr>
         <p:spPr/>
         <p:txBody>
           <a:bodyPr/>
           <a:lstStyle/>
           <a:p>
-            <a:r>
-              <a:rPr lang="de-AT" dirty="0" smtClean="0"/>
-              <a:t>Structured </a:t>
-            </a:r>
-            <a:r>
-              <a:rPr lang="de-AT" dirty="0" err="1" smtClean="0"/>
-              <a:t>features</a:t>
-            </a:r>
-            <a:r>
-              <a:rPr lang="de-AT" dirty="0" smtClean="0"/>
-              <a:t> </a:t>
-            </a:r>
+            <a:pPr marL="0" indent="0"/>
             <a:endParaRPr lang="de-AT" dirty="0"/>
           </a:p>
-        </p:txBody>
-      </p:sp>
-      <p:sp>
-        <p:nvSpPr>
-          <p:cNvPr id="6" name="Inhaltsplatzhalter 5"/>
-          <p:cNvSpPr>
-            <a:spLocks noGrp="1"/>
-          </p:cNvSpPr>
-          <p:nvPr>
-            <p:ph idx="1"/>
-          </p:nvPr>
-        </p:nvSpPr>
-        <p:spPr/>
-        <p:txBody>
-          <a:bodyPr/>
-          <a:lstStyle/>
-          <a:p>
-            <a:pPr>
-              <a:buFont typeface="Arial" panose="020B0604020202020204" pitchFamily="34" charset="0"/>
-              <a:buChar char="•"/>
-            </a:pPr>
-            <a:r>
-              <a:rPr lang="de-AT" dirty="0" err="1"/>
-              <a:t>Certain</a:t>
-            </a:r>
-            <a:r>
-              <a:rPr lang="de-AT" dirty="0"/>
-              <a:t> </a:t>
-            </a:r>
-            <a:r>
-              <a:rPr lang="de-AT" dirty="0" err="1"/>
-              <a:t>assumption</a:t>
-            </a:r>
-            <a:r>
-              <a:rPr lang="de-AT" dirty="0"/>
-              <a:t> </a:t>
-            </a:r>
-            <a:r>
-              <a:rPr lang="de-AT" dirty="0" err="1"/>
-              <a:t>about</a:t>
-            </a:r>
-            <a:r>
-              <a:rPr lang="de-AT" dirty="0"/>
-              <a:t> </a:t>
-            </a:r>
-            <a:r>
-              <a:rPr lang="de-AT" dirty="0" err="1"/>
-              <a:t>structure</a:t>
-            </a:r>
+          <a:p>
+            <a:pPr marL="0" indent="0"/>
             <a:endParaRPr lang="de-AT" dirty="0"/>
-          </a:p>
-          <a:p>
-            <a:pPr>
-              <a:buFont typeface="Arial" panose="020B0604020202020204" pitchFamily="34" charset="0"/>
-              <a:buChar char="•"/>
-            </a:pPr>
-            <a:r>
-              <a:rPr lang="de-AT" dirty="0" smtClean="0"/>
-              <a:t>Outperform </a:t>
-            </a:r>
-            <a:r>
-              <a:rPr lang="de-AT" dirty="0"/>
-              <a:t>flat </a:t>
-            </a:r>
-            <a:r>
-              <a:rPr lang="de-AT" dirty="0" err="1"/>
-              <a:t>feature</a:t>
-            </a:r>
-            <a:r>
-              <a:rPr lang="de-AT" dirty="0"/>
-              <a:t> </a:t>
-            </a:r>
-            <a:r>
-              <a:rPr lang="de-AT" dirty="0" err="1"/>
-              <a:t>methods</a:t>
-            </a:r>
-            <a:endParaRPr lang="de-AT" dirty="0"/>
-          </a:p>
-          <a:p>
-            <a:pPr>
-              <a:buFont typeface="Arial" panose="020B0604020202020204" pitchFamily="34" charset="0"/>
-              <a:buChar char="•"/>
-            </a:pPr>
-            <a:r>
-              <a:rPr lang="de-AT" dirty="0" smtClean="0"/>
-              <a:t>(</a:t>
-            </a:r>
-            <a:r>
-              <a:rPr lang="de-AT" dirty="0" err="1"/>
-              <a:t>Bsp</a:t>
-            </a:r>
-            <a:r>
-              <a:rPr lang="de-AT" dirty="0"/>
-              <a:t> </a:t>
-            </a:r>
-            <a:r>
-              <a:rPr lang="de-AT" dirty="0" err="1"/>
-              <a:t>tree-structure</a:t>
-            </a:r>
-            <a:r>
-              <a:rPr lang="de-AT" dirty="0"/>
-              <a:t> - </a:t>
-            </a:r>
-            <a:r>
-              <a:rPr lang="de-AT" dirty="0" err="1"/>
-              <a:t>evtl</a:t>
-            </a:r>
-            <a:r>
-              <a:rPr lang="de-AT" dirty="0"/>
-              <a:t> sogar was konkretes, </a:t>
-            </a:r>
-            <a:r>
-              <a:rPr lang="de-AT" dirty="0" err="1"/>
-              <a:t>f.ex</a:t>
-            </a:r>
-            <a:r>
-              <a:rPr lang="de-AT" dirty="0"/>
-              <a:t>. alter/</a:t>
-            </a:r>
-            <a:r>
-              <a:rPr lang="de-AT" dirty="0" err="1"/>
-              <a:t>jahre</a:t>
-            </a:r>
-            <a:r>
-              <a:rPr lang="de-AT" dirty="0"/>
-              <a:t>/</a:t>
-            </a:r>
-            <a:r>
-              <a:rPr lang="de-AT" dirty="0" err="1"/>
-              <a:t>monate</a:t>
-            </a:r>
-            <a:r>
-              <a:rPr lang="de-AT" dirty="0"/>
-              <a:t> ?!)</a:t>
-            </a:r>
           </a:p>
         </p:txBody>
       </p:sp>
@@ -9467,7 +11256,7 @@
             <a:pPr>
               <a:defRPr/>
             </a:pPr>
-            <a:fld id="{7F9F0724-28A3-464E-9206-291DC7902ABF}" type="datetime1">
+            <a:fld id="{A99E4E83-FA2E-46A0-B301-8CE1B5AC943C}" type="datetime1">
               <a:rPr lang="de-AT" smtClean="0"/>
               <a:t>25.01.2016</a:t>
             </a:fld>
@@ -9525,10 +11314,180 @@
           </a:p>
         </p:txBody>
       </p:sp>
+      <p:sp>
+        <p:nvSpPr>
+          <p:cNvPr id="7" name="Nach rechts gekrümmter Pfeil 6"/>
+          <p:cNvSpPr/>
+          <p:nvPr/>
+        </p:nvSpPr>
+        <p:spPr>
+          <a:xfrm>
+            <a:off x="7308304" y="1285860"/>
+            <a:ext cx="703789" cy="938385"/>
+          </a:xfrm>
+          <a:prstGeom prst="curvedRightArrow">
+            <a:avLst/>
+          </a:prstGeom>
+          <a:solidFill>
+            <a:schemeClr val="tx1"/>
+          </a:solidFill>
+          <a:ln>
+            <a:noFill/>
+          </a:ln>
+        </p:spPr>
+        <p:style>
+          <a:lnRef idx="2">
+            <a:schemeClr val="accent1">
+              <a:shade val="50000"/>
+            </a:schemeClr>
+          </a:lnRef>
+          <a:fillRef idx="1">
+            <a:schemeClr val="accent1"/>
+          </a:fillRef>
+          <a:effectRef idx="0">
+            <a:schemeClr val="accent1"/>
+          </a:effectRef>
+          <a:fontRef idx="minor">
+            <a:schemeClr val="lt1"/>
+          </a:fontRef>
+        </p:style>
+        <p:txBody>
+          <a:bodyPr rtlCol="0" anchor="ctr"/>
+          <a:lstStyle/>
+          <a:p>
+            <a:pPr algn="ctr"/>
+            <a:endParaRPr lang="de-AT">
+              <a:solidFill>
+                <a:schemeClr val="tx1"/>
+              </a:solidFill>
+            </a:endParaRPr>
+          </a:p>
+        </p:txBody>
+      </p:sp>
+      <p:pic>
+        <p:nvPicPr>
+          <p:cNvPr id="8" name="Grafik 7"/>
+          <p:cNvPicPr>
+            <a:picLocks noChangeAspect="1"/>
+          </p:cNvPicPr>
+          <p:nvPr/>
+        </p:nvPicPr>
+        <p:blipFill>
+          <a:blip r:embed="rId3"/>
+          <a:stretch>
+            <a:fillRect/>
+          </a:stretch>
+        </p:blipFill>
+        <p:spPr>
+          <a:xfrm>
+            <a:off x="323528" y="1931573"/>
+            <a:ext cx="6900891" cy="4449755"/>
+          </a:xfrm>
+          <a:prstGeom prst="rect">
+            <a:avLst/>
+          </a:prstGeom>
+        </p:spPr>
+      </p:pic>
+      <p:sp>
+        <p:nvSpPr>
+          <p:cNvPr id="9" name="Rechteck 8"/>
+          <p:cNvSpPr/>
+          <p:nvPr/>
+        </p:nvSpPr>
+        <p:spPr>
+          <a:xfrm>
+            <a:off x="2188096" y="5229200"/>
+            <a:ext cx="2239888" cy="360040"/>
+          </a:xfrm>
+          <a:prstGeom prst="rect">
+            <a:avLst/>
+          </a:prstGeom>
+          <a:solidFill>
+            <a:srgbClr val="FF0000">
+              <a:alpha val="45098"/>
+            </a:srgbClr>
+          </a:solidFill>
+          <a:ln>
+            <a:noFill/>
+          </a:ln>
+        </p:spPr>
+        <p:style>
+          <a:lnRef idx="2">
+            <a:schemeClr val="accent1">
+              <a:shade val="50000"/>
+            </a:schemeClr>
+          </a:lnRef>
+          <a:fillRef idx="1">
+            <a:schemeClr val="accent1"/>
+          </a:fillRef>
+          <a:effectRef idx="0">
+            <a:schemeClr val="accent1"/>
+          </a:effectRef>
+          <a:fontRef idx="minor">
+            <a:schemeClr val="lt1"/>
+          </a:fontRef>
+        </p:style>
+        <p:txBody>
+          <a:bodyPr rtlCol="0" anchor="ctr"/>
+          <a:lstStyle/>
+          <a:p>
+            <a:pPr algn="ctr"/>
+            <a:endParaRPr lang="de-AT" dirty="0"/>
+          </a:p>
+        </p:txBody>
+      </p:sp>
+      <p:sp>
+        <p:nvSpPr>
+          <p:cNvPr id="10" name="Rechteck 9"/>
+          <p:cNvSpPr/>
+          <p:nvPr/>
+        </p:nvSpPr>
+        <p:spPr>
+          <a:xfrm>
+            <a:off x="5724128" y="2260737"/>
+            <a:ext cx="1296144" cy="806892"/>
+          </a:xfrm>
+          <a:prstGeom prst="rect">
+            <a:avLst/>
+          </a:prstGeom>
+          <a:solidFill>
+            <a:srgbClr val="FF0000">
+              <a:alpha val="45098"/>
+            </a:srgbClr>
+          </a:solidFill>
+          <a:ln>
+            <a:noFill/>
+          </a:ln>
+        </p:spPr>
+        <p:style>
+          <a:lnRef idx="2">
+            <a:schemeClr val="accent1">
+              <a:shade val="50000"/>
+            </a:schemeClr>
+          </a:lnRef>
+          <a:fillRef idx="1">
+            <a:schemeClr val="accent1"/>
+          </a:fillRef>
+          <a:effectRef idx="0">
+            <a:schemeClr val="accent1"/>
+          </a:effectRef>
+          <a:fontRef idx="minor">
+            <a:schemeClr val="lt1"/>
+          </a:fontRef>
+        </p:style>
+        <p:txBody>
+          <a:bodyPr rtlCol="0" anchor="ctr"/>
+          <a:lstStyle/>
+          <a:p>
+            <a:pPr algn="ctr"/>
+            <a:endParaRPr lang="de-AT" dirty="0"/>
+          </a:p>
+        </p:txBody>
+      </p:sp>
     </p:spTree>
     <p:extLst>
       <p:ext uri="{BB962C8B-B14F-4D97-AF65-F5344CB8AC3E}">
-        <p14:creationId xmlns:p14="http://schemas.microsoft.com/office/powerpoint/2010/main" val="218227754"/>
+        <p14:creationId xmlns:p14="http://schemas.microsoft.com/office/powerpoint/2010/main" val="202100744"/>
       </p:ext>
     </p:extLst>
   </p:cSld>
@@ -9578,32 +11537,12 @@
           <a:lstStyle/>
           <a:p>
             <a:r>
-              <a:rPr lang="de-AT" dirty="0" err="1" smtClean="0"/>
-              <a:t>Methods</a:t>
-            </a:r>
-            <a:r>
-              <a:rPr lang="de-AT" dirty="0" smtClean="0"/>
-              <a:t> </a:t>
-            </a:r>
-            <a:r>
-              <a:rPr lang="de-AT" dirty="0" err="1" smtClean="0"/>
-              <a:t>for</a:t>
-            </a:r>
-            <a:r>
-              <a:rPr lang="de-AT" dirty="0" smtClean="0"/>
-              <a:t> </a:t>
-            </a:r>
-            <a:r>
-              <a:rPr lang="de-AT" dirty="0" err="1" smtClean="0"/>
-              <a:t>structured</a:t>
-            </a:r>
-            <a:r>
-              <a:rPr lang="de-AT" dirty="0" smtClean="0"/>
-              <a:t> </a:t>
-            </a:r>
-            <a:r>
-              <a:rPr lang="de-AT" dirty="0" err="1" smtClean="0"/>
-              <a:t>features</a:t>
+              <a:rPr lang="de-AT" dirty="0" smtClean="0"/>
+              <a:t>Embedded </a:t>
+            </a:r>
+            <a:r>
+              <a:rPr lang="de-AT" dirty="0" err="1" smtClean="0"/>
+              <a:t>methods</a:t>
             </a:r>
             <a:endParaRPr lang="de-AT" dirty="0"/>
           </a:p>
@@ -9623,15 +11562,66 @@
         <p:txBody>
           <a:bodyPr/>
           <a:lstStyle/>
+          <a:p>
+            <a:pPr marL="0" indent="0"/>
+            <a:r>
+              <a:rPr lang="de-AT" b="1" dirty="0" smtClean="0"/>
+              <a:t>Hybrid:</a:t>
+            </a:r>
+          </a:p>
           <a:p>
             <a:pPr>
               <a:buFont typeface="Arial" panose="020B0604020202020204" pitchFamily="34" charset="0"/>
               <a:buChar char="•"/>
             </a:pPr>
             <a:r>
-              <a:rPr lang="de-AT" dirty="0"/>
-              <a:t>Group </a:t>
-            </a:r>
+              <a:rPr lang="de-AT" dirty="0" smtClean="0"/>
+              <a:t>Combine </a:t>
+            </a:r>
+            <a:r>
+              <a:rPr lang="de-AT" dirty="0" err="1" smtClean="0"/>
+              <a:t>benefits</a:t>
+            </a:r>
+            <a:r>
+              <a:rPr lang="de-AT" dirty="0" smtClean="0"/>
+              <a:t> </a:t>
+            </a:r>
+            <a:r>
+              <a:rPr lang="de-AT" dirty="0" err="1" smtClean="0"/>
+              <a:t>of</a:t>
+            </a:r>
+            <a:r>
+              <a:rPr lang="de-AT" dirty="0" smtClean="0"/>
+              <a:t> </a:t>
+            </a:r>
+            <a:r>
+              <a:rPr lang="de-AT" dirty="0" err="1" smtClean="0"/>
+              <a:t>filters</a:t>
+            </a:r>
+            <a:r>
+              <a:rPr lang="de-AT" dirty="0" smtClean="0"/>
+              <a:t> </a:t>
+            </a:r>
+            <a:r>
+              <a:rPr lang="de-AT" dirty="0" err="1" smtClean="0"/>
+              <a:t>and</a:t>
+            </a:r>
+            <a:r>
+              <a:rPr lang="de-AT" dirty="0" smtClean="0"/>
+              <a:t> </a:t>
+            </a:r>
+            <a:r>
+              <a:rPr lang="de-AT" dirty="0" err="1" smtClean="0"/>
+              <a:t>wrappers</a:t>
+            </a:r>
+            <a:r>
+              <a:rPr lang="de-AT" dirty="0" smtClean="0"/>
+              <a:t> </a:t>
+            </a:r>
+            <a:br>
+              <a:rPr lang="de-AT" dirty="0" smtClean="0"/>
+            </a:br>
+            <a:endParaRPr lang="de-AT" dirty="0" smtClean="0"/>
           </a:p>
           <a:p>
             <a:pPr>
@@ -9639,10 +11629,18 @@
               <a:buChar char="•"/>
             </a:pPr>
             <a:r>
-              <a:rPr lang="de-AT" dirty="0" err="1"/>
-              <a:t>Tree</a:t>
-            </a:r>
-            <a:endParaRPr lang="de-AT" dirty="0"/>
+              <a:rPr lang="de-AT" dirty="0" err="1" smtClean="0"/>
+              <a:t>Computationally</a:t>
+            </a:r>
+            <a:r>
+              <a:rPr lang="de-AT" dirty="0" smtClean="0"/>
+              <a:t> </a:t>
+            </a:r>
+            <a:r>
+              <a:rPr lang="de-AT" dirty="0" err="1" smtClean="0"/>
+              <a:t>efficient</a:t>
+            </a:r>
+            <a:endParaRPr lang="de-AT" dirty="0" smtClean="0"/>
           </a:p>
           <a:p>
             <a:pPr>
@@ -9651,41 +11649,36 @@
             </a:pPr>
             <a:r>
               <a:rPr lang="de-AT" dirty="0" smtClean="0"/>
-              <a:t>Graph</a:t>
-            </a:r>
-          </a:p>
-          <a:p>
+              <a:t>Higher </a:t>
+            </a:r>
+            <a:r>
+              <a:rPr lang="de-AT" dirty="0" err="1" smtClean="0"/>
+              <a:t>quality</a:t>
+            </a:r>
+            <a:r>
+              <a:rPr lang="de-AT" dirty="0" smtClean="0"/>
+              <a:t> </a:t>
+            </a:r>
+            <a:r>
+              <a:rPr lang="de-AT" dirty="0" err="1" smtClean="0"/>
+              <a:t>for</a:t>
+            </a:r>
+            <a:r>
+              <a:rPr lang="de-AT" dirty="0" smtClean="0"/>
+              <a:t> </a:t>
+            </a:r>
+            <a:r>
+              <a:rPr lang="de-AT" dirty="0" err="1" smtClean="0"/>
+              <a:t>classification</a:t>
+            </a:r>
+            <a:endParaRPr lang="de-AT" dirty="0" smtClean="0"/>
+          </a:p>
+          <a:p>
+            <a:pPr>
+              <a:buFont typeface="Arial" panose="020B0604020202020204" pitchFamily="34" charset="0"/>
+              <a:buChar char="•"/>
+            </a:pPr>
             <a:endParaRPr lang="de-AT" dirty="0"/>
-          </a:p>
-          <a:p>
-            <a:r>
-              <a:rPr lang="de-AT" dirty="0"/>
-              <a:t>(</a:t>
-            </a:r>
-            <a:r>
-              <a:rPr lang="de-AT" dirty="0" err="1"/>
-              <a:t>evtl</a:t>
-            </a:r>
-            <a:r>
-              <a:rPr lang="de-AT" dirty="0"/>
-              <a:t> 1-2 </a:t>
-            </a:r>
-            <a:r>
-              <a:rPr lang="de-AT" dirty="0" err="1"/>
-              <a:t>bsp</a:t>
-            </a:r>
-            <a:r>
-              <a:rPr lang="de-AT" dirty="0"/>
-              <a:t> pro </a:t>
-            </a:r>
-            <a:r>
-              <a:rPr lang="de-AT" dirty="0" err="1"/>
-              <a:t>art</a:t>
-            </a:r>
-            <a:r>
-              <a:rPr lang="de-AT" dirty="0"/>
-              <a:t>, fortführendes zeug?) </a:t>
-            </a:r>
           </a:p>
         </p:txBody>
       </p:sp>
@@ -9707,7 +11700,7 @@
             <a:pPr>
               <a:defRPr/>
             </a:pPr>
-            <a:fld id="{E3EF207F-073F-41B4-A8D0-129C1C351EF1}" type="datetime1">
+            <a:fld id="{214F5F98-C06E-4B49-A19C-86E8EF8C3A8B}" type="datetime1">
               <a:rPr lang="de-AT" smtClean="0"/>
               <a:t>25.01.2016</a:t>
             </a:fld>
@@ -9765,10 +11758,101 @@
           </a:p>
         </p:txBody>
       </p:sp>
+      <p:pic>
+        <p:nvPicPr>
+          <p:cNvPr id="7" name="Picture 2" descr="https://encrypted-tbn1.gstatic.com/images?q=tbn:ANd9GcSHeZd9qwTw6uYFPJLtfTdhQ1pxTKLiDaGL0fIY7E0Fs5uVBNUNuA"/>
+          <p:cNvPicPr>
+            <a:picLocks noChangeAspect="1" noChangeArrowheads="1"/>
+          </p:cNvPicPr>
+          <p:nvPr/>
+        </p:nvPicPr>
+        <p:blipFill>
+          <a:blip r:embed="rId3">
+            <a:extLst>
+              <a:ext uri="{28A0092B-C50C-407E-A947-70E740481C1C}">
+                <a14:useLocalDpi xmlns:a14="http://schemas.microsoft.com/office/drawing/2010/main" val="0"/>
+              </a:ext>
+            </a:extLst>
+          </a:blip>
+          <a:srcRect/>
+          <a:stretch>
+            <a:fillRect/>
+          </a:stretch>
+        </p:blipFill>
+        <p:spPr bwMode="auto">
+          <a:xfrm>
+            <a:off x="7524328" y="1120242"/>
+            <a:ext cx="661356" cy="1232116"/>
+          </a:xfrm>
+          <a:prstGeom prst="rect">
+            <a:avLst/>
+          </a:prstGeom>
+          <a:noFill/>
+          <a:extLst>
+            <a:ext uri="{909E8E84-426E-40DD-AFC4-6F175D3DCCD1}">
+              <a14:hiddenFill xmlns:a14="http://schemas.microsoft.com/office/drawing/2010/main">
+                <a:solidFill>
+                  <a:srgbClr val="FFFFFF"/>
+                </a:solidFill>
+              </a14:hiddenFill>
+            </a:ext>
+          </a:extLst>
+        </p:spPr>
+      </p:pic>
+      <p:sp>
+        <p:nvSpPr>
+          <p:cNvPr id="8" name="Nach rechts gekrümmter Pfeil 7"/>
+          <p:cNvSpPr/>
+          <p:nvPr/>
+        </p:nvSpPr>
+        <p:spPr>
+          <a:xfrm>
+            <a:off x="6720011" y="1455889"/>
+            <a:ext cx="616412" cy="821882"/>
+          </a:xfrm>
+          <a:prstGeom prst="curvedRightArrow">
+            <a:avLst/>
+          </a:prstGeom>
+          <a:solidFill>
+            <a:schemeClr val="tx1"/>
+          </a:solidFill>
+          <a:ln>
+            <a:noFill/>
+          </a:ln>
+        </p:spPr>
+        <p:style>
+          <a:lnRef idx="2">
+            <a:schemeClr val="accent1">
+              <a:shade val="50000"/>
+            </a:schemeClr>
+          </a:lnRef>
+          <a:fillRef idx="1">
+            <a:schemeClr val="accent1"/>
+          </a:fillRef>
+          <a:effectRef idx="0">
+            <a:schemeClr val="accent1"/>
+          </a:effectRef>
+          <a:fontRef idx="minor">
+            <a:schemeClr val="lt1"/>
+          </a:fontRef>
+        </p:style>
+        <p:txBody>
+          <a:bodyPr rtlCol="0" anchor="ctr"/>
+          <a:lstStyle/>
+          <a:p>
+            <a:pPr algn="ctr"/>
+            <a:endParaRPr lang="de-AT">
+              <a:solidFill>
+                <a:schemeClr val="tx1"/>
+              </a:solidFill>
+            </a:endParaRPr>
+          </a:p>
+        </p:txBody>
+      </p:sp>
     </p:spTree>
     <p:extLst>
       <p:ext uri="{BB962C8B-B14F-4D97-AF65-F5344CB8AC3E}">
-        <p14:creationId xmlns:p14="http://schemas.microsoft.com/office/powerpoint/2010/main" val="4076193232"/>
+        <p14:creationId xmlns:p14="http://schemas.microsoft.com/office/powerpoint/2010/main" val="3220308482"/>
       </p:ext>
     </p:extLst>
   </p:cSld>
@@ -10195,8 +12279,12 @@
           <a:lstStyle/>
           <a:p>
             <a:r>
-              <a:rPr lang="de-AT" dirty="0" err="1" smtClean="0"/>
-              <a:t>Applications</a:t>
+              <a:rPr lang="de-AT" dirty="0" smtClean="0"/>
+              <a:t>Embedded  </a:t>
+            </a:r>
+            <a:r>
+              <a:rPr lang="de-AT" dirty="0" err="1" smtClean="0"/>
+              <a:t>methods</a:t>
             </a:r>
             <a:endParaRPr lang="de-AT" dirty="0"/>
           </a:p>
@@ -10222,26 +12310,54 @@
               <a:buChar char="•"/>
             </a:pPr>
             <a:r>
-              <a:rPr lang="de-AT" dirty="0" err="1"/>
-              <a:t>Classification</a:t>
+              <a:rPr lang="de-AT" dirty="0" smtClean="0"/>
+              <a:t>Hard </a:t>
+            </a:r>
+            <a:r>
+              <a:rPr lang="de-AT" dirty="0" err="1" smtClean="0"/>
+              <a:t>to</a:t>
+            </a:r>
+            <a:r>
+              <a:rPr lang="de-AT" dirty="0" smtClean="0"/>
+              <a:t> </a:t>
+            </a:r>
+            <a:r>
+              <a:rPr lang="de-AT" dirty="0" err="1" smtClean="0"/>
+              <a:t>seperate</a:t>
+            </a:r>
+            <a:r>
+              <a:rPr lang="de-AT" dirty="0" smtClean="0"/>
+              <a:t> </a:t>
+            </a:r>
+            <a:r>
+              <a:rPr lang="de-AT" dirty="0" err="1" smtClean="0"/>
+              <a:t>feature</a:t>
+            </a:r>
+            <a:r>
+              <a:rPr lang="de-AT" dirty="0" smtClean="0"/>
+              <a:t> </a:t>
+            </a:r>
+            <a:r>
+              <a:rPr lang="de-AT" dirty="0" err="1" smtClean="0"/>
+              <a:t>selection</a:t>
             </a:r>
             <a:r>
               <a:rPr lang="de-AT" dirty="0"/>
-              <a:t>/ </a:t>
-            </a:r>
-            <a:r>
-              <a:rPr lang="de-AT" dirty="0" err="1"/>
-              <a:t>pattern</a:t>
-            </a:r>
-            <a:r>
-              <a:rPr lang="de-AT" dirty="0"/>
-              <a:t> </a:t>
-            </a:r>
-            <a:r>
-              <a:rPr lang="de-AT" dirty="0" err="1"/>
-              <a:t>recognition</a:t>
-            </a:r>
-            <a:endParaRPr lang="de-AT" dirty="0"/>
+              <a:t> </a:t>
+            </a:r>
+            <a:r>
+              <a:rPr lang="de-AT" dirty="0" err="1" smtClean="0"/>
+              <a:t>and</a:t>
+            </a:r>
+            <a:r>
+              <a:rPr lang="de-AT" dirty="0" smtClean="0"/>
+              <a:t> </a:t>
+            </a:r>
+            <a:r>
+              <a:rPr lang="de-AT" dirty="0" err="1" smtClean="0"/>
+              <a:t>learning</a:t>
+            </a:r>
+            <a:endParaRPr lang="de-AT" dirty="0" smtClean="0"/>
           </a:p>
           <a:p>
             <a:pPr>
@@ -10249,23 +12365,50 @@
               <a:buChar char="•"/>
             </a:pPr>
             <a:r>
-              <a:rPr lang="de-AT" dirty="0"/>
-              <a:t>Data </a:t>
-            </a:r>
-            <a:r>
-              <a:rPr lang="de-AT" dirty="0" err="1"/>
-              <a:t>representation</a:t>
-            </a:r>
-            <a:endParaRPr lang="de-AT" dirty="0"/>
+              <a:rPr lang="de-AT" dirty="0" smtClean="0"/>
+              <a:t>Hard </a:t>
+            </a:r>
+            <a:r>
+              <a:rPr lang="de-AT" dirty="0" err="1" smtClean="0"/>
+              <a:t>to</a:t>
+            </a:r>
+            <a:r>
+              <a:rPr lang="de-AT" dirty="0" smtClean="0"/>
+              <a:t> </a:t>
+            </a:r>
+            <a:r>
+              <a:rPr lang="de-AT" dirty="0" err="1" smtClean="0"/>
+              <a:t>characterize</a:t>
+            </a:r>
+            <a:endParaRPr lang="de-AT" dirty="0" smtClean="0"/>
           </a:p>
           <a:p>
             <a:pPr>
               <a:buFont typeface="Arial" panose="020B0604020202020204" pitchFamily="34" charset="0"/>
               <a:buChar char="•"/>
             </a:pPr>
-            <a:r>
-              <a:rPr lang="de-AT" dirty="0" err="1"/>
-              <a:t>Prediction</a:t>
+            <a:endParaRPr lang="de-AT" dirty="0"/>
+          </a:p>
+          <a:p>
+            <a:pPr>
+              <a:buFont typeface="Arial" panose="020B0604020202020204" pitchFamily="34" charset="0"/>
+              <a:buChar char="•"/>
+            </a:pPr>
+            <a:r>
+              <a:rPr lang="de-AT" dirty="0" err="1" smtClean="0"/>
+              <a:t>Examples</a:t>
+            </a:r>
+            <a:r>
+              <a:rPr lang="de-AT" dirty="0" smtClean="0"/>
+              <a:t>: SVM, linear </a:t>
+            </a:r>
+            <a:r>
+              <a:rPr lang="de-AT" dirty="0" err="1" smtClean="0"/>
+              <a:t>regression</a:t>
+            </a:r>
+            <a:r>
+              <a:rPr lang="de-AT" dirty="0" smtClean="0"/>
+              <a:t> </a:t>
             </a:r>
             <a:endParaRPr lang="de-AT" dirty="0"/>
           </a:p>
@@ -10289,7 +12432,7 @@
             <a:pPr>
               <a:defRPr/>
             </a:pPr>
-            <a:fld id="{908BDE4A-9991-4FD0-90A7-2A1AC2958297}" type="datetime1">
+            <a:fld id="{214F5F98-C06E-4B49-A19C-86E8EF8C3A8B}" type="datetime1">
               <a:rPr lang="de-AT" smtClean="0"/>
               <a:t>25.01.2016</a:t>
             </a:fld>
@@ -10347,10 +12490,101 @@
           </a:p>
         </p:txBody>
       </p:sp>
+      <p:pic>
+        <p:nvPicPr>
+          <p:cNvPr id="7" name="Picture 2" descr="https://encrypted-tbn1.gstatic.com/images?q=tbn:ANd9GcSHeZd9qwTw6uYFPJLtfTdhQ1pxTKLiDaGL0fIY7E0Fs5uVBNUNuA"/>
+          <p:cNvPicPr>
+            <a:picLocks noChangeAspect="1" noChangeArrowheads="1"/>
+          </p:cNvPicPr>
+          <p:nvPr/>
+        </p:nvPicPr>
+        <p:blipFill>
+          <a:blip r:embed="rId3">
+            <a:extLst>
+              <a:ext uri="{28A0092B-C50C-407E-A947-70E740481C1C}">
+                <a14:useLocalDpi xmlns:a14="http://schemas.microsoft.com/office/drawing/2010/main" val="0"/>
+              </a:ext>
+            </a:extLst>
+          </a:blip>
+          <a:srcRect/>
+          <a:stretch>
+            <a:fillRect/>
+          </a:stretch>
+        </p:blipFill>
+        <p:spPr bwMode="auto">
+          <a:xfrm>
+            <a:off x="7524328" y="1120242"/>
+            <a:ext cx="661356" cy="1232116"/>
+          </a:xfrm>
+          <a:prstGeom prst="rect">
+            <a:avLst/>
+          </a:prstGeom>
+          <a:noFill/>
+          <a:extLst>
+            <a:ext uri="{909E8E84-426E-40DD-AFC4-6F175D3DCCD1}">
+              <a14:hiddenFill xmlns:a14="http://schemas.microsoft.com/office/drawing/2010/main">
+                <a:solidFill>
+                  <a:srgbClr val="FFFFFF"/>
+                </a:solidFill>
+              </a14:hiddenFill>
+            </a:ext>
+          </a:extLst>
+        </p:spPr>
+      </p:pic>
+      <p:sp>
+        <p:nvSpPr>
+          <p:cNvPr id="8" name="Nach rechts gekrümmter Pfeil 7"/>
+          <p:cNvSpPr/>
+          <p:nvPr/>
+        </p:nvSpPr>
+        <p:spPr>
+          <a:xfrm>
+            <a:off x="6720011" y="1455889"/>
+            <a:ext cx="616412" cy="821882"/>
+          </a:xfrm>
+          <a:prstGeom prst="curvedRightArrow">
+            <a:avLst/>
+          </a:prstGeom>
+          <a:solidFill>
+            <a:schemeClr val="tx1"/>
+          </a:solidFill>
+          <a:ln>
+            <a:noFill/>
+          </a:ln>
+        </p:spPr>
+        <p:style>
+          <a:lnRef idx="2">
+            <a:schemeClr val="accent1">
+              <a:shade val="50000"/>
+            </a:schemeClr>
+          </a:lnRef>
+          <a:fillRef idx="1">
+            <a:schemeClr val="accent1"/>
+          </a:fillRef>
+          <a:effectRef idx="0">
+            <a:schemeClr val="accent1"/>
+          </a:effectRef>
+          <a:fontRef idx="minor">
+            <a:schemeClr val="lt1"/>
+          </a:fontRef>
+        </p:style>
+        <p:txBody>
+          <a:bodyPr rtlCol="0" anchor="ctr"/>
+          <a:lstStyle/>
+          <a:p>
+            <a:pPr algn="ctr"/>
+            <a:endParaRPr lang="de-AT">
+              <a:solidFill>
+                <a:schemeClr val="tx1"/>
+              </a:solidFill>
+            </a:endParaRPr>
+          </a:p>
+        </p:txBody>
+      </p:sp>
     </p:spTree>
     <p:extLst>
       <p:ext uri="{BB962C8B-B14F-4D97-AF65-F5344CB8AC3E}">
-        <p14:creationId xmlns:p14="http://schemas.microsoft.com/office/powerpoint/2010/main" val="4227374127"/>
+        <p14:creationId xmlns:p14="http://schemas.microsoft.com/office/powerpoint/2010/main" val="1960767466"/>
       </p:ext>
     </p:extLst>
   </p:cSld>
@@ -10394,25 +12628,160 @@
             <p:ph type="title"/>
           </p:nvPr>
         </p:nvSpPr>
-        <p:spPr>
-          <a:xfrm>
-            <a:off x="2771800" y="2924944"/>
-            <a:ext cx="2520280" cy="1143008"/>
-          </a:xfrm>
-        </p:spPr>
-        <p:txBody>
-          <a:bodyPr anchor="ctr"/>
-          <a:lstStyle/>
-          <a:p>
-            <a:r>
-              <a:rPr lang="de-AT" dirty="0" err="1" smtClean="0"/>
-              <a:t>Questions</a:t>
-            </a:r>
-            <a:r>
-              <a:rPr lang="de-AT" dirty="0" smtClean="0"/>
-              <a:t>?</a:t>
+        <p:spPr/>
+        <p:txBody>
+          <a:bodyPr/>
+          <a:lstStyle/>
+          <a:p>
+            <a:r>
+              <a:rPr lang="de-AT" dirty="0" smtClean="0"/>
+              <a:t>Structured </a:t>
+            </a:r>
+            <a:r>
+              <a:rPr lang="de-AT" dirty="0" err="1" smtClean="0"/>
+              <a:t>features</a:t>
+            </a:r>
+            <a:r>
+              <a:rPr lang="de-AT" dirty="0" smtClean="0"/>
+              <a:t> </a:t>
             </a:r>
             <a:endParaRPr lang="de-AT" dirty="0"/>
+          </a:p>
+        </p:txBody>
+      </p:sp>
+      <p:sp>
+        <p:nvSpPr>
+          <p:cNvPr id="6" name="Inhaltsplatzhalter 5"/>
+          <p:cNvSpPr>
+            <a:spLocks noGrp="1"/>
+          </p:cNvSpPr>
+          <p:nvPr>
+            <p:ph idx="1"/>
+          </p:nvPr>
+        </p:nvSpPr>
+        <p:spPr/>
+        <p:txBody>
+          <a:bodyPr/>
+          <a:lstStyle/>
+          <a:p>
+            <a:pPr>
+              <a:buFont typeface="Arial" panose="020B0604020202020204" pitchFamily="34" charset="0"/>
+              <a:buChar char="•"/>
+            </a:pPr>
+            <a:r>
+              <a:rPr lang="de-AT" dirty="0" err="1"/>
+              <a:t>Certain</a:t>
+            </a:r>
+            <a:r>
+              <a:rPr lang="de-AT" dirty="0"/>
+              <a:t> </a:t>
+            </a:r>
+            <a:r>
+              <a:rPr lang="de-AT" dirty="0" err="1"/>
+              <a:t>assumption</a:t>
+            </a:r>
+            <a:r>
+              <a:rPr lang="de-AT" dirty="0"/>
+              <a:t> </a:t>
+            </a:r>
+            <a:r>
+              <a:rPr lang="de-AT" dirty="0" err="1"/>
+              <a:t>about</a:t>
+            </a:r>
+            <a:r>
+              <a:rPr lang="de-AT" dirty="0"/>
+              <a:t> </a:t>
+            </a:r>
+            <a:r>
+              <a:rPr lang="de-AT" dirty="0" err="1"/>
+              <a:t>structure</a:t>
+            </a:r>
+            <a:endParaRPr lang="de-AT" dirty="0"/>
+          </a:p>
+          <a:p>
+            <a:pPr>
+              <a:buFont typeface="Arial" panose="020B0604020202020204" pitchFamily="34" charset="0"/>
+              <a:buChar char="•"/>
+            </a:pPr>
+            <a:r>
+              <a:rPr lang="de-AT" dirty="0" smtClean="0"/>
+              <a:t>Outperform </a:t>
+            </a:r>
+            <a:r>
+              <a:rPr lang="de-AT" dirty="0"/>
+              <a:t>flat </a:t>
+            </a:r>
+            <a:r>
+              <a:rPr lang="de-AT" dirty="0" err="1"/>
+              <a:t>feature</a:t>
+            </a:r>
+            <a:r>
+              <a:rPr lang="de-AT" dirty="0"/>
+              <a:t> </a:t>
+            </a:r>
+            <a:r>
+              <a:rPr lang="de-AT" dirty="0" err="1"/>
+              <a:t>methods</a:t>
+            </a:r>
+            <a:endParaRPr lang="de-AT" dirty="0"/>
+          </a:p>
+          <a:p>
+            <a:pPr>
+              <a:buFont typeface="Arial" panose="020B0604020202020204" pitchFamily="34" charset="0"/>
+              <a:buChar char="•"/>
+            </a:pPr>
+            <a:r>
+              <a:rPr lang="de-AT" dirty="0" smtClean="0"/>
+              <a:t>(</a:t>
+            </a:r>
+            <a:r>
+              <a:rPr lang="de-AT" dirty="0" err="1"/>
+              <a:t>Bsp</a:t>
+            </a:r>
+            <a:r>
+              <a:rPr lang="de-AT" dirty="0"/>
+              <a:t> </a:t>
+            </a:r>
+            <a:r>
+              <a:rPr lang="de-AT" dirty="0" err="1"/>
+              <a:t>tree-structure</a:t>
+            </a:r>
+            <a:r>
+              <a:rPr lang="de-AT" dirty="0"/>
+              <a:t> - </a:t>
+            </a:r>
+            <a:r>
+              <a:rPr lang="de-AT" dirty="0" err="1"/>
+              <a:t>evtl</a:t>
+            </a:r>
+            <a:r>
+              <a:rPr lang="de-AT" dirty="0"/>
+              <a:t> sogar was konkretes, </a:t>
+            </a:r>
+            <a:r>
+              <a:rPr lang="de-AT" dirty="0" err="1"/>
+              <a:t>f.ex</a:t>
+            </a:r>
+            <a:r>
+              <a:rPr lang="de-AT" dirty="0"/>
+              <a:t>. alter/</a:t>
+            </a:r>
+            <a:r>
+              <a:rPr lang="de-AT" dirty="0" err="1"/>
+              <a:t>jahre</a:t>
+            </a:r>
+            <a:r>
+              <a:rPr lang="de-AT" dirty="0"/>
+              <a:t>/</a:t>
+            </a:r>
+            <a:r>
+              <a:rPr lang="de-AT" dirty="0" err="1"/>
+              <a:t>monate</a:t>
+            </a:r>
+            <a:r>
+              <a:rPr lang="de-AT" dirty="0"/>
+              <a:t> ?!)</a:t>
+            </a:r>
           </a:p>
         </p:txBody>
       </p:sp>
@@ -10434,7 +12803,7 @@
             <a:pPr>
               <a:defRPr/>
             </a:pPr>
-            <a:fld id="{D5D3703B-7C89-496B-8219-C11379F90AE7}" type="datetime1">
+            <a:fld id="{7F9F0724-28A3-464E-9206-291DC7902ABF}" type="datetime1">
               <a:rPr lang="de-AT" smtClean="0"/>
               <a:t>25.01.2016</a:t>
             </a:fld>
@@ -10495,7 +12864,7 @@
     </p:spTree>
     <p:extLst>
       <p:ext uri="{BB962C8B-B14F-4D97-AF65-F5344CB8AC3E}">
-        <p14:creationId xmlns:p14="http://schemas.microsoft.com/office/powerpoint/2010/main" val="539449402"/>
+        <p14:creationId xmlns:p14="http://schemas.microsoft.com/office/powerpoint/2010/main" val="218227754"/>
       </p:ext>
     </p:extLst>
   </p:cSld>
@@ -10546,6 +12915,596 @@
           <a:p>
             <a:r>
               <a:rPr lang="de-AT" dirty="0" err="1" smtClean="0"/>
+              <a:t>Methods</a:t>
+            </a:r>
+            <a:r>
+              <a:rPr lang="de-AT" dirty="0" smtClean="0"/>
+              <a:t> </a:t>
+            </a:r>
+            <a:r>
+              <a:rPr lang="de-AT" dirty="0" err="1" smtClean="0"/>
+              <a:t>for</a:t>
+            </a:r>
+            <a:r>
+              <a:rPr lang="de-AT" dirty="0" smtClean="0"/>
+              <a:t> </a:t>
+            </a:r>
+            <a:r>
+              <a:rPr lang="de-AT" dirty="0" err="1" smtClean="0"/>
+              <a:t>structured</a:t>
+            </a:r>
+            <a:r>
+              <a:rPr lang="de-AT" dirty="0" smtClean="0"/>
+              <a:t> </a:t>
+            </a:r>
+            <a:r>
+              <a:rPr lang="de-AT" dirty="0" err="1" smtClean="0"/>
+              <a:t>features</a:t>
+            </a:r>
+            <a:endParaRPr lang="de-AT" dirty="0"/>
+          </a:p>
+        </p:txBody>
+      </p:sp>
+      <p:sp>
+        <p:nvSpPr>
+          <p:cNvPr id="6" name="Inhaltsplatzhalter 5"/>
+          <p:cNvSpPr>
+            <a:spLocks noGrp="1"/>
+          </p:cNvSpPr>
+          <p:nvPr>
+            <p:ph idx="1"/>
+          </p:nvPr>
+        </p:nvSpPr>
+        <p:spPr/>
+        <p:txBody>
+          <a:bodyPr/>
+          <a:lstStyle/>
+          <a:p>
+            <a:pPr>
+              <a:buFont typeface="Arial" panose="020B0604020202020204" pitchFamily="34" charset="0"/>
+              <a:buChar char="•"/>
+            </a:pPr>
+            <a:r>
+              <a:rPr lang="de-AT" dirty="0"/>
+              <a:t>Group </a:t>
+            </a:r>
+          </a:p>
+          <a:p>
+            <a:pPr>
+              <a:buFont typeface="Arial" panose="020B0604020202020204" pitchFamily="34" charset="0"/>
+              <a:buChar char="•"/>
+            </a:pPr>
+            <a:r>
+              <a:rPr lang="de-AT" dirty="0" err="1"/>
+              <a:t>Tree</a:t>
+            </a:r>
+            <a:endParaRPr lang="de-AT" dirty="0"/>
+          </a:p>
+          <a:p>
+            <a:pPr>
+              <a:buFont typeface="Arial" panose="020B0604020202020204" pitchFamily="34" charset="0"/>
+              <a:buChar char="•"/>
+            </a:pPr>
+            <a:r>
+              <a:rPr lang="de-AT" dirty="0" smtClean="0"/>
+              <a:t>Graph</a:t>
+            </a:r>
+          </a:p>
+          <a:p>
+            <a:endParaRPr lang="de-AT" dirty="0"/>
+          </a:p>
+          <a:p>
+            <a:r>
+              <a:rPr lang="de-AT" dirty="0"/>
+              <a:t>(</a:t>
+            </a:r>
+            <a:r>
+              <a:rPr lang="de-AT" dirty="0" err="1"/>
+              <a:t>evtl</a:t>
+            </a:r>
+            <a:r>
+              <a:rPr lang="de-AT" dirty="0"/>
+              <a:t> 1-2 </a:t>
+            </a:r>
+            <a:r>
+              <a:rPr lang="de-AT" dirty="0" err="1"/>
+              <a:t>bsp</a:t>
+            </a:r>
+            <a:r>
+              <a:rPr lang="de-AT" dirty="0"/>
+              <a:t> pro </a:t>
+            </a:r>
+            <a:r>
+              <a:rPr lang="de-AT" dirty="0" err="1"/>
+              <a:t>art</a:t>
+            </a:r>
+            <a:r>
+              <a:rPr lang="de-AT" dirty="0"/>
+              <a:t>, fortführendes zeug?) </a:t>
+            </a:r>
+          </a:p>
+        </p:txBody>
+      </p:sp>
+      <p:sp>
+        <p:nvSpPr>
+          <p:cNvPr id="2" name="Datumsplatzhalter 1"/>
+          <p:cNvSpPr>
+            <a:spLocks noGrp="1"/>
+          </p:cNvSpPr>
+          <p:nvPr>
+            <p:ph type="dt" sz="half" idx="10"/>
+          </p:nvPr>
+        </p:nvSpPr>
+        <p:spPr/>
+        <p:txBody>
+          <a:bodyPr/>
+          <a:lstStyle/>
+          <a:p>
+            <a:pPr>
+              <a:defRPr/>
+            </a:pPr>
+            <a:fld id="{E3EF207F-073F-41B4-A8D0-129C1C351EF1}" type="datetime1">
+              <a:rPr lang="de-AT" smtClean="0"/>
+              <a:t>25.01.2016</a:t>
+            </a:fld>
+            <a:endParaRPr lang="de-AT" dirty="0"/>
+          </a:p>
+        </p:txBody>
+      </p:sp>
+      <p:sp>
+        <p:nvSpPr>
+          <p:cNvPr id="3" name="Fußzeilenplatzhalter 2"/>
+          <p:cNvSpPr>
+            <a:spLocks noGrp="1"/>
+          </p:cNvSpPr>
+          <p:nvPr>
+            <p:ph type="ftr" sz="quarter" idx="11"/>
+          </p:nvPr>
+        </p:nvSpPr>
+        <p:spPr/>
+        <p:txBody>
+          <a:bodyPr/>
+          <a:lstStyle/>
+          <a:p>
+            <a:pPr>
+              <a:defRPr/>
+            </a:pPr>
+            <a:r>
+              <a:rPr lang="de-AT" smtClean="0"/>
+              <a:t>Silvana Podaras &amp; Florian Schober</a:t>
+            </a:r>
+            <a:endParaRPr lang="de-AT"/>
+          </a:p>
+        </p:txBody>
+      </p:sp>
+      <p:sp>
+        <p:nvSpPr>
+          <p:cNvPr id="4" name="Foliennummernplatzhalter 3"/>
+          <p:cNvSpPr>
+            <a:spLocks noGrp="1"/>
+          </p:cNvSpPr>
+          <p:nvPr>
+            <p:ph type="sldNum" sz="quarter" idx="12"/>
+          </p:nvPr>
+        </p:nvSpPr>
+        <p:spPr/>
+        <p:txBody>
+          <a:bodyPr/>
+          <a:lstStyle/>
+          <a:p>
+            <a:fld id="{CA3F91B5-C267-4146-949F-EABEA95DB02A}" type="slidenum">
+              <a:rPr lang="de-AT" altLang="de-DE" smtClean="0"/>
+              <a:pPr/>
+              <a:t>22</a:t>
+            </a:fld>
+            <a:endParaRPr lang="de-AT" altLang="de-DE"/>
+          </a:p>
+        </p:txBody>
+      </p:sp>
+    </p:spTree>
+    <p:extLst>
+      <p:ext uri="{BB962C8B-B14F-4D97-AF65-F5344CB8AC3E}">
+        <p14:creationId xmlns:p14="http://schemas.microsoft.com/office/powerpoint/2010/main" val="4076193232"/>
+      </p:ext>
+    </p:extLst>
+  </p:cSld>
+  <p:clrMapOvr>
+    <a:masterClrMapping/>
+  </p:clrMapOvr>
+  <p:timing>
+    <p:tnLst>
+      <p:par>
+        <p:cTn id="1" dur="indefinite" restart="never" nodeType="tmRoot"/>
+      </p:par>
+    </p:tnLst>
+  </p:timing>
+</p:sld>
+</file>
+
+<file path=ppt/slides/slide23.xml><?xml version="1.0" encoding="utf-8"?>
+<p:sld xmlns:a="http://schemas.openxmlformats.org/drawingml/2006/main" xmlns:r="http://schemas.openxmlformats.org/officeDocument/2006/relationships" xmlns:p="http://schemas.openxmlformats.org/presentationml/2006/main">
+  <p:cSld>
+    <p:spTree>
+      <p:nvGrpSpPr>
+        <p:cNvPr id="1" name=""/>
+        <p:cNvGrpSpPr/>
+        <p:nvPr/>
+      </p:nvGrpSpPr>
+      <p:grpSpPr>
+        <a:xfrm>
+          <a:off x="0" y="0"/>
+          <a:ext cx="0" cy="0"/>
+          <a:chOff x="0" y="0"/>
+          <a:chExt cx="0" cy="0"/>
+        </a:xfrm>
+      </p:grpSpPr>
+      <p:sp>
+        <p:nvSpPr>
+          <p:cNvPr id="5" name="Titel 4"/>
+          <p:cNvSpPr>
+            <a:spLocks noGrp="1"/>
+          </p:cNvSpPr>
+          <p:nvPr>
+            <p:ph type="title"/>
+          </p:nvPr>
+        </p:nvSpPr>
+        <p:spPr/>
+        <p:txBody>
+          <a:bodyPr/>
+          <a:lstStyle/>
+          <a:p>
+            <a:r>
+              <a:rPr lang="de-AT" dirty="0" err="1" smtClean="0"/>
+              <a:t>Applications</a:t>
+            </a:r>
+            <a:endParaRPr lang="de-AT" dirty="0"/>
+          </a:p>
+        </p:txBody>
+      </p:sp>
+      <p:sp>
+        <p:nvSpPr>
+          <p:cNvPr id="6" name="Inhaltsplatzhalter 5"/>
+          <p:cNvSpPr>
+            <a:spLocks noGrp="1"/>
+          </p:cNvSpPr>
+          <p:nvPr>
+            <p:ph idx="1"/>
+          </p:nvPr>
+        </p:nvSpPr>
+        <p:spPr/>
+        <p:txBody>
+          <a:bodyPr/>
+          <a:lstStyle/>
+          <a:p>
+            <a:pPr>
+              <a:buFont typeface="Arial" panose="020B0604020202020204" pitchFamily="34" charset="0"/>
+              <a:buChar char="•"/>
+            </a:pPr>
+            <a:r>
+              <a:rPr lang="de-AT" dirty="0" err="1"/>
+              <a:t>Classification</a:t>
+            </a:r>
+            <a:r>
+              <a:rPr lang="de-AT" dirty="0"/>
+              <a:t>/ </a:t>
+            </a:r>
+            <a:r>
+              <a:rPr lang="de-AT" dirty="0" err="1"/>
+              <a:t>pattern</a:t>
+            </a:r>
+            <a:r>
+              <a:rPr lang="de-AT" dirty="0"/>
+              <a:t> </a:t>
+            </a:r>
+            <a:r>
+              <a:rPr lang="de-AT" dirty="0" err="1"/>
+              <a:t>recognition</a:t>
+            </a:r>
+            <a:endParaRPr lang="de-AT" dirty="0"/>
+          </a:p>
+          <a:p>
+            <a:pPr>
+              <a:buFont typeface="Arial" panose="020B0604020202020204" pitchFamily="34" charset="0"/>
+              <a:buChar char="•"/>
+            </a:pPr>
+            <a:r>
+              <a:rPr lang="de-AT" dirty="0"/>
+              <a:t>Data </a:t>
+            </a:r>
+            <a:r>
+              <a:rPr lang="de-AT" dirty="0" err="1"/>
+              <a:t>representation</a:t>
+            </a:r>
+            <a:endParaRPr lang="de-AT" dirty="0"/>
+          </a:p>
+          <a:p>
+            <a:pPr>
+              <a:buFont typeface="Arial" panose="020B0604020202020204" pitchFamily="34" charset="0"/>
+              <a:buChar char="•"/>
+            </a:pPr>
+            <a:r>
+              <a:rPr lang="de-AT" dirty="0" err="1"/>
+              <a:t>Prediction</a:t>
+            </a:r>
+            <a:endParaRPr lang="de-AT" dirty="0"/>
+          </a:p>
+        </p:txBody>
+      </p:sp>
+      <p:sp>
+        <p:nvSpPr>
+          <p:cNvPr id="2" name="Datumsplatzhalter 1"/>
+          <p:cNvSpPr>
+            <a:spLocks noGrp="1"/>
+          </p:cNvSpPr>
+          <p:nvPr>
+            <p:ph type="dt" sz="half" idx="10"/>
+          </p:nvPr>
+        </p:nvSpPr>
+        <p:spPr/>
+        <p:txBody>
+          <a:bodyPr/>
+          <a:lstStyle/>
+          <a:p>
+            <a:pPr>
+              <a:defRPr/>
+            </a:pPr>
+            <a:fld id="{908BDE4A-9991-4FD0-90A7-2A1AC2958297}" type="datetime1">
+              <a:rPr lang="de-AT" smtClean="0"/>
+              <a:t>25.01.2016</a:t>
+            </a:fld>
+            <a:endParaRPr lang="de-AT" dirty="0"/>
+          </a:p>
+        </p:txBody>
+      </p:sp>
+      <p:sp>
+        <p:nvSpPr>
+          <p:cNvPr id="3" name="Fußzeilenplatzhalter 2"/>
+          <p:cNvSpPr>
+            <a:spLocks noGrp="1"/>
+          </p:cNvSpPr>
+          <p:nvPr>
+            <p:ph type="ftr" sz="quarter" idx="11"/>
+          </p:nvPr>
+        </p:nvSpPr>
+        <p:spPr/>
+        <p:txBody>
+          <a:bodyPr/>
+          <a:lstStyle/>
+          <a:p>
+            <a:pPr>
+              <a:defRPr/>
+            </a:pPr>
+            <a:r>
+              <a:rPr lang="de-AT" smtClean="0"/>
+              <a:t>Silvana Podaras &amp; Florian Schober</a:t>
+            </a:r>
+            <a:endParaRPr lang="de-AT"/>
+          </a:p>
+        </p:txBody>
+      </p:sp>
+      <p:sp>
+        <p:nvSpPr>
+          <p:cNvPr id="4" name="Foliennummernplatzhalter 3"/>
+          <p:cNvSpPr>
+            <a:spLocks noGrp="1"/>
+          </p:cNvSpPr>
+          <p:nvPr>
+            <p:ph type="sldNum" sz="quarter" idx="12"/>
+          </p:nvPr>
+        </p:nvSpPr>
+        <p:spPr/>
+        <p:txBody>
+          <a:bodyPr/>
+          <a:lstStyle/>
+          <a:p>
+            <a:fld id="{CA3F91B5-C267-4146-949F-EABEA95DB02A}" type="slidenum">
+              <a:rPr lang="de-AT" altLang="de-DE" smtClean="0"/>
+              <a:pPr/>
+              <a:t>23</a:t>
+            </a:fld>
+            <a:endParaRPr lang="de-AT" altLang="de-DE"/>
+          </a:p>
+        </p:txBody>
+      </p:sp>
+    </p:spTree>
+    <p:extLst>
+      <p:ext uri="{BB962C8B-B14F-4D97-AF65-F5344CB8AC3E}">
+        <p14:creationId xmlns:p14="http://schemas.microsoft.com/office/powerpoint/2010/main" val="4227374127"/>
+      </p:ext>
+    </p:extLst>
+  </p:cSld>
+  <p:clrMapOvr>
+    <a:masterClrMapping/>
+  </p:clrMapOvr>
+  <p:timing>
+    <p:tnLst>
+      <p:par>
+        <p:cTn id="1" dur="indefinite" restart="never" nodeType="tmRoot"/>
+      </p:par>
+    </p:tnLst>
+  </p:timing>
+</p:sld>
+</file>
+
+<file path=ppt/slides/slide24.xml><?xml version="1.0" encoding="utf-8"?>
+<p:sld xmlns:a="http://schemas.openxmlformats.org/drawingml/2006/main" xmlns:r="http://schemas.openxmlformats.org/officeDocument/2006/relationships" xmlns:p="http://schemas.openxmlformats.org/presentationml/2006/main">
+  <p:cSld>
+    <p:spTree>
+      <p:nvGrpSpPr>
+        <p:cNvPr id="1" name=""/>
+        <p:cNvGrpSpPr/>
+        <p:nvPr/>
+      </p:nvGrpSpPr>
+      <p:grpSpPr>
+        <a:xfrm>
+          <a:off x="0" y="0"/>
+          <a:ext cx="0" cy="0"/>
+          <a:chOff x="0" y="0"/>
+          <a:chExt cx="0" cy="0"/>
+        </a:xfrm>
+      </p:grpSpPr>
+      <p:sp>
+        <p:nvSpPr>
+          <p:cNvPr id="5" name="Titel 4"/>
+          <p:cNvSpPr>
+            <a:spLocks noGrp="1"/>
+          </p:cNvSpPr>
+          <p:nvPr>
+            <p:ph type="title"/>
+          </p:nvPr>
+        </p:nvSpPr>
+        <p:spPr>
+          <a:xfrm>
+            <a:off x="2771800" y="2924944"/>
+            <a:ext cx="2520280" cy="1143008"/>
+          </a:xfrm>
+        </p:spPr>
+        <p:txBody>
+          <a:bodyPr anchor="ctr"/>
+          <a:lstStyle/>
+          <a:p>
+            <a:r>
+              <a:rPr lang="de-AT" dirty="0" err="1" smtClean="0"/>
+              <a:t>Questions</a:t>
+            </a:r>
+            <a:r>
+              <a:rPr lang="de-AT" dirty="0" smtClean="0"/>
+              <a:t>?</a:t>
+            </a:r>
+            <a:endParaRPr lang="de-AT" dirty="0"/>
+          </a:p>
+        </p:txBody>
+      </p:sp>
+      <p:sp>
+        <p:nvSpPr>
+          <p:cNvPr id="2" name="Datumsplatzhalter 1"/>
+          <p:cNvSpPr>
+            <a:spLocks noGrp="1"/>
+          </p:cNvSpPr>
+          <p:nvPr>
+            <p:ph type="dt" sz="half" idx="10"/>
+          </p:nvPr>
+        </p:nvSpPr>
+        <p:spPr/>
+        <p:txBody>
+          <a:bodyPr/>
+          <a:lstStyle/>
+          <a:p>
+            <a:pPr>
+              <a:defRPr/>
+            </a:pPr>
+            <a:fld id="{D5D3703B-7C89-496B-8219-C11379F90AE7}" type="datetime1">
+              <a:rPr lang="de-AT" smtClean="0"/>
+              <a:t>25.01.2016</a:t>
+            </a:fld>
+            <a:endParaRPr lang="de-AT" dirty="0"/>
+          </a:p>
+        </p:txBody>
+      </p:sp>
+      <p:sp>
+        <p:nvSpPr>
+          <p:cNvPr id="3" name="Fußzeilenplatzhalter 2"/>
+          <p:cNvSpPr>
+            <a:spLocks noGrp="1"/>
+          </p:cNvSpPr>
+          <p:nvPr>
+            <p:ph type="ftr" sz="quarter" idx="11"/>
+          </p:nvPr>
+        </p:nvSpPr>
+        <p:spPr/>
+        <p:txBody>
+          <a:bodyPr/>
+          <a:lstStyle/>
+          <a:p>
+            <a:pPr>
+              <a:defRPr/>
+            </a:pPr>
+            <a:r>
+              <a:rPr lang="de-AT" smtClean="0"/>
+              <a:t>Silvana Podaras &amp; Florian Schober</a:t>
+            </a:r>
+            <a:endParaRPr lang="de-AT"/>
+          </a:p>
+        </p:txBody>
+      </p:sp>
+      <p:sp>
+        <p:nvSpPr>
+          <p:cNvPr id="4" name="Foliennummernplatzhalter 3"/>
+          <p:cNvSpPr>
+            <a:spLocks noGrp="1"/>
+          </p:cNvSpPr>
+          <p:nvPr>
+            <p:ph type="sldNum" sz="quarter" idx="12"/>
+          </p:nvPr>
+        </p:nvSpPr>
+        <p:spPr/>
+        <p:txBody>
+          <a:bodyPr/>
+          <a:lstStyle/>
+          <a:p>
+            <a:fld id="{CA3F91B5-C267-4146-949F-EABEA95DB02A}" type="slidenum">
+              <a:rPr lang="de-AT" altLang="de-DE" smtClean="0"/>
+              <a:pPr/>
+              <a:t>24</a:t>
+            </a:fld>
+            <a:endParaRPr lang="de-AT" altLang="de-DE"/>
+          </a:p>
+        </p:txBody>
+      </p:sp>
+    </p:spTree>
+    <p:extLst>
+      <p:ext uri="{BB962C8B-B14F-4D97-AF65-F5344CB8AC3E}">
+        <p14:creationId xmlns:p14="http://schemas.microsoft.com/office/powerpoint/2010/main" val="539449402"/>
+      </p:ext>
+    </p:extLst>
+  </p:cSld>
+  <p:clrMapOvr>
+    <a:masterClrMapping/>
+  </p:clrMapOvr>
+  <p:timing>
+    <p:tnLst>
+      <p:par>
+        <p:cTn id="1" dur="indefinite" restart="never" nodeType="tmRoot"/>
+      </p:par>
+    </p:tnLst>
+  </p:timing>
+</p:sld>
+</file>
+
+<file path=ppt/slides/slide25.xml><?xml version="1.0" encoding="utf-8"?>
+<p:sld xmlns:a="http://schemas.openxmlformats.org/drawingml/2006/main" xmlns:r="http://schemas.openxmlformats.org/officeDocument/2006/relationships" xmlns:p="http://schemas.openxmlformats.org/presentationml/2006/main">
+  <p:cSld>
+    <p:spTree>
+      <p:nvGrpSpPr>
+        <p:cNvPr id="1" name=""/>
+        <p:cNvGrpSpPr/>
+        <p:nvPr/>
+      </p:nvGrpSpPr>
+      <p:grpSpPr>
+        <a:xfrm>
+          <a:off x="0" y="0"/>
+          <a:ext cx="0" cy="0"/>
+          <a:chOff x="0" y="0"/>
+          <a:chExt cx="0" cy="0"/>
+        </a:xfrm>
+      </p:grpSpPr>
+      <p:sp>
+        <p:nvSpPr>
+          <p:cNvPr id="5" name="Titel 4"/>
+          <p:cNvSpPr>
+            <a:spLocks noGrp="1"/>
+          </p:cNvSpPr>
+          <p:nvPr>
+            <p:ph type="title"/>
+          </p:nvPr>
+        </p:nvSpPr>
+        <p:spPr/>
+        <p:txBody>
+          <a:bodyPr/>
+          <a:lstStyle/>
+          <a:p>
+            <a:r>
+              <a:rPr lang="de-AT" dirty="0" err="1" smtClean="0"/>
               <a:t>Literature</a:t>
             </a:r>
             <a:endParaRPr lang="de-AT" dirty="0"/>
@@ -10641,7 +13600,7 @@
             <a:fld id="{CA3F91B5-C267-4146-949F-EABEA95DB02A}" type="slidenum">
               <a:rPr lang="de-AT" altLang="de-DE" smtClean="0"/>
               <a:pPr/>
-              <a:t>22</a:t>
+              <a:t>25</a:t>
             </a:fld>
             <a:endParaRPr lang="de-AT" altLang="de-DE"/>
           </a:p>
@@ -11384,11 +14343,7 @@
             </a:pPr>
             <a:r>
               <a:rPr lang="en-US" dirty="0" smtClean="0"/>
-              <a:t>Discriminating </a:t>
-            </a:r>
-            <a:r>
-              <a:rPr lang="en-US" dirty="0" smtClean="0"/>
-              <a:t>features</a:t>
+              <a:t>Discriminating features</a:t>
             </a:r>
           </a:p>
           <a:p>
@@ -11558,55 +14513,34 @@
           <a:lstStyle/>
           <a:p>
             <a:r>
-              <a:rPr lang="en-US" dirty="0" smtClean="0"/>
+              <a:rPr lang="en-US" b="1" dirty="0" smtClean="0"/>
               <a:t>Flat Features</a:t>
             </a:r>
           </a:p>
           <a:p>
-            <a:r>
-              <a:rPr lang="en-US" dirty="0"/>
-              <a:t>	</a:t>
-            </a:r>
-            <a:r>
-              <a:rPr lang="en-US" dirty="0" smtClean="0">
-                <a:sym typeface="Wingdings" panose="05000000000000000000" pitchFamily="2" charset="2"/>
-              </a:rPr>
-              <a:t></a:t>
-            </a:r>
-            <a:r>
-              <a:rPr lang="en-US" dirty="0" smtClean="0"/>
-              <a:t> Independent</a:t>
-            </a:r>
+            <a:pPr lvl="1"/>
+            <a:r>
+              <a:rPr lang="en-US" sz="2400" dirty="0" smtClean="0"/>
+              <a:t>Independent</a:t>
+            </a:r>
+            <a:endParaRPr lang="en-US" sz="2400" dirty="0" smtClean="0"/>
           </a:p>
           <a:p>
             <a:endParaRPr lang="en-US" dirty="0"/>
           </a:p>
           <a:p>
             <a:r>
-              <a:rPr lang="en-US" dirty="0" smtClean="0"/>
+              <a:rPr lang="en-US" b="1" dirty="0" smtClean="0"/>
               <a:t>Structured</a:t>
             </a:r>
           </a:p>
           <a:p>
-            <a:r>
-              <a:rPr lang="en-US" dirty="0"/>
-              <a:t>	</a:t>
-            </a:r>
-            <a:r>
-              <a:rPr lang="en-US" dirty="0" smtClean="0">
-                <a:sym typeface="Wingdings" panose="05000000000000000000" pitchFamily="2" charset="2"/>
-              </a:rPr>
-              <a:t></a:t>
-            </a:r>
-            <a:r>
-              <a:rPr lang="en-US" dirty="0" smtClean="0"/>
-              <a:t> </a:t>
-            </a:r>
-            <a:r>
-              <a:rPr lang="en-US" dirty="0"/>
-              <a:t>of certain structure</a:t>
-            </a:r>
-            <a:endParaRPr lang="de-AT" dirty="0"/>
+            <a:pPr lvl="1"/>
+            <a:r>
+              <a:rPr lang="en-US" sz="2400" dirty="0" smtClean="0"/>
+              <a:t>Certain structure</a:t>
+            </a:r>
+            <a:endParaRPr lang="de-AT" sz="2400" dirty="0"/>
           </a:p>
         </p:txBody>
       </p:sp>
@@ -11740,7 +14674,11 @@
           <a:p>
             <a:r>
               <a:rPr lang="de-AT" dirty="0" smtClean="0"/>
-              <a:t>Flat  Features</a:t>
+              <a:t>Flat </a:t>
+            </a:r>
+            <a:r>
+              <a:rPr lang="de-AT" dirty="0" smtClean="0"/>
+              <a:t>Features</a:t>
             </a:r>
             <a:endParaRPr lang="de-AT" dirty="0"/>
           </a:p>

--- a/presentation/Presentation.pptx
+++ b/presentation/Presentation.pptx
@@ -7,7 +7,7 @@
     <p:sldMasterId id="2147483667" r:id="rId3"/>
   </p:sldMasterIdLst>
   <p:notesMasterIdLst>
-    <p:notesMasterId r:id="rId29"/>
+    <p:notesMasterId r:id="rId31"/>
   </p:notesMasterIdLst>
   <p:sldIdLst>
     <p:sldId id="256" r:id="rId4"/>
@@ -22,19 +22,21 @@
     <p:sldId id="263" r:id="rId13"/>
     <p:sldId id="273" r:id="rId14"/>
     <p:sldId id="280" r:id="rId15"/>
-    <p:sldId id="264" r:id="rId16"/>
-    <p:sldId id="278" r:id="rId17"/>
-    <p:sldId id="281" r:id="rId18"/>
-    <p:sldId id="284" r:id="rId19"/>
-    <p:sldId id="282" r:id="rId20"/>
-    <p:sldId id="283" r:id="rId21"/>
-    <p:sldId id="265" r:id="rId22"/>
-    <p:sldId id="275" r:id="rId23"/>
-    <p:sldId id="266" r:id="rId24"/>
-    <p:sldId id="267" r:id="rId25"/>
-    <p:sldId id="268" r:id="rId26"/>
-    <p:sldId id="269" r:id="rId27"/>
-    <p:sldId id="270" r:id="rId28"/>
+    <p:sldId id="285" r:id="rId16"/>
+    <p:sldId id="264" r:id="rId17"/>
+    <p:sldId id="278" r:id="rId18"/>
+    <p:sldId id="281" r:id="rId19"/>
+    <p:sldId id="284" r:id="rId20"/>
+    <p:sldId id="286" r:id="rId21"/>
+    <p:sldId id="282" r:id="rId22"/>
+    <p:sldId id="283" r:id="rId23"/>
+    <p:sldId id="287" r:id="rId24"/>
+    <p:sldId id="265" r:id="rId25"/>
+    <p:sldId id="275" r:id="rId26"/>
+    <p:sldId id="266" r:id="rId27"/>
+    <p:sldId id="267" r:id="rId28"/>
+    <p:sldId id="268" r:id="rId29"/>
+    <p:sldId id="269" r:id="rId30"/>
   </p:sldIdLst>
   <p:sldSz cx="9144000" cy="6858000" type="screen4x3"/>
   <p:notesSz cx="6858000" cy="9144000"/>
@@ -900,52 +902,15 @@
           <a:p>
             <a:r>
               <a:rPr lang="de-AT" dirty="0" smtClean="0"/>
-              <a:t>Evaluation/</a:t>
-            </a:r>
-            <a:r>
-              <a:rPr lang="de-AT" dirty="0" err="1" smtClean="0"/>
-              <a:t>Estimation</a:t>
-            </a:r>
-            <a:r>
-              <a:rPr lang="de-AT" dirty="0" smtClean="0"/>
-              <a:t>: </a:t>
-            </a:r>
-            <a:endParaRPr lang="de-AT" dirty="0" smtClean="0"/>
-          </a:p>
-          <a:p>
-            <a:r>
-              <a:rPr lang="de-AT" dirty="0" smtClean="0"/>
-              <a:t>´</a:t>
-            </a:r>
-          </a:p>
-          <a:p>
-            <a:r>
-              <a:rPr lang="de-AT" dirty="0" smtClean="0"/>
-              <a:t>Train </a:t>
-            </a:r>
-            <a:r>
-              <a:rPr lang="de-AT" dirty="0" err="1" smtClean="0"/>
-              <a:t>classsifier</a:t>
+              <a:t>Search </a:t>
+            </a:r>
+            <a:r>
+              <a:rPr lang="de-AT" dirty="0" err="1" smtClean="0"/>
+              <a:t>for</a:t>
             </a:r>
             <a:r>
               <a:rPr lang="de-AT" baseline="0" dirty="0" smtClean="0"/>
-              <a:t>  </a:t>
-            </a:r>
-            <a:r>
-              <a:rPr lang="de-AT" baseline="0" dirty="0" err="1" smtClean="0"/>
-              <a:t>with</a:t>
-            </a:r>
-            <a:r>
-              <a:rPr lang="de-AT" baseline="0" dirty="0" smtClean="0"/>
-              <a:t>  </a:t>
-            </a:r>
-            <a:r>
-              <a:rPr lang="de-AT" baseline="0" dirty="0" err="1" smtClean="0"/>
-              <a:t>the</a:t>
-            </a:r>
-            <a:r>
-              <a:rPr lang="de-AT" baseline="0" dirty="0" smtClean="0"/>
-              <a:t>  </a:t>
+              <a:t> a </a:t>
             </a:r>
             <a:r>
               <a:rPr lang="de-AT" baseline="0" dirty="0" err="1" smtClean="0"/>
@@ -953,85 +918,418 @@
             </a:r>
             <a:r>
               <a:rPr lang="de-AT" baseline="0" dirty="0" smtClean="0"/>
-              <a:t>, </a:t>
-            </a:r>
-            <a:r>
-              <a:rPr lang="de-AT" baseline="0" dirty="0" err="1" smtClean="0"/>
-              <a:t>evaluate</a:t>
-            </a:r>
-            <a:r>
-              <a:rPr lang="de-AT" baseline="0" dirty="0" smtClean="0"/>
-              <a:t> </a:t>
-            </a:r>
-            <a:r>
-              <a:rPr lang="de-AT" baseline="0" dirty="0" err="1" smtClean="0"/>
-              <a:t>e.g</a:t>
-            </a:r>
-            <a:r>
-              <a:rPr lang="de-AT" baseline="0" dirty="0" smtClean="0"/>
-              <a:t> </a:t>
-            </a:r>
-            <a:r>
-              <a:rPr lang="de-AT" baseline="0" dirty="0" err="1" smtClean="0"/>
-              <a:t>with</a:t>
-            </a:r>
-            <a:r>
-              <a:rPr lang="de-AT" baseline="0" dirty="0" smtClean="0"/>
-              <a:t>, </a:t>
-            </a:r>
-            <a:r>
-              <a:rPr lang="de-AT" baseline="0" dirty="0" err="1" smtClean="0"/>
-              <a:t>cross</a:t>
-            </a:r>
-            <a:r>
-              <a:rPr lang="de-AT" baseline="0" dirty="0" smtClean="0"/>
-              <a:t> </a:t>
-            </a:r>
-            <a:r>
-              <a:rPr lang="de-AT" baseline="0" dirty="0" err="1" smtClean="0"/>
-              <a:t>validation</a:t>
-            </a:r>
-            <a:r>
-              <a:rPr lang="de-AT" baseline="0" dirty="0" smtClean="0"/>
-              <a:t> – </a:t>
-            </a:r>
-            <a:r>
-              <a:rPr lang="de-AT" baseline="0" dirty="0" err="1" smtClean="0"/>
-              <a:t>uses</a:t>
-            </a:r>
-            <a:r>
-              <a:rPr lang="de-AT" baseline="0" dirty="0" smtClean="0"/>
-              <a:t> </a:t>
-            </a:r>
-            <a:r>
-              <a:rPr lang="de-AT" baseline="0" dirty="0" err="1" smtClean="0"/>
-              <a:t>the</a:t>
-            </a:r>
-            <a:r>
-              <a:rPr lang="de-AT" baseline="0" dirty="0" smtClean="0"/>
-              <a:t> </a:t>
-            </a:r>
-            <a:r>
-              <a:rPr lang="de-AT" baseline="0" dirty="0" err="1" smtClean="0"/>
-              <a:t>classifier</a:t>
-            </a:r>
-            <a:r>
-              <a:rPr lang="de-AT" baseline="0" dirty="0" smtClean="0"/>
-              <a:t>!</a:t>
-            </a:r>
-          </a:p>
-          <a:p>
-            <a:endParaRPr lang="de-AT" baseline="0" dirty="0" smtClean="0"/>
-          </a:p>
-          <a:p>
-            <a:endParaRPr lang="de-AT" baseline="0" dirty="0" smtClean="0"/>
-          </a:p>
-          <a:p>
-            <a:pPr marL="0" indent="0">
-              <a:buFont typeface="+mj-lt"/>
-              <a:buNone/>
-            </a:pPr>
-            <a:endParaRPr lang="de-AT" baseline="0" dirty="0" smtClean="0"/>
+              <a:t> </a:t>
+            </a:r>
+            <a:r>
+              <a:rPr lang="de-AT" dirty="0" smtClean="0"/>
+              <a:t>: different </a:t>
+            </a:r>
+            <a:r>
+              <a:rPr lang="de-AT" dirty="0" err="1" smtClean="0"/>
+              <a:t>algorithms</a:t>
+            </a:r>
+            <a:r>
+              <a:rPr lang="de-AT" dirty="0" smtClean="0"/>
+              <a:t> </a:t>
+            </a:r>
+            <a:r>
+              <a:rPr lang="de-AT" dirty="0" err="1" smtClean="0"/>
+              <a:t>possible</a:t>
+            </a:r>
+            <a:r>
+              <a:rPr lang="de-AT" dirty="0" smtClean="0"/>
+              <a:t>: </a:t>
+            </a:r>
+          </a:p>
+          <a:p>
+            <a:r>
+              <a:rPr lang="en-US" sz="1200" b="0" i="0" u="none" strike="noStrike" kern="1200" baseline="0" dirty="0" smtClean="0">
+                <a:solidFill>
+                  <a:schemeClr val="tx1"/>
+                </a:solidFill>
+                <a:latin typeface="+mn-lt"/>
+                <a:ea typeface="+mn-ea"/>
+                <a:cs typeface="+mn-cs"/>
+              </a:rPr>
+              <a:t>hill-climbing, best-first, branch-and-bound, and genetic </a:t>
+            </a:r>
+            <a:r>
+              <a:rPr lang="de-AT" sz="1200" b="0" i="0" u="none" strike="noStrike" kern="1200" baseline="0" dirty="0" err="1" smtClean="0">
+                <a:solidFill>
+                  <a:schemeClr val="tx1"/>
+                </a:solidFill>
+                <a:latin typeface="+mn-lt"/>
+                <a:ea typeface="+mn-ea"/>
+                <a:cs typeface="+mn-cs"/>
+              </a:rPr>
+              <a:t>algorithms</a:t>
+            </a:r>
+            <a:r>
+              <a:rPr lang="de-AT" sz="1200" b="0" i="0" u="none" strike="noStrike" kern="1200" baseline="0" dirty="0" smtClean="0">
+                <a:solidFill>
+                  <a:schemeClr val="tx1"/>
+                </a:solidFill>
+                <a:latin typeface="+mn-lt"/>
+                <a:ea typeface="+mn-ea"/>
+                <a:cs typeface="+mn-cs"/>
+              </a:rPr>
+              <a:t>.</a:t>
+            </a:r>
+          </a:p>
+          <a:p>
+            <a:r>
+              <a:rPr lang="de-AT" sz="1200" b="0" i="0" u="none" strike="noStrike" kern="1200" baseline="0" dirty="0" err="1" smtClean="0">
+                <a:solidFill>
+                  <a:schemeClr val="tx1"/>
+                </a:solidFill>
+                <a:latin typeface="+mn-lt"/>
+                <a:ea typeface="+mn-ea"/>
+                <a:cs typeface="+mn-cs"/>
+              </a:rPr>
+              <a:t>Either</a:t>
+            </a:r>
+            <a:r>
+              <a:rPr lang="de-AT" sz="1200" b="0" i="0" u="none" strike="noStrike" kern="1200" baseline="0" dirty="0" smtClean="0">
+                <a:solidFill>
+                  <a:schemeClr val="tx1"/>
+                </a:solidFill>
+                <a:latin typeface="+mn-lt"/>
+                <a:ea typeface="+mn-ea"/>
+                <a:cs typeface="+mn-cs"/>
+              </a:rPr>
+              <a:t>  </a:t>
+            </a:r>
+            <a:r>
+              <a:rPr lang="de-AT" sz="1200" b="0" i="0" u="none" strike="noStrike" kern="1200" baseline="0" dirty="0" err="1" smtClean="0">
+                <a:solidFill>
+                  <a:schemeClr val="tx1"/>
+                </a:solidFill>
+                <a:latin typeface="+mn-lt"/>
+                <a:ea typeface="+mn-ea"/>
+                <a:cs typeface="+mn-cs"/>
+              </a:rPr>
+              <a:t>start</a:t>
+            </a:r>
+            <a:r>
+              <a:rPr lang="de-AT" sz="1200" b="0" i="0" u="none" strike="noStrike" kern="1200" baseline="0" dirty="0" smtClean="0">
+                <a:solidFill>
+                  <a:schemeClr val="tx1"/>
+                </a:solidFill>
+                <a:latin typeface="+mn-lt"/>
+                <a:ea typeface="+mn-ea"/>
+                <a:cs typeface="+mn-cs"/>
+              </a:rPr>
+              <a:t>  </a:t>
+            </a:r>
+            <a:r>
+              <a:rPr lang="de-AT" sz="1200" b="0" i="0" u="none" strike="noStrike" kern="1200" baseline="0" dirty="0" err="1" smtClean="0">
+                <a:solidFill>
+                  <a:schemeClr val="tx1"/>
+                </a:solidFill>
+                <a:latin typeface="+mn-lt"/>
+                <a:ea typeface="+mn-ea"/>
+                <a:cs typeface="+mn-cs"/>
+              </a:rPr>
+              <a:t>from</a:t>
+            </a:r>
+            <a:r>
+              <a:rPr lang="de-AT" sz="1200" b="0" i="0" u="none" strike="noStrike" kern="1200" baseline="0" dirty="0" smtClean="0">
+                <a:solidFill>
+                  <a:schemeClr val="tx1"/>
+                </a:solidFill>
+                <a:latin typeface="+mn-lt"/>
+                <a:ea typeface="+mn-ea"/>
+                <a:cs typeface="+mn-cs"/>
+              </a:rPr>
+              <a:t>  </a:t>
+            </a:r>
+            <a:r>
+              <a:rPr lang="de-AT" sz="1200" b="0" i="0" u="none" strike="noStrike" kern="1200" baseline="0" dirty="0" err="1" smtClean="0">
+                <a:solidFill>
+                  <a:schemeClr val="tx1"/>
+                </a:solidFill>
+                <a:latin typeface="+mn-lt"/>
+                <a:ea typeface="+mn-ea"/>
+                <a:cs typeface="+mn-cs"/>
+              </a:rPr>
+              <a:t>full</a:t>
+            </a:r>
+            <a:r>
+              <a:rPr lang="de-AT" sz="1200" b="0" i="0" u="none" strike="noStrike" kern="1200" baseline="0" dirty="0" smtClean="0">
+                <a:solidFill>
+                  <a:schemeClr val="tx1"/>
+                </a:solidFill>
+                <a:latin typeface="+mn-lt"/>
+                <a:ea typeface="+mn-ea"/>
+                <a:cs typeface="+mn-cs"/>
+              </a:rPr>
+              <a:t> </a:t>
+            </a:r>
+            <a:r>
+              <a:rPr lang="de-AT" sz="1200" b="0" i="0" u="none" strike="noStrike" kern="1200" baseline="0" dirty="0" err="1" smtClean="0">
+                <a:solidFill>
+                  <a:schemeClr val="tx1"/>
+                </a:solidFill>
+                <a:latin typeface="+mn-lt"/>
+                <a:ea typeface="+mn-ea"/>
+                <a:cs typeface="+mn-cs"/>
+              </a:rPr>
+              <a:t>set</a:t>
+            </a:r>
+            <a:r>
+              <a:rPr lang="de-AT" sz="1200" b="0" i="0" u="none" strike="noStrike" kern="1200" baseline="0" dirty="0" smtClean="0">
+                <a:solidFill>
+                  <a:schemeClr val="tx1"/>
+                </a:solidFill>
+                <a:latin typeface="+mn-lt"/>
+                <a:ea typeface="+mn-ea"/>
+                <a:cs typeface="+mn-cs"/>
+              </a:rPr>
+              <a:t> </a:t>
+            </a:r>
+            <a:r>
+              <a:rPr lang="de-AT" sz="1200" b="0" i="0" u="none" strike="noStrike" kern="1200" baseline="0" dirty="0" err="1" smtClean="0">
+                <a:solidFill>
+                  <a:schemeClr val="tx1"/>
+                </a:solidFill>
+                <a:latin typeface="+mn-lt"/>
+                <a:ea typeface="+mn-ea"/>
+                <a:cs typeface="+mn-cs"/>
+              </a:rPr>
+              <a:t>and</a:t>
+            </a:r>
+            <a:r>
+              <a:rPr lang="de-AT" sz="1200" b="0" i="0" u="none" strike="noStrike" kern="1200" baseline="0" dirty="0" smtClean="0">
+                <a:solidFill>
+                  <a:schemeClr val="tx1"/>
+                </a:solidFill>
+                <a:latin typeface="+mn-lt"/>
+                <a:ea typeface="+mn-ea"/>
+                <a:cs typeface="+mn-cs"/>
+              </a:rPr>
+              <a:t> </a:t>
+            </a:r>
+            <a:r>
+              <a:rPr lang="de-AT" sz="1200" b="0" i="0" u="none" strike="noStrike" kern="1200" baseline="0" dirty="0" err="1" smtClean="0">
+                <a:solidFill>
+                  <a:schemeClr val="tx1"/>
+                </a:solidFill>
+                <a:latin typeface="+mn-lt"/>
+                <a:ea typeface="+mn-ea"/>
+                <a:cs typeface="+mn-cs"/>
+              </a:rPr>
+              <a:t>reduce</a:t>
+            </a:r>
+            <a:r>
+              <a:rPr lang="de-AT" sz="1200" b="0" i="0" u="none" strike="noStrike" kern="1200" baseline="0" dirty="0" smtClean="0">
+                <a:solidFill>
+                  <a:schemeClr val="tx1"/>
+                </a:solidFill>
+                <a:latin typeface="+mn-lt"/>
+                <a:ea typeface="+mn-ea"/>
+                <a:cs typeface="+mn-cs"/>
+              </a:rPr>
+              <a:t> </a:t>
+            </a:r>
+            <a:r>
+              <a:rPr lang="de-AT" sz="1200" b="0" i="0" u="none" strike="noStrike" kern="1200" baseline="0" dirty="0" err="1" smtClean="0">
+                <a:solidFill>
+                  <a:schemeClr val="tx1"/>
+                </a:solidFill>
+                <a:latin typeface="+mn-lt"/>
+                <a:ea typeface="+mn-ea"/>
+                <a:cs typeface="+mn-cs"/>
+              </a:rPr>
+              <a:t>features</a:t>
+            </a:r>
+            <a:r>
+              <a:rPr lang="de-AT" sz="1200" b="0" i="0" u="none" strike="noStrike" kern="1200" baseline="0" dirty="0" smtClean="0">
+                <a:solidFill>
+                  <a:schemeClr val="tx1"/>
+                </a:solidFill>
+                <a:latin typeface="+mn-lt"/>
+                <a:ea typeface="+mn-ea"/>
+                <a:cs typeface="+mn-cs"/>
+              </a:rPr>
+              <a:t>,  </a:t>
+            </a:r>
+            <a:r>
+              <a:rPr lang="de-AT" sz="1200" b="0" i="0" u="none" strike="noStrike" kern="1200" baseline="0" dirty="0" err="1" smtClean="0">
+                <a:solidFill>
+                  <a:schemeClr val="tx1"/>
+                </a:solidFill>
+                <a:latin typeface="+mn-lt"/>
+                <a:ea typeface="+mn-ea"/>
+                <a:cs typeface="+mn-cs"/>
+              </a:rPr>
+              <a:t>or</a:t>
+            </a:r>
+            <a:r>
+              <a:rPr lang="de-AT" sz="1200" b="0" i="0" u="none" strike="noStrike" kern="1200" baseline="0" dirty="0" smtClean="0">
+                <a:solidFill>
+                  <a:schemeClr val="tx1"/>
+                </a:solidFill>
+                <a:latin typeface="+mn-lt"/>
+                <a:ea typeface="+mn-ea"/>
+                <a:cs typeface="+mn-cs"/>
+              </a:rPr>
+              <a:t>  </a:t>
+            </a:r>
+            <a:r>
+              <a:rPr lang="de-AT" sz="1200" b="0" i="0" u="none" strike="noStrike" kern="1200" baseline="0" dirty="0" err="1" smtClean="0">
+                <a:solidFill>
+                  <a:schemeClr val="tx1"/>
+                </a:solidFill>
+                <a:latin typeface="+mn-lt"/>
+                <a:ea typeface="+mn-ea"/>
+                <a:cs typeface="+mn-cs"/>
+              </a:rPr>
+              <a:t>start</a:t>
+            </a:r>
+            <a:r>
+              <a:rPr lang="de-AT" sz="1200" b="0" i="0" u="none" strike="noStrike" kern="1200" baseline="0" dirty="0" smtClean="0">
+                <a:solidFill>
+                  <a:schemeClr val="tx1"/>
+                </a:solidFill>
+                <a:latin typeface="+mn-lt"/>
+                <a:ea typeface="+mn-ea"/>
+                <a:cs typeface="+mn-cs"/>
+              </a:rPr>
+              <a:t> </a:t>
+            </a:r>
+            <a:r>
+              <a:rPr lang="de-AT" sz="1200" b="0" i="0" u="none" strike="noStrike" kern="1200" baseline="0" dirty="0" err="1" smtClean="0">
+                <a:solidFill>
+                  <a:schemeClr val="tx1"/>
+                </a:solidFill>
+                <a:latin typeface="+mn-lt"/>
+                <a:ea typeface="+mn-ea"/>
+                <a:cs typeface="+mn-cs"/>
+              </a:rPr>
+              <a:t>from</a:t>
+            </a:r>
+            <a:r>
+              <a:rPr lang="de-AT" sz="1200" b="0" i="0" u="none" strike="noStrike" kern="1200" baseline="0" dirty="0" smtClean="0">
+                <a:solidFill>
+                  <a:schemeClr val="tx1"/>
+                </a:solidFill>
+                <a:latin typeface="+mn-lt"/>
+                <a:ea typeface="+mn-ea"/>
+                <a:cs typeface="+mn-cs"/>
+              </a:rPr>
+              <a:t>  </a:t>
+            </a:r>
+            <a:r>
+              <a:rPr lang="de-AT" sz="1200" b="0" i="0" u="none" strike="noStrike" kern="1200" baseline="0" dirty="0" err="1" smtClean="0">
+                <a:solidFill>
+                  <a:schemeClr val="tx1"/>
+                </a:solidFill>
+                <a:latin typeface="+mn-lt"/>
+                <a:ea typeface="+mn-ea"/>
+                <a:cs typeface="+mn-cs"/>
+              </a:rPr>
+              <a:t>empty</a:t>
+            </a:r>
+            <a:r>
+              <a:rPr lang="de-AT" sz="1200" b="0" i="0" u="none" strike="noStrike" kern="1200" baseline="0" dirty="0" smtClean="0">
+                <a:solidFill>
+                  <a:schemeClr val="tx1"/>
+                </a:solidFill>
+                <a:latin typeface="+mn-lt"/>
+                <a:ea typeface="+mn-ea"/>
+                <a:cs typeface="+mn-cs"/>
+              </a:rPr>
+              <a:t> </a:t>
+            </a:r>
+            <a:r>
+              <a:rPr lang="de-AT" sz="1200" b="0" i="0" u="none" strike="noStrike" kern="1200" baseline="0" dirty="0" err="1" smtClean="0">
+                <a:solidFill>
+                  <a:schemeClr val="tx1"/>
+                </a:solidFill>
+                <a:latin typeface="+mn-lt"/>
+                <a:ea typeface="+mn-ea"/>
+                <a:cs typeface="+mn-cs"/>
+              </a:rPr>
+              <a:t>set</a:t>
+            </a:r>
+            <a:r>
+              <a:rPr lang="de-AT" sz="1200" b="0" i="0" u="none" strike="noStrike" kern="1200" baseline="0" dirty="0" smtClean="0">
+                <a:solidFill>
+                  <a:schemeClr val="tx1"/>
+                </a:solidFill>
+                <a:latin typeface="+mn-lt"/>
+                <a:ea typeface="+mn-ea"/>
+                <a:cs typeface="+mn-cs"/>
+              </a:rPr>
+              <a:t> </a:t>
+            </a:r>
+            <a:r>
+              <a:rPr lang="de-AT" sz="1200" b="0" i="0" u="none" strike="noStrike" kern="1200" baseline="0" dirty="0" err="1" smtClean="0">
+                <a:solidFill>
+                  <a:schemeClr val="tx1"/>
+                </a:solidFill>
+                <a:latin typeface="+mn-lt"/>
+                <a:ea typeface="+mn-ea"/>
+                <a:cs typeface="+mn-cs"/>
+              </a:rPr>
+              <a:t>and</a:t>
+            </a:r>
+            <a:r>
+              <a:rPr lang="de-AT" sz="1200" b="0" i="0" u="none" strike="noStrike" kern="1200" baseline="0" dirty="0" smtClean="0">
+                <a:solidFill>
+                  <a:schemeClr val="tx1"/>
+                </a:solidFill>
+                <a:latin typeface="+mn-lt"/>
+                <a:ea typeface="+mn-ea"/>
+                <a:cs typeface="+mn-cs"/>
+              </a:rPr>
+              <a:t> </a:t>
+            </a:r>
+            <a:r>
+              <a:rPr lang="de-AT" sz="1200" b="0" i="0" u="none" strike="noStrike" kern="1200" baseline="0" dirty="0" err="1" smtClean="0">
+                <a:solidFill>
+                  <a:schemeClr val="tx1"/>
+                </a:solidFill>
+                <a:latin typeface="+mn-lt"/>
+                <a:ea typeface="+mn-ea"/>
+                <a:cs typeface="+mn-cs"/>
+              </a:rPr>
+              <a:t>add</a:t>
+            </a:r>
+            <a:r>
+              <a:rPr lang="de-AT" sz="1200" b="0" i="0" u="none" strike="noStrike" kern="1200" baseline="0" dirty="0" smtClean="0">
+                <a:solidFill>
+                  <a:schemeClr val="tx1"/>
+                </a:solidFill>
+                <a:latin typeface="+mn-lt"/>
+                <a:ea typeface="+mn-ea"/>
+                <a:cs typeface="+mn-cs"/>
+              </a:rPr>
+              <a:t> </a:t>
+            </a:r>
+            <a:r>
+              <a:rPr lang="de-AT" sz="1200" b="0" i="0" u="none" strike="noStrike" kern="1200" baseline="0" dirty="0" err="1" smtClean="0">
+                <a:solidFill>
+                  <a:schemeClr val="tx1"/>
+                </a:solidFill>
+                <a:latin typeface="+mn-lt"/>
+                <a:ea typeface="+mn-ea"/>
+                <a:cs typeface="+mn-cs"/>
+              </a:rPr>
+              <a:t>features</a:t>
+            </a:r>
+            <a:r>
+              <a:rPr lang="de-AT" sz="1200" b="0" i="0" u="none" strike="noStrike" kern="1200" baseline="0" dirty="0" smtClean="0">
+                <a:solidFill>
+                  <a:schemeClr val="tx1"/>
+                </a:solidFill>
+                <a:latin typeface="+mn-lt"/>
+                <a:ea typeface="+mn-ea"/>
+                <a:cs typeface="+mn-cs"/>
+              </a:rPr>
+              <a:t>.</a:t>
+            </a:r>
+            <a:endParaRPr lang="de-AT" dirty="0" smtClean="0"/>
           </a:p>
           <a:p>
             <a:endParaRPr lang="de-AT" dirty="0"/>
@@ -1065,7 +1363,7 @@
     </p:spTree>
     <p:extLst>
       <p:ext uri="{BB962C8B-B14F-4D97-AF65-F5344CB8AC3E}">
-        <p14:creationId xmlns:p14="http://schemas.microsoft.com/office/powerpoint/2010/main" val="3749207882"/>
+        <p14:creationId xmlns:p14="http://schemas.microsoft.com/office/powerpoint/2010/main" val="2073029618"/>
       </p:ext>
     </p:extLst>
   </p:cSld>
@@ -1120,32 +1418,52 @@
           <a:lstStyle/>
           <a:p>
             <a:r>
-              <a:rPr lang="de-AT" dirty="0" err="1" smtClean="0"/>
-              <a:t>Iterate</a:t>
-            </a:r>
-            <a:r>
-              <a:rPr lang="de-AT" dirty="0" smtClean="0"/>
-              <a:t>,</a:t>
+              <a:rPr lang="de-AT" dirty="0" smtClean="0"/>
+              <a:t>Evaluation/</a:t>
+            </a:r>
+            <a:r>
+              <a:rPr lang="de-AT" dirty="0" err="1" smtClean="0"/>
+              <a:t>Estimation</a:t>
+            </a:r>
+            <a:r>
+              <a:rPr lang="de-AT" dirty="0" smtClean="0"/>
+              <a:t>: </a:t>
+            </a:r>
+          </a:p>
+          <a:p>
+            <a:r>
+              <a:rPr lang="de-AT" dirty="0" smtClean="0"/>
+              <a:t>´</a:t>
+            </a:r>
+          </a:p>
+          <a:p>
+            <a:r>
+              <a:rPr lang="de-AT" dirty="0" smtClean="0"/>
+              <a:t>Train </a:t>
+            </a:r>
+            <a:r>
+              <a:rPr lang="de-AT" dirty="0" err="1" smtClean="0"/>
+              <a:t>classsifier</a:t>
             </a:r>
             <a:r>
               <a:rPr lang="de-AT" baseline="0" dirty="0" smtClean="0"/>
-              <a:t> </a:t>
+              <a:t>  </a:t>
             </a:r>
             <a:r>
               <a:rPr lang="de-AT" baseline="0" dirty="0" err="1" smtClean="0"/>
-              <a:t>expand</a:t>
+              <a:t>with</a:t>
             </a:r>
             <a:r>
               <a:rPr lang="de-AT" baseline="0" dirty="0" smtClean="0"/>
-              <a:t> </a:t>
+              <a:t>  </a:t>
             </a:r>
             <a:r>
               <a:rPr lang="de-AT" baseline="0" dirty="0" err="1" smtClean="0"/>
-              <a:t>old</a:t>
+              <a:t>the</a:t>
             </a:r>
             <a:r>
               <a:rPr lang="de-AT" baseline="0" dirty="0" smtClean="0"/>
-              <a:t> </a:t>
+              <a:t>  </a:t>
             </a:r>
             <a:r>
               <a:rPr lang="de-AT" baseline="0" dirty="0" err="1" smtClean="0"/>
@@ -1153,35 +1471,35 @@
             </a:r>
             <a:r>
               <a:rPr lang="de-AT" baseline="0" dirty="0" smtClean="0"/>
-              <a:t> </a:t>
+              <a:t>, </a:t>
             </a:r>
             <a:r>
               <a:rPr lang="de-AT" baseline="0" dirty="0" err="1" smtClean="0"/>
-              <a:t>and</a:t>
+              <a:t>evaluate</a:t>
             </a:r>
             <a:r>
               <a:rPr lang="de-AT" baseline="0" dirty="0" smtClean="0"/>
-              <a:t>  </a:t>
+              <a:t> </a:t>
             </a:r>
             <a:r>
               <a:rPr lang="de-AT" baseline="0" dirty="0" err="1" smtClean="0"/>
-              <a:t>add</a:t>
+              <a:t>e.g</a:t>
             </a:r>
             <a:r>
               <a:rPr lang="de-AT" baseline="0" dirty="0" smtClean="0"/>
-              <a:t>  </a:t>
+              <a:t> </a:t>
             </a:r>
             <a:r>
               <a:rPr lang="de-AT" baseline="0" dirty="0" err="1" smtClean="0"/>
-              <a:t>features</a:t>
+              <a:t>with</a:t>
             </a:r>
             <a:r>
               <a:rPr lang="de-AT" baseline="0" dirty="0" smtClean="0"/>
-              <a:t>, (</a:t>
+              <a:t>, </a:t>
             </a:r>
             <a:r>
               <a:rPr lang="de-AT" baseline="0" dirty="0" err="1" smtClean="0"/>
-              <a:t>or</a:t>
+              <a:t>cross</a:t>
             </a:r>
             <a:r>
               <a:rPr lang="de-AT" baseline="0" dirty="0" smtClean="0"/>
@@ -1189,15 +1507,15 @@
             </a:r>
             <a:r>
               <a:rPr lang="de-AT" baseline="0" dirty="0" err="1" smtClean="0"/>
-              <a:t>decimate</a:t>
+              <a:t>validation</a:t>
             </a:r>
             <a:r>
               <a:rPr lang="de-AT" baseline="0" dirty="0" smtClean="0"/>
-              <a:t> </a:t>
+              <a:t> – </a:t>
             </a:r>
             <a:r>
               <a:rPr lang="de-AT" baseline="0" dirty="0" err="1" smtClean="0"/>
-              <a:t>and</a:t>
+              <a:t>uses</a:t>
             </a:r>
             <a:r>
               <a:rPr lang="de-AT" baseline="0" dirty="0" smtClean="0"/>
@@ -1205,27 +1523,19 @@
             </a:r>
             <a:r>
               <a:rPr lang="de-AT" baseline="0" dirty="0" err="1" smtClean="0"/>
-              <a:t>remove</a:t>
+              <a:t>the</a:t>
             </a:r>
             <a:r>
               <a:rPr lang="de-AT" baseline="0" dirty="0" smtClean="0"/>
-              <a:t>) , </a:t>
+              <a:t> </a:t>
             </a:r>
             <a:r>
               <a:rPr lang="de-AT" baseline="0" dirty="0" err="1" smtClean="0"/>
-              <a:t>and</a:t>
+              <a:t>classifier</a:t>
             </a:r>
             <a:r>
               <a:rPr lang="de-AT" baseline="0" dirty="0" smtClean="0"/>
-              <a:t> </a:t>
-            </a:r>
-            <a:r>
-              <a:rPr lang="de-AT" baseline="0" dirty="0" err="1" smtClean="0"/>
-              <a:t>repeat</a:t>
-            </a:r>
-            <a:r>
-              <a:rPr lang="de-AT" baseline="0" dirty="0" smtClean="0"/>
-              <a:t> </a:t>
+              <a:t>!</a:t>
             </a:r>
           </a:p>
           <a:p>
@@ -1273,7 +1583,7 @@
     </p:spTree>
     <p:extLst>
       <p:ext uri="{BB962C8B-B14F-4D97-AF65-F5344CB8AC3E}">
-        <p14:creationId xmlns:p14="http://schemas.microsoft.com/office/powerpoint/2010/main" val="3378138209"/>
+        <p14:creationId xmlns:p14="http://schemas.microsoft.com/office/powerpoint/2010/main" val="3749207882"/>
       </p:ext>
     </p:extLst>
   </p:cSld>
@@ -1327,18 +1637,119 @@
           <a:bodyPr/>
           <a:lstStyle/>
           <a:p>
-            <a:pPr marL="0" indent="0">
-              <a:buFont typeface="+mj-lt"/>
-              <a:buNone/>
-            </a:pPr>
+            <a:r>
+              <a:rPr lang="de-AT" dirty="0" err="1" smtClean="0"/>
+              <a:t>Iterate</a:t>
+            </a:r>
+            <a:r>
+              <a:rPr lang="de-AT" dirty="0" smtClean="0"/>
+              <a:t>,</a:t>
+            </a:r>
+            <a:r>
+              <a:rPr lang="de-AT" baseline="0" dirty="0" smtClean="0"/>
+              <a:t> </a:t>
+            </a:r>
             <a:r>
               <a:rPr lang="de-AT" baseline="0" dirty="0" err="1" smtClean="0"/>
-              <a:t>Finally</a:t>
+              <a:t>expand</a:t>
             </a:r>
             <a:r>
               <a:rPr lang="de-AT" baseline="0" dirty="0" smtClean="0"/>
-              <a:t>: </a:t>
-            </a:r>
+              <a:t> </a:t>
+            </a:r>
+            <a:r>
+              <a:rPr lang="de-AT" baseline="0" dirty="0" err="1" smtClean="0"/>
+              <a:t>old</a:t>
+            </a:r>
+            <a:r>
+              <a:rPr lang="de-AT" baseline="0" dirty="0" smtClean="0"/>
+              <a:t> </a:t>
+            </a:r>
+            <a:r>
+              <a:rPr lang="de-AT" baseline="0" dirty="0" err="1" smtClean="0"/>
+              <a:t>subset</a:t>
+            </a:r>
+            <a:r>
+              <a:rPr lang="de-AT" baseline="0" dirty="0" smtClean="0"/>
+              <a:t> </a:t>
+            </a:r>
+            <a:r>
+              <a:rPr lang="de-AT" baseline="0" dirty="0" err="1" smtClean="0"/>
+              <a:t>and</a:t>
+            </a:r>
+            <a:r>
+              <a:rPr lang="de-AT" baseline="0" dirty="0" smtClean="0"/>
+              <a:t>  </a:t>
+            </a:r>
+            <a:r>
+              <a:rPr lang="de-AT" baseline="0" dirty="0" err="1" smtClean="0"/>
+              <a:t>add</a:t>
+            </a:r>
+            <a:r>
+              <a:rPr lang="de-AT" baseline="0" dirty="0" smtClean="0"/>
+              <a:t>  </a:t>
+            </a:r>
+            <a:r>
+              <a:rPr lang="de-AT" baseline="0" dirty="0" err="1" smtClean="0"/>
+              <a:t>features</a:t>
+            </a:r>
+            <a:r>
+              <a:rPr lang="de-AT" baseline="0" dirty="0" smtClean="0"/>
+              <a:t>, (</a:t>
+            </a:r>
+            <a:r>
+              <a:rPr lang="de-AT" baseline="0" dirty="0" err="1" smtClean="0"/>
+              <a:t>or</a:t>
+            </a:r>
+            <a:r>
+              <a:rPr lang="de-AT" baseline="0" dirty="0" smtClean="0"/>
+              <a:t> </a:t>
+            </a:r>
+            <a:r>
+              <a:rPr lang="de-AT" baseline="0" dirty="0" err="1" smtClean="0"/>
+              <a:t>decimate</a:t>
+            </a:r>
+            <a:r>
+              <a:rPr lang="de-AT" baseline="0" dirty="0" smtClean="0"/>
+              <a:t> </a:t>
+            </a:r>
+            <a:r>
+              <a:rPr lang="de-AT" baseline="0" dirty="0" err="1" smtClean="0"/>
+              <a:t>and</a:t>
+            </a:r>
+            <a:r>
+              <a:rPr lang="de-AT" baseline="0" dirty="0" smtClean="0"/>
+              <a:t> </a:t>
+            </a:r>
+            <a:r>
+              <a:rPr lang="de-AT" baseline="0" dirty="0" err="1" smtClean="0"/>
+              <a:t>remove</a:t>
+            </a:r>
+            <a:r>
+              <a:rPr lang="de-AT" baseline="0" dirty="0" smtClean="0"/>
+              <a:t>) , </a:t>
+            </a:r>
+            <a:r>
+              <a:rPr lang="de-AT" baseline="0" dirty="0" err="1" smtClean="0"/>
+              <a:t>and</a:t>
+            </a:r>
+            <a:r>
+              <a:rPr lang="de-AT" baseline="0" dirty="0" smtClean="0"/>
+              <a:t> </a:t>
+            </a:r>
+            <a:r>
+              <a:rPr lang="de-AT" baseline="0" dirty="0" err="1" smtClean="0"/>
+              <a:t>repeat</a:t>
+            </a:r>
+            <a:r>
+              <a:rPr lang="de-AT" baseline="0" dirty="0" smtClean="0"/>
+              <a:t> </a:t>
+            </a:r>
+          </a:p>
+          <a:p>
+            <a:endParaRPr lang="de-AT" baseline="0" dirty="0" smtClean="0"/>
+          </a:p>
+          <a:p>
             <a:endParaRPr lang="de-AT" baseline="0" dirty="0" smtClean="0"/>
           </a:p>
           <a:p>
@@ -1347,197 +1758,6 @@
               <a:buNone/>
             </a:pPr>
             <a:endParaRPr lang="de-AT" baseline="0" dirty="0" smtClean="0"/>
-          </a:p>
-          <a:p>
-            <a:pPr marL="0" indent="0">
-              <a:buFont typeface="+mj-lt"/>
-              <a:buNone/>
-            </a:pPr>
-            <a:r>
-              <a:rPr lang="de-AT" dirty="0" err="1" smtClean="0"/>
-              <a:t>Use</a:t>
-            </a:r>
-            <a:r>
-              <a:rPr lang="de-AT" dirty="0" smtClean="0"/>
-              <a:t> </a:t>
-            </a:r>
-            <a:r>
-              <a:rPr lang="de-AT" dirty="0" err="1" smtClean="0"/>
-              <a:t>subset</a:t>
-            </a:r>
-            <a:r>
-              <a:rPr lang="de-AT" dirty="0" smtClean="0"/>
-              <a:t> </a:t>
-            </a:r>
-            <a:r>
-              <a:rPr lang="de-AT" dirty="0" err="1" smtClean="0"/>
-              <a:t>with</a:t>
-            </a:r>
-            <a:r>
-              <a:rPr lang="de-AT" dirty="0" smtClean="0"/>
-              <a:t> </a:t>
-            </a:r>
-            <a:r>
-              <a:rPr lang="de-AT" dirty="0" err="1" smtClean="0"/>
-              <a:t>best</a:t>
-            </a:r>
-            <a:r>
-              <a:rPr lang="de-AT" dirty="0" smtClean="0"/>
-              <a:t> </a:t>
-            </a:r>
-            <a:r>
-              <a:rPr lang="de-AT" dirty="0" err="1" smtClean="0"/>
-              <a:t>performance</a:t>
-            </a:r>
-            <a:r>
-              <a:rPr lang="de-AT" baseline="0" dirty="0" smtClean="0"/>
-              <a:t> </a:t>
-            </a:r>
-            <a:r>
-              <a:rPr lang="de-AT" baseline="0" dirty="0" err="1" smtClean="0"/>
-              <a:t>to</a:t>
-            </a:r>
-            <a:r>
-              <a:rPr lang="de-AT" baseline="0" dirty="0" smtClean="0"/>
-              <a:t> </a:t>
-            </a:r>
-            <a:r>
-              <a:rPr lang="de-AT" baseline="0" dirty="0" err="1" smtClean="0"/>
-              <a:t>train</a:t>
-            </a:r>
-            <a:r>
-              <a:rPr lang="de-AT" baseline="0" dirty="0" smtClean="0"/>
-              <a:t> </a:t>
-            </a:r>
-            <a:r>
-              <a:rPr lang="de-AT" baseline="0" dirty="0" err="1" smtClean="0"/>
-              <a:t>classifier</a:t>
-            </a:r>
-            <a:r>
-              <a:rPr lang="de-AT" baseline="0" dirty="0" smtClean="0"/>
-              <a:t>,  </a:t>
-            </a:r>
-            <a:r>
-              <a:rPr lang="de-AT" baseline="0" dirty="0" err="1" smtClean="0"/>
-              <a:t>and</a:t>
-            </a:r>
-            <a:r>
-              <a:rPr lang="de-AT" baseline="0" dirty="0" smtClean="0"/>
-              <a:t>   </a:t>
-            </a:r>
-            <a:r>
-              <a:rPr lang="de-AT" baseline="0" dirty="0" err="1" smtClean="0"/>
-              <a:t>use</a:t>
-            </a:r>
-            <a:r>
-              <a:rPr lang="de-AT" baseline="0" dirty="0" smtClean="0"/>
-              <a:t> </a:t>
-            </a:r>
-            <a:r>
-              <a:rPr lang="de-AT" baseline="0" dirty="0" err="1" smtClean="0"/>
-              <a:t>it</a:t>
-            </a:r>
-            <a:r>
-              <a:rPr lang="de-AT" baseline="0" dirty="0" smtClean="0"/>
-              <a:t>  </a:t>
-            </a:r>
-            <a:r>
-              <a:rPr lang="de-AT" baseline="0" dirty="0" err="1" smtClean="0"/>
-              <a:t>for</a:t>
-            </a:r>
-            <a:r>
-              <a:rPr lang="de-AT" baseline="0" dirty="0" smtClean="0"/>
-              <a:t> </a:t>
-            </a:r>
-            <a:r>
-              <a:rPr lang="de-AT" baseline="0" dirty="0" err="1" smtClean="0"/>
-              <a:t>actual</a:t>
-            </a:r>
-            <a:r>
-              <a:rPr lang="de-AT" baseline="0" dirty="0" smtClean="0"/>
-              <a:t> </a:t>
-            </a:r>
-            <a:r>
-              <a:rPr lang="de-AT" dirty="0" err="1" smtClean="0"/>
-              <a:t>classification</a:t>
-            </a:r>
-            <a:r>
-              <a:rPr lang="de-AT" dirty="0" smtClean="0"/>
-              <a:t> </a:t>
-            </a:r>
-            <a:r>
-              <a:rPr lang="de-AT" dirty="0" err="1" smtClean="0"/>
-              <a:t>task</a:t>
-            </a:r>
-            <a:r>
-              <a:rPr lang="de-AT" dirty="0" smtClean="0"/>
-              <a:t> (</a:t>
-            </a:r>
-            <a:r>
-              <a:rPr lang="de-AT" dirty="0" err="1" smtClean="0"/>
-              <a:t>normally</a:t>
-            </a:r>
-            <a:r>
-              <a:rPr lang="de-AT" dirty="0" smtClean="0"/>
-              <a:t> after </a:t>
-            </a:r>
-            <a:r>
-              <a:rPr lang="de-AT" dirty="0" err="1" smtClean="0"/>
-              <a:t>testing</a:t>
-            </a:r>
-            <a:r>
-              <a:rPr lang="de-AT" baseline="0" dirty="0" smtClean="0"/>
-              <a:t> </a:t>
-            </a:r>
-            <a:r>
-              <a:rPr lang="de-AT" baseline="0" dirty="0" err="1" smtClean="0"/>
-              <a:t>with</a:t>
-            </a:r>
-            <a:r>
-              <a:rPr lang="de-AT" baseline="0" dirty="0" smtClean="0"/>
-              <a:t> </a:t>
-            </a:r>
-            <a:r>
-              <a:rPr lang="de-AT" baseline="0" dirty="0" err="1" smtClean="0"/>
-              <a:t>testset</a:t>
-            </a:r>
-            <a:r>
-              <a:rPr lang="de-AT" baseline="0" dirty="0" smtClean="0"/>
-              <a:t> </a:t>
-            </a:r>
-            <a:r>
-              <a:rPr lang="de-AT" baseline="0" dirty="0" err="1" smtClean="0"/>
-              <a:t>independent</a:t>
-            </a:r>
-            <a:r>
-              <a:rPr lang="de-AT" baseline="0" dirty="0" smtClean="0"/>
-              <a:t> </a:t>
-            </a:r>
-            <a:r>
-              <a:rPr lang="de-AT" baseline="0" dirty="0" err="1" smtClean="0"/>
-              <a:t>from</a:t>
-            </a:r>
-            <a:r>
-              <a:rPr lang="de-AT" baseline="0" dirty="0" smtClean="0"/>
-              <a:t> </a:t>
-            </a:r>
-            <a:r>
-              <a:rPr lang="de-AT" baseline="0" dirty="0" err="1" smtClean="0"/>
-              <a:t>training</a:t>
-            </a:r>
-            <a:r>
-              <a:rPr lang="de-AT" baseline="0" dirty="0" smtClean="0"/>
-              <a:t> </a:t>
-            </a:r>
-            <a:r>
-              <a:rPr lang="de-AT" baseline="0" dirty="0" err="1" smtClean="0"/>
-              <a:t>set</a:t>
-            </a:r>
-            <a:r>
-              <a:rPr lang="de-AT" baseline="0" dirty="0" smtClean="0"/>
-              <a:t>)</a:t>
-            </a:r>
-            <a:endParaRPr lang="de-AT" dirty="0" smtClean="0"/>
           </a:p>
           <a:p>
             <a:endParaRPr lang="de-AT" dirty="0"/>
@@ -1571,7 +1791,7 @@
     </p:spTree>
     <p:extLst>
       <p:ext uri="{BB962C8B-B14F-4D97-AF65-F5344CB8AC3E}">
-        <p14:creationId xmlns:p14="http://schemas.microsoft.com/office/powerpoint/2010/main" val="4160441395"/>
+        <p14:creationId xmlns:p14="http://schemas.microsoft.com/office/powerpoint/2010/main" val="3378138209"/>
       </p:ext>
     </p:extLst>
   </p:cSld>
@@ -1625,86 +1845,18 @@
           <a:bodyPr/>
           <a:lstStyle/>
           <a:p>
-            <a:r>
-              <a:rPr lang="de-AT" dirty="0" smtClean="0"/>
-              <a:t>Search: different </a:t>
-            </a:r>
-            <a:r>
-              <a:rPr lang="de-AT" dirty="0" err="1" smtClean="0"/>
-              <a:t>algorithms</a:t>
-            </a:r>
-            <a:r>
-              <a:rPr lang="de-AT" dirty="0" smtClean="0"/>
-              <a:t> </a:t>
-            </a:r>
-            <a:r>
-              <a:rPr lang="de-AT" dirty="0" err="1" smtClean="0"/>
-              <a:t>possible</a:t>
-            </a:r>
-            <a:endParaRPr lang="de-AT" dirty="0" smtClean="0"/>
-          </a:p>
-          <a:p>
-            <a:r>
-              <a:rPr lang="de-AT" dirty="0" smtClean="0"/>
-              <a:t>Evaluation/</a:t>
-            </a:r>
-            <a:r>
-              <a:rPr lang="de-AT" dirty="0" err="1" smtClean="0"/>
-              <a:t>Estimation</a:t>
-            </a:r>
-            <a:r>
-              <a:rPr lang="de-AT" dirty="0" smtClean="0"/>
-              <a:t>: Test</a:t>
+            <a:pPr marL="0" indent="0">
+              <a:buFont typeface="+mj-lt"/>
+              <a:buNone/>
+            </a:pPr>
+            <a:r>
+              <a:rPr lang="de-AT" baseline="0" dirty="0" err="1" smtClean="0"/>
+              <a:t>Finally</a:t>
             </a:r>
             <a:r>
               <a:rPr lang="de-AT" baseline="0" dirty="0" smtClean="0"/>
-              <a:t> </a:t>
-            </a:r>
-            <a:r>
-              <a:rPr lang="de-AT" baseline="0" dirty="0" err="1" smtClean="0"/>
-              <a:t>set</a:t>
-            </a:r>
-            <a:r>
-              <a:rPr lang="de-AT" baseline="0" dirty="0" smtClean="0"/>
-              <a:t>, </a:t>
-            </a:r>
-            <a:r>
-              <a:rPr lang="de-AT" baseline="0" dirty="0" err="1" smtClean="0"/>
-              <a:t>cross</a:t>
-            </a:r>
-            <a:r>
-              <a:rPr lang="de-AT" baseline="0" dirty="0" smtClean="0"/>
-              <a:t> </a:t>
-            </a:r>
-            <a:r>
-              <a:rPr lang="de-AT" baseline="0" dirty="0" err="1" smtClean="0"/>
-              <a:t>validation</a:t>
-            </a:r>
-            <a:r>
-              <a:rPr lang="de-AT" baseline="0" dirty="0" smtClean="0"/>
-              <a:t> – </a:t>
-            </a:r>
-            <a:r>
-              <a:rPr lang="de-AT" baseline="0" dirty="0" err="1" smtClean="0"/>
-              <a:t>uses</a:t>
-            </a:r>
-            <a:r>
-              <a:rPr lang="de-AT" baseline="0" dirty="0" smtClean="0"/>
-              <a:t> </a:t>
-            </a:r>
-            <a:r>
-              <a:rPr lang="de-AT" baseline="0" dirty="0" err="1" smtClean="0"/>
-              <a:t>the</a:t>
-            </a:r>
-            <a:r>
-              <a:rPr lang="de-AT" baseline="0" dirty="0" smtClean="0"/>
-              <a:t> </a:t>
-            </a:r>
-            <a:r>
-              <a:rPr lang="de-AT" baseline="0" dirty="0" err="1" smtClean="0"/>
-              <a:t>classifier</a:t>
-            </a:r>
-            <a:endParaRPr lang="de-AT" baseline="0" dirty="0" smtClean="0"/>
+              <a:t>: </a:t>
+            </a:r>
           </a:p>
           <a:p>
             <a:pPr marL="0" indent="0">
@@ -1719,14 +1871,6 @@
               <a:buNone/>
             </a:pPr>
             <a:r>
-              <a:rPr lang="de-AT" baseline="0" dirty="0" err="1" smtClean="0"/>
-              <a:t>Finally</a:t>
-            </a:r>
-            <a:r>
-              <a:rPr lang="de-AT" baseline="0" dirty="0" smtClean="0"/>
-              <a:t>: </a:t>
-            </a:r>
-            <a:r>
               <a:rPr lang="de-AT" dirty="0" err="1" smtClean="0"/>
               <a:t>Use</a:t>
             </a:r>
@@ -1935,7 +2079,7 @@
             <a:fld id="{07914D93-ABC8-448C-8296-85FD12164B61}" type="slidenum">
               <a:rPr lang="de-DE" altLang="de-DE" smtClean="0"/>
               <a:pPr/>
-              <a:t>18</a:t>
+              <a:t>19</a:t>
             </a:fld>
             <a:endParaRPr lang="de-DE" altLang="de-DE"/>
           </a:p>
@@ -1944,7 +2088,7 @@
     </p:spTree>
     <p:extLst>
       <p:ext uri="{BB962C8B-B14F-4D97-AF65-F5344CB8AC3E}">
-        <p14:creationId xmlns:p14="http://schemas.microsoft.com/office/powerpoint/2010/main" val="2048593954"/>
+        <p14:creationId xmlns:p14="http://schemas.microsoft.com/office/powerpoint/2010/main" val="4160441395"/>
       </p:ext>
     </p:extLst>
   </p:cSld>
@@ -1999,24 +2143,35 @@
           <a:lstStyle/>
           <a:p>
             <a:r>
-              <a:rPr lang="de-AT" dirty="0" err="1" smtClean="0"/>
-              <a:t>They</a:t>
-            </a:r>
-            <a:r>
-              <a:rPr lang="de-AT" dirty="0" smtClean="0"/>
-              <a:t> </a:t>
-            </a:r>
-            <a:r>
-              <a:rPr lang="de-AT" dirty="0" err="1" smtClean="0"/>
-              <a:t>try</a:t>
-            </a:r>
-            <a:r>
-              <a:rPr lang="de-AT" dirty="0" smtClean="0"/>
-              <a:t> </a:t>
-            </a:r>
-            <a:r>
-              <a:rPr lang="de-AT" dirty="0" err="1" smtClean="0"/>
-              <a:t>to</a:t>
+              <a:rPr lang="de-AT" dirty="0" smtClean="0"/>
+              <a:t>Search: different </a:t>
+            </a:r>
+            <a:r>
+              <a:rPr lang="de-AT" dirty="0" err="1" smtClean="0"/>
+              <a:t>algorithms</a:t>
+            </a:r>
+            <a:r>
+              <a:rPr lang="de-AT" dirty="0" smtClean="0"/>
+              <a:t> </a:t>
+            </a:r>
+            <a:r>
+              <a:rPr lang="de-AT" dirty="0" err="1" smtClean="0"/>
+              <a:t>possible</a:t>
+            </a:r>
+            <a:endParaRPr lang="de-AT" dirty="0" smtClean="0"/>
+          </a:p>
+          <a:p>
+            <a:r>
+              <a:rPr lang="de-AT" dirty="0" smtClean="0"/>
+              <a:t>Evaluation/</a:t>
+            </a:r>
+            <a:r>
+              <a:rPr lang="de-AT" dirty="0" err="1" smtClean="0"/>
+              <a:t>Estimation</a:t>
+            </a:r>
+            <a:r>
+              <a:rPr lang="de-AT" dirty="0" smtClean="0"/>
+              <a:t>: Test</a:t>
             </a:r>
             <a:r>
               <a:rPr lang="de-AT" baseline="0" dirty="0" smtClean="0"/>
@@ -2024,7 +2179,31 @@
             </a:r>
             <a:r>
               <a:rPr lang="de-AT" baseline="0" dirty="0" err="1" smtClean="0"/>
-              <a:t>unite</a:t>
+              <a:t>set</a:t>
+            </a:r>
+            <a:r>
+              <a:rPr lang="de-AT" baseline="0" dirty="0" smtClean="0"/>
+              <a:t>, </a:t>
+            </a:r>
+            <a:r>
+              <a:rPr lang="de-AT" baseline="0" dirty="0" err="1" smtClean="0"/>
+              <a:t>cross</a:t>
+            </a:r>
+            <a:r>
+              <a:rPr lang="de-AT" baseline="0" dirty="0" smtClean="0"/>
+              <a:t> </a:t>
+            </a:r>
+            <a:r>
+              <a:rPr lang="de-AT" baseline="0" dirty="0" err="1" smtClean="0"/>
+              <a:t>validation</a:t>
+            </a:r>
+            <a:r>
+              <a:rPr lang="de-AT" baseline="0" dirty="0" smtClean="0"/>
+              <a:t> – </a:t>
+            </a:r>
+            <a:r>
+              <a:rPr lang="de-AT" baseline="0" dirty="0" err="1" smtClean="0"/>
+              <a:t>uses</a:t>
             </a:r>
             <a:r>
               <a:rPr lang="de-AT" baseline="0" dirty="0" smtClean="0"/>
@@ -2040,15 +2219,73 @@
             </a:r>
             <a:r>
               <a:rPr lang="de-AT" baseline="0" dirty="0" err="1" smtClean="0"/>
-              <a:t>benefits</a:t>
+              <a:t>classifier</a:t>
+            </a:r>
+            <a:endParaRPr lang="de-AT" baseline="0" dirty="0" smtClean="0"/>
+          </a:p>
+          <a:p>
+            <a:pPr marL="0" indent="0">
+              <a:buFont typeface="+mj-lt"/>
+              <a:buNone/>
+            </a:pPr>
+            <a:endParaRPr lang="de-AT" baseline="0" dirty="0" smtClean="0"/>
+          </a:p>
+          <a:p>
+            <a:pPr marL="0" indent="0">
+              <a:buFont typeface="+mj-lt"/>
+              <a:buNone/>
+            </a:pPr>
+            <a:r>
+              <a:rPr lang="de-AT" baseline="0" dirty="0" err="1" smtClean="0"/>
+              <a:t>Finally</a:t>
             </a:r>
             <a:r>
               <a:rPr lang="de-AT" baseline="0" dirty="0" smtClean="0"/>
+              <a:t>: </a:t>
+            </a:r>
+            <a:r>
+              <a:rPr lang="de-AT" dirty="0" err="1" smtClean="0"/>
+              <a:t>Use</a:t>
+            </a:r>
+            <a:r>
+              <a:rPr lang="de-AT" dirty="0" smtClean="0"/>
+              <a:t> </a:t>
+            </a:r>
+            <a:r>
+              <a:rPr lang="de-AT" dirty="0" err="1" smtClean="0"/>
+              <a:t>subset</a:t>
+            </a:r>
+            <a:r>
+              <a:rPr lang="de-AT" dirty="0" smtClean="0"/>
+              <a:t> </a:t>
+            </a:r>
+            <a:r>
+              <a:rPr lang="de-AT" dirty="0" err="1" smtClean="0"/>
+              <a:t>with</a:t>
+            </a:r>
+            <a:r>
+              <a:rPr lang="de-AT" dirty="0" smtClean="0"/>
+              <a:t> </a:t>
+            </a:r>
+            <a:r>
+              <a:rPr lang="de-AT" dirty="0" err="1" smtClean="0"/>
+              <a:t>best</a:t>
+            </a:r>
+            <a:r>
+              <a:rPr lang="de-AT" dirty="0" smtClean="0"/>
+              <a:t> </a:t>
+            </a:r>
+            <a:r>
+              <a:rPr lang="de-AT" dirty="0" err="1" smtClean="0"/>
+              <a:t>performance</a:t>
+            </a:r>
+            <a:r>
+              <a:rPr lang="de-AT" baseline="0" dirty="0" smtClean="0"/>
               <a:t> </a:t>
             </a:r>
             <a:r>
               <a:rPr lang="de-AT" baseline="0" dirty="0" err="1" smtClean="0"/>
-              <a:t>of</a:t>
+              <a:t>to</a:t>
             </a:r>
             <a:r>
               <a:rPr lang="de-AT" baseline="0" dirty="0" smtClean="0"/>
@@ -2056,7 +2293,7 @@
             </a:r>
             <a:r>
               <a:rPr lang="de-AT" baseline="0" dirty="0" err="1" smtClean="0"/>
-              <a:t>the</a:t>
+              <a:t>train</a:t>
             </a:r>
             <a:r>
               <a:rPr lang="de-AT" baseline="0" dirty="0" smtClean="0"/>
@@ -2064,16 +2301,135 @@
             </a:r>
             <a:r>
               <a:rPr lang="de-AT" baseline="0" dirty="0" err="1" smtClean="0"/>
-              <a:t>other</a:t>
+              <a:t>classifier</a:t>
             </a:r>
             <a:r>
               <a:rPr lang="de-AT" baseline="0" dirty="0" smtClean="0"/>
-              <a:t> </a:t>
+              <a:t>,  </a:t>
             </a:r>
             <a:r>
               <a:rPr lang="de-AT" baseline="0" dirty="0" err="1" smtClean="0"/>
-              <a:t>two</a:t>
-            </a:r>
+              <a:t>and</a:t>
+            </a:r>
+            <a:r>
+              <a:rPr lang="de-AT" baseline="0" dirty="0" smtClean="0"/>
+              <a:t>   </a:t>
+            </a:r>
+            <a:r>
+              <a:rPr lang="de-AT" baseline="0" dirty="0" err="1" smtClean="0"/>
+              <a:t>use</a:t>
+            </a:r>
+            <a:r>
+              <a:rPr lang="de-AT" baseline="0" dirty="0" smtClean="0"/>
+              <a:t> </a:t>
+            </a:r>
+            <a:r>
+              <a:rPr lang="de-AT" baseline="0" dirty="0" err="1" smtClean="0"/>
+              <a:t>it</a:t>
+            </a:r>
+            <a:r>
+              <a:rPr lang="de-AT" baseline="0" dirty="0" smtClean="0"/>
+              <a:t>  </a:t>
+            </a:r>
+            <a:r>
+              <a:rPr lang="de-AT" baseline="0" dirty="0" err="1" smtClean="0"/>
+              <a:t>for</a:t>
+            </a:r>
+            <a:r>
+              <a:rPr lang="de-AT" baseline="0" dirty="0" smtClean="0"/>
+              <a:t> </a:t>
+            </a:r>
+            <a:r>
+              <a:rPr lang="de-AT" baseline="0" dirty="0" err="1" smtClean="0"/>
+              <a:t>actual</a:t>
+            </a:r>
+            <a:r>
+              <a:rPr lang="de-AT" baseline="0" dirty="0" smtClean="0"/>
+              <a:t> </a:t>
+            </a:r>
+            <a:r>
+              <a:rPr lang="de-AT" dirty="0" err="1" smtClean="0"/>
+              <a:t>classification</a:t>
+            </a:r>
+            <a:r>
+              <a:rPr lang="de-AT" dirty="0" smtClean="0"/>
+              <a:t> </a:t>
+            </a:r>
+            <a:r>
+              <a:rPr lang="de-AT" dirty="0" err="1" smtClean="0"/>
+              <a:t>task</a:t>
+            </a:r>
+            <a:r>
+              <a:rPr lang="de-AT" dirty="0" smtClean="0"/>
+              <a:t> (</a:t>
+            </a:r>
+            <a:r>
+              <a:rPr lang="de-AT" dirty="0" err="1" smtClean="0"/>
+              <a:t>normally</a:t>
+            </a:r>
+            <a:r>
+              <a:rPr lang="de-AT" dirty="0" smtClean="0"/>
+              <a:t> after </a:t>
+            </a:r>
+            <a:r>
+              <a:rPr lang="de-AT" dirty="0" err="1" smtClean="0"/>
+              <a:t>testing</a:t>
+            </a:r>
+            <a:r>
+              <a:rPr lang="de-AT" baseline="0" dirty="0" smtClean="0"/>
+              <a:t> </a:t>
+            </a:r>
+            <a:r>
+              <a:rPr lang="de-AT" baseline="0" dirty="0" err="1" smtClean="0"/>
+              <a:t>with</a:t>
+            </a:r>
+            <a:r>
+              <a:rPr lang="de-AT" baseline="0" dirty="0" smtClean="0"/>
+              <a:t> </a:t>
+            </a:r>
+            <a:r>
+              <a:rPr lang="de-AT" baseline="0" dirty="0" err="1" smtClean="0"/>
+              <a:t>testset</a:t>
+            </a:r>
+            <a:r>
+              <a:rPr lang="de-AT" baseline="0" dirty="0" smtClean="0"/>
+              <a:t> </a:t>
+            </a:r>
+            <a:r>
+              <a:rPr lang="de-AT" baseline="0" dirty="0" err="1" smtClean="0"/>
+              <a:t>independent</a:t>
+            </a:r>
+            <a:r>
+              <a:rPr lang="de-AT" baseline="0" dirty="0" smtClean="0"/>
+              <a:t> </a:t>
+            </a:r>
+            <a:r>
+              <a:rPr lang="de-AT" baseline="0" dirty="0" err="1" smtClean="0"/>
+              <a:t>from</a:t>
+            </a:r>
+            <a:r>
+              <a:rPr lang="de-AT" baseline="0" dirty="0" smtClean="0"/>
+              <a:t> </a:t>
+            </a:r>
+            <a:r>
+              <a:rPr lang="de-AT" baseline="0" dirty="0" err="1" smtClean="0"/>
+              <a:t>training</a:t>
+            </a:r>
+            <a:r>
+              <a:rPr lang="de-AT" baseline="0" dirty="0" smtClean="0"/>
+              <a:t> </a:t>
+            </a:r>
+            <a:r>
+              <a:rPr lang="de-AT" baseline="0" dirty="0" err="1" smtClean="0"/>
+              <a:t>set</a:t>
+            </a:r>
+            <a:r>
+              <a:rPr lang="de-AT" baseline="0" dirty="0" smtClean="0"/>
+              <a:t>)</a:t>
+            </a:r>
+            <a:endParaRPr lang="de-AT" dirty="0" smtClean="0"/>
+          </a:p>
+          <a:p>
             <a:endParaRPr lang="de-AT" dirty="0"/>
           </a:p>
         </p:txBody>
@@ -2096,7 +2452,7 @@
             <a:fld id="{07914D93-ABC8-448C-8296-85FD12164B61}" type="slidenum">
               <a:rPr lang="de-DE" altLang="de-DE" smtClean="0"/>
               <a:pPr/>
-              <a:t>19</a:t>
+              <a:t>20</a:t>
             </a:fld>
             <a:endParaRPr lang="de-DE" altLang="de-DE"/>
           </a:p>
@@ -2105,7 +2461,7 @@
     </p:spTree>
     <p:extLst>
       <p:ext uri="{BB962C8B-B14F-4D97-AF65-F5344CB8AC3E}">
-        <p14:creationId xmlns:p14="http://schemas.microsoft.com/office/powerpoint/2010/main" val="1505492805"/>
+        <p14:creationId xmlns:p14="http://schemas.microsoft.com/office/powerpoint/2010/main" val="2048593954"/>
       </p:ext>
     </p:extLst>
   </p:cSld>
@@ -2160,36 +2516,80 @@
           <a:lstStyle/>
           <a:p>
             <a:r>
-              <a:rPr lang="de-AT" dirty="0" smtClean="0"/>
-              <a:t>NO </a:t>
-            </a:r>
-            <a:r>
-              <a:rPr lang="de-AT" dirty="0" err="1" smtClean="0"/>
-              <a:t>characterisation</a:t>
-            </a:r>
-            <a:r>
-              <a:rPr lang="de-AT" dirty="0" smtClean="0"/>
-              <a:t> apart </a:t>
-            </a:r>
-            <a:r>
-              <a:rPr lang="de-AT" dirty="0" err="1" smtClean="0"/>
-              <a:t>from</a:t>
+              <a:rPr lang="de-AT" dirty="0" err="1" smtClean="0"/>
+              <a:t>They</a:t>
+            </a:r>
+            <a:r>
+              <a:rPr lang="de-AT" dirty="0" smtClean="0"/>
+              <a:t> </a:t>
+            </a:r>
+            <a:r>
+              <a:rPr lang="de-AT" dirty="0" err="1" smtClean="0"/>
+              <a:t>try</a:t>
+            </a:r>
+            <a:r>
+              <a:rPr lang="de-AT" dirty="0" smtClean="0"/>
+              <a:t> </a:t>
+            </a:r>
+            <a:r>
+              <a:rPr lang="de-AT" dirty="0" err="1" smtClean="0"/>
+              <a:t>to</a:t>
             </a:r>
             <a:r>
               <a:rPr lang="de-AT" baseline="0" dirty="0" smtClean="0"/>
               <a:t> </a:t>
             </a:r>
             <a:r>
-              <a:rPr lang="de-AT" dirty="0" err="1" smtClean="0"/>
-              <a:t>that</a:t>
-            </a:r>
-            <a:r>
-              <a:rPr lang="de-AT" dirty="0" smtClean="0"/>
-              <a:t> </a:t>
-            </a:r>
-            <a:r>
-              <a:rPr lang="de-AT" dirty="0" err="1" smtClean="0"/>
-              <a:t>possible</a:t>
+              <a:rPr lang="de-AT" baseline="0" dirty="0" err="1" smtClean="0"/>
+              <a:t>unite</a:t>
+            </a:r>
+            <a:r>
+              <a:rPr lang="de-AT" baseline="0" dirty="0" smtClean="0"/>
+              <a:t> </a:t>
+            </a:r>
+            <a:r>
+              <a:rPr lang="de-AT" baseline="0" dirty="0" err="1" smtClean="0"/>
+              <a:t>the</a:t>
+            </a:r>
+            <a:r>
+              <a:rPr lang="de-AT" baseline="0" dirty="0" smtClean="0"/>
+              <a:t> </a:t>
+            </a:r>
+            <a:r>
+              <a:rPr lang="de-AT" baseline="0" dirty="0" err="1" smtClean="0"/>
+              <a:t>benefits</a:t>
+            </a:r>
+            <a:r>
+              <a:rPr lang="de-AT" baseline="0" dirty="0" smtClean="0"/>
+              <a:t> </a:t>
+            </a:r>
+            <a:r>
+              <a:rPr lang="de-AT" baseline="0" dirty="0" err="1" smtClean="0"/>
+              <a:t>of</a:t>
+            </a:r>
+            <a:r>
+              <a:rPr lang="de-AT" baseline="0" dirty="0" smtClean="0"/>
+              <a:t> </a:t>
+            </a:r>
+            <a:r>
+              <a:rPr lang="de-AT" baseline="0" dirty="0" err="1" smtClean="0"/>
+              <a:t>the</a:t>
+            </a:r>
+            <a:r>
+              <a:rPr lang="de-AT" baseline="0" dirty="0" smtClean="0"/>
+              <a:t> </a:t>
+            </a:r>
+            <a:r>
+              <a:rPr lang="de-AT" baseline="0" dirty="0" err="1" smtClean="0"/>
+              <a:t>other</a:t>
+            </a:r>
+            <a:r>
+              <a:rPr lang="de-AT" baseline="0" dirty="0" smtClean="0"/>
+              <a:t> </a:t>
+            </a:r>
+            <a:r>
+              <a:rPr lang="de-AT" baseline="0" dirty="0" err="1" smtClean="0"/>
+              <a:t>two</a:t>
             </a:r>
             <a:endParaRPr lang="de-AT" dirty="0"/>
           </a:p>
@@ -2213,7 +2613,124 @@
             <a:fld id="{07914D93-ABC8-448C-8296-85FD12164B61}" type="slidenum">
               <a:rPr lang="de-DE" altLang="de-DE" smtClean="0"/>
               <a:pPr/>
-              <a:t>20</a:t>
+              <a:t>22</a:t>
+            </a:fld>
+            <a:endParaRPr lang="de-DE" altLang="de-DE"/>
+          </a:p>
+        </p:txBody>
+      </p:sp>
+    </p:spTree>
+    <p:extLst>
+      <p:ext uri="{BB962C8B-B14F-4D97-AF65-F5344CB8AC3E}">
+        <p14:creationId xmlns:p14="http://schemas.microsoft.com/office/powerpoint/2010/main" val="1505492805"/>
+      </p:ext>
+    </p:extLst>
+  </p:cSld>
+  <p:clrMapOvr>
+    <a:masterClrMapping/>
+  </p:clrMapOvr>
+</p:notes>
+</file>
+
+<file path=ppt/notesSlides/notesSlide16.xml><?xml version="1.0" encoding="utf-8"?>
+<p:notes xmlns:a="http://schemas.openxmlformats.org/drawingml/2006/main" xmlns:r="http://schemas.openxmlformats.org/officeDocument/2006/relationships" xmlns:p="http://schemas.openxmlformats.org/presentationml/2006/main">
+  <p:cSld>
+    <p:spTree>
+      <p:nvGrpSpPr>
+        <p:cNvPr id="1" name=""/>
+        <p:cNvGrpSpPr/>
+        <p:nvPr/>
+      </p:nvGrpSpPr>
+      <p:grpSpPr>
+        <a:xfrm>
+          <a:off x="0" y="0"/>
+          <a:ext cx="0" cy="0"/>
+          <a:chOff x="0" y="0"/>
+          <a:chExt cx="0" cy="0"/>
+        </a:xfrm>
+      </p:grpSpPr>
+      <p:sp>
+        <p:nvSpPr>
+          <p:cNvPr id="2" name="Folienbildplatzhalter 1"/>
+          <p:cNvSpPr>
+            <a:spLocks noGrp="1" noRot="1" noChangeAspect="1"/>
+          </p:cNvSpPr>
+          <p:nvPr>
+            <p:ph type="sldImg"/>
+          </p:nvPr>
+        </p:nvSpPr>
+        <p:spPr/>
+      </p:sp>
+      <p:sp>
+        <p:nvSpPr>
+          <p:cNvPr id="3" name="Notizenplatzhalter 2"/>
+          <p:cNvSpPr>
+            <a:spLocks noGrp="1"/>
+          </p:cNvSpPr>
+          <p:nvPr>
+            <p:ph type="body" idx="1"/>
+          </p:nvPr>
+        </p:nvSpPr>
+        <p:spPr/>
+        <p:txBody>
+          <a:bodyPr/>
+          <a:lstStyle/>
+          <a:p>
+            <a:r>
+              <a:rPr lang="de-AT" dirty="0" smtClean="0"/>
+              <a:t>NO </a:t>
+            </a:r>
+            <a:r>
+              <a:rPr lang="de-AT" dirty="0" err="1" smtClean="0"/>
+              <a:t>characterisation</a:t>
+            </a:r>
+            <a:r>
+              <a:rPr lang="de-AT" dirty="0" smtClean="0"/>
+              <a:t> apart </a:t>
+            </a:r>
+            <a:r>
+              <a:rPr lang="de-AT" dirty="0" err="1" smtClean="0"/>
+              <a:t>from</a:t>
+            </a:r>
+            <a:r>
+              <a:rPr lang="de-AT" baseline="0" dirty="0" smtClean="0"/>
+              <a:t> </a:t>
+            </a:r>
+            <a:r>
+              <a:rPr lang="de-AT" dirty="0" err="1" smtClean="0"/>
+              <a:t>that</a:t>
+            </a:r>
+            <a:r>
+              <a:rPr lang="de-AT" dirty="0" smtClean="0"/>
+              <a:t> </a:t>
+            </a:r>
+            <a:r>
+              <a:rPr lang="de-AT" dirty="0" err="1" smtClean="0"/>
+              <a:t>possible</a:t>
+            </a:r>
+            <a:endParaRPr lang="de-AT" dirty="0"/>
+          </a:p>
+        </p:txBody>
+      </p:sp>
+      <p:sp>
+        <p:nvSpPr>
+          <p:cNvPr id="4" name="Foliennummernplatzhalter 3"/>
+          <p:cNvSpPr>
+            <a:spLocks noGrp="1"/>
+          </p:cNvSpPr>
+          <p:nvPr>
+            <p:ph type="sldNum" sz="quarter" idx="10"/>
+          </p:nvPr>
+        </p:nvSpPr>
+        <p:spPr/>
+        <p:txBody>
+          <a:bodyPr/>
+          <a:lstStyle/>
+          <a:p>
+            <a:fld id="{07914D93-ABC8-448C-8296-85FD12164B61}" type="slidenum">
+              <a:rPr lang="de-DE" altLang="de-DE" smtClean="0"/>
+              <a:pPr/>
+              <a:t>23</a:t>
             </a:fld>
             <a:endParaRPr lang="de-DE" altLang="de-DE"/>
           </a:p>
@@ -2276,7 +2793,99 @@
           <a:bodyPr/>
           <a:lstStyle/>
           <a:p>
-            <a:endParaRPr lang="de-AT"/>
+            <a:r>
+              <a:rPr lang="de-AT" dirty="0" err="1" smtClean="0"/>
+              <a:t>Various</a:t>
+            </a:r>
+            <a:r>
+              <a:rPr lang="de-AT" dirty="0" smtClean="0"/>
+              <a:t> type </a:t>
+            </a:r>
+            <a:r>
+              <a:rPr lang="de-AT" dirty="0" err="1" smtClean="0"/>
+              <a:t>of</a:t>
+            </a:r>
+            <a:r>
+              <a:rPr lang="de-AT" dirty="0" smtClean="0"/>
+              <a:t> </a:t>
+            </a:r>
+            <a:r>
+              <a:rPr lang="de-AT" dirty="0" err="1" smtClean="0"/>
+              <a:t>media</a:t>
+            </a:r>
+            <a:r>
+              <a:rPr lang="de-AT" dirty="0" smtClean="0"/>
+              <a:t> </a:t>
+            </a:r>
+            <a:r>
+              <a:rPr lang="de-AT" dirty="0" err="1" smtClean="0"/>
+              <a:t>and</a:t>
+            </a:r>
+            <a:r>
+              <a:rPr lang="de-AT" dirty="0" smtClean="0"/>
+              <a:t> </a:t>
+            </a:r>
+            <a:r>
+              <a:rPr lang="de-AT" dirty="0" err="1" smtClean="0"/>
+              <a:t>their</a:t>
+            </a:r>
+            <a:r>
+              <a:rPr lang="de-AT" dirty="0" smtClean="0"/>
+              <a:t> </a:t>
+            </a:r>
+            <a:r>
+              <a:rPr lang="de-AT" dirty="0" err="1" smtClean="0"/>
+              <a:t>features</a:t>
+            </a:r>
+            <a:r>
+              <a:rPr lang="de-AT" dirty="0" smtClean="0"/>
+              <a:t> </a:t>
+            </a:r>
+            <a:r>
+              <a:rPr lang="de-AT" dirty="0" err="1" smtClean="0"/>
+              <a:t>given</a:t>
+            </a:r>
+            <a:r>
+              <a:rPr lang="de-AT" dirty="0" smtClean="0"/>
+              <a:t> – </a:t>
+            </a:r>
+            <a:r>
+              <a:rPr lang="de-AT" dirty="0" err="1" smtClean="0"/>
+              <a:t>we</a:t>
+            </a:r>
+            <a:r>
+              <a:rPr lang="de-AT" dirty="0" smtClean="0"/>
+              <a:t>  </a:t>
+            </a:r>
+            <a:r>
+              <a:rPr lang="de-AT" dirty="0" err="1" smtClean="0"/>
+              <a:t>want</a:t>
+            </a:r>
+            <a:r>
+              <a:rPr lang="de-AT" dirty="0" smtClean="0"/>
+              <a:t> </a:t>
+            </a:r>
+            <a:r>
+              <a:rPr lang="de-AT" dirty="0" err="1" smtClean="0"/>
+              <a:t>to</a:t>
+            </a:r>
+            <a:r>
+              <a:rPr lang="de-AT" dirty="0" smtClean="0"/>
+              <a:t> </a:t>
+            </a:r>
+            <a:r>
+              <a:rPr lang="de-AT" dirty="0" err="1" smtClean="0"/>
+              <a:t>make</a:t>
+            </a:r>
+            <a:r>
+              <a:rPr lang="de-AT" dirty="0" smtClean="0"/>
+              <a:t> </a:t>
+            </a:r>
+            <a:r>
+              <a:rPr lang="de-AT" dirty="0" err="1" smtClean="0"/>
+              <a:t>classifications</a:t>
+            </a:r>
+            <a:endParaRPr lang="de-AT" dirty="0"/>
           </a:p>
         </p:txBody>
       </p:sp>
@@ -3652,76 +4261,349 @@
           <a:lstStyle/>
           <a:p>
             <a:r>
-              <a:rPr lang="de-AT" dirty="0" smtClean="0"/>
-              <a:t>Fit </a:t>
-            </a:r>
-            <a:r>
-              <a:rPr lang="de-AT" dirty="0" err="1" smtClean="0"/>
+              <a:rPr lang="de-AT" dirty="0" err="1" smtClean="0"/>
+              <a:t>Relevance</a:t>
+            </a:r>
+            <a:r>
+              <a:rPr lang="de-AT" dirty="0" smtClean="0"/>
+              <a:t>:  </a:t>
+            </a:r>
+            <a:r>
+              <a:rPr lang="de-AT" dirty="0" err="1" smtClean="0"/>
+              <a:t>Eucledian</a:t>
+            </a:r>
+            <a:r>
+              <a:rPr lang="de-AT" dirty="0" smtClean="0"/>
+              <a:t> </a:t>
+            </a:r>
+            <a:r>
+              <a:rPr lang="de-AT" dirty="0" err="1" smtClean="0"/>
+              <a:t>distance</a:t>
+            </a:r>
+            <a:r>
+              <a:rPr lang="de-AT" dirty="0" smtClean="0"/>
+              <a:t>  </a:t>
+            </a:r>
+            <a:r>
+              <a:rPr lang="de-AT" dirty="0" err="1" smtClean="0"/>
+              <a:t>between</a:t>
+            </a:r>
+            <a:r>
+              <a:rPr lang="de-AT" dirty="0" smtClean="0"/>
+              <a:t> </a:t>
+            </a:r>
+            <a:r>
+              <a:rPr lang="de-AT" dirty="0" err="1" smtClean="0"/>
+              <a:t>near</a:t>
+            </a:r>
+            <a:r>
+              <a:rPr lang="de-AT" dirty="0" smtClean="0"/>
+              <a:t> </a:t>
+            </a:r>
+            <a:r>
+              <a:rPr lang="de-AT" dirty="0" err="1" smtClean="0"/>
+              <a:t>hit</a:t>
+            </a:r>
+            <a:r>
+              <a:rPr lang="de-AT" dirty="0" smtClean="0"/>
+              <a:t> </a:t>
+            </a:r>
+            <a:r>
+              <a:rPr lang="de-AT" dirty="0" err="1" smtClean="0"/>
+              <a:t>and</a:t>
+            </a:r>
+            <a:r>
+              <a:rPr lang="de-AT" dirty="0" smtClean="0"/>
+              <a:t> </a:t>
+            </a:r>
+            <a:r>
+              <a:rPr lang="de-AT" dirty="0" err="1" smtClean="0"/>
+              <a:t>near</a:t>
+            </a:r>
+            <a:r>
+              <a:rPr lang="de-AT" dirty="0" smtClean="0"/>
+              <a:t> miss</a:t>
+            </a:r>
+            <a:r>
+              <a:rPr lang="de-AT" baseline="0" dirty="0" smtClean="0"/>
+              <a:t>  (</a:t>
+            </a:r>
+            <a:r>
+              <a:rPr lang="de-AT" baseline="0" dirty="0" err="1" smtClean="0"/>
+              <a:t>closesst</a:t>
+            </a:r>
+            <a:r>
+              <a:rPr lang="de-AT" baseline="0" dirty="0" smtClean="0"/>
+              <a:t> </a:t>
+            </a:r>
+            <a:r>
+              <a:rPr lang="de-AT" baseline="0" dirty="0" err="1" smtClean="0"/>
+              <a:t>instances</a:t>
+            </a:r>
+            <a:r>
+              <a:rPr lang="de-AT" baseline="0" dirty="0" smtClean="0"/>
+              <a:t> in  </a:t>
+            </a:r>
+            <a:r>
+              <a:rPr lang="de-AT" baseline="0" dirty="0" err="1" smtClean="0"/>
+              <a:t>the</a:t>
+            </a:r>
+            <a:r>
+              <a:rPr lang="de-AT" baseline="0" dirty="0" smtClean="0"/>
+              <a:t> </a:t>
+            </a:r>
+            <a:r>
+              <a:rPr lang="de-AT" baseline="0" dirty="0" err="1" smtClean="0"/>
+              <a:t>neighborhood</a:t>
+            </a:r>
+            <a:r>
+              <a:rPr lang="de-AT" baseline="0" dirty="0" smtClean="0"/>
+              <a:t> </a:t>
+            </a:r>
+            <a:r>
+              <a:rPr lang="de-AT" baseline="0" dirty="0" err="1" smtClean="0"/>
+              <a:t>of</a:t>
+            </a:r>
+            <a:r>
+              <a:rPr lang="de-AT" baseline="0" dirty="0" smtClean="0"/>
+              <a:t>  X </a:t>
+            </a:r>
+            <a:r>
+              <a:rPr lang="de-AT" baseline="0" dirty="0" err="1" smtClean="0"/>
+              <a:t>from</a:t>
+            </a:r>
+            <a:r>
+              <a:rPr lang="de-AT" baseline="0" dirty="0" smtClean="0"/>
+              <a:t>  </a:t>
+            </a:r>
+            <a:r>
+              <a:rPr lang="de-AT" baseline="0" dirty="0" err="1" smtClean="0"/>
+              <a:t>the</a:t>
+            </a:r>
+            <a:r>
+              <a:rPr lang="de-AT" baseline="0" dirty="0" smtClean="0"/>
+              <a:t> same </a:t>
+            </a:r>
+            <a:r>
+              <a:rPr lang="de-AT" baseline="0" dirty="0" err="1" smtClean="0"/>
+              <a:t>and</a:t>
+            </a:r>
+            <a:r>
+              <a:rPr lang="de-AT" baseline="0" dirty="0" smtClean="0"/>
+              <a:t> </a:t>
+            </a:r>
+            <a:r>
+              <a:rPr lang="de-AT" baseline="0" dirty="0" err="1" smtClean="0"/>
+              <a:t>the</a:t>
+            </a:r>
+            <a:r>
+              <a:rPr lang="de-AT" baseline="0" dirty="0" smtClean="0"/>
+              <a:t> </a:t>
+            </a:r>
+            <a:r>
+              <a:rPr lang="de-AT" baseline="0" dirty="0" err="1" smtClean="0"/>
+              <a:t>other</a:t>
+            </a:r>
+            <a:r>
+              <a:rPr lang="de-AT" baseline="0" dirty="0" smtClean="0"/>
+              <a:t> </a:t>
+            </a:r>
+            <a:r>
+              <a:rPr lang="de-AT" baseline="0" dirty="0" err="1" smtClean="0"/>
+              <a:t>class</a:t>
+            </a:r>
+            <a:r>
+              <a:rPr lang="de-AT" baseline="0" dirty="0" smtClean="0"/>
+              <a:t>) – </a:t>
+            </a:r>
+            <a:r>
+              <a:rPr lang="de-AT" baseline="0" dirty="0" err="1" smtClean="0"/>
+              <a:t>if</a:t>
+            </a:r>
+            <a:r>
+              <a:rPr lang="de-AT" baseline="0" dirty="0" smtClean="0"/>
+              <a:t> </a:t>
+            </a:r>
+            <a:r>
+              <a:rPr lang="de-AT" baseline="0" dirty="0" err="1" smtClean="0"/>
+              <a:t>value</a:t>
+            </a:r>
+            <a:r>
+              <a:rPr lang="de-AT" baseline="0" dirty="0" smtClean="0"/>
+              <a:t> </a:t>
+            </a:r>
+            <a:r>
+              <a:rPr lang="de-AT" baseline="0" dirty="0" err="1" smtClean="0"/>
+              <a:t>for</a:t>
+            </a:r>
+            <a:r>
+              <a:rPr lang="de-AT" baseline="0" dirty="0" smtClean="0"/>
+              <a:t> same </a:t>
+            </a:r>
+            <a:r>
+              <a:rPr lang="de-AT" baseline="0" dirty="0" err="1" smtClean="0"/>
+              <a:t>class</a:t>
+            </a:r>
+            <a:r>
+              <a:rPr lang="de-AT" baseline="0" dirty="0" smtClean="0"/>
+              <a:t> </a:t>
+            </a:r>
+            <a:r>
+              <a:rPr lang="de-AT" baseline="0" dirty="0" err="1" smtClean="0"/>
+              <a:t>is</a:t>
+            </a:r>
+            <a:r>
+              <a:rPr lang="de-AT" baseline="0" dirty="0" smtClean="0"/>
+              <a:t> high, </a:t>
+            </a:r>
+            <a:r>
+              <a:rPr lang="de-AT" baseline="0" dirty="0" err="1" smtClean="0"/>
+              <a:t>the</a:t>
+            </a:r>
+            <a:r>
+              <a:rPr lang="de-AT" baseline="0" dirty="0" smtClean="0"/>
+              <a:t>  </a:t>
+            </a:r>
+            <a:r>
+              <a:rPr lang="de-AT" baseline="0" dirty="0" err="1" smtClean="0"/>
+              <a:t>weight</a:t>
+            </a:r>
+            <a:r>
+              <a:rPr lang="de-AT" baseline="0" dirty="0" smtClean="0"/>
+              <a:t> </a:t>
+            </a:r>
+            <a:r>
+              <a:rPr lang="de-AT" baseline="0" dirty="0" err="1" smtClean="0"/>
+              <a:t>gets</a:t>
+            </a:r>
+            <a:r>
+              <a:rPr lang="de-AT" baseline="0" dirty="0" smtClean="0"/>
+              <a:t> a positive  </a:t>
+            </a:r>
+            <a:r>
+              <a:rPr lang="de-AT" baseline="0" dirty="0" err="1" smtClean="0"/>
+              <a:t>value</a:t>
+            </a:r>
+            <a:r>
+              <a:rPr lang="de-AT" baseline="0" dirty="0" smtClean="0"/>
+              <a:t>,  </a:t>
+            </a:r>
+            <a:r>
+              <a:rPr lang="de-AT" baseline="0" dirty="0" err="1" smtClean="0"/>
+              <a:t>else</a:t>
+            </a:r>
+            <a:r>
+              <a:rPr lang="de-AT" baseline="0" dirty="0" smtClean="0"/>
+              <a:t> a negative </a:t>
+            </a:r>
+            <a:r>
+              <a:rPr lang="de-AT" baseline="0" dirty="0" err="1" smtClean="0"/>
+              <a:t>value</a:t>
+            </a:r>
+            <a:r>
+              <a:rPr lang="de-AT" baseline="0" dirty="0" smtClean="0"/>
+              <a:t>.</a:t>
+            </a:r>
+            <a:br>
+              <a:rPr lang="de-AT" baseline="0" dirty="0" smtClean="0"/>
+            </a:br>
+            <a:r>
+              <a:rPr lang="de-AT" baseline="0" dirty="0" smtClean="0"/>
+              <a:t>Update  </a:t>
+            </a:r>
+            <a:r>
+              <a:rPr lang="de-AT" baseline="0" dirty="0" err="1" smtClean="0"/>
+              <a:t>weights</a:t>
+            </a:r>
+            <a:r>
+              <a:rPr lang="de-AT" baseline="0" dirty="0" smtClean="0"/>
+              <a:t>:  </a:t>
+            </a:r>
+            <a:r>
+              <a:rPr lang="de-AT" baseline="0" dirty="0" err="1" smtClean="0"/>
+              <a:t>bigger</a:t>
+            </a:r>
+            <a:r>
+              <a:rPr lang="de-AT" baseline="0" dirty="0" smtClean="0"/>
+              <a:t>  </a:t>
+            </a:r>
+            <a:r>
+              <a:rPr lang="de-AT" baseline="0" dirty="0" err="1" smtClean="0"/>
+              <a:t>weights</a:t>
+            </a:r>
+            <a:r>
+              <a:rPr lang="de-AT" baseline="0" dirty="0" smtClean="0"/>
+              <a:t> </a:t>
+            </a:r>
+            <a:r>
+              <a:rPr lang="de-AT" baseline="0" dirty="0" err="1" smtClean="0"/>
+              <a:t>if</a:t>
+            </a:r>
+            <a:r>
+              <a:rPr lang="de-AT" baseline="0" dirty="0" smtClean="0"/>
+              <a:t>  relevant </a:t>
+            </a:r>
+            <a:r>
+              <a:rPr lang="de-AT" baseline="0" dirty="0" err="1" smtClean="0"/>
+              <a:t>feature</a:t>
+            </a:r>
+            <a:endParaRPr lang="de-AT" baseline="0" dirty="0" smtClean="0"/>
+          </a:p>
+          <a:p>
+            <a:endParaRPr lang="de-AT" baseline="0" dirty="0" smtClean="0"/>
+          </a:p>
+          <a:p>
+            <a:r>
+              <a:rPr lang="de-AT" baseline="0" dirty="0" err="1" smtClean="0"/>
+              <a:t>We</a:t>
+            </a:r>
+            <a:r>
+              <a:rPr lang="de-AT" baseline="0" dirty="0" smtClean="0"/>
+              <a:t> </a:t>
+            </a:r>
+            <a:r>
+              <a:rPr lang="de-AT" baseline="0" dirty="0" err="1" smtClean="0"/>
+              <a:t>see</a:t>
+            </a:r>
+            <a:r>
+              <a:rPr lang="de-AT" baseline="0" dirty="0" smtClean="0"/>
+              <a:t> </a:t>
+            </a:r>
+            <a:r>
+              <a:rPr lang="de-AT" baseline="0" dirty="0" smtClean="0">
+                <a:sym typeface="Wingdings" panose="05000000000000000000" pitchFamily="2" charset="2"/>
+              </a:rPr>
+              <a:t>  </a:t>
+            </a:r>
+            <a:r>
+              <a:rPr lang="de-AT" baseline="0" dirty="0" err="1" smtClean="0">
+                <a:sym typeface="Wingdings" panose="05000000000000000000" pitchFamily="2" charset="2"/>
+              </a:rPr>
+              <a:t>no</a:t>
+            </a:r>
+            <a:r>
+              <a:rPr lang="de-AT" baseline="0" dirty="0" smtClean="0">
+                <a:sym typeface="Wingdings" panose="05000000000000000000" pitchFamily="2" charset="2"/>
+              </a:rPr>
+              <a:t> </a:t>
+            </a:r>
+            <a:r>
+              <a:rPr lang="de-AT" baseline="0" dirty="0" err="1" smtClean="0">
+                <a:sym typeface="Wingdings" panose="05000000000000000000" pitchFamily="2" charset="2"/>
+              </a:rPr>
               <a:t>classifier</a:t>
             </a:r>
             <a:r>
-              <a:rPr lang="de-AT" dirty="0" smtClean="0"/>
-              <a:t> </a:t>
-            </a:r>
-            <a:r>
-              <a:rPr lang="de-AT" dirty="0" err="1" smtClean="0"/>
-              <a:t>best</a:t>
-            </a:r>
-            <a:r>
-              <a:rPr lang="de-AT" dirty="0" smtClean="0"/>
-              <a:t> = </a:t>
-            </a:r>
-            <a:r>
-              <a:rPr lang="de-AT" dirty="0" err="1" smtClean="0"/>
-              <a:t>consider</a:t>
-            </a:r>
-            <a:r>
-              <a:rPr lang="de-AT" dirty="0" smtClean="0"/>
-              <a:t> </a:t>
-            </a:r>
-            <a:r>
-              <a:rPr lang="de-AT" dirty="0" err="1" smtClean="0"/>
-              <a:t>biases</a:t>
-            </a:r>
-            <a:r>
-              <a:rPr lang="de-AT" dirty="0" smtClean="0"/>
-              <a:t> </a:t>
-            </a:r>
-            <a:r>
-              <a:rPr lang="de-AT" dirty="0" err="1" smtClean="0"/>
-              <a:t>and</a:t>
-            </a:r>
-            <a:r>
-              <a:rPr lang="de-AT" dirty="0" smtClean="0"/>
-              <a:t> </a:t>
-            </a:r>
-            <a:r>
-              <a:rPr lang="de-AT" dirty="0" err="1" smtClean="0"/>
-              <a:t>heuristics</a:t>
-            </a:r>
-            <a:r>
-              <a:rPr lang="de-AT" dirty="0" smtClean="0"/>
-              <a:t> </a:t>
-            </a:r>
-            <a:r>
-              <a:rPr lang="de-AT" dirty="0" err="1" smtClean="0"/>
-              <a:t>of</a:t>
-            </a:r>
-            <a:r>
-              <a:rPr lang="de-AT" baseline="0" dirty="0" smtClean="0"/>
-              <a:t> a </a:t>
-            </a:r>
-            <a:r>
-              <a:rPr lang="de-AT" baseline="0" dirty="0" err="1" smtClean="0"/>
-              <a:t>classifier</a:t>
-            </a:r>
-            <a:r>
-              <a:rPr lang="de-AT" baseline="0" dirty="0" smtClean="0"/>
-              <a:t> </a:t>
-            </a:r>
-            <a:r>
-              <a:rPr lang="de-AT" baseline="0" dirty="0" err="1" smtClean="0"/>
-              <a:t>optimally</a:t>
+              <a:rPr lang="de-AT" baseline="0" dirty="0" smtClean="0">
+                <a:sym typeface="Wingdings" panose="05000000000000000000" pitchFamily="2" charset="2"/>
+              </a:rPr>
+              <a:t> </a:t>
+            </a:r>
+            <a:r>
+              <a:rPr lang="de-AT" baseline="0" dirty="0" err="1" smtClean="0">
+                <a:sym typeface="Wingdings" panose="05000000000000000000" pitchFamily="2" charset="2"/>
+              </a:rPr>
+              <a:t>used</a:t>
             </a:r>
             <a:endParaRPr lang="de-AT" dirty="0"/>
           </a:p>
@@ -3754,7 +4636,7 @@
     </p:spTree>
     <p:extLst>
       <p:ext uri="{BB962C8B-B14F-4D97-AF65-F5344CB8AC3E}">
-        <p14:creationId xmlns:p14="http://schemas.microsoft.com/office/powerpoint/2010/main" val="2492573933"/>
+        <p14:creationId xmlns:p14="http://schemas.microsoft.com/office/powerpoint/2010/main" val="591659821"/>
       </p:ext>
     </p:extLst>
   </p:cSld>
@@ -3810,11 +4692,59 @@
           <a:p>
             <a:r>
               <a:rPr lang="de-AT" dirty="0" smtClean="0"/>
-              <a:t>Search </a:t>
-            </a:r>
-            <a:r>
-              <a:rPr lang="de-AT" dirty="0" err="1" smtClean="0"/>
-              <a:t>for</a:t>
+              <a:t>Fit </a:t>
+            </a:r>
+            <a:r>
+              <a:rPr lang="de-AT" dirty="0" err="1" smtClean="0"/>
+              <a:t>classifier</a:t>
+            </a:r>
+            <a:r>
+              <a:rPr lang="de-AT" dirty="0" smtClean="0"/>
+              <a:t> </a:t>
+            </a:r>
+            <a:r>
+              <a:rPr lang="de-AT" dirty="0" err="1" smtClean="0"/>
+              <a:t>best</a:t>
+            </a:r>
+            <a:r>
+              <a:rPr lang="de-AT" dirty="0" smtClean="0"/>
+              <a:t> = </a:t>
+            </a:r>
+            <a:r>
+              <a:rPr lang="de-AT" dirty="0" err="1" smtClean="0"/>
+              <a:t>consider</a:t>
+            </a:r>
+            <a:r>
+              <a:rPr lang="de-AT" dirty="0" smtClean="0"/>
+              <a:t> </a:t>
+            </a:r>
+            <a:r>
+              <a:rPr lang="de-AT" dirty="0" err="1" smtClean="0"/>
+              <a:t>biases</a:t>
+            </a:r>
+            <a:r>
+              <a:rPr lang="de-AT" dirty="0" smtClean="0"/>
+              <a:t> </a:t>
+            </a:r>
+            <a:r>
+              <a:rPr lang="de-AT" dirty="0" err="1" smtClean="0"/>
+              <a:t>and</a:t>
+            </a:r>
+            <a:r>
+              <a:rPr lang="de-AT" dirty="0" smtClean="0"/>
+              <a:t> </a:t>
+            </a:r>
+            <a:r>
+              <a:rPr lang="de-AT" dirty="0" err="1" smtClean="0"/>
+              <a:t>heuristics</a:t>
+            </a:r>
+            <a:r>
+              <a:rPr lang="de-AT" dirty="0" smtClean="0"/>
+              <a:t> </a:t>
+            </a:r>
+            <a:r>
+              <a:rPr lang="de-AT" dirty="0" err="1" smtClean="0"/>
+              <a:t>of</a:t>
             </a:r>
             <a:r>
               <a:rPr lang="de-AT" baseline="0" dirty="0" smtClean="0"/>
@@ -3822,428 +4752,16 @@
             </a:r>
             <a:r>
               <a:rPr lang="de-AT" baseline="0" dirty="0" err="1" smtClean="0"/>
-              <a:t>subset</a:t>
+              <a:t>classifier</a:t>
             </a:r>
             <a:r>
               <a:rPr lang="de-AT" baseline="0" dirty="0" smtClean="0"/>
               <a:t> </a:t>
             </a:r>
             <a:r>
-              <a:rPr lang="de-AT" dirty="0" smtClean="0"/>
-              <a:t>: </a:t>
-            </a:r>
-            <a:r>
-              <a:rPr lang="de-AT" dirty="0" smtClean="0"/>
-              <a:t>different </a:t>
-            </a:r>
-            <a:r>
-              <a:rPr lang="de-AT" dirty="0" err="1" smtClean="0"/>
-              <a:t>algorithms</a:t>
-            </a:r>
-            <a:r>
-              <a:rPr lang="de-AT" dirty="0" smtClean="0"/>
-              <a:t> </a:t>
-            </a:r>
-            <a:r>
-              <a:rPr lang="de-AT" dirty="0" err="1" smtClean="0"/>
-              <a:t>possible</a:t>
-            </a:r>
-            <a:r>
-              <a:rPr lang="de-AT" dirty="0" smtClean="0"/>
-              <a:t>: </a:t>
-            </a:r>
-          </a:p>
-          <a:p>
-            <a:r>
-              <a:rPr lang="en-US" sz="1200" b="0" i="0" u="none" strike="noStrike" kern="1200" baseline="0" dirty="0" smtClean="0">
-                <a:solidFill>
-                  <a:schemeClr val="tx1"/>
-                </a:solidFill>
-                <a:latin typeface="+mn-lt"/>
-                <a:ea typeface="+mn-ea"/>
-                <a:cs typeface="+mn-cs"/>
-              </a:rPr>
-              <a:t>hill-climbing, best-first, branch-and-bound, and genetic </a:t>
-            </a:r>
-            <a:r>
-              <a:rPr lang="de-AT" sz="1200" b="0" i="0" u="none" strike="noStrike" kern="1200" baseline="0" dirty="0" err="1" smtClean="0">
-                <a:solidFill>
-                  <a:schemeClr val="tx1"/>
-                </a:solidFill>
-                <a:latin typeface="+mn-lt"/>
-                <a:ea typeface="+mn-ea"/>
-                <a:cs typeface="+mn-cs"/>
-              </a:rPr>
-              <a:t>algorithms</a:t>
-            </a:r>
-            <a:r>
-              <a:rPr lang="de-AT" sz="1200" b="0" i="0" u="none" strike="noStrike" kern="1200" baseline="0" dirty="0" smtClean="0">
-                <a:solidFill>
-                  <a:schemeClr val="tx1"/>
-                </a:solidFill>
-                <a:latin typeface="+mn-lt"/>
-                <a:ea typeface="+mn-ea"/>
-                <a:cs typeface="+mn-cs"/>
-              </a:rPr>
-              <a:t>.</a:t>
-            </a:r>
-          </a:p>
-          <a:p>
-            <a:r>
-              <a:rPr lang="de-AT" sz="1200" b="0" i="0" u="none" strike="noStrike" kern="1200" baseline="0" dirty="0" err="1" smtClean="0">
-                <a:solidFill>
-                  <a:schemeClr val="tx1"/>
-                </a:solidFill>
-                <a:latin typeface="+mn-lt"/>
-                <a:ea typeface="+mn-ea"/>
-                <a:cs typeface="+mn-cs"/>
-              </a:rPr>
-              <a:t>Either</a:t>
-            </a:r>
-            <a:r>
-              <a:rPr lang="de-AT" sz="1200" b="0" i="0" u="none" strike="noStrike" kern="1200" baseline="0" dirty="0" smtClean="0">
-                <a:solidFill>
-                  <a:schemeClr val="tx1"/>
-                </a:solidFill>
-                <a:latin typeface="+mn-lt"/>
-                <a:ea typeface="+mn-ea"/>
-                <a:cs typeface="+mn-cs"/>
-              </a:rPr>
-              <a:t>  </a:t>
-            </a:r>
-            <a:r>
-              <a:rPr lang="de-AT" sz="1200" b="0" i="0" u="none" strike="noStrike" kern="1200" baseline="0" dirty="0" err="1" smtClean="0">
-                <a:solidFill>
-                  <a:schemeClr val="tx1"/>
-                </a:solidFill>
-                <a:latin typeface="+mn-lt"/>
-                <a:ea typeface="+mn-ea"/>
-                <a:cs typeface="+mn-cs"/>
-              </a:rPr>
-              <a:t>start</a:t>
-            </a:r>
-            <a:r>
-              <a:rPr lang="de-AT" sz="1200" b="0" i="0" u="none" strike="noStrike" kern="1200" baseline="0" dirty="0" smtClean="0">
-                <a:solidFill>
-                  <a:schemeClr val="tx1"/>
-                </a:solidFill>
-                <a:latin typeface="+mn-lt"/>
-                <a:ea typeface="+mn-ea"/>
-                <a:cs typeface="+mn-cs"/>
-              </a:rPr>
-              <a:t>  </a:t>
-            </a:r>
-            <a:r>
-              <a:rPr lang="de-AT" sz="1200" b="0" i="0" u="none" strike="noStrike" kern="1200" baseline="0" dirty="0" err="1" smtClean="0">
-                <a:solidFill>
-                  <a:schemeClr val="tx1"/>
-                </a:solidFill>
-                <a:latin typeface="+mn-lt"/>
-                <a:ea typeface="+mn-ea"/>
-                <a:cs typeface="+mn-cs"/>
-              </a:rPr>
-              <a:t>from</a:t>
-            </a:r>
-            <a:r>
-              <a:rPr lang="de-AT" sz="1200" b="0" i="0" u="none" strike="noStrike" kern="1200" baseline="0" dirty="0" smtClean="0">
-                <a:solidFill>
-                  <a:schemeClr val="tx1"/>
-                </a:solidFill>
-                <a:latin typeface="+mn-lt"/>
-                <a:ea typeface="+mn-ea"/>
-                <a:cs typeface="+mn-cs"/>
-              </a:rPr>
-              <a:t>  </a:t>
-            </a:r>
-            <a:r>
-              <a:rPr lang="de-AT" sz="1200" b="0" i="0" u="none" strike="noStrike" kern="1200" baseline="0" dirty="0" err="1" smtClean="0">
-                <a:solidFill>
-                  <a:schemeClr val="tx1"/>
-                </a:solidFill>
-                <a:latin typeface="+mn-lt"/>
-                <a:ea typeface="+mn-ea"/>
-                <a:cs typeface="+mn-cs"/>
-              </a:rPr>
-              <a:t>full</a:t>
-            </a:r>
-            <a:r>
-              <a:rPr lang="de-AT" sz="1200" b="0" i="0" u="none" strike="noStrike" kern="1200" baseline="0" dirty="0" smtClean="0">
-                <a:solidFill>
-                  <a:schemeClr val="tx1"/>
-                </a:solidFill>
-                <a:latin typeface="+mn-lt"/>
-                <a:ea typeface="+mn-ea"/>
-                <a:cs typeface="+mn-cs"/>
-              </a:rPr>
-              <a:t> </a:t>
-            </a:r>
-            <a:r>
-              <a:rPr lang="de-AT" sz="1200" b="0" i="0" u="none" strike="noStrike" kern="1200" baseline="0" dirty="0" err="1" smtClean="0">
-                <a:solidFill>
-                  <a:schemeClr val="tx1"/>
-                </a:solidFill>
-                <a:latin typeface="+mn-lt"/>
-                <a:ea typeface="+mn-ea"/>
-                <a:cs typeface="+mn-cs"/>
-              </a:rPr>
-              <a:t>set</a:t>
-            </a:r>
-            <a:r>
-              <a:rPr lang="de-AT" sz="1200" b="0" i="0" u="none" strike="noStrike" kern="1200" baseline="0" dirty="0" smtClean="0">
-                <a:solidFill>
-                  <a:schemeClr val="tx1"/>
-                </a:solidFill>
-                <a:latin typeface="+mn-lt"/>
-                <a:ea typeface="+mn-ea"/>
-                <a:cs typeface="+mn-cs"/>
-              </a:rPr>
-              <a:t> </a:t>
-            </a:r>
-            <a:r>
-              <a:rPr lang="de-AT" sz="1200" b="0" i="0" u="none" strike="noStrike" kern="1200" baseline="0" dirty="0" err="1" smtClean="0">
-                <a:solidFill>
-                  <a:schemeClr val="tx1"/>
-                </a:solidFill>
-                <a:latin typeface="+mn-lt"/>
-                <a:ea typeface="+mn-ea"/>
-                <a:cs typeface="+mn-cs"/>
-              </a:rPr>
-              <a:t>and</a:t>
-            </a:r>
-            <a:r>
-              <a:rPr lang="de-AT" sz="1200" b="0" i="0" u="none" strike="noStrike" kern="1200" baseline="0" dirty="0" smtClean="0">
-                <a:solidFill>
-                  <a:schemeClr val="tx1"/>
-                </a:solidFill>
-                <a:latin typeface="+mn-lt"/>
-                <a:ea typeface="+mn-ea"/>
-                <a:cs typeface="+mn-cs"/>
-              </a:rPr>
-              <a:t> </a:t>
-            </a:r>
-            <a:r>
-              <a:rPr lang="de-AT" sz="1200" b="0" i="0" u="none" strike="noStrike" kern="1200" baseline="0" dirty="0" err="1" smtClean="0">
-                <a:solidFill>
-                  <a:schemeClr val="tx1"/>
-                </a:solidFill>
-                <a:latin typeface="+mn-lt"/>
-                <a:ea typeface="+mn-ea"/>
-                <a:cs typeface="+mn-cs"/>
-              </a:rPr>
-              <a:t>reduce</a:t>
-            </a:r>
-            <a:r>
-              <a:rPr lang="de-AT" sz="1200" b="0" i="0" u="none" strike="noStrike" kern="1200" baseline="0" dirty="0" smtClean="0">
-                <a:solidFill>
-                  <a:schemeClr val="tx1"/>
-                </a:solidFill>
-                <a:latin typeface="+mn-lt"/>
-                <a:ea typeface="+mn-ea"/>
-                <a:cs typeface="+mn-cs"/>
-              </a:rPr>
-              <a:t> </a:t>
-            </a:r>
-            <a:r>
-              <a:rPr lang="de-AT" sz="1200" b="0" i="0" u="none" strike="noStrike" kern="1200" baseline="0" dirty="0" err="1" smtClean="0">
-                <a:solidFill>
-                  <a:schemeClr val="tx1"/>
-                </a:solidFill>
-                <a:latin typeface="+mn-lt"/>
-                <a:ea typeface="+mn-ea"/>
-                <a:cs typeface="+mn-cs"/>
-              </a:rPr>
-              <a:t>features</a:t>
-            </a:r>
-            <a:r>
-              <a:rPr lang="de-AT" sz="1200" b="0" i="0" u="none" strike="noStrike" kern="1200" baseline="0" dirty="0" smtClean="0">
-                <a:solidFill>
-                  <a:schemeClr val="tx1"/>
-                </a:solidFill>
-                <a:latin typeface="+mn-lt"/>
-                <a:ea typeface="+mn-ea"/>
-                <a:cs typeface="+mn-cs"/>
-              </a:rPr>
-              <a:t>,  </a:t>
-            </a:r>
-            <a:r>
-              <a:rPr lang="de-AT" sz="1200" b="0" i="0" u="none" strike="noStrike" kern="1200" baseline="0" dirty="0" err="1" smtClean="0">
-                <a:solidFill>
-                  <a:schemeClr val="tx1"/>
-                </a:solidFill>
-                <a:latin typeface="+mn-lt"/>
-                <a:ea typeface="+mn-ea"/>
-                <a:cs typeface="+mn-cs"/>
-              </a:rPr>
-              <a:t>or</a:t>
-            </a:r>
-            <a:r>
-              <a:rPr lang="de-AT" sz="1200" b="0" i="0" u="none" strike="noStrike" kern="1200" baseline="0" dirty="0" smtClean="0">
-                <a:solidFill>
-                  <a:schemeClr val="tx1"/>
-                </a:solidFill>
-                <a:latin typeface="+mn-lt"/>
-                <a:ea typeface="+mn-ea"/>
-                <a:cs typeface="+mn-cs"/>
-              </a:rPr>
-              <a:t>  </a:t>
-            </a:r>
-            <a:r>
-              <a:rPr lang="de-AT" sz="1200" b="0" i="0" u="none" strike="noStrike" kern="1200" baseline="0" dirty="0" err="1" smtClean="0">
-                <a:solidFill>
-                  <a:schemeClr val="tx1"/>
-                </a:solidFill>
-                <a:latin typeface="+mn-lt"/>
-                <a:ea typeface="+mn-ea"/>
-                <a:cs typeface="+mn-cs"/>
-              </a:rPr>
-              <a:t>start</a:t>
-            </a:r>
-            <a:r>
-              <a:rPr lang="de-AT" sz="1200" b="0" i="0" u="none" strike="noStrike" kern="1200" baseline="0" dirty="0" smtClean="0">
-                <a:solidFill>
-                  <a:schemeClr val="tx1"/>
-                </a:solidFill>
-                <a:latin typeface="+mn-lt"/>
-                <a:ea typeface="+mn-ea"/>
-                <a:cs typeface="+mn-cs"/>
-              </a:rPr>
-              <a:t> </a:t>
-            </a:r>
-            <a:r>
-              <a:rPr lang="de-AT" sz="1200" b="0" i="0" u="none" strike="noStrike" kern="1200" baseline="0" dirty="0" err="1" smtClean="0">
-                <a:solidFill>
-                  <a:schemeClr val="tx1"/>
-                </a:solidFill>
-                <a:latin typeface="+mn-lt"/>
-                <a:ea typeface="+mn-ea"/>
-                <a:cs typeface="+mn-cs"/>
-              </a:rPr>
-              <a:t>from</a:t>
-            </a:r>
-            <a:r>
-              <a:rPr lang="de-AT" sz="1200" b="0" i="0" u="none" strike="noStrike" kern="1200" baseline="0" dirty="0" smtClean="0">
-                <a:solidFill>
-                  <a:schemeClr val="tx1"/>
-                </a:solidFill>
-                <a:latin typeface="+mn-lt"/>
-                <a:ea typeface="+mn-ea"/>
-                <a:cs typeface="+mn-cs"/>
-              </a:rPr>
-              <a:t>  </a:t>
-            </a:r>
-            <a:r>
-              <a:rPr lang="de-AT" sz="1200" b="0" i="0" u="none" strike="noStrike" kern="1200" baseline="0" dirty="0" err="1" smtClean="0">
-                <a:solidFill>
-                  <a:schemeClr val="tx1"/>
-                </a:solidFill>
-                <a:latin typeface="+mn-lt"/>
-                <a:ea typeface="+mn-ea"/>
-                <a:cs typeface="+mn-cs"/>
-              </a:rPr>
-              <a:t>empty</a:t>
-            </a:r>
-            <a:r>
-              <a:rPr lang="de-AT" sz="1200" b="0" i="0" u="none" strike="noStrike" kern="1200" baseline="0" dirty="0" smtClean="0">
-                <a:solidFill>
-                  <a:schemeClr val="tx1"/>
-                </a:solidFill>
-                <a:latin typeface="+mn-lt"/>
-                <a:ea typeface="+mn-ea"/>
-                <a:cs typeface="+mn-cs"/>
-              </a:rPr>
-              <a:t> </a:t>
-            </a:r>
-            <a:r>
-              <a:rPr lang="de-AT" sz="1200" b="0" i="0" u="none" strike="noStrike" kern="1200" baseline="0" dirty="0" err="1" smtClean="0">
-                <a:solidFill>
-                  <a:schemeClr val="tx1"/>
-                </a:solidFill>
-                <a:latin typeface="+mn-lt"/>
-                <a:ea typeface="+mn-ea"/>
-                <a:cs typeface="+mn-cs"/>
-              </a:rPr>
-              <a:t>set</a:t>
-            </a:r>
-            <a:r>
-              <a:rPr lang="de-AT" sz="1200" b="0" i="0" u="none" strike="noStrike" kern="1200" baseline="0" dirty="0" smtClean="0">
-                <a:solidFill>
-                  <a:schemeClr val="tx1"/>
-                </a:solidFill>
-                <a:latin typeface="+mn-lt"/>
-                <a:ea typeface="+mn-ea"/>
-                <a:cs typeface="+mn-cs"/>
-              </a:rPr>
-              <a:t> </a:t>
-            </a:r>
-            <a:r>
-              <a:rPr lang="de-AT" sz="1200" b="0" i="0" u="none" strike="noStrike" kern="1200" baseline="0" dirty="0" err="1" smtClean="0">
-                <a:solidFill>
-                  <a:schemeClr val="tx1"/>
-                </a:solidFill>
-                <a:latin typeface="+mn-lt"/>
-                <a:ea typeface="+mn-ea"/>
-                <a:cs typeface="+mn-cs"/>
-              </a:rPr>
-              <a:t>and</a:t>
-            </a:r>
-            <a:r>
-              <a:rPr lang="de-AT" sz="1200" b="0" i="0" u="none" strike="noStrike" kern="1200" baseline="0" dirty="0" smtClean="0">
-                <a:solidFill>
-                  <a:schemeClr val="tx1"/>
-                </a:solidFill>
-                <a:latin typeface="+mn-lt"/>
-                <a:ea typeface="+mn-ea"/>
-                <a:cs typeface="+mn-cs"/>
-              </a:rPr>
-              <a:t> </a:t>
-            </a:r>
-            <a:r>
-              <a:rPr lang="de-AT" sz="1200" b="0" i="0" u="none" strike="noStrike" kern="1200" baseline="0" dirty="0" err="1" smtClean="0">
-                <a:solidFill>
-                  <a:schemeClr val="tx1"/>
-                </a:solidFill>
-                <a:latin typeface="+mn-lt"/>
-                <a:ea typeface="+mn-ea"/>
-                <a:cs typeface="+mn-cs"/>
-              </a:rPr>
-              <a:t>add</a:t>
-            </a:r>
-            <a:r>
-              <a:rPr lang="de-AT" sz="1200" b="0" i="0" u="none" strike="noStrike" kern="1200" baseline="0" dirty="0" smtClean="0">
-                <a:solidFill>
-                  <a:schemeClr val="tx1"/>
-                </a:solidFill>
-                <a:latin typeface="+mn-lt"/>
-                <a:ea typeface="+mn-ea"/>
-                <a:cs typeface="+mn-cs"/>
-              </a:rPr>
-              <a:t> </a:t>
-            </a:r>
-            <a:r>
-              <a:rPr lang="de-AT" sz="1200" b="0" i="0" u="none" strike="noStrike" kern="1200" baseline="0" dirty="0" err="1" smtClean="0">
-                <a:solidFill>
-                  <a:schemeClr val="tx1"/>
-                </a:solidFill>
-                <a:latin typeface="+mn-lt"/>
-                <a:ea typeface="+mn-ea"/>
-                <a:cs typeface="+mn-cs"/>
-              </a:rPr>
-              <a:t>features</a:t>
-            </a:r>
-            <a:r>
-              <a:rPr lang="de-AT" sz="1200" b="0" i="0" u="none" strike="noStrike" kern="1200" baseline="0" dirty="0" smtClean="0">
-                <a:solidFill>
-                  <a:schemeClr val="tx1"/>
-                </a:solidFill>
-                <a:latin typeface="+mn-lt"/>
-                <a:ea typeface="+mn-ea"/>
-                <a:cs typeface="+mn-cs"/>
-              </a:rPr>
-              <a:t>.</a:t>
-            </a:r>
-            <a:endParaRPr lang="de-AT" dirty="0" smtClean="0"/>
-          </a:p>
-          <a:p>
+              <a:rPr lang="de-AT" baseline="0" dirty="0" err="1" smtClean="0"/>
+              <a:t>optimally</a:t>
+            </a:r>
             <a:endParaRPr lang="de-AT" dirty="0"/>
           </a:p>
         </p:txBody>
@@ -4275,7 +4793,7 @@
     </p:spTree>
     <p:extLst>
       <p:ext uri="{BB962C8B-B14F-4D97-AF65-F5344CB8AC3E}">
-        <p14:creationId xmlns:p14="http://schemas.microsoft.com/office/powerpoint/2010/main" val="2073029618"/>
+        <p14:creationId xmlns:p14="http://schemas.microsoft.com/office/powerpoint/2010/main" val="2492573933"/>
       </p:ext>
     </p:extLst>
   </p:cSld>
@@ -9241,6 +9759,47 @@
           </a:p>
         </p:txBody>
       </p:sp>
+      <p:pic>
+        <p:nvPicPr>
+          <p:cNvPr id="10" name="Picture 2" descr="https://encrypted-tbn1.gstatic.com/images?q=tbn:ANd9GcSHeZd9qwTw6uYFPJLtfTdhQ1pxTKLiDaGL0fIY7E0Fs5uVBNUNuA"/>
+          <p:cNvPicPr>
+            <a:picLocks noChangeAspect="1" noChangeArrowheads="1"/>
+          </p:cNvPicPr>
+          <p:nvPr/>
+        </p:nvPicPr>
+        <p:blipFill>
+          <a:blip r:embed="rId3">
+            <a:extLst>
+              <a:ext uri="{28A0092B-C50C-407E-A947-70E740481C1C}">
+                <a14:useLocalDpi xmlns:a14="http://schemas.microsoft.com/office/drawing/2010/main" val="0"/>
+              </a:ext>
+            </a:extLst>
+          </a:blip>
+          <a:srcRect/>
+          <a:stretch>
+            <a:fillRect/>
+          </a:stretch>
+        </p:blipFill>
+        <p:spPr bwMode="auto">
+          <a:xfrm>
+            <a:off x="7308304" y="1272341"/>
+            <a:ext cx="635695" cy="1184309"/>
+          </a:xfrm>
+          <a:prstGeom prst="rect">
+            <a:avLst/>
+          </a:prstGeom>
+          <a:noFill/>
+          <a:extLst>
+            <a:ext uri="{909E8E84-426E-40DD-AFC4-6F175D3DCCD1}">
+              <a14:hiddenFill xmlns:a14="http://schemas.microsoft.com/office/drawing/2010/main">
+                <a:solidFill>
+                  <a:srgbClr val="FFFFFF"/>
+                </a:solidFill>
+              </a14:hiddenFill>
+            </a:ext>
+          </a:extLst>
+        </p:spPr>
+      </p:pic>
     </p:spTree>
     <p:extLst>
       <p:ext uri="{BB962C8B-B14F-4D97-AF65-F5344CB8AC3E}">
@@ -9324,11 +9883,7 @@
             </a:r>
             <a:r>
               <a:rPr lang="de-AT" dirty="0" err="1" smtClean="0"/>
-              <a:t>f</a:t>
-            </a:r>
-            <a:r>
-              <a:rPr lang="de-AT" dirty="0" err="1" smtClean="0"/>
-              <a:t>or</a:t>
+              <a:t>for</a:t>
             </a:r>
             <a:r>
               <a:rPr lang="de-AT" dirty="0" smtClean="0"/>
@@ -9599,6 +10154,47 @@
           </a:p>
         </p:txBody>
       </p:sp>
+      <p:pic>
+        <p:nvPicPr>
+          <p:cNvPr id="10" name="Picture 2" descr="https://encrypted-tbn1.gstatic.com/images?q=tbn:ANd9GcSHeZd9qwTw6uYFPJLtfTdhQ1pxTKLiDaGL0fIY7E0Fs5uVBNUNuA"/>
+          <p:cNvPicPr>
+            <a:picLocks noChangeAspect="1" noChangeArrowheads="1"/>
+          </p:cNvPicPr>
+          <p:nvPr/>
+        </p:nvPicPr>
+        <p:blipFill>
+          <a:blip r:embed="rId3">
+            <a:extLst>
+              <a:ext uri="{28A0092B-C50C-407E-A947-70E740481C1C}">
+                <a14:useLocalDpi xmlns:a14="http://schemas.microsoft.com/office/drawing/2010/main" val="0"/>
+              </a:ext>
+            </a:extLst>
+          </a:blip>
+          <a:srcRect/>
+          <a:stretch>
+            <a:fillRect/>
+          </a:stretch>
+        </p:blipFill>
+        <p:spPr bwMode="auto">
+          <a:xfrm>
+            <a:off x="7308304" y="1272341"/>
+            <a:ext cx="635695" cy="1184309"/>
+          </a:xfrm>
+          <a:prstGeom prst="rect">
+            <a:avLst/>
+          </a:prstGeom>
+          <a:noFill/>
+          <a:extLst>
+            <a:ext uri="{909E8E84-426E-40DD-AFC4-6F175D3DCCD1}">
+              <a14:hiddenFill xmlns:a14="http://schemas.microsoft.com/office/drawing/2010/main">
+                <a:solidFill>
+                  <a:srgbClr val="FFFFFF"/>
+                </a:solidFill>
+              </a14:hiddenFill>
+            </a:ext>
+          </a:extLst>
+        </p:spPr>
+      </p:pic>
     </p:spTree>
     <p:extLst>
       <p:ext uri="{BB962C8B-B14F-4D97-AF65-F5344CB8AC3E}">
@@ -9631,6 +10227,259 @@
       </p:grpSpPr>
       <p:sp>
         <p:nvSpPr>
+          <p:cNvPr id="8" name="Titel 7"/>
+          <p:cNvSpPr>
+            <a:spLocks noGrp="1"/>
+          </p:cNvSpPr>
+          <p:nvPr>
+            <p:ph type="title"/>
+          </p:nvPr>
+        </p:nvSpPr>
+        <p:spPr/>
+        <p:txBody>
+          <a:bodyPr/>
+          <a:lstStyle/>
+          <a:p>
+            <a:r>
+              <a:rPr lang="de-AT" dirty="0" smtClean="0"/>
+              <a:t>Filter </a:t>
+            </a:r>
+            <a:r>
+              <a:rPr lang="de-AT" dirty="0" err="1" smtClean="0"/>
+              <a:t>methods</a:t>
+            </a:r>
+            <a:endParaRPr lang="de-AT" dirty="0"/>
+          </a:p>
+        </p:txBody>
+      </p:sp>
+      <p:sp>
+        <p:nvSpPr>
+          <p:cNvPr id="5" name="Datumsplatzhalter 4"/>
+          <p:cNvSpPr>
+            <a:spLocks noGrp="1"/>
+          </p:cNvSpPr>
+          <p:nvPr>
+            <p:ph type="dt" sz="half" idx="10"/>
+          </p:nvPr>
+        </p:nvSpPr>
+        <p:spPr/>
+        <p:txBody>
+          <a:bodyPr/>
+          <a:lstStyle/>
+          <a:p>
+            <a:pPr>
+              <a:defRPr/>
+            </a:pPr>
+            <a:fld id="{F730624D-5A85-4FAC-A8C2-B755D15BE30C}" type="datetime1">
+              <a:rPr lang="de-AT" smtClean="0"/>
+              <a:t>26.01.2016</a:t>
+            </a:fld>
+            <a:endParaRPr lang="de-DE" dirty="0"/>
+          </a:p>
+        </p:txBody>
+      </p:sp>
+      <p:sp>
+        <p:nvSpPr>
+          <p:cNvPr id="6" name="Fußzeilenplatzhalter 5"/>
+          <p:cNvSpPr>
+            <a:spLocks noGrp="1"/>
+          </p:cNvSpPr>
+          <p:nvPr>
+            <p:ph type="ftr" sz="quarter" idx="11"/>
+          </p:nvPr>
+        </p:nvSpPr>
+        <p:spPr/>
+        <p:txBody>
+          <a:bodyPr/>
+          <a:lstStyle/>
+          <a:p>
+            <a:pPr>
+              <a:defRPr/>
+            </a:pPr>
+            <a:r>
+              <a:rPr lang="de-DE" smtClean="0"/>
+              <a:t>Silvana Podaras &amp; Florian Schober</a:t>
+            </a:r>
+            <a:endParaRPr lang="de-DE"/>
+          </a:p>
+        </p:txBody>
+      </p:sp>
+      <p:sp>
+        <p:nvSpPr>
+          <p:cNvPr id="7" name="Foliennummernplatzhalter 6"/>
+          <p:cNvSpPr>
+            <a:spLocks noGrp="1"/>
+          </p:cNvSpPr>
+          <p:nvPr>
+            <p:ph type="sldNum" sz="quarter" idx="12"/>
+          </p:nvPr>
+        </p:nvSpPr>
+        <p:spPr/>
+        <p:txBody>
+          <a:bodyPr/>
+          <a:lstStyle/>
+          <a:p>
+            <a:fld id="{E7C81DBF-6C1A-4CEB-BBA0-5651AFB5C718}" type="slidenum">
+              <a:rPr lang="de-DE" altLang="de-DE" smtClean="0"/>
+              <a:pPr/>
+              <a:t>13</a:t>
+            </a:fld>
+            <a:endParaRPr lang="de-DE" altLang="de-DE"/>
+          </a:p>
+        </p:txBody>
+      </p:sp>
+      <p:pic>
+        <p:nvPicPr>
+          <p:cNvPr id="10" name="Picture 2" descr="https://encrypted-tbn1.gstatic.com/images?q=tbn:ANd9GcSHeZd9qwTw6uYFPJLtfTdhQ1pxTKLiDaGL0fIY7E0Fs5uVBNUNuA"/>
+          <p:cNvPicPr>
+            <a:picLocks noChangeAspect="1" noChangeArrowheads="1"/>
+          </p:cNvPicPr>
+          <p:nvPr/>
+        </p:nvPicPr>
+        <p:blipFill>
+          <a:blip r:embed="rId3">
+            <a:extLst>
+              <a:ext uri="{28A0092B-C50C-407E-A947-70E740481C1C}">
+                <a14:useLocalDpi xmlns:a14="http://schemas.microsoft.com/office/drawing/2010/main" val="0"/>
+              </a:ext>
+            </a:extLst>
+          </a:blip>
+          <a:srcRect/>
+          <a:stretch>
+            <a:fillRect/>
+          </a:stretch>
+        </p:blipFill>
+        <p:spPr bwMode="auto">
+          <a:xfrm>
+            <a:off x="7308304" y="1272341"/>
+            <a:ext cx="635695" cy="1184309"/>
+          </a:xfrm>
+          <a:prstGeom prst="rect">
+            <a:avLst/>
+          </a:prstGeom>
+          <a:noFill/>
+          <a:extLst>
+            <a:ext uri="{909E8E84-426E-40DD-AFC4-6F175D3DCCD1}">
+              <a14:hiddenFill xmlns:a14="http://schemas.microsoft.com/office/drawing/2010/main">
+                <a:solidFill>
+                  <a:srgbClr val="FFFFFF"/>
+                </a:solidFill>
+              </a14:hiddenFill>
+            </a:ext>
+          </a:extLst>
+        </p:spPr>
+      </p:pic>
+      <p:sp>
+        <p:nvSpPr>
+          <p:cNvPr id="2" name="Inhaltsplatzhalter 1"/>
+          <p:cNvSpPr>
+            <a:spLocks noGrp="1"/>
+          </p:cNvSpPr>
+          <p:nvPr>
+            <p:ph idx="1"/>
+          </p:nvPr>
+        </p:nvSpPr>
+        <p:spPr/>
+        <p:txBody>
+          <a:bodyPr/>
+          <a:lstStyle/>
+          <a:p>
+            <a:pPr>
+              <a:buFont typeface="Arial" panose="020B0604020202020204" pitchFamily="34" charset="0"/>
+              <a:buChar char="•"/>
+            </a:pPr>
+            <a:r>
+              <a:rPr lang="de-AT" dirty="0"/>
+              <a:t>Fisher Score</a:t>
+            </a:r>
+          </a:p>
+          <a:p>
+            <a:pPr>
+              <a:buFont typeface="Arial" panose="020B0604020202020204" pitchFamily="34" charset="0"/>
+              <a:buChar char="•"/>
+            </a:pPr>
+            <a:r>
+              <a:rPr lang="de-AT" dirty="0"/>
+              <a:t>Information </a:t>
+            </a:r>
+            <a:r>
+              <a:rPr lang="de-AT" dirty="0" err="1"/>
+              <a:t>Gain</a:t>
+            </a:r>
+            <a:endParaRPr lang="de-AT" dirty="0"/>
+          </a:p>
+          <a:p>
+            <a:pPr>
+              <a:buFont typeface="Arial" panose="020B0604020202020204" pitchFamily="34" charset="0"/>
+              <a:buChar char="•"/>
+            </a:pPr>
+            <a:r>
+              <a:rPr lang="de-AT" dirty="0"/>
+              <a:t>Min. </a:t>
+            </a:r>
+            <a:r>
+              <a:rPr lang="de-AT" dirty="0" err="1" smtClean="0"/>
+              <a:t>Redundancy</a:t>
+            </a:r>
+            <a:r>
+              <a:rPr lang="de-AT" dirty="0" smtClean="0"/>
+              <a:t> </a:t>
+            </a:r>
+            <a:r>
+              <a:rPr lang="de-AT" dirty="0"/>
+              <a:t>- Max. </a:t>
+            </a:r>
+            <a:r>
+              <a:rPr lang="de-AT" dirty="0" err="1" smtClean="0"/>
+              <a:t>Relevance</a:t>
+            </a:r>
+            <a:endParaRPr lang="de-AT" dirty="0" smtClean="0"/>
+          </a:p>
+          <a:p>
+            <a:pPr>
+              <a:buFont typeface="Arial" panose="020B0604020202020204" pitchFamily="34" charset="0"/>
+              <a:buChar char="•"/>
+            </a:pPr>
+            <a:r>
+              <a:rPr lang="de-AT" dirty="0" smtClean="0"/>
+              <a:t>…</a:t>
+            </a:r>
+            <a:endParaRPr lang="de-AT" dirty="0"/>
+          </a:p>
+        </p:txBody>
+      </p:sp>
+    </p:spTree>
+    <p:extLst>
+      <p:ext uri="{BB962C8B-B14F-4D97-AF65-F5344CB8AC3E}">
+        <p14:creationId xmlns:p14="http://schemas.microsoft.com/office/powerpoint/2010/main" val="3034854229"/>
+      </p:ext>
+    </p:extLst>
+  </p:cSld>
+  <p:clrMapOvr>
+    <a:masterClrMapping/>
+  </p:clrMapOvr>
+</p:sld>
+</file>
+
+<file path=ppt/slides/slide14.xml><?xml version="1.0" encoding="utf-8"?>
+<p:sld xmlns:a="http://schemas.openxmlformats.org/drawingml/2006/main" xmlns:r="http://schemas.openxmlformats.org/officeDocument/2006/relationships" xmlns:p="http://schemas.openxmlformats.org/presentationml/2006/main">
+  <p:cSld>
+    <p:spTree>
+      <p:nvGrpSpPr>
+        <p:cNvPr id="1" name=""/>
+        <p:cNvGrpSpPr/>
+        <p:nvPr/>
+      </p:nvGrpSpPr>
+      <p:grpSpPr>
+        <a:xfrm>
+          <a:off x="0" y="0"/>
+          <a:ext cx="0" cy="0"/>
+          <a:chOff x="0" y="0"/>
+          <a:chExt cx="0" cy="0"/>
+        </a:xfrm>
+      </p:grpSpPr>
+      <p:sp>
+        <p:nvSpPr>
           <p:cNvPr id="5" name="Titel 4"/>
           <p:cNvSpPr>
             <a:spLocks noGrp="1"/>
@@ -9914,7 +10763,7 @@
             <a:fld id="{CA3F91B5-C267-4146-949F-EABEA95DB02A}" type="slidenum">
               <a:rPr lang="de-AT" altLang="de-DE" smtClean="0"/>
               <a:pPr/>
-              <a:t>13</a:t>
+              <a:t>14</a:t>
             </a:fld>
             <a:endParaRPr lang="de-AT" altLang="de-DE"/>
           </a:p>
@@ -9990,7 +10839,7 @@
 </p:sld>
 </file>
 
-<file path=ppt/slides/slide14.xml><?xml version="1.0" encoding="utf-8"?>
+<file path=ppt/slides/slide15.xml><?xml version="1.0" encoding="utf-8"?>
 <p:sld xmlns:a="http://schemas.openxmlformats.org/drawingml/2006/main" xmlns:r="http://schemas.openxmlformats.org/officeDocument/2006/relationships" xmlns:p="http://schemas.openxmlformats.org/presentationml/2006/main">
   <p:cSld>
     <p:spTree>
@@ -10133,7 +10982,7 @@
             <a:fld id="{CA3F91B5-C267-4146-949F-EABEA95DB02A}" type="slidenum">
               <a:rPr lang="de-AT" altLang="de-DE" smtClean="0"/>
               <a:pPr/>
-              <a:t>14</a:t>
+              <a:t>15</a:t>
             </a:fld>
             <a:endParaRPr lang="de-AT" altLang="de-DE"/>
           </a:p>
@@ -10281,7 +11130,7 @@
 </p:sld>
 </file>
 
-<file path=ppt/slides/slide15.xml><?xml version="1.0" encoding="utf-8"?>
+<file path=ppt/slides/slide16.xml><?xml version="1.0" encoding="utf-8"?>
 <p:sld xmlns:a="http://schemas.openxmlformats.org/drawingml/2006/main" xmlns:r="http://schemas.openxmlformats.org/officeDocument/2006/relationships" xmlns:p="http://schemas.openxmlformats.org/presentationml/2006/main">
   <p:cSld>
     <p:spTree>
@@ -10424,7 +11273,7 @@
             <a:fld id="{CA3F91B5-C267-4146-949F-EABEA95DB02A}" type="slidenum">
               <a:rPr lang="de-AT" altLang="de-DE" smtClean="0"/>
               <a:pPr/>
-              <a:t>15</a:t>
+              <a:t>16</a:t>
             </a:fld>
             <a:endParaRPr lang="de-AT" altLang="de-DE"/>
           </a:p>
@@ -10572,7 +11421,7 @@
 </p:sld>
 </file>
 
-<file path=ppt/slides/slide16.xml><?xml version="1.0" encoding="utf-8"?>
+<file path=ppt/slides/slide17.xml><?xml version="1.0" encoding="utf-8"?>
 <p:sld xmlns:a="http://schemas.openxmlformats.org/drawingml/2006/main" xmlns:r="http://schemas.openxmlformats.org/officeDocument/2006/relationships" xmlns:p="http://schemas.openxmlformats.org/presentationml/2006/main">
   <p:cSld>
     <p:spTree>
@@ -10715,7 +11564,7 @@
             <a:fld id="{CA3F91B5-C267-4146-949F-EABEA95DB02A}" type="slidenum">
               <a:rPr lang="de-AT" altLang="de-DE" smtClean="0"/>
               <a:pPr/>
-              <a:t>16</a:t>
+              <a:t>17</a:t>
             </a:fld>
             <a:endParaRPr lang="de-AT" altLang="de-DE"/>
           </a:p>
@@ -10874,7 +11723,7 @@
 </p:sld>
 </file>
 
-<file path=ppt/slides/slide17.xml><?xml version="1.0" encoding="utf-8"?>
+<file path=ppt/slides/slide18.xml><?xml version="1.0" encoding="utf-8"?>
 <p:sld xmlns:a="http://schemas.openxmlformats.org/drawingml/2006/main" xmlns:r="http://schemas.openxmlformats.org/officeDocument/2006/relationships" xmlns:p="http://schemas.openxmlformats.org/presentationml/2006/main">
   <p:cSld>
     <p:spTree>
@@ -10893,6 +11742,369 @@
       </p:grpSpPr>
       <p:sp>
         <p:nvSpPr>
+          <p:cNvPr id="8" name="Titel 7"/>
+          <p:cNvSpPr>
+            <a:spLocks noGrp="1"/>
+          </p:cNvSpPr>
+          <p:nvPr>
+            <p:ph type="title"/>
+          </p:nvPr>
+        </p:nvSpPr>
+        <p:spPr/>
+        <p:txBody>
+          <a:bodyPr/>
+          <a:lstStyle/>
+          <a:p>
+            <a:r>
+              <a:rPr lang="de-AT" dirty="0" err="1" smtClean="0"/>
+              <a:t>Itarative</a:t>
+            </a:r>
+            <a:r>
+              <a:rPr lang="de-AT" dirty="0" smtClean="0"/>
+              <a:t> </a:t>
+            </a:r>
+            <a:r>
+              <a:rPr lang="de-AT" dirty="0" err="1" smtClean="0"/>
+              <a:t>process</a:t>
+            </a:r>
+            <a:endParaRPr lang="de-AT" dirty="0"/>
+          </a:p>
+        </p:txBody>
+      </p:sp>
+      <p:sp>
+        <p:nvSpPr>
+          <p:cNvPr id="9" name="Inhaltsplatzhalter 8"/>
+          <p:cNvSpPr>
+            <a:spLocks noGrp="1"/>
+          </p:cNvSpPr>
+          <p:nvPr>
+            <p:ph idx="1"/>
+          </p:nvPr>
+        </p:nvSpPr>
+        <p:spPr/>
+        <p:txBody>
+          <a:bodyPr/>
+          <a:lstStyle/>
+          <a:p>
+            <a:pPr>
+              <a:buFont typeface="Arial" panose="020B0604020202020204" pitchFamily="34" charset="0"/>
+              <a:buChar char="•"/>
+            </a:pPr>
+            <a:r>
+              <a:rPr lang="de-AT" dirty="0" err="1" smtClean="0"/>
+              <a:t>Adapt</a:t>
+            </a:r>
+            <a:r>
+              <a:rPr lang="de-AT" dirty="0" smtClean="0"/>
+              <a:t> </a:t>
+            </a:r>
+            <a:r>
+              <a:rPr lang="de-AT" dirty="0" err="1" smtClean="0"/>
+              <a:t>feature</a:t>
+            </a:r>
+            <a:r>
+              <a:rPr lang="de-AT" dirty="0" smtClean="0"/>
+              <a:t> </a:t>
+            </a:r>
+            <a:r>
+              <a:rPr lang="de-AT" dirty="0" err="1" smtClean="0"/>
+              <a:t>subset</a:t>
+            </a:r>
+            <a:endParaRPr lang="de-AT" dirty="0" smtClean="0"/>
+          </a:p>
+          <a:p>
+            <a:pPr marL="400050" lvl="1" indent="0">
+              <a:buNone/>
+            </a:pPr>
+            <a:r>
+              <a:rPr lang="de-AT" dirty="0"/>
+              <a:t>Forward </a:t>
+            </a:r>
+            <a:r>
+              <a:rPr lang="de-AT" dirty="0" err="1"/>
+              <a:t>selection</a:t>
+            </a:r>
+            <a:endParaRPr lang="de-AT" dirty="0"/>
+          </a:p>
+          <a:p>
+            <a:pPr marL="400050" lvl="1" indent="0">
+              <a:buNone/>
+            </a:pPr>
+            <a:r>
+              <a:rPr lang="de-AT" dirty="0" err="1"/>
+              <a:t>Backward</a:t>
+            </a:r>
+            <a:r>
+              <a:rPr lang="de-AT" dirty="0"/>
+              <a:t> </a:t>
+            </a:r>
+            <a:r>
+              <a:rPr lang="de-AT" dirty="0" err="1" smtClean="0"/>
+              <a:t>elimination</a:t>
+            </a:r>
+            <a:endParaRPr lang="de-AT" dirty="0" smtClean="0"/>
+          </a:p>
+          <a:p>
+            <a:pPr marL="400050" lvl="1" indent="0">
+              <a:buNone/>
+            </a:pPr>
+            <a:endParaRPr lang="de-AT" dirty="0"/>
+          </a:p>
+          <a:p>
+            <a:pPr>
+              <a:buFont typeface="Arial" panose="020B0604020202020204" pitchFamily="34" charset="0"/>
+              <a:buChar char="•"/>
+            </a:pPr>
+            <a:r>
+              <a:rPr lang="de-AT" dirty="0" smtClean="0"/>
+              <a:t>Train </a:t>
+            </a:r>
+            <a:r>
+              <a:rPr lang="de-AT" dirty="0" err="1" smtClean="0"/>
+              <a:t>classifier</a:t>
+            </a:r>
+            <a:endParaRPr lang="de-AT" dirty="0" smtClean="0"/>
+          </a:p>
+          <a:p>
+            <a:pPr>
+              <a:buFont typeface="Arial" panose="020B0604020202020204" pitchFamily="34" charset="0"/>
+              <a:buChar char="•"/>
+            </a:pPr>
+            <a:r>
+              <a:rPr lang="de-AT" dirty="0" err="1" smtClean="0"/>
+              <a:t>Evaluate</a:t>
+            </a:r>
+            <a:r>
+              <a:rPr lang="de-AT" dirty="0" smtClean="0"/>
+              <a:t> (</a:t>
+            </a:r>
+            <a:r>
+              <a:rPr lang="de-AT" dirty="0" err="1" smtClean="0"/>
+              <a:t>f.ex.with</a:t>
+            </a:r>
+            <a:r>
+              <a:rPr lang="de-AT" dirty="0" smtClean="0"/>
+              <a:t> </a:t>
+            </a:r>
+            <a:r>
+              <a:rPr lang="de-AT" dirty="0" err="1" smtClean="0"/>
+              <a:t>crossvalidation</a:t>
+            </a:r>
+            <a:r>
+              <a:rPr lang="de-AT" dirty="0" smtClean="0"/>
+              <a:t>)</a:t>
+            </a:r>
+          </a:p>
+          <a:p>
+            <a:pPr>
+              <a:buFont typeface="Arial" panose="020B0604020202020204" pitchFamily="34" charset="0"/>
+              <a:buChar char="•"/>
+            </a:pPr>
+            <a:endParaRPr lang="de-AT" dirty="0"/>
+          </a:p>
+          <a:p>
+            <a:pPr>
+              <a:buFont typeface="Arial" panose="020B0604020202020204" pitchFamily="34" charset="0"/>
+              <a:buChar char="•"/>
+            </a:pPr>
+            <a:r>
+              <a:rPr lang="de-AT" dirty="0" err="1" smtClean="0"/>
+              <a:t>Repeatand</a:t>
+            </a:r>
+            <a:r>
+              <a:rPr lang="de-AT" dirty="0" smtClean="0"/>
+              <a:t> </a:t>
+            </a:r>
+            <a:r>
+              <a:rPr lang="de-AT" dirty="0" err="1" smtClean="0"/>
+              <a:t>choose</a:t>
+            </a:r>
+            <a:r>
+              <a:rPr lang="de-AT" dirty="0" smtClean="0"/>
+              <a:t> </a:t>
+            </a:r>
+            <a:r>
+              <a:rPr lang="de-AT" dirty="0" err="1" smtClean="0"/>
+              <a:t>best</a:t>
+            </a:r>
+            <a:r>
+              <a:rPr lang="de-AT" dirty="0" smtClean="0"/>
+              <a:t> </a:t>
+            </a:r>
+            <a:r>
+              <a:rPr lang="de-AT" dirty="0" err="1" smtClean="0"/>
+              <a:t>feature</a:t>
+            </a:r>
+            <a:r>
+              <a:rPr lang="de-AT" dirty="0" smtClean="0"/>
+              <a:t> </a:t>
+            </a:r>
+            <a:r>
+              <a:rPr lang="de-AT" dirty="0" err="1" smtClean="0"/>
+              <a:t>subset</a:t>
+            </a:r>
+            <a:endParaRPr lang="de-AT" dirty="0" smtClean="0"/>
+          </a:p>
+        </p:txBody>
+      </p:sp>
+      <p:sp>
+        <p:nvSpPr>
+          <p:cNvPr id="5" name="Datumsplatzhalter 4"/>
+          <p:cNvSpPr>
+            <a:spLocks noGrp="1"/>
+          </p:cNvSpPr>
+          <p:nvPr>
+            <p:ph type="dt" sz="half" idx="10"/>
+          </p:nvPr>
+        </p:nvSpPr>
+        <p:spPr/>
+        <p:txBody>
+          <a:bodyPr/>
+          <a:lstStyle/>
+          <a:p>
+            <a:pPr>
+              <a:defRPr/>
+            </a:pPr>
+            <a:fld id="{F730624D-5A85-4FAC-A8C2-B755D15BE30C}" type="datetime1">
+              <a:rPr lang="de-AT" smtClean="0"/>
+              <a:t>26.01.2016</a:t>
+            </a:fld>
+            <a:endParaRPr lang="de-DE" dirty="0"/>
+          </a:p>
+        </p:txBody>
+      </p:sp>
+      <p:sp>
+        <p:nvSpPr>
+          <p:cNvPr id="6" name="Fußzeilenplatzhalter 5"/>
+          <p:cNvSpPr>
+            <a:spLocks noGrp="1"/>
+          </p:cNvSpPr>
+          <p:nvPr>
+            <p:ph type="ftr" sz="quarter" idx="11"/>
+          </p:nvPr>
+        </p:nvSpPr>
+        <p:spPr/>
+        <p:txBody>
+          <a:bodyPr/>
+          <a:lstStyle/>
+          <a:p>
+            <a:pPr>
+              <a:defRPr/>
+            </a:pPr>
+            <a:r>
+              <a:rPr lang="de-DE" smtClean="0"/>
+              <a:t>Silvana Podaras &amp; Florian Schober</a:t>
+            </a:r>
+            <a:endParaRPr lang="de-DE"/>
+          </a:p>
+        </p:txBody>
+      </p:sp>
+      <p:sp>
+        <p:nvSpPr>
+          <p:cNvPr id="7" name="Foliennummernplatzhalter 6"/>
+          <p:cNvSpPr>
+            <a:spLocks noGrp="1"/>
+          </p:cNvSpPr>
+          <p:nvPr>
+            <p:ph type="sldNum" sz="quarter" idx="12"/>
+          </p:nvPr>
+        </p:nvSpPr>
+        <p:spPr/>
+        <p:txBody>
+          <a:bodyPr/>
+          <a:lstStyle/>
+          <a:p>
+            <a:fld id="{E7C81DBF-6C1A-4CEB-BBA0-5651AFB5C718}" type="slidenum">
+              <a:rPr lang="de-DE" altLang="de-DE" smtClean="0"/>
+              <a:pPr/>
+              <a:t>18</a:t>
+            </a:fld>
+            <a:endParaRPr lang="de-DE" altLang="de-DE"/>
+          </a:p>
+        </p:txBody>
+      </p:sp>
+      <p:sp>
+        <p:nvSpPr>
+          <p:cNvPr id="10" name="Nach rechts gekrümmter Pfeil 9"/>
+          <p:cNvSpPr/>
+          <p:nvPr/>
+        </p:nvSpPr>
+        <p:spPr>
+          <a:xfrm>
+            <a:off x="7308304" y="1285860"/>
+            <a:ext cx="703789" cy="938385"/>
+          </a:xfrm>
+          <a:prstGeom prst="curvedRightArrow">
+            <a:avLst/>
+          </a:prstGeom>
+          <a:solidFill>
+            <a:schemeClr val="tx1"/>
+          </a:solidFill>
+          <a:ln>
+            <a:noFill/>
+          </a:ln>
+        </p:spPr>
+        <p:style>
+          <a:lnRef idx="2">
+            <a:schemeClr val="accent1">
+              <a:shade val="50000"/>
+            </a:schemeClr>
+          </a:lnRef>
+          <a:fillRef idx="1">
+            <a:schemeClr val="accent1"/>
+          </a:fillRef>
+          <a:effectRef idx="0">
+            <a:schemeClr val="accent1"/>
+          </a:effectRef>
+          <a:fontRef idx="minor">
+            <a:schemeClr val="lt1"/>
+          </a:fontRef>
+        </p:style>
+        <p:txBody>
+          <a:bodyPr rtlCol="0" anchor="ctr"/>
+          <a:lstStyle/>
+          <a:p>
+            <a:pPr algn="ctr"/>
+            <a:endParaRPr lang="de-AT">
+              <a:solidFill>
+                <a:schemeClr val="tx1"/>
+              </a:solidFill>
+            </a:endParaRPr>
+          </a:p>
+        </p:txBody>
+      </p:sp>
+    </p:spTree>
+    <p:extLst>
+      <p:ext uri="{BB962C8B-B14F-4D97-AF65-F5344CB8AC3E}">
+        <p14:creationId xmlns:p14="http://schemas.microsoft.com/office/powerpoint/2010/main" val="2922012049"/>
+      </p:ext>
+    </p:extLst>
+  </p:cSld>
+  <p:clrMapOvr>
+    <a:masterClrMapping/>
+  </p:clrMapOvr>
+</p:sld>
+</file>
+
+<file path=ppt/slides/slide19.xml><?xml version="1.0" encoding="utf-8"?>
+<p:sld xmlns:a="http://schemas.openxmlformats.org/drawingml/2006/main" xmlns:r="http://schemas.openxmlformats.org/officeDocument/2006/relationships" xmlns:p="http://schemas.openxmlformats.org/presentationml/2006/main">
+  <p:cSld>
+    <p:spTree>
+      <p:nvGrpSpPr>
+        <p:cNvPr id="1" name=""/>
+        <p:cNvGrpSpPr/>
+        <p:nvPr/>
+      </p:nvGrpSpPr>
+      <p:grpSpPr>
+        <a:xfrm>
+          <a:off x="0" y="0"/>
+          <a:ext cx="0" cy="0"/>
+          <a:chOff x="0" y="0"/>
+          <a:chExt cx="0" cy="0"/>
+        </a:xfrm>
+      </p:grpSpPr>
+      <p:sp>
+        <p:nvSpPr>
           <p:cNvPr id="5" name="Titel 4"/>
           <p:cNvSpPr>
             <a:spLocks noGrp="1"/>
@@ -11017,7 +12229,7 @@
             <a:fld id="{CA3F91B5-C267-4146-949F-EABEA95DB02A}" type="slidenum">
               <a:rPr lang="de-AT" altLang="de-DE" smtClean="0"/>
               <a:pPr/>
-              <a:t>17</a:t>
+              <a:t>19</a:t>
             </a:fld>
             <a:endParaRPr lang="de-AT" altLang="de-DE"/>
           </a:p>
@@ -11165,710 +12377,6 @@
 </p:sld>
 </file>
 
-<file path=ppt/slides/slide18.xml><?xml version="1.0" encoding="utf-8"?>
-<p:sld xmlns:a="http://schemas.openxmlformats.org/drawingml/2006/main" xmlns:r="http://schemas.openxmlformats.org/officeDocument/2006/relationships" xmlns:p="http://schemas.openxmlformats.org/presentationml/2006/main">
-  <p:cSld>
-    <p:spTree>
-      <p:nvGrpSpPr>
-        <p:cNvPr id="1" name=""/>
-        <p:cNvGrpSpPr/>
-        <p:nvPr/>
-      </p:nvGrpSpPr>
-      <p:grpSpPr>
-        <a:xfrm>
-          <a:off x="0" y="0"/>
-          <a:ext cx="0" cy="0"/>
-          <a:chOff x="0" y="0"/>
-          <a:chExt cx="0" cy="0"/>
-        </a:xfrm>
-      </p:grpSpPr>
-      <p:sp>
-        <p:nvSpPr>
-          <p:cNvPr id="5" name="Titel 4"/>
-          <p:cNvSpPr>
-            <a:spLocks noGrp="1"/>
-          </p:cNvSpPr>
-          <p:nvPr>
-            <p:ph type="title"/>
-          </p:nvPr>
-        </p:nvSpPr>
-        <p:spPr>
-          <a:xfrm>
-            <a:off x="857224" y="1285860"/>
-            <a:ext cx="7429552" cy="630972"/>
-          </a:xfrm>
-        </p:spPr>
-        <p:txBody>
-          <a:bodyPr/>
-          <a:lstStyle/>
-          <a:p>
-            <a:r>
-              <a:rPr lang="de-AT" dirty="0" smtClean="0"/>
-              <a:t>Wrapper </a:t>
-            </a:r>
-            <a:r>
-              <a:rPr lang="de-AT" dirty="0" err="1" smtClean="0"/>
-              <a:t>methods</a:t>
-            </a:r>
-            <a:endParaRPr lang="de-AT" dirty="0"/>
-          </a:p>
-        </p:txBody>
-      </p:sp>
-      <p:sp>
-        <p:nvSpPr>
-          <p:cNvPr id="6" name="Inhaltsplatzhalter 5"/>
-          <p:cNvSpPr>
-            <a:spLocks noGrp="1"/>
-          </p:cNvSpPr>
-          <p:nvPr>
-            <p:ph idx="1"/>
-          </p:nvPr>
-        </p:nvSpPr>
-        <p:spPr/>
-        <p:txBody>
-          <a:bodyPr/>
-          <a:lstStyle/>
-          <a:p>
-            <a:pPr marL="0" indent="0"/>
-            <a:endParaRPr lang="de-AT" dirty="0"/>
-          </a:p>
-          <a:p>
-            <a:pPr marL="0" indent="0"/>
-            <a:endParaRPr lang="de-AT" dirty="0"/>
-          </a:p>
-        </p:txBody>
-      </p:sp>
-      <p:sp>
-        <p:nvSpPr>
-          <p:cNvPr id="2" name="Datumsplatzhalter 1"/>
-          <p:cNvSpPr>
-            <a:spLocks noGrp="1"/>
-          </p:cNvSpPr>
-          <p:nvPr>
-            <p:ph type="dt" sz="half" idx="10"/>
-          </p:nvPr>
-        </p:nvSpPr>
-        <p:spPr/>
-        <p:txBody>
-          <a:bodyPr/>
-          <a:lstStyle/>
-          <a:p>
-            <a:pPr>
-              <a:defRPr/>
-            </a:pPr>
-            <a:fld id="{A99E4E83-FA2E-46A0-B301-8CE1B5AC943C}" type="datetime1">
-              <a:rPr lang="de-AT" smtClean="0"/>
-              <a:t>25.01.2016</a:t>
-            </a:fld>
-            <a:endParaRPr lang="de-AT" dirty="0"/>
-          </a:p>
-        </p:txBody>
-      </p:sp>
-      <p:sp>
-        <p:nvSpPr>
-          <p:cNvPr id="3" name="Fußzeilenplatzhalter 2"/>
-          <p:cNvSpPr>
-            <a:spLocks noGrp="1"/>
-          </p:cNvSpPr>
-          <p:nvPr>
-            <p:ph type="ftr" sz="quarter" idx="11"/>
-          </p:nvPr>
-        </p:nvSpPr>
-        <p:spPr/>
-        <p:txBody>
-          <a:bodyPr/>
-          <a:lstStyle/>
-          <a:p>
-            <a:pPr>
-              <a:defRPr/>
-            </a:pPr>
-            <a:r>
-              <a:rPr lang="de-AT" smtClean="0"/>
-              <a:t>Silvana Podaras &amp; Florian Schober</a:t>
-            </a:r>
-            <a:endParaRPr lang="de-AT"/>
-          </a:p>
-        </p:txBody>
-      </p:sp>
-      <p:sp>
-        <p:nvSpPr>
-          <p:cNvPr id="4" name="Foliennummernplatzhalter 3"/>
-          <p:cNvSpPr>
-            <a:spLocks noGrp="1"/>
-          </p:cNvSpPr>
-          <p:nvPr>
-            <p:ph type="sldNum" sz="quarter" idx="12"/>
-          </p:nvPr>
-        </p:nvSpPr>
-        <p:spPr/>
-        <p:txBody>
-          <a:bodyPr/>
-          <a:lstStyle/>
-          <a:p>
-            <a:fld id="{CA3F91B5-C267-4146-949F-EABEA95DB02A}" type="slidenum">
-              <a:rPr lang="de-AT" altLang="de-DE" smtClean="0"/>
-              <a:pPr/>
-              <a:t>18</a:t>
-            </a:fld>
-            <a:endParaRPr lang="de-AT" altLang="de-DE"/>
-          </a:p>
-        </p:txBody>
-      </p:sp>
-      <p:sp>
-        <p:nvSpPr>
-          <p:cNvPr id="7" name="Nach rechts gekrümmter Pfeil 6"/>
-          <p:cNvSpPr/>
-          <p:nvPr/>
-        </p:nvSpPr>
-        <p:spPr>
-          <a:xfrm>
-            <a:off x="7308304" y="1285860"/>
-            <a:ext cx="703789" cy="938385"/>
-          </a:xfrm>
-          <a:prstGeom prst="curvedRightArrow">
-            <a:avLst/>
-          </a:prstGeom>
-          <a:solidFill>
-            <a:schemeClr val="tx1"/>
-          </a:solidFill>
-          <a:ln>
-            <a:noFill/>
-          </a:ln>
-        </p:spPr>
-        <p:style>
-          <a:lnRef idx="2">
-            <a:schemeClr val="accent1">
-              <a:shade val="50000"/>
-            </a:schemeClr>
-          </a:lnRef>
-          <a:fillRef idx="1">
-            <a:schemeClr val="accent1"/>
-          </a:fillRef>
-          <a:effectRef idx="0">
-            <a:schemeClr val="accent1"/>
-          </a:effectRef>
-          <a:fontRef idx="minor">
-            <a:schemeClr val="lt1"/>
-          </a:fontRef>
-        </p:style>
-        <p:txBody>
-          <a:bodyPr rtlCol="0" anchor="ctr"/>
-          <a:lstStyle/>
-          <a:p>
-            <a:pPr algn="ctr"/>
-            <a:endParaRPr lang="de-AT">
-              <a:solidFill>
-                <a:schemeClr val="tx1"/>
-              </a:solidFill>
-            </a:endParaRPr>
-          </a:p>
-        </p:txBody>
-      </p:sp>
-      <p:pic>
-        <p:nvPicPr>
-          <p:cNvPr id="8" name="Grafik 7"/>
-          <p:cNvPicPr>
-            <a:picLocks noChangeAspect="1"/>
-          </p:cNvPicPr>
-          <p:nvPr/>
-        </p:nvPicPr>
-        <p:blipFill>
-          <a:blip r:embed="rId3"/>
-          <a:stretch>
-            <a:fillRect/>
-          </a:stretch>
-        </p:blipFill>
-        <p:spPr>
-          <a:xfrm>
-            <a:off x="323528" y="1931573"/>
-            <a:ext cx="6900891" cy="4449755"/>
-          </a:xfrm>
-          <a:prstGeom prst="rect">
-            <a:avLst/>
-          </a:prstGeom>
-        </p:spPr>
-      </p:pic>
-      <p:sp>
-        <p:nvSpPr>
-          <p:cNvPr id="9" name="Rechteck 8"/>
-          <p:cNvSpPr/>
-          <p:nvPr/>
-        </p:nvSpPr>
-        <p:spPr>
-          <a:xfrm>
-            <a:off x="2188096" y="5229200"/>
-            <a:ext cx="2239888" cy="360040"/>
-          </a:xfrm>
-          <a:prstGeom prst="rect">
-            <a:avLst/>
-          </a:prstGeom>
-          <a:solidFill>
-            <a:srgbClr val="FF0000">
-              <a:alpha val="45098"/>
-            </a:srgbClr>
-          </a:solidFill>
-          <a:ln>
-            <a:noFill/>
-          </a:ln>
-        </p:spPr>
-        <p:style>
-          <a:lnRef idx="2">
-            <a:schemeClr val="accent1">
-              <a:shade val="50000"/>
-            </a:schemeClr>
-          </a:lnRef>
-          <a:fillRef idx="1">
-            <a:schemeClr val="accent1"/>
-          </a:fillRef>
-          <a:effectRef idx="0">
-            <a:schemeClr val="accent1"/>
-          </a:effectRef>
-          <a:fontRef idx="minor">
-            <a:schemeClr val="lt1"/>
-          </a:fontRef>
-        </p:style>
-        <p:txBody>
-          <a:bodyPr rtlCol="0" anchor="ctr"/>
-          <a:lstStyle/>
-          <a:p>
-            <a:pPr algn="ctr"/>
-            <a:endParaRPr lang="de-AT" dirty="0"/>
-          </a:p>
-        </p:txBody>
-      </p:sp>
-      <p:sp>
-        <p:nvSpPr>
-          <p:cNvPr id="10" name="Rechteck 9"/>
-          <p:cNvSpPr/>
-          <p:nvPr/>
-        </p:nvSpPr>
-        <p:spPr>
-          <a:xfrm>
-            <a:off x="5724128" y="2260737"/>
-            <a:ext cx="1296144" cy="806892"/>
-          </a:xfrm>
-          <a:prstGeom prst="rect">
-            <a:avLst/>
-          </a:prstGeom>
-          <a:solidFill>
-            <a:srgbClr val="FF0000">
-              <a:alpha val="45098"/>
-            </a:srgbClr>
-          </a:solidFill>
-          <a:ln>
-            <a:noFill/>
-          </a:ln>
-        </p:spPr>
-        <p:style>
-          <a:lnRef idx="2">
-            <a:schemeClr val="accent1">
-              <a:shade val="50000"/>
-            </a:schemeClr>
-          </a:lnRef>
-          <a:fillRef idx="1">
-            <a:schemeClr val="accent1"/>
-          </a:fillRef>
-          <a:effectRef idx="0">
-            <a:schemeClr val="accent1"/>
-          </a:effectRef>
-          <a:fontRef idx="minor">
-            <a:schemeClr val="lt1"/>
-          </a:fontRef>
-        </p:style>
-        <p:txBody>
-          <a:bodyPr rtlCol="0" anchor="ctr"/>
-          <a:lstStyle/>
-          <a:p>
-            <a:pPr algn="ctr"/>
-            <a:endParaRPr lang="de-AT" dirty="0"/>
-          </a:p>
-        </p:txBody>
-      </p:sp>
-    </p:spTree>
-    <p:extLst>
-      <p:ext uri="{BB962C8B-B14F-4D97-AF65-F5344CB8AC3E}">
-        <p14:creationId xmlns:p14="http://schemas.microsoft.com/office/powerpoint/2010/main" val="202100744"/>
-      </p:ext>
-    </p:extLst>
-  </p:cSld>
-  <p:clrMapOvr>
-    <a:masterClrMapping/>
-  </p:clrMapOvr>
-  <p:timing>
-    <p:tnLst>
-      <p:par>
-        <p:cTn id="1" dur="indefinite" restart="never" nodeType="tmRoot"/>
-      </p:par>
-    </p:tnLst>
-  </p:timing>
-</p:sld>
-</file>
-
-<file path=ppt/slides/slide19.xml><?xml version="1.0" encoding="utf-8"?>
-<p:sld xmlns:a="http://schemas.openxmlformats.org/drawingml/2006/main" xmlns:r="http://schemas.openxmlformats.org/officeDocument/2006/relationships" xmlns:p="http://schemas.openxmlformats.org/presentationml/2006/main">
-  <p:cSld>
-    <p:spTree>
-      <p:nvGrpSpPr>
-        <p:cNvPr id="1" name=""/>
-        <p:cNvGrpSpPr/>
-        <p:nvPr/>
-      </p:nvGrpSpPr>
-      <p:grpSpPr>
-        <a:xfrm>
-          <a:off x="0" y="0"/>
-          <a:ext cx="0" cy="0"/>
-          <a:chOff x="0" y="0"/>
-          <a:chExt cx="0" cy="0"/>
-        </a:xfrm>
-      </p:grpSpPr>
-      <p:sp>
-        <p:nvSpPr>
-          <p:cNvPr id="5" name="Titel 4"/>
-          <p:cNvSpPr>
-            <a:spLocks noGrp="1"/>
-          </p:cNvSpPr>
-          <p:nvPr>
-            <p:ph type="title"/>
-          </p:nvPr>
-        </p:nvSpPr>
-        <p:spPr/>
-        <p:txBody>
-          <a:bodyPr/>
-          <a:lstStyle/>
-          <a:p>
-            <a:r>
-              <a:rPr lang="de-AT" dirty="0" smtClean="0"/>
-              <a:t>Embedded </a:t>
-            </a:r>
-            <a:r>
-              <a:rPr lang="de-AT" dirty="0" err="1" smtClean="0"/>
-              <a:t>methods</a:t>
-            </a:r>
-            <a:endParaRPr lang="de-AT" dirty="0"/>
-          </a:p>
-        </p:txBody>
-      </p:sp>
-      <p:sp>
-        <p:nvSpPr>
-          <p:cNvPr id="6" name="Inhaltsplatzhalter 5"/>
-          <p:cNvSpPr>
-            <a:spLocks noGrp="1"/>
-          </p:cNvSpPr>
-          <p:nvPr>
-            <p:ph idx="1"/>
-          </p:nvPr>
-        </p:nvSpPr>
-        <p:spPr/>
-        <p:txBody>
-          <a:bodyPr/>
-          <a:lstStyle/>
-          <a:p>
-            <a:pPr marL="0" indent="0"/>
-            <a:r>
-              <a:rPr lang="de-AT" b="1" dirty="0" smtClean="0"/>
-              <a:t>Hybrid:</a:t>
-            </a:r>
-          </a:p>
-          <a:p>
-            <a:pPr>
-              <a:buFont typeface="Arial" panose="020B0604020202020204" pitchFamily="34" charset="0"/>
-              <a:buChar char="•"/>
-            </a:pPr>
-            <a:r>
-              <a:rPr lang="de-AT" dirty="0" smtClean="0"/>
-              <a:t>Combine </a:t>
-            </a:r>
-            <a:r>
-              <a:rPr lang="de-AT" dirty="0" err="1" smtClean="0"/>
-              <a:t>benefits</a:t>
-            </a:r>
-            <a:r>
-              <a:rPr lang="de-AT" dirty="0" smtClean="0"/>
-              <a:t> </a:t>
-            </a:r>
-            <a:r>
-              <a:rPr lang="de-AT" dirty="0" err="1" smtClean="0"/>
-              <a:t>of</a:t>
-            </a:r>
-            <a:r>
-              <a:rPr lang="de-AT" dirty="0" smtClean="0"/>
-              <a:t> </a:t>
-            </a:r>
-            <a:r>
-              <a:rPr lang="de-AT" dirty="0" err="1" smtClean="0"/>
-              <a:t>filters</a:t>
-            </a:r>
-            <a:r>
-              <a:rPr lang="de-AT" dirty="0" smtClean="0"/>
-              <a:t> </a:t>
-            </a:r>
-            <a:r>
-              <a:rPr lang="de-AT" dirty="0" err="1" smtClean="0"/>
-              <a:t>and</a:t>
-            </a:r>
-            <a:r>
-              <a:rPr lang="de-AT" dirty="0" smtClean="0"/>
-              <a:t> </a:t>
-            </a:r>
-            <a:r>
-              <a:rPr lang="de-AT" dirty="0" err="1" smtClean="0"/>
-              <a:t>wrappers</a:t>
-            </a:r>
-            <a:r>
-              <a:rPr lang="de-AT" dirty="0" smtClean="0"/>
-              <a:t> </a:t>
-            </a:r>
-            <a:br>
-              <a:rPr lang="de-AT" dirty="0" smtClean="0"/>
-            </a:br>
-            <a:endParaRPr lang="de-AT" dirty="0" smtClean="0"/>
-          </a:p>
-          <a:p>
-            <a:pPr>
-              <a:buFont typeface="Arial" panose="020B0604020202020204" pitchFamily="34" charset="0"/>
-              <a:buChar char="•"/>
-            </a:pPr>
-            <a:r>
-              <a:rPr lang="de-AT" dirty="0" err="1" smtClean="0"/>
-              <a:t>Computationally</a:t>
-            </a:r>
-            <a:r>
-              <a:rPr lang="de-AT" dirty="0" smtClean="0"/>
-              <a:t> </a:t>
-            </a:r>
-            <a:r>
-              <a:rPr lang="de-AT" dirty="0" err="1" smtClean="0"/>
-              <a:t>efficient</a:t>
-            </a:r>
-            <a:endParaRPr lang="de-AT" dirty="0" smtClean="0"/>
-          </a:p>
-          <a:p>
-            <a:pPr>
-              <a:buFont typeface="Arial" panose="020B0604020202020204" pitchFamily="34" charset="0"/>
-              <a:buChar char="•"/>
-            </a:pPr>
-            <a:r>
-              <a:rPr lang="de-AT" dirty="0" smtClean="0"/>
-              <a:t>Higher </a:t>
-            </a:r>
-            <a:r>
-              <a:rPr lang="de-AT" dirty="0" err="1" smtClean="0"/>
-              <a:t>quality</a:t>
-            </a:r>
-            <a:r>
-              <a:rPr lang="de-AT" dirty="0" smtClean="0"/>
-              <a:t> </a:t>
-            </a:r>
-            <a:r>
-              <a:rPr lang="de-AT" dirty="0" err="1" smtClean="0"/>
-              <a:t>for</a:t>
-            </a:r>
-            <a:r>
-              <a:rPr lang="de-AT" dirty="0" smtClean="0"/>
-              <a:t> </a:t>
-            </a:r>
-            <a:r>
-              <a:rPr lang="de-AT" dirty="0" err="1" smtClean="0"/>
-              <a:t>classification</a:t>
-            </a:r>
-            <a:endParaRPr lang="de-AT" dirty="0" smtClean="0"/>
-          </a:p>
-          <a:p>
-            <a:pPr>
-              <a:buFont typeface="Arial" panose="020B0604020202020204" pitchFamily="34" charset="0"/>
-              <a:buChar char="•"/>
-            </a:pPr>
-            <a:endParaRPr lang="de-AT" dirty="0"/>
-          </a:p>
-        </p:txBody>
-      </p:sp>
-      <p:sp>
-        <p:nvSpPr>
-          <p:cNvPr id="2" name="Datumsplatzhalter 1"/>
-          <p:cNvSpPr>
-            <a:spLocks noGrp="1"/>
-          </p:cNvSpPr>
-          <p:nvPr>
-            <p:ph type="dt" sz="half" idx="10"/>
-          </p:nvPr>
-        </p:nvSpPr>
-        <p:spPr/>
-        <p:txBody>
-          <a:bodyPr/>
-          <a:lstStyle/>
-          <a:p>
-            <a:pPr>
-              <a:defRPr/>
-            </a:pPr>
-            <a:fld id="{214F5F98-C06E-4B49-A19C-86E8EF8C3A8B}" type="datetime1">
-              <a:rPr lang="de-AT" smtClean="0"/>
-              <a:t>25.01.2016</a:t>
-            </a:fld>
-            <a:endParaRPr lang="de-AT" dirty="0"/>
-          </a:p>
-        </p:txBody>
-      </p:sp>
-      <p:sp>
-        <p:nvSpPr>
-          <p:cNvPr id="3" name="Fußzeilenplatzhalter 2"/>
-          <p:cNvSpPr>
-            <a:spLocks noGrp="1"/>
-          </p:cNvSpPr>
-          <p:nvPr>
-            <p:ph type="ftr" sz="quarter" idx="11"/>
-          </p:nvPr>
-        </p:nvSpPr>
-        <p:spPr/>
-        <p:txBody>
-          <a:bodyPr/>
-          <a:lstStyle/>
-          <a:p>
-            <a:pPr>
-              <a:defRPr/>
-            </a:pPr>
-            <a:r>
-              <a:rPr lang="de-AT" smtClean="0"/>
-              <a:t>Silvana Podaras &amp; Florian Schober</a:t>
-            </a:r>
-            <a:endParaRPr lang="de-AT"/>
-          </a:p>
-        </p:txBody>
-      </p:sp>
-      <p:sp>
-        <p:nvSpPr>
-          <p:cNvPr id="4" name="Foliennummernplatzhalter 3"/>
-          <p:cNvSpPr>
-            <a:spLocks noGrp="1"/>
-          </p:cNvSpPr>
-          <p:nvPr>
-            <p:ph type="sldNum" sz="quarter" idx="12"/>
-          </p:nvPr>
-        </p:nvSpPr>
-        <p:spPr/>
-        <p:txBody>
-          <a:bodyPr/>
-          <a:lstStyle/>
-          <a:p>
-            <a:fld id="{CA3F91B5-C267-4146-949F-EABEA95DB02A}" type="slidenum">
-              <a:rPr lang="de-AT" altLang="de-DE" smtClean="0"/>
-              <a:pPr/>
-              <a:t>19</a:t>
-            </a:fld>
-            <a:endParaRPr lang="de-AT" altLang="de-DE"/>
-          </a:p>
-        </p:txBody>
-      </p:sp>
-      <p:pic>
-        <p:nvPicPr>
-          <p:cNvPr id="7" name="Picture 2" descr="https://encrypted-tbn1.gstatic.com/images?q=tbn:ANd9GcSHeZd9qwTw6uYFPJLtfTdhQ1pxTKLiDaGL0fIY7E0Fs5uVBNUNuA"/>
-          <p:cNvPicPr>
-            <a:picLocks noChangeAspect="1" noChangeArrowheads="1"/>
-          </p:cNvPicPr>
-          <p:nvPr/>
-        </p:nvPicPr>
-        <p:blipFill>
-          <a:blip r:embed="rId3">
-            <a:extLst>
-              <a:ext uri="{28A0092B-C50C-407E-A947-70E740481C1C}">
-                <a14:useLocalDpi xmlns:a14="http://schemas.microsoft.com/office/drawing/2010/main" val="0"/>
-              </a:ext>
-            </a:extLst>
-          </a:blip>
-          <a:srcRect/>
-          <a:stretch>
-            <a:fillRect/>
-          </a:stretch>
-        </p:blipFill>
-        <p:spPr bwMode="auto">
-          <a:xfrm>
-            <a:off x="7524328" y="1120242"/>
-            <a:ext cx="661356" cy="1232116"/>
-          </a:xfrm>
-          <a:prstGeom prst="rect">
-            <a:avLst/>
-          </a:prstGeom>
-          <a:noFill/>
-          <a:extLst>
-            <a:ext uri="{909E8E84-426E-40DD-AFC4-6F175D3DCCD1}">
-              <a14:hiddenFill xmlns:a14="http://schemas.microsoft.com/office/drawing/2010/main">
-                <a:solidFill>
-                  <a:srgbClr val="FFFFFF"/>
-                </a:solidFill>
-              </a14:hiddenFill>
-            </a:ext>
-          </a:extLst>
-        </p:spPr>
-      </p:pic>
-      <p:sp>
-        <p:nvSpPr>
-          <p:cNvPr id="8" name="Nach rechts gekrümmter Pfeil 7"/>
-          <p:cNvSpPr/>
-          <p:nvPr/>
-        </p:nvSpPr>
-        <p:spPr>
-          <a:xfrm>
-            <a:off x="6720011" y="1455889"/>
-            <a:ext cx="616412" cy="821882"/>
-          </a:xfrm>
-          <a:prstGeom prst="curvedRightArrow">
-            <a:avLst/>
-          </a:prstGeom>
-          <a:solidFill>
-            <a:schemeClr val="tx1"/>
-          </a:solidFill>
-          <a:ln>
-            <a:noFill/>
-          </a:ln>
-        </p:spPr>
-        <p:style>
-          <a:lnRef idx="2">
-            <a:schemeClr val="accent1">
-              <a:shade val="50000"/>
-            </a:schemeClr>
-          </a:lnRef>
-          <a:fillRef idx="1">
-            <a:schemeClr val="accent1"/>
-          </a:fillRef>
-          <a:effectRef idx="0">
-            <a:schemeClr val="accent1"/>
-          </a:effectRef>
-          <a:fontRef idx="minor">
-            <a:schemeClr val="lt1"/>
-          </a:fontRef>
-        </p:style>
-        <p:txBody>
-          <a:bodyPr rtlCol="0" anchor="ctr"/>
-          <a:lstStyle/>
-          <a:p>
-            <a:pPr algn="ctr"/>
-            <a:endParaRPr lang="de-AT">
-              <a:solidFill>
-                <a:schemeClr val="tx1"/>
-              </a:solidFill>
-            </a:endParaRPr>
-          </a:p>
-        </p:txBody>
-      </p:sp>
-    </p:spTree>
-    <p:extLst>
-      <p:ext uri="{BB962C8B-B14F-4D97-AF65-F5344CB8AC3E}">
-        <p14:creationId xmlns:p14="http://schemas.microsoft.com/office/powerpoint/2010/main" val="3220308482"/>
-      </p:ext>
-    </p:extLst>
-  </p:cSld>
-  <p:clrMapOvr>
-    <a:masterClrMapping/>
-  </p:clrMapOvr>
-  <p:timing>
-    <p:tnLst>
-      <p:par>
-        <p:cTn id="1" dur="indefinite" restart="never" nodeType="tmRoot"/>
-      </p:par>
-    </p:tnLst>
-  </p:timing>
-</p:sld>
-</file>
-
 <file path=ppt/slides/slide2.xml><?xml version="1.0" encoding="utf-8"?>
 <p:sld xmlns:a="http://schemas.openxmlformats.org/drawingml/2006/main" xmlns:r="http://schemas.openxmlformats.org/officeDocument/2006/relationships" xmlns:p="http://schemas.openxmlformats.org/presentationml/2006/main">
   <p:cSld>
@@ -11982,34 +12490,6 @@
               <a:t>2</a:t>
             </a:fld>
             <a:endParaRPr lang="de-AT" altLang="de-DE"/>
-          </a:p>
-        </p:txBody>
-      </p:sp>
-      <p:sp>
-        <p:nvSpPr>
-          <p:cNvPr id="9" name="Inhaltsplatzhalter 8"/>
-          <p:cNvSpPr>
-            <a:spLocks noGrp="1"/>
-          </p:cNvSpPr>
-          <p:nvPr>
-            <p:ph idx="1"/>
-          </p:nvPr>
-        </p:nvSpPr>
-        <p:spPr>
-          <a:xfrm>
-            <a:off x="5642968" y="3488423"/>
-            <a:ext cx="3280289" cy="1195679"/>
-          </a:xfrm>
-        </p:spPr>
-        <p:txBody>
-          <a:bodyPr/>
-          <a:lstStyle/>
-          <a:p>
-            <a:r>
-              <a:rPr lang="de-AT" sz="4400" dirty="0" err="1" smtClean="0"/>
-              <a:t>quantify</a:t>
-            </a:r>
-            <a:endParaRPr lang="de-AT" sz="4400" dirty="0"/>
           </a:p>
         </p:txBody>
       </p:sp>
@@ -12036,7 +12516,7 @@
         </p:blipFill>
         <p:spPr bwMode="auto">
           <a:xfrm rot="20511846">
-            <a:off x="470899" y="4235630"/>
+            <a:off x="1587917" y="3732692"/>
             <a:ext cx="1690481" cy="1495202"/>
           </a:xfrm>
           <a:prstGeom prst="rect">
@@ -12077,7 +12557,7 @@
         </p:blipFill>
         <p:spPr bwMode="auto">
           <a:xfrm rot="1006993">
-            <a:off x="518968" y="2388324"/>
+            <a:off x="2788762" y="2151060"/>
             <a:ext cx="1598361" cy="1598361"/>
           </a:xfrm>
           <a:prstGeom prst="rect">
@@ -12118,7 +12598,7 @@
         </p:blipFill>
         <p:spPr bwMode="auto">
           <a:xfrm rot="20848700">
-            <a:off x="2243174" y="2376498"/>
+            <a:off x="4953095" y="2610450"/>
             <a:ext cx="1351756" cy="1351756"/>
           </a:xfrm>
           <a:prstGeom prst="rect">
@@ -12159,7 +12639,7 @@
         </p:blipFill>
         <p:spPr bwMode="auto">
           <a:xfrm>
-            <a:off x="2121260" y="3946143"/>
+            <a:off x="3707904" y="4238798"/>
             <a:ext cx="1466682" cy="1200551"/>
           </a:xfrm>
           <a:prstGeom prst="rect">
@@ -12177,55 +12657,6 @@
           </a:extLst>
         </p:spPr>
       </p:pic>
-      <p:sp>
-        <p:nvSpPr>
-          <p:cNvPr id="10" name="Pfeil nach rechts 9"/>
-          <p:cNvSpPr/>
-          <p:nvPr/>
-        </p:nvSpPr>
-        <p:spPr>
-          <a:xfrm>
-            <a:off x="4113878" y="3638524"/>
-            <a:ext cx="1205961" cy="484804"/>
-          </a:xfrm>
-          <a:prstGeom prst="rightArrow">
-            <a:avLst/>
-          </a:prstGeom>
-          <a:solidFill>
-            <a:schemeClr val="tx2">
-              <a:lumMod val="60000"/>
-              <a:lumOff val="40000"/>
-            </a:schemeClr>
-          </a:solidFill>
-          <a:ln>
-            <a:noFill/>
-          </a:ln>
-        </p:spPr>
-        <p:style>
-          <a:lnRef idx="2">
-            <a:schemeClr val="accent1">
-              <a:shade val="50000"/>
-            </a:schemeClr>
-          </a:lnRef>
-          <a:fillRef idx="1">
-            <a:schemeClr val="accent1"/>
-          </a:fillRef>
-          <a:effectRef idx="0">
-            <a:schemeClr val="accent1"/>
-          </a:effectRef>
-          <a:fontRef idx="minor">
-            <a:schemeClr val="lt1"/>
-          </a:fontRef>
-        </p:style>
-        <p:txBody>
-          <a:bodyPr rtlCol="0" anchor="ctr"/>
-          <a:lstStyle/>
-          <a:p>
-            <a:pPr algn="ctr"/>
-            <a:endParaRPr lang="de-AT"/>
-          </a:p>
-        </p:txBody>
-      </p:sp>
     </p:spTree>
     <p:extLst>
       <p:ext uri="{BB962C8B-B14F-4D97-AF65-F5344CB8AC3E}">
@@ -12273,143 +12704,48 @@
             <p:ph type="title"/>
           </p:nvPr>
         </p:nvSpPr>
+        <p:spPr>
+          <a:xfrm>
+            <a:off x="857224" y="1285860"/>
+            <a:ext cx="7429552" cy="630972"/>
+          </a:xfrm>
+        </p:spPr>
+        <p:txBody>
+          <a:bodyPr/>
+          <a:lstStyle/>
+          <a:p>
+            <a:r>
+              <a:rPr lang="de-AT" dirty="0" smtClean="0"/>
+              <a:t>Wrapper </a:t>
+            </a:r>
+            <a:r>
+              <a:rPr lang="de-AT" dirty="0" err="1" smtClean="0"/>
+              <a:t>methods</a:t>
+            </a:r>
+            <a:endParaRPr lang="de-AT" dirty="0"/>
+          </a:p>
+        </p:txBody>
+      </p:sp>
+      <p:sp>
+        <p:nvSpPr>
+          <p:cNvPr id="6" name="Inhaltsplatzhalter 5"/>
+          <p:cNvSpPr>
+            <a:spLocks noGrp="1"/>
+          </p:cNvSpPr>
+          <p:nvPr>
+            <p:ph idx="1"/>
+          </p:nvPr>
+        </p:nvSpPr>
         <p:spPr/>
         <p:txBody>
           <a:bodyPr/>
           <a:lstStyle/>
           <a:p>
-            <a:r>
-              <a:rPr lang="de-AT" dirty="0" smtClean="0"/>
-              <a:t>Embedded  </a:t>
-            </a:r>
-            <a:r>
-              <a:rPr lang="de-AT" dirty="0" err="1" smtClean="0"/>
-              <a:t>methods</a:t>
-            </a:r>
+            <a:pPr marL="0" indent="0"/>
             <a:endParaRPr lang="de-AT" dirty="0"/>
           </a:p>
-        </p:txBody>
-      </p:sp>
-      <p:sp>
-        <p:nvSpPr>
-          <p:cNvPr id="6" name="Inhaltsplatzhalter 5"/>
-          <p:cNvSpPr>
-            <a:spLocks noGrp="1"/>
-          </p:cNvSpPr>
-          <p:nvPr>
-            <p:ph idx="1"/>
-          </p:nvPr>
-        </p:nvSpPr>
-        <p:spPr/>
-        <p:txBody>
-          <a:bodyPr/>
-          <a:lstStyle/>
-          <a:p>
-            <a:pPr>
-              <a:buFont typeface="Arial" panose="020B0604020202020204" pitchFamily="34" charset="0"/>
-              <a:buChar char="•"/>
-            </a:pPr>
-            <a:r>
-              <a:rPr lang="de-AT" dirty="0" smtClean="0"/>
-              <a:t>Hard </a:t>
-            </a:r>
-            <a:r>
-              <a:rPr lang="de-AT" dirty="0" err="1" smtClean="0"/>
-              <a:t>to</a:t>
-            </a:r>
-            <a:r>
-              <a:rPr lang="de-AT" dirty="0" smtClean="0"/>
-              <a:t> </a:t>
-            </a:r>
-            <a:r>
-              <a:rPr lang="de-AT" dirty="0" err="1" smtClean="0"/>
-              <a:t>seperate</a:t>
-            </a:r>
-            <a:r>
-              <a:rPr lang="de-AT" dirty="0" smtClean="0"/>
-              <a:t> </a:t>
-            </a:r>
-            <a:r>
-              <a:rPr lang="de-AT" dirty="0" err="1" smtClean="0"/>
-              <a:t>feature</a:t>
-            </a:r>
-            <a:r>
-              <a:rPr lang="de-AT" dirty="0" smtClean="0"/>
-              <a:t> </a:t>
-            </a:r>
-            <a:r>
-              <a:rPr lang="de-AT" dirty="0" err="1" smtClean="0"/>
-              <a:t>selection</a:t>
-            </a:r>
-            <a:r>
-              <a:rPr lang="de-AT" dirty="0"/>
-              <a:t> </a:t>
-            </a:r>
-            <a:r>
-              <a:rPr lang="de-AT" dirty="0" err="1" smtClean="0"/>
-              <a:t>and</a:t>
-            </a:r>
-            <a:r>
-              <a:rPr lang="de-AT" dirty="0" smtClean="0"/>
-              <a:t> </a:t>
-            </a:r>
-            <a:r>
-              <a:rPr lang="de-AT" dirty="0" err="1" smtClean="0"/>
-              <a:t>learning</a:t>
-            </a:r>
-            <a:endParaRPr lang="de-AT" dirty="0" smtClean="0"/>
-          </a:p>
-          <a:p>
-            <a:pPr>
-              <a:buFont typeface="Arial" panose="020B0604020202020204" pitchFamily="34" charset="0"/>
-              <a:buChar char="•"/>
-            </a:pPr>
-            <a:r>
-              <a:rPr lang="de-AT" dirty="0" smtClean="0"/>
-              <a:t>Hard </a:t>
-            </a:r>
-            <a:r>
-              <a:rPr lang="de-AT" dirty="0" err="1" smtClean="0"/>
-              <a:t>to</a:t>
-            </a:r>
-            <a:r>
-              <a:rPr lang="de-AT" dirty="0" smtClean="0"/>
-              <a:t> </a:t>
-            </a:r>
-            <a:r>
-              <a:rPr lang="de-AT" dirty="0" err="1" smtClean="0"/>
-              <a:t>characterize</a:t>
-            </a:r>
-            <a:endParaRPr lang="de-AT" dirty="0" smtClean="0"/>
-          </a:p>
-          <a:p>
-            <a:pPr>
-              <a:buFont typeface="Arial" panose="020B0604020202020204" pitchFamily="34" charset="0"/>
-              <a:buChar char="•"/>
-            </a:pPr>
-            <a:endParaRPr lang="de-AT" dirty="0"/>
-          </a:p>
-          <a:p>
-            <a:pPr>
-              <a:buFont typeface="Arial" panose="020B0604020202020204" pitchFamily="34" charset="0"/>
-              <a:buChar char="•"/>
-            </a:pPr>
-            <a:r>
-              <a:rPr lang="de-AT" dirty="0" err="1" smtClean="0"/>
-              <a:t>Examples</a:t>
-            </a:r>
-            <a:r>
-              <a:rPr lang="de-AT" dirty="0" smtClean="0"/>
-              <a:t>: SVM, linear </a:t>
-            </a:r>
-            <a:r>
-              <a:rPr lang="de-AT" dirty="0" err="1" smtClean="0"/>
-              <a:t>regression</a:t>
-            </a:r>
-            <a:r>
-              <a:rPr lang="de-AT" dirty="0" smtClean="0"/>
-              <a:t> </a:t>
-            </a:r>
+          <a:p>
+            <a:pPr marL="0" indent="0"/>
             <a:endParaRPr lang="de-AT" dirty="0"/>
           </a:p>
         </p:txBody>
@@ -12432,7 +12768,7 @@
             <a:pPr>
               <a:defRPr/>
             </a:pPr>
-            <a:fld id="{214F5F98-C06E-4B49-A19C-86E8EF8C3A8B}" type="datetime1">
+            <a:fld id="{A99E4E83-FA2E-46A0-B301-8CE1B5AC943C}" type="datetime1">
               <a:rPr lang="de-AT" smtClean="0"/>
               <a:t>25.01.2016</a:t>
             </a:fld>
@@ -12490,57 +12826,16 @@
           </a:p>
         </p:txBody>
       </p:sp>
-      <p:pic>
-        <p:nvPicPr>
-          <p:cNvPr id="7" name="Picture 2" descr="https://encrypted-tbn1.gstatic.com/images?q=tbn:ANd9GcSHeZd9qwTw6uYFPJLtfTdhQ1pxTKLiDaGL0fIY7E0Fs5uVBNUNuA"/>
-          <p:cNvPicPr>
-            <a:picLocks noChangeAspect="1" noChangeArrowheads="1"/>
-          </p:cNvPicPr>
-          <p:nvPr/>
-        </p:nvPicPr>
-        <p:blipFill>
-          <a:blip r:embed="rId3">
-            <a:extLst>
-              <a:ext uri="{28A0092B-C50C-407E-A947-70E740481C1C}">
-                <a14:useLocalDpi xmlns:a14="http://schemas.microsoft.com/office/drawing/2010/main" val="0"/>
-              </a:ext>
-            </a:extLst>
-          </a:blip>
-          <a:srcRect/>
-          <a:stretch>
-            <a:fillRect/>
-          </a:stretch>
-        </p:blipFill>
-        <p:spPr bwMode="auto">
-          <a:xfrm>
-            <a:off x="7524328" y="1120242"/>
-            <a:ext cx="661356" cy="1232116"/>
-          </a:xfrm>
-          <a:prstGeom prst="rect">
-            <a:avLst/>
-          </a:prstGeom>
-          <a:noFill/>
-          <a:extLst>
-            <a:ext uri="{909E8E84-426E-40DD-AFC4-6F175D3DCCD1}">
-              <a14:hiddenFill xmlns:a14="http://schemas.microsoft.com/office/drawing/2010/main">
-                <a:solidFill>
-                  <a:srgbClr val="FFFFFF"/>
-                </a:solidFill>
-              </a14:hiddenFill>
-            </a:ext>
-          </a:extLst>
-        </p:spPr>
-      </p:pic>
-      <p:sp>
-        <p:nvSpPr>
-          <p:cNvPr id="8" name="Nach rechts gekrümmter Pfeil 7"/>
+      <p:sp>
+        <p:nvSpPr>
+          <p:cNvPr id="7" name="Nach rechts gekrümmter Pfeil 6"/>
           <p:cNvSpPr/>
           <p:nvPr/>
         </p:nvSpPr>
         <p:spPr>
           <a:xfrm>
-            <a:off x="6720011" y="1455889"/>
-            <a:ext cx="616412" cy="821882"/>
+            <a:off x="7308304" y="1285860"/>
+            <a:ext cx="703789" cy="938385"/>
           </a:xfrm>
           <a:prstGeom prst="curvedRightArrow">
             <a:avLst/>
@@ -12581,10 +12876,130 @@
           </a:p>
         </p:txBody>
       </p:sp>
+      <p:pic>
+        <p:nvPicPr>
+          <p:cNvPr id="8" name="Grafik 7"/>
+          <p:cNvPicPr>
+            <a:picLocks noChangeAspect="1"/>
+          </p:cNvPicPr>
+          <p:nvPr/>
+        </p:nvPicPr>
+        <p:blipFill>
+          <a:blip r:embed="rId3"/>
+          <a:stretch>
+            <a:fillRect/>
+          </a:stretch>
+        </p:blipFill>
+        <p:spPr>
+          <a:xfrm>
+            <a:off x="323528" y="1931573"/>
+            <a:ext cx="6900891" cy="4449755"/>
+          </a:xfrm>
+          <a:prstGeom prst="rect">
+            <a:avLst/>
+          </a:prstGeom>
+        </p:spPr>
+      </p:pic>
+      <p:sp>
+        <p:nvSpPr>
+          <p:cNvPr id="9" name="Rechteck 8"/>
+          <p:cNvSpPr/>
+          <p:nvPr/>
+        </p:nvSpPr>
+        <p:spPr>
+          <a:xfrm>
+            <a:off x="2188096" y="5229200"/>
+            <a:ext cx="2239888" cy="360040"/>
+          </a:xfrm>
+          <a:prstGeom prst="rect">
+            <a:avLst/>
+          </a:prstGeom>
+          <a:solidFill>
+            <a:srgbClr val="FF0000">
+              <a:alpha val="45098"/>
+            </a:srgbClr>
+          </a:solidFill>
+          <a:ln>
+            <a:noFill/>
+          </a:ln>
+        </p:spPr>
+        <p:style>
+          <a:lnRef idx="2">
+            <a:schemeClr val="accent1">
+              <a:shade val="50000"/>
+            </a:schemeClr>
+          </a:lnRef>
+          <a:fillRef idx="1">
+            <a:schemeClr val="accent1"/>
+          </a:fillRef>
+          <a:effectRef idx="0">
+            <a:schemeClr val="accent1"/>
+          </a:effectRef>
+          <a:fontRef idx="minor">
+            <a:schemeClr val="lt1"/>
+          </a:fontRef>
+        </p:style>
+        <p:txBody>
+          <a:bodyPr rtlCol="0" anchor="ctr"/>
+          <a:lstStyle/>
+          <a:p>
+            <a:pPr algn="ctr"/>
+            <a:endParaRPr lang="de-AT" dirty="0"/>
+          </a:p>
+        </p:txBody>
+      </p:sp>
+      <p:sp>
+        <p:nvSpPr>
+          <p:cNvPr id="10" name="Rechteck 9"/>
+          <p:cNvSpPr/>
+          <p:nvPr/>
+        </p:nvSpPr>
+        <p:spPr>
+          <a:xfrm>
+            <a:off x="5724128" y="2260737"/>
+            <a:ext cx="1296144" cy="806892"/>
+          </a:xfrm>
+          <a:prstGeom prst="rect">
+            <a:avLst/>
+          </a:prstGeom>
+          <a:solidFill>
+            <a:srgbClr val="FF0000">
+              <a:alpha val="45098"/>
+            </a:srgbClr>
+          </a:solidFill>
+          <a:ln>
+            <a:noFill/>
+          </a:ln>
+        </p:spPr>
+        <p:style>
+          <a:lnRef idx="2">
+            <a:schemeClr val="accent1">
+              <a:shade val="50000"/>
+            </a:schemeClr>
+          </a:lnRef>
+          <a:fillRef idx="1">
+            <a:schemeClr val="accent1"/>
+          </a:fillRef>
+          <a:effectRef idx="0">
+            <a:schemeClr val="accent1"/>
+          </a:effectRef>
+          <a:fontRef idx="minor">
+            <a:schemeClr val="lt1"/>
+          </a:fontRef>
+        </p:style>
+        <p:txBody>
+          <a:bodyPr rtlCol="0" anchor="ctr"/>
+          <a:lstStyle/>
+          <a:p>
+            <a:pPr algn="ctr"/>
+            <a:endParaRPr lang="de-AT" dirty="0"/>
+          </a:p>
+        </p:txBody>
+      </p:sp>
     </p:spTree>
     <p:extLst>
       <p:ext uri="{BB962C8B-B14F-4D97-AF65-F5344CB8AC3E}">
-        <p14:creationId xmlns:p14="http://schemas.microsoft.com/office/powerpoint/2010/main" val="1960767466"/>
+        <p14:creationId xmlns:p14="http://schemas.microsoft.com/office/powerpoint/2010/main" val="202100744"/>
       </p:ext>
     </p:extLst>
   </p:cSld>
@@ -12620,7 +13035,7 @@
       </p:grpSpPr>
       <p:sp>
         <p:nvSpPr>
-          <p:cNvPr id="5" name="Titel 4"/>
+          <p:cNvPr id="8" name="Titel 7"/>
           <p:cNvSpPr>
             <a:spLocks noGrp="1"/>
           </p:cNvSpPr>
@@ -12635,15 +13050,11 @@
           <a:p>
             <a:r>
               <a:rPr lang="de-AT" dirty="0" smtClean="0"/>
-              <a:t>Structured </a:t>
-            </a:r>
-            <a:r>
-              <a:rPr lang="de-AT" dirty="0" err="1" smtClean="0"/>
-              <a:t>features</a:t>
-            </a:r>
-            <a:r>
-              <a:rPr lang="de-AT" dirty="0" smtClean="0"/>
-              <a:t> </a:t>
+              <a:t>Wrapper </a:t>
+            </a:r>
+            <a:r>
+              <a:rPr lang="de-AT" dirty="0" err="1" smtClean="0"/>
+              <a:t>methods</a:t>
             </a:r>
             <a:endParaRPr lang="de-AT" dirty="0"/>
           </a:p>
@@ -12651,7 +13062,7 @@
       </p:sp>
       <p:sp>
         <p:nvSpPr>
-          <p:cNvPr id="6" name="Inhaltsplatzhalter 5"/>
+          <p:cNvPr id="9" name="Inhaltsplatzhalter 8"/>
           <p:cNvSpPr>
             <a:spLocks noGrp="1"/>
           </p:cNvSpPr>
@@ -12664,130 +13075,116 @@
           <a:bodyPr/>
           <a:lstStyle/>
           <a:p>
-            <a:pPr>
-              <a:buFont typeface="Arial" panose="020B0604020202020204" pitchFamily="34" charset="0"/>
-              <a:buChar char="•"/>
+            <a:pPr marL="457200" indent="-457200">
+              <a:buFont typeface="+mj-lt"/>
+              <a:buAutoNum type="arabicPeriod"/>
             </a:pPr>
             <a:r>
+              <a:rPr lang="de-AT" dirty="0" smtClean="0"/>
+              <a:t>Search </a:t>
+            </a:r>
+            <a:r>
+              <a:rPr lang="de-AT" dirty="0" err="1" smtClean="0"/>
+              <a:t>routine</a:t>
+            </a:r>
+            <a:r>
+              <a:rPr lang="de-AT" dirty="0" smtClean="0"/>
+              <a:t>:</a:t>
+            </a:r>
+          </a:p>
+          <a:p>
+            <a:pPr lvl="1"/>
+            <a:r>
+              <a:rPr lang="de-AT" dirty="0" err="1" smtClean="0"/>
+              <a:t>Greedy</a:t>
+            </a:r>
+            <a:r>
+              <a:rPr lang="de-AT" dirty="0" smtClean="0"/>
+              <a:t> </a:t>
+            </a:r>
+            <a:r>
+              <a:rPr lang="de-AT" dirty="0" err="1" smtClean="0"/>
+              <a:t>search</a:t>
+            </a:r>
+            <a:r>
+              <a:rPr lang="de-AT" dirty="0" smtClean="0"/>
+              <a:t>, </a:t>
+            </a:r>
+            <a:r>
+              <a:rPr lang="de-AT" dirty="0" err="1" smtClean="0"/>
+              <a:t>Branch</a:t>
+            </a:r>
+            <a:r>
+              <a:rPr lang="de-AT" dirty="0" smtClean="0"/>
+              <a:t> </a:t>
+            </a:r>
+            <a:r>
               <a:rPr lang="de-AT" dirty="0" err="1"/>
-              <a:t>Certain</a:t>
+              <a:t>and</a:t>
             </a:r>
             <a:r>
               <a:rPr lang="de-AT" dirty="0"/>
               <a:t> </a:t>
             </a:r>
             <a:r>
-              <a:rPr lang="de-AT" dirty="0" err="1"/>
-              <a:t>assumption</a:t>
-            </a:r>
-            <a:r>
-              <a:rPr lang="de-AT" dirty="0"/>
-              <a:t> </a:t>
-            </a:r>
-            <a:r>
-              <a:rPr lang="de-AT" dirty="0" err="1"/>
-              <a:t>about</a:t>
-            </a:r>
-            <a:r>
-              <a:rPr lang="de-AT" dirty="0"/>
-              <a:t> </a:t>
-            </a:r>
-            <a:r>
-              <a:rPr lang="de-AT" dirty="0" err="1"/>
-              <a:t>structure</a:t>
-            </a:r>
+              <a:rPr lang="de-AT" dirty="0" err="1" smtClean="0"/>
+              <a:t>Bound</a:t>
+            </a:r>
+            <a:r>
+              <a:rPr lang="de-AT" dirty="0" smtClean="0"/>
+              <a:t>,</a:t>
+            </a:r>
+            <a:br>
+              <a:rPr lang="de-AT" dirty="0" smtClean="0"/>
+            </a:br>
+            <a:r>
+              <a:rPr lang="de-AT" dirty="0" err="1" smtClean="0"/>
+              <a:t>Genetic</a:t>
+            </a:r>
+            <a:r>
+              <a:rPr lang="de-AT" dirty="0" smtClean="0"/>
+              <a:t> </a:t>
+            </a:r>
+            <a:r>
+              <a:rPr lang="de-AT" dirty="0" err="1" smtClean="0"/>
+              <a:t>Algorithms</a:t>
+            </a:r>
+            <a:r>
+              <a:rPr lang="de-AT" dirty="0" smtClean="0"/>
+              <a:t> …</a:t>
+            </a:r>
+            <a:br>
+              <a:rPr lang="de-AT" dirty="0" smtClean="0"/>
+            </a:br>
             <a:endParaRPr lang="de-AT" dirty="0"/>
           </a:p>
           <a:p>
-            <a:pPr>
-              <a:buFont typeface="Arial" panose="020B0604020202020204" pitchFamily="34" charset="0"/>
-              <a:buChar char="•"/>
+            <a:pPr marL="457200" indent="-457200">
+              <a:buFont typeface="+mj-lt"/>
+              <a:buAutoNum type="arabicPeriod"/>
             </a:pPr>
             <a:r>
-              <a:rPr lang="de-AT" dirty="0" smtClean="0"/>
-              <a:t>Outperform </a:t>
-            </a:r>
-            <a:r>
-              <a:rPr lang="de-AT" dirty="0"/>
-              <a:t>flat </a:t>
-            </a:r>
-            <a:r>
-              <a:rPr lang="de-AT" dirty="0" err="1"/>
-              <a:t>feature</a:t>
-            </a:r>
-            <a:r>
-              <a:rPr lang="de-AT" dirty="0"/>
-              <a:t> </a:t>
-            </a:r>
-            <a:r>
-              <a:rPr lang="de-AT" dirty="0" err="1"/>
-              <a:t>methods</a:t>
+              <a:rPr lang="de-AT" dirty="0" err="1" smtClean="0"/>
+              <a:t>Classifier</a:t>
+            </a:r>
+            <a:r>
+              <a:rPr lang="de-AT" dirty="0" smtClean="0"/>
+              <a:t>:</a:t>
+            </a:r>
+          </a:p>
+          <a:p>
+            <a:pPr lvl="1"/>
+            <a:r>
+              <a:rPr lang="de-AT" dirty="0" smtClean="0"/>
+              <a:t>SVM, KNN,….</a:t>
             </a:r>
             <a:endParaRPr lang="de-AT" dirty="0"/>
           </a:p>
-          <a:p>
-            <a:pPr>
-              <a:buFont typeface="Arial" panose="020B0604020202020204" pitchFamily="34" charset="0"/>
-              <a:buChar char="•"/>
-            </a:pPr>
-            <a:r>
-              <a:rPr lang="de-AT" dirty="0" smtClean="0"/>
-              <a:t>(</a:t>
-            </a:r>
-            <a:r>
-              <a:rPr lang="de-AT" dirty="0" err="1"/>
-              <a:t>Bsp</a:t>
-            </a:r>
-            <a:r>
-              <a:rPr lang="de-AT" dirty="0"/>
-              <a:t> </a:t>
-            </a:r>
-            <a:r>
-              <a:rPr lang="de-AT" dirty="0" err="1"/>
-              <a:t>tree-structure</a:t>
-            </a:r>
-            <a:r>
-              <a:rPr lang="de-AT" dirty="0"/>
-              <a:t> - </a:t>
-            </a:r>
-            <a:r>
-              <a:rPr lang="de-AT" dirty="0" err="1"/>
-              <a:t>evtl</a:t>
-            </a:r>
-            <a:r>
-              <a:rPr lang="de-AT" dirty="0"/>
-              <a:t> sogar was konkretes, </a:t>
-            </a:r>
-            <a:r>
-              <a:rPr lang="de-AT" dirty="0" err="1"/>
-              <a:t>f.ex</a:t>
-            </a:r>
-            <a:r>
-              <a:rPr lang="de-AT" dirty="0"/>
-              <a:t>. alter/</a:t>
-            </a:r>
-            <a:r>
-              <a:rPr lang="de-AT" dirty="0" err="1"/>
-              <a:t>jahre</a:t>
-            </a:r>
-            <a:r>
-              <a:rPr lang="de-AT" dirty="0"/>
-              <a:t>/</a:t>
-            </a:r>
-            <a:r>
-              <a:rPr lang="de-AT" dirty="0" err="1"/>
-              <a:t>monate</a:t>
-            </a:r>
-            <a:r>
-              <a:rPr lang="de-AT" dirty="0"/>
-              <a:t> ?!)</a:t>
-            </a:r>
-          </a:p>
-        </p:txBody>
-      </p:sp>
-      <p:sp>
-        <p:nvSpPr>
-          <p:cNvPr id="2" name="Datumsplatzhalter 1"/>
+        </p:txBody>
+      </p:sp>
+      <p:sp>
+        <p:nvSpPr>
+          <p:cNvPr id="5" name="Datumsplatzhalter 4"/>
           <p:cNvSpPr>
             <a:spLocks noGrp="1"/>
           </p:cNvSpPr>
@@ -12803,17 +13200,17 @@
             <a:pPr>
               <a:defRPr/>
             </a:pPr>
-            <a:fld id="{7F9F0724-28A3-464E-9206-291DC7902ABF}" type="datetime1">
+            <a:fld id="{F730624D-5A85-4FAC-A8C2-B755D15BE30C}" type="datetime1">
               <a:rPr lang="de-AT" smtClean="0"/>
-              <a:t>25.01.2016</a:t>
+              <a:t>26.01.2016</a:t>
             </a:fld>
-            <a:endParaRPr lang="de-AT" dirty="0"/>
-          </a:p>
-        </p:txBody>
-      </p:sp>
-      <p:sp>
-        <p:nvSpPr>
-          <p:cNvPr id="3" name="Fußzeilenplatzhalter 2"/>
+            <a:endParaRPr lang="de-DE" dirty="0"/>
+          </a:p>
+        </p:txBody>
+      </p:sp>
+      <p:sp>
+        <p:nvSpPr>
+          <p:cNvPr id="6" name="Fußzeilenplatzhalter 5"/>
           <p:cNvSpPr>
             <a:spLocks noGrp="1"/>
           </p:cNvSpPr>
@@ -12830,16 +13227,16 @@
               <a:defRPr/>
             </a:pPr>
             <a:r>
-              <a:rPr lang="de-AT" smtClean="0"/>
+              <a:rPr lang="de-DE" smtClean="0"/>
               <a:t>Silvana Podaras &amp; Florian Schober</a:t>
             </a:r>
-            <a:endParaRPr lang="de-AT"/>
-          </a:p>
-        </p:txBody>
-      </p:sp>
-      <p:sp>
-        <p:nvSpPr>
-          <p:cNvPr id="4" name="Foliennummernplatzhalter 3"/>
+            <a:endParaRPr lang="de-DE"/>
+          </a:p>
+        </p:txBody>
+      </p:sp>
+      <p:sp>
+        <p:nvSpPr>
+          <p:cNvPr id="7" name="Foliennummernplatzhalter 6"/>
           <p:cNvSpPr>
             <a:spLocks noGrp="1"/>
           </p:cNvSpPr>
@@ -12852,32 +13249,75 @@
           <a:bodyPr/>
           <a:lstStyle/>
           <a:p>
-            <a:fld id="{CA3F91B5-C267-4146-949F-EABEA95DB02A}" type="slidenum">
-              <a:rPr lang="de-AT" altLang="de-DE" smtClean="0"/>
+            <a:fld id="{E7C81DBF-6C1A-4CEB-BBA0-5651AFB5C718}" type="slidenum">
+              <a:rPr lang="de-DE" altLang="de-DE" smtClean="0"/>
               <a:pPr/>
               <a:t>21</a:t>
             </a:fld>
-            <a:endParaRPr lang="de-AT" altLang="de-DE"/>
+            <a:endParaRPr lang="de-DE" altLang="de-DE"/>
+          </a:p>
+        </p:txBody>
+      </p:sp>
+      <p:sp>
+        <p:nvSpPr>
+          <p:cNvPr id="10" name="Nach rechts gekrümmter Pfeil 9"/>
+          <p:cNvSpPr/>
+          <p:nvPr/>
+        </p:nvSpPr>
+        <p:spPr>
+          <a:xfrm>
+            <a:off x="7308304" y="1285860"/>
+            <a:ext cx="703789" cy="938385"/>
+          </a:xfrm>
+          <a:prstGeom prst="curvedRightArrow">
+            <a:avLst/>
+          </a:prstGeom>
+          <a:solidFill>
+            <a:schemeClr val="tx1"/>
+          </a:solidFill>
+          <a:ln>
+            <a:noFill/>
+          </a:ln>
+        </p:spPr>
+        <p:style>
+          <a:lnRef idx="2">
+            <a:schemeClr val="accent1">
+              <a:shade val="50000"/>
+            </a:schemeClr>
+          </a:lnRef>
+          <a:fillRef idx="1">
+            <a:schemeClr val="accent1"/>
+          </a:fillRef>
+          <a:effectRef idx="0">
+            <a:schemeClr val="accent1"/>
+          </a:effectRef>
+          <a:fontRef idx="minor">
+            <a:schemeClr val="lt1"/>
+          </a:fontRef>
+        </p:style>
+        <p:txBody>
+          <a:bodyPr rtlCol="0" anchor="ctr"/>
+          <a:lstStyle/>
+          <a:p>
+            <a:pPr algn="ctr"/>
+            <a:endParaRPr lang="de-AT">
+              <a:solidFill>
+                <a:schemeClr val="tx1"/>
+              </a:solidFill>
+            </a:endParaRPr>
           </a:p>
         </p:txBody>
       </p:sp>
     </p:spTree>
     <p:extLst>
       <p:ext uri="{BB962C8B-B14F-4D97-AF65-F5344CB8AC3E}">
-        <p14:creationId xmlns:p14="http://schemas.microsoft.com/office/powerpoint/2010/main" val="218227754"/>
+        <p14:creationId xmlns:p14="http://schemas.microsoft.com/office/powerpoint/2010/main" val="1677994283"/>
       </p:ext>
     </p:extLst>
   </p:cSld>
   <p:clrMapOvr>
     <a:masterClrMapping/>
   </p:clrMapOvr>
-  <p:timing>
-    <p:tnLst>
-      <p:par>
-        <p:cTn id="1" dur="indefinite" restart="never" nodeType="tmRoot"/>
-      </p:par>
-    </p:tnLst>
-  </p:timing>
 </p:sld>
 </file>
 
@@ -12914,32 +13354,12 @@
           <a:lstStyle/>
           <a:p>
             <a:r>
-              <a:rPr lang="de-AT" dirty="0" err="1" smtClean="0"/>
-              <a:t>Methods</a:t>
-            </a:r>
-            <a:r>
-              <a:rPr lang="de-AT" dirty="0" smtClean="0"/>
-              <a:t> </a:t>
-            </a:r>
-            <a:r>
-              <a:rPr lang="de-AT" dirty="0" err="1" smtClean="0"/>
-              <a:t>for</a:t>
-            </a:r>
-            <a:r>
-              <a:rPr lang="de-AT" dirty="0" smtClean="0"/>
-              <a:t> </a:t>
-            </a:r>
-            <a:r>
-              <a:rPr lang="de-AT" dirty="0" err="1" smtClean="0"/>
-              <a:t>structured</a:t>
-            </a:r>
-            <a:r>
-              <a:rPr lang="de-AT" dirty="0" smtClean="0"/>
-              <a:t> </a:t>
-            </a:r>
-            <a:r>
-              <a:rPr lang="de-AT" dirty="0" err="1" smtClean="0"/>
-              <a:t>features</a:t>
+              <a:rPr lang="de-AT" dirty="0" smtClean="0"/>
+              <a:t>Embedded </a:t>
+            </a:r>
+            <a:r>
+              <a:rPr lang="de-AT" dirty="0" err="1" smtClean="0"/>
+              <a:t>methods</a:t>
             </a:r>
             <a:endParaRPr lang="de-AT" dirty="0"/>
           </a:p>
@@ -12959,15 +13379,66 @@
         <p:txBody>
           <a:bodyPr/>
           <a:lstStyle/>
+          <a:p>
+            <a:pPr marL="0" indent="0"/>
+            <a:r>
+              <a:rPr lang="de-AT" b="1" dirty="0" smtClean="0"/>
+              <a:t>Hybrid:</a:t>
+            </a:r>
+          </a:p>
           <a:p>
             <a:pPr>
               <a:buFont typeface="Arial" panose="020B0604020202020204" pitchFamily="34" charset="0"/>
               <a:buChar char="•"/>
             </a:pPr>
             <a:r>
-              <a:rPr lang="de-AT" dirty="0"/>
-              <a:t>Group </a:t>
-            </a:r>
+              <a:rPr lang="de-AT" dirty="0" smtClean="0"/>
+              <a:t>Combine </a:t>
+            </a:r>
+            <a:r>
+              <a:rPr lang="de-AT" dirty="0" err="1" smtClean="0"/>
+              <a:t>benefits</a:t>
+            </a:r>
+            <a:r>
+              <a:rPr lang="de-AT" dirty="0" smtClean="0"/>
+              <a:t> </a:t>
+            </a:r>
+            <a:r>
+              <a:rPr lang="de-AT" dirty="0" err="1" smtClean="0"/>
+              <a:t>of</a:t>
+            </a:r>
+            <a:r>
+              <a:rPr lang="de-AT" dirty="0" smtClean="0"/>
+              <a:t> </a:t>
+            </a:r>
+            <a:r>
+              <a:rPr lang="de-AT" dirty="0" err="1" smtClean="0"/>
+              <a:t>filters</a:t>
+            </a:r>
+            <a:r>
+              <a:rPr lang="de-AT" dirty="0" smtClean="0"/>
+              <a:t> </a:t>
+            </a:r>
+            <a:r>
+              <a:rPr lang="de-AT" dirty="0" err="1" smtClean="0"/>
+              <a:t>and</a:t>
+            </a:r>
+            <a:r>
+              <a:rPr lang="de-AT" dirty="0" smtClean="0"/>
+              <a:t> </a:t>
+            </a:r>
+            <a:r>
+              <a:rPr lang="de-AT" dirty="0" err="1" smtClean="0"/>
+              <a:t>wrappers</a:t>
+            </a:r>
+            <a:r>
+              <a:rPr lang="de-AT" dirty="0" smtClean="0"/>
+              <a:t> </a:t>
+            </a:r>
+            <a:br>
+              <a:rPr lang="de-AT" dirty="0" smtClean="0"/>
+            </a:br>
+            <a:endParaRPr lang="de-AT" dirty="0" smtClean="0"/>
           </a:p>
           <a:p>
             <a:pPr>
@@ -12975,10 +13446,18 @@
               <a:buChar char="•"/>
             </a:pPr>
             <a:r>
-              <a:rPr lang="de-AT" dirty="0" err="1"/>
-              <a:t>Tree</a:t>
-            </a:r>
-            <a:endParaRPr lang="de-AT" dirty="0"/>
+              <a:rPr lang="de-AT" dirty="0" err="1" smtClean="0"/>
+              <a:t>Computationally</a:t>
+            </a:r>
+            <a:r>
+              <a:rPr lang="de-AT" dirty="0" smtClean="0"/>
+              <a:t> </a:t>
+            </a:r>
+            <a:r>
+              <a:rPr lang="de-AT" dirty="0" err="1" smtClean="0"/>
+              <a:t>efficient</a:t>
+            </a:r>
+            <a:endParaRPr lang="de-AT" dirty="0" smtClean="0"/>
           </a:p>
           <a:p>
             <a:pPr>
@@ -12987,41 +13466,36 @@
             </a:pPr>
             <a:r>
               <a:rPr lang="de-AT" dirty="0" smtClean="0"/>
-              <a:t>Graph</a:t>
-            </a:r>
-          </a:p>
-          <a:p>
+              <a:t>Higher </a:t>
+            </a:r>
+            <a:r>
+              <a:rPr lang="de-AT" dirty="0" err="1" smtClean="0"/>
+              <a:t>quality</a:t>
+            </a:r>
+            <a:r>
+              <a:rPr lang="de-AT" dirty="0" smtClean="0"/>
+              <a:t> </a:t>
+            </a:r>
+            <a:r>
+              <a:rPr lang="de-AT" dirty="0" err="1" smtClean="0"/>
+              <a:t>for</a:t>
+            </a:r>
+            <a:r>
+              <a:rPr lang="de-AT" dirty="0" smtClean="0"/>
+              <a:t> </a:t>
+            </a:r>
+            <a:r>
+              <a:rPr lang="de-AT" dirty="0" err="1" smtClean="0"/>
+              <a:t>classification</a:t>
+            </a:r>
+            <a:endParaRPr lang="de-AT" dirty="0" smtClean="0"/>
+          </a:p>
+          <a:p>
+            <a:pPr>
+              <a:buFont typeface="Arial" panose="020B0604020202020204" pitchFamily="34" charset="0"/>
+              <a:buChar char="•"/>
+            </a:pPr>
             <a:endParaRPr lang="de-AT" dirty="0"/>
-          </a:p>
-          <a:p>
-            <a:r>
-              <a:rPr lang="de-AT" dirty="0"/>
-              <a:t>(</a:t>
-            </a:r>
-            <a:r>
-              <a:rPr lang="de-AT" dirty="0" err="1"/>
-              <a:t>evtl</a:t>
-            </a:r>
-            <a:r>
-              <a:rPr lang="de-AT" dirty="0"/>
-              <a:t> 1-2 </a:t>
-            </a:r>
-            <a:r>
-              <a:rPr lang="de-AT" dirty="0" err="1"/>
-              <a:t>bsp</a:t>
-            </a:r>
-            <a:r>
-              <a:rPr lang="de-AT" dirty="0"/>
-              <a:t> pro </a:t>
-            </a:r>
-            <a:r>
-              <a:rPr lang="de-AT" dirty="0" err="1"/>
-              <a:t>art</a:t>
-            </a:r>
-            <a:r>
-              <a:rPr lang="de-AT" dirty="0"/>
-              <a:t>, fortführendes zeug?) </a:t>
-            </a:r>
           </a:p>
         </p:txBody>
       </p:sp>
@@ -13043,7 +13517,7 @@
             <a:pPr>
               <a:defRPr/>
             </a:pPr>
-            <a:fld id="{E3EF207F-073F-41B4-A8D0-129C1C351EF1}" type="datetime1">
+            <a:fld id="{214F5F98-C06E-4B49-A19C-86E8EF8C3A8B}" type="datetime1">
               <a:rPr lang="de-AT" smtClean="0"/>
               <a:t>25.01.2016</a:t>
             </a:fld>
@@ -13101,10 +13575,67 @@
           </a:p>
         </p:txBody>
       </p:sp>
+      <p:graphicFrame>
+        <p:nvGraphicFramePr>
+          <p:cNvPr id="9" name="Objekt 8"/>
+          <p:cNvGraphicFramePr>
+            <a:graphicFrameLocks noChangeAspect="1"/>
+          </p:cNvGraphicFramePr>
+          <p:nvPr>
+            <p:extLst>
+              <p:ext uri="{D42A27DB-BD31-4B8C-83A1-F6EECF244321}">
+                <p14:modId xmlns:p14="http://schemas.microsoft.com/office/powerpoint/2010/main" val="1354039928"/>
+              </p:ext>
+            </p:extLst>
+          </p:nvPr>
+        </p:nvGraphicFramePr>
+        <p:xfrm>
+          <a:off x="7065567" y="1176529"/>
+          <a:ext cx="1192142" cy="1131431"/>
+        </p:xfrm>
+        <a:graphic>
+          <a:graphicData uri="http://schemas.openxmlformats.org/presentationml/2006/ole">
+            <mc:AlternateContent xmlns:mc="http://schemas.openxmlformats.org/markup-compatibility/2006">
+              <mc:Choice xmlns:v="urn:schemas-microsoft-com:vml" Requires="v">
+                <p:oleObj spid="_x0000_s2051" name="Image" r:id="rId4" imgW="2742840" imgH="2603160" progId="Photoshop.Image.14">
+                  <p:embed/>
+                </p:oleObj>
+              </mc:Choice>
+              <mc:Fallback>
+                <p:oleObj name="Image" r:id="rId4" imgW="2742840" imgH="2603160" progId="Photoshop.Image.14">
+                  <p:embed/>
+                  <p:pic>
+                    <p:nvPicPr>
+                      <p:cNvPr id="0" name=""/>
+                      <p:cNvPicPr/>
+                      <p:nvPr/>
+                    </p:nvPicPr>
+                    <p:blipFill>
+                      <a:blip r:embed="rId5"/>
+                      <a:stretch>
+                        <a:fillRect/>
+                      </a:stretch>
+                    </p:blipFill>
+                    <p:spPr>
+                      <a:xfrm>
+                        <a:off x="7065567" y="1176529"/>
+                        <a:ext cx="1192142" cy="1131431"/>
+                      </a:xfrm>
+                      <a:prstGeom prst="rect">
+                        <a:avLst/>
+                      </a:prstGeom>
+                    </p:spPr>
+                  </p:pic>
+                </p:oleObj>
+              </mc:Fallback>
+            </mc:AlternateContent>
+          </a:graphicData>
+        </a:graphic>
+      </p:graphicFrame>
     </p:spTree>
     <p:extLst>
       <p:ext uri="{BB962C8B-B14F-4D97-AF65-F5344CB8AC3E}">
-        <p14:creationId xmlns:p14="http://schemas.microsoft.com/office/powerpoint/2010/main" val="4076193232"/>
+        <p14:creationId xmlns:p14="http://schemas.microsoft.com/office/powerpoint/2010/main" val="3220308482"/>
       </p:ext>
     </p:extLst>
   </p:cSld>
@@ -13154,8 +13685,12 @@
           <a:lstStyle/>
           <a:p>
             <a:r>
-              <a:rPr lang="de-AT" dirty="0" err="1" smtClean="0"/>
-              <a:t>Applications</a:t>
+              <a:rPr lang="de-AT" dirty="0" smtClean="0"/>
+              <a:t>Embedded </a:t>
+            </a:r>
+            <a:r>
+              <a:rPr lang="de-AT" dirty="0" err="1" smtClean="0"/>
+              <a:t>methods</a:t>
             </a:r>
             <a:endParaRPr lang="de-AT" dirty="0"/>
           </a:p>
@@ -13181,26 +13716,54 @@
               <a:buChar char="•"/>
             </a:pPr>
             <a:r>
-              <a:rPr lang="de-AT" dirty="0" err="1"/>
-              <a:t>Classification</a:t>
+              <a:rPr lang="de-AT" dirty="0" smtClean="0"/>
+              <a:t>Hard </a:t>
+            </a:r>
+            <a:r>
+              <a:rPr lang="de-AT" dirty="0" err="1" smtClean="0"/>
+              <a:t>to</a:t>
+            </a:r>
+            <a:r>
+              <a:rPr lang="de-AT" dirty="0" smtClean="0"/>
+              <a:t> </a:t>
+            </a:r>
+            <a:r>
+              <a:rPr lang="de-AT" dirty="0" err="1" smtClean="0"/>
+              <a:t>seperate</a:t>
+            </a:r>
+            <a:r>
+              <a:rPr lang="de-AT" dirty="0" smtClean="0"/>
+              <a:t> </a:t>
+            </a:r>
+            <a:r>
+              <a:rPr lang="de-AT" dirty="0" err="1" smtClean="0"/>
+              <a:t>feature</a:t>
+            </a:r>
+            <a:r>
+              <a:rPr lang="de-AT" dirty="0" smtClean="0"/>
+              <a:t> </a:t>
+            </a:r>
+            <a:r>
+              <a:rPr lang="de-AT" dirty="0" err="1" smtClean="0"/>
+              <a:t>selection</a:t>
             </a:r>
             <a:r>
               <a:rPr lang="de-AT" dirty="0"/>
-              <a:t>/ </a:t>
-            </a:r>
-            <a:r>
-              <a:rPr lang="de-AT" dirty="0" err="1"/>
-              <a:t>pattern</a:t>
-            </a:r>
-            <a:r>
-              <a:rPr lang="de-AT" dirty="0"/>
-              <a:t> </a:t>
-            </a:r>
-            <a:r>
-              <a:rPr lang="de-AT" dirty="0" err="1"/>
-              <a:t>recognition</a:t>
-            </a:r>
-            <a:endParaRPr lang="de-AT" dirty="0"/>
+              <a:t> </a:t>
+            </a:r>
+            <a:r>
+              <a:rPr lang="de-AT" dirty="0" err="1" smtClean="0"/>
+              <a:t>and</a:t>
+            </a:r>
+            <a:r>
+              <a:rPr lang="de-AT" dirty="0" smtClean="0"/>
+              <a:t> </a:t>
+            </a:r>
+            <a:r>
+              <a:rPr lang="de-AT" dirty="0" err="1" smtClean="0"/>
+              <a:t>learning</a:t>
+            </a:r>
+            <a:endParaRPr lang="de-AT" dirty="0" smtClean="0"/>
           </a:p>
           <a:p>
             <a:pPr>
@@ -13208,23 +13771,77 @@
               <a:buChar char="•"/>
             </a:pPr>
             <a:r>
-              <a:rPr lang="de-AT" dirty="0"/>
-              <a:t>Data </a:t>
-            </a:r>
-            <a:r>
-              <a:rPr lang="de-AT" dirty="0" err="1"/>
-              <a:t>representation</a:t>
-            </a:r>
-            <a:endParaRPr lang="de-AT" dirty="0"/>
+              <a:rPr lang="de-AT" dirty="0" smtClean="0"/>
+              <a:t>Hard </a:t>
+            </a:r>
+            <a:r>
+              <a:rPr lang="de-AT" dirty="0" err="1" smtClean="0"/>
+              <a:t>to</a:t>
+            </a:r>
+            <a:r>
+              <a:rPr lang="de-AT" dirty="0" smtClean="0"/>
+              <a:t> </a:t>
+            </a:r>
+            <a:r>
+              <a:rPr lang="de-AT" dirty="0" err="1" smtClean="0"/>
+              <a:t>characterize</a:t>
+            </a:r>
+            <a:endParaRPr lang="de-AT" dirty="0" smtClean="0"/>
           </a:p>
           <a:p>
             <a:pPr>
               <a:buFont typeface="Arial" panose="020B0604020202020204" pitchFamily="34" charset="0"/>
               <a:buChar char="•"/>
             </a:pPr>
-            <a:r>
-              <a:rPr lang="de-AT" dirty="0" err="1"/>
-              <a:t>Prediction</a:t>
+            <a:endParaRPr lang="de-AT" dirty="0"/>
+          </a:p>
+          <a:p>
+            <a:pPr>
+              <a:buFont typeface="Arial" panose="020B0604020202020204" pitchFamily="34" charset="0"/>
+              <a:buChar char="•"/>
+            </a:pPr>
+            <a:r>
+              <a:rPr lang="de-AT" dirty="0" err="1" smtClean="0"/>
+              <a:t>Examples</a:t>
+            </a:r>
+            <a:r>
+              <a:rPr lang="de-AT" dirty="0" smtClean="0"/>
+              <a:t>: SVM, linear </a:t>
+            </a:r>
+            <a:r>
+              <a:rPr lang="de-AT" dirty="0" err="1" smtClean="0"/>
+              <a:t>regression</a:t>
+            </a:r>
+            <a:r>
+              <a:rPr lang="de-AT" dirty="0" smtClean="0"/>
+              <a:t>,</a:t>
+            </a:r>
+            <a:r>
+              <a:rPr lang="de-AT" dirty="0"/>
+              <a:t> </a:t>
+            </a:r>
+            <a:r>
+              <a:rPr lang="de-AT" dirty="0" smtClean="0"/>
+              <a:t/>
+            </a:r>
+            <a:br>
+              <a:rPr lang="de-AT" dirty="0" smtClean="0"/>
+            </a:br>
+            <a:r>
+              <a:rPr lang="de-AT" dirty="0" smtClean="0"/>
+              <a:t>C4.5 </a:t>
+            </a:r>
+            <a:r>
+              <a:rPr lang="de-AT" dirty="0" err="1" smtClean="0"/>
+              <a:t>algorithm</a:t>
+            </a:r>
+            <a:r>
+              <a:rPr lang="de-AT" dirty="0" smtClean="0"/>
+              <a:t>, …</a:t>
+            </a:r>
+            <a:r>
+              <a:rPr lang="de-AT" dirty="0" smtClean="0"/>
+              <a:t> </a:t>
             </a:r>
             <a:endParaRPr lang="de-AT" dirty="0"/>
           </a:p>
@@ -13248,9 +13865,9 @@
             <a:pPr>
               <a:defRPr/>
             </a:pPr>
-            <a:fld id="{908BDE4A-9991-4FD0-90A7-2A1AC2958297}" type="datetime1">
+            <a:fld id="{214F5F98-C06E-4B49-A19C-86E8EF8C3A8B}" type="datetime1">
               <a:rPr lang="de-AT" smtClean="0"/>
-              <a:t>25.01.2016</a:t>
+              <a:t>26.01.2016</a:t>
             </a:fld>
             <a:endParaRPr lang="de-AT" dirty="0"/>
           </a:p>
@@ -13306,10 +13923,67 @@
           </a:p>
         </p:txBody>
       </p:sp>
+      <p:graphicFrame>
+        <p:nvGraphicFramePr>
+          <p:cNvPr id="9" name="Objekt 8"/>
+          <p:cNvGraphicFramePr>
+            <a:graphicFrameLocks noChangeAspect="1"/>
+          </p:cNvGraphicFramePr>
+          <p:nvPr>
+            <p:extLst>
+              <p:ext uri="{D42A27DB-BD31-4B8C-83A1-F6EECF244321}">
+                <p14:modId xmlns:p14="http://schemas.microsoft.com/office/powerpoint/2010/main" val="3059348019"/>
+              </p:ext>
+            </p:extLst>
+          </p:nvPr>
+        </p:nvGraphicFramePr>
+        <p:xfrm>
+          <a:off x="7094608" y="1165068"/>
+          <a:ext cx="1192142" cy="1131431"/>
+        </p:xfrm>
+        <a:graphic>
+          <a:graphicData uri="http://schemas.openxmlformats.org/presentationml/2006/ole">
+            <mc:AlternateContent xmlns:mc="http://schemas.openxmlformats.org/markup-compatibility/2006">
+              <mc:Choice xmlns:v="urn:schemas-microsoft-com:vml" Requires="v">
+                <p:oleObj spid="_x0000_s3077" name="Image" r:id="rId4" imgW="2742840" imgH="2603160" progId="Photoshop.Image.14">
+                  <p:embed/>
+                </p:oleObj>
+              </mc:Choice>
+              <mc:Fallback>
+                <p:oleObj name="Image" r:id="rId4" imgW="2742840" imgH="2603160" progId="Photoshop.Image.14">
+                  <p:embed/>
+                  <p:pic>
+                    <p:nvPicPr>
+                      <p:cNvPr id="0" name=""/>
+                      <p:cNvPicPr/>
+                      <p:nvPr/>
+                    </p:nvPicPr>
+                    <p:blipFill>
+                      <a:blip r:embed="rId5"/>
+                      <a:stretch>
+                        <a:fillRect/>
+                      </a:stretch>
+                    </p:blipFill>
+                    <p:spPr>
+                      <a:xfrm>
+                        <a:off x="7094608" y="1165068"/>
+                        <a:ext cx="1192142" cy="1131431"/>
+                      </a:xfrm>
+                      <a:prstGeom prst="rect">
+                        <a:avLst/>
+                      </a:prstGeom>
+                    </p:spPr>
+                  </p:pic>
+                </p:oleObj>
+              </mc:Fallback>
+            </mc:AlternateContent>
+          </a:graphicData>
+        </a:graphic>
+      </p:graphicFrame>
     </p:spTree>
     <p:extLst>
       <p:ext uri="{BB962C8B-B14F-4D97-AF65-F5344CB8AC3E}">
-        <p14:creationId xmlns:p14="http://schemas.microsoft.com/office/powerpoint/2010/main" val="4227374127"/>
+        <p14:creationId xmlns:p14="http://schemas.microsoft.com/office/powerpoint/2010/main" val="1960767466"/>
       </p:ext>
     </p:extLst>
   </p:cSld>
@@ -13353,25 +14027,160 @@
             <p:ph type="title"/>
           </p:nvPr>
         </p:nvSpPr>
-        <p:spPr>
-          <a:xfrm>
-            <a:off x="2771800" y="2924944"/>
-            <a:ext cx="2520280" cy="1143008"/>
-          </a:xfrm>
-        </p:spPr>
-        <p:txBody>
-          <a:bodyPr anchor="ctr"/>
-          <a:lstStyle/>
-          <a:p>
-            <a:r>
-              <a:rPr lang="de-AT" dirty="0" err="1" smtClean="0"/>
-              <a:t>Questions</a:t>
-            </a:r>
-            <a:r>
-              <a:rPr lang="de-AT" dirty="0" smtClean="0"/>
-              <a:t>?</a:t>
+        <p:spPr/>
+        <p:txBody>
+          <a:bodyPr/>
+          <a:lstStyle/>
+          <a:p>
+            <a:r>
+              <a:rPr lang="de-AT" dirty="0" smtClean="0"/>
+              <a:t>Structured </a:t>
+            </a:r>
+            <a:r>
+              <a:rPr lang="de-AT" dirty="0" err="1" smtClean="0"/>
+              <a:t>features</a:t>
+            </a:r>
+            <a:r>
+              <a:rPr lang="de-AT" dirty="0" smtClean="0"/>
+              <a:t> </a:t>
             </a:r>
             <a:endParaRPr lang="de-AT" dirty="0"/>
+          </a:p>
+        </p:txBody>
+      </p:sp>
+      <p:sp>
+        <p:nvSpPr>
+          <p:cNvPr id="6" name="Inhaltsplatzhalter 5"/>
+          <p:cNvSpPr>
+            <a:spLocks noGrp="1"/>
+          </p:cNvSpPr>
+          <p:nvPr>
+            <p:ph idx="1"/>
+          </p:nvPr>
+        </p:nvSpPr>
+        <p:spPr/>
+        <p:txBody>
+          <a:bodyPr/>
+          <a:lstStyle/>
+          <a:p>
+            <a:pPr>
+              <a:buFont typeface="Arial" panose="020B0604020202020204" pitchFamily="34" charset="0"/>
+              <a:buChar char="•"/>
+            </a:pPr>
+            <a:r>
+              <a:rPr lang="de-AT" dirty="0" err="1"/>
+              <a:t>Certain</a:t>
+            </a:r>
+            <a:r>
+              <a:rPr lang="de-AT" dirty="0"/>
+              <a:t> </a:t>
+            </a:r>
+            <a:r>
+              <a:rPr lang="de-AT" dirty="0" err="1"/>
+              <a:t>assumption</a:t>
+            </a:r>
+            <a:r>
+              <a:rPr lang="de-AT" dirty="0"/>
+              <a:t> </a:t>
+            </a:r>
+            <a:r>
+              <a:rPr lang="de-AT" dirty="0" err="1"/>
+              <a:t>about</a:t>
+            </a:r>
+            <a:r>
+              <a:rPr lang="de-AT" dirty="0"/>
+              <a:t> </a:t>
+            </a:r>
+            <a:r>
+              <a:rPr lang="de-AT" dirty="0" err="1"/>
+              <a:t>structure</a:t>
+            </a:r>
+            <a:endParaRPr lang="de-AT" dirty="0"/>
+          </a:p>
+          <a:p>
+            <a:pPr>
+              <a:buFont typeface="Arial" panose="020B0604020202020204" pitchFamily="34" charset="0"/>
+              <a:buChar char="•"/>
+            </a:pPr>
+            <a:r>
+              <a:rPr lang="de-AT" dirty="0" smtClean="0"/>
+              <a:t>Outperform </a:t>
+            </a:r>
+            <a:r>
+              <a:rPr lang="de-AT" dirty="0"/>
+              <a:t>flat </a:t>
+            </a:r>
+            <a:r>
+              <a:rPr lang="de-AT" dirty="0" err="1"/>
+              <a:t>feature</a:t>
+            </a:r>
+            <a:r>
+              <a:rPr lang="de-AT" dirty="0"/>
+              <a:t> </a:t>
+            </a:r>
+            <a:r>
+              <a:rPr lang="de-AT" dirty="0" err="1"/>
+              <a:t>methods</a:t>
+            </a:r>
+            <a:endParaRPr lang="de-AT" dirty="0"/>
+          </a:p>
+          <a:p>
+            <a:pPr>
+              <a:buFont typeface="Arial" panose="020B0604020202020204" pitchFamily="34" charset="0"/>
+              <a:buChar char="•"/>
+            </a:pPr>
+            <a:r>
+              <a:rPr lang="de-AT" dirty="0" smtClean="0"/>
+              <a:t>(</a:t>
+            </a:r>
+            <a:r>
+              <a:rPr lang="de-AT" dirty="0" err="1"/>
+              <a:t>Bsp</a:t>
+            </a:r>
+            <a:r>
+              <a:rPr lang="de-AT" dirty="0"/>
+              <a:t> </a:t>
+            </a:r>
+            <a:r>
+              <a:rPr lang="de-AT" dirty="0" err="1"/>
+              <a:t>tree-structure</a:t>
+            </a:r>
+            <a:r>
+              <a:rPr lang="de-AT" dirty="0"/>
+              <a:t> - </a:t>
+            </a:r>
+            <a:r>
+              <a:rPr lang="de-AT" dirty="0" err="1"/>
+              <a:t>evtl</a:t>
+            </a:r>
+            <a:r>
+              <a:rPr lang="de-AT" dirty="0"/>
+              <a:t> sogar was konkretes, </a:t>
+            </a:r>
+            <a:r>
+              <a:rPr lang="de-AT" dirty="0" err="1"/>
+              <a:t>f.ex</a:t>
+            </a:r>
+            <a:r>
+              <a:rPr lang="de-AT" dirty="0"/>
+              <a:t>. alter/</a:t>
+            </a:r>
+            <a:r>
+              <a:rPr lang="de-AT" dirty="0" err="1"/>
+              <a:t>jahre</a:t>
+            </a:r>
+            <a:r>
+              <a:rPr lang="de-AT" dirty="0"/>
+              <a:t>/</a:t>
+            </a:r>
+            <a:r>
+              <a:rPr lang="de-AT" dirty="0" err="1"/>
+              <a:t>monate</a:t>
+            </a:r>
+            <a:r>
+              <a:rPr lang="de-AT" dirty="0"/>
+              <a:t> ?!)</a:t>
+            </a:r>
           </a:p>
         </p:txBody>
       </p:sp>
@@ -13393,7 +14202,7 @@
             <a:pPr>
               <a:defRPr/>
             </a:pPr>
-            <a:fld id="{D5D3703B-7C89-496B-8219-C11379F90AE7}" type="datetime1">
+            <a:fld id="{7F9F0724-28A3-464E-9206-291DC7902ABF}" type="datetime1">
               <a:rPr lang="de-AT" smtClean="0"/>
               <a:t>25.01.2016</a:t>
             </a:fld>
@@ -13454,7 +14263,7 @@
     </p:spTree>
     <p:extLst>
       <p:ext uri="{BB962C8B-B14F-4D97-AF65-F5344CB8AC3E}">
-        <p14:creationId xmlns:p14="http://schemas.microsoft.com/office/powerpoint/2010/main" val="539449402"/>
+        <p14:creationId xmlns:p14="http://schemas.microsoft.com/office/powerpoint/2010/main" val="218227754"/>
       </p:ext>
     </p:extLst>
   </p:cSld>
@@ -13505,7 +14314,31 @@
           <a:p>
             <a:r>
               <a:rPr lang="de-AT" dirty="0" err="1" smtClean="0"/>
-              <a:t>Literature</a:t>
+              <a:t>Methods</a:t>
+            </a:r>
+            <a:r>
+              <a:rPr lang="de-AT" dirty="0" smtClean="0"/>
+              <a:t> </a:t>
+            </a:r>
+            <a:r>
+              <a:rPr lang="de-AT" dirty="0" err="1" smtClean="0"/>
+              <a:t>for</a:t>
+            </a:r>
+            <a:r>
+              <a:rPr lang="de-AT" dirty="0" smtClean="0"/>
+              <a:t> </a:t>
+            </a:r>
+            <a:r>
+              <a:rPr lang="de-AT" dirty="0" err="1" smtClean="0"/>
+              <a:t>structured</a:t>
+            </a:r>
+            <a:r>
+              <a:rPr lang="de-AT" dirty="0" smtClean="0"/>
+              <a:t> </a:t>
+            </a:r>
+            <a:r>
+              <a:rPr lang="de-AT" dirty="0" err="1" smtClean="0"/>
+              <a:t>features</a:t>
             </a:r>
             <a:endParaRPr lang="de-AT" dirty="0"/>
           </a:p>
@@ -13526,7 +14359,68 @@
           <a:bodyPr/>
           <a:lstStyle/>
           <a:p>
+            <a:pPr>
+              <a:buFont typeface="Arial" panose="020B0604020202020204" pitchFamily="34" charset="0"/>
+              <a:buChar char="•"/>
+            </a:pPr>
+            <a:r>
+              <a:rPr lang="de-AT" dirty="0"/>
+              <a:t>Group </a:t>
+            </a:r>
+          </a:p>
+          <a:p>
+            <a:pPr>
+              <a:buFont typeface="Arial" panose="020B0604020202020204" pitchFamily="34" charset="0"/>
+              <a:buChar char="•"/>
+            </a:pPr>
+            <a:r>
+              <a:rPr lang="de-AT" dirty="0" err="1"/>
+              <a:t>Tree</a:t>
+            </a:r>
             <a:endParaRPr lang="de-AT" dirty="0"/>
+          </a:p>
+          <a:p>
+            <a:pPr>
+              <a:buFont typeface="Arial" panose="020B0604020202020204" pitchFamily="34" charset="0"/>
+              <a:buChar char="•"/>
+            </a:pPr>
+            <a:r>
+              <a:rPr lang="de-AT" dirty="0" smtClean="0"/>
+              <a:t>Graph</a:t>
+            </a:r>
+          </a:p>
+          <a:p>
+            <a:endParaRPr lang="de-AT" dirty="0"/>
+          </a:p>
+          <a:p>
+            <a:r>
+              <a:rPr lang="de-AT" dirty="0"/>
+              <a:t>(</a:t>
+            </a:r>
+            <a:r>
+              <a:rPr lang="de-AT" dirty="0" err="1"/>
+              <a:t>evtl</a:t>
+            </a:r>
+            <a:r>
+              <a:rPr lang="de-AT" dirty="0"/>
+              <a:t> 1-2 </a:t>
+            </a:r>
+            <a:r>
+              <a:rPr lang="de-AT" dirty="0" err="1"/>
+              <a:t>bsp</a:t>
+            </a:r>
+            <a:r>
+              <a:rPr lang="de-AT" dirty="0"/>
+              <a:t> pro </a:t>
+            </a:r>
+            <a:r>
+              <a:rPr lang="de-AT" dirty="0" err="1"/>
+              <a:t>art</a:t>
+            </a:r>
+            <a:r>
+              <a:rPr lang="de-AT" dirty="0"/>
+              <a:t>, fortführendes zeug?) </a:t>
+            </a:r>
           </a:p>
         </p:txBody>
       </p:sp>
@@ -13548,7 +14442,7 @@
             <a:pPr>
               <a:defRPr/>
             </a:pPr>
-            <a:fld id="{F9ECDA19-35E9-44D8-ABD2-5D6049D7FF67}" type="datetime1">
+            <a:fld id="{E3EF207F-073F-41B4-A8D0-129C1C351EF1}" type="datetime1">
               <a:rPr lang="de-AT" smtClean="0"/>
               <a:t>25.01.2016</a:t>
             </a:fld>
@@ -13609,7 +14503,357 @@
     </p:spTree>
     <p:extLst>
       <p:ext uri="{BB962C8B-B14F-4D97-AF65-F5344CB8AC3E}">
-        <p14:creationId xmlns:p14="http://schemas.microsoft.com/office/powerpoint/2010/main" val="3209622137"/>
+        <p14:creationId xmlns:p14="http://schemas.microsoft.com/office/powerpoint/2010/main" val="4076193232"/>
+      </p:ext>
+    </p:extLst>
+  </p:cSld>
+  <p:clrMapOvr>
+    <a:masterClrMapping/>
+  </p:clrMapOvr>
+  <p:timing>
+    <p:tnLst>
+      <p:par>
+        <p:cTn id="1" dur="indefinite" restart="never" nodeType="tmRoot"/>
+      </p:par>
+    </p:tnLst>
+  </p:timing>
+</p:sld>
+</file>
+
+<file path=ppt/slides/slide26.xml><?xml version="1.0" encoding="utf-8"?>
+<p:sld xmlns:a="http://schemas.openxmlformats.org/drawingml/2006/main" xmlns:r="http://schemas.openxmlformats.org/officeDocument/2006/relationships" xmlns:p="http://schemas.openxmlformats.org/presentationml/2006/main">
+  <p:cSld>
+    <p:spTree>
+      <p:nvGrpSpPr>
+        <p:cNvPr id="1" name=""/>
+        <p:cNvGrpSpPr/>
+        <p:nvPr/>
+      </p:nvGrpSpPr>
+      <p:grpSpPr>
+        <a:xfrm>
+          <a:off x="0" y="0"/>
+          <a:ext cx="0" cy="0"/>
+          <a:chOff x="0" y="0"/>
+          <a:chExt cx="0" cy="0"/>
+        </a:xfrm>
+      </p:grpSpPr>
+      <p:sp>
+        <p:nvSpPr>
+          <p:cNvPr id="5" name="Titel 4"/>
+          <p:cNvSpPr>
+            <a:spLocks noGrp="1"/>
+          </p:cNvSpPr>
+          <p:nvPr>
+            <p:ph type="title"/>
+          </p:nvPr>
+        </p:nvSpPr>
+        <p:spPr/>
+        <p:txBody>
+          <a:bodyPr/>
+          <a:lstStyle/>
+          <a:p>
+            <a:r>
+              <a:rPr lang="de-AT" dirty="0" err="1" smtClean="0"/>
+              <a:t>Applications</a:t>
+            </a:r>
+            <a:endParaRPr lang="de-AT" dirty="0"/>
+          </a:p>
+        </p:txBody>
+      </p:sp>
+      <p:sp>
+        <p:nvSpPr>
+          <p:cNvPr id="6" name="Inhaltsplatzhalter 5"/>
+          <p:cNvSpPr>
+            <a:spLocks noGrp="1"/>
+          </p:cNvSpPr>
+          <p:nvPr>
+            <p:ph idx="1"/>
+          </p:nvPr>
+        </p:nvSpPr>
+        <p:spPr/>
+        <p:txBody>
+          <a:bodyPr/>
+          <a:lstStyle/>
+          <a:p>
+            <a:pPr>
+              <a:buFont typeface="Arial" panose="020B0604020202020204" pitchFamily="34" charset="0"/>
+              <a:buChar char="•"/>
+            </a:pPr>
+            <a:r>
+              <a:rPr lang="de-AT" dirty="0" err="1"/>
+              <a:t>Classification</a:t>
+            </a:r>
+            <a:r>
+              <a:rPr lang="de-AT" dirty="0"/>
+              <a:t>/ </a:t>
+            </a:r>
+            <a:r>
+              <a:rPr lang="de-AT" dirty="0" err="1"/>
+              <a:t>pattern</a:t>
+            </a:r>
+            <a:r>
+              <a:rPr lang="de-AT" dirty="0"/>
+              <a:t> </a:t>
+            </a:r>
+            <a:r>
+              <a:rPr lang="de-AT" dirty="0" err="1"/>
+              <a:t>recognition</a:t>
+            </a:r>
+            <a:endParaRPr lang="de-AT" dirty="0"/>
+          </a:p>
+          <a:p>
+            <a:pPr>
+              <a:buFont typeface="Arial" panose="020B0604020202020204" pitchFamily="34" charset="0"/>
+              <a:buChar char="•"/>
+            </a:pPr>
+            <a:r>
+              <a:rPr lang="de-AT" dirty="0"/>
+              <a:t>Data </a:t>
+            </a:r>
+            <a:r>
+              <a:rPr lang="de-AT" dirty="0" err="1"/>
+              <a:t>representation</a:t>
+            </a:r>
+            <a:endParaRPr lang="de-AT" dirty="0"/>
+          </a:p>
+          <a:p>
+            <a:pPr>
+              <a:buFont typeface="Arial" panose="020B0604020202020204" pitchFamily="34" charset="0"/>
+              <a:buChar char="•"/>
+            </a:pPr>
+            <a:r>
+              <a:rPr lang="de-AT" dirty="0" err="1"/>
+              <a:t>Prediction</a:t>
+            </a:r>
+            <a:endParaRPr lang="de-AT" dirty="0"/>
+          </a:p>
+        </p:txBody>
+      </p:sp>
+      <p:sp>
+        <p:nvSpPr>
+          <p:cNvPr id="2" name="Datumsplatzhalter 1"/>
+          <p:cNvSpPr>
+            <a:spLocks noGrp="1"/>
+          </p:cNvSpPr>
+          <p:nvPr>
+            <p:ph type="dt" sz="half" idx="10"/>
+          </p:nvPr>
+        </p:nvSpPr>
+        <p:spPr/>
+        <p:txBody>
+          <a:bodyPr/>
+          <a:lstStyle/>
+          <a:p>
+            <a:pPr>
+              <a:defRPr/>
+            </a:pPr>
+            <a:fld id="{908BDE4A-9991-4FD0-90A7-2A1AC2958297}" type="datetime1">
+              <a:rPr lang="de-AT" smtClean="0"/>
+              <a:t>25.01.2016</a:t>
+            </a:fld>
+            <a:endParaRPr lang="de-AT" dirty="0"/>
+          </a:p>
+        </p:txBody>
+      </p:sp>
+      <p:sp>
+        <p:nvSpPr>
+          <p:cNvPr id="3" name="Fußzeilenplatzhalter 2"/>
+          <p:cNvSpPr>
+            <a:spLocks noGrp="1"/>
+          </p:cNvSpPr>
+          <p:nvPr>
+            <p:ph type="ftr" sz="quarter" idx="11"/>
+          </p:nvPr>
+        </p:nvSpPr>
+        <p:spPr/>
+        <p:txBody>
+          <a:bodyPr/>
+          <a:lstStyle/>
+          <a:p>
+            <a:pPr>
+              <a:defRPr/>
+            </a:pPr>
+            <a:r>
+              <a:rPr lang="de-AT" smtClean="0"/>
+              <a:t>Silvana Podaras &amp; Florian Schober</a:t>
+            </a:r>
+            <a:endParaRPr lang="de-AT"/>
+          </a:p>
+        </p:txBody>
+      </p:sp>
+      <p:sp>
+        <p:nvSpPr>
+          <p:cNvPr id="4" name="Foliennummernplatzhalter 3"/>
+          <p:cNvSpPr>
+            <a:spLocks noGrp="1"/>
+          </p:cNvSpPr>
+          <p:nvPr>
+            <p:ph type="sldNum" sz="quarter" idx="12"/>
+          </p:nvPr>
+        </p:nvSpPr>
+        <p:spPr/>
+        <p:txBody>
+          <a:bodyPr/>
+          <a:lstStyle/>
+          <a:p>
+            <a:fld id="{CA3F91B5-C267-4146-949F-EABEA95DB02A}" type="slidenum">
+              <a:rPr lang="de-AT" altLang="de-DE" smtClean="0"/>
+              <a:pPr/>
+              <a:t>26</a:t>
+            </a:fld>
+            <a:endParaRPr lang="de-AT" altLang="de-DE"/>
+          </a:p>
+        </p:txBody>
+      </p:sp>
+    </p:spTree>
+    <p:extLst>
+      <p:ext uri="{BB962C8B-B14F-4D97-AF65-F5344CB8AC3E}">
+        <p14:creationId xmlns:p14="http://schemas.microsoft.com/office/powerpoint/2010/main" val="4227374127"/>
+      </p:ext>
+    </p:extLst>
+  </p:cSld>
+  <p:clrMapOvr>
+    <a:masterClrMapping/>
+  </p:clrMapOvr>
+  <p:timing>
+    <p:tnLst>
+      <p:par>
+        <p:cTn id="1" dur="indefinite" restart="never" nodeType="tmRoot"/>
+      </p:par>
+    </p:tnLst>
+  </p:timing>
+</p:sld>
+</file>
+
+<file path=ppt/slides/slide27.xml><?xml version="1.0" encoding="utf-8"?>
+<p:sld xmlns:a="http://schemas.openxmlformats.org/drawingml/2006/main" xmlns:r="http://schemas.openxmlformats.org/officeDocument/2006/relationships" xmlns:p="http://schemas.openxmlformats.org/presentationml/2006/main">
+  <p:cSld>
+    <p:spTree>
+      <p:nvGrpSpPr>
+        <p:cNvPr id="1" name=""/>
+        <p:cNvGrpSpPr/>
+        <p:nvPr/>
+      </p:nvGrpSpPr>
+      <p:grpSpPr>
+        <a:xfrm>
+          <a:off x="0" y="0"/>
+          <a:ext cx="0" cy="0"/>
+          <a:chOff x="0" y="0"/>
+          <a:chExt cx="0" cy="0"/>
+        </a:xfrm>
+      </p:grpSpPr>
+      <p:sp>
+        <p:nvSpPr>
+          <p:cNvPr id="5" name="Titel 4"/>
+          <p:cNvSpPr>
+            <a:spLocks noGrp="1"/>
+          </p:cNvSpPr>
+          <p:nvPr>
+            <p:ph type="title"/>
+          </p:nvPr>
+        </p:nvSpPr>
+        <p:spPr>
+          <a:xfrm>
+            <a:off x="2771800" y="2924944"/>
+            <a:ext cx="2520280" cy="1143008"/>
+          </a:xfrm>
+        </p:spPr>
+        <p:txBody>
+          <a:bodyPr anchor="ctr"/>
+          <a:lstStyle/>
+          <a:p>
+            <a:r>
+              <a:rPr lang="de-AT" dirty="0" err="1" smtClean="0"/>
+              <a:t>Questions</a:t>
+            </a:r>
+            <a:r>
+              <a:rPr lang="de-AT" dirty="0" smtClean="0"/>
+              <a:t>?</a:t>
+            </a:r>
+            <a:endParaRPr lang="de-AT" dirty="0"/>
+          </a:p>
+        </p:txBody>
+      </p:sp>
+      <p:sp>
+        <p:nvSpPr>
+          <p:cNvPr id="2" name="Datumsplatzhalter 1"/>
+          <p:cNvSpPr>
+            <a:spLocks noGrp="1"/>
+          </p:cNvSpPr>
+          <p:nvPr>
+            <p:ph type="dt" sz="half" idx="10"/>
+          </p:nvPr>
+        </p:nvSpPr>
+        <p:spPr/>
+        <p:txBody>
+          <a:bodyPr/>
+          <a:lstStyle/>
+          <a:p>
+            <a:pPr>
+              <a:defRPr/>
+            </a:pPr>
+            <a:fld id="{D5D3703B-7C89-496B-8219-C11379F90AE7}" type="datetime1">
+              <a:rPr lang="de-AT" smtClean="0"/>
+              <a:t>25.01.2016</a:t>
+            </a:fld>
+            <a:endParaRPr lang="de-AT" dirty="0"/>
+          </a:p>
+        </p:txBody>
+      </p:sp>
+      <p:sp>
+        <p:nvSpPr>
+          <p:cNvPr id="3" name="Fußzeilenplatzhalter 2"/>
+          <p:cNvSpPr>
+            <a:spLocks noGrp="1"/>
+          </p:cNvSpPr>
+          <p:nvPr>
+            <p:ph type="ftr" sz="quarter" idx="11"/>
+          </p:nvPr>
+        </p:nvSpPr>
+        <p:spPr/>
+        <p:txBody>
+          <a:bodyPr/>
+          <a:lstStyle/>
+          <a:p>
+            <a:pPr>
+              <a:defRPr/>
+            </a:pPr>
+            <a:r>
+              <a:rPr lang="de-AT" smtClean="0"/>
+              <a:t>Silvana Podaras &amp; Florian Schober</a:t>
+            </a:r>
+            <a:endParaRPr lang="de-AT"/>
+          </a:p>
+        </p:txBody>
+      </p:sp>
+      <p:sp>
+        <p:nvSpPr>
+          <p:cNvPr id="4" name="Foliennummernplatzhalter 3"/>
+          <p:cNvSpPr>
+            <a:spLocks noGrp="1"/>
+          </p:cNvSpPr>
+          <p:nvPr>
+            <p:ph type="sldNum" sz="quarter" idx="12"/>
+          </p:nvPr>
+        </p:nvSpPr>
+        <p:spPr/>
+        <p:txBody>
+          <a:bodyPr/>
+          <a:lstStyle/>
+          <a:p>
+            <a:fld id="{CA3F91B5-C267-4146-949F-EABEA95DB02A}" type="slidenum">
+              <a:rPr lang="de-AT" altLang="de-DE" smtClean="0"/>
+              <a:pPr/>
+              <a:t>27</a:t>
+            </a:fld>
+            <a:endParaRPr lang="de-AT" altLang="de-DE"/>
+          </a:p>
+        </p:txBody>
+      </p:sp>
+    </p:spTree>
+    <p:extLst>
+      <p:ext uri="{BB962C8B-B14F-4D97-AF65-F5344CB8AC3E}">
+        <p14:creationId xmlns:p14="http://schemas.microsoft.com/office/powerpoint/2010/main" val="539449402"/>
       </p:ext>
     </p:extLst>
   </p:cSld>
@@ -13987,7 +15231,7 @@
         </p:nvSpPr>
         <p:spPr>
           <a:xfrm rot="20668741">
-            <a:off x="2097710" y="3428071"/>
+            <a:off x="1745016" y="3528794"/>
             <a:ext cx="5200682" cy="1052483"/>
           </a:xfrm>
         </p:spPr>
@@ -14009,7 +15253,7 @@
                   <a:srgbClr val="FF0000"/>
                 </a:solidFill>
               </a:rPr>
-              <a:t>ones</a:t>
+              <a:t>features</a:t>
             </a:r>
             <a:r>
               <a:rPr lang="de-AT" sz="3200" b="1" dirty="0" smtClean="0">
@@ -14523,7 +15767,6 @@
               <a:rPr lang="en-US" sz="2400" dirty="0" smtClean="0"/>
               <a:t>Independent</a:t>
             </a:r>
-            <a:endParaRPr lang="en-US" sz="2400" dirty="0" smtClean="0"/>
           </a:p>
           <a:p>
             <a:endParaRPr lang="en-US" dirty="0"/>
@@ -14538,7 +15781,11 @@
             <a:pPr lvl="1"/>
             <a:r>
               <a:rPr lang="en-US" sz="2400" dirty="0" smtClean="0"/>
-              <a:t>Certain structure</a:t>
+              <a:t>Certain </a:t>
+            </a:r>
+            <a:r>
+              <a:rPr lang="en-US" sz="2400" dirty="0" smtClean="0"/>
+              <a:t>structure induced</a:t>
             </a:r>
             <a:endParaRPr lang="de-AT" sz="2400" dirty="0"/>
           </a:p>
@@ -14674,11 +15921,7 @@
           <a:p>
             <a:r>
               <a:rPr lang="de-AT" dirty="0" smtClean="0"/>
-              <a:t>Flat </a:t>
-            </a:r>
-            <a:r>
-              <a:rPr lang="de-AT" dirty="0" smtClean="0"/>
-              <a:t>Features</a:t>
+              <a:t>Flat Features</a:t>
             </a:r>
             <a:endParaRPr lang="de-AT" dirty="0"/>
           </a:p>
@@ -15024,7 +16267,7 @@
           <p:nvPr/>
         </p:nvPicPr>
         <p:blipFill>
-          <a:blip r:embed="rId2">
+          <a:blip r:embed="rId3">
             <a:extLst>
               <a:ext uri="{28A0092B-C50C-407E-A947-70E740481C1C}">
                 <a14:useLocalDpi xmlns:a14="http://schemas.microsoft.com/office/drawing/2010/main" val="0"/>
@@ -15121,97 +16364,6 @@
           </a:p>
         </p:txBody>
       </p:sp>
-      <p:pic>
-        <p:nvPicPr>
-          <p:cNvPr id="18" name="Picture 2" descr="https://encrypted-tbn1.gstatic.com/images?q=tbn:ANd9GcSHeZd9qwTw6uYFPJLtfTdhQ1pxTKLiDaGL0fIY7E0Fs5uVBNUNuA"/>
-          <p:cNvPicPr>
-            <a:picLocks noChangeAspect="1" noChangeArrowheads="1"/>
-          </p:cNvPicPr>
-          <p:nvPr/>
-        </p:nvPicPr>
-        <p:blipFill>
-          <a:blip r:embed="rId2">
-            <a:extLst>
-              <a:ext uri="{28A0092B-C50C-407E-A947-70E740481C1C}">
-                <a14:useLocalDpi xmlns:a14="http://schemas.microsoft.com/office/drawing/2010/main" val="0"/>
-              </a:ext>
-            </a:extLst>
-          </a:blip>
-          <a:srcRect/>
-          <a:stretch>
-            <a:fillRect/>
-          </a:stretch>
-        </p:blipFill>
-        <p:spPr bwMode="auto">
-          <a:xfrm>
-            <a:off x="6664871" y="2708920"/>
-            <a:ext cx="755104" cy="1406770"/>
-          </a:xfrm>
-          <a:prstGeom prst="rect">
-            <a:avLst/>
-          </a:prstGeom>
-          <a:noFill/>
-          <a:extLst>
-            <a:ext uri="{909E8E84-426E-40DD-AFC4-6F175D3DCCD1}">
-              <a14:hiddenFill xmlns:a14="http://schemas.microsoft.com/office/drawing/2010/main">
-                <a:solidFill>
-                  <a:srgbClr val="FFFFFF"/>
-                </a:solidFill>
-              </a14:hiddenFill>
-            </a:ext>
-          </a:extLst>
-        </p:spPr>
-      </p:pic>
-      <p:sp>
-        <p:nvSpPr>
-          <p:cNvPr id="19" name="Nach rechts gekrümmter Pfeil 18"/>
-          <p:cNvSpPr/>
-          <p:nvPr/>
-        </p:nvSpPr>
-        <p:spPr>
-          <a:xfrm>
-            <a:off x="5860553" y="3102718"/>
-            <a:ext cx="703789" cy="938385"/>
-          </a:xfrm>
-          <a:prstGeom prst="curvedRightArrow">
-            <a:avLst/>
-          </a:prstGeom>
-          <a:solidFill>
-            <a:schemeClr val="tx1"/>
-          </a:solidFill>
-          <a:ln>
-            <a:noFill/>
-          </a:ln>
-        </p:spPr>
-        <p:style>
-          <a:lnRef idx="2">
-            <a:schemeClr val="accent1">
-              <a:shade val="50000"/>
-            </a:schemeClr>
-          </a:lnRef>
-          <a:fillRef idx="1">
-            <a:schemeClr val="accent1"/>
-          </a:fillRef>
-          <a:effectRef idx="0">
-            <a:schemeClr val="accent1"/>
-          </a:effectRef>
-          <a:fontRef idx="minor">
-            <a:schemeClr val="lt1"/>
-          </a:fontRef>
-        </p:style>
-        <p:txBody>
-          <a:bodyPr rtlCol="0" anchor="ctr"/>
-          <a:lstStyle/>
-          <a:p>
-            <a:pPr algn="ctr"/>
-            <a:endParaRPr lang="de-AT">
-              <a:solidFill>
-                <a:schemeClr val="tx1"/>
-              </a:solidFill>
-            </a:endParaRPr>
-          </a:p>
-        </p:txBody>
-      </p:sp>
       <p:sp>
         <p:nvSpPr>
           <p:cNvPr id="20" name="Nach rechts gekrümmter Pfeil 19"/>
@@ -15262,6 +16414,63 @@
           </a:p>
         </p:txBody>
       </p:sp>
+      <p:graphicFrame>
+        <p:nvGraphicFramePr>
+          <p:cNvPr id="4" name="Objekt 3"/>
+          <p:cNvGraphicFramePr>
+            <a:graphicFrameLocks noChangeAspect="1"/>
+          </p:cNvGraphicFramePr>
+          <p:nvPr>
+            <p:extLst>
+              <p:ext uri="{D42A27DB-BD31-4B8C-83A1-F6EECF244321}">
+                <p14:modId xmlns:p14="http://schemas.microsoft.com/office/powerpoint/2010/main" val="1987771038"/>
+              </p:ext>
+            </p:extLst>
+          </p:nvPr>
+        </p:nvGraphicFramePr>
+        <p:xfrm>
+          <a:off x="6019800" y="2940854"/>
+          <a:ext cx="1192142" cy="1131431"/>
+        </p:xfrm>
+        <a:graphic>
+          <a:graphicData uri="http://schemas.openxmlformats.org/presentationml/2006/ole">
+            <mc:AlternateContent xmlns:mc="http://schemas.openxmlformats.org/markup-compatibility/2006">
+              <mc:Choice xmlns:v="urn:schemas-microsoft-com:vml" Requires="v">
+                <p:oleObj spid="_x0000_s1027" name="Image" r:id="rId4" imgW="2742840" imgH="2603160" progId="Photoshop.Image.14">
+                  <p:embed/>
+                </p:oleObj>
+              </mc:Choice>
+              <mc:Fallback>
+                <p:oleObj name="Image" r:id="rId4" imgW="2742840" imgH="2603160" progId="Photoshop.Image.14">
+                  <p:embed/>
+                  <p:pic>
+                    <p:nvPicPr>
+                      <p:cNvPr id="0" name=""/>
+                      <p:cNvPicPr/>
+                      <p:nvPr/>
+                    </p:nvPicPr>
+                    <p:blipFill>
+                      <a:blip r:embed="rId5"/>
+                      <a:stretch>
+                        <a:fillRect/>
+                      </a:stretch>
+                    </p:blipFill>
+                    <p:spPr>
+                      <a:xfrm>
+                        <a:off x="6019800" y="2940854"/>
+                        <a:ext cx="1192142" cy="1131431"/>
+                      </a:xfrm>
+                      <a:prstGeom prst="rect">
+                        <a:avLst/>
+                      </a:prstGeom>
+                    </p:spPr>
+                  </p:pic>
+                </p:oleObj>
+              </mc:Fallback>
+            </mc:AlternateContent>
+          </a:graphicData>
+        </a:graphic>
+      </p:graphicFrame>
     </p:spTree>
     <p:extLst>
       <p:ext uri="{BB962C8B-B14F-4D97-AF65-F5344CB8AC3E}">

--- a/presentation/Presentation.pptx
+++ b/presentation/Presentation.pptx
@@ -909,11 +909,59 @@
           <a:p>
             <a:r>
               <a:rPr lang="de-AT" dirty="0" smtClean="0"/>
-              <a:t>Search </a:t>
-            </a:r>
-            <a:r>
-              <a:rPr lang="de-AT" dirty="0" err="1" smtClean="0"/>
-              <a:t>for</a:t>
+              <a:t>Fit </a:t>
+            </a:r>
+            <a:r>
+              <a:rPr lang="de-AT" dirty="0" err="1" smtClean="0"/>
+              <a:t>classifier</a:t>
+            </a:r>
+            <a:r>
+              <a:rPr lang="de-AT" dirty="0" smtClean="0"/>
+              <a:t> </a:t>
+            </a:r>
+            <a:r>
+              <a:rPr lang="de-AT" dirty="0" err="1" smtClean="0"/>
+              <a:t>best</a:t>
+            </a:r>
+            <a:r>
+              <a:rPr lang="de-AT" dirty="0" smtClean="0"/>
+              <a:t> = </a:t>
+            </a:r>
+            <a:r>
+              <a:rPr lang="de-AT" dirty="0" err="1" smtClean="0"/>
+              <a:t>consider</a:t>
+            </a:r>
+            <a:r>
+              <a:rPr lang="de-AT" dirty="0" smtClean="0"/>
+              <a:t> </a:t>
+            </a:r>
+            <a:r>
+              <a:rPr lang="de-AT" dirty="0" err="1" smtClean="0"/>
+              <a:t>biases</a:t>
+            </a:r>
+            <a:r>
+              <a:rPr lang="de-AT" dirty="0" smtClean="0"/>
+              <a:t> </a:t>
+            </a:r>
+            <a:r>
+              <a:rPr lang="de-AT" dirty="0" err="1" smtClean="0"/>
+              <a:t>and</a:t>
+            </a:r>
+            <a:r>
+              <a:rPr lang="de-AT" dirty="0" smtClean="0"/>
+              <a:t> </a:t>
+            </a:r>
+            <a:r>
+              <a:rPr lang="de-AT" dirty="0" err="1" smtClean="0"/>
+              <a:t>heuristics</a:t>
+            </a:r>
+            <a:r>
+              <a:rPr lang="de-AT" dirty="0" smtClean="0"/>
+              <a:t> </a:t>
+            </a:r>
+            <a:r>
+              <a:rPr lang="de-AT" dirty="0" err="1" smtClean="0"/>
+              <a:t>of</a:t>
             </a:r>
             <a:r>
               <a:rPr lang="de-AT" baseline="0" dirty="0" smtClean="0"/>
@@ -921,424 +969,54 @@
             </a:r>
             <a:r>
               <a:rPr lang="de-AT" baseline="0" dirty="0" err="1" smtClean="0"/>
-              <a:t>subset</a:t>
+              <a:t>classifier</a:t>
             </a:r>
             <a:r>
               <a:rPr lang="de-AT" baseline="0" dirty="0" smtClean="0"/>
               <a:t> </a:t>
             </a:r>
             <a:r>
-              <a:rPr lang="de-AT" dirty="0" smtClean="0"/>
-              <a:t>: different </a:t>
-            </a:r>
-            <a:r>
-              <a:rPr lang="de-AT" dirty="0" err="1" smtClean="0"/>
-              <a:t>algorithms</a:t>
-            </a:r>
-            <a:r>
-              <a:rPr lang="de-AT" dirty="0" smtClean="0"/>
-              <a:t> </a:t>
-            </a:r>
-            <a:r>
-              <a:rPr lang="de-AT" dirty="0" err="1" smtClean="0"/>
-              <a:t>possible</a:t>
-            </a:r>
-            <a:r>
-              <a:rPr lang="de-AT" dirty="0" smtClean="0"/>
-              <a:t>: </a:t>
-            </a:r>
-          </a:p>
-          <a:p>
-            <a:r>
-              <a:rPr lang="en-US" sz="1200" b="0" i="0" u="none" strike="noStrike" kern="1200" baseline="0" dirty="0" smtClean="0">
-                <a:solidFill>
-                  <a:schemeClr val="tx1"/>
-                </a:solidFill>
-                <a:latin typeface="+mn-lt"/>
-                <a:ea typeface="+mn-ea"/>
-                <a:cs typeface="+mn-cs"/>
-              </a:rPr>
-              <a:t>hill-climbing, best-first, branch-and-bound, and genetic </a:t>
-            </a:r>
-            <a:r>
-              <a:rPr lang="de-AT" sz="1200" b="0" i="0" u="none" strike="noStrike" kern="1200" baseline="0" dirty="0" err="1" smtClean="0">
-                <a:solidFill>
-                  <a:schemeClr val="tx1"/>
-                </a:solidFill>
-                <a:latin typeface="+mn-lt"/>
-                <a:ea typeface="+mn-ea"/>
-                <a:cs typeface="+mn-cs"/>
-              </a:rPr>
-              <a:t>algorithms</a:t>
-            </a:r>
-            <a:r>
-              <a:rPr lang="de-AT" sz="1200" b="0" i="0" u="none" strike="noStrike" kern="1200" baseline="0" dirty="0" smtClean="0">
-                <a:solidFill>
-                  <a:schemeClr val="tx1"/>
-                </a:solidFill>
-                <a:latin typeface="+mn-lt"/>
-                <a:ea typeface="+mn-ea"/>
-                <a:cs typeface="+mn-cs"/>
-              </a:rPr>
-              <a:t>.</a:t>
-            </a:r>
-          </a:p>
-          <a:p>
-            <a:r>
-              <a:rPr lang="de-AT" sz="1200" b="0" i="0" u="none" strike="noStrike" kern="1200" baseline="0" dirty="0" err="1" smtClean="0">
-                <a:solidFill>
-                  <a:schemeClr val="tx1"/>
-                </a:solidFill>
-                <a:latin typeface="+mn-lt"/>
-                <a:ea typeface="+mn-ea"/>
-                <a:cs typeface="+mn-cs"/>
-              </a:rPr>
-              <a:t>Either</a:t>
-            </a:r>
-            <a:r>
-              <a:rPr lang="de-AT" sz="1200" b="0" i="0" u="none" strike="noStrike" kern="1200" baseline="0" dirty="0" smtClean="0">
-                <a:solidFill>
-                  <a:schemeClr val="tx1"/>
-                </a:solidFill>
-                <a:latin typeface="+mn-lt"/>
-                <a:ea typeface="+mn-ea"/>
-                <a:cs typeface="+mn-cs"/>
-              </a:rPr>
-              <a:t>  </a:t>
-            </a:r>
-            <a:r>
-              <a:rPr lang="de-AT" sz="1200" b="0" i="0" u="none" strike="noStrike" kern="1200" baseline="0" dirty="0" err="1" smtClean="0">
-                <a:solidFill>
-                  <a:schemeClr val="tx1"/>
-                </a:solidFill>
-                <a:latin typeface="+mn-lt"/>
-                <a:ea typeface="+mn-ea"/>
-                <a:cs typeface="+mn-cs"/>
-              </a:rPr>
-              <a:t>start</a:t>
-            </a:r>
-            <a:r>
-              <a:rPr lang="de-AT" sz="1200" b="0" i="0" u="none" strike="noStrike" kern="1200" baseline="0" dirty="0" smtClean="0">
-                <a:solidFill>
-                  <a:schemeClr val="tx1"/>
-                </a:solidFill>
-                <a:latin typeface="+mn-lt"/>
-                <a:ea typeface="+mn-ea"/>
-                <a:cs typeface="+mn-cs"/>
-              </a:rPr>
-              <a:t>  </a:t>
-            </a:r>
-            <a:r>
-              <a:rPr lang="de-AT" sz="1200" b="0" i="0" u="none" strike="noStrike" kern="1200" baseline="0" dirty="0" err="1" smtClean="0">
-                <a:solidFill>
-                  <a:schemeClr val="tx1"/>
-                </a:solidFill>
-                <a:latin typeface="+mn-lt"/>
-                <a:ea typeface="+mn-ea"/>
-                <a:cs typeface="+mn-cs"/>
-              </a:rPr>
-              <a:t>from</a:t>
-            </a:r>
-            <a:r>
-              <a:rPr lang="de-AT" sz="1200" b="0" i="0" u="none" strike="noStrike" kern="1200" baseline="0" dirty="0" smtClean="0">
-                <a:solidFill>
-                  <a:schemeClr val="tx1"/>
-                </a:solidFill>
-                <a:latin typeface="+mn-lt"/>
-                <a:ea typeface="+mn-ea"/>
-                <a:cs typeface="+mn-cs"/>
-              </a:rPr>
-              <a:t>  </a:t>
-            </a:r>
-            <a:r>
-              <a:rPr lang="de-AT" sz="1200" b="0" i="0" u="none" strike="noStrike" kern="1200" baseline="0" dirty="0" err="1" smtClean="0">
-                <a:solidFill>
-                  <a:schemeClr val="tx1"/>
-                </a:solidFill>
-                <a:latin typeface="+mn-lt"/>
-                <a:ea typeface="+mn-ea"/>
-                <a:cs typeface="+mn-cs"/>
-              </a:rPr>
-              <a:t>full</a:t>
-            </a:r>
-            <a:r>
-              <a:rPr lang="de-AT" sz="1200" b="0" i="0" u="none" strike="noStrike" kern="1200" baseline="0" dirty="0" smtClean="0">
-                <a:solidFill>
-                  <a:schemeClr val="tx1"/>
-                </a:solidFill>
-                <a:latin typeface="+mn-lt"/>
-                <a:ea typeface="+mn-ea"/>
-                <a:cs typeface="+mn-cs"/>
-              </a:rPr>
-              <a:t> </a:t>
-            </a:r>
-            <a:r>
-              <a:rPr lang="de-AT" sz="1200" b="0" i="0" u="none" strike="noStrike" kern="1200" baseline="0" dirty="0" err="1" smtClean="0">
-                <a:solidFill>
-                  <a:schemeClr val="tx1"/>
-                </a:solidFill>
-                <a:latin typeface="+mn-lt"/>
-                <a:ea typeface="+mn-ea"/>
-                <a:cs typeface="+mn-cs"/>
-              </a:rPr>
-              <a:t>set</a:t>
-            </a:r>
-            <a:r>
-              <a:rPr lang="de-AT" sz="1200" b="0" i="0" u="none" strike="noStrike" kern="1200" baseline="0" dirty="0" smtClean="0">
-                <a:solidFill>
-                  <a:schemeClr val="tx1"/>
-                </a:solidFill>
-                <a:latin typeface="+mn-lt"/>
-                <a:ea typeface="+mn-ea"/>
-                <a:cs typeface="+mn-cs"/>
-              </a:rPr>
-              <a:t> </a:t>
-            </a:r>
-            <a:r>
-              <a:rPr lang="de-AT" sz="1200" b="0" i="0" u="none" strike="noStrike" kern="1200" baseline="0" dirty="0" err="1" smtClean="0">
-                <a:solidFill>
-                  <a:schemeClr val="tx1"/>
-                </a:solidFill>
-                <a:latin typeface="+mn-lt"/>
-                <a:ea typeface="+mn-ea"/>
-                <a:cs typeface="+mn-cs"/>
-              </a:rPr>
-              <a:t>and</a:t>
-            </a:r>
-            <a:r>
-              <a:rPr lang="de-AT" sz="1200" b="0" i="0" u="none" strike="noStrike" kern="1200" baseline="0" dirty="0" smtClean="0">
-                <a:solidFill>
-                  <a:schemeClr val="tx1"/>
-                </a:solidFill>
-                <a:latin typeface="+mn-lt"/>
-                <a:ea typeface="+mn-ea"/>
-                <a:cs typeface="+mn-cs"/>
-              </a:rPr>
-              <a:t> </a:t>
-            </a:r>
-            <a:r>
-              <a:rPr lang="de-AT" sz="1200" b="0" i="0" u="none" strike="noStrike" kern="1200" baseline="0" dirty="0" err="1" smtClean="0">
-                <a:solidFill>
-                  <a:schemeClr val="tx1"/>
-                </a:solidFill>
-                <a:latin typeface="+mn-lt"/>
-                <a:ea typeface="+mn-ea"/>
-                <a:cs typeface="+mn-cs"/>
-              </a:rPr>
-              <a:t>reduce</a:t>
-            </a:r>
-            <a:r>
-              <a:rPr lang="de-AT" sz="1200" b="0" i="0" u="none" strike="noStrike" kern="1200" baseline="0" dirty="0" smtClean="0">
-                <a:solidFill>
-                  <a:schemeClr val="tx1"/>
-                </a:solidFill>
-                <a:latin typeface="+mn-lt"/>
-                <a:ea typeface="+mn-ea"/>
-                <a:cs typeface="+mn-cs"/>
-              </a:rPr>
-              <a:t> </a:t>
-            </a:r>
-            <a:r>
-              <a:rPr lang="de-AT" sz="1200" b="0" i="0" u="none" strike="noStrike" kern="1200" baseline="0" dirty="0" err="1" smtClean="0">
-                <a:solidFill>
-                  <a:schemeClr val="tx1"/>
-                </a:solidFill>
-                <a:latin typeface="+mn-lt"/>
-                <a:ea typeface="+mn-ea"/>
-                <a:cs typeface="+mn-cs"/>
-              </a:rPr>
-              <a:t>features</a:t>
-            </a:r>
-            <a:r>
-              <a:rPr lang="de-AT" sz="1200" b="0" i="0" u="none" strike="noStrike" kern="1200" baseline="0" dirty="0" smtClean="0">
-                <a:solidFill>
-                  <a:schemeClr val="tx1"/>
-                </a:solidFill>
-                <a:latin typeface="+mn-lt"/>
-                <a:ea typeface="+mn-ea"/>
-                <a:cs typeface="+mn-cs"/>
-              </a:rPr>
-              <a:t>,  </a:t>
-            </a:r>
-            <a:r>
-              <a:rPr lang="de-AT" sz="1200" b="0" i="0" u="none" strike="noStrike" kern="1200" baseline="0" dirty="0" err="1" smtClean="0">
-                <a:solidFill>
-                  <a:schemeClr val="tx1"/>
-                </a:solidFill>
-                <a:latin typeface="+mn-lt"/>
-                <a:ea typeface="+mn-ea"/>
-                <a:cs typeface="+mn-cs"/>
-              </a:rPr>
-              <a:t>or</a:t>
-            </a:r>
-            <a:r>
-              <a:rPr lang="de-AT" sz="1200" b="0" i="0" u="none" strike="noStrike" kern="1200" baseline="0" dirty="0" smtClean="0">
-                <a:solidFill>
-                  <a:schemeClr val="tx1"/>
-                </a:solidFill>
-                <a:latin typeface="+mn-lt"/>
-                <a:ea typeface="+mn-ea"/>
-                <a:cs typeface="+mn-cs"/>
-              </a:rPr>
-              <a:t>  </a:t>
-            </a:r>
-            <a:r>
-              <a:rPr lang="de-AT" sz="1200" b="0" i="0" u="none" strike="noStrike" kern="1200" baseline="0" dirty="0" err="1" smtClean="0">
-                <a:solidFill>
-                  <a:schemeClr val="tx1"/>
-                </a:solidFill>
-                <a:latin typeface="+mn-lt"/>
-                <a:ea typeface="+mn-ea"/>
-                <a:cs typeface="+mn-cs"/>
-              </a:rPr>
-              <a:t>start</a:t>
-            </a:r>
-            <a:r>
-              <a:rPr lang="de-AT" sz="1200" b="0" i="0" u="none" strike="noStrike" kern="1200" baseline="0" dirty="0" smtClean="0">
-                <a:solidFill>
-                  <a:schemeClr val="tx1"/>
-                </a:solidFill>
-                <a:latin typeface="+mn-lt"/>
-                <a:ea typeface="+mn-ea"/>
-                <a:cs typeface="+mn-cs"/>
-              </a:rPr>
-              <a:t> </a:t>
-            </a:r>
-            <a:r>
-              <a:rPr lang="de-AT" sz="1200" b="0" i="0" u="none" strike="noStrike" kern="1200" baseline="0" dirty="0" err="1" smtClean="0">
-                <a:solidFill>
-                  <a:schemeClr val="tx1"/>
-                </a:solidFill>
-                <a:latin typeface="+mn-lt"/>
-                <a:ea typeface="+mn-ea"/>
-                <a:cs typeface="+mn-cs"/>
-              </a:rPr>
-              <a:t>from</a:t>
-            </a:r>
-            <a:r>
-              <a:rPr lang="de-AT" sz="1200" b="0" i="0" u="none" strike="noStrike" kern="1200" baseline="0" dirty="0" smtClean="0">
-                <a:solidFill>
-                  <a:schemeClr val="tx1"/>
-                </a:solidFill>
-                <a:latin typeface="+mn-lt"/>
-                <a:ea typeface="+mn-ea"/>
-                <a:cs typeface="+mn-cs"/>
-              </a:rPr>
-              <a:t>  </a:t>
-            </a:r>
-            <a:r>
-              <a:rPr lang="de-AT" sz="1200" b="0" i="0" u="none" strike="noStrike" kern="1200" baseline="0" dirty="0" err="1" smtClean="0">
-                <a:solidFill>
-                  <a:schemeClr val="tx1"/>
-                </a:solidFill>
-                <a:latin typeface="+mn-lt"/>
-                <a:ea typeface="+mn-ea"/>
-                <a:cs typeface="+mn-cs"/>
-              </a:rPr>
-              <a:t>empty</a:t>
-            </a:r>
-            <a:r>
-              <a:rPr lang="de-AT" sz="1200" b="0" i="0" u="none" strike="noStrike" kern="1200" baseline="0" dirty="0" smtClean="0">
-                <a:solidFill>
-                  <a:schemeClr val="tx1"/>
-                </a:solidFill>
-                <a:latin typeface="+mn-lt"/>
-                <a:ea typeface="+mn-ea"/>
-                <a:cs typeface="+mn-cs"/>
-              </a:rPr>
-              <a:t> </a:t>
-            </a:r>
-            <a:r>
-              <a:rPr lang="de-AT" sz="1200" b="0" i="0" u="none" strike="noStrike" kern="1200" baseline="0" dirty="0" err="1" smtClean="0">
-                <a:solidFill>
-                  <a:schemeClr val="tx1"/>
-                </a:solidFill>
-                <a:latin typeface="+mn-lt"/>
-                <a:ea typeface="+mn-ea"/>
-                <a:cs typeface="+mn-cs"/>
-              </a:rPr>
-              <a:t>set</a:t>
-            </a:r>
-            <a:r>
-              <a:rPr lang="de-AT" sz="1200" b="0" i="0" u="none" strike="noStrike" kern="1200" baseline="0" dirty="0" smtClean="0">
-                <a:solidFill>
-                  <a:schemeClr val="tx1"/>
-                </a:solidFill>
-                <a:latin typeface="+mn-lt"/>
-                <a:ea typeface="+mn-ea"/>
-                <a:cs typeface="+mn-cs"/>
-              </a:rPr>
-              <a:t> </a:t>
-            </a:r>
-            <a:r>
-              <a:rPr lang="de-AT" sz="1200" b="0" i="0" u="none" strike="noStrike" kern="1200" baseline="0" dirty="0" err="1" smtClean="0">
-                <a:solidFill>
-                  <a:schemeClr val="tx1"/>
-                </a:solidFill>
-                <a:latin typeface="+mn-lt"/>
-                <a:ea typeface="+mn-ea"/>
-                <a:cs typeface="+mn-cs"/>
-              </a:rPr>
-              <a:t>and</a:t>
-            </a:r>
-            <a:r>
-              <a:rPr lang="de-AT" sz="1200" b="0" i="0" u="none" strike="noStrike" kern="1200" baseline="0" dirty="0" smtClean="0">
-                <a:solidFill>
-                  <a:schemeClr val="tx1"/>
-                </a:solidFill>
-                <a:latin typeface="+mn-lt"/>
-                <a:ea typeface="+mn-ea"/>
-                <a:cs typeface="+mn-cs"/>
-              </a:rPr>
-              <a:t> </a:t>
-            </a:r>
-            <a:r>
-              <a:rPr lang="de-AT" sz="1200" b="0" i="0" u="none" strike="noStrike" kern="1200" baseline="0" dirty="0" err="1" smtClean="0">
-                <a:solidFill>
-                  <a:schemeClr val="tx1"/>
-                </a:solidFill>
-                <a:latin typeface="+mn-lt"/>
-                <a:ea typeface="+mn-ea"/>
-                <a:cs typeface="+mn-cs"/>
-              </a:rPr>
-              <a:t>add</a:t>
-            </a:r>
-            <a:r>
-              <a:rPr lang="de-AT" sz="1200" b="0" i="0" u="none" strike="noStrike" kern="1200" baseline="0" dirty="0" smtClean="0">
-                <a:solidFill>
-                  <a:schemeClr val="tx1"/>
-                </a:solidFill>
-                <a:latin typeface="+mn-lt"/>
-                <a:ea typeface="+mn-ea"/>
-                <a:cs typeface="+mn-cs"/>
-              </a:rPr>
-              <a:t> </a:t>
-            </a:r>
-            <a:r>
-              <a:rPr lang="de-AT" sz="1200" b="0" i="0" u="none" strike="noStrike" kern="1200" baseline="0" dirty="0" err="1" smtClean="0">
-                <a:solidFill>
-                  <a:schemeClr val="tx1"/>
-                </a:solidFill>
-                <a:latin typeface="+mn-lt"/>
-                <a:ea typeface="+mn-ea"/>
-                <a:cs typeface="+mn-cs"/>
-              </a:rPr>
-              <a:t>features</a:t>
-            </a:r>
-            <a:r>
-              <a:rPr lang="de-AT" sz="1200" b="0" i="0" u="none" strike="noStrike" kern="1200" baseline="0" dirty="0" smtClean="0">
-                <a:solidFill>
-                  <a:schemeClr val="tx1"/>
-                </a:solidFill>
-                <a:latin typeface="+mn-lt"/>
-                <a:ea typeface="+mn-ea"/>
-                <a:cs typeface="+mn-cs"/>
-              </a:rPr>
-              <a:t>.</a:t>
-            </a:r>
-            <a:endParaRPr lang="de-AT" dirty="0" smtClean="0"/>
-          </a:p>
-          <a:p>
+              <a:rPr lang="de-AT" baseline="0" dirty="0" err="1" smtClean="0"/>
+              <a:t>optimally</a:t>
+            </a:r>
+            <a:endParaRPr lang="de-AT" baseline="0" dirty="0" smtClean="0"/>
+          </a:p>
+          <a:p>
+            <a:endParaRPr lang="de-AT" baseline="0" dirty="0" smtClean="0"/>
+          </a:p>
+          <a:p>
+            <a:r>
+              <a:rPr lang="de-AT" baseline="0" dirty="0" err="1" smtClean="0"/>
+              <a:t>Better</a:t>
+            </a:r>
+            <a:r>
+              <a:rPr lang="de-AT" baseline="0" dirty="0" smtClean="0"/>
+              <a:t> </a:t>
+            </a:r>
+            <a:r>
+              <a:rPr lang="de-AT" baseline="0" dirty="0" err="1" smtClean="0"/>
+              <a:t>results</a:t>
+            </a:r>
+            <a:r>
+              <a:rPr lang="de-AT" baseline="0" dirty="0" smtClean="0"/>
+              <a:t> </a:t>
+            </a:r>
+            <a:r>
+              <a:rPr lang="de-AT" baseline="0" dirty="0" err="1" smtClean="0"/>
+              <a:t>achieved</a:t>
+            </a:r>
+            <a:r>
+              <a:rPr lang="de-AT" baseline="0" dirty="0" smtClean="0"/>
+              <a:t> </a:t>
+            </a:r>
+            <a:r>
+              <a:rPr lang="de-AT" baseline="0" dirty="0" err="1" smtClean="0"/>
+              <a:t>normally</a:t>
+            </a:r>
+            <a:r>
+              <a:rPr lang="de-AT" baseline="0" dirty="0" smtClean="0"/>
+              <a:t> !!!</a:t>
+            </a:r>
             <a:endParaRPr lang="de-AT" dirty="0"/>
           </a:p>
         </p:txBody>
@@ -1361,7 +1039,7 @@
             <a:fld id="{07914D93-ABC8-448C-8296-85FD12164B61}" type="slidenum">
               <a:rPr lang="de-DE" altLang="de-DE" smtClean="0"/>
               <a:pPr/>
-              <a:t>13</a:t>
+              <a:t>12</a:t>
             </a:fld>
             <a:endParaRPr lang="de-DE" altLang="de-DE"/>
           </a:p>
@@ -1370,7 +1048,7 @@
     </p:spTree>
     <p:extLst>
       <p:ext uri="{BB962C8B-B14F-4D97-AF65-F5344CB8AC3E}">
-        <p14:creationId xmlns:p14="http://schemas.microsoft.com/office/powerpoint/2010/main" val="2073029618"/>
+        <p14:creationId xmlns:p14="http://schemas.microsoft.com/office/powerpoint/2010/main" val="2492573933"/>
       </p:ext>
     </p:extLst>
   </p:cSld>
@@ -1426,51 +1104,15 @@
           <a:p>
             <a:r>
               <a:rPr lang="de-AT" dirty="0" smtClean="0"/>
-              <a:t>Evaluation/</a:t>
-            </a:r>
-            <a:r>
-              <a:rPr lang="de-AT" dirty="0" err="1" smtClean="0"/>
-              <a:t>Estimation</a:t>
-            </a:r>
-            <a:r>
-              <a:rPr lang="de-AT" dirty="0" smtClean="0"/>
-              <a:t>: </a:t>
-            </a:r>
-          </a:p>
-          <a:p>
-            <a:r>
-              <a:rPr lang="de-AT" dirty="0" smtClean="0"/>
-              <a:t>´</a:t>
-            </a:r>
-          </a:p>
-          <a:p>
-            <a:r>
-              <a:rPr lang="de-AT" dirty="0" smtClean="0"/>
-              <a:t>Train </a:t>
-            </a:r>
-            <a:r>
-              <a:rPr lang="de-AT" dirty="0" err="1" smtClean="0"/>
-              <a:t>classsifier</a:t>
+              <a:t>Search </a:t>
+            </a:r>
+            <a:r>
+              <a:rPr lang="de-AT" dirty="0" err="1" smtClean="0"/>
+              <a:t>for</a:t>
             </a:r>
             <a:r>
               <a:rPr lang="de-AT" baseline="0" dirty="0" smtClean="0"/>
-              <a:t>  </a:t>
-            </a:r>
-            <a:r>
-              <a:rPr lang="de-AT" baseline="0" dirty="0" err="1" smtClean="0"/>
-              <a:t>with</a:t>
-            </a:r>
-            <a:r>
-              <a:rPr lang="de-AT" baseline="0" dirty="0" smtClean="0"/>
-              <a:t>  </a:t>
-            </a:r>
-            <a:r>
-              <a:rPr lang="de-AT" baseline="0" dirty="0" err="1" smtClean="0"/>
-              <a:t>the</a:t>
-            </a:r>
-            <a:r>
-              <a:rPr lang="de-AT" baseline="0" dirty="0" smtClean="0"/>
-              <a:t>  </a:t>
+              <a:t> a </a:t>
             </a:r>
             <a:r>
               <a:rPr lang="de-AT" baseline="0" dirty="0" err="1" smtClean="0"/>
@@ -1478,88 +1120,495 @@
             </a:r>
             <a:r>
               <a:rPr lang="de-AT" baseline="0" dirty="0" smtClean="0"/>
-              <a:t>, </a:t>
-            </a:r>
-            <a:r>
-              <a:rPr lang="de-AT" baseline="0" dirty="0" err="1" smtClean="0"/>
-              <a:t>evaluate</a:t>
-            </a:r>
-            <a:r>
-              <a:rPr lang="de-AT" baseline="0" dirty="0" smtClean="0"/>
-              <a:t> </a:t>
-            </a:r>
-            <a:r>
-              <a:rPr lang="de-AT" baseline="0" dirty="0" err="1" smtClean="0"/>
-              <a:t>e.g</a:t>
-            </a:r>
-            <a:r>
-              <a:rPr lang="de-AT" baseline="0" dirty="0" smtClean="0"/>
-              <a:t> </a:t>
-            </a:r>
-            <a:r>
-              <a:rPr lang="de-AT" baseline="0" dirty="0" err="1" smtClean="0"/>
-              <a:t>with</a:t>
-            </a:r>
-            <a:r>
-              <a:rPr lang="de-AT" baseline="0" dirty="0" smtClean="0"/>
-              <a:t>, </a:t>
-            </a:r>
-            <a:r>
-              <a:rPr lang="de-AT" baseline="0" dirty="0" err="1" smtClean="0"/>
-              <a:t>cross</a:t>
-            </a:r>
-            <a:r>
-              <a:rPr lang="de-AT" baseline="0" dirty="0" smtClean="0"/>
-              <a:t> </a:t>
-            </a:r>
-            <a:r>
-              <a:rPr lang="de-AT" baseline="0" dirty="0" err="1" smtClean="0"/>
-              <a:t>validation</a:t>
-            </a:r>
-            <a:r>
-              <a:rPr lang="de-AT" baseline="0" dirty="0" smtClean="0"/>
+              <a:t> </a:t>
+            </a:r>
+            <a:r>
+              <a:rPr lang="de-AT" dirty="0" smtClean="0"/>
+              <a:t>: different </a:t>
+            </a:r>
+            <a:r>
+              <a:rPr lang="de-AT" dirty="0" err="1" smtClean="0"/>
+              <a:t>algorithms</a:t>
+            </a:r>
+            <a:r>
+              <a:rPr lang="de-AT" dirty="0" smtClean="0"/>
+              <a:t> </a:t>
+            </a:r>
+            <a:r>
+              <a:rPr lang="de-AT" dirty="0" err="1" smtClean="0"/>
+              <a:t>possible</a:t>
+            </a:r>
+            <a:r>
+              <a:rPr lang="de-AT" dirty="0" smtClean="0"/>
+              <a:t>: </a:t>
+            </a:r>
+          </a:p>
+          <a:p>
+            <a:r>
+              <a:rPr lang="en-US" sz="1200" b="0" i="0" u="none" strike="noStrike" kern="1200" baseline="0" dirty="0" smtClean="0">
+                <a:solidFill>
+                  <a:schemeClr val="tx1"/>
+                </a:solidFill>
+                <a:latin typeface="+mn-lt"/>
+                <a:ea typeface="+mn-ea"/>
+                <a:cs typeface="+mn-cs"/>
+              </a:rPr>
+              <a:t>hill-climbing, best-first, branch-and-bound, and genetic </a:t>
+            </a:r>
+            <a:r>
+              <a:rPr lang="de-AT" sz="1200" b="0" i="0" u="none" strike="noStrike" kern="1200" baseline="0" dirty="0" err="1" smtClean="0">
+                <a:solidFill>
+                  <a:schemeClr val="tx1"/>
+                </a:solidFill>
+                <a:latin typeface="+mn-lt"/>
+                <a:ea typeface="+mn-ea"/>
+                <a:cs typeface="+mn-cs"/>
+              </a:rPr>
+              <a:t>algorithms</a:t>
+            </a:r>
+            <a:r>
+              <a:rPr lang="de-AT" sz="1200" b="0" i="0" u="none" strike="noStrike" kern="1200" baseline="0" dirty="0" smtClean="0">
+                <a:solidFill>
+                  <a:schemeClr val="tx1"/>
+                </a:solidFill>
+                <a:latin typeface="+mn-lt"/>
+                <a:ea typeface="+mn-ea"/>
+                <a:cs typeface="+mn-cs"/>
+              </a:rPr>
+              <a:t>.</a:t>
+            </a:r>
+          </a:p>
+          <a:p>
+            <a:r>
+              <a:rPr lang="de-AT" sz="1200" b="0" i="0" u="none" strike="noStrike" kern="1200" baseline="0" dirty="0" err="1" smtClean="0">
+                <a:solidFill>
+                  <a:schemeClr val="tx1"/>
+                </a:solidFill>
+                <a:latin typeface="+mn-lt"/>
+                <a:ea typeface="+mn-ea"/>
+                <a:cs typeface="+mn-cs"/>
+              </a:rPr>
+              <a:t>Either</a:t>
+            </a:r>
+            <a:r>
+              <a:rPr lang="de-AT" sz="1200" b="0" i="0" u="none" strike="noStrike" kern="1200" baseline="0" dirty="0" smtClean="0">
+                <a:solidFill>
+                  <a:schemeClr val="tx1"/>
+                </a:solidFill>
+                <a:latin typeface="+mn-lt"/>
+                <a:ea typeface="+mn-ea"/>
+                <a:cs typeface="+mn-cs"/>
+              </a:rPr>
+              <a:t>  </a:t>
+            </a:r>
+            <a:r>
+              <a:rPr lang="de-AT" sz="1200" b="0" i="0" u="none" strike="noStrike" kern="1200" baseline="0" dirty="0" err="1" smtClean="0">
+                <a:solidFill>
+                  <a:schemeClr val="tx1"/>
+                </a:solidFill>
+                <a:latin typeface="+mn-lt"/>
+                <a:ea typeface="+mn-ea"/>
+                <a:cs typeface="+mn-cs"/>
+              </a:rPr>
+              <a:t>start</a:t>
+            </a:r>
+            <a:r>
+              <a:rPr lang="de-AT" sz="1200" b="0" i="0" u="none" strike="noStrike" kern="1200" baseline="0" dirty="0" smtClean="0">
+                <a:solidFill>
+                  <a:schemeClr val="tx1"/>
+                </a:solidFill>
+                <a:latin typeface="+mn-lt"/>
+                <a:ea typeface="+mn-ea"/>
+                <a:cs typeface="+mn-cs"/>
+              </a:rPr>
+              <a:t>  </a:t>
+            </a:r>
+            <a:r>
+              <a:rPr lang="de-AT" sz="1200" b="0" i="0" u="none" strike="noStrike" kern="1200" baseline="0" dirty="0" err="1" smtClean="0">
+                <a:solidFill>
+                  <a:schemeClr val="tx1"/>
+                </a:solidFill>
+                <a:latin typeface="+mn-lt"/>
+                <a:ea typeface="+mn-ea"/>
+                <a:cs typeface="+mn-cs"/>
+              </a:rPr>
+              <a:t>from</a:t>
+            </a:r>
+            <a:r>
+              <a:rPr lang="de-AT" sz="1200" b="0" i="0" u="none" strike="noStrike" kern="1200" baseline="0" dirty="0" smtClean="0">
+                <a:solidFill>
+                  <a:schemeClr val="tx1"/>
+                </a:solidFill>
+                <a:latin typeface="+mn-lt"/>
+                <a:ea typeface="+mn-ea"/>
+                <a:cs typeface="+mn-cs"/>
+              </a:rPr>
+              <a:t>  </a:t>
+            </a:r>
+            <a:r>
+              <a:rPr lang="de-AT" sz="1200" b="0" i="0" u="none" strike="noStrike" kern="1200" baseline="0" dirty="0" err="1" smtClean="0">
+                <a:solidFill>
+                  <a:schemeClr val="tx1"/>
+                </a:solidFill>
+                <a:latin typeface="+mn-lt"/>
+                <a:ea typeface="+mn-ea"/>
+                <a:cs typeface="+mn-cs"/>
+              </a:rPr>
+              <a:t>full</a:t>
+            </a:r>
+            <a:r>
+              <a:rPr lang="de-AT" sz="1200" b="0" i="0" u="none" strike="noStrike" kern="1200" baseline="0" dirty="0" smtClean="0">
+                <a:solidFill>
+                  <a:schemeClr val="tx1"/>
+                </a:solidFill>
+                <a:latin typeface="+mn-lt"/>
+                <a:ea typeface="+mn-ea"/>
+                <a:cs typeface="+mn-cs"/>
+              </a:rPr>
+              <a:t> </a:t>
+            </a:r>
+            <a:r>
+              <a:rPr lang="de-AT" sz="1200" b="0" i="0" u="none" strike="noStrike" kern="1200" baseline="0" dirty="0" err="1" smtClean="0">
+                <a:solidFill>
+                  <a:schemeClr val="tx1"/>
+                </a:solidFill>
+                <a:latin typeface="+mn-lt"/>
+                <a:ea typeface="+mn-ea"/>
+                <a:cs typeface="+mn-cs"/>
+              </a:rPr>
+              <a:t>set</a:t>
+            </a:r>
+            <a:r>
+              <a:rPr lang="de-AT" sz="1200" b="0" i="0" u="none" strike="noStrike" kern="1200" baseline="0" dirty="0" smtClean="0">
+                <a:solidFill>
+                  <a:schemeClr val="tx1"/>
+                </a:solidFill>
+                <a:latin typeface="+mn-lt"/>
+                <a:ea typeface="+mn-ea"/>
+                <a:cs typeface="+mn-cs"/>
+              </a:rPr>
+              <a:t> </a:t>
+            </a:r>
+            <a:r>
+              <a:rPr lang="de-AT" sz="1200" b="0" i="0" u="none" strike="noStrike" kern="1200" baseline="0" dirty="0" err="1" smtClean="0">
+                <a:solidFill>
+                  <a:schemeClr val="tx1"/>
+                </a:solidFill>
+                <a:latin typeface="+mn-lt"/>
+                <a:ea typeface="+mn-ea"/>
+                <a:cs typeface="+mn-cs"/>
+              </a:rPr>
+              <a:t>and</a:t>
+            </a:r>
+            <a:r>
+              <a:rPr lang="de-AT" sz="1200" b="0" i="0" u="none" strike="noStrike" kern="1200" baseline="0" dirty="0" smtClean="0">
+                <a:solidFill>
+                  <a:schemeClr val="tx1"/>
+                </a:solidFill>
+                <a:latin typeface="+mn-lt"/>
+                <a:ea typeface="+mn-ea"/>
+                <a:cs typeface="+mn-cs"/>
+              </a:rPr>
+              <a:t> </a:t>
+            </a:r>
+            <a:r>
+              <a:rPr lang="de-AT" sz="1200" b="0" i="0" u="none" strike="noStrike" kern="1200" baseline="0" dirty="0" err="1" smtClean="0">
+                <a:solidFill>
+                  <a:schemeClr val="tx1"/>
+                </a:solidFill>
+                <a:latin typeface="+mn-lt"/>
+                <a:ea typeface="+mn-ea"/>
+                <a:cs typeface="+mn-cs"/>
+              </a:rPr>
+              <a:t>reduce</a:t>
+            </a:r>
+            <a:r>
+              <a:rPr lang="de-AT" sz="1200" b="0" i="0" u="none" strike="noStrike" kern="1200" baseline="0" dirty="0" smtClean="0">
+                <a:solidFill>
+                  <a:schemeClr val="tx1"/>
+                </a:solidFill>
+                <a:latin typeface="+mn-lt"/>
+                <a:ea typeface="+mn-ea"/>
+                <a:cs typeface="+mn-cs"/>
+              </a:rPr>
+              <a:t> </a:t>
+            </a:r>
+            <a:r>
+              <a:rPr lang="de-AT" sz="1200" b="0" i="0" u="none" strike="noStrike" kern="1200" baseline="0" dirty="0" err="1" smtClean="0">
+                <a:solidFill>
+                  <a:schemeClr val="tx1"/>
+                </a:solidFill>
+                <a:latin typeface="+mn-lt"/>
+                <a:ea typeface="+mn-ea"/>
+                <a:cs typeface="+mn-cs"/>
+              </a:rPr>
+              <a:t>features</a:t>
+            </a:r>
+            <a:r>
+              <a:rPr lang="de-AT" sz="1200" b="0" i="0" u="none" strike="noStrike" kern="1200" baseline="0" dirty="0" smtClean="0">
+                <a:solidFill>
+                  <a:schemeClr val="tx1"/>
+                </a:solidFill>
+                <a:latin typeface="+mn-lt"/>
+                <a:ea typeface="+mn-ea"/>
+                <a:cs typeface="+mn-cs"/>
+              </a:rPr>
+              <a:t>,  </a:t>
+            </a:r>
+            <a:r>
+              <a:rPr lang="de-AT" sz="1200" b="0" i="0" u="none" strike="noStrike" kern="1200" baseline="0" dirty="0" err="1" smtClean="0">
+                <a:solidFill>
+                  <a:schemeClr val="tx1"/>
+                </a:solidFill>
+                <a:latin typeface="+mn-lt"/>
+                <a:ea typeface="+mn-ea"/>
+                <a:cs typeface="+mn-cs"/>
+              </a:rPr>
+              <a:t>or</a:t>
+            </a:r>
+            <a:r>
+              <a:rPr lang="de-AT" sz="1200" b="0" i="0" u="none" strike="noStrike" kern="1200" baseline="0" dirty="0" smtClean="0">
+                <a:solidFill>
+                  <a:schemeClr val="tx1"/>
+                </a:solidFill>
+                <a:latin typeface="+mn-lt"/>
+                <a:ea typeface="+mn-ea"/>
+                <a:cs typeface="+mn-cs"/>
+              </a:rPr>
+              <a:t>  </a:t>
+            </a:r>
+            <a:r>
+              <a:rPr lang="de-AT" sz="1200" b="0" i="0" u="none" strike="noStrike" kern="1200" baseline="0" dirty="0" err="1" smtClean="0">
+                <a:solidFill>
+                  <a:schemeClr val="tx1"/>
+                </a:solidFill>
+                <a:latin typeface="+mn-lt"/>
+                <a:ea typeface="+mn-ea"/>
+                <a:cs typeface="+mn-cs"/>
+              </a:rPr>
+              <a:t>start</a:t>
+            </a:r>
+            <a:r>
+              <a:rPr lang="de-AT" sz="1200" b="0" i="0" u="none" strike="noStrike" kern="1200" baseline="0" dirty="0" smtClean="0">
+                <a:solidFill>
+                  <a:schemeClr val="tx1"/>
+                </a:solidFill>
+                <a:latin typeface="+mn-lt"/>
+                <a:ea typeface="+mn-ea"/>
+                <a:cs typeface="+mn-cs"/>
+              </a:rPr>
+              <a:t> </a:t>
+            </a:r>
+            <a:r>
+              <a:rPr lang="de-AT" sz="1200" b="0" i="0" u="none" strike="noStrike" kern="1200" baseline="0" dirty="0" err="1" smtClean="0">
+                <a:solidFill>
+                  <a:schemeClr val="tx1"/>
+                </a:solidFill>
+                <a:latin typeface="+mn-lt"/>
+                <a:ea typeface="+mn-ea"/>
+                <a:cs typeface="+mn-cs"/>
+              </a:rPr>
+              <a:t>from</a:t>
+            </a:r>
+            <a:r>
+              <a:rPr lang="de-AT" sz="1200" b="0" i="0" u="none" strike="noStrike" kern="1200" baseline="0" dirty="0" smtClean="0">
+                <a:solidFill>
+                  <a:schemeClr val="tx1"/>
+                </a:solidFill>
+                <a:latin typeface="+mn-lt"/>
+                <a:ea typeface="+mn-ea"/>
+                <a:cs typeface="+mn-cs"/>
+              </a:rPr>
+              <a:t>  </a:t>
+            </a:r>
+            <a:r>
+              <a:rPr lang="de-AT" sz="1200" b="0" i="0" u="none" strike="noStrike" kern="1200" baseline="0" dirty="0" err="1" smtClean="0">
+                <a:solidFill>
+                  <a:schemeClr val="tx1"/>
+                </a:solidFill>
+                <a:latin typeface="+mn-lt"/>
+                <a:ea typeface="+mn-ea"/>
+                <a:cs typeface="+mn-cs"/>
+              </a:rPr>
+              <a:t>empty</a:t>
+            </a:r>
+            <a:r>
+              <a:rPr lang="de-AT" sz="1200" b="0" i="0" u="none" strike="noStrike" kern="1200" baseline="0" dirty="0" smtClean="0">
+                <a:solidFill>
+                  <a:schemeClr val="tx1"/>
+                </a:solidFill>
+                <a:latin typeface="+mn-lt"/>
+                <a:ea typeface="+mn-ea"/>
+                <a:cs typeface="+mn-cs"/>
+              </a:rPr>
+              <a:t> </a:t>
+            </a:r>
+            <a:r>
+              <a:rPr lang="de-AT" sz="1200" b="0" i="0" u="none" strike="noStrike" kern="1200" baseline="0" dirty="0" err="1" smtClean="0">
+                <a:solidFill>
+                  <a:schemeClr val="tx1"/>
+                </a:solidFill>
+                <a:latin typeface="+mn-lt"/>
+                <a:ea typeface="+mn-ea"/>
+                <a:cs typeface="+mn-cs"/>
+              </a:rPr>
+              <a:t>set</a:t>
+            </a:r>
+            <a:r>
+              <a:rPr lang="de-AT" sz="1200" b="0" i="0" u="none" strike="noStrike" kern="1200" baseline="0" dirty="0" smtClean="0">
+                <a:solidFill>
+                  <a:schemeClr val="tx1"/>
+                </a:solidFill>
+                <a:latin typeface="+mn-lt"/>
+                <a:ea typeface="+mn-ea"/>
+                <a:cs typeface="+mn-cs"/>
+              </a:rPr>
+              <a:t> </a:t>
+            </a:r>
+            <a:r>
+              <a:rPr lang="de-AT" sz="1200" b="0" i="0" u="none" strike="noStrike" kern="1200" baseline="0" dirty="0" err="1" smtClean="0">
+                <a:solidFill>
+                  <a:schemeClr val="tx1"/>
+                </a:solidFill>
+                <a:latin typeface="+mn-lt"/>
+                <a:ea typeface="+mn-ea"/>
+                <a:cs typeface="+mn-cs"/>
+              </a:rPr>
+              <a:t>and</a:t>
+            </a:r>
+            <a:r>
+              <a:rPr lang="de-AT" sz="1200" b="0" i="0" u="none" strike="noStrike" kern="1200" baseline="0" dirty="0" smtClean="0">
+                <a:solidFill>
+                  <a:schemeClr val="tx1"/>
+                </a:solidFill>
+                <a:latin typeface="+mn-lt"/>
+                <a:ea typeface="+mn-ea"/>
+                <a:cs typeface="+mn-cs"/>
+              </a:rPr>
+              <a:t> </a:t>
+            </a:r>
+            <a:r>
+              <a:rPr lang="de-AT" sz="1200" b="0" i="0" u="none" strike="noStrike" kern="1200" baseline="0" dirty="0" err="1" smtClean="0">
+                <a:solidFill>
+                  <a:schemeClr val="tx1"/>
+                </a:solidFill>
+                <a:latin typeface="+mn-lt"/>
+                <a:ea typeface="+mn-ea"/>
+                <a:cs typeface="+mn-cs"/>
+              </a:rPr>
+              <a:t>add</a:t>
+            </a:r>
+            <a:r>
+              <a:rPr lang="de-AT" sz="1200" b="0" i="0" u="none" strike="noStrike" kern="1200" baseline="0" dirty="0" smtClean="0">
+                <a:solidFill>
+                  <a:schemeClr val="tx1"/>
+                </a:solidFill>
+                <a:latin typeface="+mn-lt"/>
+                <a:ea typeface="+mn-ea"/>
+                <a:cs typeface="+mn-cs"/>
+              </a:rPr>
+              <a:t> </a:t>
+            </a:r>
+            <a:r>
+              <a:rPr lang="de-AT" sz="1200" b="0" i="0" u="none" strike="noStrike" kern="1200" baseline="0" dirty="0" err="1" smtClean="0">
+                <a:solidFill>
+                  <a:schemeClr val="tx1"/>
+                </a:solidFill>
+                <a:latin typeface="+mn-lt"/>
+                <a:ea typeface="+mn-ea"/>
+                <a:cs typeface="+mn-cs"/>
+              </a:rPr>
+              <a:t>features</a:t>
+            </a:r>
+            <a:r>
+              <a:rPr lang="de-AT" sz="1200" b="0" i="0" u="none" strike="noStrike" kern="1200" baseline="0" dirty="0" smtClean="0">
+                <a:solidFill>
+                  <a:schemeClr val="tx1"/>
+                </a:solidFill>
+                <a:latin typeface="+mn-lt"/>
+                <a:ea typeface="+mn-ea"/>
+                <a:cs typeface="+mn-cs"/>
+              </a:rPr>
               <a:t> – </a:t>
             </a:r>
             <a:r>
-              <a:rPr lang="de-AT" baseline="0" dirty="0" err="1" smtClean="0"/>
-              <a:t>uses</a:t>
-            </a:r>
-            <a:r>
-              <a:rPr lang="de-AT" baseline="0" dirty="0" smtClean="0"/>
-              <a:t> </a:t>
-            </a:r>
-            <a:r>
-              <a:rPr lang="de-AT" baseline="0" dirty="0" err="1" smtClean="0"/>
-              <a:t>the</a:t>
-            </a:r>
-            <a:r>
-              <a:rPr lang="de-AT" baseline="0" dirty="0" smtClean="0"/>
-              <a:t> </a:t>
-            </a:r>
-            <a:r>
-              <a:rPr lang="de-AT" baseline="0" dirty="0" err="1" smtClean="0"/>
-              <a:t>classifier</a:t>
-            </a:r>
-            <a:r>
-              <a:rPr lang="de-AT" baseline="0" dirty="0" smtClean="0"/>
-              <a:t>!</a:t>
-            </a:r>
-          </a:p>
-          <a:p>
-            <a:endParaRPr lang="de-AT" baseline="0" dirty="0" smtClean="0"/>
-          </a:p>
-          <a:p>
-            <a:endParaRPr lang="de-AT" baseline="0" dirty="0" smtClean="0"/>
-          </a:p>
-          <a:p>
-            <a:endParaRPr lang="de-AT" baseline="0" dirty="0" smtClean="0"/>
-          </a:p>
-          <a:p>
-            <a:pPr marL="0" indent="0">
-              <a:buFont typeface="+mj-lt"/>
-              <a:buNone/>
-            </a:pPr>
-            <a:endParaRPr lang="de-AT" baseline="0" dirty="0" smtClean="0"/>
+              <a:rPr lang="de-AT" sz="1200" b="0" i="0" u="none" strike="noStrike" kern="1200" baseline="0" dirty="0" err="1" smtClean="0">
+                <a:solidFill>
+                  <a:schemeClr val="tx1"/>
+                </a:solidFill>
+                <a:latin typeface="+mn-lt"/>
+                <a:ea typeface="+mn-ea"/>
+                <a:cs typeface="+mn-cs"/>
+              </a:rPr>
+              <a:t>forward</a:t>
+            </a:r>
+            <a:r>
+              <a:rPr lang="de-AT" sz="1200" b="0" i="0" u="none" strike="noStrike" kern="1200" baseline="0" dirty="0" smtClean="0">
+                <a:solidFill>
+                  <a:schemeClr val="tx1"/>
+                </a:solidFill>
+                <a:latin typeface="+mn-lt"/>
+                <a:ea typeface="+mn-ea"/>
+                <a:cs typeface="+mn-cs"/>
+              </a:rPr>
+              <a:t> </a:t>
+            </a:r>
+            <a:r>
+              <a:rPr lang="de-AT" sz="1200" b="0" i="0" u="none" strike="noStrike" kern="1200" baseline="0" dirty="0" err="1" smtClean="0">
+                <a:solidFill>
+                  <a:schemeClr val="tx1"/>
+                </a:solidFill>
+                <a:latin typeface="+mn-lt"/>
+                <a:ea typeface="+mn-ea"/>
+                <a:cs typeface="+mn-cs"/>
+              </a:rPr>
+              <a:t>selection</a:t>
+            </a:r>
+            <a:r>
+              <a:rPr lang="de-AT" sz="1200" b="0" i="0" u="none" strike="noStrike" kern="1200" baseline="0" dirty="0" smtClean="0">
+                <a:solidFill>
+                  <a:schemeClr val="tx1"/>
+                </a:solidFill>
+                <a:latin typeface="+mn-lt"/>
+                <a:ea typeface="+mn-ea"/>
+                <a:cs typeface="+mn-cs"/>
+              </a:rPr>
+              <a:t>/</a:t>
+            </a:r>
+            <a:r>
+              <a:rPr lang="de-AT" sz="1200" b="0" i="0" u="none" strike="noStrike" kern="1200" baseline="0" dirty="0" err="1" smtClean="0">
+                <a:solidFill>
+                  <a:schemeClr val="tx1"/>
+                </a:solidFill>
+                <a:latin typeface="+mn-lt"/>
+                <a:ea typeface="+mn-ea"/>
+                <a:cs typeface="+mn-cs"/>
+              </a:rPr>
+              <a:t>backward</a:t>
+            </a:r>
+            <a:r>
+              <a:rPr lang="de-AT" sz="1200" b="0" i="0" u="none" strike="noStrike" kern="1200" baseline="0" dirty="0" smtClean="0">
+                <a:solidFill>
+                  <a:schemeClr val="tx1"/>
+                </a:solidFill>
+                <a:latin typeface="+mn-lt"/>
+                <a:ea typeface="+mn-ea"/>
+                <a:cs typeface="+mn-cs"/>
+              </a:rPr>
+              <a:t> </a:t>
+            </a:r>
+            <a:r>
+              <a:rPr lang="de-AT" sz="1200" b="0" i="0" u="none" strike="noStrike" kern="1200" baseline="0" dirty="0" err="1" smtClean="0">
+                <a:solidFill>
+                  <a:schemeClr val="tx1"/>
+                </a:solidFill>
+                <a:latin typeface="+mn-lt"/>
+                <a:ea typeface="+mn-ea"/>
+                <a:cs typeface="+mn-cs"/>
+              </a:rPr>
+              <a:t>elimination</a:t>
+            </a:r>
+            <a:endParaRPr lang="de-AT" dirty="0" smtClean="0"/>
           </a:p>
           <a:p>
             <a:endParaRPr lang="de-AT" dirty="0"/>
@@ -1584,7 +1633,7 @@
             <a:fld id="{07914D93-ABC8-448C-8296-85FD12164B61}" type="slidenum">
               <a:rPr lang="de-DE" altLang="de-DE" smtClean="0"/>
               <a:pPr/>
-              <a:t>14</a:t>
+              <a:t>13</a:t>
             </a:fld>
             <a:endParaRPr lang="de-DE" altLang="de-DE"/>
           </a:p>
@@ -1593,7 +1642,7 @@
     </p:spTree>
     <p:extLst>
       <p:ext uri="{BB962C8B-B14F-4D97-AF65-F5344CB8AC3E}">
-        <p14:creationId xmlns:p14="http://schemas.microsoft.com/office/powerpoint/2010/main" val="3749207882"/>
+        <p14:creationId xmlns:p14="http://schemas.microsoft.com/office/powerpoint/2010/main" val="2073029618"/>
       </p:ext>
     </p:extLst>
   </p:cSld>
@@ -1648,32 +1697,52 @@
           <a:lstStyle/>
           <a:p>
             <a:r>
-              <a:rPr lang="de-AT" dirty="0" err="1" smtClean="0"/>
-              <a:t>Iterate</a:t>
-            </a:r>
-            <a:r>
-              <a:rPr lang="de-AT" dirty="0" smtClean="0"/>
-              <a:t>,</a:t>
+              <a:rPr lang="de-AT" dirty="0" smtClean="0"/>
+              <a:t>Evaluation/</a:t>
+            </a:r>
+            <a:r>
+              <a:rPr lang="de-AT" dirty="0" err="1" smtClean="0"/>
+              <a:t>Estimation</a:t>
+            </a:r>
+            <a:r>
+              <a:rPr lang="de-AT" dirty="0" smtClean="0"/>
+              <a:t>: </a:t>
+            </a:r>
+          </a:p>
+          <a:p>
+            <a:r>
+              <a:rPr lang="de-AT" dirty="0" smtClean="0"/>
+              <a:t>´</a:t>
+            </a:r>
+          </a:p>
+          <a:p>
+            <a:r>
+              <a:rPr lang="de-AT" dirty="0" smtClean="0"/>
+              <a:t>Train </a:t>
+            </a:r>
+            <a:r>
+              <a:rPr lang="de-AT" dirty="0" err="1" smtClean="0"/>
+              <a:t>classsifier</a:t>
             </a:r>
             <a:r>
               <a:rPr lang="de-AT" baseline="0" dirty="0" smtClean="0"/>
-              <a:t> </a:t>
+              <a:t>  </a:t>
             </a:r>
             <a:r>
               <a:rPr lang="de-AT" baseline="0" dirty="0" err="1" smtClean="0"/>
-              <a:t>expand</a:t>
+              <a:t>with</a:t>
             </a:r>
             <a:r>
               <a:rPr lang="de-AT" baseline="0" dirty="0" smtClean="0"/>
-              <a:t> </a:t>
+              <a:t>  </a:t>
             </a:r>
             <a:r>
               <a:rPr lang="de-AT" baseline="0" dirty="0" err="1" smtClean="0"/>
-              <a:t>old</a:t>
+              <a:t>the</a:t>
             </a:r>
             <a:r>
               <a:rPr lang="de-AT" baseline="0" dirty="0" smtClean="0"/>
-              <a:t> </a:t>
+              <a:t>  </a:t>
             </a:r>
             <a:r>
               <a:rPr lang="de-AT" baseline="0" dirty="0" err="1" smtClean="0"/>
@@ -1681,35 +1750,35 @@
             </a:r>
             <a:r>
               <a:rPr lang="de-AT" baseline="0" dirty="0" smtClean="0"/>
-              <a:t> </a:t>
+              <a:t>, </a:t>
             </a:r>
             <a:r>
               <a:rPr lang="de-AT" baseline="0" dirty="0" err="1" smtClean="0"/>
-              <a:t>and</a:t>
+              <a:t>evaluate</a:t>
             </a:r>
             <a:r>
               <a:rPr lang="de-AT" baseline="0" dirty="0" smtClean="0"/>
-              <a:t>  </a:t>
+              <a:t> </a:t>
             </a:r>
             <a:r>
               <a:rPr lang="de-AT" baseline="0" dirty="0" err="1" smtClean="0"/>
-              <a:t>add</a:t>
+              <a:t>e.g</a:t>
             </a:r>
             <a:r>
               <a:rPr lang="de-AT" baseline="0" dirty="0" smtClean="0"/>
-              <a:t>  </a:t>
+              <a:t> </a:t>
             </a:r>
             <a:r>
               <a:rPr lang="de-AT" baseline="0" dirty="0" err="1" smtClean="0"/>
-              <a:t>features</a:t>
+              <a:t>with</a:t>
             </a:r>
             <a:r>
               <a:rPr lang="de-AT" baseline="0" dirty="0" smtClean="0"/>
-              <a:t>, (</a:t>
+              <a:t>, </a:t>
             </a:r>
             <a:r>
               <a:rPr lang="de-AT" baseline="0" dirty="0" err="1" smtClean="0"/>
-              <a:t>or</a:t>
+              <a:t>cross</a:t>
             </a:r>
             <a:r>
               <a:rPr lang="de-AT" baseline="0" dirty="0" smtClean="0"/>
@@ -1717,15 +1786,15 @@
             </a:r>
             <a:r>
               <a:rPr lang="de-AT" baseline="0" dirty="0" err="1" smtClean="0"/>
-              <a:t>decimate</a:t>
+              <a:t>validation</a:t>
             </a:r>
             <a:r>
               <a:rPr lang="de-AT" baseline="0" dirty="0" smtClean="0"/>
-              <a:t> </a:t>
+              <a:t> – </a:t>
             </a:r>
             <a:r>
               <a:rPr lang="de-AT" baseline="0" dirty="0" err="1" smtClean="0"/>
-              <a:t>and</a:t>
+              <a:t>uses</a:t>
             </a:r>
             <a:r>
               <a:rPr lang="de-AT" baseline="0" dirty="0" smtClean="0"/>
@@ -1733,27 +1802,19 @@
             </a:r>
             <a:r>
               <a:rPr lang="de-AT" baseline="0" dirty="0" err="1" smtClean="0"/>
-              <a:t>remove</a:t>
+              <a:t>the</a:t>
             </a:r>
             <a:r>
               <a:rPr lang="de-AT" baseline="0" dirty="0" smtClean="0"/>
-              <a:t>) , </a:t>
+              <a:t> </a:t>
             </a:r>
             <a:r>
               <a:rPr lang="de-AT" baseline="0" dirty="0" err="1" smtClean="0"/>
-              <a:t>and</a:t>
+              <a:t>classifier</a:t>
             </a:r>
             <a:r>
               <a:rPr lang="de-AT" baseline="0" dirty="0" smtClean="0"/>
-              <a:t> </a:t>
-            </a:r>
-            <a:r>
-              <a:rPr lang="de-AT" baseline="0" dirty="0" err="1" smtClean="0"/>
-              <a:t>repeat</a:t>
-            </a:r>
-            <a:r>
-              <a:rPr lang="de-AT" baseline="0" dirty="0" smtClean="0"/>
-              <a:t> </a:t>
+              <a:t>!</a:t>
             </a:r>
           </a:p>
           <a:p>
@@ -1763,75 +1824,7 @@
             <a:endParaRPr lang="de-AT" baseline="0" dirty="0" smtClean="0"/>
           </a:p>
           <a:p>
-            <a:pPr marL="0" marR="0" indent="0" algn="l" defTabSz="914400" rtl="0" eaLnBrk="0" fontAlgn="base" latinLnBrk="0" hangingPunct="0">
-              <a:lnSpc>
-                <a:spcPct val="100000"/>
-              </a:lnSpc>
-              <a:spcBef>
-                <a:spcPct val="30000"/>
-              </a:spcBef>
-              <a:spcAft>
-                <a:spcPct val="0"/>
-              </a:spcAft>
-              <a:buClrTx/>
-              <a:buSzTx/>
-              <a:buFont typeface="+mj-lt"/>
-              <a:buNone/>
-              <a:tabLst/>
-              <a:defRPr/>
-            </a:pPr>
-            <a:r>
-              <a:rPr lang="de-AT" baseline="0" dirty="0" smtClean="0"/>
-              <a:t>--je nach </a:t>
-            </a:r>
-            <a:r>
-              <a:rPr lang="de-AT" baseline="0" dirty="0" err="1" smtClean="0"/>
-              <a:t>methode</a:t>
-            </a:r>
-            <a:r>
-              <a:rPr lang="de-AT" baseline="0" dirty="0" smtClean="0"/>
-              <a:t> </a:t>
-            </a:r>
-            <a:r>
-              <a:rPr lang="de-AT" baseline="0" dirty="0" err="1" smtClean="0"/>
-              <a:t>kommts</a:t>
-            </a:r>
-            <a:r>
-              <a:rPr lang="de-AT" baseline="0" dirty="0" smtClean="0"/>
-              <a:t> drauf an, wie  viele </a:t>
-            </a:r>
-            <a:r>
-              <a:rPr lang="de-AT" baseline="0" dirty="0" err="1" smtClean="0"/>
-              <a:t>subsets</a:t>
-            </a:r>
-            <a:r>
-              <a:rPr lang="de-AT" baseline="0" dirty="0" smtClean="0"/>
-              <a:t> getestet werden (</a:t>
-            </a:r>
-            <a:r>
-              <a:rPr lang="de-AT" baseline="0" dirty="0" err="1" smtClean="0"/>
-              <a:t>greedy</a:t>
-            </a:r>
-            <a:r>
-              <a:rPr lang="de-AT" baseline="0" dirty="0" smtClean="0"/>
-              <a:t> </a:t>
-            </a:r>
-            <a:r>
-              <a:rPr lang="de-AT" baseline="0" dirty="0" err="1" smtClean="0"/>
-              <a:t>vs</a:t>
-            </a:r>
-            <a:r>
-              <a:rPr lang="de-AT" baseline="0" dirty="0" smtClean="0"/>
-              <a:t> </a:t>
-            </a:r>
-            <a:r>
-              <a:rPr lang="de-AT" baseline="0" dirty="0" err="1" smtClean="0"/>
-              <a:t>genetic</a:t>
-            </a:r>
-            <a:r>
-              <a:rPr lang="de-AT" baseline="0" dirty="0" smtClean="0"/>
-              <a:t>)</a:t>
-            </a:r>
+            <a:endParaRPr lang="de-AT" baseline="0" dirty="0" smtClean="0"/>
           </a:p>
           <a:p>
             <a:pPr marL="0" indent="0">
@@ -1863,7 +1856,7 @@
             <a:fld id="{07914D93-ABC8-448C-8296-85FD12164B61}" type="slidenum">
               <a:rPr lang="de-DE" altLang="de-DE" smtClean="0"/>
               <a:pPr/>
-              <a:t>15</a:t>
+              <a:t>14</a:t>
             </a:fld>
             <a:endParaRPr lang="de-DE" altLang="de-DE"/>
           </a:p>
@@ -1872,7 +1865,7 @@
     </p:spTree>
     <p:extLst>
       <p:ext uri="{BB962C8B-B14F-4D97-AF65-F5344CB8AC3E}">
-        <p14:creationId xmlns:p14="http://schemas.microsoft.com/office/powerpoint/2010/main" val="3378138209"/>
+        <p14:creationId xmlns:p14="http://schemas.microsoft.com/office/powerpoint/2010/main" val="3749207882"/>
       </p:ext>
     </p:extLst>
   </p:cSld>
@@ -1926,17 +1919,190 @@
           <a:bodyPr/>
           <a:lstStyle/>
           <a:p>
-            <a:pPr marL="0" indent="0">
+            <a:r>
+              <a:rPr lang="de-AT" dirty="0" err="1" smtClean="0"/>
+              <a:t>Iterate</a:t>
+            </a:r>
+            <a:r>
+              <a:rPr lang="de-AT" dirty="0" smtClean="0"/>
+              <a:t>,</a:t>
+            </a:r>
+            <a:r>
+              <a:rPr lang="de-AT" baseline="0" dirty="0" smtClean="0"/>
+              <a:t> </a:t>
+            </a:r>
+            <a:r>
+              <a:rPr lang="de-AT" baseline="0" dirty="0" err="1" smtClean="0"/>
+              <a:t>expand</a:t>
+            </a:r>
+            <a:r>
+              <a:rPr lang="de-AT" baseline="0" dirty="0" smtClean="0"/>
+              <a:t> </a:t>
+            </a:r>
+            <a:r>
+              <a:rPr lang="de-AT" baseline="0" dirty="0" err="1" smtClean="0"/>
+              <a:t>old</a:t>
+            </a:r>
+            <a:r>
+              <a:rPr lang="de-AT" baseline="0" dirty="0" smtClean="0"/>
+              <a:t> </a:t>
+            </a:r>
+            <a:r>
+              <a:rPr lang="de-AT" baseline="0" dirty="0" err="1" smtClean="0"/>
+              <a:t>subset</a:t>
+            </a:r>
+            <a:r>
+              <a:rPr lang="de-AT" baseline="0" dirty="0" smtClean="0"/>
+              <a:t> </a:t>
+            </a:r>
+            <a:r>
+              <a:rPr lang="de-AT" baseline="0" dirty="0" err="1" smtClean="0"/>
+              <a:t>and</a:t>
+            </a:r>
+            <a:r>
+              <a:rPr lang="de-AT" baseline="0" dirty="0" smtClean="0"/>
+              <a:t>  </a:t>
+            </a:r>
+            <a:r>
+              <a:rPr lang="de-AT" baseline="0" dirty="0" err="1" smtClean="0"/>
+              <a:t>add</a:t>
+            </a:r>
+            <a:r>
+              <a:rPr lang="de-AT" baseline="0" dirty="0" smtClean="0"/>
+              <a:t>  </a:t>
+            </a:r>
+            <a:r>
+              <a:rPr lang="de-AT" baseline="0" dirty="0" err="1" smtClean="0"/>
+              <a:t>features</a:t>
+            </a:r>
+            <a:r>
+              <a:rPr lang="de-AT" baseline="0" dirty="0" smtClean="0"/>
+              <a:t>, (</a:t>
+            </a:r>
+            <a:r>
+              <a:rPr lang="de-AT" baseline="0" dirty="0" err="1" smtClean="0"/>
+              <a:t>or</a:t>
+            </a:r>
+            <a:r>
+              <a:rPr lang="de-AT" baseline="0" dirty="0" smtClean="0"/>
+              <a:t> </a:t>
+            </a:r>
+            <a:r>
+              <a:rPr lang="de-AT" baseline="0" dirty="0" err="1" smtClean="0"/>
+              <a:t>decimate</a:t>
+            </a:r>
+            <a:r>
+              <a:rPr lang="de-AT" baseline="0" dirty="0" smtClean="0"/>
+              <a:t> </a:t>
+            </a:r>
+            <a:r>
+              <a:rPr lang="de-AT" baseline="0" dirty="0" err="1" smtClean="0"/>
+              <a:t>and</a:t>
+            </a:r>
+            <a:r>
+              <a:rPr lang="de-AT" baseline="0" dirty="0" smtClean="0"/>
+              <a:t> </a:t>
+            </a:r>
+            <a:r>
+              <a:rPr lang="de-AT" baseline="0" dirty="0" err="1" smtClean="0"/>
+              <a:t>remove</a:t>
+            </a:r>
+            <a:r>
+              <a:rPr lang="de-AT" baseline="0" dirty="0" smtClean="0"/>
+              <a:t>) , </a:t>
+            </a:r>
+            <a:r>
+              <a:rPr lang="de-AT" baseline="0" dirty="0" err="1" smtClean="0"/>
+              <a:t>and</a:t>
+            </a:r>
+            <a:r>
+              <a:rPr lang="de-AT" baseline="0" dirty="0" smtClean="0"/>
+              <a:t> </a:t>
+            </a:r>
+            <a:r>
+              <a:rPr lang="de-AT" baseline="0" dirty="0" err="1" smtClean="0"/>
+              <a:t>repeat</a:t>
+            </a:r>
+            <a:r>
+              <a:rPr lang="de-AT" baseline="0" dirty="0" smtClean="0"/>
+              <a:t> </a:t>
+            </a:r>
+          </a:p>
+          <a:p>
+            <a:endParaRPr lang="de-AT" baseline="0" dirty="0" smtClean="0"/>
+          </a:p>
+          <a:p>
+            <a:endParaRPr lang="de-AT" baseline="0" dirty="0" smtClean="0"/>
+          </a:p>
+          <a:p>
+            <a:pPr marL="0" marR="0" indent="0" algn="l" defTabSz="914400" rtl="0" eaLnBrk="0" fontAlgn="base" latinLnBrk="0" hangingPunct="0">
+              <a:lnSpc>
+                <a:spcPct val="100000"/>
+              </a:lnSpc>
+              <a:spcBef>
+                <a:spcPct val="30000"/>
+              </a:spcBef>
+              <a:spcAft>
+                <a:spcPct val="0"/>
+              </a:spcAft>
+              <a:buClrTx/>
+              <a:buSzTx/>
               <a:buFont typeface="+mj-lt"/>
               <a:buNone/>
+              <a:tabLst/>
+              <a:defRPr/>
             </a:pPr>
             <a:r>
+              <a:rPr lang="de-AT" baseline="0" dirty="0" smtClean="0"/>
+              <a:t>--je nach </a:t>
+            </a:r>
+            <a:r>
               <a:rPr lang="de-AT" baseline="0" dirty="0" err="1" smtClean="0"/>
-              <a:t>Finally</a:t>
+              <a:t>methode</a:t>
             </a:r>
             <a:r>
               <a:rPr lang="de-AT" baseline="0" dirty="0" smtClean="0"/>
-              <a:t>: </a:t>
+              <a:t> </a:t>
+            </a:r>
+            <a:r>
+              <a:rPr lang="de-AT" baseline="0" dirty="0" err="1" smtClean="0"/>
+              <a:t>kommts</a:t>
+            </a:r>
+            <a:r>
+              <a:rPr lang="de-AT" baseline="0" dirty="0" smtClean="0"/>
+              <a:t> drauf an, wie  viele </a:t>
+            </a:r>
+            <a:r>
+              <a:rPr lang="de-AT" baseline="0" dirty="0" err="1" smtClean="0"/>
+              <a:t>subsets</a:t>
+            </a:r>
+            <a:r>
+              <a:rPr lang="de-AT" baseline="0" dirty="0" smtClean="0"/>
+              <a:t> getestet werden (</a:t>
+            </a:r>
+            <a:r>
+              <a:rPr lang="de-AT" baseline="0" dirty="0" err="1" smtClean="0"/>
+              <a:t>greedy</a:t>
+            </a:r>
+            <a:r>
+              <a:rPr lang="de-AT" baseline="0" dirty="0" smtClean="0"/>
+              <a:t> </a:t>
+            </a:r>
+            <a:r>
+              <a:rPr lang="de-AT" baseline="0" dirty="0" err="1" smtClean="0"/>
+              <a:t>vs</a:t>
+            </a:r>
+            <a:r>
+              <a:rPr lang="de-AT" baseline="0" dirty="0" smtClean="0"/>
+              <a:t> </a:t>
+            </a:r>
+            <a:r>
+              <a:rPr lang="de-AT" baseline="0" dirty="0" err="1" smtClean="0"/>
+              <a:t>genetic</a:t>
+            </a:r>
+            <a:r>
+              <a:rPr lang="de-AT" baseline="0" dirty="0" smtClean="0"/>
+              <a:t>)</a:t>
             </a:r>
           </a:p>
           <a:p>
@@ -1947,197 +2113,6 @@
             <a:endParaRPr lang="de-AT" baseline="0" dirty="0" smtClean="0"/>
           </a:p>
           <a:p>
-            <a:pPr marL="0" indent="0">
-              <a:buFont typeface="+mj-lt"/>
-              <a:buNone/>
-            </a:pPr>
-            <a:r>
-              <a:rPr lang="de-AT" dirty="0" err="1" smtClean="0"/>
-              <a:t>Use</a:t>
-            </a:r>
-            <a:r>
-              <a:rPr lang="de-AT" dirty="0" smtClean="0"/>
-              <a:t> </a:t>
-            </a:r>
-            <a:r>
-              <a:rPr lang="de-AT" dirty="0" err="1" smtClean="0"/>
-              <a:t>subset</a:t>
-            </a:r>
-            <a:r>
-              <a:rPr lang="de-AT" dirty="0" smtClean="0"/>
-              <a:t> </a:t>
-            </a:r>
-            <a:r>
-              <a:rPr lang="de-AT" dirty="0" err="1" smtClean="0"/>
-              <a:t>with</a:t>
-            </a:r>
-            <a:r>
-              <a:rPr lang="de-AT" dirty="0" smtClean="0"/>
-              <a:t> </a:t>
-            </a:r>
-            <a:r>
-              <a:rPr lang="de-AT" dirty="0" err="1" smtClean="0"/>
-              <a:t>best</a:t>
-            </a:r>
-            <a:r>
-              <a:rPr lang="de-AT" dirty="0" smtClean="0"/>
-              <a:t> </a:t>
-            </a:r>
-            <a:r>
-              <a:rPr lang="de-AT" dirty="0" err="1" smtClean="0"/>
-              <a:t>performance</a:t>
-            </a:r>
-            <a:r>
-              <a:rPr lang="de-AT" baseline="0" dirty="0" smtClean="0"/>
-              <a:t> </a:t>
-            </a:r>
-            <a:r>
-              <a:rPr lang="de-AT" baseline="0" dirty="0" err="1" smtClean="0"/>
-              <a:t>to</a:t>
-            </a:r>
-            <a:r>
-              <a:rPr lang="de-AT" baseline="0" dirty="0" smtClean="0"/>
-              <a:t> </a:t>
-            </a:r>
-            <a:r>
-              <a:rPr lang="de-AT" baseline="0" dirty="0" err="1" smtClean="0"/>
-              <a:t>train</a:t>
-            </a:r>
-            <a:r>
-              <a:rPr lang="de-AT" baseline="0" dirty="0" smtClean="0"/>
-              <a:t> </a:t>
-            </a:r>
-            <a:r>
-              <a:rPr lang="de-AT" baseline="0" dirty="0" err="1" smtClean="0"/>
-              <a:t>classifier</a:t>
-            </a:r>
-            <a:r>
-              <a:rPr lang="de-AT" baseline="0" dirty="0" smtClean="0"/>
-              <a:t>,  </a:t>
-            </a:r>
-            <a:r>
-              <a:rPr lang="de-AT" baseline="0" dirty="0" err="1" smtClean="0"/>
-              <a:t>and</a:t>
-            </a:r>
-            <a:r>
-              <a:rPr lang="de-AT" baseline="0" dirty="0" smtClean="0"/>
-              <a:t>   </a:t>
-            </a:r>
-            <a:r>
-              <a:rPr lang="de-AT" baseline="0" dirty="0" err="1" smtClean="0"/>
-              <a:t>use</a:t>
-            </a:r>
-            <a:r>
-              <a:rPr lang="de-AT" baseline="0" dirty="0" smtClean="0"/>
-              <a:t> </a:t>
-            </a:r>
-            <a:r>
-              <a:rPr lang="de-AT" baseline="0" dirty="0" err="1" smtClean="0"/>
-              <a:t>it</a:t>
-            </a:r>
-            <a:r>
-              <a:rPr lang="de-AT" baseline="0" dirty="0" smtClean="0"/>
-              <a:t>  </a:t>
-            </a:r>
-            <a:r>
-              <a:rPr lang="de-AT" baseline="0" dirty="0" err="1" smtClean="0"/>
-              <a:t>for</a:t>
-            </a:r>
-            <a:r>
-              <a:rPr lang="de-AT" baseline="0" dirty="0" smtClean="0"/>
-              <a:t> </a:t>
-            </a:r>
-            <a:r>
-              <a:rPr lang="de-AT" baseline="0" dirty="0" err="1" smtClean="0"/>
-              <a:t>actual</a:t>
-            </a:r>
-            <a:r>
-              <a:rPr lang="de-AT" baseline="0" dirty="0" smtClean="0"/>
-              <a:t> </a:t>
-            </a:r>
-            <a:r>
-              <a:rPr lang="de-AT" dirty="0" err="1" smtClean="0"/>
-              <a:t>classification</a:t>
-            </a:r>
-            <a:r>
-              <a:rPr lang="de-AT" dirty="0" smtClean="0"/>
-              <a:t> </a:t>
-            </a:r>
-            <a:r>
-              <a:rPr lang="de-AT" dirty="0" err="1" smtClean="0"/>
-              <a:t>task</a:t>
-            </a:r>
-            <a:r>
-              <a:rPr lang="de-AT" dirty="0" smtClean="0"/>
-              <a:t> (</a:t>
-            </a:r>
-            <a:r>
-              <a:rPr lang="de-AT" dirty="0" err="1" smtClean="0"/>
-              <a:t>normally</a:t>
-            </a:r>
-            <a:r>
-              <a:rPr lang="de-AT" dirty="0" smtClean="0"/>
-              <a:t> after </a:t>
-            </a:r>
-            <a:r>
-              <a:rPr lang="de-AT" dirty="0" err="1" smtClean="0"/>
-              <a:t>testing</a:t>
-            </a:r>
-            <a:r>
-              <a:rPr lang="de-AT" baseline="0" dirty="0" smtClean="0"/>
-              <a:t> </a:t>
-            </a:r>
-            <a:r>
-              <a:rPr lang="de-AT" baseline="0" dirty="0" err="1" smtClean="0"/>
-              <a:t>with</a:t>
-            </a:r>
-            <a:r>
-              <a:rPr lang="de-AT" baseline="0" dirty="0" smtClean="0"/>
-              <a:t> </a:t>
-            </a:r>
-            <a:r>
-              <a:rPr lang="de-AT" baseline="0" dirty="0" err="1" smtClean="0"/>
-              <a:t>testset</a:t>
-            </a:r>
-            <a:r>
-              <a:rPr lang="de-AT" baseline="0" dirty="0" smtClean="0"/>
-              <a:t> </a:t>
-            </a:r>
-            <a:r>
-              <a:rPr lang="de-AT" baseline="0" dirty="0" err="1" smtClean="0"/>
-              <a:t>independent</a:t>
-            </a:r>
-            <a:r>
-              <a:rPr lang="de-AT" baseline="0" dirty="0" smtClean="0"/>
-              <a:t> </a:t>
-            </a:r>
-            <a:r>
-              <a:rPr lang="de-AT" baseline="0" dirty="0" err="1" smtClean="0"/>
-              <a:t>from</a:t>
-            </a:r>
-            <a:r>
-              <a:rPr lang="de-AT" baseline="0" dirty="0" smtClean="0"/>
-              <a:t> </a:t>
-            </a:r>
-            <a:r>
-              <a:rPr lang="de-AT" baseline="0" dirty="0" err="1" smtClean="0"/>
-              <a:t>training</a:t>
-            </a:r>
-            <a:r>
-              <a:rPr lang="de-AT" baseline="0" dirty="0" smtClean="0"/>
-              <a:t> </a:t>
-            </a:r>
-            <a:r>
-              <a:rPr lang="de-AT" baseline="0" dirty="0" err="1" smtClean="0"/>
-              <a:t>set</a:t>
-            </a:r>
-            <a:r>
-              <a:rPr lang="de-AT" baseline="0" dirty="0" smtClean="0"/>
-              <a:t>)</a:t>
-            </a:r>
-            <a:endParaRPr lang="de-AT" dirty="0" smtClean="0"/>
-          </a:p>
-          <a:p>
             <a:endParaRPr lang="de-AT" dirty="0"/>
           </a:p>
         </p:txBody>
@@ -2160,7 +2135,7 @@
             <a:fld id="{07914D93-ABC8-448C-8296-85FD12164B61}" type="slidenum">
               <a:rPr lang="de-DE" altLang="de-DE" smtClean="0"/>
               <a:pPr/>
-              <a:t>17</a:t>
+              <a:t>15</a:t>
             </a:fld>
             <a:endParaRPr lang="de-DE" altLang="de-DE"/>
           </a:p>
@@ -2169,7 +2144,7 @@
     </p:spTree>
     <p:extLst>
       <p:ext uri="{BB962C8B-B14F-4D97-AF65-F5344CB8AC3E}">
-        <p14:creationId xmlns:p14="http://schemas.microsoft.com/office/powerpoint/2010/main" val="4160441395"/>
+        <p14:creationId xmlns:p14="http://schemas.microsoft.com/office/powerpoint/2010/main" val="3378138209"/>
       </p:ext>
     </p:extLst>
   </p:cSld>
@@ -2223,86 +2198,18 @@
           <a:bodyPr/>
           <a:lstStyle/>
           <a:p>
-            <a:r>
-              <a:rPr lang="de-AT" dirty="0" smtClean="0"/>
-              <a:t>Search: different </a:t>
-            </a:r>
-            <a:r>
-              <a:rPr lang="de-AT" dirty="0" err="1" smtClean="0"/>
-              <a:t>algorithms</a:t>
-            </a:r>
-            <a:r>
-              <a:rPr lang="de-AT" dirty="0" smtClean="0"/>
-              <a:t> </a:t>
-            </a:r>
-            <a:r>
-              <a:rPr lang="de-AT" dirty="0" err="1" smtClean="0"/>
-              <a:t>possible</a:t>
-            </a:r>
-            <a:endParaRPr lang="de-AT" dirty="0" smtClean="0"/>
-          </a:p>
-          <a:p>
-            <a:r>
-              <a:rPr lang="de-AT" dirty="0" smtClean="0"/>
-              <a:t>Evaluation/</a:t>
-            </a:r>
-            <a:r>
-              <a:rPr lang="de-AT" dirty="0" err="1" smtClean="0"/>
-              <a:t>Estimation</a:t>
-            </a:r>
-            <a:r>
-              <a:rPr lang="de-AT" dirty="0" smtClean="0"/>
-              <a:t>: Test</a:t>
+            <a:pPr marL="0" indent="0">
+              <a:buFont typeface="+mj-lt"/>
+              <a:buNone/>
+            </a:pPr>
+            <a:r>
+              <a:rPr lang="de-AT" baseline="0" dirty="0" err="1" smtClean="0"/>
+              <a:t>Finally</a:t>
             </a:r>
             <a:r>
               <a:rPr lang="de-AT" baseline="0" dirty="0" smtClean="0"/>
-              <a:t> </a:t>
-            </a:r>
-            <a:r>
-              <a:rPr lang="de-AT" baseline="0" dirty="0" err="1" smtClean="0"/>
-              <a:t>set</a:t>
-            </a:r>
-            <a:r>
-              <a:rPr lang="de-AT" baseline="0" dirty="0" smtClean="0"/>
-              <a:t>, </a:t>
-            </a:r>
-            <a:r>
-              <a:rPr lang="de-AT" baseline="0" dirty="0" err="1" smtClean="0"/>
-              <a:t>cross</a:t>
-            </a:r>
-            <a:r>
-              <a:rPr lang="de-AT" baseline="0" dirty="0" smtClean="0"/>
-              <a:t> </a:t>
-            </a:r>
-            <a:r>
-              <a:rPr lang="de-AT" baseline="0" dirty="0" err="1" smtClean="0"/>
-              <a:t>validation</a:t>
-            </a:r>
-            <a:r>
-              <a:rPr lang="de-AT" baseline="0" dirty="0" smtClean="0"/>
-              <a:t> – </a:t>
-            </a:r>
-            <a:r>
-              <a:rPr lang="de-AT" baseline="0" dirty="0" err="1" smtClean="0"/>
-              <a:t>uses</a:t>
-            </a:r>
-            <a:r>
-              <a:rPr lang="de-AT" baseline="0" dirty="0" smtClean="0"/>
-              <a:t> </a:t>
-            </a:r>
-            <a:r>
-              <a:rPr lang="de-AT" baseline="0" dirty="0" err="1" smtClean="0"/>
-              <a:t>the</a:t>
-            </a:r>
-            <a:r>
-              <a:rPr lang="de-AT" baseline="0" dirty="0" smtClean="0"/>
-              <a:t> </a:t>
-            </a:r>
-            <a:r>
-              <a:rPr lang="de-AT" baseline="0" dirty="0" err="1" smtClean="0"/>
-              <a:t>classifier</a:t>
-            </a:r>
-            <a:endParaRPr lang="de-AT" baseline="0" dirty="0" smtClean="0"/>
+              <a:t>: </a:t>
+            </a:r>
           </a:p>
           <a:p>
             <a:pPr marL="0" indent="0">
@@ -2317,14 +2224,6 @@
               <a:buNone/>
             </a:pPr>
             <a:r>
-              <a:rPr lang="de-AT" baseline="0" dirty="0" err="1" smtClean="0"/>
-              <a:t>Finally</a:t>
-            </a:r>
-            <a:r>
-              <a:rPr lang="de-AT" baseline="0" dirty="0" smtClean="0"/>
-              <a:t>: </a:t>
-            </a:r>
-            <a:r>
               <a:rPr lang="de-AT" dirty="0" err="1" smtClean="0"/>
               <a:t>Use</a:t>
             </a:r>
@@ -2533,7 +2432,7 @@
             <a:fld id="{07914D93-ABC8-448C-8296-85FD12164B61}" type="slidenum">
               <a:rPr lang="de-DE" altLang="de-DE" smtClean="0"/>
               <a:pPr/>
-              <a:t>18</a:t>
+              <a:t>17</a:t>
             </a:fld>
             <a:endParaRPr lang="de-DE" altLang="de-DE"/>
           </a:p>
@@ -2542,7 +2441,7 @@
     </p:spTree>
     <p:extLst>
       <p:ext uri="{BB962C8B-B14F-4D97-AF65-F5344CB8AC3E}">
-        <p14:creationId xmlns:p14="http://schemas.microsoft.com/office/powerpoint/2010/main" val="2048593954"/>
+        <p14:creationId xmlns:p14="http://schemas.microsoft.com/office/powerpoint/2010/main" val="4160441395"/>
       </p:ext>
     </p:extLst>
   </p:cSld>
@@ -2597,24 +2496,35 @@
           <a:lstStyle/>
           <a:p>
             <a:r>
-              <a:rPr lang="de-AT" dirty="0" err="1" smtClean="0"/>
-              <a:t>They</a:t>
-            </a:r>
-            <a:r>
-              <a:rPr lang="de-AT" dirty="0" smtClean="0"/>
-              <a:t> </a:t>
-            </a:r>
-            <a:r>
-              <a:rPr lang="de-AT" dirty="0" err="1" smtClean="0"/>
-              <a:t>try</a:t>
-            </a:r>
-            <a:r>
-              <a:rPr lang="de-AT" dirty="0" smtClean="0"/>
-              <a:t> </a:t>
-            </a:r>
-            <a:r>
-              <a:rPr lang="de-AT" dirty="0" err="1" smtClean="0"/>
-              <a:t>to</a:t>
+              <a:rPr lang="de-AT" dirty="0" smtClean="0"/>
+              <a:t>Search: different </a:t>
+            </a:r>
+            <a:r>
+              <a:rPr lang="de-AT" dirty="0" err="1" smtClean="0"/>
+              <a:t>algorithms</a:t>
+            </a:r>
+            <a:r>
+              <a:rPr lang="de-AT" dirty="0" smtClean="0"/>
+              <a:t> </a:t>
+            </a:r>
+            <a:r>
+              <a:rPr lang="de-AT" dirty="0" err="1" smtClean="0"/>
+              <a:t>possible</a:t>
+            </a:r>
+            <a:endParaRPr lang="de-AT" dirty="0" smtClean="0"/>
+          </a:p>
+          <a:p>
+            <a:r>
+              <a:rPr lang="de-AT" dirty="0" smtClean="0"/>
+              <a:t>Evaluation/</a:t>
+            </a:r>
+            <a:r>
+              <a:rPr lang="de-AT" dirty="0" err="1" smtClean="0"/>
+              <a:t>Estimation</a:t>
+            </a:r>
+            <a:r>
+              <a:rPr lang="de-AT" dirty="0" smtClean="0"/>
+              <a:t>: Test</a:t>
             </a:r>
             <a:r>
               <a:rPr lang="de-AT" baseline="0" dirty="0" smtClean="0"/>
@@ -2622,7 +2532,31 @@
             </a:r>
             <a:r>
               <a:rPr lang="de-AT" baseline="0" dirty="0" err="1" smtClean="0"/>
-              <a:t>unite</a:t>
+              <a:t>set</a:t>
+            </a:r>
+            <a:r>
+              <a:rPr lang="de-AT" baseline="0" dirty="0" smtClean="0"/>
+              <a:t>, </a:t>
+            </a:r>
+            <a:r>
+              <a:rPr lang="de-AT" baseline="0" dirty="0" err="1" smtClean="0"/>
+              <a:t>cross</a:t>
+            </a:r>
+            <a:r>
+              <a:rPr lang="de-AT" baseline="0" dirty="0" smtClean="0"/>
+              <a:t> </a:t>
+            </a:r>
+            <a:r>
+              <a:rPr lang="de-AT" baseline="0" dirty="0" err="1" smtClean="0"/>
+              <a:t>validation</a:t>
+            </a:r>
+            <a:r>
+              <a:rPr lang="de-AT" baseline="0" dirty="0" smtClean="0"/>
+              <a:t> – </a:t>
+            </a:r>
+            <a:r>
+              <a:rPr lang="de-AT" baseline="0" dirty="0" err="1" smtClean="0"/>
+              <a:t>uses</a:t>
             </a:r>
             <a:r>
               <a:rPr lang="de-AT" baseline="0" dirty="0" smtClean="0"/>
@@ -2638,15 +2572,73 @@
             </a:r>
             <a:r>
               <a:rPr lang="de-AT" baseline="0" dirty="0" err="1" smtClean="0"/>
-              <a:t>benefits</a:t>
+              <a:t>classifier</a:t>
+            </a:r>
+            <a:endParaRPr lang="de-AT" baseline="0" dirty="0" smtClean="0"/>
+          </a:p>
+          <a:p>
+            <a:pPr marL="0" indent="0">
+              <a:buFont typeface="+mj-lt"/>
+              <a:buNone/>
+            </a:pPr>
+            <a:endParaRPr lang="de-AT" baseline="0" dirty="0" smtClean="0"/>
+          </a:p>
+          <a:p>
+            <a:pPr marL="0" indent="0">
+              <a:buFont typeface="+mj-lt"/>
+              <a:buNone/>
+            </a:pPr>
+            <a:r>
+              <a:rPr lang="de-AT" baseline="0" dirty="0" err="1" smtClean="0"/>
+              <a:t>Finally</a:t>
             </a:r>
             <a:r>
               <a:rPr lang="de-AT" baseline="0" dirty="0" smtClean="0"/>
+              <a:t>: </a:t>
+            </a:r>
+            <a:r>
+              <a:rPr lang="de-AT" dirty="0" err="1" smtClean="0"/>
+              <a:t>Use</a:t>
+            </a:r>
+            <a:r>
+              <a:rPr lang="de-AT" dirty="0" smtClean="0"/>
+              <a:t> </a:t>
+            </a:r>
+            <a:r>
+              <a:rPr lang="de-AT" dirty="0" err="1" smtClean="0"/>
+              <a:t>subset</a:t>
+            </a:r>
+            <a:r>
+              <a:rPr lang="de-AT" dirty="0" smtClean="0"/>
+              <a:t> </a:t>
+            </a:r>
+            <a:r>
+              <a:rPr lang="de-AT" dirty="0" err="1" smtClean="0"/>
+              <a:t>with</a:t>
+            </a:r>
+            <a:r>
+              <a:rPr lang="de-AT" dirty="0" smtClean="0"/>
+              <a:t> </a:t>
+            </a:r>
+            <a:r>
+              <a:rPr lang="de-AT" dirty="0" err="1" smtClean="0"/>
+              <a:t>best</a:t>
+            </a:r>
+            <a:r>
+              <a:rPr lang="de-AT" dirty="0" smtClean="0"/>
+              <a:t> </a:t>
+            </a:r>
+            <a:r>
+              <a:rPr lang="de-AT" dirty="0" err="1" smtClean="0"/>
+              <a:t>performance</a:t>
+            </a:r>
+            <a:r>
+              <a:rPr lang="de-AT" baseline="0" dirty="0" smtClean="0"/>
               <a:t> </a:t>
             </a:r>
             <a:r>
               <a:rPr lang="de-AT" baseline="0" dirty="0" err="1" smtClean="0"/>
-              <a:t>of</a:t>
+              <a:t>to</a:t>
             </a:r>
             <a:r>
               <a:rPr lang="de-AT" baseline="0" dirty="0" smtClean="0"/>
@@ -2654,7 +2646,7 @@
             </a:r>
             <a:r>
               <a:rPr lang="de-AT" baseline="0" dirty="0" err="1" smtClean="0"/>
-              <a:t>the</a:t>
+              <a:t>train</a:t>
             </a:r>
             <a:r>
               <a:rPr lang="de-AT" baseline="0" dirty="0" smtClean="0"/>
@@ -2662,16 +2654,135 @@
             </a:r>
             <a:r>
               <a:rPr lang="de-AT" baseline="0" dirty="0" err="1" smtClean="0"/>
-              <a:t>other</a:t>
+              <a:t>classifier</a:t>
             </a:r>
             <a:r>
               <a:rPr lang="de-AT" baseline="0" dirty="0" smtClean="0"/>
-              <a:t> </a:t>
+              <a:t>,  </a:t>
             </a:r>
             <a:r>
               <a:rPr lang="de-AT" baseline="0" dirty="0" err="1" smtClean="0"/>
-              <a:t>two</a:t>
-            </a:r>
+              <a:t>and</a:t>
+            </a:r>
+            <a:r>
+              <a:rPr lang="de-AT" baseline="0" dirty="0" smtClean="0"/>
+              <a:t>   </a:t>
+            </a:r>
+            <a:r>
+              <a:rPr lang="de-AT" baseline="0" dirty="0" err="1" smtClean="0"/>
+              <a:t>use</a:t>
+            </a:r>
+            <a:r>
+              <a:rPr lang="de-AT" baseline="0" dirty="0" smtClean="0"/>
+              <a:t> </a:t>
+            </a:r>
+            <a:r>
+              <a:rPr lang="de-AT" baseline="0" dirty="0" err="1" smtClean="0"/>
+              <a:t>it</a:t>
+            </a:r>
+            <a:r>
+              <a:rPr lang="de-AT" baseline="0" dirty="0" smtClean="0"/>
+              <a:t>  </a:t>
+            </a:r>
+            <a:r>
+              <a:rPr lang="de-AT" baseline="0" dirty="0" err="1" smtClean="0"/>
+              <a:t>for</a:t>
+            </a:r>
+            <a:r>
+              <a:rPr lang="de-AT" baseline="0" dirty="0" smtClean="0"/>
+              <a:t> </a:t>
+            </a:r>
+            <a:r>
+              <a:rPr lang="de-AT" baseline="0" dirty="0" err="1" smtClean="0"/>
+              <a:t>actual</a:t>
+            </a:r>
+            <a:r>
+              <a:rPr lang="de-AT" baseline="0" dirty="0" smtClean="0"/>
+              <a:t> </a:t>
+            </a:r>
+            <a:r>
+              <a:rPr lang="de-AT" dirty="0" err="1" smtClean="0"/>
+              <a:t>classification</a:t>
+            </a:r>
+            <a:r>
+              <a:rPr lang="de-AT" dirty="0" smtClean="0"/>
+              <a:t> </a:t>
+            </a:r>
+            <a:r>
+              <a:rPr lang="de-AT" dirty="0" err="1" smtClean="0"/>
+              <a:t>task</a:t>
+            </a:r>
+            <a:r>
+              <a:rPr lang="de-AT" dirty="0" smtClean="0"/>
+              <a:t> (</a:t>
+            </a:r>
+            <a:r>
+              <a:rPr lang="de-AT" dirty="0" err="1" smtClean="0"/>
+              <a:t>normally</a:t>
+            </a:r>
+            <a:r>
+              <a:rPr lang="de-AT" dirty="0" smtClean="0"/>
+              <a:t> after </a:t>
+            </a:r>
+            <a:r>
+              <a:rPr lang="de-AT" dirty="0" err="1" smtClean="0"/>
+              <a:t>testing</a:t>
+            </a:r>
+            <a:r>
+              <a:rPr lang="de-AT" baseline="0" dirty="0" smtClean="0"/>
+              <a:t> </a:t>
+            </a:r>
+            <a:r>
+              <a:rPr lang="de-AT" baseline="0" dirty="0" err="1" smtClean="0"/>
+              <a:t>with</a:t>
+            </a:r>
+            <a:r>
+              <a:rPr lang="de-AT" baseline="0" dirty="0" smtClean="0"/>
+              <a:t> </a:t>
+            </a:r>
+            <a:r>
+              <a:rPr lang="de-AT" baseline="0" dirty="0" err="1" smtClean="0"/>
+              <a:t>testset</a:t>
+            </a:r>
+            <a:r>
+              <a:rPr lang="de-AT" baseline="0" dirty="0" smtClean="0"/>
+              <a:t> </a:t>
+            </a:r>
+            <a:r>
+              <a:rPr lang="de-AT" baseline="0" dirty="0" err="1" smtClean="0"/>
+              <a:t>independent</a:t>
+            </a:r>
+            <a:r>
+              <a:rPr lang="de-AT" baseline="0" dirty="0" smtClean="0"/>
+              <a:t> </a:t>
+            </a:r>
+            <a:r>
+              <a:rPr lang="de-AT" baseline="0" dirty="0" err="1" smtClean="0"/>
+              <a:t>from</a:t>
+            </a:r>
+            <a:r>
+              <a:rPr lang="de-AT" baseline="0" dirty="0" smtClean="0"/>
+              <a:t> </a:t>
+            </a:r>
+            <a:r>
+              <a:rPr lang="de-AT" baseline="0" dirty="0" err="1" smtClean="0"/>
+              <a:t>training</a:t>
+            </a:r>
+            <a:r>
+              <a:rPr lang="de-AT" baseline="0" dirty="0" smtClean="0"/>
+              <a:t> </a:t>
+            </a:r>
+            <a:r>
+              <a:rPr lang="de-AT" baseline="0" dirty="0" err="1" smtClean="0"/>
+              <a:t>set</a:t>
+            </a:r>
+            <a:r>
+              <a:rPr lang="de-AT" baseline="0" dirty="0" smtClean="0"/>
+              <a:t>)</a:t>
+            </a:r>
+            <a:endParaRPr lang="de-AT" dirty="0" smtClean="0"/>
+          </a:p>
+          <a:p>
             <a:endParaRPr lang="de-AT" dirty="0"/>
           </a:p>
         </p:txBody>
@@ -2694,7 +2805,7 @@
             <a:fld id="{07914D93-ABC8-448C-8296-85FD12164B61}" type="slidenum">
               <a:rPr lang="de-DE" altLang="de-DE" smtClean="0"/>
               <a:pPr/>
-              <a:t>20</a:t>
+              <a:t>18</a:t>
             </a:fld>
             <a:endParaRPr lang="de-DE" altLang="de-DE"/>
           </a:p>
@@ -2703,7 +2814,7 @@
     </p:spTree>
     <p:extLst>
       <p:ext uri="{BB962C8B-B14F-4D97-AF65-F5344CB8AC3E}">
-        <p14:creationId xmlns:p14="http://schemas.microsoft.com/office/powerpoint/2010/main" val="1505492805"/>
+        <p14:creationId xmlns:p14="http://schemas.microsoft.com/office/powerpoint/2010/main" val="2048593954"/>
       </p:ext>
     </p:extLst>
   </p:cSld>
@@ -2758,36 +2869,80 @@
           <a:lstStyle/>
           <a:p>
             <a:r>
-              <a:rPr lang="de-AT" dirty="0" smtClean="0"/>
-              <a:t>NO </a:t>
-            </a:r>
-            <a:r>
-              <a:rPr lang="de-AT" dirty="0" err="1" smtClean="0"/>
-              <a:t>characterisation</a:t>
-            </a:r>
-            <a:r>
-              <a:rPr lang="de-AT" dirty="0" smtClean="0"/>
-              <a:t> apart </a:t>
-            </a:r>
-            <a:r>
-              <a:rPr lang="de-AT" dirty="0" err="1" smtClean="0"/>
-              <a:t>from</a:t>
+              <a:rPr lang="de-AT" dirty="0" err="1" smtClean="0"/>
+              <a:t>They</a:t>
+            </a:r>
+            <a:r>
+              <a:rPr lang="de-AT" dirty="0" smtClean="0"/>
+              <a:t> </a:t>
+            </a:r>
+            <a:r>
+              <a:rPr lang="de-AT" dirty="0" err="1" smtClean="0"/>
+              <a:t>try</a:t>
+            </a:r>
+            <a:r>
+              <a:rPr lang="de-AT" dirty="0" smtClean="0"/>
+              <a:t> </a:t>
+            </a:r>
+            <a:r>
+              <a:rPr lang="de-AT" dirty="0" err="1" smtClean="0"/>
+              <a:t>to</a:t>
             </a:r>
             <a:r>
               <a:rPr lang="de-AT" baseline="0" dirty="0" smtClean="0"/>
               <a:t> </a:t>
             </a:r>
             <a:r>
-              <a:rPr lang="de-AT" dirty="0" err="1" smtClean="0"/>
-              <a:t>that</a:t>
-            </a:r>
-            <a:r>
-              <a:rPr lang="de-AT" dirty="0" smtClean="0"/>
-              <a:t> </a:t>
-            </a:r>
-            <a:r>
-              <a:rPr lang="de-AT" dirty="0" err="1" smtClean="0"/>
-              <a:t>possible</a:t>
+              <a:rPr lang="de-AT" baseline="0" dirty="0" err="1" smtClean="0"/>
+              <a:t>unite</a:t>
+            </a:r>
+            <a:r>
+              <a:rPr lang="de-AT" baseline="0" dirty="0" smtClean="0"/>
+              <a:t> </a:t>
+            </a:r>
+            <a:r>
+              <a:rPr lang="de-AT" baseline="0" dirty="0" err="1" smtClean="0"/>
+              <a:t>the</a:t>
+            </a:r>
+            <a:r>
+              <a:rPr lang="de-AT" baseline="0" dirty="0" smtClean="0"/>
+              <a:t> </a:t>
+            </a:r>
+            <a:r>
+              <a:rPr lang="de-AT" baseline="0" dirty="0" err="1" smtClean="0"/>
+              <a:t>benefits</a:t>
+            </a:r>
+            <a:r>
+              <a:rPr lang="de-AT" baseline="0" dirty="0" smtClean="0"/>
+              <a:t> </a:t>
+            </a:r>
+            <a:r>
+              <a:rPr lang="de-AT" baseline="0" dirty="0" err="1" smtClean="0"/>
+              <a:t>of</a:t>
+            </a:r>
+            <a:r>
+              <a:rPr lang="de-AT" baseline="0" dirty="0" smtClean="0"/>
+              <a:t> </a:t>
+            </a:r>
+            <a:r>
+              <a:rPr lang="de-AT" baseline="0" dirty="0" err="1" smtClean="0"/>
+              <a:t>the</a:t>
+            </a:r>
+            <a:r>
+              <a:rPr lang="de-AT" baseline="0" dirty="0" smtClean="0"/>
+              <a:t> </a:t>
+            </a:r>
+            <a:r>
+              <a:rPr lang="de-AT" baseline="0" dirty="0" err="1" smtClean="0"/>
+              <a:t>other</a:t>
+            </a:r>
+            <a:r>
+              <a:rPr lang="de-AT" baseline="0" dirty="0" smtClean="0"/>
+              <a:t> </a:t>
+            </a:r>
+            <a:r>
+              <a:rPr lang="de-AT" baseline="0" dirty="0" err="1" smtClean="0"/>
+              <a:t>two</a:t>
             </a:r>
             <a:endParaRPr lang="de-AT" dirty="0"/>
           </a:p>
@@ -2811,7 +2966,7 @@
             <a:fld id="{07914D93-ABC8-448C-8296-85FD12164B61}" type="slidenum">
               <a:rPr lang="de-DE" altLang="de-DE" smtClean="0"/>
               <a:pPr/>
-              <a:t>21</a:t>
+              <a:t>20</a:t>
             </a:fld>
             <a:endParaRPr lang="de-DE" altLang="de-DE"/>
           </a:p>
@@ -2820,7 +2975,7 @@
     </p:spTree>
     <p:extLst>
       <p:ext uri="{BB962C8B-B14F-4D97-AF65-F5344CB8AC3E}">
-        <p14:creationId xmlns:p14="http://schemas.microsoft.com/office/powerpoint/2010/main" val="3575385805"/>
+        <p14:creationId xmlns:p14="http://schemas.microsoft.com/office/powerpoint/2010/main" val="1505492805"/>
       </p:ext>
     </p:extLst>
   </p:cSld>
@@ -2849,7 +3004,7 @@
       </p:grpSpPr>
       <p:sp>
         <p:nvSpPr>
-          <p:cNvPr id="2" name="Slide Image Placeholder 1"/>
+          <p:cNvPr id="2" name="Folienbildplatzhalter 1"/>
           <p:cNvSpPr>
             <a:spLocks noGrp="1" noRot="1" noChangeAspect="1"/>
           </p:cNvSpPr>
@@ -2861,7 +3016,7 @@
       </p:sp>
       <p:sp>
         <p:nvSpPr>
-          <p:cNvPr id="3" name="Notes Placeholder 2"/>
+          <p:cNvPr id="3" name="Notizenplatzhalter 2"/>
           <p:cNvSpPr>
             <a:spLocks noGrp="1"/>
           </p:cNvSpPr>
@@ -2874,13 +3029,111 @@
           <a:bodyPr/>
           <a:lstStyle/>
           <a:p>
-            <a:endParaRPr lang="en-US" dirty="0"/>
-          </a:p>
-        </p:txBody>
-      </p:sp>
-      <p:sp>
-        <p:nvSpPr>
-          <p:cNvPr id="4" name="Slide Number Placeholder 3"/>
+            <a:r>
+              <a:rPr lang="de-AT" dirty="0" smtClean="0"/>
+              <a:t>NO </a:t>
+            </a:r>
+            <a:r>
+              <a:rPr lang="de-AT" dirty="0" err="1" smtClean="0"/>
+              <a:t>characterisation</a:t>
+            </a:r>
+            <a:r>
+              <a:rPr lang="de-AT" dirty="0" smtClean="0"/>
+              <a:t> apart </a:t>
+            </a:r>
+            <a:r>
+              <a:rPr lang="de-AT" dirty="0" err="1" smtClean="0"/>
+              <a:t>from</a:t>
+            </a:r>
+            <a:r>
+              <a:rPr lang="de-AT" baseline="0" dirty="0" smtClean="0"/>
+              <a:t> </a:t>
+            </a:r>
+            <a:r>
+              <a:rPr lang="de-AT" dirty="0" err="1" smtClean="0"/>
+              <a:t>that</a:t>
+            </a:r>
+            <a:r>
+              <a:rPr lang="de-AT" dirty="0" smtClean="0"/>
+              <a:t> </a:t>
+            </a:r>
+            <a:r>
+              <a:rPr lang="de-AT" dirty="0" err="1" smtClean="0"/>
+              <a:t>possible</a:t>
+            </a:r>
+            <a:endParaRPr lang="de-AT" dirty="0" smtClean="0"/>
+          </a:p>
+          <a:p>
+            <a:endParaRPr lang="de-AT" dirty="0" smtClean="0"/>
+          </a:p>
+          <a:p>
+            <a:r>
+              <a:rPr lang="de-AT" dirty="0" smtClean="0"/>
+              <a:t>NO</a:t>
+            </a:r>
+            <a:r>
+              <a:rPr lang="de-AT" baseline="0" dirty="0" smtClean="0"/>
+              <a:t> SVM </a:t>
+            </a:r>
+            <a:r>
+              <a:rPr lang="de-AT" baseline="0" dirty="0" err="1" smtClean="0"/>
+              <a:t>classifier</a:t>
+            </a:r>
+            <a:r>
+              <a:rPr lang="de-AT" baseline="0" dirty="0" smtClean="0"/>
+              <a:t> </a:t>
+            </a:r>
+            <a:r>
+              <a:rPr lang="de-AT" baseline="0" dirty="0" err="1" smtClean="0"/>
+              <a:t>used</a:t>
+            </a:r>
+            <a:r>
+              <a:rPr lang="de-AT" baseline="0" dirty="0" smtClean="0"/>
+              <a:t> </a:t>
+            </a:r>
+            <a:r>
+              <a:rPr lang="de-AT" baseline="0" dirty="0" err="1" smtClean="0"/>
+              <a:t>here</a:t>
+            </a:r>
+            <a:r>
+              <a:rPr lang="de-AT" baseline="0" dirty="0" smtClean="0"/>
+              <a:t> – but </a:t>
+            </a:r>
+            <a:r>
+              <a:rPr lang="de-AT" baseline="0" dirty="0" err="1" smtClean="0"/>
+              <a:t>for</a:t>
+            </a:r>
+            <a:r>
+              <a:rPr lang="de-AT" baseline="0" dirty="0" smtClean="0"/>
+              <a:t> </a:t>
+            </a:r>
+            <a:r>
+              <a:rPr lang="de-AT" baseline="0" dirty="0" err="1" smtClean="0"/>
+              <a:t>selecting</a:t>
+            </a:r>
+            <a:r>
+              <a:rPr lang="de-AT" baseline="0" dirty="0" smtClean="0"/>
+              <a:t> </a:t>
+            </a:r>
+            <a:r>
+              <a:rPr lang="de-AT" baseline="0" dirty="0" err="1" smtClean="0"/>
+              <a:t>the</a:t>
+            </a:r>
+            <a:r>
+              <a:rPr lang="de-AT" baseline="0" dirty="0" smtClean="0"/>
+              <a:t> </a:t>
+            </a:r>
+            <a:r>
+              <a:rPr lang="de-AT" baseline="0" dirty="0" err="1" smtClean="0"/>
+              <a:t>features</a:t>
+            </a:r>
+            <a:endParaRPr lang="de-AT" dirty="0"/>
+          </a:p>
+        </p:txBody>
+      </p:sp>
+      <p:sp>
+        <p:nvSpPr>
+          <p:cNvPr id="4" name="Foliennummernplatzhalter 3"/>
           <p:cNvSpPr>
             <a:spLocks noGrp="1"/>
           </p:cNvSpPr>
@@ -2894,26 +3147,18 @@
           <a:lstStyle/>
           <a:p>
             <a:fld id="{07914D93-ABC8-448C-8296-85FD12164B61}" type="slidenum">
-              <a:rPr lang="de-DE" altLang="de-DE" smtClean="0">
-                <a:solidFill>
-                  <a:prstClr val="black"/>
-                </a:solidFill>
-              </a:rPr>
+              <a:rPr lang="de-DE" altLang="de-DE" smtClean="0"/>
               <a:pPr/>
-              <a:t>23</a:t>
+              <a:t>21</a:t>
             </a:fld>
-            <a:endParaRPr lang="de-DE" altLang="de-DE">
-              <a:solidFill>
-                <a:prstClr val="black"/>
-              </a:solidFill>
-            </a:endParaRPr>
+            <a:endParaRPr lang="de-DE" altLang="de-DE"/>
           </a:p>
         </p:txBody>
       </p:sp>
     </p:spTree>
     <p:extLst>
       <p:ext uri="{BB962C8B-B14F-4D97-AF65-F5344CB8AC3E}">
-        <p14:creationId xmlns:p14="http://schemas.microsoft.com/office/powerpoint/2010/main" val="3435379185"/>
+        <p14:creationId xmlns:p14="http://schemas.microsoft.com/office/powerpoint/2010/main" val="3575385805"/>
       </p:ext>
     </p:extLst>
   </p:cSld>
@@ -2993,7 +3238,7 @@
                 </a:solidFill>
               </a:rPr>
               <a:pPr/>
-              <a:t>24</a:t>
+              <a:t>23</a:t>
             </a:fld>
             <a:endParaRPr lang="de-DE" altLang="de-DE">
               <a:solidFill>
@@ -3006,7 +3251,7 @@
     </p:spTree>
     <p:extLst>
       <p:ext uri="{BB962C8B-B14F-4D97-AF65-F5344CB8AC3E}">
-        <p14:creationId xmlns:p14="http://schemas.microsoft.com/office/powerpoint/2010/main" val="2367341608"/>
+        <p14:creationId xmlns:p14="http://schemas.microsoft.com/office/powerpoint/2010/main" val="3435379185"/>
       </p:ext>
     </p:extLst>
   </p:cSld>
@@ -3086,7 +3331,7 @@
                 </a:solidFill>
               </a:rPr>
               <a:pPr/>
-              <a:t>28</a:t>
+              <a:t>24</a:t>
             </a:fld>
             <a:endParaRPr lang="de-DE" altLang="de-DE">
               <a:solidFill>
@@ -3099,7 +3344,7 @@
     </p:spTree>
     <p:extLst>
       <p:ext uri="{BB962C8B-B14F-4D97-AF65-F5344CB8AC3E}">
-        <p14:creationId xmlns:p14="http://schemas.microsoft.com/office/powerpoint/2010/main" val="1665910842"/>
+        <p14:creationId xmlns:p14="http://schemas.microsoft.com/office/powerpoint/2010/main" val="2367341608"/>
       </p:ext>
     </p:extLst>
   </p:cSld>
@@ -3193,6 +3438,99 @@
     <p:extLst>
       <p:ext uri="{BB962C8B-B14F-4D97-AF65-F5344CB8AC3E}">
         <p14:creationId xmlns:p14="http://schemas.microsoft.com/office/powerpoint/2010/main" val="2032097372"/>
+      </p:ext>
+    </p:extLst>
+  </p:cSld>
+  <p:clrMapOvr>
+    <a:masterClrMapping/>
+  </p:clrMapOvr>
+</p:notes>
+</file>
+
+<file path=ppt/notesSlides/notesSlide20.xml><?xml version="1.0" encoding="utf-8"?>
+<p:notes xmlns:a="http://schemas.openxmlformats.org/drawingml/2006/main" xmlns:r="http://schemas.openxmlformats.org/officeDocument/2006/relationships" xmlns:p="http://schemas.openxmlformats.org/presentationml/2006/main">
+  <p:cSld>
+    <p:spTree>
+      <p:nvGrpSpPr>
+        <p:cNvPr id="1" name=""/>
+        <p:cNvGrpSpPr/>
+        <p:nvPr/>
+      </p:nvGrpSpPr>
+      <p:grpSpPr>
+        <a:xfrm>
+          <a:off x="0" y="0"/>
+          <a:ext cx="0" cy="0"/>
+          <a:chOff x="0" y="0"/>
+          <a:chExt cx="0" cy="0"/>
+        </a:xfrm>
+      </p:grpSpPr>
+      <p:sp>
+        <p:nvSpPr>
+          <p:cNvPr id="2" name="Slide Image Placeholder 1"/>
+          <p:cNvSpPr>
+            <a:spLocks noGrp="1" noRot="1" noChangeAspect="1"/>
+          </p:cNvSpPr>
+          <p:nvPr>
+            <p:ph type="sldImg"/>
+          </p:nvPr>
+        </p:nvSpPr>
+        <p:spPr/>
+      </p:sp>
+      <p:sp>
+        <p:nvSpPr>
+          <p:cNvPr id="3" name="Notes Placeholder 2"/>
+          <p:cNvSpPr>
+            <a:spLocks noGrp="1"/>
+          </p:cNvSpPr>
+          <p:nvPr>
+            <p:ph type="body" idx="1"/>
+          </p:nvPr>
+        </p:nvSpPr>
+        <p:spPr/>
+        <p:txBody>
+          <a:bodyPr/>
+          <a:lstStyle/>
+          <a:p>
+            <a:endParaRPr lang="en-US" dirty="0"/>
+          </a:p>
+        </p:txBody>
+      </p:sp>
+      <p:sp>
+        <p:nvSpPr>
+          <p:cNvPr id="4" name="Slide Number Placeholder 3"/>
+          <p:cNvSpPr>
+            <a:spLocks noGrp="1"/>
+          </p:cNvSpPr>
+          <p:nvPr>
+            <p:ph type="sldNum" sz="quarter" idx="10"/>
+          </p:nvPr>
+        </p:nvSpPr>
+        <p:spPr/>
+        <p:txBody>
+          <a:bodyPr/>
+          <a:lstStyle/>
+          <a:p>
+            <a:fld id="{07914D93-ABC8-448C-8296-85FD12164B61}" type="slidenum">
+              <a:rPr lang="de-DE" altLang="de-DE" smtClean="0">
+                <a:solidFill>
+                  <a:prstClr val="black"/>
+                </a:solidFill>
+              </a:rPr>
+              <a:pPr/>
+              <a:t>28</a:t>
+            </a:fld>
+            <a:endParaRPr lang="de-DE" altLang="de-DE">
+              <a:solidFill>
+                <a:prstClr val="black"/>
+              </a:solidFill>
+            </a:endParaRPr>
+          </a:p>
+        </p:txBody>
+      </p:sp>
+    </p:spTree>
+    <p:extLst>
+      <p:ext uri="{BB962C8B-B14F-4D97-AF65-F5344CB8AC3E}">
+        <p14:creationId xmlns:p14="http://schemas.microsoft.com/office/powerpoint/2010/main" val="1665910842"/>
       </p:ext>
     </p:extLst>
   </p:cSld>
@@ -3610,35 +3948,99 @@
           <a:p>
             <a:r>
               <a:rPr lang="de-AT" dirty="0" smtClean="0"/>
-              <a:t>Nicht fix definierbar, kommt auf annahmen/  zugrundeliegende</a:t>
+              <a:t>Not </a:t>
+            </a:r>
+            <a:r>
+              <a:rPr lang="de-AT" dirty="0" err="1" smtClean="0"/>
+              <a:t>really</a:t>
+            </a:r>
+            <a:r>
+              <a:rPr lang="de-AT" dirty="0" smtClean="0"/>
+              <a:t> </a:t>
+            </a:r>
+            <a:r>
+              <a:rPr lang="de-AT" dirty="0" err="1" smtClean="0"/>
+              <a:t>definable</a:t>
+            </a:r>
+            <a:r>
+              <a:rPr lang="de-AT" dirty="0" smtClean="0"/>
+              <a:t>, </a:t>
+            </a:r>
+            <a:r>
+              <a:rPr lang="de-AT" dirty="0" err="1" smtClean="0"/>
+              <a:t>depends</a:t>
+            </a:r>
+            <a:r>
+              <a:rPr lang="de-AT" dirty="0" smtClean="0"/>
+              <a:t> on </a:t>
+            </a:r>
+            <a:r>
+              <a:rPr lang="de-AT" dirty="0" err="1" smtClean="0"/>
+              <a:t>assumptions</a:t>
+            </a:r>
+            <a:r>
+              <a:rPr lang="de-AT" dirty="0" smtClean="0"/>
+              <a:t> </a:t>
+            </a:r>
+            <a:r>
+              <a:rPr lang="de-AT" dirty="0" err="1" smtClean="0"/>
+              <a:t>and</a:t>
+            </a:r>
+            <a:r>
+              <a:rPr lang="de-AT" dirty="0" smtClean="0"/>
+              <a:t> </a:t>
+            </a:r>
+            <a:r>
+              <a:rPr lang="de-AT" dirty="0" err="1" smtClean="0"/>
+              <a:t>how</a:t>
             </a:r>
             <a:r>
               <a:rPr lang="de-AT" baseline="0" dirty="0" smtClean="0"/>
-              <a:t>  </a:t>
+              <a:t> </a:t>
             </a:r>
             <a:r>
               <a:rPr lang="de-AT" baseline="0" dirty="0" err="1" smtClean="0"/>
-              <a:t>modellierung</a:t>
+              <a:t>you</a:t>
             </a:r>
             <a:r>
               <a:rPr lang="de-AT" baseline="0" dirty="0" smtClean="0"/>
-              <a:t> des </a:t>
+              <a:t> </a:t>
             </a:r>
             <a:r>
               <a:rPr lang="de-AT" baseline="0" dirty="0" err="1" smtClean="0"/>
-              <a:t>problems</a:t>
+              <a:t>model</a:t>
             </a:r>
             <a:r>
               <a:rPr lang="de-AT" baseline="0" dirty="0" smtClean="0"/>
-              <a:t>  an -  VIEEELE </a:t>
+              <a:t> </a:t>
             </a:r>
             <a:r>
               <a:rPr lang="de-AT" baseline="0" dirty="0" err="1" smtClean="0"/>
-              <a:t>möglichkeiten</a:t>
+              <a:t>the</a:t>
             </a:r>
             <a:r>
               <a:rPr lang="de-AT" baseline="0" dirty="0" smtClean="0"/>
-              <a:t>.</a:t>
+              <a:t> </a:t>
+            </a:r>
+            <a:r>
+              <a:rPr lang="de-AT" baseline="0" dirty="0" err="1" smtClean="0"/>
+              <a:t>problem</a:t>
+            </a:r>
+            <a:r>
+              <a:rPr lang="de-AT" baseline="0" dirty="0" smtClean="0"/>
+              <a:t> – </a:t>
+            </a:r>
+            <a:r>
+              <a:rPr lang="de-AT" baseline="0" dirty="0" err="1" smtClean="0"/>
+              <a:t>may</a:t>
+            </a:r>
+            <a:r>
+              <a:rPr lang="de-AT" baseline="0" dirty="0" smtClean="0"/>
+              <a:t> </a:t>
+            </a:r>
+            <a:r>
+              <a:rPr lang="de-AT" baseline="0" dirty="0" err="1" smtClean="0"/>
+              <a:t>possibilities</a:t>
             </a:r>
             <a:endParaRPr lang="de-AT" dirty="0" smtClean="0"/>
           </a:p>
@@ -3730,64 +4132,35 @@
           <a:p>
             <a:r>
               <a:rPr lang="de-AT" dirty="0" smtClean="0"/>
-              <a:t>„Filter  out least </a:t>
-            </a:r>
-            <a:r>
-              <a:rPr lang="de-AT" dirty="0" err="1" smtClean="0"/>
-              <a:t>interesting</a:t>
-            </a:r>
-            <a:r>
-              <a:rPr lang="de-AT" dirty="0" smtClean="0"/>
-              <a:t> variables“  </a:t>
-            </a:r>
-          </a:p>
-          <a:p>
-            <a:endParaRPr lang="de-AT" dirty="0" smtClean="0"/>
-          </a:p>
-          <a:p>
-            <a:r>
-              <a:rPr lang="de-AT" dirty="0" err="1" smtClean="0"/>
-              <a:t>No</a:t>
-            </a:r>
-            <a:r>
-              <a:rPr lang="de-AT" dirty="0" smtClean="0"/>
-              <a:t> optimal </a:t>
-            </a:r>
-            <a:r>
-              <a:rPr lang="de-AT" dirty="0" err="1" smtClean="0"/>
-              <a:t>performance</a:t>
-            </a:r>
-            <a:r>
-              <a:rPr lang="de-AT" dirty="0" smtClean="0"/>
-              <a:t> </a:t>
-            </a:r>
-            <a:r>
-              <a:rPr lang="de-AT" dirty="0" err="1" smtClean="0"/>
-              <a:t>when</a:t>
-            </a:r>
-            <a:r>
-              <a:rPr lang="de-AT" dirty="0" smtClean="0"/>
-              <a:t> </a:t>
-            </a:r>
-            <a:r>
-              <a:rPr lang="de-AT" dirty="0" err="1" smtClean="0"/>
-              <a:t>doing</a:t>
-            </a:r>
-            <a:r>
-              <a:rPr lang="de-AT" dirty="0" smtClean="0"/>
-              <a:t> </a:t>
-            </a:r>
-            <a:r>
-              <a:rPr lang="de-AT" dirty="0" err="1" smtClean="0"/>
-              <a:t>the</a:t>
-            </a:r>
-            <a:r>
-              <a:rPr lang="de-AT" dirty="0" smtClean="0"/>
-              <a:t> </a:t>
-            </a:r>
-            <a:r>
-              <a:rPr lang="de-AT" dirty="0" err="1" smtClean="0"/>
-              <a:t>classification</a:t>
+              <a:t>So: </a:t>
+            </a:r>
+            <a:r>
+              <a:rPr lang="de-AT" dirty="0" err="1" smtClean="0"/>
+              <a:t>If</a:t>
+            </a:r>
+            <a:r>
+              <a:rPr lang="de-AT" dirty="0" smtClean="0"/>
+              <a:t> </a:t>
+            </a:r>
+            <a:r>
+              <a:rPr lang="de-AT" dirty="0" err="1" smtClean="0"/>
+              <a:t>you</a:t>
+            </a:r>
+            <a:r>
+              <a:rPr lang="de-AT" dirty="0" smtClean="0"/>
+              <a:t> </a:t>
+            </a:r>
+            <a:r>
+              <a:rPr lang="de-AT" dirty="0" err="1" smtClean="0"/>
+              <a:t>have</a:t>
+            </a:r>
+            <a:r>
+              <a:rPr lang="de-AT" dirty="0" smtClean="0"/>
+              <a:t> a </a:t>
+            </a:r>
+            <a:r>
+              <a:rPr lang="de-AT" dirty="0" err="1" smtClean="0"/>
+              <a:t>structure</a:t>
             </a:r>
             <a:r>
               <a:rPr lang="de-AT" dirty="0" smtClean="0"/>
@@ -3795,91 +4168,47 @@
             </a:r>
             <a:r>
               <a:rPr lang="de-AT" dirty="0" err="1" smtClean="0"/>
-              <a:t>eventually</a:t>
-            </a:r>
-            <a:r>
-              <a:rPr lang="de-AT" dirty="0" smtClean="0"/>
-              <a:t> </a:t>
-            </a:r>
-            <a:r>
-              <a:rPr lang="de-AT" dirty="0" err="1" smtClean="0"/>
-              <a:t>bias</a:t>
-            </a:r>
-            <a:r>
-              <a:rPr lang="de-AT" dirty="0" smtClean="0"/>
-              <a:t>/</a:t>
-            </a:r>
-            <a:r>
-              <a:rPr lang="de-AT" dirty="0" err="1" smtClean="0"/>
-              <a:t>properties</a:t>
-            </a:r>
-            <a:r>
-              <a:rPr lang="de-AT" dirty="0" smtClean="0"/>
-              <a:t> </a:t>
-            </a:r>
-            <a:r>
-              <a:rPr lang="de-AT" dirty="0" err="1" smtClean="0"/>
-              <a:t>of</a:t>
-            </a:r>
-            <a:r>
-              <a:rPr lang="de-AT" dirty="0" smtClean="0"/>
-              <a:t> </a:t>
-            </a:r>
-            <a:r>
-              <a:rPr lang="de-AT" dirty="0" err="1" smtClean="0"/>
-              <a:t>the</a:t>
-            </a:r>
-            <a:r>
-              <a:rPr lang="de-AT" dirty="0" smtClean="0"/>
-              <a:t> </a:t>
-            </a:r>
-            <a:r>
-              <a:rPr lang="de-AT" dirty="0" err="1" smtClean="0"/>
-              <a:t>classfier</a:t>
-            </a:r>
-            <a:r>
-              <a:rPr lang="de-AT" dirty="0" smtClean="0"/>
-              <a:t> </a:t>
-            </a:r>
-            <a:r>
-              <a:rPr lang="de-AT" dirty="0" err="1" smtClean="0"/>
-              <a:t>influence</a:t>
-            </a:r>
-            <a:r>
-              <a:rPr lang="de-AT" dirty="0" smtClean="0"/>
-              <a:t> </a:t>
-            </a:r>
-            <a:r>
-              <a:rPr lang="de-AT" dirty="0" err="1" smtClean="0"/>
-              <a:t>the</a:t>
-            </a:r>
-            <a:r>
-              <a:rPr lang="de-AT" dirty="0" smtClean="0"/>
-              <a:t> </a:t>
-            </a:r>
-            <a:r>
-              <a:rPr lang="de-AT" dirty="0" err="1" smtClean="0"/>
-              <a:t>result</a:t>
-            </a:r>
-            <a:r>
-              <a:rPr lang="de-AT" dirty="0" smtClean="0"/>
-              <a:t> in a </a:t>
-            </a:r>
-            <a:r>
-              <a:rPr lang="de-AT" dirty="0" err="1" smtClean="0"/>
-              <a:t>neg</a:t>
-            </a:r>
-            <a:r>
-              <a:rPr lang="de-AT" dirty="0" smtClean="0"/>
-              <a:t> </a:t>
-            </a:r>
-            <a:r>
-              <a:rPr lang="de-AT" dirty="0" err="1" smtClean="0"/>
-              <a:t>way</a:t>
-            </a:r>
-            <a:r>
-              <a:rPr lang="de-AT" dirty="0" smtClean="0"/>
-              <a:t> </a:t>
+              <a:t>then</a:t>
+            </a:r>
+            <a:r>
+              <a:rPr lang="de-AT" baseline="0" dirty="0" smtClean="0"/>
+              <a:t> ist </a:t>
+            </a:r>
+            <a:r>
+              <a:rPr lang="de-AT" baseline="0" dirty="0" err="1" smtClean="0"/>
+              <a:t>likely</a:t>
+            </a:r>
+            <a:r>
+              <a:rPr lang="de-AT" baseline="0" dirty="0" smtClean="0"/>
+              <a:t> </a:t>
+            </a:r>
+            <a:r>
+              <a:rPr lang="de-AT" baseline="0" dirty="0" err="1" smtClean="0"/>
+              <a:t>that</a:t>
+            </a:r>
+            <a:r>
+              <a:rPr lang="de-AT" baseline="0" dirty="0" smtClean="0"/>
+              <a:t> </a:t>
+            </a:r>
+            <a:r>
+              <a:rPr lang="de-AT" baseline="0" dirty="0" err="1" smtClean="0"/>
+              <a:t>you</a:t>
+            </a:r>
+            <a:r>
+              <a:rPr lang="de-AT" baseline="0" dirty="0" smtClean="0"/>
+              <a:t> will </a:t>
+            </a:r>
+            <a:r>
+              <a:rPr lang="de-AT" baseline="0" dirty="0" err="1" smtClean="0"/>
+              <a:t>perform</a:t>
+            </a:r>
+            <a:r>
+              <a:rPr lang="de-AT" baseline="0" dirty="0" smtClean="0"/>
+              <a:t> </a:t>
+            </a:r>
+            <a:r>
+              <a:rPr lang="de-AT" baseline="0" dirty="0" err="1" smtClean="0"/>
+              <a:t>better</a:t>
             </a:r>
             <a:endParaRPr lang="de-AT" dirty="0"/>
           </a:p>
@@ -3903,7 +4232,7 @@
             <a:fld id="{07914D93-ABC8-448C-8296-85FD12164B61}" type="slidenum">
               <a:rPr lang="de-DE" altLang="de-DE" smtClean="0"/>
               <a:pPr/>
-              <a:t>9</a:t>
+              <a:t>7</a:t>
             </a:fld>
             <a:endParaRPr lang="de-DE" altLang="de-DE"/>
           </a:p>
@@ -3912,7 +4241,7 @@
     </p:spTree>
     <p:extLst>
       <p:ext uri="{BB962C8B-B14F-4D97-AF65-F5344CB8AC3E}">
-        <p14:creationId xmlns:p14="http://schemas.microsoft.com/office/powerpoint/2010/main" val="1935011210"/>
+        <p14:creationId xmlns:p14="http://schemas.microsoft.com/office/powerpoint/2010/main" val="963849633"/>
       </p:ext>
     </p:extLst>
   </p:cSld>
@@ -3966,188 +4295,158 @@
           <a:bodyPr/>
           <a:lstStyle/>
           <a:p>
-            <a:pPr marL="857250" lvl="1" indent="-457200"/>
-            <a:r>
-              <a:rPr lang="de-AT" dirty="0" err="1" smtClean="0"/>
-              <a:t>Univariate</a:t>
-            </a:r>
-            <a:r>
-              <a:rPr lang="de-AT" dirty="0" smtClean="0"/>
-              <a:t>  </a:t>
-            </a:r>
-            <a:r>
-              <a:rPr lang="de-AT" baseline="0" dirty="0" smtClean="0"/>
-              <a:t>  =  </a:t>
-            </a:r>
-            <a:r>
-              <a:rPr lang="de-AT" dirty="0" err="1" smtClean="0"/>
-              <a:t>each</a:t>
-            </a:r>
-            <a:r>
-              <a:rPr lang="de-AT" dirty="0" smtClean="0"/>
-              <a:t> </a:t>
-            </a:r>
-            <a:r>
-              <a:rPr lang="de-AT" dirty="0" err="1" smtClean="0"/>
-              <a:t>feature</a:t>
-            </a:r>
-            <a:r>
-              <a:rPr lang="de-AT" dirty="0" smtClean="0"/>
-              <a:t> </a:t>
-            </a:r>
-            <a:r>
-              <a:rPr lang="de-AT" dirty="0" err="1" smtClean="0"/>
-              <a:t>independent</a:t>
-            </a:r>
-            <a:r>
-              <a:rPr lang="de-AT" baseline="0" dirty="0" smtClean="0"/>
-              <a:t>  </a:t>
-            </a:r>
-            <a:r>
-              <a:rPr lang="de-AT" baseline="0" dirty="0" err="1" smtClean="0"/>
-              <a:t>eg</a:t>
-            </a:r>
-            <a:r>
-              <a:rPr lang="de-AT" baseline="0" dirty="0" smtClean="0"/>
-              <a:t>.  </a:t>
-            </a:r>
-            <a:r>
-              <a:rPr lang="de-AT" baseline="0" dirty="0" err="1" smtClean="0"/>
-              <a:t>Eucledean</a:t>
-            </a:r>
-            <a:r>
-              <a:rPr lang="de-AT" baseline="0" dirty="0" smtClean="0"/>
-              <a:t>  </a:t>
-            </a:r>
-            <a:r>
-              <a:rPr lang="de-AT" baseline="0" dirty="0" err="1" smtClean="0"/>
-              <a:t>disstance</a:t>
-            </a:r>
+            <a:r>
+              <a:rPr lang="de-AT" dirty="0" smtClean="0"/>
+              <a:t>„Filter  out least </a:t>
+            </a:r>
+            <a:r>
+              <a:rPr lang="de-AT" dirty="0" err="1" smtClean="0"/>
+              <a:t>interesting</a:t>
+            </a:r>
+            <a:r>
+              <a:rPr lang="de-AT" dirty="0" smtClean="0"/>
+              <a:t> variables“  </a:t>
+            </a:r>
+          </a:p>
+          <a:p>
             <a:endParaRPr lang="de-AT" dirty="0" smtClean="0"/>
           </a:p>
           <a:p>
-            <a:pPr marL="857250" lvl="1" indent="-457200"/>
-            <a:r>
-              <a:rPr lang="de-AT" dirty="0" smtClean="0"/>
-              <a:t>Multivariate  =</a:t>
-            </a:r>
-            <a:r>
-              <a:rPr lang="de-AT" baseline="0" dirty="0" smtClean="0"/>
-              <a:t>  </a:t>
-            </a:r>
-            <a:r>
-              <a:rPr lang="de-AT" dirty="0" err="1" smtClean="0"/>
-              <a:t>correlation</a:t>
-            </a:r>
-            <a:r>
-              <a:rPr lang="de-AT" dirty="0" smtClean="0"/>
-              <a:t> </a:t>
-            </a:r>
-            <a:r>
-              <a:rPr lang="de-AT" dirty="0" err="1" smtClean="0"/>
-              <a:t>between</a:t>
-            </a:r>
-            <a:r>
-              <a:rPr lang="de-AT" dirty="0" smtClean="0"/>
-              <a:t> </a:t>
-            </a:r>
-            <a:r>
-              <a:rPr lang="de-AT" dirty="0" err="1" smtClean="0"/>
-              <a:t>features</a:t>
-            </a:r>
-            <a:r>
-              <a:rPr lang="de-AT" dirty="0" smtClean="0"/>
-              <a:t>,</a:t>
-            </a:r>
-            <a:r>
-              <a:rPr lang="de-AT" baseline="0" dirty="0" smtClean="0"/>
-              <a:t> </a:t>
-            </a:r>
-            <a:r>
-              <a:rPr lang="de-AT" baseline="0" dirty="0" err="1" smtClean="0"/>
-              <a:t>can</a:t>
-            </a:r>
-            <a:r>
-              <a:rPr lang="de-AT" baseline="0" dirty="0" smtClean="0"/>
-              <a:t>  </a:t>
-            </a:r>
-            <a:r>
-              <a:rPr lang="de-AT" baseline="0" dirty="0" err="1" smtClean="0"/>
-              <a:t>remove</a:t>
-            </a:r>
-            <a:r>
-              <a:rPr lang="de-AT" baseline="0" dirty="0" smtClean="0"/>
-              <a:t>  redundant </a:t>
-            </a:r>
-            <a:r>
-              <a:rPr lang="de-AT" baseline="0" dirty="0" err="1" smtClean="0"/>
-              <a:t>features</a:t>
-            </a:r>
-            <a:r>
-              <a:rPr lang="de-AT" baseline="0" dirty="0" smtClean="0"/>
-              <a:t>  (</a:t>
-            </a:r>
-            <a:r>
-              <a:rPr lang="de-AT" baseline="0" dirty="0" err="1" smtClean="0"/>
-              <a:t>univariate</a:t>
-            </a:r>
-            <a:r>
-              <a:rPr lang="de-AT" baseline="0" dirty="0" smtClean="0"/>
-              <a:t> </a:t>
-            </a:r>
-            <a:r>
-              <a:rPr lang="de-AT" baseline="0" dirty="0" smtClean="0">
-                <a:sym typeface="Wingdings" panose="05000000000000000000" pitchFamily="2" charset="2"/>
-              </a:rPr>
-              <a:t>  </a:t>
-            </a:r>
-            <a:r>
-              <a:rPr lang="de-AT" baseline="0" dirty="0" err="1" smtClean="0"/>
-              <a:t>filter</a:t>
-            </a:r>
-            <a:r>
-              <a:rPr lang="de-AT" baseline="0" dirty="0" smtClean="0"/>
-              <a:t> </a:t>
-            </a:r>
-            <a:r>
-              <a:rPr lang="de-AT" baseline="0" dirty="0" err="1" smtClean="0"/>
-              <a:t>methods</a:t>
-            </a:r>
-            <a:r>
-              <a:rPr lang="de-AT" baseline="0" dirty="0" smtClean="0"/>
-              <a:t>  </a:t>
-            </a:r>
-            <a:r>
-              <a:rPr lang="de-AT" baseline="0" dirty="0" err="1" smtClean="0"/>
-              <a:t>tend</a:t>
-            </a:r>
-            <a:r>
-              <a:rPr lang="de-AT" baseline="0" dirty="0" smtClean="0"/>
-              <a:t>  </a:t>
-            </a:r>
-            <a:r>
-              <a:rPr lang="de-AT" baseline="0" dirty="0" err="1" smtClean="0"/>
-              <a:t>to</a:t>
-            </a:r>
-            <a:r>
-              <a:rPr lang="de-AT" baseline="0" dirty="0" smtClean="0"/>
-              <a:t> </a:t>
-            </a:r>
-            <a:r>
-              <a:rPr lang="de-AT" baseline="0" dirty="0" err="1" smtClean="0"/>
-              <a:t>have</a:t>
-            </a:r>
-            <a:r>
-              <a:rPr lang="de-AT" baseline="0" dirty="0" smtClean="0"/>
-              <a:t> redundant </a:t>
-            </a:r>
-            <a:r>
-              <a:rPr lang="de-AT" baseline="0" dirty="0" err="1" smtClean="0"/>
-              <a:t>features</a:t>
-            </a:r>
-            <a:r>
-              <a:rPr lang="de-AT" baseline="0" dirty="0" smtClean="0"/>
-              <a:t>)</a:t>
+            <a:r>
+              <a:rPr lang="de-AT" dirty="0" err="1" smtClean="0"/>
+              <a:t>No</a:t>
+            </a:r>
+            <a:r>
+              <a:rPr lang="de-AT" dirty="0" smtClean="0"/>
+              <a:t> optimal </a:t>
+            </a:r>
+            <a:r>
+              <a:rPr lang="de-AT" dirty="0" err="1" smtClean="0"/>
+              <a:t>performance</a:t>
+            </a:r>
+            <a:r>
+              <a:rPr lang="de-AT" dirty="0" smtClean="0"/>
+              <a:t> </a:t>
+            </a:r>
+            <a:r>
+              <a:rPr lang="de-AT" dirty="0" err="1" smtClean="0"/>
+              <a:t>when</a:t>
+            </a:r>
+            <a:r>
+              <a:rPr lang="de-AT" dirty="0" smtClean="0"/>
+              <a:t> </a:t>
+            </a:r>
+            <a:r>
+              <a:rPr lang="de-AT" dirty="0" err="1" smtClean="0"/>
+              <a:t>doing</a:t>
+            </a:r>
+            <a:r>
+              <a:rPr lang="de-AT" dirty="0" smtClean="0"/>
+              <a:t> </a:t>
+            </a:r>
+            <a:r>
+              <a:rPr lang="de-AT" dirty="0" err="1" smtClean="0"/>
+              <a:t>the</a:t>
+            </a:r>
+            <a:r>
+              <a:rPr lang="de-AT" dirty="0" smtClean="0"/>
+              <a:t> </a:t>
+            </a:r>
+            <a:r>
+              <a:rPr lang="de-AT" dirty="0" err="1" smtClean="0"/>
+              <a:t>classification</a:t>
+            </a:r>
+            <a:r>
+              <a:rPr lang="de-AT" dirty="0" smtClean="0"/>
+              <a:t>, </a:t>
+            </a:r>
+            <a:r>
+              <a:rPr lang="de-AT" dirty="0" err="1" smtClean="0"/>
+              <a:t>eventually</a:t>
+            </a:r>
+            <a:r>
+              <a:rPr lang="de-AT" dirty="0" smtClean="0"/>
+              <a:t> </a:t>
+            </a:r>
+            <a:r>
+              <a:rPr lang="de-AT" dirty="0" err="1" smtClean="0"/>
+              <a:t>bias</a:t>
+            </a:r>
+            <a:r>
+              <a:rPr lang="de-AT" dirty="0" smtClean="0"/>
+              <a:t>/</a:t>
+            </a:r>
+            <a:r>
+              <a:rPr lang="de-AT" dirty="0" err="1" smtClean="0"/>
+              <a:t>properties</a:t>
+            </a:r>
+            <a:r>
+              <a:rPr lang="de-AT" dirty="0" smtClean="0"/>
+              <a:t> </a:t>
+            </a:r>
+            <a:r>
+              <a:rPr lang="de-AT" dirty="0" err="1" smtClean="0"/>
+              <a:t>of</a:t>
+            </a:r>
+            <a:r>
+              <a:rPr lang="de-AT" dirty="0" smtClean="0"/>
+              <a:t> </a:t>
+            </a:r>
+            <a:r>
+              <a:rPr lang="de-AT" dirty="0" err="1" smtClean="0"/>
+              <a:t>the</a:t>
+            </a:r>
+            <a:r>
+              <a:rPr lang="de-AT" dirty="0" smtClean="0"/>
+              <a:t> </a:t>
+            </a:r>
+            <a:r>
+              <a:rPr lang="de-AT" dirty="0" err="1" smtClean="0"/>
+              <a:t>classfier</a:t>
+            </a:r>
+            <a:r>
+              <a:rPr lang="de-AT" dirty="0" smtClean="0"/>
+              <a:t> </a:t>
+            </a:r>
+            <a:r>
+              <a:rPr lang="de-AT" dirty="0" err="1" smtClean="0"/>
+              <a:t>influence</a:t>
+            </a:r>
+            <a:r>
+              <a:rPr lang="de-AT" dirty="0" smtClean="0"/>
+              <a:t> </a:t>
+            </a:r>
+            <a:r>
+              <a:rPr lang="de-AT" dirty="0" err="1" smtClean="0"/>
+              <a:t>the</a:t>
+            </a:r>
+            <a:r>
+              <a:rPr lang="de-AT" dirty="0" smtClean="0"/>
+              <a:t> </a:t>
+            </a:r>
+            <a:r>
+              <a:rPr lang="de-AT" dirty="0" err="1" smtClean="0"/>
+              <a:t>result</a:t>
+            </a:r>
+            <a:r>
+              <a:rPr lang="de-AT" dirty="0" smtClean="0"/>
+              <a:t> in a </a:t>
+            </a:r>
+            <a:r>
+              <a:rPr lang="de-AT" dirty="0" err="1" smtClean="0"/>
+              <a:t>neg</a:t>
+            </a:r>
+            <a:r>
+              <a:rPr lang="de-AT" dirty="0" smtClean="0"/>
+              <a:t> </a:t>
+            </a:r>
+            <a:r>
+              <a:rPr lang="de-AT" dirty="0" err="1" smtClean="0"/>
+              <a:t>way</a:t>
+            </a:r>
+            <a:r>
+              <a:rPr lang="de-AT" dirty="0" smtClean="0"/>
+              <a:t> </a:t>
             </a:r>
             <a:endParaRPr lang="de-AT" dirty="0"/>
           </a:p>
@@ -4171,7 +4470,7 @@
             <a:fld id="{07914D93-ABC8-448C-8296-85FD12164B61}" type="slidenum">
               <a:rPr lang="de-DE" altLang="de-DE" smtClean="0"/>
               <a:pPr/>
-              <a:t>10</a:t>
+              <a:t>9</a:t>
             </a:fld>
             <a:endParaRPr lang="de-DE" altLang="de-DE"/>
           </a:p>
@@ -4180,7 +4479,7 @@
     </p:spTree>
     <p:extLst>
       <p:ext uri="{BB962C8B-B14F-4D97-AF65-F5344CB8AC3E}">
-        <p14:creationId xmlns:p14="http://schemas.microsoft.com/office/powerpoint/2010/main" val="235510060"/>
+        <p14:creationId xmlns:p14="http://schemas.microsoft.com/office/powerpoint/2010/main" val="1935011210"/>
       </p:ext>
     </p:extLst>
   </p:cSld>
@@ -4234,31 +4533,84 @@
           <a:bodyPr/>
           <a:lstStyle/>
           <a:p>
-            <a:r>
-              <a:rPr lang="de-AT" dirty="0" err="1" smtClean="0"/>
-              <a:t>Relevance</a:t>
-            </a:r>
-            <a:r>
-              <a:rPr lang="de-AT" dirty="0" smtClean="0"/>
-              <a:t>:  </a:t>
-            </a:r>
-            <a:r>
-              <a:rPr lang="de-AT" dirty="0" err="1" smtClean="0"/>
-              <a:t>Eucledian</a:t>
-            </a:r>
-            <a:r>
-              <a:rPr lang="de-AT" dirty="0" smtClean="0"/>
-              <a:t> </a:t>
-            </a:r>
-            <a:r>
-              <a:rPr lang="de-AT" dirty="0" err="1" smtClean="0"/>
-              <a:t>distance</a:t>
+            <a:pPr marL="857250" lvl="1" indent="-457200"/>
+            <a:r>
+              <a:rPr lang="de-AT" dirty="0" err="1" smtClean="0"/>
+              <a:t>Univariate</a:t>
             </a:r>
             <a:r>
               <a:rPr lang="de-AT" dirty="0" smtClean="0"/>
               <a:t>  </a:t>
             </a:r>
             <a:r>
+              <a:rPr lang="de-AT" baseline="0" dirty="0" smtClean="0"/>
+              <a:t>  =  </a:t>
+            </a:r>
+            <a:r>
+              <a:rPr lang="de-AT" dirty="0" err="1" smtClean="0"/>
+              <a:t>each</a:t>
+            </a:r>
+            <a:r>
+              <a:rPr lang="de-AT" dirty="0" smtClean="0"/>
+              <a:t> </a:t>
+            </a:r>
+            <a:r>
+              <a:rPr lang="de-AT" dirty="0" err="1" smtClean="0"/>
+              <a:t>feature</a:t>
+            </a:r>
+            <a:r>
+              <a:rPr lang="de-AT" dirty="0" smtClean="0"/>
+              <a:t> </a:t>
+            </a:r>
+            <a:r>
+              <a:rPr lang="de-AT" dirty="0" err="1" smtClean="0"/>
+              <a:t>independent</a:t>
+            </a:r>
+            <a:r>
+              <a:rPr lang="de-AT" baseline="0" dirty="0" smtClean="0"/>
+              <a:t>  </a:t>
+            </a:r>
+            <a:r>
+              <a:rPr lang="de-AT" baseline="0" dirty="0" err="1" smtClean="0"/>
+              <a:t>eg</a:t>
+            </a:r>
+            <a:r>
+              <a:rPr lang="de-AT" baseline="0" dirty="0" smtClean="0"/>
+              <a:t>.  </a:t>
+            </a:r>
+            <a:r>
+              <a:rPr lang="de-AT" baseline="0" dirty="0" err="1" smtClean="0"/>
+              <a:t>Eucledean</a:t>
+            </a:r>
+            <a:r>
+              <a:rPr lang="de-AT" baseline="0" dirty="0" smtClean="0"/>
+              <a:t>  </a:t>
+            </a:r>
+            <a:r>
+              <a:rPr lang="de-AT" baseline="0" dirty="0" err="1" smtClean="0"/>
+              <a:t>disstance</a:t>
+            </a:r>
+            <a:endParaRPr lang="de-AT" dirty="0" smtClean="0"/>
+          </a:p>
+          <a:p>
+            <a:pPr marL="857250" lvl="1" indent="-457200"/>
+            <a:r>
+              <a:rPr lang="de-AT" dirty="0" smtClean="0"/>
+              <a:t>Multivariate  =</a:t>
+            </a:r>
+            <a:r>
+              <a:rPr lang="de-AT" baseline="0" dirty="0" smtClean="0"/>
+              <a:t>  </a:t>
+            </a:r>
+            <a:r>
+              <a:rPr lang="de-AT" dirty="0" err="1" smtClean="0"/>
+              <a:t>correlation</a:t>
+            </a:r>
+            <a:r>
+              <a:rPr lang="de-AT" dirty="0" smtClean="0"/>
+              <a:t> </a:t>
+            </a:r>
+            <a:r>
               <a:rPr lang="de-AT" dirty="0" err="1" smtClean="0"/>
               <a:t>between</a:t>
             </a:r>
@@ -4268,35 +4620,35 @@
             </a:r>
             <a:r>
               <a:rPr lang="de-AT" dirty="0" err="1" smtClean="0"/>
-              <a:t>near</a:t>
-            </a:r>
-            <a:r>
-              <a:rPr lang="de-AT" dirty="0" smtClean="0"/>
-              <a:t> </a:t>
-            </a:r>
-            <a:r>
-              <a:rPr lang="de-AT" dirty="0" err="1" smtClean="0"/>
-              <a:t>hit</a:t>
-            </a:r>
-            <a:r>
-              <a:rPr lang="de-AT" dirty="0" smtClean="0"/>
-              <a:t> </a:t>
-            </a:r>
-            <a:r>
-              <a:rPr lang="de-AT" dirty="0" err="1" smtClean="0"/>
-              <a:t>and</a:t>
-            </a:r>
-            <a:r>
-              <a:rPr lang="de-AT" dirty="0" smtClean="0"/>
-              <a:t> </a:t>
-            </a:r>
-            <a:r>
-              <a:rPr lang="de-AT" dirty="0" err="1" smtClean="0"/>
-              <a:t>near</a:t>
-            </a:r>
-            <a:r>
-              <a:rPr lang="de-AT" dirty="0" smtClean="0"/>
-              <a:t> miss</a:t>
+              <a:t>features</a:t>
+            </a:r>
+            <a:r>
+              <a:rPr lang="de-AT" dirty="0" smtClean="0"/>
+              <a:t>,</a:t>
+            </a:r>
+            <a:r>
+              <a:rPr lang="de-AT" baseline="0" dirty="0" smtClean="0"/>
+              <a:t> </a:t>
+            </a:r>
+            <a:r>
+              <a:rPr lang="de-AT" baseline="0" dirty="0" err="1" smtClean="0"/>
+              <a:t>can</a:t>
+            </a:r>
+            <a:r>
+              <a:rPr lang="de-AT" baseline="0" dirty="0" smtClean="0"/>
+              <a:t>  </a:t>
+            </a:r>
+            <a:r>
+              <a:rPr lang="de-AT" baseline="0" dirty="0" err="1" smtClean="0"/>
+              <a:t>remove</a:t>
+            </a:r>
+            <a:r>
+              <a:rPr lang="de-AT" baseline="0" dirty="0" smtClean="0"/>
+              <a:t>  redundant </a:t>
+            </a:r>
+            <a:r>
+              <a:rPr lang="de-AT" baseline="0" dirty="0" err="1" smtClean="0"/>
+              <a:t>features</a:t>
             </a:r>
             <a:r>
               <a:rPr lang="de-AT" baseline="0" dirty="0" smtClean="0"/>
@@ -4304,240 +4656,7 @@
             </a:r>
             <a:r>
               <a:rPr lang="de-AT" baseline="0" dirty="0" err="1" smtClean="0"/>
-              <a:t>closesst</a:t>
-            </a:r>
-            <a:r>
-              <a:rPr lang="de-AT" baseline="0" dirty="0" smtClean="0"/>
-              <a:t> </a:t>
-            </a:r>
-            <a:r>
-              <a:rPr lang="de-AT" baseline="0" dirty="0" err="1" smtClean="0"/>
-              <a:t>instances</a:t>
-            </a:r>
-            <a:r>
-              <a:rPr lang="de-AT" baseline="0" dirty="0" smtClean="0"/>
-              <a:t> in  </a:t>
-            </a:r>
-            <a:r>
-              <a:rPr lang="de-AT" baseline="0" dirty="0" err="1" smtClean="0"/>
-              <a:t>the</a:t>
-            </a:r>
-            <a:r>
-              <a:rPr lang="de-AT" baseline="0" dirty="0" smtClean="0"/>
-              <a:t> </a:t>
-            </a:r>
-            <a:r>
-              <a:rPr lang="de-AT" baseline="0" dirty="0" err="1" smtClean="0"/>
-              <a:t>neighborhood</a:t>
-            </a:r>
-            <a:r>
-              <a:rPr lang="de-AT" baseline="0" dirty="0" smtClean="0"/>
-              <a:t> </a:t>
-            </a:r>
-            <a:r>
-              <a:rPr lang="de-AT" baseline="0" dirty="0" err="1" smtClean="0"/>
-              <a:t>of</a:t>
-            </a:r>
-            <a:r>
-              <a:rPr lang="de-AT" baseline="0" dirty="0" smtClean="0"/>
-              <a:t>  X </a:t>
-            </a:r>
-            <a:r>
-              <a:rPr lang="de-AT" baseline="0" dirty="0" err="1" smtClean="0"/>
-              <a:t>from</a:t>
-            </a:r>
-            <a:r>
-              <a:rPr lang="de-AT" baseline="0" dirty="0" smtClean="0"/>
-              <a:t>  </a:t>
-            </a:r>
-            <a:r>
-              <a:rPr lang="de-AT" baseline="0" dirty="0" err="1" smtClean="0"/>
-              <a:t>the</a:t>
-            </a:r>
-            <a:r>
-              <a:rPr lang="de-AT" baseline="0" dirty="0" smtClean="0"/>
-              <a:t> same </a:t>
-            </a:r>
-            <a:r>
-              <a:rPr lang="de-AT" baseline="0" dirty="0" err="1" smtClean="0"/>
-              <a:t>and</a:t>
-            </a:r>
-            <a:r>
-              <a:rPr lang="de-AT" baseline="0" dirty="0" smtClean="0"/>
-              <a:t> </a:t>
-            </a:r>
-            <a:r>
-              <a:rPr lang="de-AT" baseline="0" dirty="0" err="1" smtClean="0"/>
-              <a:t>the</a:t>
-            </a:r>
-            <a:r>
-              <a:rPr lang="de-AT" baseline="0" dirty="0" smtClean="0"/>
-              <a:t> </a:t>
-            </a:r>
-            <a:r>
-              <a:rPr lang="de-AT" baseline="0" dirty="0" err="1" smtClean="0"/>
-              <a:t>other</a:t>
-            </a:r>
-            <a:r>
-              <a:rPr lang="de-AT" baseline="0" dirty="0" smtClean="0"/>
-              <a:t> </a:t>
-            </a:r>
-            <a:r>
-              <a:rPr lang="de-AT" baseline="0" dirty="0" err="1" smtClean="0"/>
-              <a:t>class</a:t>
-            </a:r>
-            <a:r>
-              <a:rPr lang="de-AT" baseline="0" dirty="0" smtClean="0"/>
-              <a:t>) – </a:t>
-            </a:r>
-            <a:r>
-              <a:rPr lang="de-AT" baseline="0" dirty="0" err="1" smtClean="0"/>
-              <a:t>if</a:t>
-            </a:r>
-            <a:r>
-              <a:rPr lang="de-AT" baseline="0" dirty="0" smtClean="0"/>
-              <a:t> </a:t>
-            </a:r>
-            <a:r>
-              <a:rPr lang="de-AT" baseline="0" dirty="0" err="1" smtClean="0"/>
-              <a:t>value</a:t>
-            </a:r>
-            <a:r>
-              <a:rPr lang="de-AT" baseline="0" dirty="0" smtClean="0"/>
-              <a:t> </a:t>
-            </a:r>
-            <a:r>
-              <a:rPr lang="de-AT" baseline="0" dirty="0" err="1" smtClean="0"/>
-              <a:t>for</a:t>
-            </a:r>
-            <a:r>
-              <a:rPr lang="de-AT" baseline="0" dirty="0" smtClean="0"/>
-              <a:t> same </a:t>
-            </a:r>
-            <a:r>
-              <a:rPr lang="de-AT" baseline="0" dirty="0" err="1" smtClean="0"/>
-              <a:t>class</a:t>
-            </a:r>
-            <a:r>
-              <a:rPr lang="de-AT" baseline="0" dirty="0" smtClean="0"/>
-              <a:t> </a:t>
-            </a:r>
-            <a:r>
-              <a:rPr lang="de-AT" baseline="0" dirty="0" err="1" smtClean="0"/>
-              <a:t>is</a:t>
-            </a:r>
-            <a:r>
-              <a:rPr lang="de-AT" baseline="0" dirty="0" smtClean="0"/>
-              <a:t> high, </a:t>
-            </a:r>
-            <a:r>
-              <a:rPr lang="de-AT" baseline="0" dirty="0" err="1" smtClean="0"/>
-              <a:t>the</a:t>
-            </a:r>
-            <a:r>
-              <a:rPr lang="de-AT" baseline="0" dirty="0" smtClean="0"/>
-              <a:t>  </a:t>
-            </a:r>
-            <a:r>
-              <a:rPr lang="de-AT" baseline="0" dirty="0" err="1" smtClean="0"/>
-              <a:t>weight</a:t>
-            </a:r>
-            <a:r>
-              <a:rPr lang="de-AT" baseline="0" dirty="0" smtClean="0"/>
-              <a:t> </a:t>
-            </a:r>
-            <a:r>
-              <a:rPr lang="de-AT" baseline="0" dirty="0" err="1" smtClean="0"/>
-              <a:t>gets</a:t>
-            </a:r>
-            <a:r>
-              <a:rPr lang="de-AT" baseline="0" dirty="0" smtClean="0"/>
-              <a:t> a positive  </a:t>
-            </a:r>
-            <a:r>
-              <a:rPr lang="de-AT" baseline="0" dirty="0" err="1" smtClean="0"/>
-              <a:t>value</a:t>
-            </a:r>
-            <a:r>
-              <a:rPr lang="de-AT" baseline="0" dirty="0" smtClean="0"/>
-              <a:t>,  </a:t>
-            </a:r>
-            <a:r>
-              <a:rPr lang="de-AT" baseline="0" dirty="0" err="1" smtClean="0"/>
-              <a:t>else</a:t>
-            </a:r>
-            <a:r>
-              <a:rPr lang="de-AT" baseline="0" dirty="0" smtClean="0"/>
-              <a:t> a negative </a:t>
-            </a:r>
-            <a:r>
-              <a:rPr lang="de-AT" baseline="0" dirty="0" err="1" smtClean="0"/>
-              <a:t>value</a:t>
-            </a:r>
-            <a:r>
-              <a:rPr lang="de-AT" baseline="0" dirty="0" smtClean="0"/>
-              <a:t>.</a:t>
-            </a:r>
-            <a:br>
-              <a:rPr lang="de-AT" baseline="0" dirty="0" smtClean="0"/>
-            </a:br>
-            <a:r>
-              <a:rPr lang="de-AT" baseline="0" dirty="0" smtClean="0"/>
-              <a:t>Update  </a:t>
-            </a:r>
-            <a:r>
-              <a:rPr lang="de-AT" baseline="0" dirty="0" err="1" smtClean="0"/>
-              <a:t>weights</a:t>
-            </a:r>
-            <a:r>
-              <a:rPr lang="de-AT" baseline="0" dirty="0" smtClean="0"/>
-              <a:t>:  </a:t>
-            </a:r>
-            <a:r>
-              <a:rPr lang="de-AT" baseline="0" dirty="0" err="1" smtClean="0"/>
-              <a:t>bigger</a:t>
-            </a:r>
-            <a:r>
-              <a:rPr lang="de-AT" baseline="0" dirty="0" smtClean="0"/>
-              <a:t>  </a:t>
-            </a:r>
-            <a:r>
-              <a:rPr lang="de-AT" baseline="0" dirty="0" err="1" smtClean="0"/>
-              <a:t>weights</a:t>
-            </a:r>
-            <a:r>
-              <a:rPr lang="de-AT" baseline="0" dirty="0" smtClean="0"/>
-              <a:t> </a:t>
-            </a:r>
-            <a:r>
-              <a:rPr lang="de-AT" baseline="0" dirty="0" err="1" smtClean="0"/>
-              <a:t>if</a:t>
-            </a:r>
-            <a:r>
-              <a:rPr lang="de-AT" baseline="0" dirty="0" smtClean="0"/>
-              <a:t>  relevant </a:t>
-            </a:r>
-            <a:r>
-              <a:rPr lang="de-AT" baseline="0" dirty="0" err="1" smtClean="0"/>
-              <a:t>feature</a:t>
-            </a:r>
-            <a:endParaRPr lang="de-AT" baseline="0" dirty="0" smtClean="0"/>
-          </a:p>
-          <a:p>
-            <a:endParaRPr lang="de-AT" baseline="0" dirty="0" smtClean="0"/>
-          </a:p>
-          <a:p>
-            <a:r>
-              <a:rPr lang="de-AT" baseline="0" dirty="0" err="1" smtClean="0"/>
-              <a:t>We</a:t>
-            </a:r>
-            <a:r>
-              <a:rPr lang="de-AT" baseline="0" dirty="0" smtClean="0"/>
-              <a:t> </a:t>
-            </a:r>
-            <a:r>
-              <a:rPr lang="de-AT" baseline="0" dirty="0" err="1" smtClean="0"/>
-              <a:t>see</a:t>
+              <a:t>univariate</a:t>
             </a:r>
             <a:r>
               <a:rPr lang="de-AT" baseline="0" dirty="0" smtClean="0"/>
@@ -4550,34 +4669,52 @@
               <a:t>  </a:t>
             </a:r>
             <a:r>
-              <a:rPr lang="de-AT" baseline="0" dirty="0" err="1" smtClean="0">
-                <a:sym typeface="Wingdings" panose="05000000000000000000" pitchFamily="2" charset="2"/>
-              </a:rPr>
-              <a:t>no</a:t>
-            </a:r>
-            <a:r>
-              <a:rPr lang="de-AT" baseline="0" dirty="0" smtClean="0">
-                <a:sym typeface="Wingdings" panose="05000000000000000000" pitchFamily="2" charset="2"/>
-              </a:rPr>
-              <a:t> </a:t>
-            </a:r>
-            <a:r>
-              <a:rPr lang="de-AT" baseline="0" dirty="0" err="1" smtClean="0">
-                <a:sym typeface="Wingdings" panose="05000000000000000000" pitchFamily="2" charset="2"/>
-              </a:rPr>
-              <a:t>classifier</a:t>
-            </a:r>
-            <a:r>
-              <a:rPr lang="de-AT" baseline="0" dirty="0" smtClean="0">
-                <a:sym typeface="Wingdings" panose="05000000000000000000" pitchFamily="2" charset="2"/>
-              </a:rPr>
-              <a:t> </a:t>
-            </a:r>
-            <a:r>
-              <a:rPr lang="de-AT" baseline="0" dirty="0" err="1" smtClean="0">
-                <a:sym typeface="Wingdings" panose="05000000000000000000" pitchFamily="2" charset="2"/>
-              </a:rPr>
-              <a:t>used</a:t>
+              <a:rPr lang="de-AT" baseline="0" dirty="0" err="1" smtClean="0"/>
+              <a:t>filter</a:t>
+            </a:r>
+            <a:r>
+              <a:rPr lang="de-AT" baseline="0" dirty="0" smtClean="0"/>
+              <a:t> </a:t>
+            </a:r>
+            <a:r>
+              <a:rPr lang="de-AT" baseline="0" dirty="0" err="1" smtClean="0"/>
+              <a:t>methods</a:t>
+            </a:r>
+            <a:r>
+              <a:rPr lang="de-AT" baseline="0" dirty="0" smtClean="0"/>
+              <a:t>  </a:t>
+            </a:r>
+            <a:r>
+              <a:rPr lang="de-AT" baseline="0" dirty="0" err="1" smtClean="0"/>
+              <a:t>tend</a:t>
+            </a:r>
+            <a:r>
+              <a:rPr lang="de-AT" baseline="0" dirty="0" smtClean="0"/>
+              <a:t>  </a:t>
+            </a:r>
+            <a:r>
+              <a:rPr lang="de-AT" baseline="0" dirty="0" err="1" smtClean="0"/>
+              <a:t>to</a:t>
+            </a:r>
+            <a:r>
+              <a:rPr lang="de-AT" baseline="0" dirty="0" smtClean="0"/>
+              <a:t> </a:t>
+            </a:r>
+            <a:r>
+              <a:rPr lang="de-AT" baseline="0" dirty="0" err="1" smtClean="0"/>
+              <a:t>have</a:t>
+            </a:r>
+            <a:r>
+              <a:rPr lang="de-AT" baseline="0" dirty="0" smtClean="0"/>
+              <a:t> redundant </a:t>
+            </a:r>
+            <a:r>
+              <a:rPr lang="de-AT" baseline="0" dirty="0" err="1" smtClean="0"/>
+              <a:t>features</a:t>
+            </a:r>
+            <a:r>
+              <a:rPr lang="de-AT" baseline="0" dirty="0" smtClean="0"/>
+              <a:t>)</a:t>
             </a:r>
             <a:endParaRPr lang="de-AT" dirty="0"/>
           </a:p>
@@ -4601,7 +4738,7 @@
             <a:fld id="{07914D93-ABC8-448C-8296-85FD12164B61}" type="slidenum">
               <a:rPr lang="de-DE" altLang="de-DE" smtClean="0"/>
               <a:pPr/>
-              <a:t>11</a:t>
+              <a:t>10</a:t>
             </a:fld>
             <a:endParaRPr lang="de-DE" altLang="de-DE"/>
           </a:p>
@@ -4610,7 +4747,7 @@
     </p:spTree>
     <p:extLst>
       <p:ext uri="{BB962C8B-B14F-4D97-AF65-F5344CB8AC3E}">
-        <p14:creationId xmlns:p14="http://schemas.microsoft.com/office/powerpoint/2010/main" val="1744673521"/>
+        <p14:creationId xmlns:p14="http://schemas.microsoft.com/office/powerpoint/2010/main" val="235510060"/>
       </p:ext>
     </p:extLst>
   </p:cSld>
@@ -4665,60 +4802,74 @@
           <a:lstStyle/>
           <a:p>
             <a:r>
-              <a:rPr lang="de-AT" dirty="0" smtClean="0"/>
-              <a:t>Fit </a:t>
-            </a:r>
-            <a:r>
-              <a:rPr lang="de-AT" dirty="0" err="1" smtClean="0"/>
+              <a:rPr lang="de-AT" dirty="0" err="1" smtClean="0"/>
+              <a:t>For</a:t>
+            </a:r>
+            <a:r>
+              <a:rPr lang="de-AT" baseline="0" dirty="0" smtClean="0"/>
+              <a:t> </a:t>
+            </a:r>
+            <a:r>
+              <a:rPr lang="de-AT" baseline="0" dirty="0" err="1" smtClean="0"/>
+              <a:t>example</a:t>
+            </a:r>
+            <a:r>
+              <a:rPr lang="de-AT" baseline="0" dirty="0" smtClean="0"/>
+              <a:t>: Binary </a:t>
+            </a:r>
+            <a:r>
+              <a:rPr lang="de-AT" baseline="0" dirty="0" err="1" smtClean="0"/>
               <a:t>classifier</a:t>
             </a:r>
             <a:r>
-              <a:rPr lang="de-AT" dirty="0" smtClean="0"/>
-              <a:t> </a:t>
-            </a:r>
-            <a:r>
-              <a:rPr lang="de-AT" dirty="0" err="1" smtClean="0"/>
-              <a:t>best</a:t>
-            </a:r>
-            <a:r>
-              <a:rPr lang="de-AT" dirty="0" smtClean="0"/>
-              <a:t> = </a:t>
-            </a:r>
-            <a:r>
-              <a:rPr lang="de-AT" dirty="0" err="1" smtClean="0"/>
-              <a:t>consider</a:t>
-            </a:r>
-            <a:r>
-              <a:rPr lang="de-AT" dirty="0" smtClean="0"/>
-              <a:t> </a:t>
-            </a:r>
-            <a:r>
-              <a:rPr lang="de-AT" dirty="0" err="1" smtClean="0"/>
-              <a:t>biases</a:t>
-            </a:r>
-            <a:r>
-              <a:rPr lang="de-AT" dirty="0" smtClean="0"/>
-              <a:t> </a:t>
-            </a:r>
-            <a:r>
-              <a:rPr lang="de-AT" dirty="0" err="1" smtClean="0"/>
+              <a:rPr lang="de-AT" baseline="0" dirty="0" smtClean="0"/>
+              <a:t>, </a:t>
+            </a:r>
+            <a:r>
+              <a:rPr lang="de-AT" baseline="0" dirty="0" err="1" smtClean="0"/>
+              <a:t>we</a:t>
+            </a:r>
+            <a:r>
+              <a:rPr lang="de-AT" baseline="0" dirty="0" smtClean="0"/>
+              <a:t> </a:t>
+            </a:r>
+            <a:r>
+              <a:rPr lang="de-AT" baseline="0" dirty="0" err="1" smtClean="0"/>
+              <a:t>have</a:t>
+            </a:r>
+            <a:r>
+              <a:rPr lang="de-AT" baseline="0" dirty="0" smtClean="0"/>
+              <a:t> </a:t>
+            </a:r>
+            <a:r>
+              <a:rPr lang="de-AT" baseline="0" dirty="0" err="1" smtClean="0"/>
+              <a:t>labled</a:t>
+            </a:r>
+            <a:r>
+              <a:rPr lang="de-AT" baseline="0" dirty="0" smtClean="0"/>
+              <a:t> </a:t>
+            </a:r>
+            <a:r>
+              <a:rPr lang="de-AT" baseline="0" dirty="0" err="1" smtClean="0"/>
+              <a:t>classes</a:t>
+            </a:r>
+            <a:r>
+              <a:rPr lang="de-AT" baseline="0" dirty="0" smtClean="0"/>
+              <a:t> A </a:t>
+            </a:r>
+            <a:r>
+              <a:rPr lang="de-AT" baseline="0" dirty="0" err="1" smtClean="0"/>
               <a:t>and</a:t>
             </a:r>
             <a:r>
-              <a:rPr lang="de-AT" dirty="0" smtClean="0"/>
-              <a:t> </a:t>
-            </a:r>
-            <a:r>
-              <a:rPr lang="de-AT" dirty="0" err="1" smtClean="0"/>
-              <a:t>heuristics</a:t>
-            </a:r>
-            <a:r>
-              <a:rPr lang="de-AT" dirty="0" smtClean="0"/>
-              <a:t> </a:t>
-            </a:r>
-            <a:r>
-              <a:rPr lang="de-AT" dirty="0" err="1" smtClean="0"/>
-              <a:t>of</a:t>
+              <a:rPr lang="de-AT" baseline="0" dirty="0" smtClean="0"/>
+              <a:t> B.</a:t>
+            </a:r>
+          </a:p>
+          <a:p>
+            <a:r>
+              <a:rPr lang="de-AT" baseline="0" dirty="0" err="1" smtClean="0"/>
+              <a:t>take</a:t>
             </a:r>
             <a:r>
               <a:rPr lang="de-AT" baseline="0" dirty="0" smtClean="0"/>
@@ -4726,15 +4877,227 @@
             </a:r>
             <a:r>
               <a:rPr lang="de-AT" baseline="0" dirty="0" err="1" smtClean="0"/>
-              <a:t>classifier</a:t>
+              <a:t>random</a:t>
             </a:r>
             <a:r>
               <a:rPr lang="de-AT" baseline="0" dirty="0" smtClean="0"/>
-              <a:t> </a:t>
+              <a:t> sample, </a:t>
             </a:r>
             <a:r>
               <a:rPr lang="de-AT" baseline="0" dirty="0" err="1" smtClean="0"/>
-              <a:t>optimally</a:t>
+              <a:t>compare</a:t>
+            </a:r>
+            <a:r>
+              <a:rPr lang="de-AT" baseline="0" dirty="0" smtClean="0"/>
+              <a:t> </a:t>
+            </a:r>
+            <a:r>
+              <a:rPr lang="de-AT" baseline="0" dirty="0" err="1" smtClean="0"/>
+              <a:t>it</a:t>
+            </a:r>
+            <a:r>
+              <a:rPr lang="de-AT" baseline="0" dirty="0" smtClean="0"/>
+              <a:t> </a:t>
+            </a:r>
+            <a:r>
+              <a:rPr lang="de-AT" baseline="0" dirty="0" err="1" smtClean="0"/>
+              <a:t>to</a:t>
+            </a:r>
+            <a:r>
+              <a:rPr lang="de-AT" baseline="0" dirty="0" smtClean="0"/>
+              <a:t> </a:t>
+            </a:r>
+            <a:r>
+              <a:rPr lang="de-AT" baseline="0" dirty="0" err="1" smtClean="0"/>
+              <a:t>most</a:t>
+            </a:r>
+            <a:r>
+              <a:rPr lang="de-AT" baseline="0" dirty="0" smtClean="0"/>
+              <a:t> </a:t>
+            </a:r>
+            <a:r>
+              <a:rPr lang="de-AT" baseline="0" dirty="0" err="1" smtClean="0"/>
+              <a:t>similar</a:t>
+            </a:r>
+            <a:r>
+              <a:rPr lang="de-AT" baseline="0" dirty="0" smtClean="0"/>
+              <a:t> </a:t>
+            </a:r>
+            <a:r>
+              <a:rPr lang="de-AT" baseline="0" dirty="0" err="1" smtClean="0"/>
+              <a:t>from</a:t>
+            </a:r>
+            <a:r>
+              <a:rPr lang="de-AT" baseline="0" dirty="0" smtClean="0"/>
+              <a:t> same </a:t>
+            </a:r>
+            <a:r>
+              <a:rPr lang="de-AT" baseline="0" dirty="0" err="1" smtClean="0"/>
+              <a:t>class</a:t>
+            </a:r>
+            <a:r>
+              <a:rPr lang="de-AT" baseline="0" dirty="0" smtClean="0"/>
+              <a:t> </a:t>
+            </a:r>
+            <a:r>
+              <a:rPr lang="de-AT" baseline="0" dirty="0" err="1" smtClean="0"/>
+              <a:t>and</a:t>
+            </a:r>
+            <a:r>
+              <a:rPr lang="de-AT" baseline="0" dirty="0" smtClean="0"/>
+              <a:t> </a:t>
+            </a:r>
+            <a:r>
+              <a:rPr lang="de-AT" baseline="0" dirty="0" err="1" smtClean="0"/>
+              <a:t>most</a:t>
+            </a:r>
+            <a:r>
+              <a:rPr lang="de-AT" baseline="0" dirty="0" smtClean="0"/>
+              <a:t> </a:t>
+            </a:r>
+            <a:r>
+              <a:rPr lang="de-AT" baseline="0" dirty="0" err="1" smtClean="0"/>
+              <a:t>similar</a:t>
+            </a:r>
+            <a:r>
+              <a:rPr lang="de-AT" baseline="0" dirty="0" smtClean="0"/>
+              <a:t> </a:t>
+            </a:r>
+            <a:r>
+              <a:rPr lang="de-AT" baseline="0" dirty="0" err="1" smtClean="0"/>
+              <a:t>from</a:t>
+            </a:r>
+            <a:r>
+              <a:rPr lang="de-AT" baseline="0" dirty="0" smtClean="0"/>
+              <a:t> </a:t>
+            </a:r>
+            <a:r>
+              <a:rPr lang="de-AT" baseline="0" dirty="0" err="1" smtClean="0"/>
+              <a:t>the</a:t>
+            </a:r>
+            <a:r>
+              <a:rPr lang="de-AT" baseline="0" dirty="0" smtClean="0"/>
+              <a:t> </a:t>
+            </a:r>
+            <a:r>
+              <a:rPr lang="de-AT" baseline="0" dirty="0" err="1" smtClean="0"/>
+              <a:t>other</a:t>
+            </a:r>
+            <a:r>
+              <a:rPr lang="de-AT" baseline="0" dirty="0" smtClean="0"/>
+              <a:t> </a:t>
+            </a:r>
+            <a:r>
+              <a:rPr lang="de-AT" baseline="0" dirty="0" err="1" smtClean="0"/>
+              <a:t>class</a:t>
+            </a:r>
+            <a:r>
+              <a:rPr lang="de-AT" baseline="0" dirty="0" smtClean="0"/>
+              <a:t>.</a:t>
+            </a:r>
+          </a:p>
+          <a:p>
+            <a:r>
+              <a:rPr lang="de-AT" baseline="0" dirty="0" err="1" smtClean="0"/>
+              <a:t>If</a:t>
+            </a:r>
+            <a:r>
+              <a:rPr lang="de-AT" baseline="0" dirty="0" smtClean="0"/>
+              <a:t> </a:t>
+            </a:r>
+            <a:r>
+              <a:rPr lang="de-AT" baseline="0" dirty="0" err="1" smtClean="0"/>
+              <a:t>very</a:t>
+            </a:r>
+            <a:r>
+              <a:rPr lang="de-AT" baseline="0" dirty="0" smtClean="0"/>
+              <a:t> </a:t>
+            </a:r>
+            <a:r>
+              <a:rPr lang="de-AT" baseline="0" dirty="0" err="1" smtClean="0"/>
+              <a:t>similar</a:t>
+            </a:r>
+            <a:r>
+              <a:rPr lang="de-AT" baseline="0" dirty="0" smtClean="0"/>
+              <a:t> </a:t>
+            </a:r>
+            <a:r>
+              <a:rPr lang="de-AT" baseline="0" dirty="0" err="1" smtClean="0"/>
+              <a:t>to</a:t>
+            </a:r>
+            <a:r>
+              <a:rPr lang="de-AT" baseline="0" dirty="0" smtClean="0"/>
+              <a:t> same </a:t>
+            </a:r>
+            <a:r>
+              <a:rPr lang="de-AT" baseline="0" dirty="0" err="1" smtClean="0"/>
+              <a:t>class</a:t>
+            </a:r>
+            <a:r>
+              <a:rPr lang="de-AT" baseline="0" dirty="0" smtClean="0"/>
+              <a:t> – </a:t>
+            </a:r>
+            <a:r>
+              <a:rPr lang="de-AT" baseline="0" dirty="0" err="1" smtClean="0"/>
+              <a:t>impotant</a:t>
+            </a:r>
+            <a:r>
+              <a:rPr lang="de-AT" baseline="0" dirty="0" smtClean="0"/>
+              <a:t>, high </a:t>
+            </a:r>
+            <a:r>
+              <a:rPr lang="de-AT" baseline="0" dirty="0" err="1" smtClean="0"/>
+              <a:t>weight</a:t>
+            </a:r>
+            <a:r>
+              <a:rPr lang="de-AT" baseline="0" dirty="0" smtClean="0"/>
+              <a:t>, </a:t>
+            </a:r>
+          </a:p>
+          <a:p>
+            <a:r>
+              <a:rPr lang="de-AT" baseline="0" dirty="0" err="1" smtClean="0"/>
+              <a:t>If</a:t>
+            </a:r>
+            <a:r>
+              <a:rPr lang="de-AT" baseline="0" dirty="0" smtClean="0"/>
+              <a:t> </a:t>
+            </a:r>
+            <a:r>
+              <a:rPr lang="de-AT" baseline="0" dirty="0" err="1" smtClean="0"/>
+              <a:t>similar</a:t>
+            </a:r>
+            <a:r>
+              <a:rPr lang="de-AT" baseline="0" dirty="0" smtClean="0"/>
+              <a:t> </a:t>
+            </a:r>
+            <a:r>
+              <a:rPr lang="de-AT" baseline="0" dirty="0" err="1" smtClean="0"/>
+              <a:t>to</a:t>
+            </a:r>
+            <a:r>
+              <a:rPr lang="de-AT" baseline="0" dirty="0" smtClean="0"/>
+              <a:t> </a:t>
+            </a:r>
+            <a:r>
+              <a:rPr lang="de-AT" baseline="0" dirty="0" err="1" smtClean="0"/>
+              <a:t>other</a:t>
+            </a:r>
+            <a:r>
+              <a:rPr lang="de-AT" baseline="0" dirty="0" smtClean="0"/>
+              <a:t> </a:t>
+            </a:r>
+            <a:r>
+              <a:rPr lang="de-AT" baseline="0" dirty="0" err="1" smtClean="0"/>
+              <a:t>class</a:t>
+            </a:r>
+            <a:r>
+              <a:rPr lang="de-AT" baseline="0" dirty="0" smtClean="0"/>
+              <a:t> – negative </a:t>
+            </a:r>
+            <a:r>
+              <a:rPr lang="de-AT" baseline="0" dirty="0" err="1" smtClean="0"/>
+              <a:t>weight</a:t>
             </a:r>
             <a:endParaRPr lang="de-AT" baseline="0" dirty="0" smtClean="0"/>
           </a:p>
@@ -4744,7 +5107,7 @@
           <a:p>
             <a:r>
               <a:rPr lang="de-AT" baseline="0" dirty="0" err="1" smtClean="0"/>
-              <a:t>Better</a:t>
+              <a:t>Many</a:t>
             </a:r>
             <a:r>
               <a:rPr lang="de-AT" baseline="0" dirty="0" smtClean="0"/>
@@ -4752,15 +5115,47 @@
             </a:r>
             <a:r>
               <a:rPr lang="de-AT" baseline="0" dirty="0" err="1" smtClean="0"/>
-              <a:t>results</a:t>
+              <a:t>runs</a:t>
             </a:r>
             <a:r>
               <a:rPr lang="de-AT" baseline="0" dirty="0" smtClean="0"/>
-              <a:t> </a:t>
+              <a:t>, </a:t>
             </a:r>
             <a:r>
               <a:rPr lang="de-AT" baseline="0" dirty="0" err="1" smtClean="0"/>
-              <a:t>achieved</a:t>
+              <a:t>important</a:t>
+            </a:r>
+            <a:r>
+              <a:rPr lang="de-AT" baseline="0" dirty="0" smtClean="0"/>
+              <a:t> </a:t>
+            </a:r>
+            <a:r>
+              <a:rPr lang="de-AT" baseline="0" dirty="0" err="1" smtClean="0"/>
+              <a:t>features</a:t>
+            </a:r>
+            <a:r>
+              <a:rPr lang="de-AT" baseline="0" dirty="0" smtClean="0"/>
+              <a:t> </a:t>
+            </a:r>
+            <a:r>
+              <a:rPr lang="de-AT" baseline="0" dirty="0" err="1" smtClean="0"/>
+              <a:t>get</a:t>
+            </a:r>
+            <a:r>
+              <a:rPr lang="de-AT" baseline="0" dirty="0" smtClean="0"/>
+              <a:t> </a:t>
+            </a:r>
+            <a:r>
+              <a:rPr lang="de-AT" baseline="0" dirty="0" err="1" smtClean="0"/>
+              <a:t>hight</a:t>
+            </a:r>
+            <a:r>
+              <a:rPr lang="de-AT" baseline="0" dirty="0" smtClean="0"/>
+              <a:t> </a:t>
+            </a:r>
+            <a:r>
+              <a:rPr lang="de-AT" baseline="0" dirty="0" err="1" smtClean="0"/>
+              <a:t>weights</a:t>
             </a:r>
             <a:endParaRPr lang="de-AT" dirty="0"/>
           </a:p>
@@ -4784,7 +5179,7 @@
             <a:fld id="{07914D93-ABC8-448C-8296-85FD12164B61}" type="slidenum">
               <a:rPr lang="de-DE" altLang="de-DE" smtClean="0"/>
               <a:pPr/>
-              <a:t>12</a:t>
+              <a:t>11</a:t>
             </a:fld>
             <a:endParaRPr lang="de-DE" altLang="de-DE"/>
           </a:p>
@@ -4793,7 +5188,7 @@
     </p:spTree>
     <p:extLst>
       <p:ext uri="{BB962C8B-B14F-4D97-AF65-F5344CB8AC3E}">
-        <p14:creationId xmlns:p14="http://schemas.microsoft.com/office/powerpoint/2010/main" val="2492573933"/>
+        <p14:creationId xmlns:p14="http://schemas.microsoft.com/office/powerpoint/2010/main" val="1744673521"/>
       </p:ext>
     </p:extLst>
   </p:cSld>
@@ -11547,11 +11942,11 @@
   <p:clrMapOvr>
     <a:masterClrMapping/>
   </p:clrMapOvr>
-  <mc:AlternateContent xmlns:mc="http://schemas.openxmlformats.org/markup-compatibility/2006">
-    <mc:Choice xmlns:p14="http://schemas.microsoft.com/office/powerpoint/2010/main" Requires="p14">
+  <mc:AlternateContent xmlns:mc="http://schemas.openxmlformats.org/markup-compatibility/2006" xmlns:p14="http://schemas.microsoft.com/office/powerpoint/2010/main">
+    <mc:Choice Requires="p14">
       <p:transition spd="slow" p14:dur="2000"/>
     </mc:Choice>
-    <mc:Fallback>
+    <mc:Fallback xmlns="">
       <p:transition spd="slow"/>
     </mc:Fallback>
   </mc:AlternateContent>
@@ -12490,11 +12885,11 @@
   <p:clrMapOvr>
     <a:masterClrMapping/>
   </p:clrMapOvr>
-  <mc:AlternateContent xmlns:mc="http://schemas.openxmlformats.org/markup-compatibility/2006">
-    <mc:Choice xmlns:p14="http://schemas.microsoft.com/office/powerpoint/2010/main" Requires="p14">
+  <mc:AlternateContent xmlns:mc="http://schemas.openxmlformats.org/markup-compatibility/2006" xmlns:p14="http://schemas.microsoft.com/office/powerpoint/2010/main">
+    <mc:Choice Requires="p14">
       <p:transition spd="slow" p14:dur="2000"/>
     </mc:Choice>
-    <mc:Fallback>
+    <mc:Fallback xmlns="">
       <p:transition spd="slow"/>
     </mc:Fallback>
   </mc:AlternateContent>
@@ -13195,7 +13590,7 @@
           <a:graphicData uri="http://schemas.openxmlformats.org/presentationml/2006/ole">
             <mc:AlternateContent xmlns:mc="http://schemas.openxmlformats.org/markup-compatibility/2006">
               <mc:Choice xmlns:v="urn:schemas-microsoft-com:vml" Requires="v">
-                <p:oleObj spid="_x0000_s2053" name="Image" r:id="rId4" imgW="2742840" imgH="2603160" progId="Photoshop.Image.14">
+                <p:oleObj spid="_x0000_s2055" name="Image" r:id="rId4" imgW="2742840" imgH="2603160" progId="Photoshop.Image.14">
                   <p:embed/>
                 </p:oleObj>
               </mc:Choice>
@@ -13440,10 +13835,6 @@
               <a:rPr lang="de-AT" dirty="0" smtClean="0"/>
               <a:t> SVM</a:t>
             </a:r>
-            <a:r>
-              <a:rPr lang="de-AT" dirty="0" smtClean="0"/>
-              <a:t/>
-            </a:r>
             <a:br>
               <a:rPr lang="de-AT" dirty="0" smtClean="0"/>
             </a:br>
@@ -13549,7 +13940,7 @@
           <a:graphicData uri="http://schemas.openxmlformats.org/presentationml/2006/ole">
             <mc:AlternateContent xmlns:mc="http://schemas.openxmlformats.org/markup-compatibility/2006">
               <mc:Choice xmlns:v="urn:schemas-microsoft-com:vml" Requires="v">
-                <p:oleObj spid="_x0000_s3080" name="Image" r:id="rId4" imgW="2742840" imgH="2603160" progId="Photoshop.Image.14">
+                <p:oleObj spid="_x0000_s3082" name="Image" r:id="rId4" imgW="2742840" imgH="2603160" progId="Photoshop.Image.14">
                   <p:embed/>
                 </p:oleObj>
               </mc:Choice>
@@ -17000,11 +17391,7 @@
             </a:r>
             <a:r>
               <a:rPr lang="en-US" dirty="0" smtClean="0"/>
-              <a:t>features</a:t>
-            </a:r>
-            <a:r>
-              <a:rPr lang="en-US" dirty="0" smtClean="0"/>
-              <a:t>!</a:t>
+              <a:t>features!</a:t>
             </a:r>
           </a:p>
           <a:p>
@@ -17219,7 +17606,6 @@
               <a:rPr lang="en-US" b="1" dirty="0" smtClean="0"/>
               <a:t>Flat</a:t>
             </a:r>
-            <a:endParaRPr lang="en-US" b="1" dirty="0" smtClean="0"/>
           </a:p>
           <a:p>
             <a:pPr lvl="1"/>
@@ -17227,7 +17613,6 @@
               <a:rPr lang="en-US" sz="2400" dirty="0" smtClean="0"/>
               <a:t>Independency assumed</a:t>
             </a:r>
-            <a:endParaRPr lang="en-US" sz="2400" dirty="0" smtClean="0"/>
           </a:p>
           <a:p>
             <a:endParaRPr lang="en-US" dirty="0"/>
@@ -17237,17 +17622,12 @@
               <a:rPr lang="en-US" b="1" dirty="0" smtClean="0"/>
               <a:t>Structured </a:t>
             </a:r>
-            <a:endParaRPr lang="en-US" b="1" dirty="0" smtClean="0"/>
           </a:p>
           <a:p>
             <a:pPr lvl="1"/>
             <a:r>
               <a:rPr lang="en-US" sz="2400" dirty="0" smtClean="0"/>
-              <a:t>Certain structure </a:t>
-            </a:r>
-            <a:r>
-              <a:rPr lang="en-US" sz="2400" dirty="0" smtClean="0"/>
-              <a:t>assumed</a:t>
+              <a:t>Certain structure assumed</a:t>
             </a:r>
             <a:endParaRPr lang="de-AT" sz="2400" dirty="0"/>
           </a:p>
@@ -17419,15 +17799,7 @@
             </a:pPr>
             <a:r>
               <a:rPr lang="en-US" dirty="0" smtClean="0"/>
-              <a:t>Possible structure </a:t>
-            </a:r>
-            <a:r>
-              <a:rPr lang="en-US" dirty="0" smtClean="0"/>
-              <a:t>is</a:t>
-            </a:r>
-            <a:r>
-              <a:rPr lang="en-US" dirty="0" smtClean="0"/>
-              <a:t> ignored</a:t>
+              <a:t>Possible structure is ignored</a:t>
             </a:r>
           </a:p>
           <a:p>
@@ -17922,7 +18294,7 @@
           <a:graphicData uri="http://schemas.openxmlformats.org/presentationml/2006/ole">
             <mc:AlternateContent xmlns:mc="http://schemas.openxmlformats.org/markup-compatibility/2006">
               <mc:Choice xmlns:v="urn:schemas-microsoft-com:vml" Requires="v">
-                <p:oleObj spid="_x0000_s1029" name="Image" r:id="rId4" imgW="2742840" imgH="2603160" progId="Photoshop.Image.14">
+                <p:oleObj spid="_x0000_s1031" name="Image" r:id="rId4" imgW="2742840" imgH="2603160" progId="Photoshop.Image.14">
                   <p:embed/>
                 </p:oleObj>
               </mc:Choice>
